--- a/Docs/Features overview.pptx
+++ b/Docs/Features overview.pptx
@@ -6,6 +6,9 @@
   </p:sldMasterIdLst>
   <p:sldIdLst>
     <p:sldId id="257" r:id="rId2"/>
+    <p:sldId id="258" r:id="rId3"/>
+    <p:sldId id="259" r:id="rId4"/>
+    <p:sldId id="260" r:id="rId5"/>
   </p:sldIdLst>
   <p:sldSz cx="12192000" cy="6858000"/>
   <p:notesSz cx="6858000" cy="9144000"/>
@@ -104,12 +107,47 @@
       </a:defRPr>
     </a:lvl9pPr>
   </p:defaultTextStyle>
+  <p:extLst>
+    <p:ext uri="{521415D9-36F7-43E2-AB2F-B90AF26B5E84}">
+      <p14:sectionLst xmlns:p14="http://schemas.microsoft.com/office/powerpoint/2010/main">
+        <p14:section name="Intro" id="{9CF1F011-95CA-48D0-BD53-61024DBCDCD3}">
+          <p14:sldIdLst>
+            <p14:sldId id="257"/>
+            <p14:sldId id="258"/>
+          </p14:sldIdLst>
+        </p14:section>
+        <p14:section name="Frame Graph" id="{453CCC5D-6E2D-4CE0-8E14-CECF0EC6CED3}">
+          <p14:sldIdLst>
+            <p14:sldId id="259"/>
+            <p14:sldId id="260"/>
+          </p14:sldIdLst>
+        </p14:section>
+      </p14:sectionLst>
+    </p:ext>
+    <p:ext uri="{EFAFB233-063F-42B5-8137-9DF3F51BA10A}">
+      <p15:sldGuideLst xmlns:p15="http://schemas.microsoft.com/office/powerpoint/2012/main"/>
+    </p:ext>
+  </p:extLst>
 </p:presentation>
 </file>
 
 <file path=ppt/slideLayouts/slideLayout1.xml><?xml version="1.0" encoding="utf-8"?>
 <p:sldLayout xmlns:a="http://schemas.openxmlformats.org/drawingml/2006/main" xmlns:r="http://schemas.openxmlformats.org/officeDocument/2006/relationships" xmlns:p="http://schemas.openxmlformats.org/presentationml/2006/main" type="title" preserve="1">
   <p:cSld name="Title Slide">
+    <p:bg>
+      <p:bgPr>
+        <a:blipFill dpi="0" rotWithShape="1">
+          <a:blip r:embed="rId2">
+            <a:lum/>
+          </a:blip>
+          <a:srcRect/>
+          <a:stretch>
+            <a:fillRect/>
+          </a:stretch>
+        </a:blipFill>
+        <a:effectLst/>
+      </p:bgPr>
+    </p:bg>
     <p:spTree>
       <p:nvGrpSpPr>
         <p:cNvPr id="1" name=""/>
@@ -256,7 +294,7 @@
           <a:p>
             <a:fld id="{84B6F61C-9FA5-4C35-A1D3-00EE2C15A6C0}" type="datetimeFigureOut">
               <a:rPr lang="en-IN" smtClean="0"/>
-              <a:t>Thu : 14-07-2022</a:t>
+              <a:t>16-12-2022</a:t>
             </a:fld>
             <a:endParaRPr lang="en-IN"/>
           </a:p>
@@ -332,6 +370,20 @@
 <file path=ppt/slideLayouts/slideLayout10.xml><?xml version="1.0" encoding="utf-8"?>
 <p:sldLayout xmlns:a="http://schemas.openxmlformats.org/drawingml/2006/main" xmlns:r="http://schemas.openxmlformats.org/officeDocument/2006/relationships" xmlns:p="http://schemas.openxmlformats.org/presentationml/2006/main" type="vertTx" preserve="1">
   <p:cSld name="Title and Vertical Text">
+    <p:bg>
+      <p:bgPr>
+        <a:blipFill dpi="0" rotWithShape="1">
+          <a:blip r:embed="rId2">
+            <a:lum/>
+          </a:blip>
+          <a:srcRect/>
+          <a:stretch>
+            <a:fillRect/>
+          </a:stretch>
+        </a:blipFill>
+        <a:effectLst/>
+      </p:bgPr>
+    </p:bg>
     <p:spTree>
       <p:nvGrpSpPr>
         <p:cNvPr id="1" name=""/>
@@ -365,13 +417,23 @@
         <p:spPr/>
         <p:txBody>
           <a:bodyPr/>
-          <a:lstStyle/>
-          <a:p>
-            <a:r>
-              <a:rPr lang="en-US"/>
+          <a:lstStyle>
+            <a:lvl1pPr>
+              <a:defRPr>
+                <a:solidFill>
+                  <a:schemeClr val="bg1">
+                    <a:lumMod val="95000"/>
+                  </a:schemeClr>
+                </a:solidFill>
+              </a:defRPr>
+            </a:lvl1pPr>
+          </a:lstStyle>
+          <a:p>
+            <a:r>
+              <a:rPr lang="en-US" dirty="0"/>
               <a:t>Click to edit Master title style</a:t>
             </a:r>
-            <a:endParaRPr lang="en-IN"/>
+            <a:endParaRPr lang="en-IN" dirty="0"/>
           </a:p>
         </p:txBody>
       </p:sp>
@@ -456,7 +518,7 @@
           <a:p>
             <a:fld id="{84B6F61C-9FA5-4C35-A1D3-00EE2C15A6C0}" type="datetimeFigureOut">
               <a:rPr lang="en-IN" smtClean="0"/>
-              <a:t>Thu : 14-07-2022</a:t>
+              <a:t>16-12-2022</a:t>
             </a:fld>
             <a:endParaRPr lang="en-IN"/>
           </a:p>
@@ -532,6 +594,20 @@
 <file path=ppt/slideLayouts/slideLayout11.xml><?xml version="1.0" encoding="utf-8"?>
 <p:sldLayout xmlns:a="http://schemas.openxmlformats.org/drawingml/2006/main" xmlns:r="http://schemas.openxmlformats.org/officeDocument/2006/relationships" xmlns:p="http://schemas.openxmlformats.org/presentationml/2006/main" type="vertTitleAndTx" preserve="1">
   <p:cSld name="Vertical Title and Text">
+    <p:bg>
+      <p:bgPr>
+        <a:blipFill dpi="0" rotWithShape="1">
+          <a:blip r:embed="rId2">
+            <a:lum/>
+          </a:blip>
+          <a:srcRect/>
+          <a:stretch>
+            <a:fillRect/>
+          </a:stretch>
+        </a:blipFill>
+        <a:effectLst/>
+      </p:bgPr>
+    </p:bg>
     <p:spTree>
       <p:nvGrpSpPr>
         <p:cNvPr id="1" name=""/>
@@ -666,7 +742,7 @@
           <a:p>
             <a:fld id="{84B6F61C-9FA5-4C35-A1D3-00EE2C15A6C0}" type="datetimeFigureOut">
               <a:rPr lang="en-IN" smtClean="0"/>
-              <a:t>Thu : 14-07-2022</a:t>
+              <a:t>16-12-2022</a:t>
             </a:fld>
             <a:endParaRPr lang="en-IN"/>
           </a:p>
@@ -742,6 +818,20 @@
 <file path=ppt/slideLayouts/slideLayout2.xml><?xml version="1.0" encoding="utf-8"?>
 <p:sldLayout xmlns:a="http://schemas.openxmlformats.org/drawingml/2006/main" xmlns:r="http://schemas.openxmlformats.org/officeDocument/2006/relationships" xmlns:p="http://schemas.openxmlformats.org/presentationml/2006/main" type="obj" preserve="1">
   <p:cSld name="Title and Content">
+    <p:bg>
+      <p:bgPr>
+        <a:blipFill dpi="0" rotWithShape="1">
+          <a:blip r:embed="rId2">
+            <a:lum/>
+          </a:blip>
+          <a:srcRect/>
+          <a:stretch>
+            <a:fillRect/>
+          </a:stretch>
+        </a:blipFill>
+        <a:effectLst/>
+      </p:bgPr>
+    </p:bg>
     <p:spTree>
       <p:nvGrpSpPr>
         <p:cNvPr id="1" name=""/>
@@ -772,41 +862,19 @@
             <p:ph type="title"/>
           </p:nvPr>
         </p:nvSpPr>
-        <p:spPr/>
-        <p:txBody>
-          <a:bodyPr/>
-          <a:lstStyle/>
-          <a:p>
-            <a:r>
-              <a:rPr lang="en-US"/>
-              <a:t>Click to edit Master title style</a:t>
-            </a:r>
-            <a:endParaRPr lang="en-IN"/>
-          </a:p>
-        </p:txBody>
-      </p:sp>
-      <p:sp>
-        <p:nvSpPr>
-          <p:cNvPr id="3" name="Content Placeholder 2">
-            <a:extLst>
-              <a:ext uri="{FF2B5EF4-FFF2-40B4-BE49-F238E27FC236}">
-                <a16:creationId xmlns:a16="http://schemas.microsoft.com/office/drawing/2014/main" id="{3EFCCBBD-9419-C90A-8E8C-66E6ECF5F46D}"/>
-              </a:ext>
-            </a:extLst>
-          </p:cNvPr>
-          <p:cNvSpPr>
-            <a:spLocks noGrp="1"/>
-          </p:cNvSpPr>
-          <p:nvPr>
-            <p:ph idx="1"/>
-          </p:nvPr>
-        </p:nvSpPr>
-        <p:spPr/>
-        <p:txBody>
-          <a:bodyPr/>
+        <p:spPr>
+          <a:xfrm>
+            <a:off x="474306" y="198393"/>
+            <a:ext cx="10515600" cy="728194"/>
+          </a:xfrm>
+        </p:spPr>
+        <p:txBody>
+          <a:bodyPr>
+            <a:normAutofit/>
+          </a:bodyPr>
           <a:lstStyle>
             <a:lvl1pPr>
-              <a:defRPr>
+              <a:defRPr sz="2400">
                 <a:solidFill>
                   <a:schemeClr val="bg1"/>
                 </a:solidFill>
@@ -814,6 +882,60 @@
             </a:lvl1pPr>
           </a:lstStyle>
           <a:p>
+            <a:r>
+              <a:rPr lang="en-US" dirty="0"/>
+              <a:t>Click to edit Master title style</a:t>
+            </a:r>
+            <a:endParaRPr lang="en-IN" dirty="0"/>
+          </a:p>
+        </p:txBody>
+      </p:sp>
+      <p:sp>
+        <p:nvSpPr>
+          <p:cNvPr id="3" name="Content Placeholder 2">
+            <a:extLst>
+              <a:ext uri="{FF2B5EF4-FFF2-40B4-BE49-F238E27FC236}">
+                <a16:creationId xmlns:a16="http://schemas.microsoft.com/office/drawing/2014/main" id="{3EFCCBBD-9419-C90A-8E8C-66E6ECF5F46D}"/>
+              </a:ext>
+            </a:extLst>
+          </p:cNvPr>
+          <p:cNvSpPr>
+            <a:spLocks noGrp="1"/>
+          </p:cNvSpPr>
+          <p:nvPr>
+            <p:ph idx="1"/>
+          </p:nvPr>
+        </p:nvSpPr>
+        <p:spPr>
+          <a:xfrm>
+            <a:off x="541176" y="1219454"/>
+            <a:ext cx="10812624" cy="4957509"/>
+          </a:xfrm>
+        </p:spPr>
+        <p:txBody>
+          <a:bodyPr/>
+          <a:lstStyle>
+            <a:lvl1pPr>
+              <a:defRPr sz="1600">
+                <a:solidFill>
+                  <a:schemeClr val="bg1"/>
+                </a:solidFill>
+              </a:defRPr>
+            </a:lvl1pPr>
+            <a:lvl2pPr>
+              <a:defRPr sz="1200"/>
+            </a:lvl2pPr>
+            <a:lvl3pPr>
+              <a:defRPr sz="1000"/>
+            </a:lvl3pPr>
+            <a:lvl4pPr>
+              <a:defRPr sz="800"/>
+            </a:lvl4pPr>
+            <a:lvl5pPr>
+              <a:defRPr sz="600"/>
+            </a:lvl5pPr>
+          </a:lstStyle>
+          <a:p>
             <a:pPr lvl="0"/>
             <a:r>
               <a:rPr lang="en-US" dirty="0"/>
@@ -874,9 +996,9 @@
           <a:p>
             <a:fld id="{84B6F61C-9FA5-4C35-A1D3-00EE2C15A6C0}" type="datetimeFigureOut">
               <a:rPr lang="en-IN" smtClean="0"/>
-              <a:t>Thu : 14-07-2022</a:t>
+              <a:t>16-12-2022</a:t>
             </a:fld>
-            <a:endParaRPr lang="en-IN"/>
+            <a:endParaRPr lang="en-IN" dirty="0"/>
           </a:p>
         </p:txBody>
       </p:sp>
@@ -901,7 +1023,7 @@
           <a:bodyPr/>
           <a:lstStyle/>
           <a:p>
-            <a:endParaRPr lang="en-IN"/>
+            <a:endParaRPr lang="en-IN" dirty="0"/>
           </a:p>
         </p:txBody>
       </p:sp>
@@ -930,6 +1052,97 @@
               <a:rPr lang="en-IN" smtClean="0"/>
               <a:t>‹#›</a:t>
             </a:fld>
+            <a:endParaRPr lang="en-IN"/>
+          </a:p>
+        </p:txBody>
+      </p:sp>
+      <p:cxnSp>
+        <p:nvCxnSpPr>
+          <p:cNvPr id="8" name="Straight Connector 7">
+            <a:extLst>
+              <a:ext uri="{FF2B5EF4-FFF2-40B4-BE49-F238E27FC236}">
+                <a16:creationId xmlns:a16="http://schemas.microsoft.com/office/drawing/2014/main" id="{F345B548-3337-F008-3958-B40C80D5D3D7}"/>
+              </a:ext>
+            </a:extLst>
+          </p:cNvPr>
+          <p:cNvCxnSpPr>
+            <a:cxnSpLocks/>
+          </p:cNvCxnSpPr>
+          <p:nvPr userDrawn="1"/>
+        </p:nvCxnSpPr>
+        <p:spPr>
+          <a:xfrm>
+            <a:off x="335902" y="1073020"/>
+            <a:ext cx="11140751" cy="0"/>
+          </a:xfrm>
+          <a:prstGeom prst="line">
+            <a:avLst/>
+          </a:prstGeom>
+          <a:ln w="19050">
+            <a:solidFill>
+              <a:schemeClr val="accent2">
+                <a:lumMod val="85000"/>
+              </a:schemeClr>
+            </a:solidFill>
+          </a:ln>
+        </p:spPr>
+        <p:style>
+          <a:lnRef idx="1">
+            <a:schemeClr val="accent1"/>
+          </a:lnRef>
+          <a:fillRef idx="0">
+            <a:schemeClr val="accent1"/>
+          </a:fillRef>
+          <a:effectRef idx="0">
+            <a:schemeClr val="accent1"/>
+          </a:effectRef>
+          <a:fontRef idx="minor">
+            <a:schemeClr val="tx1"/>
+          </a:fontRef>
+        </p:style>
+      </p:cxnSp>
+      <p:sp>
+        <p:nvSpPr>
+          <p:cNvPr id="11" name="Rectangle 10">
+            <a:extLst>
+              <a:ext uri="{FF2B5EF4-FFF2-40B4-BE49-F238E27FC236}">
+                <a16:creationId xmlns:a16="http://schemas.microsoft.com/office/drawing/2014/main" id="{C7A37710-45F1-1A8E-E8D6-46471D4E7528}"/>
+              </a:ext>
+            </a:extLst>
+          </p:cNvPr>
+          <p:cNvSpPr/>
+          <p:nvPr userDrawn="1"/>
+        </p:nvSpPr>
+        <p:spPr>
+          <a:xfrm>
+            <a:off x="335902" y="198393"/>
+            <a:ext cx="45719" cy="728193"/>
+          </a:xfrm>
+          <a:prstGeom prst="rect">
+            <a:avLst/>
+          </a:prstGeom>
+        </p:spPr>
+        <p:style>
+          <a:lnRef idx="2">
+            <a:schemeClr val="accent1">
+              <a:shade val="50000"/>
+            </a:schemeClr>
+          </a:lnRef>
+          <a:fillRef idx="1">
+            <a:schemeClr val="accent1"/>
+          </a:fillRef>
+          <a:effectRef idx="0">
+            <a:schemeClr val="accent1"/>
+          </a:effectRef>
+          <a:fontRef idx="minor">
+            <a:schemeClr val="lt1"/>
+          </a:fontRef>
+        </p:style>
+        <p:txBody>
+          <a:bodyPr rtlCol="0" anchor="ctr"/>
+          <a:lstStyle/>
+          <a:p>
+            <a:pPr algn="ctr"/>
             <a:endParaRPr lang="en-IN"/>
           </a:p>
         </p:txBody>
@@ -950,6 +1163,20 @@
 <file path=ppt/slideLayouts/slideLayout3.xml><?xml version="1.0" encoding="utf-8"?>
 <p:sldLayout xmlns:a="http://schemas.openxmlformats.org/drawingml/2006/main" xmlns:r="http://schemas.openxmlformats.org/officeDocument/2006/relationships" xmlns:p="http://schemas.openxmlformats.org/presentationml/2006/main" type="secHead" preserve="1">
   <p:cSld name="Section Header">
+    <p:bg>
+      <p:bgPr>
+        <a:blipFill dpi="0" rotWithShape="1">
+          <a:blip r:embed="rId2">
+            <a:lum/>
+          </a:blip>
+          <a:srcRect/>
+          <a:stretch>
+            <a:fillRect/>
+          </a:stretch>
+        </a:blipFill>
+        <a:effectLst/>
+      </p:bgPr>
+    </p:bg>
     <p:spTree>
       <p:nvGrpSpPr>
         <p:cNvPr id="1" name=""/>
@@ -1150,7 +1377,7 @@
           <a:p>
             <a:fld id="{84B6F61C-9FA5-4C35-A1D3-00EE2C15A6C0}" type="datetimeFigureOut">
               <a:rPr lang="en-IN" smtClean="0"/>
-              <a:t>Thu : 14-07-2022</a:t>
+              <a:t>16-12-2022</a:t>
             </a:fld>
             <a:endParaRPr lang="en-IN"/>
           </a:p>
@@ -1226,6 +1453,20 @@
 <file path=ppt/slideLayouts/slideLayout4.xml><?xml version="1.0" encoding="utf-8"?>
 <p:sldLayout xmlns:a="http://schemas.openxmlformats.org/drawingml/2006/main" xmlns:r="http://schemas.openxmlformats.org/officeDocument/2006/relationships" xmlns:p="http://schemas.openxmlformats.org/presentationml/2006/main" type="twoObj" preserve="1">
   <p:cSld name="Two Content">
+    <p:bg>
+      <p:bgPr>
+        <a:blipFill dpi="0" rotWithShape="1">
+          <a:blip r:embed="rId2">
+            <a:lum/>
+          </a:blip>
+          <a:srcRect/>
+          <a:stretch>
+            <a:fillRect/>
+          </a:stretch>
+        </a:blipFill>
+        <a:effectLst/>
+      </p:bgPr>
+    </p:bg>
     <p:spTree>
       <p:nvGrpSpPr>
         <p:cNvPr id="1" name=""/>
@@ -1418,7 +1659,7 @@
           <a:p>
             <a:fld id="{84B6F61C-9FA5-4C35-A1D3-00EE2C15A6C0}" type="datetimeFigureOut">
               <a:rPr lang="en-IN" smtClean="0"/>
-              <a:t>Thu : 14-07-2022</a:t>
+              <a:t>16-12-2022</a:t>
             </a:fld>
             <a:endParaRPr lang="en-IN"/>
           </a:p>
@@ -1494,6 +1735,20 @@
 <file path=ppt/slideLayouts/slideLayout5.xml><?xml version="1.0" encoding="utf-8"?>
 <p:sldLayout xmlns:a="http://schemas.openxmlformats.org/drawingml/2006/main" xmlns:r="http://schemas.openxmlformats.org/officeDocument/2006/relationships" xmlns:p="http://schemas.openxmlformats.org/presentationml/2006/main" type="twoTxTwoObj" preserve="1">
   <p:cSld name="Comparison">
+    <p:bg>
+      <p:bgPr>
+        <a:blipFill dpi="0" rotWithShape="1">
+          <a:blip r:embed="rId2">
+            <a:lum/>
+          </a:blip>
+          <a:srcRect/>
+          <a:stretch>
+            <a:fillRect/>
+          </a:stretch>
+        </a:blipFill>
+        <a:effectLst/>
+      </p:bgPr>
+    </p:bg>
     <p:spTree>
       <p:nvGrpSpPr>
         <p:cNvPr id="1" name=""/>
@@ -1833,7 +2088,7 @@
           <a:p>
             <a:fld id="{84B6F61C-9FA5-4C35-A1D3-00EE2C15A6C0}" type="datetimeFigureOut">
               <a:rPr lang="en-IN" smtClean="0"/>
-              <a:t>Thu : 14-07-2022</a:t>
+              <a:t>16-12-2022</a:t>
             </a:fld>
             <a:endParaRPr lang="en-IN" dirty="0"/>
           </a:p>
@@ -1909,6 +2164,20 @@
 <file path=ppt/slideLayouts/slideLayout6.xml><?xml version="1.0" encoding="utf-8"?>
 <p:sldLayout xmlns:a="http://schemas.openxmlformats.org/drawingml/2006/main" xmlns:r="http://schemas.openxmlformats.org/officeDocument/2006/relationships" xmlns:p="http://schemas.openxmlformats.org/presentationml/2006/main" type="titleOnly" preserve="1">
   <p:cSld name="Title Only">
+    <p:bg>
+      <p:bgPr>
+        <a:blipFill dpi="0" rotWithShape="1">
+          <a:blip r:embed="rId2">
+            <a:lum/>
+          </a:blip>
+          <a:srcRect/>
+          <a:stretch>
+            <a:fillRect/>
+          </a:stretch>
+        </a:blipFill>
+        <a:effectLst/>
+      </p:bgPr>
+    </p:bg>
     <p:spTree>
       <p:nvGrpSpPr>
         <p:cNvPr id="1" name=""/>
@@ -1983,7 +2252,7 @@
           <a:p>
             <a:fld id="{84B6F61C-9FA5-4C35-A1D3-00EE2C15A6C0}" type="datetimeFigureOut">
               <a:rPr lang="en-IN" smtClean="0"/>
-              <a:t>Thu : 14-07-2022</a:t>
+              <a:t>16-12-2022</a:t>
             </a:fld>
             <a:endParaRPr lang="en-IN"/>
           </a:p>
@@ -2059,6 +2328,20 @@
 <file path=ppt/slideLayouts/slideLayout7.xml><?xml version="1.0" encoding="utf-8"?>
 <p:sldLayout xmlns:a="http://schemas.openxmlformats.org/drawingml/2006/main" xmlns:r="http://schemas.openxmlformats.org/officeDocument/2006/relationships" xmlns:p="http://schemas.openxmlformats.org/presentationml/2006/main" type="blank" preserve="1">
   <p:cSld name="Blank">
+    <p:bg>
+      <p:bgPr>
+        <a:blipFill dpi="0" rotWithShape="1">
+          <a:blip r:embed="rId2">
+            <a:lum/>
+          </a:blip>
+          <a:srcRect/>
+          <a:stretch>
+            <a:fillRect/>
+          </a:stretch>
+        </a:blipFill>
+        <a:effectLst/>
+      </p:bgPr>
+    </p:bg>
     <p:spTree>
       <p:nvGrpSpPr>
         <p:cNvPr id="1" name=""/>
@@ -2096,7 +2379,7 @@
           <a:p>
             <a:fld id="{84B6F61C-9FA5-4C35-A1D3-00EE2C15A6C0}" type="datetimeFigureOut">
               <a:rPr lang="en-IN" smtClean="0"/>
-              <a:t>Thu : 14-07-2022</a:t>
+              <a:t>16-12-2022</a:t>
             </a:fld>
             <a:endParaRPr lang="en-IN"/>
           </a:p>
@@ -2172,6 +2455,20 @@
 <file path=ppt/slideLayouts/slideLayout8.xml><?xml version="1.0" encoding="utf-8"?>
 <p:sldLayout xmlns:a="http://schemas.openxmlformats.org/drawingml/2006/main" xmlns:r="http://schemas.openxmlformats.org/officeDocument/2006/relationships" xmlns:p="http://schemas.openxmlformats.org/presentationml/2006/main" type="objTx" preserve="1">
   <p:cSld name="Content with Caption">
+    <p:bg>
+      <p:bgPr>
+        <a:blipFill dpi="0" rotWithShape="1">
+          <a:blip r:embed="rId2">
+            <a:lum/>
+          </a:blip>
+          <a:srcRect/>
+          <a:stretch>
+            <a:fillRect/>
+          </a:stretch>
+        </a:blipFill>
+        <a:effectLst/>
+      </p:bgPr>
+    </p:bg>
     <p:spTree>
       <p:nvGrpSpPr>
         <p:cNvPr id="1" name=""/>
@@ -2409,7 +2706,7 @@
           <a:p>
             <a:fld id="{84B6F61C-9FA5-4C35-A1D3-00EE2C15A6C0}" type="datetimeFigureOut">
               <a:rPr lang="en-IN" smtClean="0"/>
-              <a:t>Thu : 14-07-2022</a:t>
+              <a:t>16-12-2022</a:t>
             </a:fld>
             <a:endParaRPr lang="en-IN"/>
           </a:p>
@@ -2485,6 +2782,20 @@
 <file path=ppt/slideLayouts/slideLayout9.xml><?xml version="1.0" encoding="utf-8"?>
 <p:sldLayout xmlns:a="http://schemas.openxmlformats.org/drawingml/2006/main" xmlns:r="http://schemas.openxmlformats.org/officeDocument/2006/relationships" xmlns:p="http://schemas.openxmlformats.org/presentationml/2006/main" type="picTx" preserve="1">
   <p:cSld name="Picture with Caption">
+    <p:bg>
+      <p:bgPr>
+        <a:blipFill dpi="0" rotWithShape="1">
+          <a:blip r:embed="rId2">
+            <a:lum/>
+          </a:blip>
+          <a:srcRect/>
+          <a:stretch>
+            <a:fillRect/>
+          </a:stretch>
+        </a:blipFill>
+        <a:effectLst/>
+      </p:bgPr>
+    </p:bg>
     <p:spTree>
       <p:nvGrpSpPr>
         <p:cNvPr id="1" name=""/>
@@ -2698,7 +3009,7 @@
           <a:p>
             <a:fld id="{84B6F61C-9FA5-4C35-A1D3-00EE2C15A6C0}" type="datetimeFigureOut">
               <a:rPr lang="en-IN" smtClean="0"/>
-              <a:t>Thu : 14-07-2022</a:t>
+              <a:t>16-12-2022</a:t>
             </a:fld>
             <a:endParaRPr lang="en-IN"/>
           </a:p>
@@ -2950,7 +3261,7 @@
           <a:p>
             <a:fld id="{84B6F61C-9FA5-4C35-A1D3-00EE2C15A6C0}" type="datetimeFigureOut">
               <a:rPr lang="en-IN" smtClean="0"/>
-              <a:t>Thu : 14-07-2022</a:t>
+              <a:t>16-12-2022</a:t>
             </a:fld>
             <a:endParaRPr lang="en-IN"/>
           </a:p>
@@ -3436,7 +3747,7 @@
         <p:spPr>
           <a:xfrm>
             <a:off x="8017939" y="2455334"/>
-            <a:ext cx="2658535" cy="523220"/>
+            <a:ext cx="2658535" cy="707886"/>
           </a:xfrm>
           <a:prstGeom prst="rect">
             <a:avLst/>
@@ -3451,7 +3762,7 @@
           <a:p>
             <a:pPr algn="ctr"/>
             <a:r>
-              <a:rPr lang="en-US" sz="1400" dirty="0">
+              <a:rPr lang="en-US" sz="1400" b="1" dirty="0">
                 <a:solidFill>
                   <a:schemeClr val="bg2">
                     <a:lumMod val="20000"/>
@@ -3466,8 +3777,21 @@
           </a:p>
           <a:p>
             <a:pPr algn="ctr"/>
-            <a:r>
-              <a:rPr lang="en-US" sz="1400" dirty="0">
+            <a:endParaRPr lang="en-US" sz="1400" b="1" dirty="0">
+              <a:solidFill>
+                <a:schemeClr val="bg2">
+                  <a:lumMod val="20000"/>
+                  <a:lumOff val="80000"/>
+                </a:schemeClr>
+              </a:solidFill>
+              <a:latin typeface="Fira Code" panose="020B0809050000020004" pitchFamily="49" charset="0"/>
+              <a:ea typeface="Fira Code" panose="020B0809050000020004" pitchFamily="49" charset="0"/>
+            </a:endParaRPr>
+          </a:p>
+          <a:p>
+            <a:pPr algn="ctr"/>
+            <a:r>
+              <a:rPr lang="en-US" sz="1200" dirty="0">
                 <a:solidFill>
                   <a:schemeClr val="bg2">
                     <a:lumMod val="20000"/>
@@ -3479,7 +3803,7 @@
               </a:rPr>
               <a:t>Lead Engine Programmer</a:t>
             </a:r>
-            <a:endParaRPr lang="en-IN" sz="1400" dirty="0">
+            <a:endParaRPr lang="en-IN" sz="1200" dirty="0">
               <a:solidFill>
                 <a:schemeClr val="bg2">
                   <a:lumMod val="20000"/>
@@ -3532,6 +3856,430 @@
     <p:extLst>
       <p:ext uri="{BB962C8B-B14F-4D97-AF65-F5344CB8AC3E}">
         <p14:creationId xmlns:p14="http://schemas.microsoft.com/office/powerpoint/2010/main" val="1331003455"/>
+      </p:ext>
+    </p:extLst>
+  </p:cSld>
+  <p:clrMapOvr>
+    <a:masterClrMapping/>
+  </p:clrMapOvr>
+</p:sld>
+</file>
+
+<file path=ppt/slides/slide2.xml><?xml version="1.0" encoding="utf-8"?>
+<p:sld xmlns:a="http://schemas.openxmlformats.org/drawingml/2006/main" xmlns:r="http://schemas.openxmlformats.org/officeDocument/2006/relationships" xmlns:p="http://schemas.openxmlformats.org/presentationml/2006/main">
+  <p:cSld>
+    <p:spTree>
+      <p:nvGrpSpPr>
+        <p:cNvPr id="1" name=""/>
+        <p:cNvGrpSpPr/>
+        <p:nvPr/>
+      </p:nvGrpSpPr>
+      <p:grpSpPr>
+        <a:xfrm>
+          <a:off x="0" y="0"/>
+          <a:ext cx="0" cy="0"/>
+          <a:chOff x="0" y="0"/>
+          <a:chExt cx="0" cy="0"/>
+        </a:xfrm>
+      </p:grpSpPr>
+      <p:sp>
+        <p:nvSpPr>
+          <p:cNvPr id="2" name="Title 1">
+            <a:extLst>
+              <a:ext uri="{FF2B5EF4-FFF2-40B4-BE49-F238E27FC236}">
+                <a16:creationId xmlns:a16="http://schemas.microsoft.com/office/drawing/2014/main" id="{E88BE6E6-7362-2D97-0941-1E70A5FAEEAF}"/>
+              </a:ext>
+            </a:extLst>
+          </p:cNvPr>
+          <p:cNvSpPr>
+            <a:spLocks noGrp="1"/>
+          </p:cNvSpPr>
+          <p:nvPr>
+            <p:ph type="title"/>
+          </p:nvPr>
+        </p:nvSpPr>
+        <p:spPr/>
+        <p:txBody>
+          <a:bodyPr/>
+          <a:lstStyle/>
+          <a:p>
+            <a:r>
+              <a:rPr lang="en-US" dirty="0">
+                <a:solidFill>
+                  <a:schemeClr val="bg1">
+                    <a:lumMod val="95000"/>
+                  </a:schemeClr>
+                </a:solidFill>
+              </a:rPr>
+              <a:t>Intro to Razix</a:t>
+            </a:r>
+            <a:endParaRPr lang="en-IN" dirty="0">
+              <a:solidFill>
+                <a:schemeClr val="bg1">
+                  <a:lumMod val="95000"/>
+                </a:schemeClr>
+              </a:solidFill>
+            </a:endParaRPr>
+          </a:p>
+        </p:txBody>
+      </p:sp>
+      <p:sp>
+        <p:nvSpPr>
+          <p:cNvPr id="3" name="Content Placeholder 2">
+            <a:extLst>
+              <a:ext uri="{FF2B5EF4-FFF2-40B4-BE49-F238E27FC236}">
+                <a16:creationId xmlns:a16="http://schemas.microsoft.com/office/drawing/2014/main" id="{7F51FC1C-4432-5092-1258-30ABCADD8ADF}"/>
+              </a:ext>
+            </a:extLst>
+          </p:cNvPr>
+          <p:cNvSpPr>
+            <a:spLocks noGrp="1"/>
+          </p:cNvSpPr>
+          <p:nvPr>
+            <p:ph idx="1"/>
+          </p:nvPr>
+        </p:nvSpPr>
+        <p:spPr>
+          <a:xfrm>
+            <a:off x="474306" y="1405747"/>
+            <a:ext cx="10515600" cy="4351338"/>
+          </a:xfrm>
+        </p:spPr>
+        <p:txBody>
+          <a:bodyPr>
+            <a:normAutofit/>
+          </a:bodyPr>
+          <a:lstStyle/>
+          <a:p>
+            <a:r>
+              <a:rPr lang="en-US" sz="1600" dirty="0"/>
+              <a:t>Razix is the Next Gen open-source engine for testing and researching AAA practices</a:t>
+            </a:r>
+          </a:p>
+          <a:p>
+            <a:r>
+              <a:rPr lang="en-US" sz="1600" dirty="0"/>
+              <a:t>Features include Frame Graph, Graphics API agnostic API for rendering</a:t>
+            </a:r>
+          </a:p>
+          <a:p>
+            <a:r>
+              <a:rPr lang="en-US" sz="1600" dirty="0"/>
+              <a:t>Mesh shaders and ReSTIR based DI+GI</a:t>
+            </a:r>
+          </a:p>
+          <a:p>
+            <a:r>
+              <a:rPr lang="en-US" sz="1600" dirty="0"/>
+              <a:t>Visibility buffer based bindless shading model</a:t>
+            </a:r>
+          </a:p>
+          <a:p>
+            <a:endParaRPr lang="en-IN" sz="1600" dirty="0"/>
+          </a:p>
+        </p:txBody>
+      </p:sp>
+    </p:spTree>
+    <p:extLst>
+      <p:ext uri="{BB962C8B-B14F-4D97-AF65-F5344CB8AC3E}">
+        <p14:creationId xmlns:p14="http://schemas.microsoft.com/office/powerpoint/2010/main" val="3839432192"/>
+      </p:ext>
+    </p:extLst>
+  </p:cSld>
+  <p:clrMapOvr>
+    <a:masterClrMapping/>
+  </p:clrMapOvr>
+</p:sld>
+</file>
+
+<file path=ppt/slides/slide3.xml><?xml version="1.0" encoding="utf-8"?>
+<p:sld xmlns:a="http://schemas.openxmlformats.org/drawingml/2006/main" xmlns:r="http://schemas.openxmlformats.org/officeDocument/2006/relationships" xmlns:p="http://schemas.openxmlformats.org/presentationml/2006/main">
+  <p:cSld>
+    <p:spTree>
+      <p:nvGrpSpPr>
+        <p:cNvPr id="1" name=""/>
+        <p:cNvGrpSpPr/>
+        <p:nvPr/>
+      </p:nvGrpSpPr>
+      <p:grpSpPr>
+        <a:xfrm>
+          <a:off x="0" y="0"/>
+          <a:ext cx="0" cy="0"/>
+          <a:chOff x="0" y="0"/>
+          <a:chExt cx="0" cy="0"/>
+        </a:xfrm>
+      </p:grpSpPr>
+      <p:sp>
+        <p:nvSpPr>
+          <p:cNvPr id="2" name="Title 1">
+            <a:extLst>
+              <a:ext uri="{FF2B5EF4-FFF2-40B4-BE49-F238E27FC236}">
+                <a16:creationId xmlns:a16="http://schemas.microsoft.com/office/drawing/2014/main" id="{55123FF9-197F-B892-F0C2-50A65C1820E4}"/>
+              </a:ext>
+            </a:extLst>
+          </p:cNvPr>
+          <p:cNvSpPr>
+            <a:spLocks noGrp="1"/>
+          </p:cNvSpPr>
+          <p:nvPr>
+            <p:ph type="title"/>
+          </p:nvPr>
+        </p:nvSpPr>
+        <p:spPr/>
+        <p:txBody>
+          <a:bodyPr>
+            <a:normAutofit/>
+          </a:bodyPr>
+          <a:lstStyle/>
+          <a:p>
+            <a:r>
+              <a:rPr lang="en-US" sz="2600" dirty="0"/>
+              <a:t>FrameGraph in Razix</a:t>
+            </a:r>
+            <a:endParaRPr lang="en-IN" sz="2600" dirty="0"/>
+          </a:p>
+        </p:txBody>
+      </p:sp>
+      <p:sp>
+        <p:nvSpPr>
+          <p:cNvPr id="3" name="Content Placeholder 2">
+            <a:extLst>
+              <a:ext uri="{FF2B5EF4-FFF2-40B4-BE49-F238E27FC236}">
+                <a16:creationId xmlns:a16="http://schemas.microsoft.com/office/drawing/2014/main" id="{9B076F58-2063-C27C-92EA-F0D2D3016F14}"/>
+              </a:ext>
+            </a:extLst>
+          </p:cNvPr>
+          <p:cNvSpPr>
+            <a:spLocks noGrp="1"/>
+          </p:cNvSpPr>
+          <p:nvPr>
+            <p:ph idx="1"/>
+          </p:nvPr>
+        </p:nvSpPr>
+        <p:spPr>
+          <a:xfrm>
+            <a:off x="474305" y="1212980"/>
+            <a:ext cx="11151637" cy="4963983"/>
+          </a:xfrm>
+        </p:spPr>
+        <p:txBody>
+          <a:bodyPr/>
+          <a:lstStyle/>
+          <a:p>
+            <a:r>
+              <a:rPr lang="en-US" dirty="0"/>
+              <a:t>Inspired from EA’s FrameGraph design</a:t>
+            </a:r>
+          </a:p>
+          <a:p>
+            <a:pPr lvl="1"/>
+            <a:r>
+              <a:rPr lang="en-IN" sz="1000" dirty="0">
+                <a:solidFill>
+                  <a:schemeClr val="accent5">
+                    <a:lumMod val="75000"/>
+                  </a:schemeClr>
+                </a:solidFill>
+                <a:hlinkClick r:id="rId2"/>
+              </a:rPr>
+              <a:t>https://www.gdcvault.com/play/1024612/FrameGraph-Extensible-Rendering-Architecture-in</a:t>
+            </a:r>
+            <a:endParaRPr lang="en-IN" sz="1000" dirty="0">
+              <a:solidFill>
+                <a:schemeClr val="accent5">
+                  <a:lumMod val="75000"/>
+                </a:schemeClr>
+              </a:solidFill>
+            </a:endParaRPr>
+          </a:p>
+          <a:p>
+            <a:r>
+              <a:rPr lang="en-IN" dirty="0">
+                <a:solidFill>
+                  <a:schemeClr val="bg1">
+                    <a:lumMod val="95000"/>
+                  </a:schemeClr>
+                </a:solidFill>
+              </a:rPr>
+              <a:t>Use a WorldRenderer to build the passes in a single file</a:t>
+            </a:r>
+          </a:p>
+          <a:p>
+            <a:pPr lvl="1"/>
+            <a:r>
+              <a:rPr lang="en-IN" sz="1200" dirty="0">
+                <a:solidFill>
+                  <a:schemeClr val="bg1">
+                    <a:lumMod val="95000"/>
+                  </a:schemeClr>
+                </a:solidFill>
+              </a:rPr>
+              <a:t>Easy visualization using Graphviz tools</a:t>
+            </a:r>
+          </a:p>
+          <a:p>
+            <a:r>
+              <a:rPr lang="en-IN" dirty="0">
+                <a:solidFill>
+                  <a:schemeClr val="bg1">
+                    <a:lumMod val="95000"/>
+                  </a:schemeClr>
+                </a:solidFill>
+              </a:rPr>
+              <a:t>Passes are built using C++ lambdas instead of classes (more in coming slides)</a:t>
+            </a:r>
+          </a:p>
+          <a:p>
+            <a:r>
+              <a:rPr lang="en-IN" dirty="0">
+                <a:solidFill>
+                  <a:schemeClr val="bg1">
+                    <a:lumMod val="95000"/>
+                  </a:schemeClr>
+                </a:solidFill>
+              </a:rPr>
+              <a:t>Culling of unreferenced passes/resources</a:t>
+            </a:r>
+          </a:p>
+          <a:p>
+            <a:r>
+              <a:rPr lang="en-IN" dirty="0">
+                <a:solidFill>
+                  <a:schemeClr val="bg1">
+                    <a:lumMod val="95000"/>
+                  </a:schemeClr>
+                </a:solidFill>
+              </a:rPr>
+              <a:t>External resources can be imported via Import and Materials</a:t>
+            </a:r>
+          </a:p>
+          <a:p>
+            <a:r>
+              <a:rPr lang="en-IN" dirty="0">
+                <a:solidFill>
+                  <a:schemeClr val="bg1">
+                    <a:lumMod val="95000"/>
+                  </a:schemeClr>
+                </a:solidFill>
+              </a:rPr>
+              <a:t>Doesn’t interfere with Engine Rendering API</a:t>
+            </a:r>
+          </a:p>
+          <a:p>
+            <a:pPr lvl="1"/>
+            <a:r>
+              <a:rPr lang="en-IN" sz="1200" dirty="0">
+                <a:solidFill>
+                  <a:schemeClr val="bg1">
+                    <a:lumMod val="95000"/>
+                  </a:schemeClr>
+                </a:solidFill>
+              </a:rPr>
+              <a:t>Descriptor binding vs command buffer recording is still the same</a:t>
+            </a:r>
+          </a:p>
+          <a:p>
+            <a:r>
+              <a:rPr lang="en-IN" dirty="0">
+                <a:solidFill>
+                  <a:schemeClr val="bg1">
+                    <a:lumMod val="95000"/>
+                  </a:schemeClr>
+                </a:solidFill>
+              </a:rPr>
+              <a:t>Single threaded</a:t>
+            </a:r>
+          </a:p>
+        </p:txBody>
+      </p:sp>
+    </p:spTree>
+    <p:extLst>
+      <p:ext uri="{BB962C8B-B14F-4D97-AF65-F5344CB8AC3E}">
+        <p14:creationId xmlns:p14="http://schemas.microsoft.com/office/powerpoint/2010/main" val="980261169"/>
+      </p:ext>
+    </p:extLst>
+  </p:cSld>
+  <p:clrMapOvr>
+    <a:masterClrMapping/>
+  </p:clrMapOvr>
+</p:sld>
+</file>
+
+<file path=ppt/slides/slide4.xml><?xml version="1.0" encoding="utf-8"?>
+<p:sld xmlns:a="http://schemas.openxmlformats.org/drawingml/2006/main" xmlns:r="http://schemas.openxmlformats.org/officeDocument/2006/relationships" xmlns:p="http://schemas.openxmlformats.org/presentationml/2006/main">
+  <p:cSld>
+    <p:spTree>
+      <p:nvGrpSpPr>
+        <p:cNvPr id="1" name=""/>
+        <p:cNvGrpSpPr/>
+        <p:nvPr/>
+      </p:nvGrpSpPr>
+      <p:grpSpPr>
+        <a:xfrm>
+          <a:off x="0" y="0"/>
+          <a:ext cx="0" cy="0"/>
+          <a:chOff x="0" y="0"/>
+          <a:chExt cx="0" cy="0"/>
+        </a:xfrm>
+      </p:grpSpPr>
+      <p:sp>
+        <p:nvSpPr>
+          <p:cNvPr id="2" name="Title 1">
+            <a:extLst>
+              <a:ext uri="{FF2B5EF4-FFF2-40B4-BE49-F238E27FC236}">
+                <a16:creationId xmlns:a16="http://schemas.microsoft.com/office/drawing/2014/main" id="{FF42CCD6-CD80-4F9B-B611-B82B946F5998}"/>
+              </a:ext>
+            </a:extLst>
+          </p:cNvPr>
+          <p:cNvSpPr>
+            <a:spLocks noGrp="1"/>
+          </p:cNvSpPr>
+          <p:nvPr>
+            <p:ph type="title"/>
+          </p:nvPr>
+        </p:nvSpPr>
+        <p:spPr/>
+        <p:txBody>
+          <a:bodyPr/>
+          <a:lstStyle/>
+          <a:p>
+            <a:r>
+              <a:rPr lang="en-US" sz="2400" dirty="0"/>
+              <a:t>FrameGraph - Design</a:t>
+            </a:r>
+            <a:endParaRPr lang="en-IN" dirty="0"/>
+          </a:p>
+        </p:txBody>
+      </p:sp>
+      <p:sp>
+        <p:nvSpPr>
+          <p:cNvPr id="3" name="Content Placeholder 2">
+            <a:extLst>
+              <a:ext uri="{FF2B5EF4-FFF2-40B4-BE49-F238E27FC236}">
+                <a16:creationId xmlns:a16="http://schemas.microsoft.com/office/drawing/2014/main" id="{064FE946-355F-E7BD-2C5B-0121721FA401}"/>
+              </a:ext>
+            </a:extLst>
+          </p:cNvPr>
+          <p:cNvSpPr>
+            <a:spLocks noGrp="1"/>
+          </p:cNvSpPr>
+          <p:nvPr>
+            <p:ph idx="1"/>
+          </p:nvPr>
+        </p:nvSpPr>
+        <p:spPr/>
+        <p:txBody>
+          <a:bodyPr/>
+          <a:lstStyle/>
+          <a:p>
+            <a:endParaRPr lang="en-IN" dirty="0"/>
+          </a:p>
+        </p:txBody>
+      </p:sp>
+    </p:spTree>
+    <p:extLst>
+      <p:ext uri="{BB962C8B-B14F-4D97-AF65-F5344CB8AC3E}">
+        <p14:creationId xmlns:p14="http://schemas.microsoft.com/office/powerpoint/2010/main" val="4006450084"/>
       </p:ext>
     </p:extLst>
   </p:cSld>

--- a/Docs/Features overview.pptx
+++ b/Docs/Features overview.pptx
@@ -9,6 +9,7 @@
     <p:sldId id="258" r:id="rId3"/>
     <p:sldId id="259" r:id="rId4"/>
     <p:sldId id="260" r:id="rId5"/>
+    <p:sldId id="261" r:id="rId6"/>
   </p:sldIdLst>
   <p:sldSz cx="12192000" cy="6858000"/>
   <p:notesSz cx="6858000" cy="9144000"/>
@@ -120,6 +121,7 @@
           <p14:sldIdLst>
             <p14:sldId id="259"/>
             <p14:sldId id="260"/>
+            <p14:sldId id="261"/>
           </p14:sldIdLst>
         </p14:section>
       </p14:sectionLst>
@@ -294,7 +296,7 @@
           <a:p>
             <a:fld id="{84B6F61C-9FA5-4C35-A1D3-00EE2C15A6C0}" type="datetimeFigureOut">
               <a:rPr lang="en-IN" smtClean="0"/>
-              <a:t>16-12-2022</a:t>
+              <a:t>19-12-2022</a:t>
             </a:fld>
             <a:endParaRPr lang="en-IN"/>
           </a:p>
@@ -518,7 +520,7 @@
           <a:p>
             <a:fld id="{84B6F61C-9FA5-4C35-A1D3-00EE2C15A6C0}" type="datetimeFigureOut">
               <a:rPr lang="en-IN" smtClean="0"/>
-              <a:t>16-12-2022</a:t>
+              <a:t>19-12-2022</a:t>
             </a:fld>
             <a:endParaRPr lang="en-IN"/>
           </a:p>
@@ -742,7 +744,7 @@
           <a:p>
             <a:fld id="{84B6F61C-9FA5-4C35-A1D3-00EE2C15A6C0}" type="datetimeFigureOut">
               <a:rPr lang="en-IN" smtClean="0"/>
-              <a:t>16-12-2022</a:t>
+              <a:t>19-12-2022</a:t>
             </a:fld>
             <a:endParaRPr lang="en-IN"/>
           </a:p>
@@ -996,7 +998,7 @@
           <a:p>
             <a:fld id="{84B6F61C-9FA5-4C35-A1D3-00EE2C15A6C0}" type="datetimeFigureOut">
               <a:rPr lang="en-IN" smtClean="0"/>
-              <a:t>16-12-2022</a:t>
+              <a:t>19-12-2022</a:t>
             </a:fld>
             <a:endParaRPr lang="en-IN" dirty="0"/>
           </a:p>
@@ -1377,7 +1379,7 @@
           <a:p>
             <a:fld id="{84B6F61C-9FA5-4C35-A1D3-00EE2C15A6C0}" type="datetimeFigureOut">
               <a:rPr lang="en-IN" smtClean="0"/>
-              <a:t>16-12-2022</a:t>
+              <a:t>19-12-2022</a:t>
             </a:fld>
             <a:endParaRPr lang="en-IN"/>
           </a:p>
@@ -1659,7 +1661,7 @@
           <a:p>
             <a:fld id="{84B6F61C-9FA5-4C35-A1D3-00EE2C15A6C0}" type="datetimeFigureOut">
               <a:rPr lang="en-IN" smtClean="0"/>
-              <a:t>16-12-2022</a:t>
+              <a:t>19-12-2022</a:t>
             </a:fld>
             <a:endParaRPr lang="en-IN"/>
           </a:p>
@@ -2088,7 +2090,7 @@
           <a:p>
             <a:fld id="{84B6F61C-9FA5-4C35-A1D3-00EE2C15A6C0}" type="datetimeFigureOut">
               <a:rPr lang="en-IN" smtClean="0"/>
-              <a:t>16-12-2022</a:t>
+              <a:t>19-12-2022</a:t>
             </a:fld>
             <a:endParaRPr lang="en-IN" dirty="0"/>
           </a:p>
@@ -2252,7 +2254,7 @@
           <a:p>
             <a:fld id="{84B6F61C-9FA5-4C35-A1D3-00EE2C15A6C0}" type="datetimeFigureOut">
               <a:rPr lang="en-IN" smtClean="0"/>
-              <a:t>16-12-2022</a:t>
+              <a:t>19-12-2022</a:t>
             </a:fld>
             <a:endParaRPr lang="en-IN"/>
           </a:p>
@@ -2379,7 +2381,7 @@
           <a:p>
             <a:fld id="{84B6F61C-9FA5-4C35-A1D3-00EE2C15A6C0}" type="datetimeFigureOut">
               <a:rPr lang="en-IN" smtClean="0"/>
-              <a:t>16-12-2022</a:t>
+              <a:t>19-12-2022</a:t>
             </a:fld>
             <a:endParaRPr lang="en-IN"/>
           </a:p>
@@ -2706,7 +2708,7 @@
           <a:p>
             <a:fld id="{84B6F61C-9FA5-4C35-A1D3-00EE2C15A6C0}" type="datetimeFigureOut">
               <a:rPr lang="en-IN" smtClean="0"/>
-              <a:t>16-12-2022</a:t>
+              <a:t>19-12-2022</a:t>
             </a:fld>
             <a:endParaRPr lang="en-IN"/>
           </a:p>
@@ -3009,7 +3011,7 @@
           <a:p>
             <a:fld id="{84B6F61C-9FA5-4C35-A1D3-00EE2C15A6C0}" type="datetimeFigureOut">
               <a:rPr lang="en-IN" smtClean="0"/>
-              <a:t>16-12-2022</a:t>
+              <a:t>19-12-2022</a:t>
             </a:fld>
             <a:endParaRPr lang="en-IN"/>
           </a:p>
@@ -3261,7 +3263,7 @@
           <a:p>
             <a:fld id="{84B6F61C-9FA5-4C35-A1D3-00EE2C15A6C0}" type="datetimeFigureOut">
               <a:rPr lang="en-IN" smtClean="0"/>
-              <a:t>16-12-2022</a:t>
+              <a:t>19-12-2022</a:t>
             </a:fld>
             <a:endParaRPr lang="en-IN"/>
           </a:p>
@@ -3953,13 +3955,13 @@
           <a:p>
             <a:r>
               <a:rPr lang="en-US" sz="1600" dirty="0"/>
-              <a:t>Razix is the Next Gen open-source engine for testing and researching AAA practices</a:t>
+              <a:t>Razix is the Next Gen open-source engine for testing and researching AAA algorithms and designs</a:t>
             </a:r>
           </a:p>
           <a:p>
             <a:r>
               <a:rPr lang="en-US" sz="1600" dirty="0"/>
-              <a:t>Features include Frame Graph, Graphics API agnostic API for rendering</a:t>
+              <a:t>Features include Frame Graph, Graphics API agnostic Rendering API</a:t>
             </a:r>
           </a:p>
           <a:p>
@@ -4033,10 +4035,10 @@
           <a:lstStyle/>
           <a:p>
             <a:r>
-              <a:rPr lang="en-US" sz="2600" dirty="0"/>
+              <a:rPr lang="en-US" dirty="0"/>
               <a:t>FrameGraph in Razix</a:t>
             </a:r>
-            <a:endParaRPr lang="en-IN" sz="2600" dirty="0"/>
+            <a:endParaRPr lang="en-IN" dirty="0"/>
           </a:p>
         </p:txBody>
       </p:sp>
@@ -4101,7 +4103,25 @@
                   </a:schemeClr>
                 </a:solidFill>
               </a:rPr>
-              <a:t>Use a WorldRenderer to build the passes in a single file</a:t>
+              <a:t>Uses a </a:t>
+            </a:r>
+            <a:r>
+              <a:rPr lang="en-IN" dirty="0">
+                <a:solidFill>
+                  <a:schemeClr val="accent1"/>
+                </a:solidFill>
+              </a:rPr>
+              <a:t>WorldRenderer</a:t>
+            </a:r>
+            <a:r>
+              <a:rPr lang="en-IN" dirty="0">
+                <a:solidFill>
+                  <a:schemeClr val="bg1">
+                    <a:lumMod val="95000"/>
+                  </a:schemeClr>
+                </a:solidFill>
+              </a:rPr>
+              <a:t> to build the passes in a single file</a:t>
             </a:r>
           </a:p>
           <a:p>
@@ -4126,7 +4146,25 @@
                   </a:schemeClr>
                 </a:solidFill>
               </a:rPr>
-              <a:t>Passes are built using C++ lambdas instead of classes (more in coming slides)</a:t>
+              <a:t>Passes are built using </a:t>
+            </a:r>
+            <a:r>
+              <a:rPr lang="en-IN" dirty="0">
+                <a:solidFill>
+                  <a:schemeClr val="accent1"/>
+                </a:solidFill>
+              </a:rPr>
+              <a:t>C++ lambdas </a:t>
+            </a:r>
+            <a:r>
+              <a:rPr lang="en-IN" dirty="0">
+                <a:solidFill>
+                  <a:schemeClr val="bg1">
+                    <a:lumMod val="95000"/>
+                  </a:schemeClr>
+                </a:solidFill>
+              </a:rPr>
+              <a:t>instead of classes </a:t>
             </a:r>
           </a:p>
           <a:p>
@@ -4150,7 +4188,7 @@
                   </a:schemeClr>
                 </a:solidFill>
               </a:rPr>
-              <a:t>External resources can be imported via Import and Materials</a:t>
+              <a:t>External resources can be imported via Import</a:t>
             </a:r>
           </a:p>
           <a:p>
@@ -4175,7 +4213,7 @@
                   </a:schemeClr>
                 </a:solidFill>
               </a:rPr>
-              <a:t>Descriptor binding vs command buffer recording is still the same</a:t>
+              <a:t>Descriptor binding vs command buffer recording API is still the same</a:t>
             </a:r>
           </a:p>
           <a:p>
@@ -4187,7 +4225,7 @@
                   </a:schemeClr>
                 </a:solidFill>
               </a:rPr>
-              <a:t>Single threaded</a:t>
+              <a:t>Single threaded as of now</a:t>
             </a:r>
           </a:p>
         </p:txBody>
@@ -4272,6 +4310,10 @@
           <a:bodyPr/>
           <a:lstStyle/>
           <a:p>
+            <a:r>
+              <a:rPr lang="en-US" dirty="0"/>
+              <a:t>Coming...</a:t>
+            </a:r>
             <a:endParaRPr lang="en-IN" dirty="0"/>
           </a:p>
         </p:txBody>
@@ -4280,6 +4322,220 @@
     <p:extLst>
       <p:ext uri="{BB962C8B-B14F-4D97-AF65-F5344CB8AC3E}">
         <p14:creationId xmlns:p14="http://schemas.microsoft.com/office/powerpoint/2010/main" val="4006450084"/>
+      </p:ext>
+    </p:extLst>
+  </p:cSld>
+  <p:clrMapOvr>
+    <a:masterClrMapping/>
+  </p:clrMapOvr>
+</p:sld>
+</file>
+
+<file path=ppt/slides/slide5.xml><?xml version="1.0" encoding="utf-8"?>
+<p:sld xmlns:a="http://schemas.openxmlformats.org/drawingml/2006/main" xmlns:r="http://schemas.openxmlformats.org/officeDocument/2006/relationships" xmlns:p="http://schemas.openxmlformats.org/presentationml/2006/main">
+  <p:cSld>
+    <p:spTree>
+      <p:nvGrpSpPr>
+        <p:cNvPr id="1" name=""/>
+        <p:cNvGrpSpPr/>
+        <p:nvPr/>
+      </p:nvGrpSpPr>
+      <p:grpSpPr>
+        <a:xfrm>
+          <a:off x="0" y="0"/>
+          <a:ext cx="0" cy="0"/>
+          <a:chOff x="0" y="0"/>
+          <a:chExt cx="0" cy="0"/>
+        </a:xfrm>
+      </p:grpSpPr>
+      <p:sp>
+        <p:nvSpPr>
+          <p:cNvPr id="2" name="Title 1">
+            <a:extLst>
+              <a:ext uri="{FF2B5EF4-FFF2-40B4-BE49-F238E27FC236}">
+                <a16:creationId xmlns:a16="http://schemas.microsoft.com/office/drawing/2014/main" id="{CEB4959C-DCD4-2858-717A-B322064FF9DB}"/>
+              </a:ext>
+            </a:extLst>
+          </p:cNvPr>
+          <p:cNvSpPr>
+            <a:spLocks noGrp="1"/>
+          </p:cNvSpPr>
+          <p:nvPr>
+            <p:ph type="title"/>
+          </p:nvPr>
+        </p:nvSpPr>
+        <p:spPr/>
+        <p:txBody>
+          <a:bodyPr/>
+          <a:lstStyle/>
+          <a:p>
+            <a:r>
+              <a:rPr lang="en-US" dirty="0"/>
+              <a:t>FrameGraph – WorldRenderer</a:t>
+            </a:r>
+            <a:endParaRPr lang="en-IN" dirty="0"/>
+          </a:p>
+        </p:txBody>
+      </p:sp>
+      <p:sp>
+        <p:nvSpPr>
+          <p:cNvPr id="3" name="Content Placeholder 2">
+            <a:extLst>
+              <a:ext uri="{FF2B5EF4-FFF2-40B4-BE49-F238E27FC236}">
+                <a16:creationId xmlns:a16="http://schemas.microsoft.com/office/drawing/2014/main" id="{9EA5FBDB-3BE2-7866-BA93-4B62F3E2F815}"/>
+              </a:ext>
+            </a:extLst>
+          </p:cNvPr>
+          <p:cNvSpPr>
+            <a:spLocks noGrp="1"/>
+          </p:cNvSpPr>
+          <p:nvPr>
+            <p:ph idx="1"/>
+          </p:nvPr>
+        </p:nvSpPr>
+        <p:spPr/>
+        <p:txBody>
+          <a:bodyPr/>
+          <a:lstStyle/>
+          <a:p>
+            <a:r>
+              <a:rPr lang="en-US" dirty="0">
+                <a:solidFill>
+                  <a:schemeClr val="accent1"/>
+                </a:solidFill>
+              </a:rPr>
+              <a:t>RZWorldRenderer</a:t>
+            </a:r>
+            <a:r>
+              <a:rPr lang="en-US" dirty="0"/>
+              <a:t> is responsible for building the frame graph passes </a:t>
+            </a:r>
+          </a:p>
+          <a:p>
+            <a:pPr lvl="1"/>
+            <a:r>
+              <a:rPr lang="en-US" dirty="0">
+                <a:solidFill>
+                  <a:schemeClr val="accent2">
+                    <a:lumMod val="85000"/>
+                  </a:schemeClr>
+                </a:solidFill>
+              </a:rPr>
+              <a:t>Hooking up R/W resources </a:t>
+            </a:r>
+          </a:p>
+          <a:p>
+            <a:pPr lvl="1"/>
+            <a:r>
+              <a:rPr lang="en-US" dirty="0">
+                <a:solidFill>
+                  <a:schemeClr val="accent2">
+                    <a:lumMod val="85000"/>
+                  </a:schemeClr>
+                </a:solidFill>
+              </a:rPr>
+              <a:t>Execution &amp; Submission of commands to the GPU</a:t>
+            </a:r>
+          </a:p>
+          <a:p>
+            <a:pPr lvl="1"/>
+            <a:r>
+              <a:rPr lang="en-US" dirty="0">
+                <a:solidFill>
+                  <a:schemeClr val="accent2">
+                    <a:lumMod val="85000"/>
+                  </a:schemeClr>
+                </a:solidFill>
+              </a:rPr>
+              <a:t>Managing RTs and read/write operations from other passes</a:t>
+            </a:r>
+          </a:p>
+          <a:p>
+            <a:r>
+              <a:rPr lang="en-US" dirty="0"/>
+              <a:t>The </a:t>
+            </a:r>
+            <a:r>
+              <a:rPr lang="en-US" b="1" dirty="0"/>
+              <a:t>execute</a:t>
+            </a:r>
+            <a:r>
+              <a:rPr lang="en-US" dirty="0"/>
+              <a:t> function for a </a:t>
+            </a:r>
+            <a:r>
+              <a:rPr lang="en-US" dirty="0">
+                <a:solidFill>
+                  <a:schemeClr val="accent1"/>
+                </a:solidFill>
+              </a:rPr>
+              <a:t>FrameGraphPass</a:t>
+            </a:r>
+            <a:r>
+              <a:rPr lang="en-US" dirty="0"/>
+              <a:t> is responsible for rendering</a:t>
+            </a:r>
+          </a:p>
+          <a:p>
+            <a:r>
+              <a:rPr lang="en-US" dirty="0"/>
+              <a:t>The </a:t>
+            </a:r>
+            <a:r>
+              <a:rPr lang="en-US" b="1" dirty="0"/>
+              <a:t>setup </a:t>
+            </a:r>
+            <a:r>
+              <a:rPr lang="en-US" dirty="0"/>
+              <a:t>function is responsible for creating the resources uses in the </a:t>
+            </a:r>
+            <a:r>
+              <a:rPr lang="en-US" dirty="0">
+                <a:solidFill>
+                  <a:schemeClr val="accent1"/>
+                </a:solidFill>
+              </a:rPr>
+              <a:t>FrameGraphPass</a:t>
+            </a:r>
+          </a:p>
+          <a:p>
+            <a:r>
+              <a:rPr lang="en-US" dirty="0"/>
+              <a:t>Every pass has it’s own set of CommandBuffers</a:t>
+            </a:r>
+          </a:p>
+          <a:p>
+            <a:r>
+              <a:rPr lang="en-US" dirty="0"/>
+              <a:t>Every pass renders onto it’s own RenderTexture</a:t>
+            </a:r>
+          </a:p>
+          <a:p>
+            <a:pPr lvl="1"/>
+            <a:r>
+              <a:rPr lang="en-US" dirty="0">
+                <a:solidFill>
+                  <a:schemeClr val="tx2">
+                    <a:lumMod val="10000"/>
+                    <a:lumOff val="90000"/>
+                  </a:schemeClr>
+                </a:solidFill>
+              </a:rPr>
+              <a:t>Passed onto the next pass until the final composite pass</a:t>
+            </a:r>
+          </a:p>
+          <a:p>
+            <a:endParaRPr lang="en-US" dirty="0"/>
+          </a:p>
+          <a:p>
+            <a:endParaRPr lang="en-IN" dirty="0"/>
+          </a:p>
+        </p:txBody>
+      </p:sp>
+    </p:spTree>
+    <p:extLst>
+      <p:ext uri="{BB962C8B-B14F-4D97-AF65-F5344CB8AC3E}">
+        <p14:creationId xmlns:p14="http://schemas.microsoft.com/office/powerpoint/2010/main" val="340220132"/>
       </p:ext>
     </p:extLst>
   </p:cSld>

--- a/Docs/Features overview.pptx
+++ b/Docs/Features overview.pptx
@@ -10,6 +10,7 @@
     <p:sldId id="259" r:id="rId4"/>
     <p:sldId id="260" r:id="rId5"/>
     <p:sldId id="261" r:id="rId6"/>
+    <p:sldId id="262" r:id="rId7"/>
   </p:sldIdLst>
   <p:sldSz cx="12192000" cy="6858000"/>
   <p:notesSz cx="6858000" cy="9144000"/>
@@ -122,6 +123,7 @@
             <p14:sldId id="259"/>
             <p14:sldId id="260"/>
             <p14:sldId id="261"/>
+            <p14:sldId id="262"/>
           </p14:sldIdLst>
         </p14:section>
       </p14:sectionLst>
@@ -296,7 +298,7 @@
           <a:p>
             <a:fld id="{84B6F61C-9FA5-4C35-A1D3-00EE2C15A6C0}" type="datetimeFigureOut">
               <a:rPr lang="en-IN" smtClean="0"/>
-              <a:t>19-12-2022</a:t>
+              <a:t>15-02-2023</a:t>
             </a:fld>
             <a:endParaRPr lang="en-IN"/>
           </a:p>
@@ -520,7 +522,7 @@
           <a:p>
             <a:fld id="{84B6F61C-9FA5-4C35-A1D3-00EE2C15A6C0}" type="datetimeFigureOut">
               <a:rPr lang="en-IN" smtClean="0"/>
-              <a:t>19-12-2022</a:t>
+              <a:t>15-02-2023</a:t>
             </a:fld>
             <a:endParaRPr lang="en-IN"/>
           </a:p>
@@ -744,7 +746,7 @@
           <a:p>
             <a:fld id="{84B6F61C-9FA5-4C35-A1D3-00EE2C15A6C0}" type="datetimeFigureOut">
               <a:rPr lang="en-IN" smtClean="0"/>
-              <a:t>19-12-2022</a:t>
+              <a:t>15-02-2023</a:t>
             </a:fld>
             <a:endParaRPr lang="en-IN"/>
           </a:p>
@@ -998,7 +1000,7 @@
           <a:p>
             <a:fld id="{84B6F61C-9FA5-4C35-A1D3-00EE2C15A6C0}" type="datetimeFigureOut">
               <a:rPr lang="en-IN" smtClean="0"/>
-              <a:t>19-12-2022</a:t>
+              <a:t>15-02-2023</a:t>
             </a:fld>
             <a:endParaRPr lang="en-IN" dirty="0"/>
           </a:p>
@@ -1379,7 +1381,7 @@
           <a:p>
             <a:fld id="{84B6F61C-9FA5-4C35-A1D3-00EE2C15A6C0}" type="datetimeFigureOut">
               <a:rPr lang="en-IN" smtClean="0"/>
-              <a:t>19-12-2022</a:t>
+              <a:t>15-02-2023</a:t>
             </a:fld>
             <a:endParaRPr lang="en-IN"/>
           </a:p>
@@ -1661,7 +1663,7 @@
           <a:p>
             <a:fld id="{84B6F61C-9FA5-4C35-A1D3-00EE2C15A6C0}" type="datetimeFigureOut">
               <a:rPr lang="en-IN" smtClean="0"/>
-              <a:t>19-12-2022</a:t>
+              <a:t>15-02-2023</a:t>
             </a:fld>
             <a:endParaRPr lang="en-IN"/>
           </a:p>
@@ -2090,7 +2092,7 @@
           <a:p>
             <a:fld id="{84B6F61C-9FA5-4C35-A1D3-00EE2C15A6C0}" type="datetimeFigureOut">
               <a:rPr lang="en-IN" smtClean="0"/>
-              <a:t>19-12-2022</a:t>
+              <a:t>15-02-2023</a:t>
             </a:fld>
             <a:endParaRPr lang="en-IN" dirty="0"/>
           </a:p>
@@ -2254,7 +2256,7 @@
           <a:p>
             <a:fld id="{84B6F61C-9FA5-4C35-A1D3-00EE2C15A6C0}" type="datetimeFigureOut">
               <a:rPr lang="en-IN" smtClean="0"/>
-              <a:t>19-12-2022</a:t>
+              <a:t>15-02-2023</a:t>
             </a:fld>
             <a:endParaRPr lang="en-IN"/>
           </a:p>
@@ -2381,7 +2383,7 @@
           <a:p>
             <a:fld id="{84B6F61C-9FA5-4C35-A1D3-00EE2C15A6C0}" type="datetimeFigureOut">
               <a:rPr lang="en-IN" smtClean="0"/>
-              <a:t>19-12-2022</a:t>
+              <a:t>15-02-2023</a:t>
             </a:fld>
             <a:endParaRPr lang="en-IN"/>
           </a:p>
@@ -2708,7 +2710,7 @@
           <a:p>
             <a:fld id="{84B6F61C-9FA5-4C35-A1D3-00EE2C15A6C0}" type="datetimeFigureOut">
               <a:rPr lang="en-IN" smtClean="0"/>
-              <a:t>19-12-2022</a:t>
+              <a:t>15-02-2023</a:t>
             </a:fld>
             <a:endParaRPr lang="en-IN"/>
           </a:p>
@@ -3011,7 +3013,7 @@
           <a:p>
             <a:fld id="{84B6F61C-9FA5-4C35-A1D3-00EE2C15A6C0}" type="datetimeFigureOut">
               <a:rPr lang="en-IN" smtClean="0"/>
-              <a:t>19-12-2022</a:t>
+              <a:t>15-02-2023</a:t>
             </a:fld>
             <a:endParaRPr lang="en-IN"/>
           </a:p>
@@ -3263,7 +3265,7 @@
           <a:p>
             <a:fld id="{84B6F61C-9FA5-4C35-A1D3-00EE2C15A6C0}" type="datetimeFigureOut">
               <a:rPr lang="en-IN" smtClean="0"/>
-              <a:t>19-12-2022</a:t>
+              <a:t>15-02-2023</a:t>
             </a:fld>
             <a:endParaRPr lang="en-IN"/>
           </a:p>
@@ -3764,12 +3766,9 @@
           <a:p>
             <a:pPr algn="ctr"/>
             <a:r>
-              <a:rPr lang="en-US" sz="1400" b="1" dirty="0">
+              <a:rPr lang="en-US" sz="1400" dirty="0">
                 <a:solidFill>
-                  <a:schemeClr val="bg2">
-                    <a:lumMod val="20000"/>
-                    <a:lumOff val="80000"/>
-                  </a:schemeClr>
+                  <a:schemeClr val="accent1"/>
                 </a:solidFill>
                 <a:latin typeface="Fira Code" panose="020B0809050000020004" pitchFamily="49" charset="0"/>
                 <a:ea typeface="Fira Code" panose="020B0809050000020004" pitchFamily="49" charset="0"/>
@@ -3954,27 +3953,66 @@
           <a:lstStyle/>
           <a:p>
             <a:r>
-              <a:rPr lang="en-US" sz="1600" dirty="0"/>
+              <a:rPr lang="en-US" sz="1600" dirty="0">
+                <a:latin typeface="Calibri" panose="020F0502020204030204" pitchFamily="34" charset="0"/>
+                <a:ea typeface="Calibri" panose="020F0502020204030204" pitchFamily="34" charset="0"/>
+                <a:cs typeface="Calibri" panose="020F0502020204030204" pitchFamily="34" charset="0"/>
+              </a:rPr>
               <a:t>Razix is the Next Gen open-source engine for testing and researching AAA algorithms and designs</a:t>
             </a:r>
           </a:p>
           <a:p>
             <a:r>
-              <a:rPr lang="en-US" sz="1600" dirty="0"/>
-              <a:t>Features include Frame Graph, Graphics API agnostic Rendering API</a:t>
-            </a:r>
-          </a:p>
-          <a:p>
-            <a:r>
-              <a:rPr lang="en-US" sz="1600" dirty="0"/>
-              <a:t>Mesh shaders and ReSTIR based DI+GI</a:t>
-            </a:r>
-          </a:p>
-          <a:p>
-            <a:r>
-              <a:rPr lang="en-US" sz="1600" dirty="0"/>
-              <a:t>Visibility buffer based bindless shading model</a:t>
-            </a:r>
+              <a:rPr lang="en-US" sz="1600" dirty="0">
+                <a:latin typeface="Calibri" panose="020F0502020204030204" pitchFamily="34" charset="0"/>
+                <a:ea typeface="Calibri" panose="020F0502020204030204" pitchFamily="34" charset="0"/>
+                <a:cs typeface="Calibri" panose="020F0502020204030204" pitchFamily="34" charset="0"/>
+              </a:rPr>
+              <a:t>Features include Frame Graph, backend agnostic Rendering API (single RHI for Vulkan, D3D12, OpenGL, Metal etc.)</a:t>
+            </a:r>
+          </a:p>
+          <a:p>
+            <a:r>
+              <a:rPr lang="en-US" sz="1600" dirty="0">
+                <a:latin typeface="Calibri" panose="020F0502020204030204" pitchFamily="34" charset="0"/>
+                <a:ea typeface="Calibri" panose="020F0502020204030204" pitchFamily="34" charset="0"/>
+                <a:cs typeface="Calibri" panose="020F0502020204030204" pitchFamily="34" charset="0"/>
+              </a:rPr>
+              <a:t>Mesh shaders and ReSTIR based DI + GI</a:t>
+            </a:r>
+          </a:p>
+          <a:p>
+            <a:r>
+              <a:rPr lang="en-US" sz="1600" dirty="0">
+                <a:latin typeface="Calibri" panose="020F0502020204030204" pitchFamily="34" charset="0"/>
+                <a:ea typeface="Calibri" panose="020F0502020204030204" pitchFamily="34" charset="0"/>
+                <a:cs typeface="Calibri" panose="020F0502020204030204" pitchFamily="34" charset="0"/>
+              </a:rPr>
+              <a:t>Visibility buffer based bindless materials</a:t>
+            </a:r>
+          </a:p>
+          <a:p>
+            <a:r>
+              <a:rPr lang="en-US" dirty="0">
+                <a:latin typeface="Calibri" panose="020F0502020204030204" pitchFamily="34" charset="0"/>
+                <a:ea typeface="Calibri" panose="020F0502020204030204" pitchFamily="34" charset="0"/>
+                <a:cs typeface="Calibri" panose="020F0502020204030204" pitchFamily="34" charset="0"/>
+              </a:rPr>
+              <a:t>Indirect draw as </a:t>
+            </a:r>
+            <a:r>
+              <a:rPr lang="en-US">
+                <a:latin typeface="Calibri" panose="020F0502020204030204" pitchFamily="34" charset="0"/>
+                <a:ea typeface="Calibri" panose="020F0502020204030204" pitchFamily="34" charset="0"/>
+                <a:cs typeface="Calibri" panose="020F0502020204030204" pitchFamily="34" charset="0"/>
+              </a:rPr>
+              <a:t>fallback system</a:t>
+            </a:r>
+            <a:endParaRPr lang="en-US" sz="1600" dirty="0">
+              <a:latin typeface="Calibri" panose="020F0502020204030204" pitchFamily="34" charset="0"/>
+              <a:ea typeface="Calibri" panose="020F0502020204030204" pitchFamily="34" charset="0"/>
+              <a:cs typeface="Calibri" panose="020F0502020204030204" pitchFamily="34" charset="0"/>
+            </a:endParaRPr>
           </a:p>
           <a:p>
             <a:endParaRPr lang="en-IN" sz="1600" dirty="0"/>
@@ -4408,7 +4446,15 @@
             </a:r>
             <a:r>
               <a:rPr lang="en-US" dirty="0"/>
-              <a:t> is responsible for building the frame graph passes </a:t>
+              <a:t> </a:t>
+            </a:r>
+            <a:r>
+              <a:rPr lang="en-US" dirty="0">
+                <a:latin typeface="Calibri" panose="020F0502020204030204" pitchFamily="34" charset="0"/>
+                <a:ea typeface="Calibri" panose="020F0502020204030204" pitchFamily="34" charset="0"/>
+                <a:cs typeface="Calibri" panose="020F0502020204030204" pitchFamily="34" charset="0"/>
+              </a:rPr>
+              <a:t>is responsible for building the frame graph passes </a:t>
             </a:r>
           </a:p>
           <a:p>
@@ -4420,6 +4466,9 @@
                     <a:lumMod val="85000"/>
                   </a:schemeClr>
                 </a:solidFill>
+                <a:latin typeface="Calibri" panose="020F0502020204030204" pitchFamily="34" charset="0"/>
+                <a:ea typeface="Calibri" panose="020F0502020204030204" pitchFamily="34" charset="0"/>
+                <a:cs typeface="Calibri" panose="020F0502020204030204" pitchFamily="34" charset="0"/>
               </a:rPr>
               <a:t>Hooking up R/W resources </a:t>
             </a:r>
@@ -4433,6 +4482,9 @@
                     <a:lumMod val="85000"/>
                   </a:schemeClr>
                 </a:solidFill>
+                <a:latin typeface="Calibri" panose="020F0502020204030204" pitchFamily="34" charset="0"/>
+                <a:ea typeface="Calibri" panose="020F0502020204030204" pitchFamily="34" charset="0"/>
+                <a:cs typeface="Calibri" panose="020F0502020204030204" pitchFamily="34" charset="0"/>
               </a:rPr>
               <a:t>Execution &amp; Submission of commands to the GPU</a:t>
             </a:r>
@@ -4446,6 +4498,9 @@
                     <a:lumMod val="85000"/>
                   </a:schemeClr>
                 </a:solidFill>
+                <a:latin typeface="Calibri" panose="020F0502020204030204" pitchFamily="34" charset="0"/>
+                <a:ea typeface="Calibri" panose="020F0502020204030204" pitchFamily="34" charset="0"/>
+                <a:cs typeface="Calibri" panose="020F0502020204030204" pitchFamily="34" charset="0"/>
               </a:rPr>
               <a:t>Managing RTs and read/write operations from other passes</a:t>
             </a:r>
@@ -4536,6 +4591,86 @@
     <p:extLst>
       <p:ext uri="{BB962C8B-B14F-4D97-AF65-F5344CB8AC3E}">
         <p14:creationId xmlns:p14="http://schemas.microsoft.com/office/powerpoint/2010/main" val="340220132"/>
+      </p:ext>
+    </p:extLst>
+  </p:cSld>
+  <p:clrMapOvr>
+    <a:masterClrMapping/>
+  </p:clrMapOvr>
+</p:sld>
+</file>
+
+<file path=ppt/slides/slide6.xml><?xml version="1.0" encoding="utf-8"?>
+<p:sld xmlns:a="http://schemas.openxmlformats.org/drawingml/2006/main" xmlns:r="http://schemas.openxmlformats.org/officeDocument/2006/relationships" xmlns:p="http://schemas.openxmlformats.org/presentationml/2006/main">
+  <p:cSld>
+    <p:spTree>
+      <p:nvGrpSpPr>
+        <p:cNvPr id="1" name=""/>
+        <p:cNvGrpSpPr/>
+        <p:nvPr/>
+      </p:nvGrpSpPr>
+      <p:grpSpPr>
+        <a:xfrm>
+          <a:off x="0" y="0"/>
+          <a:ext cx="0" cy="0"/>
+          <a:chOff x="0" y="0"/>
+          <a:chExt cx="0" cy="0"/>
+        </a:xfrm>
+      </p:grpSpPr>
+      <p:sp>
+        <p:nvSpPr>
+          <p:cNvPr id="2" name="Title 1">
+            <a:extLst>
+              <a:ext uri="{FF2B5EF4-FFF2-40B4-BE49-F238E27FC236}">
+                <a16:creationId xmlns:a16="http://schemas.microsoft.com/office/drawing/2014/main" id="{7D180A5A-9C56-7CC7-616A-C0589550AEE7}"/>
+              </a:ext>
+            </a:extLst>
+          </p:cNvPr>
+          <p:cNvSpPr>
+            <a:spLocks noGrp="1"/>
+          </p:cNvSpPr>
+          <p:nvPr>
+            <p:ph type="title"/>
+          </p:nvPr>
+        </p:nvSpPr>
+        <p:spPr/>
+        <p:txBody>
+          <a:bodyPr/>
+          <a:lstStyle/>
+          <a:p>
+            <a:endParaRPr lang="en-IN" dirty="0"/>
+          </a:p>
+        </p:txBody>
+      </p:sp>
+      <p:sp>
+        <p:nvSpPr>
+          <p:cNvPr id="3" name="Content Placeholder 2">
+            <a:extLst>
+              <a:ext uri="{FF2B5EF4-FFF2-40B4-BE49-F238E27FC236}">
+                <a16:creationId xmlns:a16="http://schemas.microsoft.com/office/drawing/2014/main" id="{3844D5A2-A46E-08C4-B510-C0405F5C7C5B}"/>
+              </a:ext>
+            </a:extLst>
+          </p:cNvPr>
+          <p:cNvSpPr>
+            <a:spLocks noGrp="1"/>
+          </p:cNvSpPr>
+          <p:nvPr>
+            <p:ph idx="1"/>
+          </p:nvPr>
+        </p:nvSpPr>
+        <p:spPr/>
+        <p:txBody>
+          <a:bodyPr/>
+          <a:lstStyle/>
+          <a:p>
+            <a:endParaRPr lang="en-IN"/>
+          </a:p>
+        </p:txBody>
+      </p:sp>
+    </p:spTree>
+    <p:extLst>
+      <p:ext uri="{BB962C8B-B14F-4D97-AF65-F5344CB8AC3E}">
+        <p14:creationId xmlns:p14="http://schemas.microsoft.com/office/powerpoint/2010/main" val="3039434187"/>
       </p:ext>
     </p:extLst>
   </p:cSld>

--- a/Docs/Features overview.pptx
+++ b/Docs/Features overview.pptx
@@ -298,7 +298,7 @@
           <a:p>
             <a:fld id="{84B6F61C-9FA5-4C35-A1D3-00EE2C15A6C0}" type="datetimeFigureOut">
               <a:rPr lang="en-IN" smtClean="0"/>
-              <a:t>15-02-2023</a:t>
+              <a:t>28-03-2023</a:t>
             </a:fld>
             <a:endParaRPr lang="en-IN"/>
           </a:p>
@@ -522,7 +522,7 @@
           <a:p>
             <a:fld id="{84B6F61C-9FA5-4C35-A1D3-00EE2C15A6C0}" type="datetimeFigureOut">
               <a:rPr lang="en-IN" smtClean="0"/>
-              <a:t>15-02-2023</a:t>
+              <a:t>28-03-2023</a:t>
             </a:fld>
             <a:endParaRPr lang="en-IN"/>
           </a:p>
@@ -746,7 +746,7 @@
           <a:p>
             <a:fld id="{84B6F61C-9FA5-4C35-A1D3-00EE2C15A6C0}" type="datetimeFigureOut">
               <a:rPr lang="en-IN" smtClean="0"/>
-              <a:t>15-02-2023</a:t>
+              <a:t>28-03-2023</a:t>
             </a:fld>
             <a:endParaRPr lang="en-IN"/>
           </a:p>
@@ -1000,7 +1000,7 @@
           <a:p>
             <a:fld id="{84B6F61C-9FA5-4C35-A1D3-00EE2C15A6C0}" type="datetimeFigureOut">
               <a:rPr lang="en-IN" smtClean="0"/>
-              <a:t>15-02-2023</a:t>
+              <a:t>28-03-2023</a:t>
             </a:fld>
             <a:endParaRPr lang="en-IN" dirty="0"/>
           </a:p>
@@ -1381,7 +1381,7 @@
           <a:p>
             <a:fld id="{84B6F61C-9FA5-4C35-A1D3-00EE2C15A6C0}" type="datetimeFigureOut">
               <a:rPr lang="en-IN" smtClean="0"/>
-              <a:t>15-02-2023</a:t>
+              <a:t>28-03-2023</a:t>
             </a:fld>
             <a:endParaRPr lang="en-IN"/>
           </a:p>
@@ -1663,7 +1663,7 @@
           <a:p>
             <a:fld id="{84B6F61C-9FA5-4C35-A1D3-00EE2C15A6C0}" type="datetimeFigureOut">
               <a:rPr lang="en-IN" smtClean="0"/>
-              <a:t>15-02-2023</a:t>
+              <a:t>28-03-2023</a:t>
             </a:fld>
             <a:endParaRPr lang="en-IN"/>
           </a:p>
@@ -2092,7 +2092,7 @@
           <a:p>
             <a:fld id="{84B6F61C-9FA5-4C35-A1D3-00EE2C15A6C0}" type="datetimeFigureOut">
               <a:rPr lang="en-IN" smtClean="0"/>
-              <a:t>15-02-2023</a:t>
+              <a:t>28-03-2023</a:t>
             </a:fld>
             <a:endParaRPr lang="en-IN" dirty="0"/>
           </a:p>
@@ -2256,7 +2256,7 @@
           <a:p>
             <a:fld id="{84B6F61C-9FA5-4C35-A1D3-00EE2C15A6C0}" type="datetimeFigureOut">
               <a:rPr lang="en-IN" smtClean="0"/>
-              <a:t>15-02-2023</a:t>
+              <a:t>28-03-2023</a:t>
             </a:fld>
             <a:endParaRPr lang="en-IN"/>
           </a:p>
@@ -2383,7 +2383,7 @@
           <a:p>
             <a:fld id="{84B6F61C-9FA5-4C35-A1D3-00EE2C15A6C0}" type="datetimeFigureOut">
               <a:rPr lang="en-IN" smtClean="0"/>
-              <a:t>15-02-2023</a:t>
+              <a:t>28-03-2023</a:t>
             </a:fld>
             <a:endParaRPr lang="en-IN"/>
           </a:p>
@@ -2710,7 +2710,7 @@
           <a:p>
             <a:fld id="{84B6F61C-9FA5-4C35-A1D3-00EE2C15A6C0}" type="datetimeFigureOut">
               <a:rPr lang="en-IN" smtClean="0"/>
-              <a:t>15-02-2023</a:t>
+              <a:t>28-03-2023</a:t>
             </a:fld>
             <a:endParaRPr lang="en-IN"/>
           </a:p>
@@ -3013,7 +3013,7 @@
           <a:p>
             <a:fld id="{84B6F61C-9FA5-4C35-A1D3-00EE2C15A6C0}" type="datetimeFigureOut">
               <a:rPr lang="en-IN" smtClean="0"/>
-              <a:t>15-02-2023</a:t>
+              <a:t>28-03-2023</a:t>
             </a:fld>
             <a:endParaRPr lang="en-IN"/>
           </a:p>
@@ -3265,7 +3265,7 @@
           <a:p>
             <a:fld id="{84B6F61C-9FA5-4C35-A1D3-00EE2C15A6C0}" type="datetimeFigureOut">
               <a:rPr lang="en-IN" smtClean="0"/>
-              <a:t>15-02-2023</a:t>
+              <a:t>28-03-2023</a:t>
             </a:fld>
             <a:endParaRPr lang="en-IN"/>
           </a:p>
@@ -4638,35 +4638,43 @@
           <a:bodyPr/>
           <a:lstStyle/>
           <a:p>
+            <a:r>
+              <a:rPr lang="en-US"/>
+              <a:t>projcoords.z</a:t>
+            </a:r>
             <a:endParaRPr lang="en-IN" dirty="0"/>
           </a:p>
         </p:txBody>
       </p:sp>
-      <p:sp>
-        <p:nvSpPr>
-          <p:cNvPr id="3" name="Content Placeholder 2">
-            <a:extLst>
-              <a:ext uri="{FF2B5EF4-FFF2-40B4-BE49-F238E27FC236}">
-                <a16:creationId xmlns:a16="http://schemas.microsoft.com/office/drawing/2014/main" id="{3844D5A2-A46E-08C4-B510-C0405F5C7C5B}"/>
-              </a:ext>
-            </a:extLst>
-          </p:cNvPr>
-          <p:cNvSpPr>
-            <a:spLocks noGrp="1"/>
-          </p:cNvSpPr>
+      <p:pic>
+        <p:nvPicPr>
+          <p:cNvPr id="5" name="Content Placeholder 4">
+            <a:extLst>
+              <a:ext uri="{FF2B5EF4-FFF2-40B4-BE49-F238E27FC236}">
+                <a16:creationId xmlns:a16="http://schemas.microsoft.com/office/drawing/2014/main" id="{81C70317-BE96-0E40-C50F-A0C741EF9A3C}"/>
+              </a:ext>
+            </a:extLst>
+          </p:cNvPr>
+          <p:cNvPicPr>
+            <a:picLocks noGrp="1" noChangeAspect="1"/>
+          </p:cNvPicPr>
           <p:nvPr>
             <p:ph idx="1"/>
           </p:nvPr>
-        </p:nvSpPr>
-        <p:spPr/>
-        <p:txBody>
-          <a:bodyPr/>
-          <a:lstStyle/>
-          <a:p>
-            <a:endParaRPr lang="en-IN"/>
-          </a:p>
-        </p:txBody>
-      </p:sp>
+        </p:nvPicPr>
+        <p:blipFill>
+          <a:blip r:embed="rId2"/>
+          <a:stretch>
+            <a:fillRect/>
+          </a:stretch>
+        </p:blipFill>
+        <p:spPr>
+          <a:xfrm>
+            <a:off x="1688035" y="1219200"/>
+            <a:ext cx="8519067" cy="4957763"/>
+          </a:xfrm>
+        </p:spPr>
+      </p:pic>
     </p:spTree>
     <p:extLst>
       <p:ext uri="{BB962C8B-B14F-4D97-AF65-F5344CB8AC3E}">

--- a/Docs/Features overview.pptx
+++ b/Docs/Features overview.pptx
@@ -298,7 +298,7 @@
           <a:p>
             <a:fld id="{84B6F61C-9FA5-4C35-A1D3-00EE2C15A6C0}" type="datetimeFigureOut">
               <a:rPr lang="en-IN" smtClean="0"/>
-              <a:t>28-03-2023</a:t>
+              <a:t>05-06-2023</a:t>
             </a:fld>
             <a:endParaRPr lang="en-IN"/>
           </a:p>
@@ -522,7 +522,7 @@
           <a:p>
             <a:fld id="{84B6F61C-9FA5-4C35-A1D3-00EE2C15A6C0}" type="datetimeFigureOut">
               <a:rPr lang="en-IN" smtClean="0"/>
-              <a:t>28-03-2023</a:t>
+              <a:t>05-06-2023</a:t>
             </a:fld>
             <a:endParaRPr lang="en-IN"/>
           </a:p>
@@ -746,7 +746,7 @@
           <a:p>
             <a:fld id="{84B6F61C-9FA5-4C35-A1D3-00EE2C15A6C0}" type="datetimeFigureOut">
               <a:rPr lang="en-IN" smtClean="0"/>
-              <a:t>28-03-2023</a:t>
+              <a:t>05-06-2023</a:t>
             </a:fld>
             <a:endParaRPr lang="en-IN"/>
           </a:p>
@@ -1000,7 +1000,7 @@
           <a:p>
             <a:fld id="{84B6F61C-9FA5-4C35-A1D3-00EE2C15A6C0}" type="datetimeFigureOut">
               <a:rPr lang="en-IN" smtClean="0"/>
-              <a:t>28-03-2023</a:t>
+              <a:t>05-06-2023</a:t>
             </a:fld>
             <a:endParaRPr lang="en-IN" dirty="0"/>
           </a:p>
@@ -1381,7 +1381,7 @@
           <a:p>
             <a:fld id="{84B6F61C-9FA5-4C35-A1D3-00EE2C15A6C0}" type="datetimeFigureOut">
               <a:rPr lang="en-IN" smtClean="0"/>
-              <a:t>28-03-2023</a:t>
+              <a:t>05-06-2023</a:t>
             </a:fld>
             <a:endParaRPr lang="en-IN"/>
           </a:p>
@@ -1663,7 +1663,7 @@
           <a:p>
             <a:fld id="{84B6F61C-9FA5-4C35-A1D3-00EE2C15A6C0}" type="datetimeFigureOut">
               <a:rPr lang="en-IN" smtClean="0"/>
-              <a:t>28-03-2023</a:t>
+              <a:t>05-06-2023</a:t>
             </a:fld>
             <a:endParaRPr lang="en-IN"/>
           </a:p>
@@ -2092,7 +2092,7 @@
           <a:p>
             <a:fld id="{84B6F61C-9FA5-4C35-A1D3-00EE2C15A6C0}" type="datetimeFigureOut">
               <a:rPr lang="en-IN" smtClean="0"/>
-              <a:t>28-03-2023</a:t>
+              <a:t>05-06-2023</a:t>
             </a:fld>
             <a:endParaRPr lang="en-IN" dirty="0"/>
           </a:p>
@@ -2256,7 +2256,7 @@
           <a:p>
             <a:fld id="{84B6F61C-9FA5-4C35-A1D3-00EE2C15A6C0}" type="datetimeFigureOut">
               <a:rPr lang="en-IN" smtClean="0"/>
-              <a:t>28-03-2023</a:t>
+              <a:t>05-06-2023</a:t>
             </a:fld>
             <a:endParaRPr lang="en-IN"/>
           </a:p>
@@ -2383,7 +2383,7 @@
           <a:p>
             <a:fld id="{84B6F61C-9FA5-4C35-A1D3-00EE2C15A6C0}" type="datetimeFigureOut">
               <a:rPr lang="en-IN" smtClean="0"/>
-              <a:t>28-03-2023</a:t>
+              <a:t>05-06-2023</a:t>
             </a:fld>
             <a:endParaRPr lang="en-IN"/>
           </a:p>
@@ -2710,7 +2710,7 @@
           <a:p>
             <a:fld id="{84B6F61C-9FA5-4C35-A1D3-00EE2C15A6C0}" type="datetimeFigureOut">
               <a:rPr lang="en-IN" smtClean="0"/>
-              <a:t>28-03-2023</a:t>
+              <a:t>05-06-2023</a:t>
             </a:fld>
             <a:endParaRPr lang="en-IN"/>
           </a:p>
@@ -3013,7 +3013,7 @@
           <a:p>
             <a:fld id="{84B6F61C-9FA5-4C35-A1D3-00EE2C15A6C0}" type="datetimeFigureOut">
               <a:rPr lang="en-IN" smtClean="0"/>
-              <a:t>28-03-2023</a:t>
+              <a:t>05-06-2023</a:t>
             </a:fld>
             <a:endParaRPr lang="en-IN"/>
           </a:p>
@@ -3265,7 +3265,7 @@
           <a:p>
             <a:fld id="{84B6F61C-9FA5-4C35-A1D3-00EE2C15A6C0}" type="datetimeFigureOut">
               <a:rPr lang="en-IN" smtClean="0"/>
-              <a:t>28-03-2023</a:t>
+              <a:t>05-06-2023</a:t>
             </a:fld>
             <a:endParaRPr lang="en-IN"/>
           </a:p>
@@ -3998,24 +3998,13 @@
                 <a:ea typeface="Calibri" panose="020F0502020204030204" pitchFamily="34" charset="0"/>
                 <a:cs typeface="Calibri" panose="020F0502020204030204" pitchFamily="34" charset="0"/>
               </a:rPr>
-              <a:t>Indirect draw as </a:t>
-            </a:r>
-            <a:r>
-              <a:rPr lang="en-US">
-                <a:latin typeface="Calibri" panose="020F0502020204030204" pitchFamily="34" charset="0"/>
-                <a:ea typeface="Calibri" panose="020F0502020204030204" pitchFamily="34" charset="0"/>
-                <a:cs typeface="Calibri" panose="020F0502020204030204" pitchFamily="34" charset="0"/>
-              </a:rPr>
-              <a:t>fallback system</a:t>
+              <a:t>Indirect draw as fallback system</a:t>
             </a:r>
             <a:endParaRPr lang="en-US" sz="1600" dirty="0">
               <a:latin typeface="Calibri" panose="020F0502020204030204" pitchFamily="34" charset="0"/>
               <a:ea typeface="Calibri" panose="020F0502020204030204" pitchFamily="34" charset="0"/>
               <a:cs typeface="Calibri" panose="020F0502020204030204" pitchFamily="34" charset="0"/>
             </a:endParaRPr>
-          </a:p>
-          <a:p>
-            <a:endParaRPr lang="en-IN" sz="1600" dirty="0"/>
           </a:p>
         </p:txBody>
       </p:sp>

--- a/Docs/Features overview.pptx
+++ b/Docs/Features overview.pptx
@@ -11,6 +11,7 @@
     <p:sldId id="260" r:id="rId5"/>
     <p:sldId id="261" r:id="rId6"/>
     <p:sldId id="262" r:id="rId7"/>
+    <p:sldId id="263" r:id="rId8"/>
   </p:sldIdLst>
   <p:sldSz cx="12192000" cy="6858000"/>
   <p:notesSz cx="6858000" cy="9144000"/>
@@ -126,6 +127,11 @@
             <p14:sldId id="262"/>
           </p14:sldIdLst>
         </p14:section>
+        <p14:section name="Performance Improvements" id="{245578FE-32D1-46ED-9D76-A9FD4E05A08C}">
+          <p14:sldIdLst>
+            <p14:sldId id="263"/>
+          </p14:sldIdLst>
+        </p14:section>
       </p14:sectionLst>
     </p:ext>
     <p:ext uri="{EFAFB233-063F-42B5-8137-9DF3F51BA10A}">
@@ -298,7 +304,7 @@
           <a:p>
             <a:fld id="{84B6F61C-9FA5-4C35-A1D3-00EE2C15A6C0}" type="datetimeFigureOut">
               <a:rPr lang="en-IN" smtClean="0"/>
-              <a:t>05-06-2023</a:t>
+              <a:t>02-07-2023</a:t>
             </a:fld>
             <a:endParaRPr lang="en-IN"/>
           </a:p>
@@ -522,7 +528,7 @@
           <a:p>
             <a:fld id="{84B6F61C-9FA5-4C35-A1D3-00EE2C15A6C0}" type="datetimeFigureOut">
               <a:rPr lang="en-IN" smtClean="0"/>
-              <a:t>05-06-2023</a:t>
+              <a:t>02-07-2023</a:t>
             </a:fld>
             <a:endParaRPr lang="en-IN"/>
           </a:p>
@@ -746,7 +752,7 @@
           <a:p>
             <a:fld id="{84B6F61C-9FA5-4C35-A1D3-00EE2C15A6C0}" type="datetimeFigureOut">
               <a:rPr lang="en-IN" smtClean="0"/>
-              <a:t>05-06-2023</a:t>
+              <a:t>02-07-2023</a:t>
             </a:fld>
             <a:endParaRPr lang="en-IN"/>
           </a:p>
@@ -1000,7 +1006,7 @@
           <a:p>
             <a:fld id="{84B6F61C-9FA5-4C35-A1D3-00EE2C15A6C0}" type="datetimeFigureOut">
               <a:rPr lang="en-IN" smtClean="0"/>
-              <a:t>05-06-2023</a:t>
+              <a:t>02-07-2023</a:t>
             </a:fld>
             <a:endParaRPr lang="en-IN" dirty="0"/>
           </a:p>
@@ -1381,7 +1387,7 @@
           <a:p>
             <a:fld id="{84B6F61C-9FA5-4C35-A1D3-00EE2C15A6C0}" type="datetimeFigureOut">
               <a:rPr lang="en-IN" smtClean="0"/>
-              <a:t>05-06-2023</a:t>
+              <a:t>02-07-2023</a:t>
             </a:fld>
             <a:endParaRPr lang="en-IN"/>
           </a:p>
@@ -1663,7 +1669,7 @@
           <a:p>
             <a:fld id="{84B6F61C-9FA5-4C35-A1D3-00EE2C15A6C0}" type="datetimeFigureOut">
               <a:rPr lang="en-IN" smtClean="0"/>
-              <a:t>05-06-2023</a:t>
+              <a:t>02-07-2023</a:t>
             </a:fld>
             <a:endParaRPr lang="en-IN"/>
           </a:p>
@@ -2092,7 +2098,7 @@
           <a:p>
             <a:fld id="{84B6F61C-9FA5-4C35-A1D3-00EE2C15A6C0}" type="datetimeFigureOut">
               <a:rPr lang="en-IN" smtClean="0"/>
-              <a:t>05-06-2023</a:t>
+              <a:t>02-07-2023</a:t>
             </a:fld>
             <a:endParaRPr lang="en-IN" dirty="0"/>
           </a:p>
@@ -2256,7 +2262,7 @@
           <a:p>
             <a:fld id="{84B6F61C-9FA5-4C35-A1D3-00EE2C15A6C0}" type="datetimeFigureOut">
               <a:rPr lang="en-IN" smtClean="0"/>
-              <a:t>05-06-2023</a:t>
+              <a:t>02-07-2023</a:t>
             </a:fld>
             <a:endParaRPr lang="en-IN"/>
           </a:p>
@@ -2383,7 +2389,7 @@
           <a:p>
             <a:fld id="{84B6F61C-9FA5-4C35-A1D3-00EE2C15A6C0}" type="datetimeFigureOut">
               <a:rPr lang="en-IN" smtClean="0"/>
-              <a:t>05-06-2023</a:t>
+              <a:t>02-07-2023</a:t>
             </a:fld>
             <a:endParaRPr lang="en-IN"/>
           </a:p>
@@ -2710,7 +2716,7 @@
           <a:p>
             <a:fld id="{84B6F61C-9FA5-4C35-A1D3-00EE2C15A6C0}" type="datetimeFigureOut">
               <a:rPr lang="en-IN" smtClean="0"/>
-              <a:t>05-06-2023</a:t>
+              <a:t>02-07-2023</a:t>
             </a:fld>
             <a:endParaRPr lang="en-IN"/>
           </a:p>
@@ -3013,7 +3019,7 @@
           <a:p>
             <a:fld id="{84B6F61C-9FA5-4C35-A1D3-00EE2C15A6C0}" type="datetimeFigureOut">
               <a:rPr lang="en-IN" smtClean="0"/>
-              <a:t>05-06-2023</a:t>
+              <a:t>02-07-2023</a:t>
             </a:fld>
             <a:endParaRPr lang="en-IN"/>
           </a:p>
@@ -3265,7 +3271,7 @@
           <a:p>
             <a:fld id="{84B6F61C-9FA5-4C35-A1D3-00EE2C15A6C0}" type="datetimeFigureOut">
               <a:rPr lang="en-IN" smtClean="0"/>
-              <a:t>05-06-2023</a:t>
+              <a:t>02-07-2023</a:t>
             </a:fld>
             <a:endParaRPr lang="en-IN"/>
           </a:p>
@@ -4677,6 +4683,308 @@
 </p:sld>
 </file>
 
+<file path=ppt/slides/slide7.xml><?xml version="1.0" encoding="utf-8"?>
+<p:sld xmlns:a="http://schemas.openxmlformats.org/drawingml/2006/main" xmlns:r="http://schemas.openxmlformats.org/officeDocument/2006/relationships" xmlns:p="http://schemas.openxmlformats.org/presentationml/2006/main">
+  <p:cSld>
+    <p:spTree>
+      <p:nvGrpSpPr>
+        <p:cNvPr id="1" name=""/>
+        <p:cNvGrpSpPr/>
+        <p:nvPr/>
+      </p:nvGrpSpPr>
+      <p:grpSpPr>
+        <a:xfrm>
+          <a:off x="0" y="0"/>
+          <a:ext cx="0" cy="0"/>
+          <a:chOff x="0" y="0"/>
+          <a:chExt cx="0" cy="0"/>
+        </a:xfrm>
+      </p:grpSpPr>
+      <p:sp>
+        <p:nvSpPr>
+          <p:cNvPr id="2" name="Title 1">
+            <a:extLst>
+              <a:ext uri="{FF2B5EF4-FFF2-40B4-BE49-F238E27FC236}">
+                <a16:creationId xmlns:a16="http://schemas.microsoft.com/office/drawing/2014/main" id="{0F68DE61-F4A0-01F3-833B-5EF6841E2FDC}"/>
+              </a:ext>
+            </a:extLst>
+          </p:cNvPr>
+          <p:cNvSpPr>
+            <a:spLocks noGrp="1"/>
+          </p:cNvSpPr>
+          <p:nvPr>
+            <p:ph type="title"/>
+          </p:nvPr>
+        </p:nvSpPr>
+        <p:spPr/>
+        <p:txBody>
+          <a:bodyPr>
+            <a:normAutofit/>
+          </a:bodyPr>
+          <a:lstStyle/>
+          <a:p>
+            <a:r>
+              <a:rPr lang="en-US" dirty="0"/>
+              <a:t>Performance Bottleneck – </a:t>
+            </a:r>
+            <a:r>
+              <a:rPr lang="en-US" sz="2000" dirty="0">
+                <a:solidFill>
+                  <a:srgbClr val="FFB556"/>
+                </a:solidFill>
+              </a:rPr>
+              <a:t>vkQueuePresentKHR/</a:t>
+            </a:r>
+            <a:r>
+              <a:rPr lang="en-US" sz="2000" dirty="0" err="1">
+                <a:solidFill>
+                  <a:srgbClr val="FFB556"/>
+                </a:solidFill>
+              </a:rPr>
+              <a:t>vkQueueSubmitKHR</a:t>
+            </a:r>
+            <a:endParaRPr lang="en-IN" sz="2000" dirty="0">
+              <a:solidFill>
+                <a:srgbClr val="FFB556"/>
+              </a:solidFill>
+            </a:endParaRPr>
+          </a:p>
+        </p:txBody>
+      </p:sp>
+      <p:sp>
+        <p:nvSpPr>
+          <p:cNvPr id="3" name="Content Placeholder 2">
+            <a:extLst>
+              <a:ext uri="{FF2B5EF4-FFF2-40B4-BE49-F238E27FC236}">
+                <a16:creationId xmlns:a16="http://schemas.microsoft.com/office/drawing/2014/main" id="{142BF2F0-15EF-C441-4887-EC3FEA12F04A}"/>
+              </a:ext>
+            </a:extLst>
+          </p:cNvPr>
+          <p:cNvSpPr>
+            <a:spLocks noGrp="1"/>
+          </p:cNvSpPr>
+          <p:nvPr>
+            <p:ph idx="1"/>
+          </p:nvPr>
+        </p:nvSpPr>
+        <p:spPr>
+          <a:xfrm>
+            <a:off x="541176" y="1219454"/>
+            <a:ext cx="10812624" cy="1930801"/>
+          </a:xfrm>
+        </p:spPr>
+        <p:txBody>
+          <a:bodyPr>
+            <a:normAutofit/>
+          </a:bodyPr>
+          <a:lstStyle/>
+          <a:p>
+            <a:pPr marL="0" indent="0">
+              <a:buNone/>
+            </a:pPr>
+            <a:r>
+              <a:rPr lang="en-US" sz="1800" dirty="0"/>
+              <a:t>Problem</a:t>
+            </a:r>
+          </a:p>
+          <a:p>
+            <a:r>
+              <a:rPr lang="en-US" sz="1400" dirty="0">
+                <a:solidFill>
+                  <a:schemeClr val="accent3">
+                    <a:lumMod val="75000"/>
+                  </a:schemeClr>
+                </a:solidFill>
+              </a:rPr>
+              <a:t>Presentation of frame is taking around </a:t>
+            </a:r>
+            <a:r>
+              <a:rPr lang="en-US" sz="1400" u="sng" dirty="0">
+                <a:solidFill>
+                  <a:schemeClr val="accent3">
+                    <a:lumMod val="75000"/>
+                  </a:schemeClr>
+                </a:solidFill>
+              </a:rPr>
+              <a:t>1.2-2.0</a:t>
+            </a:r>
+            <a:r>
+              <a:rPr lang="en-US" sz="1400" i="1" u="sng" dirty="0">
+                <a:solidFill>
+                  <a:schemeClr val="accent3">
+                    <a:lumMod val="75000"/>
+                  </a:schemeClr>
+                </a:solidFill>
+              </a:rPr>
+              <a:t>ms</a:t>
+            </a:r>
+            <a:r>
+              <a:rPr lang="en-US" sz="1400" dirty="0">
+                <a:solidFill>
+                  <a:schemeClr val="accent3">
+                    <a:lumMod val="75000"/>
+                  </a:schemeClr>
+                </a:solidFill>
+              </a:rPr>
+              <a:t> in Razix</a:t>
+            </a:r>
+            <a:r>
+              <a:rPr lang="en-US" sz="1400" dirty="0"/>
+              <a:t>, typical native Vulkan app takes around 0.06-0.08</a:t>
+            </a:r>
+            <a:r>
+              <a:rPr lang="en-US" sz="1400" i="1" dirty="0"/>
+              <a:t>ms</a:t>
+            </a:r>
+            <a:r>
+              <a:rPr lang="en-US" sz="1400" dirty="0"/>
+              <a:t> (avg. &lt; 0.1</a:t>
+            </a:r>
+            <a:r>
+              <a:rPr lang="en-US" sz="1400" i="1" dirty="0"/>
+              <a:t>ms</a:t>
+            </a:r>
+            <a:r>
+              <a:rPr lang="en-US" sz="1400" dirty="0"/>
+              <a:t>)</a:t>
+            </a:r>
+          </a:p>
+          <a:p>
+            <a:pPr lvl="1"/>
+            <a:r>
+              <a:rPr lang="en-US" sz="1000" dirty="0">
+                <a:solidFill>
+                  <a:schemeClr val="bg1"/>
+                </a:solidFill>
+              </a:rPr>
+              <a:t>This includes time for both </a:t>
+            </a:r>
+            <a:r>
+              <a:rPr lang="en-US" sz="1000" dirty="0">
+                <a:solidFill>
+                  <a:schemeClr val="accent1"/>
+                </a:solidFill>
+              </a:rPr>
+              <a:t>vkQueuePresentKHR</a:t>
+            </a:r>
+            <a:r>
+              <a:rPr lang="en-US" sz="1000" dirty="0">
+                <a:solidFill>
+                  <a:srgbClr val="C00000"/>
+                </a:solidFill>
+              </a:rPr>
+              <a:t>(0.04-0.06ms)</a:t>
+            </a:r>
+            <a:r>
+              <a:rPr lang="en-US" sz="1000" dirty="0">
+                <a:solidFill>
+                  <a:schemeClr val="bg1"/>
+                </a:solidFill>
+              </a:rPr>
+              <a:t> and </a:t>
+            </a:r>
+            <a:r>
+              <a:rPr lang="en-US" sz="1000" dirty="0">
+                <a:solidFill>
+                  <a:schemeClr val="accent1"/>
+                </a:solidFill>
+              </a:rPr>
+              <a:t>vkWaitForFences</a:t>
+            </a:r>
+            <a:r>
+              <a:rPr lang="en-US" sz="1000" dirty="0">
+                <a:solidFill>
+                  <a:srgbClr val="C00000"/>
+                </a:solidFill>
+              </a:rPr>
+              <a:t>(taking around 0.8-1.2ms)</a:t>
+            </a:r>
+          </a:p>
+          <a:p>
+            <a:pPr lvl="1"/>
+            <a:r>
+              <a:rPr lang="en-US" sz="1000" dirty="0">
+                <a:solidFill>
+                  <a:schemeClr val="bg1"/>
+                </a:solidFill>
+              </a:rPr>
+              <a:t>Could be due to absence of memory and pipeline barriers for </a:t>
+            </a:r>
+            <a:r>
+              <a:rPr lang="en-US" sz="1000" dirty="0">
+                <a:solidFill>
+                  <a:schemeClr val="accent6">
+                    <a:lumMod val="60000"/>
+                    <a:lumOff val="40000"/>
+                  </a:schemeClr>
+                </a:solidFill>
+              </a:rPr>
+              <a:t>Render Targets</a:t>
+            </a:r>
+            <a:r>
+              <a:rPr lang="en-US" sz="1000" dirty="0">
+                <a:solidFill>
+                  <a:schemeClr val="bg1"/>
+                </a:solidFill>
+              </a:rPr>
+              <a:t> b/w the FrameGraph passes, presentation engine is resolving the dependencies and it taking a lot of time</a:t>
+            </a:r>
+          </a:p>
+          <a:p>
+            <a:pPr lvl="1"/>
+            <a:r>
+              <a:rPr lang="en-US" sz="1000" dirty="0">
+                <a:solidFill>
+                  <a:schemeClr val="bg1"/>
+                </a:solidFill>
+              </a:rPr>
+              <a:t>Or since it’s separated into many virtual functions this could be causing issues, since we have fixed no. of semaphores per frame, try implementing them in a single function inside the </a:t>
+            </a:r>
+            <a:r>
+              <a:rPr lang="en-US" sz="1000" dirty="0">
+                <a:solidFill>
+                  <a:schemeClr val="accent3">
+                    <a:lumMod val="60000"/>
+                    <a:lumOff val="40000"/>
+                  </a:schemeClr>
+                </a:solidFill>
+              </a:rPr>
+              <a:t>VKSwapchain</a:t>
+            </a:r>
+            <a:r>
+              <a:rPr lang="en-US" sz="1000" dirty="0">
+                <a:solidFill>
+                  <a:schemeClr val="bg1"/>
+                </a:solidFill>
+              </a:rPr>
+              <a:t> itself to make things simple and fast and have less cache misses</a:t>
+            </a:r>
+          </a:p>
+          <a:p>
+            <a:pPr marL="457177" lvl="1" indent="0">
+              <a:buNone/>
+            </a:pPr>
+            <a:endParaRPr lang="en-US" sz="1000" dirty="0">
+              <a:solidFill>
+                <a:schemeClr val="bg1"/>
+              </a:solidFill>
+            </a:endParaRPr>
+          </a:p>
+        </p:txBody>
+      </p:sp>
+    </p:spTree>
+    <p:extLst>
+      <p:ext uri="{BB962C8B-B14F-4D97-AF65-F5344CB8AC3E}">
+        <p14:creationId xmlns:p14="http://schemas.microsoft.com/office/powerpoint/2010/main" val="2919453556"/>
+      </p:ext>
+    </p:extLst>
+  </p:cSld>
+  <p:clrMapOvr>
+    <a:masterClrMapping/>
+  </p:clrMapOvr>
+</p:sld>
+</file>
+
 <file path=ppt/theme/theme1.xml><?xml version="1.0" encoding="utf-8"?>
 <a:theme xmlns:a="http://schemas.openxmlformats.org/drawingml/2006/main" name="Office Theme">
   <a:themeElements>

--- a/Docs/Features overview.pptx
+++ b/Docs/Features overview.pptx
@@ -3960,7 +3960,7 @@
           <a:p>
             <a:r>
               <a:rPr lang="en-US" sz="1600" dirty="0">
-                <a:latin typeface="Calibri" panose="020F0502020204030204" pitchFamily="34" charset="0"/>
+                <a:latin typeface="+mj-lt"/>
                 <a:ea typeface="Calibri" panose="020F0502020204030204" pitchFamily="34" charset="0"/>
                 <a:cs typeface="Calibri" panose="020F0502020204030204" pitchFamily="34" charset="0"/>
               </a:rPr>
@@ -3970,44 +3970,132 @@
           <a:p>
             <a:r>
               <a:rPr lang="en-US" sz="1600" dirty="0">
-                <a:latin typeface="Calibri" panose="020F0502020204030204" pitchFamily="34" charset="0"/>
+                <a:latin typeface="+mj-lt"/>
                 <a:ea typeface="Calibri" panose="020F0502020204030204" pitchFamily="34" charset="0"/>
                 <a:cs typeface="Calibri" panose="020F0502020204030204" pitchFamily="34" charset="0"/>
               </a:rPr>
-              <a:t>Features include Frame Graph, backend agnostic Rendering API (single RHI for Vulkan, D3D12, OpenGL, Metal etc.)</a:t>
-            </a:r>
-          </a:p>
-          <a:p>
+              <a:t>Features include Frame Graph, backend agnostic Rendering API (single RHI for </a:t>
+            </a:r>
             <a:r>
               <a:rPr lang="en-US" sz="1600" dirty="0">
-                <a:latin typeface="Calibri" panose="020F0502020204030204" pitchFamily="34" charset="0"/>
+                <a:solidFill>
+                  <a:schemeClr val="accent3">
+                    <a:lumMod val="40000"/>
+                    <a:lumOff val="60000"/>
+                  </a:schemeClr>
+                </a:solidFill>
+                <a:latin typeface="+mj-lt"/>
                 <a:ea typeface="Calibri" panose="020F0502020204030204" pitchFamily="34" charset="0"/>
                 <a:cs typeface="Calibri" panose="020F0502020204030204" pitchFamily="34" charset="0"/>
               </a:rPr>
-              <a:t>Mesh shaders and ReSTIR based DI + GI</a:t>
-            </a:r>
-          </a:p>
-          <a:p>
+              <a:t>Vulkan</a:t>
+            </a:r>
             <a:r>
               <a:rPr lang="en-US" sz="1600" dirty="0">
-                <a:latin typeface="Calibri" panose="020F0502020204030204" pitchFamily="34" charset="0"/>
+                <a:latin typeface="+mj-lt"/>
                 <a:ea typeface="Calibri" panose="020F0502020204030204" pitchFamily="34" charset="0"/>
                 <a:cs typeface="Calibri" panose="020F0502020204030204" pitchFamily="34" charset="0"/>
               </a:rPr>
-              <a:t>Visibility buffer based bindless materials</a:t>
-            </a:r>
-          </a:p>
-          <a:p>
-            <a:r>
-              <a:rPr lang="en-US" dirty="0">
-                <a:latin typeface="Calibri" panose="020F0502020204030204" pitchFamily="34" charset="0"/>
+              <a:t>, </a:t>
+            </a:r>
+            <a:r>
+              <a:rPr lang="en-US" sz="1600" dirty="0">
+                <a:solidFill>
+                  <a:schemeClr val="accent6">
+                    <a:lumMod val="40000"/>
+                    <a:lumOff val="60000"/>
+                  </a:schemeClr>
+                </a:solidFill>
+                <a:latin typeface="+mj-lt"/>
                 <a:ea typeface="Calibri" panose="020F0502020204030204" pitchFamily="34" charset="0"/>
                 <a:cs typeface="Calibri" panose="020F0502020204030204" pitchFamily="34" charset="0"/>
               </a:rPr>
+              <a:t>D3D12</a:t>
+            </a:r>
+            <a:r>
+              <a:rPr lang="en-US" sz="1600" dirty="0">
+                <a:latin typeface="+mj-lt"/>
+                <a:ea typeface="Calibri" panose="020F0502020204030204" pitchFamily="34" charset="0"/>
+                <a:cs typeface="Calibri" panose="020F0502020204030204" pitchFamily="34" charset="0"/>
+              </a:rPr>
+              <a:t>, </a:t>
+            </a:r>
+            <a:r>
+              <a:rPr lang="en-US" sz="1600" dirty="0">
+                <a:solidFill>
+                  <a:schemeClr val="accent1">
+                    <a:lumMod val="60000"/>
+                    <a:lumOff val="40000"/>
+                  </a:schemeClr>
+                </a:solidFill>
+                <a:latin typeface="+mj-lt"/>
+                <a:ea typeface="Calibri" panose="020F0502020204030204" pitchFamily="34" charset="0"/>
+                <a:cs typeface="Calibri" panose="020F0502020204030204" pitchFamily="34" charset="0"/>
+              </a:rPr>
+              <a:t>OpenGL</a:t>
+            </a:r>
+            <a:r>
+              <a:rPr lang="en-US" sz="1600" dirty="0">
+                <a:latin typeface="+mj-lt"/>
+                <a:ea typeface="Calibri" panose="020F0502020204030204" pitchFamily="34" charset="0"/>
+                <a:cs typeface="Calibri" panose="020F0502020204030204" pitchFamily="34" charset="0"/>
+              </a:rPr>
+              <a:t>, </a:t>
+            </a:r>
+            <a:r>
+              <a:rPr lang="en-US" sz="1600" dirty="0">
+                <a:solidFill>
+                  <a:schemeClr val="accent5">
+                    <a:lumMod val="40000"/>
+                    <a:lumOff val="60000"/>
+                  </a:schemeClr>
+                </a:solidFill>
+                <a:latin typeface="+mj-lt"/>
+                <a:ea typeface="Calibri" panose="020F0502020204030204" pitchFamily="34" charset="0"/>
+                <a:cs typeface="Calibri" panose="020F0502020204030204" pitchFamily="34" charset="0"/>
+              </a:rPr>
+              <a:t>Metal</a:t>
+            </a:r>
+            <a:r>
+              <a:rPr lang="en-US" sz="1600" dirty="0">
+                <a:latin typeface="+mj-lt"/>
+                <a:ea typeface="Calibri" panose="020F0502020204030204" pitchFamily="34" charset="0"/>
+                <a:cs typeface="Calibri" panose="020F0502020204030204" pitchFamily="34" charset="0"/>
+              </a:rPr>
+              <a:t> etc.)</a:t>
+            </a:r>
+          </a:p>
+          <a:p>
+            <a:r>
+              <a:rPr lang="en-US" sz="1600" dirty="0">
+                <a:latin typeface="+mj-lt"/>
+                <a:ea typeface="Calibri" panose="020F0502020204030204" pitchFamily="34" charset="0"/>
+                <a:cs typeface="Calibri" panose="020F0502020204030204" pitchFamily="34" charset="0"/>
+              </a:rPr>
+              <a:t>Mesh shaders and ReSTIR based DI + GI</a:t>
+            </a:r>
+          </a:p>
+          <a:p>
+            <a:r>
+              <a:rPr lang="en-US" sz="1600" dirty="0">
+                <a:latin typeface="+mj-lt"/>
+                <a:ea typeface="Calibri" panose="020F0502020204030204" pitchFamily="34" charset="0"/>
+                <a:cs typeface="Calibri" panose="020F0502020204030204" pitchFamily="34" charset="0"/>
+              </a:rPr>
+              <a:t>Visibility buffer based bindless materials</a:t>
+            </a:r>
+          </a:p>
+          <a:p>
+            <a:r>
+              <a:rPr lang="en-US" dirty="0">
+                <a:latin typeface="+mj-lt"/>
+                <a:ea typeface="Calibri" panose="020F0502020204030204" pitchFamily="34" charset="0"/>
+                <a:cs typeface="Calibri" panose="020F0502020204030204" pitchFamily="34" charset="0"/>
+              </a:rPr>
               <a:t>Indirect draw as fallback system</a:t>
             </a:r>
             <a:endParaRPr lang="en-US" sz="1600" dirty="0">
-              <a:latin typeface="Calibri" panose="020F0502020204030204" pitchFamily="34" charset="0"/>
+              <a:latin typeface="+mj-lt"/>
               <a:ea typeface="Calibri" panose="020F0502020204030204" pitchFamily="34" charset="0"/>
               <a:cs typeface="Calibri" panose="020F0502020204030204" pitchFamily="34" charset="0"/>
             </a:endParaRPr>
@@ -4547,35 +4635,29 @@
               </a:rPr>
               <a:t>FrameGraphPass</a:t>
             </a:r>
+            <a:endParaRPr lang="en-US" dirty="0"/>
           </a:p>
           <a:p>
             <a:r>
               <a:rPr lang="en-US" dirty="0"/>
-              <a:t>Every pass has it’s own set of CommandBuffers</a:t>
-            </a:r>
-          </a:p>
-          <a:p>
-            <a:r>
-              <a:rPr lang="en-US" dirty="0"/>
-              <a:t>Every pass renders onto it’s own RenderTexture</a:t>
-            </a:r>
+              <a:t>Every pass renders onto it’s own set of </a:t>
+            </a:r>
+            <a:r>
+              <a:rPr lang="en-US" dirty="0" err="1"/>
+              <a:t>RenderTextures</a:t>
+            </a:r>
+            <a:endParaRPr lang="en-US" dirty="0"/>
           </a:p>
           <a:p>
             <a:pPr lvl="1"/>
             <a:r>
               <a:rPr lang="en-US" dirty="0">
                 <a:solidFill>
-                  <a:schemeClr val="tx2">
-                    <a:lumMod val="10000"/>
-                    <a:lumOff val="90000"/>
-                  </a:schemeClr>
-                </a:solidFill>
-              </a:rPr>
-              <a:t>Passed onto the next pass until the final composite pass</a:t>
-            </a:r>
-          </a:p>
-          <a:p>
-            <a:endParaRPr lang="en-US" dirty="0"/>
+                  <a:schemeClr val="bg1"/>
+                </a:solidFill>
+              </a:rPr>
+              <a:t>Materials will have to compatible with that pass</a:t>
+            </a:r>
           </a:p>
           <a:p>
             <a:endParaRPr lang="en-IN" dirty="0"/>
@@ -4733,15 +4815,7 @@
                   <a:srgbClr val="FFB556"/>
                 </a:solidFill>
               </a:rPr>
-              <a:t>vkQueuePresentKHR/</a:t>
-            </a:r>
-            <a:r>
-              <a:rPr lang="en-US" sz="2000" dirty="0" err="1">
-                <a:solidFill>
-                  <a:srgbClr val="FFB556"/>
-                </a:solidFill>
-              </a:rPr>
-              <a:t>vkQueueSubmitKHR</a:t>
+              <a:t>vkQueuePresentKHR/vkQueueSubmitKHR</a:t>
             </a:r>
             <a:endParaRPr lang="en-IN" sz="2000" dirty="0">
               <a:solidFill>
@@ -4770,7 +4844,7 @@
         <p:spPr>
           <a:xfrm>
             <a:off x="541176" y="1219454"/>
-            <a:ext cx="10812624" cy="1930801"/>
+            <a:ext cx="10812624" cy="4114546"/>
           </a:xfrm>
         </p:spPr>
         <p:txBody>
@@ -4783,7 +4857,14 @@
               <a:buNone/>
             </a:pPr>
             <a:r>
-              <a:rPr lang="en-US" sz="1800" dirty="0"/>
+              <a:rPr lang="en-US" sz="1700" dirty="0">
+                <a:solidFill>
+                  <a:schemeClr val="accent3">
+                    <a:lumMod val="40000"/>
+                    <a:lumOff val="60000"/>
+                  </a:schemeClr>
+                </a:solidFill>
+              </a:rPr>
               <a:t>Problem</a:t>
             </a:r>
           </a:p>
@@ -4838,7 +4919,7 @@
             </a:r>
             <a:r>
               <a:rPr lang="en-US" sz="1400" dirty="0"/>
-              <a:t> (avg. &lt; 0.1</a:t>
+              <a:t> (avg. &lt; 1.0</a:t>
             </a:r>
             <a:r>
               <a:rPr lang="en-US" sz="1400" i="1" dirty="0"/>
@@ -4852,7 +4933,7 @@
           <a:p>
             <a:pPr lvl="1"/>
             <a:r>
-              <a:rPr lang="en-US" sz="1000" dirty="0">
+              <a:rPr lang="en-US" dirty="0">
                 <a:solidFill>
                   <a:schemeClr val="bg1"/>
                 </a:solidFill>
@@ -4860,7 +4941,7 @@
               <a:t>This includes time for both </a:t>
             </a:r>
             <a:r>
-              <a:rPr lang="en-US" sz="1000" dirty="0">
+              <a:rPr lang="en-US" dirty="0">
                 <a:solidFill>
                   <a:schemeClr val="accent1"/>
                 </a:solidFill>
@@ -4868,7 +4949,7 @@
               <a:t>vkQueuePresentKHR</a:t>
             </a:r>
             <a:r>
-              <a:rPr lang="en-US" sz="1000" dirty="0">
+              <a:rPr lang="en-US" dirty="0">
                 <a:solidFill>
                   <a:srgbClr val="C00000"/>
                 </a:solidFill>
@@ -4876,7 +4957,7 @@
               <a:t>(0.04-0.06ms)</a:t>
             </a:r>
             <a:r>
-              <a:rPr lang="en-US" sz="1000" dirty="0">
+              <a:rPr lang="en-US" dirty="0">
                 <a:solidFill>
                   <a:schemeClr val="bg1"/>
                 </a:solidFill>
@@ -4884,7 +4965,7 @@
               <a:t> and </a:t>
             </a:r>
             <a:r>
-              <a:rPr lang="en-US" sz="1000" dirty="0">
+              <a:rPr lang="en-US" dirty="0">
                 <a:solidFill>
                   <a:schemeClr val="accent1"/>
                 </a:solidFill>
@@ -4892,7 +4973,7 @@
               <a:t>vkWaitForFences</a:t>
             </a:r>
             <a:r>
-              <a:rPr lang="en-US" sz="1000" dirty="0">
+              <a:rPr lang="en-US" dirty="0">
                 <a:solidFill>
                   <a:srgbClr val="C00000"/>
                 </a:solidFill>
@@ -4903,7 +4984,7 @@
           <a:p>
             <a:pPr lvl="1"/>
             <a:r>
-              <a:rPr lang="en-US" sz="1000" dirty="0">
+              <a:rPr lang="en-US" dirty="0">
                 <a:solidFill>
                   <a:schemeClr val="bg1"/>
                 </a:solidFill>
@@ -4911,7 +4992,7 @@
               <a:t>Could be due to absence of memory and pipeline barriers for </a:t>
             </a:r>
             <a:r>
-              <a:rPr lang="en-US" sz="1000" dirty="0">
+              <a:rPr lang="en-US" dirty="0">
                 <a:solidFill>
                   <a:schemeClr val="accent6">
                     <a:lumMod val="60000"/>
@@ -4922,7 +5003,7 @@
               <a:t>Render Targets</a:t>
             </a:r>
             <a:r>
-              <a:rPr lang="en-US" sz="1000" dirty="0">
+              <a:rPr lang="en-US" dirty="0">
                 <a:solidFill>
                   <a:schemeClr val="bg1"/>
                 </a:solidFill>
@@ -4933,7 +5014,7 @@
           <a:p>
             <a:pPr lvl="1"/>
             <a:r>
-              <a:rPr lang="en-US" sz="1000" dirty="0">
+              <a:rPr lang="en-US" dirty="0">
                 <a:solidFill>
                   <a:schemeClr val="bg1"/>
                 </a:solidFill>
@@ -4941,7 +5022,7 @@
               <a:t>Or since it’s separated into many virtual functions this could be causing issues, since we have fixed no. of semaphores per frame, try implementing them in a single function inside the </a:t>
             </a:r>
             <a:r>
-              <a:rPr lang="en-US" sz="1000" dirty="0">
+              <a:rPr lang="en-US" dirty="0">
                 <a:solidFill>
                   <a:schemeClr val="accent3">
                     <a:lumMod val="60000"/>
@@ -4952,13 +5033,96 @@
               <a:t>VKSwapchain</a:t>
             </a:r>
             <a:r>
-              <a:rPr lang="en-US" sz="1000" dirty="0">
+              <a:rPr lang="en-US" dirty="0">
                 <a:solidFill>
                   <a:schemeClr val="bg1"/>
                 </a:solidFill>
               </a:rPr>
               <a:t> itself to make things simple and fast and have less cache misses</a:t>
             </a:r>
+          </a:p>
+          <a:p>
+            <a:pPr lvl="1"/>
+            <a:endParaRPr lang="en-US" sz="1000" dirty="0">
+              <a:solidFill>
+                <a:schemeClr val="bg1"/>
+              </a:solidFill>
+            </a:endParaRPr>
+          </a:p>
+          <a:p>
+            <a:pPr marL="0" indent="0">
+              <a:buNone/>
+            </a:pPr>
+            <a:r>
+              <a:rPr lang="en-US" sz="1700" dirty="0">
+                <a:solidFill>
+                  <a:schemeClr val="accent6">
+                    <a:lumMod val="60000"/>
+                    <a:lumOff val="40000"/>
+                  </a:schemeClr>
+                </a:solidFill>
+              </a:rPr>
+              <a:t>Solution</a:t>
+            </a:r>
+          </a:p>
+          <a:p>
+            <a:r>
+              <a:rPr lang="en-US" sz="1400" dirty="0"/>
+              <a:t>Merge submission and presentation into a single function to avoid redirection that too through virtual functions</a:t>
+            </a:r>
+          </a:p>
+          <a:p>
+            <a:r>
+              <a:rPr lang="en-US" sz="1400" dirty="0" err="1"/>
+              <a:t>VKSwapchain</a:t>
+            </a:r>
+            <a:r>
+              <a:rPr lang="en-US" sz="1400" dirty="0"/>
+              <a:t> will manage the frameSyncData ({imageReadySemaphore, renderingDoneSemaphore, </a:t>
+            </a:r>
+            <a:r>
+              <a:rPr lang="en-US" sz="1400" dirty="0" err="1"/>
+              <a:t>inFlightFence</a:t>
+            </a:r>
+            <a:r>
+              <a:rPr lang="en-US" sz="1400" dirty="0"/>
+              <a:t>} x </a:t>
+            </a:r>
+            <a:r>
+              <a:rPr lang="en-US" sz="1400" dirty="0">
+                <a:solidFill>
+                  <a:srgbClr val="7030A0"/>
+                </a:solidFill>
+              </a:rPr>
+              <a:t>MAX_SWAP_IMAGES(3)</a:t>
+            </a:r>
+            <a:r>
+              <a:rPr lang="en-US" sz="1400" dirty="0"/>
+              <a:t>)</a:t>
+            </a:r>
+          </a:p>
+          <a:p>
+            <a:r>
+              <a:rPr lang="en-US" sz="1400" dirty="0"/>
+              <a:t>Pipeline/Memory barriers will help in synchronization of pass resources and presentation only waits on </a:t>
+            </a:r>
+            <a:r>
+              <a:rPr lang="en-US" sz="1400" dirty="0">
+                <a:solidFill>
+                  <a:srgbClr val="7030A0"/>
+                </a:solidFill>
+                <a:latin typeface="Cascadia Mono" panose="020B0609020000020004" pitchFamily="49" charset="0"/>
+              </a:rPr>
+              <a:t>VK_PIPELINE_STAGE_COLOR_ATTACHMENT_OUTPUT_BIT</a:t>
+            </a:r>
+            <a:endParaRPr lang="en-US" sz="1400" dirty="0">
+              <a:solidFill>
+                <a:srgbClr val="7030A0"/>
+              </a:solidFill>
+            </a:endParaRPr>
+          </a:p>
+          <a:p>
+            <a:endParaRPr lang="en-US" sz="1500" dirty="0"/>
           </a:p>
           <a:p>
             <a:pPr marL="457177" lvl="1" indent="0">
@@ -4967,6 +5131,202 @@
             <a:endParaRPr lang="en-US" sz="1000" dirty="0">
               <a:solidFill>
                 <a:schemeClr val="bg1"/>
+              </a:solidFill>
+            </a:endParaRPr>
+          </a:p>
+        </p:txBody>
+      </p:sp>
+      <p:pic>
+        <p:nvPicPr>
+          <p:cNvPr id="5" name="Picture 4">
+            <a:extLst>
+              <a:ext uri="{FF2B5EF4-FFF2-40B4-BE49-F238E27FC236}">
+                <a16:creationId xmlns:a16="http://schemas.microsoft.com/office/drawing/2014/main" id="{9D2E9F68-9244-BC23-BB44-6846B47AE10D}"/>
+              </a:ext>
+            </a:extLst>
+          </p:cNvPr>
+          <p:cNvPicPr>
+            <a:picLocks noChangeAspect="1"/>
+          </p:cNvPicPr>
+          <p:nvPr/>
+        </p:nvPicPr>
+        <p:blipFill>
+          <a:blip r:embed="rId2"/>
+          <a:stretch>
+            <a:fillRect/>
+          </a:stretch>
+        </p:blipFill>
+        <p:spPr>
+          <a:xfrm>
+            <a:off x="1491278" y="5380218"/>
+            <a:ext cx="7171093" cy="1407471"/>
+          </a:xfrm>
+          <a:prstGeom prst="rect">
+            <a:avLst/>
+          </a:prstGeom>
+        </p:spPr>
+      </p:pic>
+      <p:sp>
+        <p:nvSpPr>
+          <p:cNvPr id="6" name="TextBox 5">
+            <a:extLst>
+              <a:ext uri="{FF2B5EF4-FFF2-40B4-BE49-F238E27FC236}">
+                <a16:creationId xmlns:a16="http://schemas.microsoft.com/office/drawing/2014/main" id="{DE840441-9B46-45BA-ED78-107447FA4C36}"/>
+              </a:ext>
+            </a:extLst>
+          </p:cNvPr>
+          <p:cNvSpPr txBox="1"/>
+          <p:nvPr/>
+        </p:nvSpPr>
+        <p:spPr>
+          <a:xfrm>
+            <a:off x="3517900" y="6526032"/>
+            <a:ext cx="3117850" cy="369332"/>
+          </a:xfrm>
+          <a:prstGeom prst="rect">
+            <a:avLst/>
+          </a:prstGeom>
+          <a:noFill/>
+        </p:spPr>
+        <p:txBody>
+          <a:bodyPr wrap="square" rtlCol="0">
+            <a:spAutoFit/>
+          </a:bodyPr>
+          <a:lstStyle/>
+          <a:p>
+            <a:pPr algn="ctr"/>
+            <a:r>
+              <a:rPr lang="en-US" dirty="0">
+                <a:solidFill>
+                  <a:schemeClr val="accent1">
+                    <a:lumMod val="40000"/>
+                    <a:lumOff val="60000"/>
+                  </a:schemeClr>
+                </a:solidFill>
+              </a:rPr>
+              <a:t>Razix Frame</a:t>
+            </a:r>
+            <a:endParaRPr lang="en-IN" dirty="0">
+              <a:solidFill>
+                <a:schemeClr val="accent1">
+                  <a:lumMod val="40000"/>
+                  <a:lumOff val="60000"/>
+                </a:schemeClr>
+              </a:solidFill>
+            </a:endParaRPr>
+          </a:p>
+        </p:txBody>
+      </p:sp>
+      <p:sp>
+        <p:nvSpPr>
+          <p:cNvPr id="7" name="TextBox 6">
+            <a:extLst>
+              <a:ext uri="{FF2B5EF4-FFF2-40B4-BE49-F238E27FC236}">
+                <a16:creationId xmlns:a16="http://schemas.microsoft.com/office/drawing/2014/main" id="{62E77515-B11F-E0F0-FFB7-E7355FA7F5C3}"/>
+              </a:ext>
+            </a:extLst>
+          </p:cNvPr>
+          <p:cNvSpPr txBox="1"/>
+          <p:nvPr/>
+        </p:nvSpPr>
+        <p:spPr>
+          <a:xfrm>
+            <a:off x="7391400" y="6372144"/>
+            <a:ext cx="1117600" cy="338554"/>
+          </a:xfrm>
+          <a:prstGeom prst="rect">
+            <a:avLst/>
+          </a:prstGeom>
+          <a:noFill/>
+        </p:spPr>
+        <p:txBody>
+          <a:bodyPr wrap="square" rtlCol="0">
+            <a:spAutoFit/>
+          </a:bodyPr>
+          <a:lstStyle/>
+          <a:p>
+            <a:r>
+              <a:rPr lang="en-US" sz="800" dirty="0">
+                <a:solidFill>
+                  <a:schemeClr val="accent3">
+                    <a:lumMod val="60000"/>
+                    <a:lumOff val="40000"/>
+                  </a:schemeClr>
+                </a:solidFill>
+              </a:rPr>
+              <a:t>Presentation is under </a:t>
+            </a:r>
+            <a:r>
+              <a:rPr lang="en-US" sz="800" i="1" dirty="0">
+                <a:solidFill>
+                  <a:schemeClr val="accent3">
+                    <a:lumMod val="60000"/>
+                    <a:lumOff val="40000"/>
+                  </a:schemeClr>
+                </a:solidFill>
+              </a:rPr>
+              <a:t>1.0ms</a:t>
+            </a:r>
+            <a:endParaRPr lang="en-IN" sz="800" i="1" dirty="0">
+              <a:solidFill>
+                <a:schemeClr val="accent3">
+                  <a:lumMod val="60000"/>
+                  <a:lumOff val="40000"/>
+                </a:schemeClr>
+              </a:solidFill>
+            </a:endParaRPr>
+          </a:p>
+        </p:txBody>
+      </p:sp>
+      <p:sp>
+        <p:nvSpPr>
+          <p:cNvPr id="8" name="Left Brace 7">
+            <a:extLst>
+              <a:ext uri="{FF2B5EF4-FFF2-40B4-BE49-F238E27FC236}">
+                <a16:creationId xmlns:a16="http://schemas.microsoft.com/office/drawing/2014/main" id="{15442EDF-7BEC-75AE-DD3E-17D3D576A752}"/>
+              </a:ext>
+            </a:extLst>
+          </p:cNvPr>
+          <p:cNvSpPr/>
+          <p:nvPr/>
+        </p:nvSpPr>
+        <p:spPr>
+          <a:xfrm rot="16200000">
+            <a:off x="7823640" y="6068750"/>
+            <a:ext cx="107075" cy="514349"/>
+          </a:xfrm>
+          <a:prstGeom prst="leftBrace">
+            <a:avLst>
+              <a:gd name="adj1" fmla="val 23901"/>
+              <a:gd name="adj2" fmla="val 50463"/>
+            </a:avLst>
+          </a:prstGeom>
+        </p:spPr>
+        <p:style>
+          <a:lnRef idx="1">
+            <a:schemeClr val="accent3"/>
+          </a:lnRef>
+          <a:fillRef idx="0">
+            <a:schemeClr val="accent3"/>
+          </a:fillRef>
+          <a:effectRef idx="0">
+            <a:schemeClr val="accent3"/>
+          </a:effectRef>
+          <a:fontRef idx="minor">
+            <a:schemeClr val="tx1"/>
+          </a:fontRef>
+        </p:style>
+        <p:txBody>
+          <a:bodyPr rtlCol="0" anchor="ctr"/>
+          <a:lstStyle/>
+          <a:p>
+            <a:pPr algn="ctr"/>
+            <a:endParaRPr lang="en-IN">
+              <a:solidFill>
+                <a:schemeClr val="accent3">
+                  <a:lumMod val="60000"/>
+                  <a:lumOff val="40000"/>
+                </a:schemeClr>
               </a:solidFill>
             </a:endParaRPr>
           </a:p>

--- a/Docs/Features overview.pptx
+++ b/Docs/Features overview.pptx
@@ -10,7 +10,7 @@
     <p:sldId id="259" r:id="rId4"/>
     <p:sldId id="260" r:id="rId5"/>
     <p:sldId id="261" r:id="rId6"/>
-    <p:sldId id="262" r:id="rId7"/>
+    <p:sldId id="264" r:id="rId7"/>
     <p:sldId id="263" r:id="rId8"/>
   </p:sldIdLst>
   <p:sldSz cx="12192000" cy="6858000"/>
@@ -124,7 +124,11 @@
             <p14:sldId id="259"/>
             <p14:sldId id="260"/>
             <p14:sldId id="261"/>
-            <p14:sldId id="262"/>
+          </p14:sldIdLst>
+        </p14:section>
+        <p14:section name="Graphics Features" id="{840BAED3-5ED1-4238-B89B-07D3713A0757}">
+          <p14:sldIdLst>
+            <p14:sldId id="264"/>
           </p14:sldIdLst>
         </p14:section>
         <p14:section name="Performance Improvements" id="{245578FE-32D1-46ED-9D76-A9FD4E05A08C}">
@@ -304,7 +308,7 @@
           <a:p>
             <a:fld id="{84B6F61C-9FA5-4C35-A1D3-00EE2C15A6C0}" type="datetimeFigureOut">
               <a:rPr lang="en-IN" smtClean="0"/>
-              <a:t>02-07-2023</a:t>
+              <a:t>05-04-2024</a:t>
             </a:fld>
             <a:endParaRPr lang="en-IN"/>
           </a:p>
@@ -528,7 +532,7 @@
           <a:p>
             <a:fld id="{84B6F61C-9FA5-4C35-A1D3-00EE2C15A6C0}" type="datetimeFigureOut">
               <a:rPr lang="en-IN" smtClean="0"/>
-              <a:t>02-07-2023</a:t>
+              <a:t>05-04-2024</a:t>
             </a:fld>
             <a:endParaRPr lang="en-IN"/>
           </a:p>
@@ -752,7 +756,7 @@
           <a:p>
             <a:fld id="{84B6F61C-9FA5-4C35-A1D3-00EE2C15A6C0}" type="datetimeFigureOut">
               <a:rPr lang="en-IN" smtClean="0"/>
-              <a:t>02-07-2023</a:t>
+              <a:t>05-04-2024</a:t>
             </a:fld>
             <a:endParaRPr lang="en-IN"/>
           </a:p>
@@ -1006,7 +1010,7 @@
           <a:p>
             <a:fld id="{84B6F61C-9FA5-4C35-A1D3-00EE2C15A6C0}" type="datetimeFigureOut">
               <a:rPr lang="en-IN" smtClean="0"/>
-              <a:t>02-07-2023</a:t>
+              <a:t>05-04-2024</a:t>
             </a:fld>
             <a:endParaRPr lang="en-IN" dirty="0"/>
           </a:p>
@@ -1387,7 +1391,7 @@
           <a:p>
             <a:fld id="{84B6F61C-9FA5-4C35-A1D3-00EE2C15A6C0}" type="datetimeFigureOut">
               <a:rPr lang="en-IN" smtClean="0"/>
-              <a:t>02-07-2023</a:t>
+              <a:t>05-04-2024</a:t>
             </a:fld>
             <a:endParaRPr lang="en-IN"/>
           </a:p>
@@ -1669,7 +1673,7 @@
           <a:p>
             <a:fld id="{84B6F61C-9FA5-4C35-A1D3-00EE2C15A6C0}" type="datetimeFigureOut">
               <a:rPr lang="en-IN" smtClean="0"/>
-              <a:t>02-07-2023</a:t>
+              <a:t>05-04-2024</a:t>
             </a:fld>
             <a:endParaRPr lang="en-IN"/>
           </a:p>
@@ -2098,7 +2102,7 @@
           <a:p>
             <a:fld id="{84B6F61C-9FA5-4C35-A1D3-00EE2C15A6C0}" type="datetimeFigureOut">
               <a:rPr lang="en-IN" smtClean="0"/>
-              <a:t>02-07-2023</a:t>
+              <a:t>05-04-2024</a:t>
             </a:fld>
             <a:endParaRPr lang="en-IN" dirty="0"/>
           </a:p>
@@ -2262,7 +2266,7 @@
           <a:p>
             <a:fld id="{84B6F61C-9FA5-4C35-A1D3-00EE2C15A6C0}" type="datetimeFigureOut">
               <a:rPr lang="en-IN" smtClean="0"/>
-              <a:t>02-07-2023</a:t>
+              <a:t>05-04-2024</a:t>
             </a:fld>
             <a:endParaRPr lang="en-IN"/>
           </a:p>
@@ -2389,7 +2393,7 @@
           <a:p>
             <a:fld id="{84B6F61C-9FA5-4C35-A1D3-00EE2C15A6C0}" type="datetimeFigureOut">
               <a:rPr lang="en-IN" smtClean="0"/>
-              <a:t>02-07-2023</a:t>
+              <a:t>05-04-2024</a:t>
             </a:fld>
             <a:endParaRPr lang="en-IN"/>
           </a:p>
@@ -2716,7 +2720,7 @@
           <a:p>
             <a:fld id="{84B6F61C-9FA5-4C35-A1D3-00EE2C15A6C0}" type="datetimeFigureOut">
               <a:rPr lang="en-IN" smtClean="0"/>
-              <a:t>02-07-2023</a:t>
+              <a:t>05-04-2024</a:t>
             </a:fld>
             <a:endParaRPr lang="en-IN"/>
           </a:p>
@@ -3019,7 +3023,7 @@
           <a:p>
             <a:fld id="{84B6F61C-9FA5-4C35-A1D3-00EE2C15A6C0}" type="datetimeFigureOut">
               <a:rPr lang="en-IN" smtClean="0"/>
-              <a:t>02-07-2023</a:t>
+              <a:t>05-04-2024</a:t>
             </a:fld>
             <a:endParaRPr lang="en-IN"/>
           </a:p>
@@ -3271,7 +3275,7 @@
           <a:p>
             <a:fld id="{84B6F61C-9FA5-4C35-A1D3-00EE2C15A6C0}" type="datetimeFigureOut">
               <a:rPr lang="en-IN" smtClean="0"/>
-              <a:t>02-07-2023</a:t>
+              <a:t>05-04-2024</a:t>
             </a:fld>
             <a:endParaRPr lang="en-IN"/>
           </a:p>
@@ -4699,7 +4703,7 @@
           <p:cNvPr id="2" name="Title 1">
             <a:extLst>
               <a:ext uri="{FF2B5EF4-FFF2-40B4-BE49-F238E27FC236}">
-                <a16:creationId xmlns:a16="http://schemas.microsoft.com/office/drawing/2014/main" id="{7D180A5A-9C56-7CC7-616A-C0589550AEE7}"/>
+                <a16:creationId xmlns:a16="http://schemas.microsoft.com/office/drawing/2014/main" id="{DC614B7A-FECA-1987-4399-C7BB9962085B}"/>
               </a:ext>
             </a:extLst>
           </p:cNvPr>
@@ -4716,8 +4720,8 @@
           <a:lstStyle/>
           <a:p>
             <a:r>
-              <a:rPr lang="en-US"/>
-              <a:t>projcoords.z</a:t>
+              <a:rPr lang="en-US" dirty="0"/>
+              <a:t>FXAA + TAA</a:t>
             </a:r>
             <a:endParaRPr lang="en-IN" dirty="0"/>
           </a:p>
@@ -4725,19 +4729,17 @@
       </p:sp>
       <p:pic>
         <p:nvPicPr>
-          <p:cNvPr id="5" name="Content Placeholder 4">
-            <a:extLst>
-              <a:ext uri="{FF2B5EF4-FFF2-40B4-BE49-F238E27FC236}">
-                <a16:creationId xmlns:a16="http://schemas.microsoft.com/office/drawing/2014/main" id="{81C70317-BE96-0E40-C50F-A0C741EF9A3C}"/>
+          <p:cNvPr id="5" name="Picture 4">
+            <a:extLst>
+              <a:ext uri="{FF2B5EF4-FFF2-40B4-BE49-F238E27FC236}">
+                <a16:creationId xmlns:a16="http://schemas.microsoft.com/office/drawing/2014/main" id="{8D5DC127-26CF-084B-FED8-38E29BACF3E1}"/>
               </a:ext>
             </a:extLst>
           </p:cNvPr>
           <p:cNvPicPr>
-            <a:picLocks noGrp="1" noChangeAspect="1"/>
+            <a:picLocks noChangeAspect="1"/>
           </p:cNvPicPr>
-          <p:nvPr>
-            <p:ph idx="1"/>
-          </p:nvPr>
+          <p:nvPr/>
         </p:nvPicPr>
         <p:blipFill>
           <a:blip r:embed="rId2"/>
@@ -4747,15 +4749,298 @@
         </p:blipFill>
         <p:spPr>
           <a:xfrm>
-            <a:off x="1688035" y="1219200"/>
-            <a:ext cx="8519067" cy="4957763"/>
+            <a:off x="558933" y="1680519"/>
+            <a:ext cx="3537331" cy="2532530"/>
           </a:xfrm>
+          <a:prstGeom prst="rect">
+            <a:avLst/>
+          </a:prstGeom>
         </p:spPr>
       </p:pic>
+      <p:pic>
+        <p:nvPicPr>
+          <p:cNvPr id="7" name="Picture 6">
+            <a:extLst>
+              <a:ext uri="{FF2B5EF4-FFF2-40B4-BE49-F238E27FC236}">
+                <a16:creationId xmlns:a16="http://schemas.microsoft.com/office/drawing/2014/main" id="{5D4E1045-996D-DE80-E370-F54E37DB742F}"/>
+              </a:ext>
+            </a:extLst>
+          </p:cNvPr>
+          <p:cNvPicPr>
+            <a:picLocks noChangeAspect="1"/>
+          </p:cNvPicPr>
+          <p:nvPr/>
+        </p:nvPicPr>
+        <p:blipFill>
+          <a:blip r:embed="rId3"/>
+          <a:stretch>
+            <a:fillRect/>
+          </a:stretch>
+        </p:blipFill>
+        <p:spPr>
+          <a:xfrm>
+            <a:off x="4624528" y="2292321"/>
+            <a:ext cx="1841125" cy="1464133"/>
+          </a:xfrm>
+          <a:prstGeom prst="rect">
+            <a:avLst/>
+          </a:prstGeom>
+        </p:spPr>
+      </p:pic>
+      <p:sp>
+        <p:nvSpPr>
+          <p:cNvPr id="8" name="Oval 7">
+            <a:extLst>
+              <a:ext uri="{FF2B5EF4-FFF2-40B4-BE49-F238E27FC236}">
+                <a16:creationId xmlns:a16="http://schemas.microsoft.com/office/drawing/2014/main" id="{951A9695-DCD1-523D-CE83-B560F361D302}"/>
+              </a:ext>
+            </a:extLst>
+          </p:cNvPr>
+          <p:cNvSpPr/>
+          <p:nvPr/>
+        </p:nvSpPr>
+        <p:spPr>
+          <a:xfrm>
+            <a:off x="1915297" y="2387640"/>
+            <a:ext cx="1519881" cy="1118287"/>
+          </a:xfrm>
+          <a:prstGeom prst="ellipse">
+            <a:avLst/>
+          </a:prstGeom>
+          <a:noFill/>
+          <a:ln>
+            <a:solidFill>
+              <a:schemeClr val="tx2"/>
+            </a:solidFill>
+          </a:ln>
+        </p:spPr>
+        <p:style>
+          <a:lnRef idx="2">
+            <a:schemeClr val="accent1">
+              <a:shade val="15000"/>
+            </a:schemeClr>
+          </a:lnRef>
+          <a:fillRef idx="1">
+            <a:schemeClr val="accent1"/>
+          </a:fillRef>
+          <a:effectRef idx="0">
+            <a:schemeClr val="accent1"/>
+          </a:effectRef>
+          <a:fontRef idx="minor">
+            <a:schemeClr val="lt1"/>
+          </a:fontRef>
+        </p:style>
+        <p:txBody>
+          <a:bodyPr rtlCol="0" anchor="ctr"/>
+          <a:lstStyle/>
+          <a:p>
+            <a:pPr algn="ctr"/>
+            <a:endParaRPr lang="en-IN"/>
+          </a:p>
+        </p:txBody>
+      </p:sp>
+      <p:cxnSp>
+        <p:nvCxnSpPr>
+          <p:cNvPr id="10" name="Straight Connector 9">
+            <a:extLst>
+              <a:ext uri="{FF2B5EF4-FFF2-40B4-BE49-F238E27FC236}">
+                <a16:creationId xmlns:a16="http://schemas.microsoft.com/office/drawing/2014/main" id="{7DE133C4-29B7-8317-3873-F39C96E25BE8}"/>
+              </a:ext>
+            </a:extLst>
+          </p:cNvPr>
+          <p:cNvCxnSpPr>
+            <a:stCxn id="8" idx="0"/>
+          </p:cNvCxnSpPr>
+          <p:nvPr/>
+        </p:nvCxnSpPr>
+        <p:spPr>
+          <a:xfrm flipV="1">
+            <a:off x="2675238" y="2292321"/>
+            <a:ext cx="1949290" cy="95319"/>
+          </a:xfrm>
+          <a:prstGeom prst="line">
+            <a:avLst/>
+          </a:prstGeom>
+          <a:ln w="12700"/>
+        </p:spPr>
+        <p:style>
+          <a:lnRef idx="1">
+            <a:schemeClr val="dk1"/>
+          </a:lnRef>
+          <a:fillRef idx="0">
+            <a:schemeClr val="dk1"/>
+          </a:fillRef>
+          <a:effectRef idx="0">
+            <a:schemeClr val="dk1"/>
+          </a:effectRef>
+          <a:fontRef idx="minor">
+            <a:schemeClr val="tx1"/>
+          </a:fontRef>
+        </p:style>
+      </p:cxnSp>
+      <p:cxnSp>
+        <p:nvCxnSpPr>
+          <p:cNvPr id="11" name="Straight Connector 10">
+            <a:extLst>
+              <a:ext uri="{FF2B5EF4-FFF2-40B4-BE49-F238E27FC236}">
+                <a16:creationId xmlns:a16="http://schemas.microsoft.com/office/drawing/2014/main" id="{3D98AE87-5708-2537-FDAE-8328E2EB8156}"/>
+              </a:ext>
+            </a:extLst>
+          </p:cNvPr>
+          <p:cNvCxnSpPr>
+            <a:cxnSpLocks/>
+            <a:stCxn id="8" idx="4"/>
+          </p:cNvCxnSpPr>
+          <p:nvPr/>
+        </p:nvCxnSpPr>
+        <p:spPr>
+          <a:xfrm>
+            <a:off x="2675238" y="3505927"/>
+            <a:ext cx="1949290" cy="247447"/>
+          </a:xfrm>
+          <a:prstGeom prst="line">
+            <a:avLst/>
+          </a:prstGeom>
+          <a:ln w="12700"/>
+        </p:spPr>
+        <p:style>
+          <a:lnRef idx="1">
+            <a:schemeClr val="dk1"/>
+          </a:lnRef>
+          <a:fillRef idx="0">
+            <a:schemeClr val="dk1"/>
+          </a:fillRef>
+          <a:effectRef idx="0">
+            <a:schemeClr val="dk1"/>
+          </a:effectRef>
+          <a:fontRef idx="minor">
+            <a:schemeClr val="tx1"/>
+          </a:fontRef>
+        </p:style>
+      </p:cxnSp>
+      <p:sp>
+        <p:nvSpPr>
+          <p:cNvPr id="14" name="TextBox 13">
+            <a:extLst>
+              <a:ext uri="{FF2B5EF4-FFF2-40B4-BE49-F238E27FC236}">
+                <a16:creationId xmlns:a16="http://schemas.microsoft.com/office/drawing/2014/main" id="{E2FD9D4A-C5E4-95F1-635F-29099D2A1E13}"/>
+              </a:ext>
+            </a:extLst>
+          </p:cNvPr>
+          <p:cNvSpPr txBox="1"/>
+          <p:nvPr/>
+        </p:nvSpPr>
+        <p:spPr>
+          <a:xfrm>
+            <a:off x="5103130" y="4028383"/>
+            <a:ext cx="883920" cy="369332"/>
+          </a:xfrm>
+          <a:prstGeom prst="rect">
+            <a:avLst/>
+          </a:prstGeom>
+          <a:noFill/>
+        </p:spPr>
+        <p:txBody>
+          <a:bodyPr wrap="square" rtlCol="0">
+            <a:spAutoFit/>
+          </a:bodyPr>
+          <a:lstStyle/>
+          <a:p>
+            <a:r>
+              <a:rPr lang="en-US" dirty="0">
+                <a:solidFill>
+                  <a:schemeClr val="bg1"/>
+                </a:solidFill>
+              </a:rPr>
+              <a:t>No AA</a:t>
+            </a:r>
+            <a:endParaRPr lang="en-IN" dirty="0">
+              <a:solidFill>
+                <a:schemeClr val="bg1"/>
+              </a:solidFill>
+            </a:endParaRPr>
+          </a:p>
+        </p:txBody>
+      </p:sp>
+      <p:pic>
+        <p:nvPicPr>
+          <p:cNvPr id="16" name="Picture 15">
+            <a:extLst>
+              <a:ext uri="{FF2B5EF4-FFF2-40B4-BE49-F238E27FC236}">
+                <a16:creationId xmlns:a16="http://schemas.microsoft.com/office/drawing/2014/main" id="{E450DE86-F790-F749-F537-AE8BACC11C06}"/>
+              </a:ext>
+            </a:extLst>
+          </p:cNvPr>
+          <p:cNvPicPr>
+            <a:picLocks noChangeAspect="1"/>
+          </p:cNvPicPr>
+          <p:nvPr/>
+        </p:nvPicPr>
+        <p:blipFill>
+          <a:blip r:embed="rId4"/>
+          <a:stretch>
+            <a:fillRect/>
+          </a:stretch>
+        </p:blipFill>
+        <p:spPr>
+          <a:xfrm>
+            <a:off x="7504888" y="2292574"/>
+            <a:ext cx="2203423" cy="1463626"/>
+          </a:xfrm>
+          <a:prstGeom prst="rect">
+            <a:avLst/>
+          </a:prstGeom>
+        </p:spPr>
+      </p:pic>
+      <p:sp>
+        <p:nvSpPr>
+          <p:cNvPr id="17" name="TextBox 16">
+            <a:extLst>
+              <a:ext uri="{FF2B5EF4-FFF2-40B4-BE49-F238E27FC236}">
+                <a16:creationId xmlns:a16="http://schemas.microsoft.com/office/drawing/2014/main" id="{ED4EDAB3-0185-DB18-744D-2AC7399553D2}"/>
+              </a:ext>
+            </a:extLst>
+          </p:cNvPr>
+          <p:cNvSpPr txBox="1"/>
+          <p:nvPr/>
+        </p:nvSpPr>
+        <p:spPr>
+          <a:xfrm>
+            <a:off x="8164639" y="4028383"/>
+            <a:ext cx="883920" cy="369332"/>
+          </a:xfrm>
+          <a:prstGeom prst="rect">
+            <a:avLst/>
+          </a:prstGeom>
+          <a:noFill/>
+        </p:spPr>
+        <p:txBody>
+          <a:bodyPr wrap="square" rtlCol="0">
+            <a:spAutoFit/>
+          </a:bodyPr>
+          <a:lstStyle/>
+          <a:p>
+            <a:pPr algn="ctr"/>
+            <a:r>
+              <a:rPr lang="en-US" dirty="0">
+                <a:solidFill>
+                  <a:schemeClr val="bg1"/>
+                </a:solidFill>
+              </a:rPr>
+              <a:t>FXAA</a:t>
+            </a:r>
+            <a:endParaRPr lang="en-IN" dirty="0">
+              <a:solidFill>
+                <a:schemeClr val="bg1"/>
+              </a:solidFill>
+            </a:endParaRPr>
+          </a:p>
+        </p:txBody>
+      </p:sp>
     </p:spTree>
     <p:extLst>
       <p:ext uri="{BB962C8B-B14F-4D97-AF65-F5344CB8AC3E}">
-        <p14:creationId xmlns:p14="http://schemas.microsoft.com/office/powerpoint/2010/main" val="3039434187"/>
+        <p14:creationId xmlns:p14="http://schemas.microsoft.com/office/powerpoint/2010/main" val="3966651940"/>
       </p:ext>
     </p:extLst>
   </p:cSld>
@@ -5158,12 +5443,13 @@
         </p:blipFill>
         <p:spPr>
           <a:xfrm>
-            <a:off x="1491278" y="5380218"/>
+            <a:off x="2146559" y="5298381"/>
             <a:ext cx="7171093" cy="1407471"/>
           </a:xfrm>
           <a:prstGeom prst="rect">
             <a:avLst/>
           </a:prstGeom>
+          <a:effectLst/>
         </p:spPr>
       </p:pic>
       <p:sp>
@@ -5180,7 +5466,7 @@
         </p:nvSpPr>
         <p:spPr>
           <a:xfrm>
-            <a:off x="3517900" y="6526032"/>
+            <a:off x="4113410" y="6396286"/>
             <a:ext cx="3117850" cy="369332"/>
           </a:xfrm>
           <a:prstGeom prst="rect">
@@ -5231,7 +5517,7 @@
         </p:nvSpPr>
         <p:spPr>
           <a:xfrm>
-            <a:off x="7391400" y="6372144"/>
+            <a:off x="8033951" y="6242398"/>
             <a:ext cx="1117600" cy="338554"/>
           </a:xfrm>
           <a:prstGeom prst="rect">
@@ -5292,7 +5578,7 @@
         </p:nvSpPr>
         <p:spPr>
           <a:xfrm rot="16200000">
-            <a:off x="7823640" y="6068750"/>
+            <a:off x="8466191" y="5939004"/>
             <a:ext cx="107075" cy="514349"/>
           </a:xfrm>
           <a:prstGeom prst="leftBrace">

--- a/Docs/Features overview.pptx
+++ b/Docs/Features overview.pptx
@@ -308,7 +308,7 @@
           <a:p>
             <a:fld id="{84B6F61C-9FA5-4C35-A1D3-00EE2C15A6C0}" type="datetimeFigureOut">
               <a:rPr lang="en-IN" smtClean="0"/>
-              <a:t>05-04-2024</a:t>
+              <a:t>24-04-2024</a:t>
             </a:fld>
             <a:endParaRPr lang="en-IN"/>
           </a:p>
@@ -532,7 +532,7 @@
           <a:p>
             <a:fld id="{84B6F61C-9FA5-4C35-A1D3-00EE2C15A6C0}" type="datetimeFigureOut">
               <a:rPr lang="en-IN" smtClean="0"/>
-              <a:t>05-04-2024</a:t>
+              <a:t>24-04-2024</a:t>
             </a:fld>
             <a:endParaRPr lang="en-IN"/>
           </a:p>
@@ -756,7 +756,7 @@
           <a:p>
             <a:fld id="{84B6F61C-9FA5-4C35-A1D3-00EE2C15A6C0}" type="datetimeFigureOut">
               <a:rPr lang="en-IN" smtClean="0"/>
-              <a:t>05-04-2024</a:t>
+              <a:t>24-04-2024</a:t>
             </a:fld>
             <a:endParaRPr lang="en-IN"/>
           </a:p>
@@ -1010,7 +1010,7 @@
           <a:p>
             <a:fld id="{84B6F61C-9FA5-4C35-A1D3-00EE2C15A6C0}" type="datetimeFigureOut">
               <a:rPr lang="en-IN" smtClean="0"/>
-              <a:t>05-04-2024</a:t>
+              <a:t>24-04-2024</a:t>
             </a:fld>
             <a:endParaRPr lang="en-IN" dirty="0"/>
           </a:p>
@@ -1391,7 +1391,7 @@
           <a:p>
             <a:fld id="{84B6F61C-9FA5-4C35-A1D3-00EE2C15A6C0}" type="datetimeFigureOut">
               <a:rPr lang="en-IN" smtClean="0"/>
-              <a:t>05-04-2024</a:t>
+              <a:t>24-04-2024</a:t>
             </a:fld>
             <a:endParaRPr lang="en-IN"/>
           </a:p>
@@ -1673,7 +1673,7 @@
           <a:p>
             <a:fld id="{84B6F61C-9FA5-4C35-A1D3-00EE2C15A6C0}" type="datetimeFigureOut">
               <a:rPr lang="en-IN" smtClean="0"/>
-              <a:t>05-04-2024</a:t>
+              <a:t>24-04-2024</a:t>
             </a:fld>
             <a:endParaRPr lang="en-IN"/>
           </a:p>
@@ -2102,7 +2102,7 @@
           <a:p>
             <a:fld id="{84B6F61C-9FA5-4C35-A1D3-00EE2C15A6C0}" type="datetimeFigureOut">
               <a:rPr lang="en-IN" smtClean="0"/>
-              <a:t>05-04-2024</a:t>
+              <a:t>24-04-2024</a:t>
             </a:fld>
             <a:endParaRPr lang="en-IN" dirty="0"/>
           </a:p>
@@ -2266,7 +2266,7 @@
           <a:p>
             <a:fld id="{84B6F61C-9FA5-4C35-A1D3-00EE2C15A6C0}" type="datetimeFigureOut">
               <a:rPr lang="en-IN" smtClean="0"/>
-              <a:t>05-04-2024</a:t>
+              <a:t>24-04-2024</a:t>
             </a:fld>
             <a:endParaRPr lang="en-IN"/>
           </a:p>
@@ -2393,7 +2393,7 @@
           <a:p>
             <a:fld id="{84B6F61C-9FA5-4C35-A1D3-00EE2C15A6C0}" type="datetimeFigureOut">
               <a:rPr lang="en-IN" smtClean="0"/>
-              <a:t>05-04-2024</a:t>
+              <a:t>24-04-2024</a:t>
             </a:fld>
             <a:endParaRPr lang="en-IN"/>
           </a:p>
@@ -2720,7 +2720,7 @@
           <a:p>
             <a:fld id="{84B6F61C-9FA5-4C35-A1D3-00EE2C15A6C0}" type="datetimeFigureOut">
               <a:rPr lang="en-IN" smtClean="0"/>
-              <a:t>05-04-2024</a:t>
+              <a:t>24-04-2024</a:t>
             </a:fld>
             <a:endParaRPr lang="en-IN"/>
           </a:p>
@@ -3023,7 +3023,7 @@
           <a:p>
             <a:fld id="{84B6F61C-9FA5-4C35-A1D3-00EE2C15A6C0}" type="datetimeFigureOut">
               <a:rPr lang="en-IN" smtClean="0"/>
-              <a:t>05-04-2024</a:t>
+              <a:t>24-04-2024</a:t>
             </a:fld>
             <a:endParaRPr lang="en-IN"/>
           </a:p>
@@ -3275,7 +3275,7 @@
           <a:p>
             <a:fld id="{84B6F61C-9FA5-4C35-A1D3-00EE2C15A6C0}" type="datetimeFigureOut">
               <a:rPr lang="en-IN" smtClean="0"/>
-              <a:t>05-04-2024</a:t>
+              <a:t>24-04-2024</a:t>
             </a:fld>
             <a:endParaRPr lang="en-IN"/>
           </a:p>
@@ -4698,41 +4698,12 @@
           <a:chExt cx="0" cy="0"/>
         </a:xfrm>
       </p:grpSpPr>
-      <p:sp>
-        <p:nvSpPr>
-          <p:cNvPr id="2" name="Title 1">
-            <a:extLst>
-              <a:ext uri="{FF2B5EF4-FFF2-40B4-BE49-F238E27FC236}">
-                <a16:creationId xmlns:a16="http://schemas.microsoft.com/office/drawing/2014/main" id="{DC614B7A-FECA-1987-4399-C7BB9962085B}"/>
-              </a:ext>
-            </a:extLst>
-          </p:cNvPr>
-          <p:cNvSpPr>
-            <a:spLocks noGrp="1"/>
-          </p:cNvSpPr>
-          <p:nvPr>
-            <p:ph type="title"/>
-          </p:nvPr>
-        </p:nvSpPr>
-        <p:spPr/>
-        <p:txBody>
-          <a:bodyPr/>
-          <a:lstStyle/>
-          <a:p>
-            <a:r>
-              <a:rPr lang="en-US" dirty="0"/>
-              <a:t>FXAA + TAA</a:t>
-            </a:r>
-            <a:endParaRPr lang="en-IN" dirty="0"/>
-          </a:p>
-        </p:txBody>
-      </p:sp>
       <p:pic>
         <p:nvPicPr>
-          <p:cNvPr id="5" name="Picture 4">
-            <a:extLst>
-              <a:ext uri="{FF2B5EF4-FFF2-40B4-BE49-F238E27FC236}">
-                <a16:creationId xmlns:a16="http://schemas.microsoft.com/office/drawing/2014/main" id="{8D5DC127-26CF-084B-FED8-38E29BACF3E1}"/>
+          <p:cNvPr id="18" name="Picture 17">
+            <a:extLst>
+              <a:ext uri="{FF2B5EF4-FFF2-40B4-BE49-F238E27FC236}">
+                <a16:creationId xmlns:a16="http://schemas.microsoft.com/office/drawing/2014/main" id="{3071FAE2-2529-6868-D262-AA34FE6D8332}"/>
               </a:ext>
             </a:extLst>
           </p:cNvPr>
@@ -4749,20 +4720,264 @@
         </p:blipFill>
         <p:spPr>
           <a:xfrm>
-            <a:off x="558933" y="1680519"/>
-            <a:ext cx="3537331" cy="2532530"/>
+            <a:off x="328677" y="1533422"/>
+            <a:ext cx="4131282" cy="2587510"/>
           </a:xfrm>
           <a:prstGeom prst="rect">
             <a:avLst/>
           </a:prstGeom>
         </p:spPr>
       </p:pic>
+      <p:sp>
+        <p:nvSpPr>
+          <p:cNvPr id="2" name="Title 1">
+            <a:extLst>
+              <a:ext uri="{FF2B5EF4-FFF2-40B4-BE49-F238E27FC236}">
+                <a16:creationId xmlns:a16="http://schemas.microsoft.com/office/drawing/2014/main" id="{DC614B7A-FECA-1987-4399-C7BB9962085B}"/>
+              </a:ext>
+            </a:extLst>
+          </p:cNvPr>
+          <p:cNvSpPr>
+            <a:spLocks noGrp="1"/>
+          </p:cNvSpPr>
+          <p:nvPr>
+            <p:ph type="title"/>
+          </p:nvPr>
+        </p:nvSpPr>
+        <p:spPr/>
+        <p:txBody>
+          <a:bodyPr/>
+          <a:lstStyle/>
+          <a:p>
+            <a:r>
+              <a:rPr lang="en-US" dirty="0"/>
+              <a:t>FXAA + TAA</a:t>
+            </a:r>
+            <a:endParaRPr lang="en-IN" dirty="0"/>
+          </a:p>
+        </p:txBody>
+      </p:sp>
+      <p:sp>
+        <p:nvSpPr>
+          <p:cNvPr id="8" name="Oval 7">
+            <a:extLst>
+              <a:ext uri="{FF2B5EF4-FFF2-40B4-BE49-F238E27FC236}">
+                <a16:creationId xmlns:a16="http://schemas.microsoft.com/office/drawing/2014/main" id="{951A9695-DCD1-523D-CE83-B560F361D302}"/>
+              </a:ext>
+            </a:extLst>
+          </p:cNvPr>
+          <p:cNvSpPr/>
+          <p:nvPr/>
+        </p:nvSpPr>
+        <p:spPr>
+          <a:xfrm>
+            <a:off x="1817761" y="2746709"/>
+            <a:ext cx="449951" cy="400151"/>
+          </a:xfrm>
+          <a:prstGeom prst="ellipse">
+            <a:avLst/>
+          </a:prstGeom>
+          <a:noFill/>
+          <a:ln/>
+        </p:spPr>
+        <p:style>
+          <a:lnRef idx="1">
+            <a:schemeClr val="accent3"/>
+          </a:lnRef>
+          <a:fillRef idx="2">
+            <a:schemeClr val="accent3"/>
+          </a:fillRef>
+          <a:effectRef idx="1">
+            <a:schemeClr val="accent3"/>
+          </a:effectRef>
+          <a:fontRef idx="minor">
+            <a:schemeClr val="dk1"/>
+          </a:fontRef>
+        </p:style>
+        <p:txBody>
+          <a:bodyPr rtlCol="0" anchor="ctr"/>
+          <a:lstStyle/>
+          <a:p>
+            <a:pPr algn="ctr"/>
+            <a:endParaRPr lang="en-IN"/>
+          </a:p>
+        </p:txBody>
+      </p:sp>
+      <p:cxnSp>
+        <p:nvCxnSpPr>
+          <p:cNvPr id="10" name="Straight Connector 9">
+            <a:extLst>
+              <a:ext uri="{FF2B5EF4-FFF2-40B4-BE49-F238E27FC236}">
+                <a16:creationId xmlns:a16="http://schemas.microsoft.com/office/drawing/2014/main" id="{7DE133C4-29B7-8317-3873-F39C96E25BE8}"/>
+              </a:ext>
+            </a:extLst>
+          </p:cNvPr>
+          <p:cNvCxnSpPr>
+            <a:cxnSpLocks/>
+            <a:stCxn id="8" idx="0"/>
+          </p:cNvCxnSpPr>
+          <p:nvPr/>
+        </p:nvCxnSpPr>
+        <p:spPr>
+          <a:xfrm flipV="1">
+            <a:off x="2042737" y="2100835"/>
+            <a:ext cx="2602624" cy="645874"/>
+          </a:xfrm>
+          <a:prstGeom prst="line">
+            <a:avLst/>
+          </a:prstGeom>
+          <a:ln/>
+        </p:spPr>
+        <p:style>
+          <a:lnRef idx="1">
+            <a:schemeClr val="accent3"/>
+          </a:lnRef>
+          <a:fillRef idx="2">
+            <a:schemeClr val="accent3"/>
+          </a:fillRef>
+          <a:effectRef idx="1">
+            <a:schemeClr val="accent3"/>
+          </a:effectRef>
+          <a:fontRef idx="minor">
+            <a:schemeClr val="dk1"/>
+          </a:fontRef>
+        </p:style>
+      </p:cxnSp>
+      <p:cxnSp>
+        <p:nvCxnSpPr>
+          <p:cNvPr id="11" name="Straight Connector 10">
+            <a:extLst>
+              <a:ext uri="{FF2B5EF4-FFF2-40B4-BE49-F238E27FC236}">
+                <a16:creationId xmlns:a16="http://schemas.microsoft.com/office/drawing/2014/main" id="{3D98AE87-5708-2537-FDAE-8328E2EB8156}"/>
+              </a:ext>
+            </a:extLst>
+          </p:cNvPr>
+          <p:cNvCxnSpPr>
+            <a:cxnSpLocks/>
+            <a:stCxn id="8" idx="4"/>
+          </p:cNvCxnSpPr>
+          <p:nvPr/>
+        </p:nvCxnSpPr>
+        <p:spPr>
+          <a:xfrm>
+            <a:off x="2042737" y="3146860"/>
+            <a:ext cx="2692198" cy="770606"/>
+          </a:xfrm>
+          <a:prstGeom prst="line">
+            <a:avLst/>
+          </a:prstGeom>
+          <a:ln/>
+        </p:spPr>
+        <p:style>
+          <a:lnRef idx="1">
+            <a:schemeClr val="accent3"/>
+          </a:lnRef>
+          <a:fillRef idx="0">
+            <a:schemeClr val="accent3"/>
+          </a:fillRef>
+          <a:effectRef idx="0">
+            <a:schemeClr val="accent3"/>
+          </a:effectRef>
+          <a:fontRef idx="minor">
+            <a:schemeClr val="tx1"/>
+          </a:fontRef>
+        </p:style>
+      </p:cxnSp>
+      <p:sp>
+        <p:nvSpPr>
+          <p:cNvPr id="14" name="TextBox 13">
+            <a:extLst>
+              <a:ext uri="{FF2B5EF4-FFF2-40B4-BE49-F238E27FC236}">
+                <a16:creationId xmlns:a16="http://schemas.microsoft.com/office/drawing/2014/main" id="{E2FD9D4A-C5E4-95F1-635F-29099D2A1E13}"/>
+              </a:ext>
+            </a:extLst>
+          </p:cNvPr>
+          <p:cNvSpPr txBox="1"/>
+          <p:nvPr/>
+        </p:nvSpPr>
+        <p:spPr>
+          <a:xfrm>
+            <a:off x="5103130" y="4028383"/>
+            <a:ext cx="883920" cy="369332"/>
+          </a:xfrm>
+          <a:prstGeom prst="rect">
+            <a:avLst/>
+          </a:prstGeom>
+          <a:noFill/>
+        </p:spPr>
+        <p:txBody>
+          <a:bodyPr wrap="square" rtlCol="0">
+            <a:spAutoFit/>
+          </a:bodyPr>
+          <a:lstStyle/>
+          <a:p>
+            <a:r>
+              <a:rPr lang="en-US" dirty="0">
+                <a:solidFill>
+                  <a:schemeClr val="bg1"/>
+                </a:solidFill>
+              </a:rPr>
+              <a:t>No AA</a:t>
+            </a:r>
+            <a:endParaRPr lang="en-IN" dirty="0">
+              <a:solidFill>
+                <a:schemeClr val="bg1"/>
+              </a:solidFill>
+            </a:endParaRPr>
+          </a:p>
+        </p:txBody>
+      </p:sp>
+      <p:sp>
+        <p:nvSpPr>
+          <p:cNvPr id="17" name="TextBox 16">
+            <a:extLst>
+              <a:ext uri="{FF2B5EF4-FFF2-40B4-BE49-F238E27FC236}">
+                <a16:creationId xmlns:a16="http://schemas.microsoft.com/office/drawing/2014/main" id="{ED4EDAB3-0185-DB18-744D-2AC7399553D2}"/>
+              </a:ext>
+            </a:extLst>
+          </p:cNvPr>
+          <p:cNvSpPr txBox="1"/>
+          <p:nvPr/>
+        </p:nvSpPr>
+        <p:spPr>
+          <a:xfrm>
+            <a:off x="7237238" y="4028383"/>
+            <a:ext cx="883920" cy="369332"/>
+          </a:xfrm>
+          <a:prstGeom prst="rect">
+            <a:avLst/>
+          </a:prstGeom>
+          <a:noFill/>
+        </p:spPr>
+        <p:txBody>
+          <a:bodyPr wrap="square" rtlCol="0">
+            <a:spAutoFit/>
+          </a:bodyPr>
+          <a:lstStyle/>
+          <a:p>
+            <a:pPr algn="ctr"/>
+            <a:r>
+              <a:rPr lang="en-US" dirty="0">
+                <a:solidFill>
+                  <a:schemeClr val="bg1"/>
+                </a:solidFill>
+              </a:rPr>
+              <a:t>FXAA</a:t>
+            </a:r>
+            <a:endParaRPr lang="en-IN" dirty="0">
+              <a:solidFill>
+                <a:schemeClr val="bg1"/>
+              </a:solidFill>
+            </a:endParaRPr>
+          </a:p>
+        </p:txBody>
+      </p:sp>
       <p:pic>
         <p:nvPicPr>
-          <p:cNvPr id="7" name="Picture 6">
-            <a:extLst>
-              <a:ext uri="{FF2B5EF4-FFF2-40B4-BE49-F238E27FC236}">
-                <a16:creationId xmlns:a16="http://schemas.microsoft.com/office/drawing/2014/main" id="{5D4E1045-996D-DE80-E370-F54E37DB742F}"/>
+          <p:cNvPr id="4" name="Picture 3">
+            <a:extLst>
+              <a:ext uri="{FF2B5EF4-FFF2-40B4-BE49-F238E27FC236}">
+                <a16:creationId xmlns:a16="http://schemas.microsoft.com/office/drawing/2014/main" id="{A94D6D2A-B283-C537-B474-F282633B6B24}"/>
               </a:ext>
             </a:extLst>
           </p:cNvPr>
@@ -4779,195 +4994,20 @@
         </p:blipFill>
         <p:spPr>
           <a:xfrm>
-            <a:off x="4624528" y="2292321"/>
-            <a:ext cx="1841125" cy="1464133"/>
+            <a:off x="4734935" y="1741767"/>
+            <a:ext cx="1531753" cy="2175699"/>
           </a:xfrm>
           <a:prstGeom prst="rect">
             <a:avLst/>
           </a:prstGeom>
         </p:spPr>
       </p:pic>
-      <p:sp>
-        <p:nvSpPr>
-          <p:cNvPr id="8" name="Oval 7">
-            <a:extLst>
-              <a:ext uri="{FF2B5EF4-FFF2-40B4-BE49-F238E27FC236}">
-                <a16:creationId xmlns:a16="http://schemas.microsoft.com/office/drawing/2014/main" id="{951A9695-DCD1-523D-CE83-B560F361D302}"/>
-              </a:ext>
-            </a:extLst>
-          </p:cNvPr>
-          <p:cNvSpPr/>
-          <p:nvPr/>
-        </p:nvSpPr>
-        <p:spPr>
-          <a:xfrm>
-            <a:off x="1915297" y="2387640"/>
-            <a:ext cx="1519881" cy="1118287"/>
-          </a:xfrm>
-          <a:prstGeom prst="ellipse">
-            <a:avLst/>
-          </a:prstGeom>
-          <a:noFill/>
-          <a:ln>
-            <a:solidFill>
-              <a:schemeClr val="tx2"/>
-            </a:solidFill>
-          </a:ln>
-        </p:spPr>
-        <p:style>
-          <a:lnRef idx="2">
-            <a:schemeClr val="accent1">
-              <a:shade val="15000"/>
-            </a:schemeClr>
-          </a:lnRef>
-          <a:fillRef idx="1">
-            <a:schemeClr val="accent1"/>
-          </a:fillRef>
-          <a:effectRef idx="0">
-            <a:schemeClr val="accent1"/>
-          </a:effectRef>
-          <a:fontRef idx="minor">
-            <a:schemeClr val="lt1"/>
-          </a:fontRef>
-        </p:style>
-        <p:txBody>
-          <a:bodyPr rtlCol="0" anchor="ctr"/>
-          <a:lstStyle/>
-          <a:p>
-            <a:pPr algn="ctr"/>
-            <a:endParaRPr lang="en-IN"/>
-          </a:p>
-        </p:txBody>
-      </p:sp>
-      <p:cxnSp>
-        <p:nvCxnSpPr>
-          <p:cNvPr id="10" name="Straight Connector 9">
-            <a:extLst>
-              <a:ext uri="{FF2B5EF4-FFF2-40B4-BE49-F238E27FC236}">
-                <a16:creationId xmlns:a16="http://schemas.microsoft.com/office/drawing/2014/main" id="{7DE133C4-29B7-8317-3873-F39C96E25BE8}"/>
-              </a:ext>
-            </a:extLst>
-          </p:cNvPr>
-          <p:cNvCxnSpPr>
-            <a:stCxn id="8" idx="0"/>
-          </p:cNvCxnSpPr>
-          <p:nvPr/>
-        </p:nvCxnSpPr>
-        <p:spPr>
-          <a:xfrm flipV="1">
-            <a:off x="2675238" y="2292321"/>
-            <a:ext cx="1949290" cy="95319"/>
-          </a:xfrm>
-          <a:prstGeom prst="line">
-            <a:avLst/>
-          </a:prstGeom>
-          <a:ln w="12700"/>
-        </p:spPr>
-        <p:style>
-          <a:lnRef idx="1">
-            <a:schemeClr val="dk1"/>
-          </a:lnRef>
-          <a:fillRef idx="0">
-            <a:schemeClr val="dk1"/>
-          </a:fillRef>
-          <a:effectRef idx="0">
-            <a:schemeClr val="dk1"/>
-          </a:effectRef>
-          <a:fontRef idx="minor">
-            <a:schemeClr val="tx1"/>
-          </a:fontRef>
-        </p:style>
-      </p:cxnSp>
-      <p:cxnSp>
-        <p:nvCxnSpPr>
-          <p:cNvPr id="11" name="Straight Connector 10">
-            <a:extLst>
-              <a:ext uri="{FF2B5EF4-FFF2-40B4-BE49-F238E27FC236}">
-                <a16:creationId xmlns:a16="http://schemas.microsoft.com/office/drawing/2014/main" id="{3D98AE87-5708-2537-FDAE-8328E2EB8156}"/>
-              </a:ext>
-            </a:extLst>
-          </p:cNvPr>
-          <p:cNvCxnSpPr>
-            <a:cxnSpLocks/>
-            <a:stCxn id="8" idx="4"/>
-          </p:cNvCxnSpPr>
-          <p:nvPr/>
-        </p:nvCxnSpPr>
-        <p:spPr>
-          <a:xfrm>
-            <a:off x="2675238" y="3505927"/>
-            <a:ext cx="1949290" cy="247447"/>
-          </a:xfrm>
-          <a:prstGeom prst="line">
-            <a:avLst/>
-          </a:prstGeom>
-          <a:ln w="12700"/>
-        </p:spPr>
-        <p:style>
-          <a:lnRef idx="1">
-            <a:schemeClr val="dk1"/>
-          </a:lnRef>
-          <a:fillRef idx="0">
-            <a:schemeClr val="dk1"/>
-          </a:fillRef>
-          <a:effectRef idx="0">
-            <a:schemeClr val="dk1"/>
-          </a:effectRef>
-          <a:fontRef idx="minor">
-            <a:schemeClr val="tx1"/>
-          </a:fontRef>
-        </p:style>
-      </p:cxnSp>
-      <p:sp>
-        <p:nvSpPr>
-          <p:cNvPr id="14" name="TextBox 13">
-            <a:extLst>
-              <a:ext uri="{FF2B5EF4-FFF2-40B4-BE49-F238E27FC236}">
-                <a16:creationId xmlns:a16="http://schemas.microsoft.com/office/drawing/2014/main" id="{E2FD9D4A-C5E4-95F1-635F-29099D2A1E13}"/>
-              </a:ext>
-            </a:extLst>
-          </p:cNvPr>
-          <p:cNvSpPr txBox="1"/>
-          <p:nvPr/>
-        </p:nvSpPr>
-        <p:spPr>
-          <a:xfrm>
-            <a:off x="5103130" y="4028383"/>
-            <a:ext cx="883920" cy="369332"/>
-          </a:xfrm>
-          <a:prstGeom prst="rect">
-            <a:avLst/>
-          </a:prstGeom>
-          <a:noFill/>
-        </p:spPr>
-        <p:txBody>
-          <a:bodyPr wrap="square" rtlCol="0">
-            <a:spAutoFit/>
-          </a:bodyPr>
-          <a:lstStyle/>
-          <a:p>
-            <a:r>
-              <a:rPr lang="en-US" dirty="0">
-                <a:solidFill>
-                  <a:schemeClr val="bg1"/>
-                </a:solidFill>
-              </a:rPr>
-              <a:t>No AA</a:t>
-            </a:r>
-            <a:endParaRPr lang="en-IN" dirty="0">
-              <a:solidFill>
-                <a:schemeClr val="bg1"/>
-              </a:solidFill>
-            </a:endParaRPr>
-          </a:p>
-        </p:txBody>
-      </p:sp>
       <p:pic>
         <p:nvPicPr>
-          <p:cNvPr id="16" name="Picture 15">
-            <a:extLst>
-              <a:ext uri="{FF2B5EF4-FFF2-40B4-BE49-F238E27FC236}">
-                <a16:creationId xmlns:a16="http://schemas.microsoft.com/office/drawing/2014/main" id="{E450DE86-F790-F749-F537-AE8BACC11C06}"/>
+          <p:cNvPr id="9" name="Picture 8">
+            <a:extLst>
+              <a:ext uri="{FF2B5EF4-FFF2-40B4-BE49-F238E27FC236}">
+                <a16:creationId xmlns:a16="http://schemas.microsoft.com/office/drawing/2014/main" id="{37EBE483-D51E-90A7-932A-6BABF301564D}"/>
               </a:ext>
             </a:extLst>
           </p:cNvPr>
@@ -4976,67 +5016,21 @@
           </p:cNvPicPr>
           <p:nvPr/>
         </p:nvPicPr>
-        <p:blipFill>
+        <p:blipFill rotWithShape="1">
           <a:blip r:embed="rId4"/>
-          <a:stretch>
-            <a:fillRect/>
-          </a:stretch>
+          <a:srcRect l="4293" r="3173"/>
+          <a:stretch/>
         </p:blipFill>
         <p:spPr>
           <a:xfrm>
-            <a:off x="7504888" y="2292574"/>
-            <a:ext cx="2203423" cy="1463626"/>
+            <a:off x="6913321" y="1741767"/>
+            <a:ext cx="1531754" cy="2175699"/>
           </a:xfrm>
           <a:prstGeom prst="rect">
             <a:avLst/>
           </a:prstGeom>
         </p:spPr>
       </p:pic>
-      <p:sp>
-        <p:nvSpPr>
-          <p:cNvPr id="17" name="TextBox 16">
-            <a:extLst>
-              <a:ext uri="{FF2B5EF4-FFF2-40B4-BE49-F238E27FC236}">
-                <a16:creationId xmlns:a16="http://schemas.microsoft.com/office/drawing/2014/main" id="{ED4EDAB3-0185-DB18-744D-2AC7399553D2}"/>
-              </a:ext>
-            </a:extLst>
-          </p:cNvPr>
-          <p:cNvSpPr txBox="1"/>
-          <p:nvPr/>
-        </p:nvSpPr>
-        <p:spPr>
-          <a:xfrm>
-            <a:off x="8164639" y="4028383"/>
-            <a:ext cx="883920" cy="369332"/>
-          </a:xfrm>
-          <a:prstGeom prst="rect">
-            <a:avLst/>
-          </a:prstGeom>
-          <a:noFill/>
-        </p:spPr>
-        <p:txBody>
-          <a:bodyPr wrap="square" rtlCol="0">
-            <a:spAutoFit/>
-          </a:bodyPr>
-          <a:lstStyle/>
-          <a:p>
-            <a:pPr algn="ctr"/>
-            <a:r>
-              <a:rPr lang="en-US" dirty="0">
-                <a:solidFill>
-                  <a:schemeClr val="bg1"/>
-                </a:solidFill>
-              </a:rPr>
-              <a:t>FXAA</a:t>
-            </a:r>
-            <a:endParaRPr lang="en-IN" dirty="0">
-              <a:solidFill>
-                <a:schemeClr val="bg1"/>
-              </a:solidFill>
-            </a:endParaRPr>
-          </a:p>
-        </p:txBody>
-      </p:sp>
     </p:spTree>
     <p:extLst>
       <p:ext uri="{BB962C8B-B14F-4D97-AF65-F5344CB8AC3E}">

--- a/Docs/Features overview.pptx
+++ b/Docs/Features overview.pptx
@@ -4,14 +4,19 @@
   <p:sldMasterIdLst>
     <p:sldMasterId id="2147483648" r:id="rId1"/>
   </p:sldMasterIdLst>
+  <p:notesMasterIdLst>
+    <p:notesMasterId r:id="rId11"/>
+  </p:notesMasterIdLst>
   <p:sldIdLst>
     <p:sldId id="257" r:id="rId2"/>
     <p:sldId id="258" r:id="rId3"/>
     <p:sldId id="259" r:id="rId4"/>
     <p:sldId id="260" r:id="rId5"/>
     <p:sldId id="261" r:id="rId6"/>
-    <p:sldId id="264" r:id="rId7"/>
-    <p:sldId id="263" r:id="rId8"/>
+    <p:sldId id="265" r:id="rId7"/>
+    <p:sldId id="266" r:id="rId8"/>
+    <p:sldId id="264" r:id="rId9"/>
+    <p:sldId id="263" r:id="rId10"/>
   </p:sldIdLst>
   <p:sldSz cx="12192000" cy="6858000"/>
   <p:notesSz cx="6858000" cy="9144000"/>
@@ -126,6 +131,12 @@
             <p14:sldId id="261"/>
           </p14:sldIdLst>
         </p14:section>
+        <p14:section name="Architecture" id="{1E3DDF86-35A2-4C35-AE2F-3253D6142A16}">
+          <p14:sldIdLst>
+            <p14:sldId id="265"/>
+            <p14:sldId id="266"/>
+          </p14:sldIdLst>
+        </p14:section>
         <p14:section name="Graphics Features" id="{840BAED3-5ED1-4238-B89B-07D3713A0757}">
           <p14:sldIdLst>
             <p14:sldId id="264"/>
@@ -143,6 +154,356 @@
     </p:ext>
   </p:extLst>
 </p:presentation>
+</file>
+
+<file path=ppt/notesMasters/notesMaster1.xml><?xml version="1.0" encoding="utf-8"?>
+<p:notesMaster xmlns:a="http://schemas.openxmlformats.org/drawingml/2006/main" xmlns:r="http://schemas.openxmlformats.org/officeDocument/2006/relationships" xmlns:p="http://schemas.openxmlformats.org/presentationml/2006/main">
+  <p:cSld>
+    <p:bg>
+      <p:bgRef idx="1001">
+        <a:schemeClr val="bg1"/>
+      </p:bgRef>
+    </p:bg>
+    <p:spTree>
+      <p:nvGrpSpPr>
+        <p:cNvPr id="1" name=""/>
+        <p:cNvGrpSpPr/>
+        <p:nvPr/>
+      </p:nvGrpSpPr>
+      <p:grpSpPr>
+        <a:xfrm>
+          <a:off x="0" y="0"/>
+          <a:ext cx="0" cy="0"/>
+          <a:chOff x="0" y="0"/>
+          <a:chExt cx="0" cy="0"/>
+        </a:xfrm>
+      </p:grpSpPr>
+      <p:sp>
+        <p:nvSpPr>
+          <p:cNvPr id="2" name="Header Placeholder 1"/>
+          <p:cNvSpPr>
+            <a:spLocks noGrp="1"/>
+          </p:cNvSpPr>
+          <p:nvPr>
+            <p:ph type="hdr" sz="quarter"/>
+          </p:nvPr>
+        </p:nvSpPr>
+        <p:spPr>
+          <a:xfrm>
+            <a:off x="0" y="0"/>
+            <a:ext cx="2971800" cy="458788"/>
+          </a:xfrm>
+          <a:prstGeom prst="rect">
+            <a:avLst/>
+          </a:prstGeom>
+        </p:spPr>
+        <p:txBody>
+          <a:bodyPr vert="horz" lIns="91440" tIns="45720" rIns="91440" bIns="45720" rtlCol="0"/>
+          <a:lstStyle>
+            <a:lvl1pPr algn="l">
+              <a:defRPr sz="1200"/>
+            </a:lvl1pPr>
+          </a:lstStyle>
+          <a:p>
+            <a:endParaRPr lang="en-IN"/>
+          </a:p>
+        </p:txBody>
+      </p:sp>
+      <p:sp>
+        <p:nvSpPr>
+          <p:cNvPr id="3" name="Date Placeholder 2"/>
+          <p:cNvSpPr>
+            <a:spLocks noGrp="1"/>
+          </p:cNvSpPr>
+          <p:nvPr>
+            <p:ph type="dt" idx="1"/>
+          </p:nvPr>
+        </p:nvSpPr>
+        <p:spPr>
+          <a:xfrm>
+            <a:off x="3884613" y="0"/>
+            <a:ext cx="2971800" cy="458788"/>
+          </a:xfrm>
+          <a:prstGeom prst="rect">
+            <a:avLst/>
+          </a:prstGeom>
+        </p:spPr>
+        <p:txBody>
+          <a:bodyPr vert="horz" lIns="91440" tIns="45720" rIns="91440" bIns="45720" rtlCol="0"/>
+          <a:lstStyle>
+            <a:lvl1pPr algn="r">
+              <a:defRPr sz="1200"/>
+            </a:lvl1pPr>
+          </a:lstStyle>
+          <a:p>
+            <a:fld id="{3F16BF55-C0A5-4A93-9892-A2EE55AC4C70}" type="datetimeFigureOut">
+              <a:rPr lang="en-IN" smtClean="0"/>
+              <a:t>26-04-2024</a:t>
+            </a:fld>
+            <a:endParaRPr lang="en-IN"/>
+          </a:p>
+        </p:txBody>
+      </p:sp>
+      <p:sp>
+        <p:nvSpPr>
+          <p:cNvPr id="4" name="Slide Image Placeholder 3"/>
+          <p:cNvSpPr>
+            <a:spLocks noGrp="1" noRot="1" noChangeAspect="1"/>
+          </p:cNvSpPr>
+          <p:nvPr>
+            <p:ph type="sldImg" idx="2"/>
+          </p:nvPr>
+        </p:nvSpPr>
+        <p:spPr>
+          <a:xfrm>
+            <a:off x="685800" y="1143000"/>
+            <a:ext cx="5486400" cy="3086100"/>
+          </a:xfrm>
+          <a:prstGeom prst="rect">
+            <a:avLst/>
+          </a:prstGeom>
+          <a:noFill/>
+          <a:ln w="12700">
+            <a:solidFill>
+              <a:prstClr val="black"/>
+            </a:solidFill>
+          </a:ln>
+        </p:spPr>
+        <p:txBody>
+          <a:bodyPr vert="horz" lIns="91440" tIns="45720" rIns="91440" bIns="45720" rtlCol="0" anchor="ctr"/>
+          <a:lstStyle/>
+          <a:p>
+            <a:endParaRPr lang="en-IN"/>
+          </a:p>
+        </p:txBody>
+      </p:sp>
+      <p:sp>
+        <p:nvSpPr>
+          <p:cNvPr id="5" name="Notes Placeholder 4"/>
+          <p:cNvSpPr>
+            <a:spLocks noGrp="1"/>
+          </p:cNvSpPr>
+          <p:nvPr>
+            <p:ph type="body" sz="quarter" idx="3"/>
+          </p:nvPr>
+        </p:nvSpPr>
+        <p:spPr>
+          <a:xfrm>
+            <a:off x="685800" y="4400550"/>
+            <a:ext cx="5486400" cy="3600450"/>
+          </a:xfrm>
+          <a:prstGeom prst="rect">
+            <a:avLst/>
+          </a:prstGeom>
+        </p:spPr>
+        <p:txBody>
+          <a:bodyPr vert="horz" lIns="91440" tIns="45720" rIns="91440" bIns="45720" rtlCol="0"/>
+          <a:lstStyle/>
+          <a:p>
+            <a:pPr lvl="0"/>
+            <a:r>
+              <a:rPr lang="en-US"/>
+              <a:t>Click to edit Master text styles</a:t>
+            </a:r>
+          </a:p>
+          <a:p>
+            <a:pPr lvl="1"/>
+            <a:r>
+              <a:rPr lang="en-US"/>
+              <a:t>Second level</a:t>
+            </a:r>
+          </a:p>
+          <a:p>
+            <a:pPr lvl="2"/>
+            <a:r>
+              <a:rPr lang="en-US"/>
+              <a:t>Third level</a:t>
+            </a:r>
+          </a:p>
+          <a:p>
+            <a:pPr lvl="3"/>
+            <a:r>
+              <a:rPr lang="en-US"/>
+              <a:t>Fourth level</a:t>
+            </a:r>
+          </a:p>
+          <a:p>
+            <a:pPr lvl="4"/>
+            <a:r>
+              <a:rPr lang="en-US"/>
+              <a:t>Fifth level</a:t>
+            </a:r>
+            <a:endParaRPr lang="en-IN"/>
+          </a:p>
+        </p:txBody>
+      </p:sp>
+      <p:sp>
+        <p:nvSpPr>
+          <p:cNvPr id="6" name="Footer Placeholder 5"/>
+          <p:cNvSpPr>
+            <a:spLocks noGrp="1"/>
+          </p:cNvSpPr>
+          <p:nvPr>
+            <p:ph type="ftr" sz="quarter" idx="4"/>
+          </p:nvPr>
+        </p:nvSpPr>
+        <p:spPr>
+          <a:xfrm>
+            <a:off x="0" y="8685213"/>
+            <a:ext cx="2971800" cy="458787"/>
+          </a:xfrm>
+          <a:prstGeom prst="rect">
+            <a:avLst/>
+          </a:prstGeom>
+        </p:spPr>
+        <p:txBody>
+          <a:bodyPr vert="horz" lIns="91440" tIns="45720" rIns="91440" bIns="45720" rtlCol="0" anchor="b"/>
+          <a:lstStyle>
+            <a:lvl1pPr algn="l">
+              <a:defRPr sz="1200"/>
+            </a:lvl1pPr>
+          </a:lstStyle>
+          <a:p>
+            <a:endParaRPr lang="en-IN"/>
+          </a:p>
+        </p:txBody>
+      </p:sp>
+      <p:sp>
+        <p:nvSpPr>
+          <p:cNvPr id="7" name="Slide Number Placeholder 6"/>
+          <p:cNvSpPr>
+            <a:spLocks noGrp="1"/>
+          </p:cNvSpPr>
+          <p:nvPr>
+            <p:ph type="sldNum" sz="quarter" idx="5"/>
+          </p:nvPr>
+        </p:nvSpPr>
+        <p:spPr>
+          <a:xfrm>
+            <a:off x="3884613" y="8685213"/>
+            <a:ext cx="2971800" cy="458787"/>
+          </a:xfrm>
+          <a:prstGeom prst="rect">
+            <a:avLst/>
+          </a:prstGeom>
+        </p:spPr>
+        <p:txBody>
+          <a:bodyPr vert="horz" lIns="91440" tIns="45720" rIns="91440" bIns="45720" rtlCol="0" anchor="b"/>
+          <a:lstStyle>
+            <a:lvl1pPr algn="r">
+              <a:defRPr sz="1200"/>
+            </a:lvl1pPr>
+          </a:lstStyle>
+          <a:p>
+            <a:fld id="{8C286AD9-27FE-46C9-B4B4-315B51C05420}" type="slidenum">
+              <a:rPr lang="en-IN" smtClean="0"/>
+              <a:t>‹#›</a:t>
+            </a:fld>
+            <a:endParaRPr lang="en-IN"/>
+          </a:p>
+        </p:txBody>
+      </p:sp>
+    </p:spTree>
+    <p:extLst>
+      <p:ext uri="{BB962C8B-B14F-4D97-AF65-F5344CB8AC3E}">
+        <p14:creationId xmlns:p14="http://schemas.microsoft.com/office/powerpoint/2010/main" val="1656616478"/>
+      </p:ext>
+    </p:extLst>
+  </p:cSld>
+  <p:clrMap bg1="lt1" tx1="dk1" bg2="lt2" tx2="dk2" accent1="accent1" accent2="accent2" accent3="accent3" accent4="accent4" accent5="accent5" accent6="accent6" hlink="hlink" folHlink="folHlink"/>
+  <p:notesStyle>
+    <a:lvl1pPr marL="0" algn="l" defTabSz="914400" rtl="0" eaLnBrk="1" latinLnBrk="0" hangingPunct="1">
+      <a:defRPr sz="1200" kern="1200">
+        <a:solidFill>
+          <a:schemeClr val="tx1"/>
+        </a:solidFill>
+        <a:latin typeface="+mn-lt"/>
+        <a:ea typeface="+mn-ea"/>
+        <a:cs typeface="+mn-cs"/>
+      </a:defRPr>
+    </a:lvl1pPr>
+    <a:lvl2pPr marL="457200" algn="l" defTabSz="914400" rtl="0" eaLnBrk="1" latinLnBrk="0" hangingPunct="1">
+      <a:defRPr sz="1200" kern="1200">
+        <a:solidFill>
+          <a:schemeClr val="tx1"/>
+        </a:solidFill>
+        <a:latin typeface="+mn-lt"/>
+        <a:ea typeface="+mn-ea"/>
+        <a:cs typeface="+mn-cs"/>
+      </a:defRPr>
+    </a:lvl2pPr>
+    <a:lvl3pPr marL="914400" algn="l" defTabSz="914400" rtl="0" eaLnBrk="1" latinLnBrk="0" hangingPunct="1">
+      <a:defRPr sz="1200" kern="1200">
+        <a:solidFill>
+          <a:schemeClr val="tx1"/>
+        </a:solidFill>
+        <a:latin typeface="+mn-lt"/>
+        <a:ea typeface="+mn-ea"/>
+        <a:cs typeface="+mn-cs"/>
+      </a:defRPr>
+    </a:lvl3pPr>
+    <a:lvl4pPr marL="1371600" algn="l" defTabSz="914400" rtl="0" eaLnBrk="1" latinLnBrk="0" hangingPunct="1">
+      <a:defRPr sz="1200" kern="1200">
+        <a:solidFill>
+          <a:schemeClr val="tx1"/>
+        </a:solidFill>
+        <a:latin typeface="+mn-lt"/>
+        <a:ea typeface="+mn-ea"/>
+        <a:cs typeface="+mn-cs"/>
+      </a:defRPr>
+    </a:lvl4pPr>
+    <a:lvl5pPr marL="1828800" algn="l" defTabSz="914400" rtl="0" eaLnBrk="1" latinLnBrk="0" hangingPunct="1">
+      <a:defRPr sz="1200" kern="1200">
+        <a:solidFill>
+          <a:schemeClr val="tx1"/>
+        </a:solidFill>
+        <a:latin typeface="+mn-lt"/>
+        <a:ea typeface="+mn-ea"/>
+        <a:cs typeface="+mn-cs"/>
+      </a:defRPr>
+    </a:lvl5pPr>
+    <a:lvl6pPr marL="2286000" algn="l" defTabSz="914400" rtl="0" eaLnBrk="1" latinLnBrk="0" hangingPunct="1">
+      <a:defRPr sz="1200" kern="1200">
+        <a:solidFill>
+          <a:schemeClr val="tx1"/>
+        </a:solidFill>
+        <a:latin typeface="+mn-lt"/>
+        <a:ea typeface="+mn-ea"/>
+        <a:cs typeface="+mn-cs"/>
+      </a:defRPr>
+    </a:lvl6pPr>
+    <a:lvl7pPr marL="2743200" algn="l" defTabSz="914400" rtl="0" eaLnBrk="1" latinLnBrk="0" hangingPunct="1">
+      <a:defRPr sz="1200" kern="1200">
+        <a:solidFill>
+          <a:schemeClr val="tx1"/>
+        </a:solidFill>
+        <a:latin typeface="+mn-lt"/>
+        <a:ea typeface="+mn-ea"/>
+        <a:cs typeface="+mn-cs"/>
+      </a:defRPr>
+    </a:lvl7pPr>
+    <a:lvl8pPr marL="3200400" algn="l" defTabSz="914400" rtl="0" eaLnBrk="1" latinLnBrk="0" hangingPunct="1">
+      <a:defRPr sz="1200" kern="1200">
+        <a:solidFill>
+          <a:schemeClr val="tx1"/>
+        </a:solidFill>
+        <a:latin typeface="+mn-lt"/>
+        <a:ea typeface="+mn-ea"/>
+        <a:cs typeface="+mn-cs"/>
+      </a:defRPr>
+    </a:lvl8pPr>
+    <a:lvl9pPr marL="3657600" algn="l" defTabSz="914400" rtl="0" eaLnBrk="1" latinLnBrk="0" hangingPunct="1">
+      <a:defRPr sz="1200" kern="1200">
+        <a:solidFill>
+          <a:schemeClr val="tx1"/>
+        </a:solidFill>
+        <a:latin typeface="+mn-lt"/>
+        <a:ea typeface="+mn-ea"/>
+        <a:cs typeface="+mn-cs"/>
+      </a:defRPr>
+    </a:lvl9pPr>
+  </p:notesStyle>
+</p:notesMaster>
 </file>
 
 <file path=ppt/slideLayouts/slideLayout1.xml><?xml version="1.0" encoding="utf-8"?>
@@ -202,7 +563,11 @@
           <a:bodyPr anchor="b"/>
           <a:lstStyle>
             <a:lvl1pPr algn="ctr">
-              <a:defRPr sz="6000"/>
+              <a:defRPr sz="6000">
+                <a:solidFill>
+                  <a:schemeClr val="bg1"/>
+                </a:solidFill>
+              </a:defRPr>
             </a:lvl1pPr>
           </a:lstStyle>
           <a:p>
@@ -308,7 +673,7 @@
           <a:p>
             <a:fld id="{84B6F61C-9FA5-4C35-A1D3-00EE2C15A6C0}" type="datetimeFigureOut">
               <a:rPr lang="en-IN" smtClean="0"/>
-              <a:t>24-04-2024</a:t>
+              <a:t>26-04-2024</a:t>
             </a:fld>
             <a:endParaRPr lang="en-IN"/>
           </a:p>
@@ -355,7 +720,12 @@
             <p:ph type="sldNum" sz="quarter" idx="12"/>
           </p:nvPr>
         </p:nvSpPr>
-        <p:spPr/>
+        <p:spPr>
+          <a:xfrm>
+            <a:off x="8610600" y="6356356"/>
+            <a:ext cx="1271016" cy="365125"/>
+          </a:xfrm>
+        </p:spPr>
         <p:txBody>
           <a:bodyPr/>
           <a:lstStyle/>
@@ -532,7 +902,7 @@
           <a:p>
             <a:fld id="{84B6F61C-9FA5-4C35-A1D3-00EE2C15A6C0}" type="datetimeFigureOut">
               <a:rPr lang="en-IN" smtClean="0"/>
-              <a:t>24-04-2024</a:t>
+              <a:t>26-04-2024</a:t>
             </a:fld>
             <a:endParaRPr lang="en-IN"/>
           </a:p>
@@ -756,7 +1126,7 @@
           <a:p>
             <a:fld id="{84B6F61C-9FA5-4C35-A1D3-00EE2C15A6C0}" type="datetimeFigureOut">
               <a:rPr lang="en-IN" smtClean="0"/>
-              <a:t>24-04-2024</a:t>
+              <a:t>26-04-2024</a:t>
             </a:fld>
             <a:endParaRPr lang="en-IN"/>
           </a:p>
@@ -879,7 +1249,7 @@
         <p:spPr>
           <a:xfrm>
             <a:off x="474306" y="198393"/>
-            <a:ext cx="10515600" cy="728194"/>
+            <a:ext cx="11351934" cy="520418"/>
           </a:xfrm>
         </p:spPr>
         <p:txBody>
@@ -922,8 +1292,8 @@
         </p:nvSpPr>
         <p:spPr>
           <a:xfrm>
-            <a:off x="541176" y="1219454"/>
-            <a:ext cx="10812624" cy="4957509"/>
+            <a:off x="335903" y="1040149"/>
+            <a:ext cx="11490338" cy="5154402"/>
           </a:xfrm>
         </p:spPr>
         <p:txBody>
@@ -937,16 +1307,32 @@
               </a:defRPr>
             </a:lvl1pPr>
             <a:lvl2pPr>
-              <a:defRPr sz="1200"/>
+              <a:defRPr sz="1200">
+                <a:solidFill>
+                  <a:schemeClr val="bg1"/>
+                </a:solidFill>
+              </a:defRPr>
             </a:lvl2pPr>
             <a:lvl3pPr>
-              <a:defRPr sz="1000"/>
+              <a:defRPr sz="1000">
+                <a:solidFill>
+                  <a:schemeClr val="bg1"/>
+                </a:solidFill>
+              </a:defRPr>
             </a:lvl3pPr>
             <a:lvl4pPr>
-              <a:defRPr sz="800"/>
+              <a:defRPr sz="800">
+                <a:solidFill>
+                  <a:schemeClr val="bg1"/>
+                </a:solidFill>
+              </a:defRPr>
             </a:lvl4pPr>
             <a:lvl5pPr>
-              <a:defRPr sz="600"/>
+              <a:defRPr sz="600">
+                <a:solidFill>
+                  <a:schemeClr val="bg1"/>
+                </a:solidFill>
+              </a:defRPr>
             </a:lvl5pPr>
           </a:lstStyle>
           <a:p>
@@ -1010,7 +1396,7 @@
           <a:p>
             <a:fld id="{84B6F61C-9FA5-4C35-A1D3-00EE2C15A6C0}" type="datetimeFigureOut">
               <a:rPr lang="en-IN" smtClean="0"/>
-              <a:t>24-04-2024</a:t>
+              <a:t>26-04-2024</a:t>
             </a:fld>
             <a:endParaRPr lang="en-IN" dirty="0"/>
           </a:p>
@@ -1086,17 +1472,15 @@
         </p:nvCxnSpPr>
         <p:spPr>
           <a:xfrm>
-            <a:off x="335902" y="1073020"/>
-            <a:ext cx="11140751" cy="0"/>
+            <a:off x="335902" y="938527"/>
+            <a:ext cx="11482407" cy="0"/>
           </a:xfrm>
           <a:prstGeom prst="line">
             <a:avLst/>
           </a:prstGeom>
           <a:ln w="19050">
             <a:solidFill>
-              <a:schemeClr val="accent2">
-                <a:lumMod val="85000"/>
-              </a:schemeClr>
+              <a:schemeClr val="bg1"/>
             </a:solidFill>
           </a:ln>
         </p:spPr>
@@ -1129,24 +1513,28 @@
         </p:nvSpPr>
         <p:spPr>
           <a:xfrm>
-            <a:off x="335902" y="198393"/>
-            <a:ext cx="45719" cy="728193"/>
+            <a:off x="335902" y="198394"/>
+            <a:ext cx="45719" cy="609326"/>
           </a:xfrm>
           <a:prstGeom prst="rect">
             <a:avLst/>
           </a:prstGeom>
+          <a:solidFill>
+            <a:srgbClr val="FFB556"/>
+          </a:solidFill>
+          <a:ln>
+            <a:noFill/>
+          </a:ln>
         </p:spPr>
         <p:style>
-          <a:lnRef idx="2">
-            <a:schemeClr val="accent1">
-              <a:shade val="50000"/>
-            </a:schemeClr>
+          <a:lnRef idx="0">
+            <a:scrgbClr r="0" g="0" b="0"/>
           </a:lnRef>
-          <a:fillRef idx="1">
-            <a:schemeClr val="accent1"/>
+          <a:fillRef idx="0">
+            <a:scrgbClr r="0" g="0" b="0"/>
           </a:fillRef>
           <a:effectRef idx="0">
-            <a:schemeClr val="accent1"/>
+            <a:scrgbClr r="0" g="0" b="0"/>
           </a:effectRef>
           <a:fontRef idx="minor">
             <a:schemeClr val="lt1"/>
@@ -1231,15 +1619,19 @@
           <a:bodyPr anchor="b"/>
           <a:lstStyle>
             <a:lvl1pPr>
-              <a:defRPr sz="6000"/>
+              <a:defRPr sz="6000">
+                <a:solidFill>
+                  <a:schemeClr val="bg1"/>
+                </a:solidFill>
+              </a:defRPr>
             </a:lvl1pPr>
           </a:lstStyle>
           <a:p>
             <a:r>
-              <a:rPr lang="en-US"/>
+              <a:rPr lang="en-US" dirty="0"/>
               <a:t>Click to edit Master title style</a:t>
             </a:r>
-            <a:endParaRPr lang="en-IN"/>
+            <a:endParaRPr lang="en-IN" dirty="0"/>
           </a:p>
         </p:txBody>
       </p:sp>
@@ -1391,7 +1783,7 @@
           <a:p>
             <a:fld id="{84B6F61C-9FA5-4C35-A1D3-00EE2C15A6C0}" type="datetimeFigureOut">
               <a:rPr lang="en-IN" smtClean="0"/>
-              <a:t>24-04-2024</a:t>
+              <a:t>26-04-2024</a:t>
             </a:fld>
             <a:endParaRPr lang="en-IN"/>
           </a:p>
@@ -1438,7 +1830,12 @@
             <p:ph type="sldNum" sz="quarter" idx="12"/>
           </p:nvPr>
         </p:nvSpPr>
-        <p:spPr/>
+        <p:spPr>
+          <a:xfrm>
+            <a:off x="9320784" y="6354901"/>
+            <a:ext cx="582168" cy="365125"/>
+          </a:xfrm>
+        </p:spPr>
         <p:txBody>
           <a:bodyPr/>
           <a:lstStyle/>
@@ -1514,13 +1911,21 @@
         <p:spPr/>
         <p:txBody>
           <a:bodyPr/>
-          <a:lstStyle/>
-          <a:p>
-            <a:r>
-              <a:rPr lang="en-US"/>
+          <a:lstStyle>
+            <a:lvl1pPr>
+              <a:defRPr>
+                <a:solidFill>
+                  <a:schemeClr val="bg1"/>
+                </a:solidFill>
+              </a:defRPr>
+            </a:lvl1pPr>
+          </a:lstStyle>
+          <a:p>
+            <a:r>
+              <a:rPr lang="en-US" dirty="0"/>
               <a:t>Click to edit Master title style</a:t>
             </a:r>
-            <a:endParaRPr lang="en-IN"/>
+            <a:endParaRPr lang="en-IN" dirty="0"/>
           </a:p>
         </p:txBody>
       </p:sp>
@@ -1548,42 +1953,78 @@
         </p:spPr>
         <p:txBody>
           <a:bodyPr/>
-          <a:lstStyle/>
+          <a:lstStyle>
+            <a:lvl1pPr>
+              <a:defRPr>
+                <a:solidFill>
+                  <a:schemeClr val="bg1"/>
+                </a:solidFill>
+              </a:defRPr>
+            </a:lvl1pPr>
+            <a:lvl2pPr>
+              <a:defRPr>
+                <a:solidFill>
+                  <a:schemeClr val="bg1"/>
+                </a:solidFill>
+              </a:defRPr>
+            </a:lvl2pPr>
+            <a:lvl3pPr>
+              <a:defRPr>
+                <a:solidFill>
+                  <a:schemeClr val="bg1"/>
+                </a:solidFill>
+              </a:defRPr>
+            </a:lvl3pPr>
+            <a:lvl4pPr>
+              <a:defRPr>
+                <a:solidFill>
+                  <a:schemeClr val="bg1"/>
+                </a:solidFill>
+              </a:defRPr>
+            </a:lvl4pPr>
+            <a:lvl5pPr>
+              <a:defRPr>
+                <a:solidFill>
+                  <a:schemeClr val="bg1"/>
+                </a:solidFill>
+              </a:defRPr>
+            </a:lvl5pPr>
+          </a:lstStyle>
           <a:p>
             <a:pPr lvl="0"/>
             <a:r>
-              <a:rPr lang="en-US"/>
+              <a:rPr lang="en-US" dirty="0"/>
               <a:t>Click to edit Master text styles</a:t>
             </a:r>
           </a:p>
           <a:p>
             <a:pPr lvl="1"/>
             <a:r>
-              <a:rPr lang="en-US"/>
+              <a:rPr lang="en-US" dirty="0"/>
               <a:t>Second level</a:t>
             </a:r>
           </a:p>
           <a:p>
             <a:pPr lvl="2"/>
             <a:r>
-              <a:rPr lang="en-US"/>
+              <a:rPr lang="en-US" dirty="0"/>
               <a:t>Third level</a:t>
             </a:r>
           </a:p>
           <a:p>
             <a:pPr lvl="3"/>
             <a:r>
-              <a:rPr lang="en-US"/>
+              <a:rPr lang="en-US" dirty="0"/>
               <a:t>Fourth level</a:t>
             </a:r>
           </a:p>
           <a:p>
             <a:pPr lvl="4"/>
             <a:r>
-              <a:rPr lang="en-US"/>
+              <a:rPr lang="en-US" dirty="0"/>
               <a:t>Fifth level</a:t>
             </a:r>
-            <a:endParaRPr lang="en-IN"/>
+            <a:endParaRPr lang="en-IN" dirty="0"/>
           </a:p>
         </p:txBody>
       </p:sp>
@@ -1611,42 +2052,78 @@
         </p:spPr>
         <p:txBody>
           <a:bodyPr/>
-          <a:lstStyle/>
+          <a:lstStyle>
+            <a:lvl1pPr>
+              <a:defRPr>
+                <a:solidFill>
+                  <a:schemeClr val="bg1"/>
+                </a:solidFill>
+              </a:defRPr>
+            </a:lvl1pPr>
+            <a:lvl2pPr>
+              <a:defRPr>
+                <a:solidFill>
+                  <a:schemeClr val="bg1"/>
+                </a:solidFill>
+              </a:defRPr>
+            </a:lvl2pPr>
+            <a:lvl3pPr>
+              <a:defRPr>
+                <a:solidFill>
+                  <a:schemeClr val="bg1"/>
+                </a:solidFill>
+              </a:defRPr>
+            </a:lvl3pPr>
+            <a:lvl4pPr>
+              <a:defRPr>
+                <a:solidFill>
+                  <a:schemeClr val="bg1"/>
+                </a:solidFill>
+              </a:defRPr>
+            </a:lvl4pPr>
+            <a:lvl5pPr>
+              <a:defRPr>
+                <a:solidFill>
+                  <a:schemeClr val="bg1"/>
+                </a:solidFill>
+              </a:defRPr>
+            </a:lvl5pPr>
+          </a:lstStyle>
           <a:p>
             <a:pPr lvl="0"/>
             <a:r>
-              <a:rPr lang="en-US"/>
+              <a:rPr lang="en-US" dirty="0"/>
               <a:t>Click to edit Master text styles</a:t>
             </a:r>
           </a:p>
           <a:p>
             <a:pPr lvl="1"/>
             <a:r>
-              <a:rPr lang="en-US"/>
+              <a:rPr lang="en-US" dirty="0"/>
               <a:t>Second level</a:t>
             </a:r>
           </a:p>
           <a:p>
             <a:pPr lvl="2"/>
             <a:r>
-              <a:rPr lang="en-US"/>
+              <a:rPr lang="en-US" dirty="0"/>
               <a:t>Third level</a:t>
             </a:r>
           </a:p>
           <a:p>
             <a:pPr lvl="3"/>
             <a:r>
-              <a:rPr lang="en-US"/>
+              <a:rPr lang="en-US" dirty="0"/>
               <a:t>Fourth level</a:t>
             </a:r>
           </a:p>
           <a:p>
             <a:pPr lvl="4"/>
             <a:r>
-              <a:rPr lang="en-US"/>
+              <a:rPr lang="en-US" dirty="0"/>
               <a:t>Fifth level</a:t>
             </a:r>
-            <a:endParaRPr lang="en-IN"/>
+            <a:endParaRPr lang="en-IN" dirty="0"/>
           </a:p>
         </p:txBody>
       </p:sp>
@@ -1673,7 +2150,7 @@
           <a:p>
             <a:fld id="{84B6F61C-9FA5-4C35-A1D3-00EE2C15A6C0}" type="datetimeFigureOut">
               <a:rPr lang="en-IN" smtClean="0"/>
-              <a:t>24-04-2024</a:t>
+              <a:t>26-04-2024</a:t>
             </a:fld>
             <a:endParaRPr lang="en-IN"/>
           </a:p>
@@ -1876,7 +2353,7 @@
           <a:p>
             <a:pPr lvl="0"/>
             <a:r>
-              <a:rPr lang="en-US"/>
+              <a:rPr lang="en-US" dirty="0"/>
               <a:t>Click to edit Master text styles</a:t>
             </a:r>
           </a:p>
@@ -2102,7 +2579,7 @@
           <a:p>
             <a:fld id="{84B6F61C-9FA5-4C35-A1D3-00EE2C15A6C0}" type="datetimeFigureOut">
               <a:rPr lang="en-IN" smtClean="0"/>
-              <a:t>24-04-2024</a:t>
+              <a:t>26-04-2024</a:t>
             </a:fld>
             <a:endParaRPr lang="en-IN" dirty="0"/>
           </a:p>
@@ -2266,7 +2743,7 @@
           <a:p>
             <a:fld id="{84B6F61C-9FA5-4C35-A1D3-00EE2C15A6C0}" type="datetimeFigureOut">
               <a:rPr lang="en-IN" smtClean="0"/>
-              <a:t>24-04-2024</a:t>
+              <a:t>26-04-2024</a:t>
             </a:fld>
             <a:endParaRPr lang="en-IN"/>
           </a:p>
@@ -2313,7 +2790,12 @@
             <p:ph type="sldNum" sz="quarter" idx="12"/>
           </p:nvPr>
         </p:nvSpPr>
-        <p:spPr/>
+        <p:spPr>
+          <a:xfrm>
+            <a:off x="9022080" y="6356356"/>
+            <a:ext cx="914400" cy="365125"/>
+          </a:xfrm>
+        </p:spPr>
         <p:txBody>
           <a:bodyPr/>
           <a:lstStyle/>
@@ -2322,7 +2804,7 @@
               <a:rPr lang="en-IN" smtClean="0"/>
               <a:t>‹#›</a:t>
             </a:fld>
-            <a:endParaRPr lang="en-IN"/>
+            <a:endParaRPr lang="en-IN" dirty="0"/>
           </a:p>
         </p:txBody>
       </p:sp>
@@ -2393,7 +2875,7 @@
           <a:p>
             <a:fld id="{84B6F61C-9FA5-4C35-A1D3-00EE2C15A6C0}" type="datetimeFigureOut">
               <a:rPr lang="en-IN" smtClean="0"/>
-              <a:t>24-04-2024</a:t>
+              <a:t>26-04-2024</a:t>
             </a:fld>
             <a:endParaRPr lang="en-IN"/>
           </a:p>
@@ -2440,7 +2922,12 @@
             <p:ph type="sldNum" sz="quarter" idx="12"/>
           </p:nvPr>
         </p:nvSpPr>
-        <p:spPr/>
+        <p:spPr>
+          <a:xfrm>
+            <a:off x="8610600" y="6356356"/>
+            <a:ext cx="1289304" cy="365125"/>
+          </a:xfrm>
+        </p:spPr>
         <p:txBody>
           <a:bodyPr/>
           <a:lstStyle/>
@@ -2720,7 +3207,7 @@
           <a:p>
             <a:fld id="{84B6F61C-9FA5-4C35-A1D3-00EE2C15A6C0}" type="datetimeFigureOut">
               <a:rPr lang="en-IN" smtClean="0"/>
-              <a:t>24-04-2024</a:t>
+              <a:t>26-04-2024</a:t>
             </a:fld>
             <a:endParaRPr lang="en-IN"/>
           </a:p>
@@ -3023,7 +3510,7 @@
           <a:p>
             <a:fld id="{84B6F61C-9FA5-4C35-A1D3-00EE2C15A6C0}" type="datetimeFigureOut">
               <a:rPr lang="en-IN" smtClean="0"/>
-              <a:t>24-04-2024</a:t>
+              <a:t>26-04-2024</a:t>
             </a:fld>
             <a:endParaRPr lang="en-IN"/>
           </a:p>
@@ -3199,38 +3686,38 @@
           <a:p>
             <a:pPr lvl="0"/>
             <a:r>
-              <a:rPr lang="en-US"/>
+              <a:rPr lang="en-US" dirty="0"/>
               <a:t>Click to edit Master text styles</a:t>
             </a:r>
           </a:p>
           <a:p>
             <a:pPr lvl="1"/>
             <a:r>
-              <a:rPr lang="en-US"/>
+              <a:rPr lang="en-US" dirty="0"/>
               <a:t>Second level</a:t>
             </a:r>
           </a:p>
           <a:p>
             <a:pPr lvl="2"/>
             <a:r>
-              <a:rPr lang="en-US"/>
+              <a:rPr lang="en-US" dirty="0"/>
               <a:t>Third level</a:t>
             </a:r>
           </a:p>
           <a:p>
             <a:pPr lvl="3"/>
             <a:r>
-              <a:rPr lang="en-US"/>
+              <a:rPr lang="en-US" dirty="0"/>
               <a:t>Fourth level</a:t>
             </a:r>
           </a:p>
           <a:p>
             <a:pPr lvl="4"/>
             <a:r>
-              <a:rPr lang="en-US"/>
+              <a:rPr lang="en-US" dirty="0"/>
               <a:t>Fifth level</a:t>
             </a:r>
-            <a:endParaRPr lang="en-IN"/>
+            <a:endParaRPr lang="en-IN" dirty="0"/>
           </a:p>
         </p:txBody>
       </p:sp>
@@ -3275,7 +3762,7 @@
           <a:p>
             <a:fld id="{84B6F61C-9FA5-4C35-A1D3-00EE2C15A6C0}" type="datetimeFigureOut">
               <a:rPr lang="en-IN" smtClean="0"/>
-              <a:t>24-04-2024</a:t>
+              <a:t>26-04-2024</a:t>
             </a:fld>
             <a:endParaRPr lang="en-IN"/>
           </a:p>
@@ -3343,7 +3830,7 @@
         <p:spPr>
           <a:xfrm>
             <a:off x="8610600" y="6356356"/>
-            <a:ext cx="2743200" cy="365125"/>
+            <a:ext cx="1222248" cy="365125"/>
           </a:xfrm>
           <a:prstGeom prst="rect">
             <a:avLst/>
@@ -3404,7 +3891,7 @@
         <a:buNone/>
         <a:defRPr sz="4400" kern="1200">
           <a:solidFill>
-            <a:schemeClr val="tx1"/>
+            <a:schemeClr val="bg1"/>
           </a:solidFill>
           <a:latin typeface="+mj-lt"/>
           <a:ea typeface="+mj-ea"/>
@@ -3424,7 +3911,7 @@
         <a:buChar char="•"/>
         <a:defRPr sz="2800" kern="1200">
           <a:solidFill>
-            <a:schemeClr val="tx1"/>
+            <a:schemeClr val="bg1"/>
           </a:solidFill>
           <a:latin typeface="+mn-lt"/>
           <a:ea typeface="+mn-ea"/>
@@ -3442,7 +3929,7 @@
         <a:buChar char="•"/>
         <a:defRPr sz="2400" kern="1200">
           <a:solidFill>
-            <a:schemeClr val="tx1"/>
+            <a:schemeClr val="bg1"/>
           </a:solidFill>
           <a:latin typeface="+mn-lt"/>
           <a:ea typeface="+mn-ea"/>
@@ -3460,7 +3947,7 @@
         <a:buChar char="•"/>
         <a:defRPr sz="2000" kern="1200">
           <a:solidFill>
-            <a:schemeClr val="tx1"/>
+            <a:schemeClr val="bg1"/>
           </a:solidFill>
           <a:latin typeface="+mn-lt"/>
           <a:ea typeface="+mn-ea"/>
@@ -3478,7 +3965,7 @@
         <a:buChar char="•"/>
         <a:defRPr sz="1800" kern="1200">
           <a:solidFill>
-            <a:schemeClr val="tx1"/>
+            <a:schemeClr val="bg1"/>
           </a:solidFill>
           <a:latin typeface="+mn-lt"/>
           <a:ea typeface="+mn-ea"/>
@@ -3496,7 +3983,7 @@
         <a:buChar char="•"/>
         <a:defRPr sz="1800" kern="1200">
           <a:solidFill>
-            <a:schemeClr val="tx1"/>
+            <a:schemeClr val="bg1"/>
           </a:solidFill>
           <a:latin typeface="+mn-lt"/>
           <a:ea typeface="+mn-ea"/>
@@ -4644,13 +5131,8 @@
           <a:p>
             <a:r>
               <a:rPr lang="en-US" dirty="0"/>
-              <a:t>Every pass renders onto it’s own set of </a:t>
-            </a:r>
-            <a:r>
-              <a:rPr lang="en-US" dirty="0" err="1"/>
-              <a:t>RenderTextures</a:t>
-            </a:r>
-            <a:endParaRPr lang="en-US" dirty="0"/>
+              <a:t>Every pass renders onto it’s own set of Render Textures</a:t>
+            </a:r>
           </a:p>
           <a:p>
             <a:pPr lvl="1"/>
@@ -4698,6 +5180,3560 @@
           <a:chExt cx="0" cy="0"/>
         </a:xfrm>
       </p:grpSpPr>
+      <p:sp>
+        <p:nvSpPr>
+          <p:cNvPr id="88" name="Rectangle 87">
+            <a:extLst>
+              <a:ext uri="{FF2B5EF4-FFF2-40B4-BE49-F238E27FC236}">
+                <a16:creationId xmlns:a16="http://schemas.microsoft.com/office/drawing/2014/main" id="{C9F8AB64-B706-F34C-7E23-E6AEF1BE37EE}"/>
+              </a:ext>
+            </a:extLst>
+          </p:cNvPr>
+          <p:cNvSpPr/>
+          <p:nvPr/>
+        </p:nvSpPr>
+        <p:spPr>
+          <a:xfrm>
+            <a:off x="389238" y="4779798"/>
+            <a:ext cx="3707027" cy="1975951"/>
+          </a:xfrm>
+          <a:prstGeom prst="rect">
+            <a:avLst/>
+          </a:prstGeom>
+          <a:solidFill>
+            <a:schemeClr val="bg2">
+              <a:lumMod val="25000"/>
+            </a:schemeClr>
+          </a:solidFill>
+          <a:ln>
+            <a:noFill/>
+          </a:ln>
+        </p:spPr>
+        <p:style>
+          <a:lnRef idx="0">
+            <a:scrgbClr r="0" g="0" b="0"/>
+          </a:lnRef>
+          <a:fillRef idx="0">
+            <a:scrgbClr r="0" g="0" b="0"/>
+          </a:fillRef>
+          <a:effectRef idx="0">
+            <a:scrgbClr r="0" g="0" b="0"/>
+          </a:effectRef>
+          <a:fontRef idx="minor">
+            <a:schemeClr val="lt1"/>
+          </a:fontRef>
+        </p:style>
+        <p:txBody>
+          <a:bodyPr rtlCol="0" anchor="ctr"/>
+          <a:lstStyle/>
+          <a:p>
+            <a:pPr algn="ctr"/>
+            <a:endParaRPr lang="en-IN"/>
+          </a:p>
+        </p:txBody>
+      </p:sp>
+      <p:sp>
+        <p:nvSpPr>
+          <p:cNvPr id="77" name="TextBox 76">
+            <a:extLst>
+              <a:ext uri="{FF2B5EF4-FFF2-40B4-BE49-F238E27FC236}">
+                <a16:creationId xmlns:a16="http://schemas.microsoft.com/office/drawing/2014/main" id="{3A3F0F4F-777E-7D6F-3426-3DE5237EB365}"/>
+              </a:ext>
+            </a:extLst>
+          </p:cNvPr>
+          <p:cNvSpPr txBox="1"/>
+          <p:nvPr/>
+        </p:nvSpPr>
+        <p:spPr>
+          <a:xfrm>
+            <a:off x="7033274" y="5802044"/>
+            <a:ext cx="2494601" cy="830997"/>
+          </a:xfrm>
+          <a:prstGeom prst="rect">
+            <a:avLst/>
+          </a:prstGeom>
+          <a:solidFill>
+            <a:srgbClr val="FFCDCD"/>
+          </a:solidFill>
+        </p:spPr>
+        <p:txBody>
+          <a:bodyPr wrap="square">
+            <a:spAutoFit/>
+          </a:bodyPr>
+          <a:lstStyle/>
+          <a:p>
+            <a:r>
+              <a:rPr lang="en-IN" sz="800" dirty="0">
+                <a:solidFill>
+                  <a:srgbClr val="0000FF"/>
+                </a:solidFill>
+                <a:latin typeface="Cascadia Mono" panose="020B0609020000020004" pitchFamily="49" charset="0"/>
+              </a:rPr>
+              <a:t>struct</a:t>
+            </a:r>
+            <a:r>
+              <a:rPr lang="en-IN" sz="800" dirty="0">
+                <a:solidFill>
+                  <a:srgbClr val="000000"/>
+                </a:solidFill>
+                <a:latin typeface="Cascadia Mono" panose="020B0609020000020004" pitchFamily="49" charset="0"/>
+              </a:rPr>
+              <a:t> </a:t>
+            </a:r>
+            <a:r>
+              <a:rPr lang="en-IN" sz="800" dirty="0">
+                <a:solidFill>
+                  <a:srgbClr val="0000FF"/>
+                </a:solidFill>
+                <a:latin typeface="Cascadia Mono" panose="020B0609020000020004" pitchFamily="49" charset="0"/>
+              </a:rPr>
+              <a:t>Batch</a:t>
+            </a:r>
+            <a:endParaRPr lang="en-IN" sz="800" dirty="0">
+              <a:solidFill>
+                <a:srgbClr val="000000"/>
+              </a:solidFill>
+              <a:latin typeface="Cascadia Mono" panose="020B0609020000020004" pitchFamily="49" charset="0"/>
+            </a:endParaRPr>
+          </a:p>
+          <a:p>
+            <a:r>
+              <a:rPr lang="en-IN" sz="800" dirty="0">
+                <a:solidFill>
+                  <a:srgbClr val="000000"/>
+                </a:solidFill>
+                <a:latin typeface="Cascadia Mono" panose="020B0609020000020004" pitchFamily="49" charset="0"/>
+              </a:rPr>
+              <a:t>{</a:t>
+            </a:r>
+          </a:p>
+          <a:p>
+            <a:r>
+              <a:rPr lang="en-IN" sz="800" dirty="0">
+                <a:solidFill>
+                  <a:srgbClr val="000000"/>
+                </a:solidFill>
+                <a:latin typeface="Cascadia Mono" panose="020B0609020000020004" pitchFamily="49" charset="0"/>
+              </a:rPr>
+              <a:t>    </a:t>
+            </a:r>
+            <a:r>
+              <a:rPr lang="en-IN" sz="800" dirty="0" err="1">
+                <a:solidFill>
+                  <a:srgbClr val="0000FF"/>
+                </a:solidFill>
+                <a:latin typeface="Cascadia Mono" panose="020B0609020000020004" pitchFamily="49" charset="0"/>
+              </a:rPr>
+              <a:t>RZVertexBufferHandle</a:t>
+            </a:r>
+            <a:r>
+              <a:rPr lang="en-IN" sz="800" dirty="0">
+                <a:solidFill>
+                  <a:srgbClr val="000000"/>
+                </a:solidFill>
+                <a:latin typeface="Cascadia Mono" panose="020B0609020000020004" pitchFamily="49" charset="0"/>
+              </a:rPr>
+              <a:t> </a:t>
+            </a:r>
+            <a:r>
+              <a:rPr lang="en-IN" sz="800" dirty="0" err="1">
+                <a:solidFill>
+                  <a:srgbClr val="000080"/>
+                </a:solidFill>
+                <a:latin typeface="Cascadia Mono" panose="020B0609020000020004" pitchFamily="49" charset="0"/>
+              </a:rPr>
+              <a:t>vertexBuffer</a:t>
+            </a:r>
+            <a:r>
+              <a:rPr lang="en-IN" sz="800" dirty="0">
+                <a:solidFill>
+                  <a:srgbClr val="000000"/>
+                </a:solidFill>
+                <a:latin typeface="Cascadia Mono" panose="020B0609020000020004" pitchFamily="49" charset="0"/>
+              </a:rPr>
+              <a:t>;</a:t>
+            </a:r>
+          </a:p>
+          <a:p>
+            <a:r>
+              <a:rPr lang="en-IN" sz="800" dirty="0">
+                <a:solidFill>
+                  <a:srgbClr val="000000"/>
+                </a:solidFill>
+                <a:latin typeface="Cascadia Mono" panose="020B0609020000020004" pitchFamily="49" charset="0"/>
+              </a:rPr>
+              <a:t>    </a:t>
+            </a:r>
+            <a:r>
+              <a:rPr lang="en-IN" sz="800" dirty="0" err="1">
+                <a:solidFill>
+                  <a:srgbClr val="0000FF"/>
+                </a:solidFill>
+                <a:latin typeface="Cascadia Mono" panose="020B0609020000020004" pitchFamily="49" charset="0"/>
+              </a:rPr>
+              <a:t>RZIndexBufferHandle</a:t>
+            </a:r>
+            <a:r>
+              <a:rPr lang="en-IN" sz="800" dirty="0">
+                <a:solidFill>
+                  <a:srgbClr val="000000"/>
+                </a:solidFill>
+                <a:latin typeface="Cascadia Mono" panose="020B0609020000020004" pitchFamily="49" charset="0"/>
+              </a:rPr>
+              <a:t>  </a:t>
+            </a:r>
+            <a:r>
+              <a:rPr lang="en-IN" sz="800" dirty="0" err="1">
+                <a:solidFill>
+                  <a:srgbClr val="000080"/>
+                </a:solidFill>
+                <a:latin typeface="Cascadia Mono" panose="020B0609020000020004" pitchFamily="49" charset="0"/>
+              </a:rPr>
+              <a:t>indexBuffer</a:t>
+            </a:r>
+            <a:r>
+              <a:rPr lang="en-IN" sz="800" dirty="0">
+                <a:solidFill>
+                  <a:srgbClr val="000000"/>
+                </a:solidFill>
+                <a:latin typeface="Cascadia Mono" panose="020B0609020000020004" pitchFamily="49" charset="0"/>
+              </a:rPr>
+              <a:t>;</a:t>
+            </a:r>
+          </a:p>
+          <a:p>
+            <a:r>
+              <a:rPr lang="en-IN" sz="800" dirty="0">
+                <a:solidFill>
+                  <a:srgbClr val="000000"/>
+                </a:solidFill>
+                <a:latin typeface="Cascadia Mono" panose="020B0609020000020004" pitchFamily="49" charset="0"/>
+              </a:rPr>
+              <a:t>    </a:t>
+            </a:r>
+            <a:r>
+              <a:rPr lang="en-IN" sz="800" dirty="0" err="1">
+                <a:solidFill>
+                  <a:srgbClr val="0000FF"/>
+                </a:solidFill>
+                <a:latin typeface="Cascadia Mono" panose="020B0609020000020004" pitchFamily="49" charset="0"/>
+              </a:rPr>
+              <a:t>RZPipelineHandle</a:t>
+            </a:r>
+            <a:r>
+              <a:rPr lang="en-IN" sz="800" dirty="0">
+                <a:solidFill>
+                  <a:srgbClr val="000000"/>
+                </a:solidFill>
+                <a:latin typeface="Cascadia Mono" panose="020B0609020000020004" pitchFamily="49" charset="0"/>
+              </a:rPr>
+              <a:t>     </a:t>
+            </a:r>
+            <a:r>
+              <a:rPr lang="en-IN" sz="800" dirty="0" err="1">
+                <a:solidFill>
+                  <a:srgbClr val="000080"/>
+                </a:solidFill>
+                <a:latin typeface="Cascadia Mono" panose="020B0609020000020004" pitchFamily="49" charset="0"/>
+              </a:rPr>
+              <a:t>pso</a:t>
+            </a:r>
+            <a:r>
+              <a:rPr lang="en-IN" sz="800" dirty="0">
+                <a:solidFill>
+                  <a:srgbClr val="000000"/>
+                </a:solidFill>
+                <a:latin typeface="Cascadia Mono" panose="020B0609020000020004" pitchFamily="49" charset="0"/>
+              </a:rPr>
+              <a:t>;</a:t>
+            </a:r>
+          </a:p>
+          <a:p>
+            <a:r>
+              <a:rPr lang="en-IN" sz="800" dirty="0">
+                <a:solidFill>
+                  <a:srgbClr val="000000"/>
+                </a:solidFill>
+                <a:latin typeface="Cascadia Mono" panose="020B0609020000020004" pitchFamily="49" charset="0"/>
+              </a:rPr>
+              <a:t>};</a:t>
+            </a:r>
+            <a:endParaRPr lang="en-IN" sz="800" dirty="0"/>
+          </a:p>
+        </p:txBody>
+      </p:sp>
+      <p:sp>
+        <p:nvSpPr>
+          <p:cNvPr id="75" name="TextBox 74">
+            <a:extLst>
+              <a:ext uri="{FF2B5EF4-FFF2-40B4-BE49-F238E27FC236}">
+                <a16:creationId xmlns:a16="http://schemas.microsoft.com/office/drawing/2014/main" id="{96C056C5-95CC-204D-3563-B984B5A47512}"/>
+              </a:ext>
+            </a:extLst>
+          </p:cNvPr>
+          <p:cNvSpPr txBox="1"/>
+          <p:nvPr/>
+        </p:nvSpPr>
+        <p:spPr>
+          <a:xfrm>
+            <a:off x="9756773" y="4117909"/>
+            <a:ext cx="2069467" cy="830997"/>
+          </a:xfrm>
+          <a:prstGeom prst="rect">
+            <a:avLst/>
+          </a:prstGeom>
+          <a:solidFill>
+            <a:srgbClr val="FFCDCD"/>
+          </a:solidFill>
+        </p:spPr>
+        <p:txBody>
+          <a:bodyPr wrap="square">
+            <a:spAutoFit/>
+          </a:bodyPr>
+          <a:lstStyle/>
+          <a:p>
+            <a:r>
+              <a:rPr lang="en-IN" sz="800" dirty="0">
+                <a:solidFill>
+                  <a:srgbClr val="0000FF"/>
+                </a:solidFill>
+                <a:latin typeface="Cascadia Mono" panose="020B0609020000020004" pitchFamily="49" charset="0"/>
+              </a:rPr>
+              <a:t>struct</a:t>
+            </a:r>
+            <a:r>
+              <a:rPr lang="en-IN" sz="800" dirty="0">
+                <a:solidFill>
+                  <a:srgbClr val="000000"/>
+                </a:solidFill>
+                <a:latin typeface="Cascadia Mono" panose="020B0609020000020004" pitchFamily="49" charset="0"/>
+              </a:rPr>
+              <a:t> </a:t>
+            </a:r>
+            <a:r>
+              <a:rPr lang="en-IN" sz="800" dirty="0">
+                <a:solidFill>
+                  <a:srgbClr val="0000FF"/>
+                </a:solidFill>
+                <a:latin typeface="Cascadia Mono" panose="020B0609020000020004" pitchFamily="49" charset="0"/>
+              </a:rPr>
+              <a:t>Drawable</a:t>
+            </a:r>
+            <a:endParaRPr lang="en-IN" sz="800" dirty="0">
+              <a:solidFill>
+                <a:srgbClr val="000000"/>
+              </a:solidFill>
+              <a:latin typeface="Cascadia Mono" panose="020B0609020000020004" pitchFamily="49" charset="0"/>
+            </a:endParaRPr>
+          </a:p>
+          <a:p>
+            <a:r>
+              <a:rPr lang="en-IN" sz="800" dirty="0">
+                <a:solidFill>
+                  <a:srgbClr val="000000"/>
+                </a:solidFill>
+                <a:latin typeface="Cascadia Mono" panose="020B0609020000020004" pitchFamily="49" charset="0"/>
+              </a:rPr>
+              <a:t>{</a:t>
+            </a:r>
+          </a:p>
+          <a:p>
+            <a:r>
+              <a:rPr lang="en-IN" sz="800" dirty="0">
+                <a:solidFill>
+                  <a:srgbClr val="000000"/>
+                </a:solidFill>
+                <a:latin typeface="Cascadia Mono" panose="020B0609020000020004" pitchFamily="49" charset="0"/>
+              </a:rPr>
+              <a:t>    </a:t>
+            </a:r>
+            <a:r>
+              <a:rPr lang="en-IN" sz="800" dirty="0" err="1">
+                <a:solidFill>
+                  <a:srgbClr val="0000FF"/>
+                </a:solidFill>
+                <a:latin typeface="Cascadia Mono" panose="020B0609020000020004" pitchFamily="49" charset="0"/>
+              </a:rPr>
+              <a:t>RZMaterialHandle</a:t>
+            </a:r>
+            <a:r>
+              <a:rPr lang="en-IN" sz="800" dirty="0">
+                <a:solidFill>
+                  <a:srgbClr val="000000"/>
+                </a:solidFill>
+                <a:latin typeface="Cascadia Mono" panose="020B0609020000020004" pitchFamily="49" charset="0"/>
+              </a:rPr>
+              <a:t> </a:t>
+            </a:r>
+            <a:r>
+              <a:rPr lang="en-IN" sz="800" dirty="0">
+                <a:solidFill>
+                  <a:srgbClr val="000080"/>
+                </a:solidFill>
+                <a:latin typeface="Cascadia Mono" panose="020B0609020000020004" pitchFamily="49" charset="0"/>
+              </a:rPr>
+              <a:t>material</a:t>
+            </a:r>
+            <a:r>
+              <a:rPr lang="en-IN" sz="800" dirty="0">
+                <a:solidFill>
+                  <a:srgbClr val="000000"/>
+                </a:solidFill>
+                <a:latin typeface="Cascadia Mono" panose="020B0609020000020004" pitchFamily="49" charset="0"/>
+              </a:rPr>
+              <a:t>;</a:t>
+            </a:r>
+          </a:p>
+          <a:p>
+            <a:r>
+              <a:rPr lang="en-IN" sz="800" dirty="0">
+                <a:solidFill>
+                  <a:srgbClr val="000000"/>
+                </a:solidFill>
+                <a:latin typeface="Cascadia Mono" panose="020B0609020000020004" pitchFamily="49" charset="0"/>
+              </a:rPr>
+              <a:t>    </a:t>
+            </a:r>
+            <a:r>
+              <a:rPr lang="en-IN" sz="800" dirty="0" err="1">
+                <a:solidFill>
+                  <a:srgbClr val="0000FF"/>
+                </a:solidFill>
+                <a:latin typeface="Cascadia Mono" panose="020B0609020000020004" pitchFamily="49" charset="0"/>
+              </a:rPr>
+              <a:t>RZMeshHandle</a:t>
+            </a:r>
+            <a:r>
+              <a:rPr lang="en-IN" sz="800" dirty="0">
+                <a:solidFill>
+                  <a:srgbClr val="000000"/>
+                </a:solidFill>
+                <a:latin typeface="Cascadia Mono" panose="020B0609020000020004" pitchFamily="49" charset="0"/>
+              </a:rPr>
+              <a:t>     </a:t>
+            </a:r>
+            <a:r>
+              <a:rPr lang="en-IN" sz="800" dirty="0">
+                <a:solidFill>
+                  <a:srgbClr val="000080"/>
+                </a:solidFill>
+                <a:latin typeface="Cascadia Mono" panose="020B0609020000020004" pitchFamily="49" charset="0"/>
+              </a:rPr>
+              <a:t>mesh</a:t>
+            </a:r>
+            <a:r>
+              <a:rPr lang="en-IN" sz="800" dirty="0">
+                <a:solidFill>
+                  <a:srgbClr val="000000"/>
+                </a:solidFill>
+                <a:latin typeface="Cascadia Mono" panose="020B0609020000020004" pitchFamily="49" charset="0"/>
+              </a:rPr>
+              <a:t>;</a:t>
+            </a:r>
+          </a:p>
+          <a:p>
+            <a:r>
+              <a:rPr lang="en-IN" sz="800" dirty="0">
+                <a:solidFill>
+                  <a:srgbClr val="000000"/>
+                </a:solidFill>
+                <a:latin typeface="Cascadia Mono" panose="020B0609020000020004" pitchFamily="49" charset="0"/>
+              </a:rPr>
+              <a:t>    </a:t>
+            </a:r>
+            <a:r>
+              <a:rPr lang="en-IN" sz="800" dirty="0" err="1">
+                <a:solidFill>
+                  <a:srgbClr val="0000FF"/>
+                </a:solidFill>
+                <a:latin typeface="Cascadia Mono" panose="020B0609020000020004" pitchFamily="49" charset="0"/>
+              </a:rPr>
+              <a:t>glm</a:t>
+            </a:r>
+            <a:r>
+              <a:rPr lang="en-IN" sz="800" dirty="0">
+                <a:solidFill>
+                  <a:srgbClr val="000000"/>
+                </a:solidFill>
+                <a:latin typeface="Cascadia Mono" panose="020B0609020000020004" pitchFamily="49" charset="0"/>
+              </a:rPr>
+              <a:t>::</a:t>
+            </a:r>
+            <a:r>
+              <a:rPr lang="en-IN" sz="800" dirty="0">
+                <a:solidFill>
+                  <a:srgbClr val="0000FF"/>
+                </a:solidFill>
+                <a:latin typeface="Cascadia Mono" panose="020B0609020000020004" pitchFamily="49" charset="0"/>
+              </a:rPr>
+              <a:t>mat4</a:t>
+            </a:r>
+            <a:r>
+              <a:rPr lang="en-IN" sz="800" dirty="0">
+                <a:solidFill>
+                  <a:srgbClr val="000000"/>
+                </a:solidFill>
+                <a:latin typeface="Cascadia Mono" panose="020B0609020000020004" pitchFamily="49" charset="0"/>
+              </a:rPr>
+              <a:t>        </a:t>
+            </a:r>
+            <a:r>
+              <a:rPr lang="en-IN" sz="800" dirty="0">
+                <a:solidFill>
+                  <a:srgbClr val="000080"/>
+                </a:solidFill>
+                <a:latin typeface="Cascadia Mono" panose="020B0609020000020004" pitchFamily="49" charset="0"/>
+              </a:rPr>
+              <a:t>transform</a:t>
+            </a:r>
+            <a:r>
+              <a:rPr lang="en-IN" sz="800" dirty="0">
+                <a:solidFill>
+                  <a:srgbClr val="000000"/>
+                </a:solidFill>
+                <a:latin typeface="Cascadia Mono" panose="020B0609020000020004" pitchFamily="49" charset="0"/>
+              </a:rPr>
+              <a:t>;</a:t>
+            </a:r>
+          </a:p>
+          <a:p>
+            <a:r>
+              <a:rPr lang="en-IN" sz="800" dirty="0">
+                <a:solidFill>
+                  <a:srgbClr val="000000"/>
+                </a:solidFill>
+                <a:latin typeface="Cascadia Mono" panose="020B0609020000020004" pitchFamily="49" charset="0"/>
+              </a:rPr>
+              <a:t>};</a:t>
+            </a:r>
+            <a:endParaRPr lang="en-IN" sz="800" dirty="0"/>
+          </a:p>
+        </p:txBody>
+      </p:sp>
+      <p:sp>
+        <p:nvSpPr>
+          <p:cNvPr id="59" name="Rectangle 58">
+            <a:extLst>
+              <a:ext uri="{FF2B5EF4-FFF2-40B4-BE49-F238E27FC236}">
+                <a16:creationId xmlns:a16="http://schemas.microsoft.com/office/drawing/2014/main" id="{3C0774DA-E171-30BC-5F32-DC7F6E377108}"/>
+              </a:ext>
+            </a:extLst>
+          </p:cNvPr>
+          <p:cNvSpPr/>
+          <p:nvPr/>
+        </p:nvSpPr>
+        <p:spPr>
+          <a:xfrm>
+            <a:off x="4518675" y="1565592"/>
+            <a:ext cx="2514599" cy="1554298"/>
+          </a:xfrm>
+          <a:prstGeom prst="rect">
+            <a:avLst/>
+          </a:prstGeom>
+        </p:spPr>
+        <p:style>
+          <a:lnRef idx="1">
+            <a:schemeClr val="accent4"/>
+          </a:lnRef>
+          <a:fillRef idx="2">
+            <a:schemeClr val="accent4"/>
+          </a:fillRef>
+          <a:effectRef idx="1">
+            <a:schemeClr val="accent4"/>
+          </a:effectRef>
+          <a:fontRef idx="minor">
+            <a:schemeClr val="dk1"/>
+          </a:fontRef>
+        </p:style>
+        <p:txBody>
+          <a:bodyPr rtlCol="0" anchor="ctr"/>
+          <a:lstStyle/>
+          <a:p>
+            <a:pPr algn="ctr"/>
+            <a:endParaRPr lang="en-IN"/>
+          </a:p>
+        </p:txBody>
+      </p:sp>
+      <p:sp>
+        <p:nvSpPr>
+          <p:cNvPr id="10" name="Rectangle 9">
+            <a:extLst>
+              <a:ext uri="{FF2B5EF4-FFF2-40B4-BE49-F238E27FC236}">
+                <a16:creationId xmlns:a16="http://schemas.microsoft.com/office/drawing/2014/main" id="{A246676E-12B8-F0D2-DA40-08A79F1EE13A}"/>
+              </a:ext>
+            </a:extLst>
+          </p:cNvPr>
+          <p:cNvSpPr/>
+          <p:nvPr/>
+        </p:nvSpPr>
+        <p:spPr>
+          <a:xfrm>
+            <a:off x="968486" y="2346960"/>
+            <a:ext cx="2514600" cy="1823085"/>
+          </a:xfrm>
+          <a:prstGeom prst="rect">
+            <a:avLst/>
+          </a:prstGeom>
+          <a:ln/>
+        </p:spPr>
+        <p:style>
+          <a:lnRef idx="1">
+            <a:schemeClr val="accent2"/>
+          </a:lnRef>
+          <a:fillRef idx="2">
+            <a:schemeClr val="accent2"/>
+          </a:fillRef>
+          <a:effectRef idx="1">
+            <a:schemeClr val="accent2"/>
+          </a:effectRef>
+          <a:fontRef idx="minor">
+            <a:schemeClr val="dk1"/>
+          </a:fontRef>
+        </p:style>
+        <p:txBody>
+          <a:bodyPr rtlCol="0" anchor="ctr"/>
+          <a:lstStyle/>
+          <a:p>
+            <a:pPr algn="ctr"/>
+            <a:endParaRPr lang="en-IN"/>
+          </a:p>
+        </p:txBody>
+      </p:sp>
+      <p:sp>
+        <p:nvSpPr>
+          <p:cNvPr id="2" name="Title 1">
+            <a:extLst>
+              <a:ext uri="{FF2B5EF4-FFF2-40B4-BE49-F238E27FC236}">
+                <a16:creationId xmlns:a16="http://schemas.microsoft.com/office/drawing/2014/main" id="{C7CE2311-7544-465C-0AEF-CDF9B828E809}"/>
+              </a:ext>
+            </a:extLst>
+          </p:cNvPr>
+          <p:cNvSpPr>
+            <a:spLocks noGrp="1"/>
+          </p:cNvSpPr>
+          <p:nvPr>
+            <p:ph type="title"/>
+          </p:nvPr>
+        </p:nvSpPr>
+        <p:spPr/>
+        <p:txBody>
+          <a:bodyPr/>
+          <a:lstStyle/>
+          <a:p>
+            <a:r>
+              <a:rPr lang="en-US" dirty="0"/>
+              <a:t>RHI &lt;-&gt; ECS : Data Handshake Design </a:t>
+            </a:r>
+            <a:endParaRPr lang="en-IN" dirty="0"/>
+          </a:p>
+        </p:txBody>
+      </p:sp>
+      <p:sp>
+        <p:nvSpPr>
+          <p:cNvPr id="5" name="Rectangle 4">
+            <a:extLst>
+              <a:ext uri="{FF2B5EF4-FFF2-40B4-BE49-F238E27FC236}">
+                <a16:creationId xmlns:a16="http://schemas.microsoft.com/office/drawing/2014/main" id="{F67F1A08-7282-AE2E-38AC-B448282D5AE0}"/>
+              </a:ext>
+            </a:extLst>
+          </p:cNvPr>
+          <p:cNvSpPr/>
+          <p:nvPr/>
+        </p:nvSpPr>
+        <p:spPr>
+          <a:xfrm>
+            <a:off x="912083" y="1699943"/>
+            <a:ext cx="2627407" cy="647017"/>
+          </a:xfrm>
+          <a:prstGeom prst="rect">
+            <a:avLst/>
+          </a:prstGeom>
+        </p:spPr>
+        <p:style>
+          <a:lnRef idx="0">
+            <a:schemeClr val="accent2"/>
+          </a:lnRef>
+          <a:fillRef idx="3">
+            <a:schemeClr val="accent2"/>
+          </a:fillRef>
+          <a:effectRef idx="3">
+            <a:schemeClr val="accent2"/>
+          </a:effectRef>
+          <a:fontRef idx="minor">
+            <a:schemeClr val="lt1"/>
+          </a:fontRef>
+        </p:style>
+        <p:txBody>
+          <a:bodyPr rtlCol="0" anchor="ctr"/>
+          <a:lstStyle/>
+          <a:p>
+            <a:pPr algn="ctr"/>
+            <a:r>
+              <a:rPr lang="en-US" sz="1400" dirty="0">
+                <a:solidFill>
+                  <a:schemeClr val="bg2"/>
+                </a:solidFill>
+                <a:latin typeface="Calibri" panose="020F0502020204030204" pitchFamily="34" charset="0"/>
+                <a:ea typeface="Calibri" panose="020F0502020204030204" pitchFamily="34" charset="0"/>
+                <a:cs typeface="Calibri" panose="020F0502020204030204" pitchFamily="34" charset="0"/>
+              </a:rPr>
+              <a:t>Render System </a:t>
+            </a:r>
+            <a:r>
+              <a:rPr lang="en-IN" sz="1400" dirty="0">
+                <a:solidFill>
+                  <a:schemeClr val="bg2"/>
+                </a:solidFill>
+                <a:latin typeface="Calibri" panose="020F0502020204030204" pitchFamily="34" charset="0"/>
+                <a:ea typeface="Calibri" panose="020F0502020204030204" pitchFamily="34" charset="0"/>
+                <a:cs typeface="Calibri" panose="020F0502020204030204" pitchFamily="34" charset="0"/>
+              </a:rPr>
+              <a:t>/ </a:t>
+            </a:r>
+          </a:p>
+          <a:p>
+            <a:pPr algn="ctr"/>
+            <a:r>
+              <a:rPr lang="en-IN" sz="1400" dirty="0">
+                <a:solidFill>
+                  <a:schemeClr val="bg2"/>
+                </a:solidFill>
+                <a:latin typeface="Calibri" panose="020F0502020204030204" pitchFamily="34" charset="0"/>
+                <a:ea typeface="Calibri" panose="020F0502020204030204" pitchFamily="34" charset="0"/>
+                <a:cs typeface="Calibri" panose="020F0502020204030204" pitchFamily="34" charset="0"/>
+              </a:rPr>
+              <a:t>Render Thread</a:t>
+            </a:r>
+            <a:endParaRPr lang="en-US" sz="1400" dirty="0">
+              <a:solidFill>
+                <a:schemeClr val="bg2"/>
+              </a:solidFill>
+              <a:latin typeface="Calibri" panose="020F0502020204030204" pitchFamily="34" charset="0"/>
+              <a:ea typeface="Calibri" panose="020F0502020204030204" pitchFamily="34" charset="0"/>
+              <a:cs typeface="Calibri" panose="020F0502020204030204" pitchFamily="34" charset="0"/>
+            </a:endParaRPr>
+          </a:p>
+        </p:txBody>
+      </p:sp>
+      <p:sp>
+        <p:nvSpPr>
+          <p:cNvPr id="11" name="Rectangle 10">
+            <a:extLst>
+              <a:ext uri="{FF2B5EF4-FFF2-40B4-BE49-F238E27FC236}">
+                <a16:creationId xmlns:a16="http://schemas.microsoft.com/office/drawing/2014/main" id="{54408BEE-02E1-5406-0CE7-F84B2C45AC3F}"/>
+              </a:ext>
+            </a:extLst>
+          </p:cNvPr>
+          <p:cNvSpPr/>
+          <p:nvPr/>
+        </p:nvSpPr>
+        <p:spPr>
+          <a:xfrm>
+            <a:off x="9756935" y="1111908"/>
+            <a:ext cx="2069305" cy="1823086"/>
+          </a:xfrm>
+          <a:prstGeom prst="rect">
+            <a:avLst/>
+          </a:prstGeom>
+          <a:solidFill>
+            <a:srgbClr val="C198E0"/>
+          </a:solidFill>
+          <a:ln w="6350">
+            <a:solidFill>
+              <a:schemeClr val="tx2"/>
+            </a:solidFill>
+          </a:ln>
+        </p:spPr>
+        <p:style>
+          <a:lnRef idx="2">
+            <a:schemeClr val="accent1">
+              <a:shade val="15000"/>
+            </a:schemeClr>
+          </a:lnRef>
+          <a:fillRef idx="1">
+            <a:schemeClr val="accent1"/>
+          </a:fillRef>
+          <a:effectRef idx="0">
+            <a:schemeClr val="accent1"/>
+          </a:effectRef>
+          <a:fontRef idx="minor">
+            <a:schemeClr val="lt1"/>
+          </a:fontRef>
+        </p:style>
+        <p:txBody>
+          <a:bodyPr rtlCol="0" anchor="ctr"/>
+          <a:lstStyle/>
+          <a:p>
+            <a:r>
+              <a:rPr lang="en-US" sz="1200" b="1" dirty="0">
+                <a:solidFill>
+                  <a:schemeClr val="tx1"/>
+                </a:solidFill>
+                <a:latin typeface="Calibri Light" panose="020F0302020204030204" pitchFamily="34" charset="0"/>
+                <a:ea typeface="Calibri Light" panose="020F0302020204030204" pitchFamily="34" charset="0"/>
+                <a:cs typeface="Calibri Light" panose="020F0302020204030204" pitchFamily="34" charset="0"/>
+              </a:rPr>
+              <a:t>Scene View </a:t>
+            </a:r>
+            <a:r>
+              <a:rPr lang="en-US" sz="1200" dirty="0">
+                <a:solidFill>
+                  <a:schemeClr val="tx1"/>
+                </a:solidFill>
+                <a:latin typeface="Calibri Light" panose="020F0302020204030204" pitchFamily="34" charset="0"/>
+                <a:ea typeface="Calibri Light" panose="020F0302020204030204" pitchFamily="34" charset="0"/>
+                <a:cs typeface="Calibri Light" panose="020F0302020204030204" pitchFamily="34" charset="0"/>
+              </a:rPr>
+              <a:t>contains data on how to VIEW the scene </a:t>
+            </a:r>
+          </a:p>
+          <a:p>
+            <a:pPr marL="171450" indent="-171450">
+              <a:buFont typeface="Arial" panose="020B0604020202020204" pitchFamily="34" charset="0"/>
+              <a:buChar char="•"/>
+            </a:pPr>
+            <a:r>
+              <a:rPr lang="en-US" sz="1200" dirty="0">
+                <a:solidFill>
+                  <a:schemeClr val="tx1"/>
+                </a:solidFill>
+                <a:latin typeface="Calibri Light" panose="020F0302020204030204" pitchFamily="34" charset="0"/>
+                <a:ea typeface="Calibri Light" panose="020F0302020204030204" pitchFamily="34" charset="0"/>
+                <a:cs typeface="Calibri Light" panose="020F0302020204030204" pitchFamily="34" charset="0"/>
+              </a:rPr>
+              <a:t>Camera </a:t>
+            </a:r>
+          </a:p>
+          <a:p>
+            <a:pPr marL="171450" indent="-171450">
+              <a:buFont typeface="Arial" panose="020B0604020202020204" pitchFamily="34" charset="0"/>
+              <a:buChar char="•"/>
+            </a:pPr>
+            <a:r>
+              <a:rPr lang="en-US" sz="1200" dirty="0">
+                <a:solidFill>
+                  <a:schemeClr val="tx1"/>
+                </a:solidFill>
+                <a:latin typeface="Calibri Light" panose="020F0302020204030204" pitchFamily="34" charset="0"/>
+                <a:ea typeface="Calibri Light" panose="020F0302020204030204" pitchFamily="34" charset="0"/>
+                <a:cs typeface="Calibri Light" panose="020F0302020204030204" pitchFamily="34" charset="0"/>
+              </a:rPr>
+              <a:t>Lights </a:t>
+            </a:r>
+          </a:p>
+          <a:p>
+            <a:pPr marL="171450" indent="-171450">
+              <a:buFont typeface="Arial" panose="020B0604020202020204" pitchFamily="34" charset="0"/>
+              <a:buChar char="•"/>
+            </a:pPr>
+            <a:r>
+              <a:rPr lang="en-US" sz="1200" dirty="0">
+                <a:solidFill>
+                  <a:schemeClr val="tx1"/>
+                </a:solidFill>
+                <a:latin typeface="Calibri Light" panose="020F0302020204030204" pitchFamily="34" charset="0"/>
+                <a:ea typeface="Calibri Light" panose="020F0302020204030204" pitchFamily="34" charset="0"/>
+                <a:cs typeface="Calibri Light" panose="020F0302020204030204" pitchFamily="34" charset="0"/>
+              </a:rPr>
+              <a:t>Render Target </a:t>
+            </a:r>
+          </a:p>
+          <a:p>
+            <a:pPr marL="171450" indent="-171450">
+              <a:buFont typeface="Arial" panose="020B0604020202020204" pitchFamily="34" charset="0"/>
+              <a:buChar char="•"/>
+            </a:pPr>
+            <a:r>
+              <a:rPr lang="en-US" sz="1200" dirty="0">
+                <a:solidFill>
+                  <a:schemeClr val="tx1"/>
+                </a:solidFill>
+                <a:latin typeface="Calibri Light" panose="020F0302020204030204" pitchFamily="34" charset="0"/>
+                <a:ea typeface="Calibri Light" panose="020F0302020204030204" pitchFamily="34" charset="0"/>
+                <a:cs typeface="Calibri Light" panose="020F0302020204030204" pitchFamily="34" charset="0"/>
+              </a:rPr>
+              <a:t>Sky Info </a:t>
+            </a:r>
+          </a:p>
+          <a:p>
+            <a:pPr marL="171450" indent="-171450">
+              <a:buFont typeface="Arial" panose="020B0604020202020204" pitchFamily="34" charset="0"/>
+              <a:buChar char="•"/>
+            </a:pPr>
+            <a:r>
+              <a:rPr lang="en-US" sz="1200" dirty="0">
+                <a:solidFill>
+                  <a:schemeClr val="tx1"/>
+                </a:solidFill>
+                <a:latin typeface="Calibri Light" panose="020F0302020204030204" pitchFamily="34" charset="0"/>
+                <a:ea typeface="Calibri Light" panose="020F0302020204030204" pitchFamily="34" charset="0"/>
+                <a:cs typeface="Calibri Light" panose="020F0302020204030204" pitchFamily="34" charset="0"/>
+              </a:rPr>
+              <a:t>Debug Flags </a:t>
+            </a:r>
+          </a:p>
+          <a:p>
+            <a:pPr marL="171450" indent="-171450">
+              <a:buFont typeface="Arial" panose="020B0604020202020204" pitchFamily="34" charset="0"/>
+              <a:buChar char="•"/>
+            </a:pPr>
+            <a:r>
+              <a:rPr lang="en-US" sz="1200" dirty="0">
+                <a:solidFill>
+                  <a:schemeClr val="tx1"/>
+                </a:solidFill>
+                <a:latin typeface="Calibri Light" panose="020F0302020204030204" pitchFamily="34" charset="0"/>
+                <a:ea typeface="Calibri Light" panose="020F0302020204030204" pitchFamily="34" charset="0"/>
+                <a:cs typeface="Calibri Light" panose="020F0302020204030204" pitchFamily="34" charset="0"/>
+              </a:rPr>
+              <a:t>Renderer Settings </a:t>
+            </a:r>
+          </a:p>
+          <a:p>
+            <a:pPr marL="171450" indent="-171450">
+              <a:buFont typeface="Arial" panose="020B0604020202020204" pitchFamily="34" charset="0"/>
+              <a:buChar char="•"/>
+            </a:pPr>
+            <a:r>
+              <a:rPr lang="en-US" sz="1200" dirty="0">
+                <a:solidFill>
+                  <a:schemeClr val="tx1"/>
+                </a:solidFill>
+                <a:latin typeface="Calibri Light" panose="020F0302020204030204" pitchFamily="34" charset="0"/>
+                <a:ea typeface="Calibri Light" panose="020F0302020204030204" pitchFamily="34" charset="0"/>
+                <a:cs typeface="Calibri Light" panose="020F0302020204030204" pitchFamily="34" charset="0"/>
+              </a:rPr>
+              <a:t>Post Process FX Info</a:t>
+            </a:r>
+            <a:endParaRPr lang="en-IN" sz="1200" dirty="0">
+              <a:solidFill>
+                <a:schemeClr val="tx1"/>
+              </a:solidFill>
+              <a:latin typeface="Calibri Light" panose="020F0302020204030204" pitchFamily="34" charset="0"/>
+              <a:ea typeface="Calibri Light" panose="020F0302020204030204" pitchFamily="34" charset="0"/>
+              <a:cs typeface="Calibri Light" panose="020F0302020204030204" pitchFamily="34" charset="0"/>
+            </a:endParaRPr>
+          </a:p>
+        </p:txBody>
+      </p:sp>
+      <p:sp>
+        <p:nvSpPr>
+          <p:cNvPr id="7" name="TextBox 6">
+            <a:extLst>
+              <a:ext uri="{FF2B5EF4-FFF2-40B4-BE49-F238E27FC236}">
+                <a16:creationId xmlns:a16="http://schemas.microsoft.com/office/drawing/2014/main" id="{F4D1F5DB-9D81-20BD-2C36-469B942B6B2F}"/>
+              </a:ext>
+            </a:extLst>
+          </p:cNvPr>
+          <p:cNvSpPr txBox="1"/>
+          <p:nvPr/>
+        </p:nvSpPr>
+        <p:spPr>
+          <a:xfrm>
+            <a:off x="912083" y="1032067"/>
+            <a:ext cx="2461312" cy="646331"/>
+          </a:xfrm>
+          <a:prstGeom prst="rect">
+            <a:avLst/>
+          </a:prstGeom>
+          <a:noFill/>
+        </p:spPr>
+        <p:txBody>
+          <a:bodyPr wrap="square" rtlCol="0">
+            <a:spAutoFit/>
+          </a:bodyPr>
+          <a:lstStyle/>
+          <a:p>
+            <a:r>
+              <a:rPr lang="en-US" sz="1200" dirty="0">
+                <a:solidFill>
+                  <a:schemeClr val="bg1"/>
+                </a:solidFill>
+                <a:latin typeface="Calibri Light" panose="020F0302020204030204" pitchFamily="34" charset="0"/>
+                <a:ea typeface="Calibri Light" panose="020F0302020204030204" pitchFamily="34" charset="0"/>
+                <a:cs typeface="Calibri Light" panose="020F0302020204030204" pitchFamily="34" charset="0"/>
+              </a:rPr>
+              <a:t>A Render System or a Render Thread is responsible for updating the frame using the World Renderer.</a:t>
+            </a:r>
+            <a:endParaRPr lang="en-IN" sz="1200" dirty="0">
+              <a:solidFill>
+                <a:schemeClr val="bg1"/>
+              </a:solidFill>
+              <a:latin typeface="Calibri Light" panose="020F0302020204030204" pitchFamily="34" charset="0"/>
+              <a:ea typeface="Calibri Light" panose="020F0302020204030204" pitchFamily="34" charset="0"/>
+              <a:cs typeface="Calibri Light" panose="020F0302020204030204" pitchFamily="34" charset="0"/>
+            </a:endParaRPr>
+          </a:p>
+        </p:txBody>
+      </p:sp>
+      <p:sp>
+        <p:nvSpPr>
+          <p:cNvPr id="9" name="TextBox 8">
+            <a:extLst>
+              <a:ext uri="{FF2B5EF4-FFF2-40B4-BE49-F238E27FC236}">
+                <a16:creationId xmlns:a16="http://schemas.microsoft.com/office/drawing/2014/main" id="{44ECE3D5-62D0-21DD-FD30-E27BB7CE75FA}"/>
+              </a:ext>
+            </a:extLst>
+          </p:cNvPr>
+          <p:cNvSpPr txBox="1"/>
+          <p:nvPr/>
+        </p:nvSpPr>
+        <p:spPr>
+          <a:xfrm>
+            <a:off x="975360" y="2345905"/>
+            <a:ext cx="2514599" cy="246221"/>
+          </a:xfrm>
+          <a:prstGeom prst="rect">
+            <a:avLst/>
+          </a:prstGeom>
+          <a:solidFill>
+            <a:schemeClr val="accent2">
+              <a:lumMod val="75000"/>
+            </a:schemeClr>
+          </a:solidFill>
+        </p:spPr>
+        <p:txBody>
+          <a:bodyPr wrap="square">
+            <a:spAutoFit/>
+          </a:bodyPr>
+          <a:lstStyle/>
+          <a:p>
+            <a:pPr algn="ctr"/>
+            <a:r>
+              <a:rPr lang="en-US" sz="1000" dirty="0">
+                <a:solidFill>
+                  <a:schemeClr val="bg1"/>
+                </a:solidFill>
+                <a:latin typeface="Courier New" panose="02070309020205020404" pitchFamily="49" charset="0"/>
+                <a:cs typeface="Courier New" panose="02070309020205020404" pitchFamily="49" charset="0"/>
+              </a:rPr>
+              <a:t> </a:t>
+            </a:r>
+            <a:r>
+              <a:rPr lang="en-IN" sz="1000" dirty="0">
+                <a:solidFill>
+                  <a:schemeClr val="bg1"/>
+                </a:solidFill>
+                <a:latin typeface="Courier New" panose="02070309020205020404" pitchFamily="49" charset="0"/>
+                <a:cs typeface="Courier New" panose="02070309020205020404" pitchFamily="49" charset="0"/>
+              </a:rPr>
+              <a:t>Update (</a:t>
+            </a:r>
+            <a:r>
+              <a:rPr lang="en-IN" sz="1000" dirty="0" err="1">
+                <a:solidFill>
+                  <a:schemeClr val="bg1"/>
+                </a:solidFill>
+                <a:latin typeface="Courier New" panose="02070309020205020404" pitchFamily="49" charset="0"/>
+                <a:cs typeface="Courier New" panose="02070309020205020404" pitchFamily="49" charset="0"/>
+              </a:rPr>
+              <a:t>RZScene</a:t>
+            </a:r>
+            <a:r>
+              <a:rPr lang="en-IN" sz="1000" dirty="0">
+                <a:solidFill>
+                  <a:schemeClr val="bg1"/>
+                </a:solidFill>
+                <a:latin typeface="Courier New" panose="02070309020205020404" pitchFamily="49" charset="0"/>
+                <a:cs typeface="Courier New" panose="02070309020205020404" pitchFamily="49" charset="0"/>
+              </a:rPr>
+              <a:t>*, </a:t>
+            </a:r>
+            <a:r>
+              <a:rPr lang="en-IN" sz="1000" dirty="0" err="1">
+                <a:solidFill>
+                  <a:schemeClr val="bg1"/>
+                </a:solidFill>
+                <a:latin typeface="Courier New" panose="02070309020205020404" pitchFamily="49" charset="0"/>
+                <a:cs typeface="Courier New" panose="02070309020205020404" pitchFamily="49" charset="0"/>
+              </a:rPr>
+              <a:t>CmdBuff</a:t>
+            </a:r>
+            <a:r>
+              <a:rPr lang="en-IN" sz="1000" dirty="0">
+                <a:solidFill>
+                  <a:schemeClr val="bg1"/>
+                </a:solidFill>
+                <a:latin typeface="Courier New" panose="02070309020205020404" pitchFamily="49" charset="0"/>
+                <a:cs typeface="Courier New" panose="02070309020205020404" pitchFamily="49" charset="0"/>
+              </a:rPr>
+              <a:t>)</a:t>
+            </a:r>
+          </a:p>
+        </p:txBody>
+      </p:sp>
+      <p:sp>
+        <p:nvSpPr>
+          <p:cNvPr id="12" name="Rectangle 11">
+            <a:extLst>
+              <a:ext uri="{FF2B5EF4-FFF2-40B4-BE49-F238E27FC236}">
+                <a16:creationId xmlns:a16="http://schemas.microsoft.com/office/drawing/2014/main" id="{743B3BBA-0BDA-34DF-A18C-9AA3DF203682}"/>
+              </a:ext>
+            </a:extLst>
+          </p:cNvPr>
+          <p:cNvSpPr/>
+          <p:nvPr/>
+        </p:nvSpPr>
+        <p:spPr>
+          <a:xfrm>
+            <a:off x="1087119" y="2707640"/>
+            <a:ext cx="581437" cy="246221"/>
+          </a:xfrm>
+          <a:prstGeom prst="rect">
+            <a:avLst/>
+          </a:prstGeom>
+        </p:spPr>
+        <p:style>
+          <a:lnRef idx="0">
+            <a:schemeClr val="accent4"/>
+          </a:lnRef>
+          <a:fillRef idx="3">
+            <a:schemeClr val="accent4"/>
+          </a:fillRef>
+          <a:effectRef idx="3">
+            <a:schemeClr val="accent4"/>
+          </a:effectRef>
+          <a:fontRef idx="minor">
+            <a:schemeClr val="lt1"/>
+          </a:fontRef>
+        </p:style>
+        <p:txBody>
+          <a:bodyPr rtlCol="0" anchor="ctr"/>
+          <a:lstStyle/>
+          <a:p>
+            <a:pPr algn="ctr"/>
+            <a:r>
+              <a:rPr lang="en-US" sz="1000" dirty="0">
+                <a:solidFill>
+                  <a:schemeClr val="tx1"/>
+                </a:solidFill>
+                <a:latin typeface="Calibri Light" panose="020F0302020204030204" pitchFamily="34" charset="0"/>
+                <a:ea typeface="Calibri Light" panose="020F0302020204030204" pitchFamily="34" charset="0"/>
+                <a:cs typeface="Calibri Light" panose="020F0302020204030204" pitchFamily="34" charset="0"/>
+              </a:rPr>
+              <a:t>Scene*</a:t>
+            </a:r>
+            <a:endParaRPr lang="en-IN" sz="1000" dirty="0">
+              <a:solidFill>
+                <a:schemeClr val="tx1"/>
+              </a:solidFill>
+              <a:latin typeface="Calibri Light" panose="020F0302020204030204" pitchFamily="34" charset="0"/>
+              <a:ea typeface="Calibri Light" panose="020F0302020204030204" pitchFamily="34" charset="0"/>
+              <a:cs typeface="Calibri Light" panose="020F0302020204030204" pitchFamily="34" charset="0"/>
+            </a:endParaRPr>
+          </a:p>
+        </p:txBody>
+      </p:sp>
+      <p:sp>
+        <p:nvSpPr>
+          <p:cNvPr id="13" name="Rectangle 12">
+            <a:extLst>
+              <a:ext uri="{FF2B5EF4-FFF2-40B4-BE49-F238E27FC236}">
+                <a16:creationId xmlns:a16="http://schemas.microsoft.com/office/drawing/2014/main" id="{45BE75D4-7C54-BEDD-0B26-8B5C4E4113CC}"/>
+              </a:ext>
+            </a:extLst>
+          </p:cNvPr>
+          <p:cNvSpPr/>
+          <p:nvPr/>
+        </p:nvSpPr>
+        <p:spPr>
+          <a:xfrm>
+            <a:off x="2370319" y="2642550"/>
+            <a:ext cx="1003076" cy="332057"/>
+          </a:xfrm>
+          <a:prstGeom prst="rect">
+            <a:avLst/>
+          </a:prstGeom>
+        </p:spPr>
+        <p:style>
+          <a:lnRef idx="0">
+            <a:schemeClr val="accent4"/>
+          </a:lnRef>
+          <a:fillRef idx="3">
+            <a:schemeClr val="accent4"/>
+          </a:fillRef>
+          <a:effectRef idx="3">
+            <a:schemeClr val="accent4"/>
+          </a:effectRef>
+          <a:fontRef idx="minor">
+            <a:schemeClr val="lt1"/>
+          </a:fontRef>
+        </p:style>
+        <p:txBody>
+          <a:bodyPr rtlCol="0" anchor="ctr"/>
+          <a:lstStyle/>
+          <a:p>
+            <a:pPr algn="ctr"/>
+            <a:r>
+              <a:rPr lang="en-US" sz="1000" dirty="0">
+                <a:solidFill>
+                  <a:schemeClr val="tx1"/>
+                </a:solidFill>
+                <a:latin typeface="Calibri Light" panose="020F0302020204030204" pitchFamily="34" charset="0"/>
+                <a:ea typeface="Calibri Light" panose="020F0302020204030204" pitchFamily="34" charset="0"/>
+                <a:cs typeface="Calibri Light" panose="020F0302020204030204" pitchFamily="34" charset="0"/>
+              </a:rPr>
+              <a:t>Extract</a:t>
+            </a:r>
+          </a:p>
+          <a:p>
+            <a:pPr algn="ctr"/>
+            <a:r>
+              <a:rPr lang="en-US" sz="1000" dirty="0">
+                <a:solidFill>
+                  <a:srgbClr val="7030A0"/>
+                </a:solidFill>
+                <a:latin typeface="Calibri Light" panose="020F0302020204030204" pitchFamily="34" charset="0"/>
+                <a:ea typeface="Calibri Light" panose="020F0302020204030204" pitchFamily="34" charset="0"/>
+                <a:cs typeface="Calibri Light" panose="020F0302020204030204" pitchFamily="34" charset="0"/>
+              </a:rPr>
+              <a:t>SceneViews</a:t>
+            </a:r>
+            <a:endParaRPr lang="en-IN" sz="1000" dirty="0">
+              <a:solidFill>
+                <a:srgbClr val="7030A0"/>
+              </a:solidFill>
+              <a:latin typeface="Calibri Light" panose="020F0302020204030204" pitchFamily="34" charset="0"/>
+              <a:ea typeface="Calibri Light" panose="020F0302020204030204" pitchFamily="34" charset="0"/>
+              <a:cs typeface="Calibri Light" panose="020F0302020204030204" pitchFamily="34" charset="0"/>
+            </a:endParaRPr>
+          </a:p>
+        </p:txBody>
+      </p:sp>
+      <p:cxnSp>
+        <p:nvCxnSpPr>
+          <p:cNvPr id="15" name="Straight Arrow Connector 14">
+            <a:extLst>
+              <a:ext uri="{FF2B5EF4-FFF2-40B4-BE49-F238E27FC236}">
+                <a16:creationId xmlns:a16="http://schemas.microsoft.com/office/drawing/2014/main" id="{F4DFC94A-18C1-9C36-297B-10B9816495FD}"/>
+              </a:ext>
+            </a:extLst>
+          </p:cNvPr>
+          <p:cNvCxnSpPr>
+            <a:stCxn id="12" idx="3"/>
+            <a:endCxn id="13" idx="1"/>
+          </p:cNvCxnSpPr>
+          <p:nvPr/>
+        </p:nvCxnSpPr>
+        <p:spPr>
+          <a:xfrm flipV="1">
+            <a:off x="1668556" y="2808579"/>
+            <a:ext cx="701763" cy="22172"/>
+          </a:xfrm>
+          <a:prstGeom prst="straightConnector1">
+            <a:avLst/>
+          </a:prstGeom>
+          <a:ln w="12700">
+            <a:tailEnd type="triangle"/>
+          </a:ln>
+          <a:effectLst>
+            <a:outerShdw blurRad="63500" sx="102000" sy="102000" algn="ctr" rotWithShape="0">
+              <a:prstClr val="black">
+                <a:alpha val="40000"/>
+              </a:prstClr>
+            </a:outerShdw>
+          </a:effectLst>
+        </p:spPr>
+        <p:style>
+          <a:lnRef idx="1">
+            <a:schemeClr val="accent4"/>
+          </a:lnRef>
+          <a:fillRef idx="0">
+            <a:schemeClr val="accent4"/>
+          </a:fillRef>
+          <a:effectRef idx="0">
+            <a:schemeClr val="accent4"/>
+          </a:effectRef>
+          <a:fontRef idx="minor">
+            <a:schemeClr val="tx1"/>
+          </a:fontRef>
+        </p:style>
+      </p:cxnSp>
+      <p:sp>
+        <p:nvSpPr>
+          <p:cNvPr id="21" name="TextBox 20">
+            <a:extLst>
+              <a:ext uri="{FF2B5EF4-FFF2-40B4-BE49-F238E27FC236}">
+                <a16:creationId xmlns:a16="http://schemas.microsoft.com/office/drawing/2014/main" id="{1220D076-9DE6-07E2-8BF1-D5660087877E}"/>
+              </a:ext>
+            </a:extLst>
+          </p:cNvPr>
+          <p:cNvSpPr txBox="1"/>
+          <p:nvPr/>
+        </p:nvSpPr>
+        <p:spPr>
+          <a:xfrm>
+            <a:off x="975360" y="3119890"/>
+            <a:ext cx="868680" cy="553998"/>
+          </a:xfrm>
+          <a:prstGeom prst="rect">
+            <a:avLst/>
+          </a:prstGeom>
+          <a:noFill/>
+        </p:spPr>
+        <p:txBody>
+          <a:bodyPr wrap="square">
+            <a:spAutoFit/>
+          </a:bodyPr>
+          <a:lstStyle/>
+          <a:p>
+            <a:r>
+              <a:rPr lang="en-US" sz="1000" dirty="0">
+                <a:latin typeface="Calibri Light" panose="020F0302020204030204" pitchFamily="34" charset="0"/>
+                <a:ea typeface="Calibri Light" panose="020F0302020204030204" pitchFamily="34" charset="0"/>
+                <a:cs typeface="Calibri Light" panose="020F0302020204030204" pitchFamily="34" charset="0"/>
+              </a:rPr>
+              <a:t>*Converting ECS data to RHI friendly</a:t>
+            </a:r>
+            <a:endParaRPr lang="en-IN" sz="1000" dirty="0">
+              <a:latin typeface="Calibri Light" panose="020F0302020204030204" pitchFamily="34" charset="0"/>
+              <a:ea typeface="Calibri Light" panose="020F0302020204030204" pitchFamily="34" charset="0"/>
+              <a:cs typeface="Calibri Light" panose="020F0302020204030204" pitchFamily="34" charset="0"/>
+            </a:endParaRPr>
+          </a:p>
+        </p:txBody>
+      </p:sp>
+      <p:sp>
+        <p:nvSpPr>
+          <p:cNvPr id="22" name="Rectangle 21">
+            <a:extLst>
+              <a:ext uri="{FF2B5EF4-FFF2-40B4-BE49-F238E27FC236}">
+                <a16:creationId xmlns:a16="http://schemas.microsoft.com/office/drawing/2014/main" id="{114B9E61-033B-3B49-E473-7D5FFBC2D0A3}"/>
+              </a:ext>
+            </a:extLst>
+          </p:cNvPr>
+          <p:cNvSpPr/>
+          <p:nvPr/>
+        </p:nvSpPr>
+        <p:spPr>
+          <a:xfrm>
+            <a:off x="1900443" y="3429778"/>
+            <a:ext cx="703805" cy="246221"/>
+          </a:xfrm>
+          <a:prstGeom prst="rect">
+            <a:avLst/>
+          </a:prstGeom>
+        </p:spPr>
+        <p:style>
+          <a:lnRef idx="0">
+            <a:schemeClr val="accent5"/>
+          </a:lnRef>
+          <a:fillRef idx="3">
+            <a:schemeClr val="accent5"/>
+          </a:fillRef>
+          <a:effectRef idx="3">
+            <a:schemeClr val="accent5"/>
+          </a:effectRef>
+          <a:fontRef idx="minor">
+            <a:schemeClr val="lt1"/>
+          </a:fontRef>
+        </p:style>
+        <p:txBody>
+          <a:bodyPr rtlCol="0" anchor="ctr"/>
+          <a:lstStyle/>
+          <a:p>
+            <a:pPr algn="ctr"/>
+            <a:r>
+              <a:rPr lang="en-US" sz="1000" dirty="0">
+                <a:solidFill>
+                  <a:schemeClr val="tx1"/>
+                </a:solidFill>
+                <a:latin typeface="Calibri Light" panose="020F0302020204030204" pitchFamily="34" charset="0"/>
+                <a:ea typeface="Calibri Light" panose="020F0302020204030204" pitchFamily="34" charset="0"/>
+                <a:cs typeface="Calibri Light" panose="020F0302020204030204" pitchFamily="34" charset="0"/>
+              </a:rPr>
+              <a:t>RZWorld*</a:t>
+            </a:r>
+            <a:endParaRPr lang="en-IN" sz="1000" dirty="0">
+              <a:solidFill>
+                <a:schemeClr val="tx1"/>
+              </a:solidFill>
+              <a:latin typeface="Calibri Light" panose="020F0302020204030204" pitchFamily="34" charset="0"/>
+              <a:ea typeface="Calibri Light" panose="020F0302020204030204" pitchFamily="34" charset="0"/>
+              <a:cs typeface="Calibri Light" panose="020F0302020204030204" pitchFamily="34" charset="0"/>
+            </a:endParaRPr>
+          </a:p>
+        </p:txBody>
+      </p:sp>
+      <p:cxnSp>
+        <p:nvCxnSpPr>
+          <p:cNvPr id="24" name="Connector: Elbow 23">
+            <a:extLst>
+              <a:ext uri="{FF2B5EF4-FFF2-40B4-BE49-F238E27FC236}">
+                <a16:creationId xmlns:a16="http://schemas.microsoft.com/office/drawing/2014/main" id="{691B32A1-2BCA-112E-2534-50CDDE400359}"/>
+              </a:ext>
+            </a:extLst>
+          </p:cNvPr>
+          <p:cNvCxnSpPr>
+            <a:stCxn id="13" idx="2"/>
+            <a:endCxn id="22" idx="0"/>
+          </p:cNvCxnSpPr>
+          <p:nvPr/>
+        </p:nvCxnSpPr>
+        <p:spPr>
+          <a:xfrm rot="5400000">
+            <a:off x="2334517" y="2892437"/>
+            <a:ext cx="455171" cy="619511"/>
+          </a:xfrm>
+          <a:prstGeom prst="bentConnector3">
+            <a:avLst>
+              <a:gd name="adj1" fmla="val 47907"/>
+            </a:avLst>
+          </a:prstGeom>
+          <a:ln>
+            <a:tailEnd type="triangle"/>
+          </a:ln>
+        </p:spPr>
+        <p:style>
+          <a:lnRef idx="1">
+            <a:schemeClr val="dk1"/>
+          </a:lnRef>
+          <a:fillRef idx="0">
+            <a:schemeClr val="dk1"/>
+          </a:fillRef>
+          <a:effectRef idx="0">
+            <a:schemeClr val="dk1"/>
+          </a:effectRef>
+          <a:fontRef idx="minor">
+            <a:schemeClr val="tx1"/>
+          </a:fontRef>
+        </p:style>
+      </p:cxnSp>
+      <p:cxnSp>
+        <p:nvCxnSpPr>
+          <p:cNvPr id="26" name="Connector: Elbow 25">
+            <a:extLst>
+              <a:ext uri="{FF2B5EF4-FFF2-40B4-BE49-F238E27FC236}">
+                <a16:creationId xmlns:a16="http://schemas.microsoft.com/office/drawing/2014/main" id="{C349C064-1154-6E21-3005-9E23C5247B54}"/>
+              </a:ext>
+            </a:extLst>
+          </p:cNvPr>
+          <p:cNvCxnSpPr>
+            <a:stCxn id="12" idx="2"/>
+            <a:endCxn id="22" idx="0"/>
+          </p:cNvCxnSpPr>
+          <p:nvPr/>
+        </p:nvCxnSpPr>
+        <p:spPr>
+          <a:xfrm rot="16200000" flipH="1">
+            <a:off x="1577134" y="2754565"/>
+            <a:ext cx="475917" cy="874508"/>
+          </a:xfrm>
+          <a:prstGeom prst="bentConnector3">
+            <a:avLst>
+              <a:gd name="adj1" fmla="val 50000"/>
+            </a:avLst>
+          </a:prstGeom>
+          <a:ln>
+            <a:tailEnd type="triangle"/>
+          </a:ln>
+        </p:spPr>
+        <p:style>
+          <a:lnRef idx="1">
+            <a:schemeClr val="dk1"/>
+          </a:lnRef>
+          <a:fillRef idx="0">
+            <a:schemeClr val="dk1"/>
+          </a:fillRef>
+          <a:effectRef idx="0">
+            <a:schemeClr val="dk1"/>
+          </a:effectRef>
+          <a:fontRef idx="minor">
+            <a:schemeClr val="tx1"/>
+          </a:fontRef>
+        </p:style>
+      </p:cxnSp>
+      <p:sp>
+        <p:nvSpPr>
+          <p:cNvPr id="29" name="Rectangle 28">
+            <a:extLst>
+              <a:ext uri="{FF2B5EF4-FFF2-40B4-BE49-F238E27FC236}">
+                <a16:creationId xmlns:a16="http://schemas.microsoft.com/office/drawing/2014/main" id="{3D5DE3CF-72B9-21C7-856C-53945B9DF28B}"/>
+              </a:ext>
+            </a:extLst>
+          </p:cNvPr>
+          <p:cNvSpPr/>
+          <p:nvPr/>
+        </p:nvSpPr>
+        <p:spPr>
+          <a:xfrm>
+            <a:off x="1029449" y="3920109"/>
+            <a:ext cx="2392673" cy="163329"/>
+          </a:xfrm>
+          <a:prstGeom prst="rect">
+            <a:avLst/>
+          </a:prstGeom>
+        </p:spPr>
+        <p:style>
+          <a:lnRef idx="0">
+            <a:schemeClr val="accent5"/>
+          </a:lnRef>
+          <a:fillRef idx="3">
+            <a:schemeClr val="accent5"/>
+          </a:fillRef>
+          <a:effectRef idx="3">
+            <a:schemeClr val="accent5"/>
+          </a:effectRef>
+          <a:fontRef idx="minor">
+            <a:schemeClr val="lt1"/>
+          </a:fontRef>
+        </p:style>
+        <p:txBody>
+          <a:bodyPr rtlCol="0" anchor="ctr"/>
+          <a:lstStyle/>
+          <a:p>
+            <a:pPr algn="ctr"/>
+            <a:r>
+              <a:rPr lang="en-IN" sz="800" dirty="0">
+                <a:solidFill>
+                  <a:schemeClr val="bg2"/>
+                </a:solidFill>
+                <a:latin typeface="Courier New" panose="02070309020205020404" pitchFamily="49" charset="0"/>
+                <a:ea typeface="Calibri Light" panose="020F0302020204030204" pitchFamily="34" charset="0"/>
+                <a:cs typeface="Courier New" panose="02070309020205020404" pitchFamily="49" charset="0"/>
+              </a:rPr>
+              <a:t>RZWorldRenderer::drawFrame(RZWorld*)</a:t>
+            </a:r>
+          </a:p>
+        </p:txBody>
+      </p:sp>
+      <p:cxnSp>
+        <p:nvCxnSpPr>
+          <p:cNvPr id="38" name="Straight Arrow Connector 37">
+            <a:extLst>
+              <a:ext uri="{FF2B5EF4-FFF2-40B4-BE49-F238E27FC236}">
+                <a16:creationId xmlns:a16="http://schemas.microsoft.com/office/drawing/2014/main" id="{3A4753C7-5E6F-2B85-8EF3-CD6FA0AA9754}"/>
+              </a:ext>
+            </a:extLst>
+          </p:cNvPr>
+          <p:cNvCxnSpPr>
+            <a:stCxn id="22" idx="2"/>
+          </p:cNvCxnSpPr>
+          <p:nvPr/>
+        </p:nvCxnSpPr>
+        <p:spPr>
+          <a:xfrm>
+            <a:off x="2252346" y="3675999"/>
+            <a:ext cx="0" cy="237467"/>
+          </a:xfrm>
+          <a:prstGeom prst="straightConnector1">
+            <a:avLst/>
+          </a:prstGeom>
+          <a:ln>
+            <a:tailEnd type="triangle"/>
+          </a:ln>
+        </p:spPr>
+        <p:style>
+          <a:lnRef idx="1">
+            <a:schemeClr val="dk1"/>
+          </a:lnRef>
+          <a:fillRef idx="0">
+            <a:schemeClr val="dk1"/>
+          </a:fillRef>
+          <a:effectRef idx="0">
+            <a:schemeClr val="dk1"/>
+          </a:effectRef>
+          <a:fontRef idx="minor">
+            <a:schemeClr val="tx1"/>
+          </a:fontRef>
+        </p:style>
+      </p:cxnSp>
+      <p:sp>
+        <p:nvSpPr>
+          <p:cNvPr id="42" name="Rectangle 41">
+            <a:extLst>
+              <a:ext uri="{FF2B5EF4-FFF2-40B4-BE49-F238E27FC236}">
+                <a16:creationId xmlns:a16="http://schemas.microsoft.com/office/drawing/2014/main" id="{9A285642-3633-A28B-DEE7-BB51BEF9DBBC}"/>
+              </a:ext>
+            </a:extLst>
+          </p:cNvPr>
+          <p:cNvSpPr/>
+          <p:nvPr/>
+        </p:nvSpPr>
+        <p:spPr>
+          <a:xfrm>
+            <a:off x="469908" y="4932664"/>
+            <a:ext cx="3525238" cy="163329"/>
+          </a:xfrm>
+          <a:prstGeom prst="rect">
+            <a:avLst/>
+          </a:prstGeom>
+        </p:spPr>
+        <p:style>
+          <a:lnRef idx="0">
+            <a:schemeClr val="accent5"/>
+          </a:lnRef>
+          <a:fillRef idx="3">
+            <a:schemeClr val="accent5"/>
+          </a:fillRef>
+          <a:effectRef idx="3">
+            <a:schemeClr val="accent5"/>
+          </a:effectRef>
+          <a:fontRef idx="minor">
+            <a:schemeClr val="lt1"/>
+          </a:fontRef>
+        </p:style>
+        <p:txBody>
+          <a:bodyPr rtlCol="0" anchor="ctr"/>
+          <a:lstStyle/>
+          <a:p>
+            <a:pPr algn="ctr"/>
+            <a:r>
+              <a:rPr lang="en-US" sz="800" dirty="0">
+                <a:solidFill>
+                  <a:schemeClr val="bg2"/>
+                </a:solidFill>
+                <a:latin typeface="Courier New" panose="02070309020205020404" pitchFamily="49" charset="0"/>
+                <a:ea typeface="Calibri Light" panose="020F0302020204030204" pitchFamily="34" charset="0"/>
+                <a:cs typeface="Courier New" panose="02070309020205020404" pitchFamily="49" charset="0"/>
+              </a:rPr>
+              <a:t>Pompeius::buildDrawables(RZWorld::meshes/decals)</a:t>
+            </a:r>
+            <a:endParaRPr lang="en-IN" sz="800" dirty="0">
+              <a:solidFill>
+                <a:schemeClr val="bg2"/>
+              </a:solidFill>
+              <a:latin typeface="Courier New" panose="02070309020205020404" pitchFamily="49" charset="0"/>
+              <a:ea typeface="Calibri Light" panose="020F0302020204030204" pitchFamily="34" charset="0"/>
+              <a:cs typeface="Courier New" panose="02070309020205020404" pitchFamily="49" charset="0"/>
+            </a:endParaRPr>
+          </a:p>
+        </p:txBody>
+      </p:sp>
+      <p:sp>
+        <p:nvSpPr>
+          <p:cNvPr id="53" name="TextBox 52">
+            <a:extLst>
+              <a:ext uri="{FF2B5EF4-FFF2-40B4-BE49-F238E27FC236}">
+                <a16:creationId xmlns:a16="http://schemas.microsoft.com/office/drawing/2014/main" id="{09D284BD-58EA-1076-F12B-389B25376835}"/>
+              </a:ext>
+            </a:extLst>
+          </p:cNvPr>
+          <p:cNvSpPr txBox="1"/>
+          <p:nvPr/>
+        </p:nvSpPr>
+        <p:spPr>
+          <a:xfrm>
+            <a:off x="469908" y="5101843"/>
+            <a:ext cx="3525238" cy="338554"/>
+          </a:xfrm>
+          <a:prstGeom prst="rect">
+            <a:avLst/>
+          </a:prstGeom>
+          <a:noFill/>
+        </p:spPr>
+        <p:txBody>
+          <a:bodyPr wrap="square">
+            <a:spAutoFit/>
+          </a:bodyPr>
+          <a:lstStyle/>
+          <a:p>
+            <a:r>
+              <a:rPr lang="en-US" sz="800" dirty="0">
+                <a:solidFill>
+                  <a:schemeClr val="bg2"/>
+                </a:solidFill>
+                <a:latin typeface="Calibri Light" panose="020F0302020204030204" pitchFamily="34" charset="0"/>
+                <a:ea typeface="Calibri Light" panose="020F0302020204030204" pitchFamily="34" charset="0"/>
+                <a:cs typeface="Calibri Light" panose="020F0302020204030204" pitchFamily="34" charset="0"/>
+              </a:rPr>
+              <a:t>Create a function that will extract drawables from the meshes and cull them, create the final set of visible drawables.</a:t>
+            </a:r>
+            <a:endParaRPr lang="en-IN" sz="800" dirty="0">
+              <a:solidFill>
+                <a:schemeClr val="bg2"/>
+              </a:solidFill>
+              <a:latin typeface="Calibri Light" panose="020F0302020204030204" pitchFamily="34" charset="0"/>
+              <a:ea typeface="Calibri Light" panose="020F0302020204030204" pitchFamily="34" charset="0"/>
+              <a:cs typeface="Calibri Light" panose="020F0302020204030204" pitchFamily="34" charset="0"/>
+            </a:endParaRPr>
+          </a:p>
+        </p:txBody>
+      </p:sp>
+      <p:sp>
+        <p:nvSpPr>
+          <p:cNvPr id="54" name="Rectangle 53">
+            <a:extLst>
+              <a:ext uri="{FF2B5EF4-FFF2-40B4-BE49-F238E27FC236}">
+                <a16:creationId xmlns:a16="http://schemas.microsoft.com/office/drawing/2014/main" id="{0F15C5E2-E17E-EB68-AC2E-8378CAD251C6}"/>
+              </a:ext>
+            </a:extLst>
+          </p:cNvPr>
+          <p:cNvSpPr/>
+          <p:nvPr/>
+        </p:nvSpPr>
+        <p:spPr>
+          <a:xfrm>
+            <a:off x="469908" y="5638784"/>
+            <a:ext cx="3525238" cy="163329"/>
+          </a:xfrm>
+          <a:prstGeom prst="rect">
+            <a:avLst/>
+          </a:prstGeom>
+        </p:spPr>
+        <p:style>
+          <a:lnRef idx="0">
+            <a:schemeClr val="accent5"/>
+          </a:lnRef>
+          <a:fillRef idx="3">
+            <a:schemeClr val="accent5"/>
+          </a:fillRef>
+          <a:effectRef idx="3">
+            <a:schemeClr val="accent5"/>
+          </a:effectRef>
+          <a:fontRef idx="minor">
+            <a:schemeClr val="lt1"/>
+          </a:fontRef>
+        </p:style>
+        <p:txBody>
+          <a:bodyPr rtlCol="0" anchor="ctr"/>
+          <a:lstStyle/>
+          <a:p>
+            <a:pPr algn="ctr"/>
+            <a:r>
+              <a:rPr lang="en-US" sz="800" dirty="0">
+                <a:solidFill>
+                  <a:schemeClr val="bg2"/>
+                </a:solidFill>
+                <a:latin typeface="Courier New" panose="02070309020205020404" pitchFamily="49" charset="0"/>
+                <a:ea typeface="Calibri Light" panose="020F0302020204030204" pitchFamily="34" charset="0"/>
+                <a:cs typeface="Courier New" panose="02070309020205020404" pitchFamily="49" charset="0"/>
+              </a:rPr>
+              <a:t>Pompeius::buildBatches(Drawables*) </a:t>
+            </a:r>
+            <a:endParaRPr lang="en-IN" sz="800" dirty="0">
+              <a:solidFill>
+                <a:schemeClr val="bg2"/>
+              </a:solidFill>
+              <a:latin typeface="Courier New" panose="02070309020205020404" pitchFamily="49" charset="0"/>
+              <a:ea typeface="Calibri Light" panose="020F0302020204030204" pitchFamily="34" charset="0"/>
+              <a:cs typeface="Courier New" panose="02070309020205020404" pitchFamily="49" charset="0"/>
+            </a:endParaRPr>
+          </a:p>
+        </p:txBody>
+      </p:sp>
+      <p:sp>
+        <p:nvSpPr>
+          <p:cNvPr id="55" name="TextBox 54">
+            <a:extLst>
+              <a:ext uri="{FF2B5EF4-FFF2-40B4-BE49-F238E27FC236}">
+                <a16:creationId xmlns:a16="http://schemas.microsoft.com/office/drawing/2014/main" id="{C7B2B5B8-554F-58D7-3574-96AE1B882626}"/>
+              </a:ext>
+            </a:extLst>
+          </p:cNvPr>
+          <p:cNvSpPr txBox="1"/>
+          <p:nvPr/>
+        </p:nvSpPr>
+        <p:spPr>
+          <a:xfrm>
+            <a:off x="469908" y="5802044"/>
+            <a:ext cx="3525238" cy="338554"/>
+          </a:xfrm>
+          <a:prstGeom prst="rect">
+            <a:avLst/>
+          </a:prstGeom>
+          <a:noFill/>
+        </p:spPr>
+        <p:txBody>
+          <a:bodyPr wrap="square">
+            <a:spAutoFit/>
+          </a:bodyPr>
+          <a:lstStyle/>
+          <a:p>
+            <a:r>
+              <a:rPr lang="en-US" sz="800" dirty="0">
+                <a:solidFill>
+                  <a:schemeClr val="bg2"/>
+                </a:solidFill>
+                <a:latin typeface="Calibri Light" panose="020F0302020204030204" pitchFamily="34" charset="0"/>
+                <a:ea typeface="Calibri Light" panose="020F0302020204030204" pitchFamily="34" charset="0"/>
+                <a:cs typeface="Calibri Light" panose="020F0302020204030204" pitchFamily="34" charset="0"/>
+              </a:rPr>
+              <a:t>Create a function that will batch the drawables based on materials and create a common PSO per pass. Materials are converted to PSOs (cache PSOs on build).</a:t>
+            </a:r>
+            <a:endParaRPr lang="en-IN" sz="800" dirty="0">
+              <a:solidFill>
+                <a:schemeClr val="bg2"/>
+              </a:solidFill>
+              <a:latin typeface="Calibri Light" panose="020F0302020204030204" pitchFamily="34" charset="0"/>
+              <a:ea typeface="Calibri Light" panose="020F0302020204030204" pitchFamily="34" charset="0"/>
+              <a:cs typeface="Calibri Light" panose="020F0302020204030204" pitchFamily="34" charset="0"/>
+            </a:endParaRPr>
+          </a:p>
+        </p:txBody>
+      </p:sp>
+      <p:sp>
+        <p:nvSpPr>
+          <p:cNvPr id="56" name="Rectangle 55">
+            <a:extLst>
+              <a:ext uri="{FF2B5EF4-FFF2-40B4-BE49-F238E27FC236}">
+                <a16:creationId xmlns:a16="http://schemas.microsoft.com/office/drawing/2014/main" id="{5E397EE4-FE42-D695-EB43-7E61B20AC250}"/>
+              </a:ext>
+            </a:extLst>
+          </p:cNvPr>
+          <p:cNvSpPr/>
+          <p:nvPr/>
+        </p:nvSpPr>
+        <p:spPr>
+          <a:xfrm>
+            <a:off x="469908" y="6254004"/>
+            <a:ext cx="3525238" cy="163329"/>
+          </a:xfrm>
+          <a:prstGeom prst="rect">
+            <a:avLst/>
+          </a:prstGeom>
+        </p:spPr>
+        <p:style>
+          <a:lnRef idx="0">
+            <a:schemeClr val="accent5"/>
+          </a:lnRef>
+          <a:fillRef idx="3">
+            <a:schemeClr val="accent5"/>
+          </a:fillRef>
+          <a:effectRef idx="3">
+            <a:schemeClr val="accent5"/>
+          </a:effectRef>
+          <a:fontRef idx="minor">
+            <a:schemeClr val="lt1"/>
+          </a:fontRef>
+        </p:style>
+        <p:txBody>
+          <a:bodyPr rtlCol="0" anchor="ctr"/>
+          <a:lstStyle/>
+          <a:p>
+            <a:pPr algn="ctr"/>
+            <a:r>
+              <a:rPr lang="en-US" sz="800" dirty="0">
+                <a:solidFill>
+                  <a:schemeClr val="bg2"/>
+                </a:solidFill>
+                <a:latin typeface="Courier New" panose="02070309020205020404" pitchFamily="49" charset="0"/>
+                <a:ea typeface="Calibri Light" panose="020F0302020204030204" pitchFamily="34" charset="0"/>
+                <a:cs typeface="Courier New" panose="02070309020205020404" pitchFamily="49" charset="0"/>
+              </a:rPr>
+              <a:t>RZWorldRenderer::FrameGraph::execute ()</a:t>
+            </a:r>
+            <a:endParaRPr lang="en-IN" sz="800" dirty="0">
+              <a:solidFill>
+                <a:schemeClr val="bg2"/>
+              </a:solidFill>
+              <a:latin typeface="Courier New" panose="02070309020205020404" pitchFamily="49" charset="0"/>
+              <a:ea typeface="Calibri Light" panose="020F0302020204030204" pitchFamily="34" charset="0"/>
+              <a:cs typeface="Courier New" panose="02070309020205020404" pitchFamily="49" charset="0"/>
+            </a:endParaRPr>
+          </a:p>
+        </p:txBody>
+      </p:sp>
+      <p:sp>
+        <p:nvSpPr>
+          <p:cNvPr id="57" name="TextBox 56">
+            <a:extLst>
+              <a:ext uri="{FF2B5EF4-FFF2-40B4-BE49-F238E27FC236}">
+                <a16:creationId xmlns:a16="http://schemas.microsoft.com/office/drawing/2014/main" id="{FC8A0A92-7220-3DB9-33D5-E9DB6F89CB54}"/>
+              </a:ext>
+            </a:extLst>
+          </p:cNvPr>
+          <p:cNvSpPr txBox="1"/>
+          <p:nvPr/>
+        </p:nvSpPr>
+        <p:spPr>
+          <a:xfrm>
+            <a:off x="458768" y="6417195"/>
+            <a:ext cx="3525238" cy="338554"/>
+          </a:xfrm>
+          <a:prstGeom prst="rect">
+            <a:avLst/>
+          </a:prstGeom>
+          <a:noFill/>
+        </p:spPr>
+        <p:txBody>
+          <a:bodyPr wrap="square">
+            <a:spAutoFit/>
+          </a:bodyPr>
+          <a:lstStyle/>
+          <a:p>
+            <a:r>
+              <a:rPr lang="en-US" sz="800" dirty="0">
+                <a:solidFill>
+                  <a:schemeClr val="bg2"/>
+                </a:solidFill>
+                <a:latin typeface="Calibri Light" panose="020F0302020204030204" pitchFamily="34" charset="0"/>
+                <a:ea typeface="Calibri Light" panose="020F0302020204030204" pitchFamily="34" charset="0"/>
+                <a:cs typeface="Calibri Light" panose="020F0302020204030204" pitchFamily="34" charset="0"/>
+              </a:rPr>
+              <a:t>Every pass will call RZScene::drawScene. This function will take the batches </a:t>
+            </a:r>
+          </a:p>
+          <a:p>
+            <a:r>
+              <a:rPr lang="en-US" sz="800" dirty="0">
+                <a:solidFill>
+                  <a:schemeClr val="bg2"/>
+                </a:solidFill>
+                <a:latin typeface="Calibri Light" panose="020F0302020204030204" pitchFamily="34" charset="0"/>
+                <a:ea typeface="Calibri Light" panose="020F0302020204030204" pitchFamily="34" charset="0"/>
+                <a:cs typeface="Calibri Light" panose="020F0302020204030204" pitchFamily="34" charset="0"/>
+              </a:rPr>
+              <a:t>one-by-one and render them.</a:t>
+            </a:r>
+            <a:endParaRPr lang="en-IN" sz="800" dirty="0">
+              <a:solidFill>
+                <a:schemeClr val="bg2"/>
+              </a:solidFill>
+              <a:latin typeface="Calibri Light" panose="020F0302020204030204" pitchFamily="34" charset="0"/>
+              <a:ea typeface="Calibri Light" panose="020F0302020204030204" pitchFamily="34" charset="0"/>
+              <a:cs typeface="Calibri Light" panose="020F0302020204030204" pitchFamily="34" charset="0"/>
+            </a:endParaRPr>
+          </a:p>
+        </p:txBody>
+      </p:sp>
+      <p:sp>
+        <p:nvSpPr>
+          <p:cNvPr id="58" name="Rectangle 57">
+            <a:extLst>
+              <a:ext uri="{FF2B5EF4-FFF2-40B4-BE49-F238E27FC236}">
+                <a16:creationId xmlns:a16="http://schemas.microsoft.com/office/drawing/2014/main" id="{4FC8D4F4-CE5D-D5E0-23C3-14A76F449194}"/>
+              </a:ext>
+            </a:extLst>
+          </p:cNvPr>
+          <p:cNvSpPr/>
+          <p:nvPr/>
+        </p:nvSpPr>
+        <p:spPr>
+          <a:xfrm>
+            <a:off x="4462272" y="1254918"/>
+            <a:ext cx="2627407" cy="338555"/>
+          </a:xfrm>
+          <a:prstGeom prst="rect">
+            <a:avLst/>
+          </a:prstGeom>
+        </p:spPr>
+        <p:style>
+          <a:lnRef idx="0">
+            <a:schemeClr val="accent4"/>
+          </a:lnRef>
+          <a:fillRef idx="3">
+            <a:schemeClr val="accent4"/>
+          </a:fillRef>
+          <a:effectRef idx="3">
+            <a:schemeClr val="accent4"/>
+          </a:effectRef>
+          <a:fontRef idx="minor">
+            <a:schemeClr val="lt1"/>
+          </a:fontRef>
+        </p:style>
+        <p:txBody>
+          <a:bodyPr rtlCol="0" anchor="ctr"/>
+          <a:lstStyle/>
+          <a:p>
+            <a:pPr algn="ctr"/>
+            <a:r>
+              <a:rPr lang="en-US" sz="1200" dirty="0">
+                <a:solidFill>
+                  <a:schemeClr val="tx1"/>
+                </a:solidFill>
+                <a:latin typeface="Courier New" panose="02070309020205020404" pitchFamily="49" charset="0"/>
+                <a:ea typeface="Calibri" panose="020F0502020204030204" pitchFamily="34" charset="0"/>
+                <a:cs typeface="Courier New" panose="02070309020205020404" pitchFamily="49" charset="0"/>
+              </a:rPr>
+              <a:t>RZScene::drawScene(Batch*)</a:t>
+            </a:r>
+          </a:p>
+        </p:txBody>
+      </p:sp>
+      <p:sp>
+        <p:nvSpPr>
+          <p:cNvPr id="60" name="Rectangle 59">
+            <a:extLst>
+              <a:ext uri="{FF2B5EF4-FFF2-40B4-BE49-F238E27FC236}">
+                <a16:creationId xmlns:a16="http://schemas.microsoft.com/office/drawing/2014/main" id="{9151DD5B-0EAE-A163-BEDD-8213B10A64F4}"/>
+              </a:ext>
+            </a:extLst>
+          </p:cNvPr>
+          <p:cNvSpPr/>
+          <p:nvPr/>
+        </p:nvSpPr>
+        <p:spPr>
+          <a:xfrm>
+            <a:off x="4648200" y="1786688"/>
+            <a:ext cx="670560" cy="219456"/>
+          </a:xfrm>
+          <a:prstGeom prst="rect">
+            <a:avLst/>
+          </a:prstGeom>
+        </p:spPr>
+        <p:style>
+          <a:lnRef idx="0">
+            <a:schemeClr val="accent3"/>
+          </a:lnRef>
+          <a:fillRef idx="3">
+            <a:schemeClr val="accent3"/>
+          </a:fillRef>
+          <a:effectRef idx="3">
+            <a:schemeClr val="accent3"/>
+          </a:effectRef>
+          <a:fontRef idx="minor">
+            <a:schemeClr val="lt1"/>
+          </a:fontRef>
+        </p:style>
+        <p:txBody>
+          <a:bodyPr rtlCol="0" anchor="ctr"/>
+          <a:lstStyle/>
+          <a:p>
+            <a:pPr algn="ctr"/>
+            <a:r>
+              <a:rPr lang="en-US" sz="1200" dirty="0">
+                <a:solidFill>
+                  <a:schemeClr val="tx1"/>
+                </a:solidFill>
+                <a:latin typeface="Calibri Light" panose="020F0302020204030204" pitchFamily="34" charset="0"/>
+                <a:ea typeface="Calibri Light" panose="020F0302020204030204" pitchFamily="34" charset="0"/>
+                <a:cs typeface="Calibri Light" panose="020F0302020204030204" pitchFamily="34" charset="0"/>
+              </a:rPr>
+              <a:t>Batch*</a:t>
+            </a:r>
+            <a:endParaRPr lang="en-IN" sz="1200" dirty="0">
+              <a:solidFill>
+                <a:schemeClr val="tx1"/>
+              </a:solidFill>
+              <a:latin typeface="Calibri Light" panose="020F0302020204030204" pitchFamily="34" charset="0"/>
+              <a:ea typeface="Calibri Light" panose="020F0302020204030204" pitchFamily="34" charset="0"/>
+              <a:cs typeface="Calibri Light" panose="020F0302020204030204" pitchFamily="34" charset="0"/>
+            </a:endParaRPr>
+          </a:p>
+        </p:txBody>
+      </p:sp>
+      <p:sp>
+        <p:nvSpPr>
+          <p:cNvPr id="61" name="Rectangle 60">
+            <a:extLst>
+              <a:ext uri="{FF2B5EF4-FFF2-40B4-BE49-F238E27FC236}">
+                <a16:creationId xmlns:a16="http://schemas.microsoft.com/office/drawing/2014/main" id="{C70BE305-59F8-9138-5A18-E8782F4B5607}"/>
+              </a:ext>
+            </a:extLst>
+          </p:cNvPr>
+          <p:cNvSpPr/>
+          <p:nvPr/>
+        </p:nvSpPr>
+        <p:spPr>
+          <a:xfrm>
+            <a:off x="5924550" y="1712572"/>
+            <a:ext cx="896283" cy="367688"/>
+          </a:xfrm>
+          <a:prstGeom prst="rect">
+            <a:avLst/>
+          </a:prstGeom>
+        </p:spPr>
+        <p:style>
+          <a:lnRef idx="0">
+            <a:schemeClr val="accent3"/>
+          </a:lnRef>
+          <a:fillRef idx="3">
+            <a:schemeClr val="accent3"/>
+          </a:fillRef>
+          <a:effectRef idx="3">
+            <a:schemeClr val="accent3"/>
+          </a:effectRef>
+          <a:fontRef idx="minor">
+            <a:schemeClr val="lt1"/>
+          </a:fontRef>
+        </p:style>
+        <p:txBody>
+          <a:bodyPr rtlCol="0" anchor="ctr"/>
+          <a:lstStyle/>
+          <a:p>
+            <a:pPr algn="ctr"/>
+            <a:r>
+              <a:rPr lang="en-US" sz="1200" dirty="0">
+                <a:solidFill>
+                  <a:schemeClr val="tx1"/>
+                </a:solidFill>
+                <a:latin typeface="Calibri Light" panose="020F0302020204030204" pitchFamily="34" charset="0"/>
+                <a:ea typeface="Calibri Light" panose="020F0302020204030204" pitchFamily="34" charset="0"/>
+                <a:cs typeface="Calibri Light" panose="020F0302020204030204" pitchFamily="34" charset="0"/>
+              </a:rPr>
+              <a:t>Extract</a:t>
+            </a:r>
+          </a:p>
+          <a:p>
+            <a:pPr algn="ctr"/>
+            <a:r>
+              <a:rPr lang="en-US" sz="1200" dirty="0">
+                <a:solidFill>
+                  <a:srgbClr val="C00000"/>
+                </a:solidFill>
+                <a:latin typeface="Calibri Light" panose="020F0302020204030204" pitchFamily="34" charset="0"/>
+                <a:ea typeface="Calibri Light" panose="020F0302020204030204" pitchFamily="34" charset="0"/>
+                <a:cs typeface="Calibri Light" panose="020F0302020204030204" pitchFamily="34" charset="0"/>
+              </a:rPr>
+              <a:t>DrawData</a:t>
+            </a:r>
+            <a:endParaRPr lang="en-IN" sz="1200" dirty="0">
+              <a:solidFill>
+                <a:srgbClr val="C00000"/>
+              </a:solidFill>
+              <a:latin typeface="Calibri Light" panose="020F0302020204030204" pitchFamily="34" charset="0"/>
+              <a:ea typeface="Calibri Light" panose="020F0302020204030204" pitchFamily="34" charset="0"/>
+              <a:cs typeface="Calibri Light" panose="020F0302020204030204" pitchFamily="34" charset="0"/>
+            </a:endParaRPr>
+          </a:p>
+        </p:txBody>
+      </p:sp>
+      <p:cxnSp>
+        <p:nvCxnSpPr>
+          <p:cNvPr id="63" name="Straight Arrow Connector 62">
+            <a:extLst>
+              <a:ext uri="{FF2B5EF4-FFF2-40B4-BE49-F238E27FC236}">
+                <a16:creationId xmlns:a16="http://schemas.microsoft.com/office/drawing/2014/main" id="{5D6010E8-6514-EB39-BC7F-5E97F49F9888}"/>
+              </a:ext>
+            </a:extLst>
+          </p:cNvPr>
+          <p:cNvCxnSpPr>
+            <a:cxnSpLocks/>
+            <a:stCxn id="60" idx="3"/>
+            <a:endCxn id="61" idx="1"/>
+          </p:cNvCxnSpPr>
+          <p:nvPr/>
+        </p:nvCxnSpPr>
+        <p:spPr>
+          <a:xfrm>
+            <a:off x="5318760" y="1896416"/>
+            <a:ext cx="605790" cy="0"/>
+          </a:xfrm>
+          <a:prstGeom prst="straightConnector1">
+            <a:avLst/>
+          </a:prstGeom>
+          <a:ln>
+            <a:tailEnd type="triangle"/>
+          </a:ln>
+        </p:spPr>
+        <p:style>
+          <a:lnRef idx="1">
+            <a:schemeClr val="dk1"/>
+          </a:lnRef>
+          <a:fillRef idx="0">
+            <a:schemeClr val="dk1"/>
+          </a:fillRef>
+          <a:effectRef idx="0">
+            <a:schemeClr val="dk1"/>
+          </a:effectRef>
+          <a:fontRef idx="minor">
+            <a:schemeClr val="tx1"/>
+          </a:fontRef>
+        </p:style>
+      </p:cxnSp>
+      <p:sp>
+        <p:nvSpPr>
+          <p:cNvPr id="66" name="Rectangle 65">
+            <a:extLst>
+              <a:ext uri="{FF2B5EF4-FFF2-40B4-BE49-F238E27FC236}">
+                <a16:creationId xmlns:a16="http://schemas.microsoft.com/office/drawing/2014/main" id="{256E0B4F-5331-B589-9FA2-2FE6D62172CA}"/>
+              </a:ext>
+            </a:extLst>
+          </p:cNvPr>
+          <p:cNvSpPr/>
+          <p:nvPr/>
+        </p:nvSpPr>
+        <p:spPr>
+          <a:xfrm>
+            <a:off x="4718699" y="2638759"/>
+            <a:ext cx="2114550" cy="367687"/>
+          </a:xfrm>
+          <a:prstGeom prst="rect">
+            <a:avLst/>
+          </a:prstGeom>
+        </p:spPr>
+        <p:style>
+          <a:lnRef idx="0">
+            <a:schemeClr val="accent6"/>
+          </a:lnRef>
+          <a:fillRef idx="3">
+            <a:schemeClr val="accent6"/>
+          </a:fillRef>
+          <a:effectRef idx="3">
+            <a:schemeClr val="accent6"/>
+          </a:effectRef>
+          <a:fontRef idx="minor">
+            <a:schemeClr val="lt1"/>
+          </a:fontRef>
+        </p:style>
+        <p:txBody>
+          <a:bodyPr rtlCol="0" anchor="ctr"/>
+          <a:lstStyle/>
+          <a:p>
+            <a:pPr algn="ctr"/>
+            <a:r>
+              <a:rPr lang="en-US" sz="1000" b="1" dirty="0">
+                <a:solidFill>
+                  <a:schemeClr val="tx1"/>
+                </a:solidFill>
+                <a:latin typeface="Courier New" panose="02070309020205020404" pitchFamily="49" charset="0"/>
+                <a:cs typeface="Courier New" panose="02070309020205020404" pitchFamily="49" charset="0"/>
+              </a:rPr>
+              <a:t>RHI::</a:t>
+            </a:r>
+            <a:r>
+              <a:rPr lang="en-US" sz="1000" b="1" dirty="0" err="1">
+                <a:solidFill>
+                  <a:schemeClr val="tx1"/>
+                </a:solidFill>
+                <a:latin typeface="Courier New" panose="02070309020205020404" pitchFamily="49" charset="0"/>
+                <a:cs typeface="Courier New" panose="02070309020205020404" pitchFamily="49" charset="0"/>
+              </a:rPr>
+              <a:t>renderBatch</a:t>
+            </a:r>
+            <a:r>
+              <a:rPr lang="en-US" sz="1000" b="1" dirty="0">
+                <a:solidFill>
+                  <a:schemeClr val="tx1"/>
+                </a:solidFill>
+                <a:latin typeface="Courier New" panose="02070309020205020404" pitchFamily="49" charset="0"/>
+                <a:cs typeface="Courier New" panose="02070309020205020404" pitchFamily="49" charset="0"/>
+              </a:rPr>
+              <a:t>(Batch*, </a:t>
+            </a:r>
+            <a:r>
+              <a:rPr lang="en-US" sz="1000" b="1" dirty="0" err="1">
+                <a:solidFill>
+                  <a:schemeClr val="tx1"/>
+                </a:solidFill>
+                <a:latin typeface="Courier New" panose="02070309020205020404" pitchFamily="49" charset="0"/>
+                <a:cs typeface="Courier New" panose="02070309020205020404" pitchFamily="49" charset="0"/>
+              </a:rPr>
+              <a:t>BindlessDrawData</a:t>
+            </a:r>
+            <a:r>
+              <a:rPr lang="en-US" sz="1000" b="1" dirty="0">
+                <a:solidFill>
+                  <a:schemeClr val="tx1"/>
+                </a:solidFill>
+                <a:latin typeface="Courier New" panose="02070309020205020404" pitchFamily="49" charset="0"/>
+                <a:cs typeface="Courier New" panose="02070309020205020404" pitchFamily="49" charset="0"/>
+              </a:rPr>
+              <a:t>*)</a:t>
+            </a:r>
+            <a:endParaRPr lang="en-IN" sz="1000" b="1" dirty="0">
+              <a:solidFill>
+                <a:schemeClr val="tx1"/>
+              </a:solidFill>
+              <a:latin typeface="Courier New" panose="02070309020205020404" pitchFamily="49" charset="0"/>
+              <a:cs typeface="Courier New" panose="02070309020205020404" pitchFamily="49" charset="0"/>
+            </a:endParaRPr>
+          </a:p>
+        </p:txBody>
+      </p:sp>
+      <p:cxnSp>
+        <p:nvCxnSpPr>
+          <p:cNvPr id="68" name="Connector: Elbow 67">
+            <a:extLst>
+              <a:ext uri="{FF2B5EF4-FFF2-40B4-BE49-F238E27FC236}">
+                <a16:creationId xmlns:a16="http://schemas.microsoft.com/office/drawing/2014/main" id="{0211CCA9-7BF4-9F13-58E7-5A2B43AD8233}"/>
+              </a:ext>
+            </a:extLst>
+          </p:cNvPr>
+          <p:cNvCxnSpPr>
+            <a:stCxn id="61" idx="2"/>
+            <a:endCxn id="66" idx="0"/>
+          </p:cNvCxnSpPr>
+          <p:nvPr/>
+        </p:nvCxnSpPr>
+        <p:spPr>
+          <a:xfrm rot="5400000">
+            <a:off x="5795084" y="2061150"/>
+            <a:ext cx="558499" cy="596718"/>
+          </a:xfrm>
+          <a:prstGeom prst="bentConnector3">
+            <a:avLst/>
+          </a:prstGeom>
+          <a:ln>
+            <a:tailEnd type="triangle"/>
+          </a:ln>
+        </p:spPr>
+        <p:style>
+          <a:lnRef idx="1">
+            <a:schemeClr val="dk1"/>
+          </a:lnRef>
+          <a:fillRef idx="0">
+            <a:schemeClr val="dk1"/>
+          </a:fillRef>
+          <a:effectRef idx="0">
+            <a:schemeClr val="dk1"/>
+          </a:effectRef>
+          <a:fontRef idx="minor">
+            <a:schemeClr val="tx1"/>
+          </a:fontRef>
+        </p:style>
+      </p:cxnSp>
+      <p:sp>
+        <p:nvSpPr>
+          <p:cNvPr id="71" name="TextBox 70">
+            <a:extLst>
+              <a:ext uri="{FF2B5EF4-FFF2-40B4-BE49-F238E27FC236}">
+                <a16:creationId xmlns:a16="http://schemas.microsoft.com/office/drawing/2014/main" id="{84D015B7-76B5-97A3-2EF1-9C07C07E7FA6}"/>
+              </a:ext>
+            </a:extLst>
+          </p:cNvPr>
+          <p:cNvSpPr txBox="1"/>
+          <p:nvPr/>
+        </p:nvSpPr>
+        <p:spPr>
+          <a:xfrm>
+            <a:off x="3789649" y="3229275"/>
+            <a:ext cx="4597431" cy="830997"/>
+          </a:xfrm>
+          <a:prstGeom prst="rect">
+            <a:avLst/>
+          </a:prstGeom>
+        </p:spPr>
+        <p:style>
+          <a:lnRef idx="0">
+            <a:schemeClr val="accent3"/>
+          </a:lnRef>
+          <a:fillRef idx="3">
+            <a:schemeClr val="accent3"/>
+          </a:fillRef>
+          <a:effectRef idx="3">
+            <a:schemeClr val="accent3"/>
+          </a:effectRef>
+          <a:fontRef idx="minor">
+            <a:schemeClr val="lt1"/>
+          </a:fontRef>
+        </p:style>
+        <p:txBody>
+          <a:bodyPr wrap="square">
+            <a:spAutoFit/>
+          </a:bodyPr>
+          <a:lstStyle/>
+          <a:p>
+            <a:r>
+              <a:rPr lang="en-US" sz="1200" dirty="0">
+                <a:solidFill>
+                  <a:schemeClr val="tx1"/>
+                </a:solidFill>
+                <a:latin typeface="Calibri Light" panose="020F0302020204030204" pitchFamily="34" charset="0"/>
+                <a:ea typeface="Calibri Light" panose="020F0302020204030204" pitchFamily="34" charset="0"/>
+                <a:cs typeface="Calibri Light" panose="020F0302020204030204" pitchFamily="34" charset="0"/>
+              </a:rPr>
+              <a:t>DrawData is something that is passed to the shaders, for </a:t>
+            </a:r>
+            <a:r>
+              <a:rPr lang="en-US" sz="1200" b="1" dirty="0">
+                <a:solidFill>
+                  <a:schemeClr val="tx1"/>
+                </a:solidFill>
+                <a:latin typeface="Calibri Light" panose="020F0302020204030204" pitchFamily="34" charset="0"/>
+                <a:ea typeface="Calibri Light" panose="020F0302020204030204" pitchFamily="34" charset="0"/>
+                <a:cs typeface="Calibri Light" panose="020F0302020204030204" pitchFamily="34" charset="0"/>
+              </a:rPr>
+              <a:t>Bindless data mechanism</a:t>
+            </a:r>
+            <a:r>
+              <a:rPr lang="en-US" sz="1200" dirty="0">
+                <a:solidFill>
+                  <a:schemeClr val="tx1"/>
+                </a:solidFill>
+                <a:latin typeface="Calibri Light" panose="020F0302020204030204" pitchFamily="34" charset="0"/>
+                <a:ea typeface="Calibri Light" panose="020F0302020204030204" pitchFamily="34" charset="0"/>
+                <a:cs typeface="Calibri Light" panose="020F0302020204030204" pitchFamily="34" charset="0"/>
+              </a:rPr>
+              <a:t>, it's not another kind of data translation DS, like how Drawables were extracted from RZWorld. Think of DrawData as some encoded data that must be passed onto GPU side.</a:t>
+            </a:r>
+            <a:endParaRPr lang="en-IN" sz="1200" dirty="0">
+              <a:solidFill>
+                <a:schemeClr val="tx1"/>
+              </a:solidFill>
+              <a:latin typeface="Calibri Light" panose="020F0302020204030204" pitchFamily="34" charset="0"/>
+              <a:ea typeface="Calibri Light" panose="020F0302020204030204" pitchFamily="34" charset="0"/>
+              <a:cs typeface="Calibri Light" panose="020F0302020204030204" pitchFamily="34" charset="0"/>
+            </a:endParaRPr>
+          </a:p>
+        </p:txBody>
+      </p:sp>
+      <p:sp>
+        <p:nvSpPr>
+          <p:cNvPr id="72" name="Rectangle 71">
+            <a:extLst>
+              <a:ext uri="{FF2B5EF4-FFF2-40B4-BE49-F238E27FC236}">
+                <a16:creationId xmlns:a16="http://schemas.microsoft.com/office/drawing/2014/main" id="{015C5528-CF63-F572-B41F-1934132AFF2E}"/>
+              </a:ext>
+            </a:extLst>
+          </p:cNvPr>
+          <p:cNvSpPr/>
+          <p:nvPr/>
+        </p:nvSpPr>
+        <p:spPr>
+          <a:xfrm>
+            <a:off x="9756935" y="3055423"/>
+            <a:ext cx="2069305" cy="643644"/>
+          </a:xfrm>
+          <a:prstGeom prst="rect">
+            <a:avLst/>
+          </a:prstGeom>
+          <a:ln/>
+        </p:spPr>
+        <p:style>
+          <a:lnRef idx="2">
+            <a:schemeClr val="accent1">
+              <a:shade val="15000"/>
+            </a:schemeClr>
+          </a:lnRef>
+          <a:fillRef idx="1">
+            <a:schemeClr val="accent1"/>
+          </a:fillRef>
+          <a:effectRef idx="0">
+            <a:schemeClr val="accent1"/>
+          </a:effectRef>
+          <a:fontRef idx="minor">
+            <a:schemeClr val="lt1"/>
+          </a:fontRef>
+        </p:style>
+        <p:txBody>
+          <a:bodyPr rtlCol="0" anchor="ctr"/>
+          <a:lstStyle/>
+          <a:p>
+            <a:r>
+              <a:rPr lang="en-US" sz="1200" dirty="0">
+                <a:solidFill>
+                  <a:schemeClr val="tx1"/>
+                </a:solidFill>
+                <a:latin typeface="Calibri Light" panose="020F0302020204030204" pitchFamily="34" charset="0"/>
+                <a:ea typeface="Calibri Light" panose="020F0302020204030204" pitchFamily="34" charset="0"/>
+                <a:cs typeface="Calibri Light" panose="020F0302020204030204" pitchFamily="34" charset="0"/>
+              </a:rPr>
+              <a:t>RZWorld contains the list of Meshes, Decals &amp; Scene Views</a:t>
+            </a:r>
+            <a:endParaRPr lang="en-IN" sz="1200" dirty="0">
+              <a:solidFill>
+                <a:schemeClr val="tx1"/>
+              </a:solidFill>
+              <a:latin typeface="Calibri Light" panose="020F0302020204030204" pitchFamily="34" charset="0"/>
+              <a:ea typeface="Calibri Light" panose="020F0302020204030204" pitchFamily="34" charset="0"/>
+              <a:cs typeface="Calibri Light" panose="020F0302020204030204" pitchFamily="34" charset="0"/>
+            </a:endParaRPr>
+          </a:p>
+        </p:txBody>
+      </p:sp>
+      <p:sp>
+        <p:nvSpPr>
+          <p:cNvPr id="73" name="Rectangle 72">
+            <a:extLst>
+              <a:ext uri="{FF2B5EF4-FFF2-40B4-BE49-F238E27FC236}">
+                <a16:creationId xmlns:a16="http://schemas.microsoft.com/office/drawing/2014/main" id="{4CB32969-0DBE-6902-B02B-042351D48036}"/>
+              </a:ext>
+            </a:extLst>
+          </p:cNvPr>
+          <p:cNvSpPr/>
+          <p:nvPr/>
+        </p:nvSpPr>
+        <p:spPr>
+          <a:xfrm>
+            <a:off x="9756935" y="3819497"/>
+            <a:ext cx="1225887" cy="286512"/>
+          </a:xfrm>
+          <a:prstGeom prst="rect">
+            <a:avLst/>
+          </a:prstGeom>
+          <a:solidFill>
+            <a:srgbClr val="FF143B"/>
+          </a:solidFill>
+          <a:ln w="12700">
+            <a:solidFill>
+              <a:srgbClr val="860000"/>
+            </a:solidFill>
+          </a:ln>
+          <a:effectLst>
+            <a:outerShdw blurRad="63500" sx="102000" sy="102000" algn="ctr" rotWithShape="0">
+              <a:prstClr val="black">
+                <a:alpha val="40000"/>
+              </a:prstClr>
+            </a:outerShdw>
+          </a:effectLst>
+        </p:spPr>
+        <p:style>
+          <a:lnRef idx="2">
+            <a:schemeClr val="accent1">
+              <a:shade val="15000"/>
+            </a:schemeClr>
+          </a:lnRef>
+          <a:fillRef idx="1">
+            <a:schemeClr val="accent1"/>
+          </a:fillRef>
+          <a:effectRef idx="0">
+            <a:schemeClr val="accent1"/>
+          </a:effectRef>
+          <a:fontRef idx="minor">
+            <a:schemeClr val="lt1"/>
+          </a:fontRef>
+        </p:style>
+        <p:txBody>
+          <a:bodyPr rtlCol="0" anchor="ctr"/>
+          <a:lstStyle/>
+          <a:p>
+            <a:pPr algn="ctr"/>
+            <a:r>
+              <a:rPr lang="en-US" b="1" dirty="0"/>
+              <a:t>Drawable</a:t>
+            </a:r>
+            <a:endParaRPr lang="en-IN" b="1" dirty="0"/>
+          </a:p>
+        </p:txBody>
+      </p:sp>
+      <p:sp>
+        <p:nvSpPr>
+          <p:cNvPr id="76" name="Rectangle 75">
+            <a:extLst>
+              <a:ext uri="{FF2B5EF4-FFF2-40B4-BE49-F238E27FC236}">
+                <a16:creationId xmlns:a16="http://schemas.microsoft.com/office/drawing/2014/main" id="{B1C8FB96-D84E-2F3A-A0AB-A2EE4F41CDB1}"/>
+              </a:ext>
+            </a:extLst>
+          </p:cNvPr>
+          <p:cNvSpPr/>
+          <p:nvPr/>
+        </p:nvSpPr>
+        <p:spPr>
+          <a:xfrm>
+            <a:off x="7033275" y="5496417"/>
+            <a:ext cx="824470" cy="286512"/>
+          </a:xfrm>
+          <a:prstGeom prst="rect">
+            <a:avLst/>
+          </a:prstGeom>
+          <a:solidFill>
+            <a:srgbClr val="FF143B"/>
+          </a:solidFill>
+          <a:ln w="12700">
+            <a:solidFill>
+              <a:srgbClr val="860000"/>
+            </a:solidFill>
+          </a:ln>
+          <a:effectLst>
+            <a:outerShdw blurRad="63500" sx="102000" sy="102000" algn="ctr" rotWithShape="0">
+              <a:prstClr val="black">
+                <a:alpha val="40000"/>
+              </a:prstClr>
+            </a:outerShdw>
+          </a:effectLst>
+        </p:spPr>
+        <p:style>
+          <a:lnRef idx="2">
+            <a:schemeClr val="accent1">
+              <a:shade val="15000"/>
+            </a:schemeClr>
+          </a:lnRef>
+          <a:fillRef idx="1">
+            <a:schemeClr val="accent1"/>
+          </a:fillRef>
+          <a:effectRef idx="0">
+            <a:schemeClr val="accent1"/>
+          </a:effectRef>
+          <a:fontRef idx="minor">
+            <a:schemeClr val="lt1"/>
+          </a:fontRef>
+        </p:style>
+        <p:txBody>
+          <a:bodyPr rtlCol="0" anchor="ctr"/>
+          <a:lstStyle/>
+          <a:p>
+            <a:pPr algn="ctr"/>
+            <a:r>
+              <a:rPr lang="en-US" b="1" dirty="0"/>
+              <a:t>Batch</a:t>
+            </a:r>
+            <a:endParaRPr lang="en-IN" b="1" dirty="0"/>
+          </a:p>
+        </p:txBody>
+      </p:sp>
+      <p:sp>
+        <p:nvSpPr>
+          <p:cNvPr id="78" name="Rectangle 77">
+            <a:extLst>
+              <a:ext uri="{FF2B5EF4-FFF2-40B4-BE49-F238E27FC236}">
+                <a16:creationId xmlns:a16="http://schemas.microsoft.com/office/drawing/2014/main" id="{850E482C-8F27-9DD6-6DFF-5078C594A19F}"/>
+              </a:ext>
+            </a:extLst>
+          </p:cNvPr>
+          <p:cNvSpPr/>
+          <p:nvPr/>
+        </p:nvSpPr>
+        <p:spPr>
+          <a:xfrm>
+            <a:off x="9756773" y="5018649"/>
+            <a:ext cx="2129014" cy="286512"/>
+          </a:xfrm>
+          <a:prstGeom prst="rect">
+            <a:avLst/>
+          </a:prstGeom>
+          <a:solidFill>
+            <a:srgbClr val="FF143B"/>
+          </a:solidFill>
+          <a:ln w="12700">
+            <a:solidFill>
+              <a:srgbClr val="860000"/>
+            </a:solidFill>
+          </a:ln>
+          <a:effectLst>
+            <a:outerShdw blurRad="63500" sx="102000" sy="102000" algn="ctr" rotWithShape="0">
+              <a:prstClr val="black">
+                <a:alpha val="40000"/>
+              </a:prstClr>
+            </a:outerShdw>
+          </a:effectLst>
+        </p:spPr>
+        <p:style>
+          <a:lnRef idx="2">
+            <a:schemeClr val="accent1">
+              <a:shade val="15000"/>
+            </a:schemeClr>
+          </a:lnRef>
+          <a:fillRef idx="1">
+            <a:schemeClr val="accent1"/>
+          </a:fillRef>
+          <a:effectRef idx="0">
+            <a:schemeClr val="accent1"/>
+          </a:effectRef>
+          <a:fontRef idx="minor">
+            <a:schemeClr val="lt1"/>
+          </a:fontRef>
+        </p:style>
+        <p:txBody>
+          <a:bodyPr rtlCol="0" anchor="ctr"/>
+          <a:lstStyle/>
+          <a:p>
+            <a:pPr algn="ctr"/>
+            <a:r>
+              <a:rPr lang="en-US" b="1" dirty="0"/>
+              <a:t>DrawCommandLists</a:t>
+            </a:r>
+            <a:endParaRPr lang="en-IN" b="1" dirty="0"/>
+          </a:p>
+        </p:txBody>
+      </p:sp>
+      <p:sp>
+        <p:nvSpPr>
+          <p:cNvPr id="82" name="TextBox 81">
+            <a:extLst>
+              <a:ext uri="{FF2B5EF4-FFF2-40B4-BE49-F238E27FC236}">
+                <a16:creationId xmlns:a16="http://schemas.microsoft.com/office/drawing/2014/main" id="{A440C59B-FBF6-B733-A2F6-7CDEB5EFA7ED}"/>
+              </a:ext>
+            </a:extLst>
+          </p:cNvPr>
+          <p:cNvSpPr txBox="1"/>
+          <p:nvPr/>
+        </p:nvSpPr>
+        <p:spPr>
+          <a:xfrm>
+            <a:off x="9756773" y="5322187"/>
+            <a:ext cx="2129014" cy="553998"/>
+          </a:xfrm>
+          <a:prstGeom prst="rect">
+            <a:avLst/>
+          </a:prstGeom>
+          <a:solidFill>
+            <a:schemeClr val="accent6">
+              <a:lumMod val="40000"/>
+              <a:lumOff val="60000"/>
+            </a:schemeClr>
+          </a:solidFill>
+          <a:ln>
+            <a:noFill/>
+          </a:ln>
+        </p:spPr>
+        <p:style>
+          <a:lnRef idx="0">
+            <a:scrgbClr r="0" g="0" b="0"/>
+          </a:lnRef>
+          <a:fillRef idx="0">
+            <a:scrgbClr r="0" g="0" b="0"/>
+          </a:fillRef>
+          <a:effectRef idx="0">
+            <a:scrgbClr r="0" g="0" b="0"/>
+          </a:effectRef>
+          <a:fontRef idx="minor">
+            <a:schemeClr val="lt1"/>
+          </a:fontRef>
+        </p:style>
+        <p:txBody>
+          <a:bodyPr wrap="square">
+            <a:spAutoFit/>
+          </a:bodyPr>
+          <a:lstStyle/>
+          <a:p>
+            <a:r>
+              <a:rPr lang="en-US" sz="1000" dirty="0">
+                <a:solidFill>
+                  <a:schemeClr val="accent6">
+                    <a:lumMod val="50000"/>
+                  </a:schemeClr>
+                </a:solidFill>
+              </a:rPr>
+              <a:t>//TODO: Used to cache render commands for drawing batches b/w frames. </a:t>
+            </a:r>
+            <a:endParaRPr lang="en-IN" sz="1000" dirty="0">
+              <a:solidFill>
+                <a:schemeClr val="accent6">
+                  <a:lumMod val="50000"/>
+                </a:schemeClr>
+              </a:solidFill>
+            </a:endParaRPr>
+          </a:p>
+        </p:txBody>
+      </p:sp>
+      <p:sp>
+        <p:nvSpPr>
+          <p:cNvPr id="83" name="Rectangle 82">
+            <a:extLst>
+              <a:ext uri="{FF2B5EF4-FFF2-40B4-BE49-F238E27FC236}">
+                <a16:creationId xmlns:a16="http://schemas.microsoft.com/office/drawing/2014/main" id="{8CC63ABF-38CB-C3D2-30F9-3F8DC1ADAA70}"/>
+              </a:ext>
+            </a:extLst>
+          </p:cNvPr>
+          <p:cNvSpPr/>
+          <p:nvPr/>
+        </p:nvSpPr>
+        <p:spPr>
+          <a:xfrm>
+            <a:off x="4518675" y="4196090"/>
+            <a:ext cx="1239776" cy="286512"/>
+          </a:xfrm>
+          <a:prstGeom prst="rect">
+            <a:avLst/>
+          </a:prstGeom>
+          <a:solidFill>
+            <a:srgbClr val="FF143B"/>
+          </a:solidFill>
+          <a:ln w="12700">
+            <a:solidFill>
+              <a:srgbClr val="860000"/>
+            </a:solidFill>
+          </a:ln>
+          <a:effectLst>
+            <a:outerShdw blurRad="63500" sx="102000" sy="102000" algn="ctr" rotWithShape="0">
+              <a:prstClr val="black">
+                <a:alpha val="40000"/>
+              </a:prstClr>
+            </a:outerShdw>
+          </a:effectLst>
+        </p:spPr>
+        <p:style>
+          <a:lnRef idx="2">
+            <a:schemeClr val="accent1">
+              <a:shade val="15000"/>
+            </a:schemeClr>
+          </a:lnRef>
+          <a:fillRef idx="1">
+            <a:schemeClr val="accent1"/>
+          </a:fillRef>
+          <a:effectRef idx="0">
+            <a:schemeClr val="accent1"/>
+          </a:effectRef>
+          <a:fontRef idx="minor">
+            <a:schemeClr val="lt1"/>
+          </a:fontRef>
+        </p:style>
+        <p:txBody>
+          <a:bodyPr rtlCol="0" anchor="ctr"/>
+          <a:lstStyle/>
+          <a:p>
+            <a:pPr algn="ctr"/>
+            <a:r>
+              <a:rPr lang="en-US" b="1" dirty="0"/>
+              <a:t>DrawData</a:t>
+            </a:r>
+            <a:endParaRPr lang="en-IN" b="1" dirty="0"/>
+          </a:p>
+        </p:txBody>
+      </p:sp>
+      <p:sp>
+        <p:nvSpPr>
+          <p:cNvPr id="85" name="TextBox 84">
+            <a:extLst>
+              <a:ext uri="{FF2B5EF4-FFF2-40B4-BE49-F238E27FC236}">
+                <a16:creationId xmlns:a16="http://schemas.microsoft.com/office/drawing/2014/main" id="{E0F5A45F-A28B-B612-15B0-95A943CD6567}"/>
+              </a:ext>
+            </a:extLst>
+          </p:cNvPr>
+          <p:cNvSpPr txBox="1"/>
+          <p:nvPr/>
+        </p:nvSpPr>
+        <p:spPr>
+          <a:xfrm>
+            <a:off x="4455748" y="4495309"/>
+            <a:ext cx="1607596" cy="246221"/>
+          </a:xfrm>
+          <a:prstGeom prst="rect">
+            <a:avLst/>
+          </a:prstGeom>
+          <a:noFill/>
+        </p:spPr>
+        <p:txBody>
+          <a:bodyPr wrap="square">
+            <a:spAutoFit/>
+          </a:bodyPr>
+          <a:lstStyle/>
+          <a:p>
+            <a:r>
+              <a:rPr lang="en-US" sz="1000" dirty="0">
+                <a:solidFill>
+                  <a:schemeClr val="bg1"/>
+                </a:solidFill>
+                <a:latin typeface="Calibri Light" panose="020F0302020204030204" pitchFamily="34" charset="0"/>
+                <a:ea typeface="Calibri Light" panose="020F0302020204030204" pitchFamily="34" charset="0"/>
+                <a:cs typeface="Calibri Light" panose="020F0302020204030204" pitchFamily="34" charset="0"/>
+              </a:rPr>
+              <a:t>Bindless RHI Requirement</a:t>
+            </a:r>
+            <a:endParaRPr lang="en-IN" sz="1000" dirty="0">
+              <a:solidFill>
+                <a:schemeClr val="bg1"/>
+              </a:solidFill>
+            </a:endParaRPr>
+          </a:p>
+        </p:txBody>
+      </p:sp>
+      <p:sp>
+        <p:nvSpPr>
+          <p:cNvPr id="86" name="TextBox 85">
+            <a:extLst>
+              <a:ext uri="{FF2B5EF4-FFF2-40B4-BE49-F238E27FC236}">
+                <a16:creationId xmlns:a16="http://schemas.microsoft.com/office/drawing/2014/main" id="{D128224B-C60C-EC32-7A05-D7DC69F8E80C}"/>
+              </a:ext>
+            </a:extLst>
+          </p:cNvPr>
+          <p:cNvSpPr txBox="1"/>
+          <p:nvPr/>
+        </p:nvSpPr>
+        <p:spPr>
+          <a:xfrm>
+            <a:off x="4528674" y="4762492"/>
+            <a:ext cx="1966072" cy="1446550"/>
+          </a:xfrm>
+          <a:prstGeom prst="rect">
+            <a:avLst/>
+          </a:prstGeom>
+          <a:solidFill>
+            <a:srgbClr val="FFCDCD"/>
+          </a:solidFill>
+        </p:spPr>
+        <p:txBody>
+          <a:bodyPr wrap="square">
+            <a:spAutoFit/>
+          </a:bodyPr>
+          <a:lstStyle/>
+          <a:p>
+            <a:r>
+              <a:rPr lang="en-IN" sz="800" dirty="0">
+                <a:solidFill>
+                  <a:srgbClr val="0000FF"/>
+                </a:solidFill>
+                <a:latin typeface="Cascadia Mono" panose="020B0609020000020004" pitchFamily="49" charset="0"/>
+              </a:rPr>
+              <a:t>struct</a:t>
+            </a:r>
+            <a:r>
+              <a:rPr lang="en-IN" sz="800" dirty="0">
+                <a:solidFill>
+                  <a:srgbClr val="000000"/>
+                </a:solidFill>
+                <a:latin typeface="Cascadia Mono" panose="020B0609020000020004" pitchFamily="49" charset="0"/>
+              </a:rPr>
+              <a:t> </a:t>
+            </a:r>
+            <a:r>
+              <a:rPr lang="en-IN" sz="800" dirty="0">
+                <a:solidFill>
+                  <a:srgbClr val="0000FF"/>
+                </a:solidFill>
+                <a:latin typeface="Cascadia Mono" panose="020B0609020000020004" pitchFamily="49" charset="0"/>
+              </a:rPr>
+              <a:t>DrawData</a:t>
+            </a:r>
+            <a:endParaRPr lang="en-IN" sz="800" dirty="0">
+              <a:solidFill>
+                <a:srgbClr val="000000"/>
+              </a:solidFill>
+              <a:latin typeface="Cascadia Mono" panose="020B0609020000020004" pitchFamily="49" charset="0"/>
+            </a:endParaRPr>
+          </a:p>
+          <a:p>
+            <a:r>
+              <a:rPr lang="en-IN" sz="800" dirty="0">
+                <a:solidFill>
+                  <a:srgbClr val="000000"/>
+                </a:solidFill>
+                <a:latin typeface="Cascadia Mono" panose="020B0609020000020004" pitchFamily="49" charset="0"/>
+              </a:rPr>
+              <a:t>{</a:t>
+            </a:r>
+          </a:p>
+          <a:p>
+            <a:r>
+              <a:rPr lang="en-IN" sz="800" dirty="0">
+                <a:solidFill>
+                  <a:srgbClr val="000000"/>
+                </a:solidFill>
+                <a:latin typeface="Cascadia Mono" panose="020B0609020000020004" pitchFamily="49" charset="0"/>
+              </a:rPr>
+              <a:t>    </a:t>
+            </a:r>
+            <a:r>
+              <a:rPr lang="en-IN" sz="800" dirty="0">
+                <a:solidFill>
+                  <a:srgbClr val="0000FF"/>
+                </a:solidFill>
+                <a:latin typeface="Cascadia Mono" panose="020B0609020000020004" pitchFamily="49" charset="0"/>
+              </a:rPr>
+              <a:t>u32</a:t>
+            </a:r>
+            <a:r>
+              <a:rPr lang="en-IN" sz="800" dirty="0">
+                <a:solidFill>
+                  <a:srgbClr val="000000"/>
+                </a:solidFill>
+                <a:latin typeface="Cascadia Mono" panose="020B0609020000020004" pitchFamily="49" charset="0"/>
+              </a:rPr>
+              <a:t> </a:t>
+            </a:r>
+            <a:r>
+              <a:rPr lang="en-IN" sz="800" dirty="0" err="1">
+                <a:solidFill>
+                  <a:srgbClr val="000080"/>
+                </a:solidFill>
+                <a:latin typeface="Cascadia Mono" panose="020B0609020000020004" pitchFamily="49" charset="0"/>
+              </a:rPr>
+              <a:t>drawBatchIdx</a:t>
+            </a:r>
+            <a:r>
+              <a:rPr lang="en-IN" sz="800" dirty="0">
+                <a:solidFill>
+                  <a:srgbClr val="000000"/>
+                </a:solidFill>
+                <a:latin typeface="Cascadia Mono" panose="020B0609020000020004" pitchFamily="49" charset="0"/>
+              </a:rPr>
+              <a:t>  = 0;</a:t>
+            </a:r>
+          </a:p>
+          <a:p>
+            <a:r>
+              <a:rPr lang="en-IN" sz="800" dirty="0">
+                <a:solidFill>
+                  <a:srgbClr val="000000"/>
+                </a:solidFill>
+                <a:latin typeface="Cascadia Mono" panose="020B0609020000020004" pitchFamily="49" charset="0"/>
+              </a:rPr>
+              <a:t>    </a:t>
+            </a:r>
+            <a:r>
+              <a:rPr lang="en-IN" sz="800" dirty="0">
+                <a:solidFill>
+                  <a:srgbClr val="0000FF"/>
+                </a:solidFill>
+                <a:latin typeface="Cascadia Mono" panose="020B0609020000020004" pitchFamily="49" charset="0"/>
+              </a:rPr>
+              <a:t>u32</a:t>
+            </a:r>
+            <a:r>
+              <a:rPr lang="en-IN" sz="800" dirty="0">
+                <a:solidFill>
+                  <a:srgbClr val="000000"/>
+                </a:solidFill>
+                <a:latin typeface="Cascadia Mono" panose="020B0609020000020004" pitchFamily="49" charset="0"/>
+              </a:rPr>
+              <a:t> </a:t>
+            </a:r>
+            <a:r>
+              <a:rPr lang="en-IN" sz="800" dirty="0" err="1">
+                <a:solidFill>
+                  <a:srgbClr val="000080"/>
+                </a:solidFill>
+                <a:latin typeface="Cascadia Mono" panose="020B0609020000020004" pitchFamily="49" charset="0"/>
+              </a:rPr>
+              <a:t>drawableIdx</a:t>
+            </a:r>
+            <a:r>
+              <a:rPr lang="en-IN" sz="800" dirty="0">
+                <a:solidFill>
+                  <a:srgbClr val="000000"/>
+                </a:solidFill>
+                <a:latin typeface="Cascadia Mono" panose="020B0609020000020004" pitchFamily="49" charset="0"/>
+              </a:rPr>
+              <a:t>   = 0;</a:t>
+            </a:r>
+          </a:p>
+          <a:p>
+            <a:r>
+              <a:rPr lang="en-IN" sz="800" dirty="0">
+                <a:solidFill>
+                  <a:srgbClr val="000000"/>
+                </a:solidFill>
+                <a:latin typeface="Cascadia Mono" panose="020B0609020000020004" pitchFamily="49" charset="0"/>
+              </a:rPr>
+              <a:t>    </a:t>
+            </a:r>
+            <a:r>
+              <a:rPr lang="en-IN" sz="800" dirty="0">
+                <a:solidFill>
+                  <a:srgbClr val="0000FF"/>
+                </a:solidFill>
+                <a:latin typeface="Cascadia Mono" panose="020B0609020000020004" pitchFamily="49" charset="0"/>
+              </a:rPr>
+              <a:t>u32</a:t>
+            </a:r>
+            <a:r>
+              <a:rPr lang="en-IN" sz="800" dirty="0">
+                <a:solidFill>
+                  <a:srgbClr val="000000"/>
+                </a:solidFill>
+                <a:latin typeface="Cascadia Mono" panose="020B0609020000020004" pitchFamily="49" charset="0"/>
+              </a:rPr>
+              <a:t> </a:t>
+            </a:r>
+            <a:r>
+              <a:rPr lang="en-IN" sz="800" dirty="0" err="1">
+                <a:solidFill>
+                  <a:srgbClr val="000080"/>
+                </a:solidFill>
+                <a:latin typeface="Cascadia Mono" panose="020B0609020000020004" pitchFamily="49" charset="0"/>
+              </a:rPr>
+              <a:t>vertexCount</a:t>
+            </a:r>
+            <a:r>
+              <a:rPr lang="en-IN" sz="800" dirty="0">
+                <a:solidFill>
+                  <a:srgbClr val="000000"/>
+                </a:solidFill>
+                <a:latin typeface="Cascadia Mono" panose="020B0609020000020004" pitchFamily="49" charset="0"/>
+              </a:rPr>
+              <a:t>   = 0;</a:t>
+            </a:r>
+          </a:p>
+          <a:p>
+            <a:r>
+              <a:rPr lang="en-IN" sz="800" dirty="0">
+                <a:solidFill>
+                  <a:srgbClr val="000000"/>
+                </a:solidFill>
+                <a:latin typeface="Cascadia Mono" panose="020B0609020000020004" pitchFamily="49" charset="0"/>
+              </a:rPr>
+              <a:t>    </a:t>
+            </a:r>
+            <a:r>
+              <a:rPr lang="en-IN" sz="800" dirty="0">
+                <a:solidFill>
+                  <a:srgbClr val="0000FF"/>
+                </a:solidFill>
+                <a:latin typeface="Cascadia Mono" panose="020B0609020000020004" pitchFamily="49" charset="0"/>
+              </a:rPr>
+              <a:t>u32</a:t>
+            </a:r>
+            <a:r>
+              <a:rPr lang="en-IN" sz="800" dirty="0">
+                <a:solidFill>
+                  <a:srgbClr val="000000"/>
+                </a:solidFill>
+                <a:latin typeface="Cascadia Mono" panose="020B0609020000020004" pitchFamily="49" charset="0"/>
+              </a:rPr>
+              <a:t> </a:t>
+            </a:r>
+            <a:r>
+              <a:rPr lang="en-IN" sz="800" dirty="0" err="1">
+                <a:solidFill>
+                  <a:srgbClr val="000080"/>
+                </a:solidFill>
+                <a:latin typeface="Cascadia Mono" panose="020B0609020000020004" pitchFamily="49" charset="0"/>
+              </a:rPr>
+              <a:t>vertexOffset</a:t>
+            </a:r>
+            <a:r>
+              <a:rPr lang="en-IN" sz="800" dirty="0">
+                <a:solidFill>
+                  <a:srgbClr val="000000"/>
+                </a:solidFill>
+                <a:latin typeface="Cascadia Mono" panose="020B0609020000020004" pitchFamily="49" charset="0"/>
+              </a:rPr>
+              <a:t>  = 0;</a:t>
+            </a:r>
+          </a:p>
+          <a:p>
+            <a:r>
+              <a:rPr lang="en-IN" sz="800" dirty="0">
+                <a:solidFill>
+                  <a:srgbClr val="000000"/>
+                </a:solidFill>
+                <a:latin typeface="Cascadia Mono" panose="020B0609020000020004" pitchFamily="49" charset="0"/>
+              </a:rPr>
+              <a:t>    </a:t>
+            </a:r>
+            <a:r>
+              <a:rPr lang="en-IN" sz="800" dirty="0">
+                <a:solidFill>
+                  <a:srgbClr val="0000FF"/>
+                </a:solidFill>
+                <a:latin typeface="Cascadia Mono" panose="020B0609020000020004" pitchFamily="49" charset="0"/>
+              </a:rPr>
+              <a:t>u32</a:t>
+            </a:r>
+            <a:r>
+              <a:rPr lang="en-IN" sz="800" dirty="0">
+                <a:solidFill>
+                  <a:srgbClr val="000000"/>
+                </a:solidFill>
+                <a:latin typeface="Cascadia Mono" panose="020B0609020000020004" pitchFamily="49" charset="0"/>
+              </a:rPr>
+              <a:t> </a:t>
+            </a:r>
+            <a:r>
+              <a:rPr lang="en-IN" sz="800" dirty="0" err="1">
+                <a:solidFill>
+                  <a:srgbClr val="000080"/>
+                </a:solidFill>
+                <a:latin typeface="Cascadia Mono" panose="020B0609020000020004" pitchFamily="49" charset="0"/>
+              </a:rPr>
+              <a:t>indexCount</a:t>
+            </a:r>
+            <a:r>
+              <a:rPr lang="en-IN" sz="800" dirty="0">
+                <a:solidFill>
+                  <a:srgbClr val="000000"/>
+                </a:solidFill>
+                <a:latin typeface="Cascadia Mono" panose="020B0609020000020004" pitchFamily="49" charset="0"/>
+              </a:rPr>
+              <a:t>    = 0;</a:t>
+            </a:r>
+          </a:p>
+          <a:p>
+            <a:r>
+              <a:rPr lang="en-IN" sz="800" dirty="0">
+                <a:solidFill>
+                  <a:srgbClr val="000000"/>
+                </a:solidFill>
+                <a:latin typeface="Cascadia Mono" panose="020B0609020000020004" pitchFamily="49" charset="0"/>
+              </a:rPr>
+              <a:t>    </a:t>
+            </a:r>
+            <a:r>
+              <a:rPr lang="en-IN" sz="800" dirty="0">
+                <a:solidFill>
+                  <a:srgbClr val="0000FF"/>
+                </a:solidFill>
+                <a:latin typeface="Cascadia Mono" panose="020B0609020000020004" pitchFamily="49" charset="0"/>
+              </a:rPr>
+              <a:t>u32</a:t>
+            </a:r>
+            <a:r>
+              <a:rPr lang="en-IN" sz="800" dirty="0">
+                <a:solidFill>
+                  <a:srgbClr val="000000"/>
+                </a:solidFill>
+                <a:latin typeface="Cascadia Mono" panose="020B0609020000020004" pitchFamily="49" charset="0"/>
+              </a:rPr>
+              <a:t> </a:t>
+            </a:r>
+            <a:r>
+              <a:rPr lang="en-IN" sz="800" dirty="0" err="1">
+                <a:solidFill>
+                  <a:srgbClr val="000080"/>
+                </a:solidFill>
+                <a:latin typeface="Cascadia Mono" panose="020B0609020000020004" pitchFamily="49" charset="0"/>
+              </a:rPr>
+              <a:t>indexOffset</a:t>
+            </a:r>
+            <a:r>
+              <a:rPr lang="en-IN" sz="800" dirty="0">
+                <a:solidFill>
+                  <a:srgbClr val="000000"/>
+                </a:solidFill>
+                <a:latin typeface="Cascadia Mono" panose="020B0609020000020004" pitchFamily="49" charset="0"/>
+              </a:rPr>
+              <a:t>   = 0;</a:t>
+            </a:r>
+          </a:p>
+          <a:p>
+            <a:r>
+              <a:rPr lang="en-IN" sz="800" dirty="0">
+                <a:solidFill>
+                  <a:srgbClr val="000000"/>
+                </a:solidFill>
+                <a:latin typeface="Cascadia Mono" panose="020B0609020000020004" pitchFamily="49" charset="0"/>
+              </a:rPr>
+              <a:t>    </a:t>
+            </a:r>
+            <a:r>
+              <a:rPr lang="en-IN" sz="800" dirty="0">
+                <a:solidFill>
+                  <a:srgbClr val="0000FF"/>
+                </a:solidFill>
+                <a:latin typeface="Cascadia Mono" panose="020B0609020000020004" pitchFamily="49" charset="0"/>
+              </a:rPr>
+              <a:t>u32</a:t>
+            </a:r>
+            <a:r>
+              <a:rPr lang="en-IN" sz="800" dirty="0">
+                <a:solidFill>
+                  <a:srgbClr val="000000"/>
+                </a:solidFill>
+                <a:latin typeface="Cascadia Mono" panose="020B0609020000020004" pitchFamily="49" charset="0"/>
+              </a:rPr>
+              <a:t> </a:t>
+            </a:r>
+            <a:r>
+              <a:rPr lang="en-IN" sz="800" dirty="0" err="1">
+                <a:solidFill>
+                  <a:srgbClr val="000080"/>
+                </a:solidFill>
+                <a:latin typeface="Cascadia Mono" panose="020B0609020000020004" pitchFamily="49" charset="0"/>
+              </a:rPr>
+              <a:t>instanceCount</a:t>
+            </a:r>
+            <a:r>
+              <a:rPr lang="en-IN" sz="800" dirty="0">
+                <a:solidFill>
+                  <a:srgbClr val="000000"/>
+                </a:solidFill>
+                <a:latin typeface="Cascadia Mono" panose="020B0609020000020004" pitchFamily="49" charset="0"/>
+              </a:rPr>
+              <a:t> = 0;</a:t>
+            </a:r>
+          </a:p>
+          <a:p>
+            <a:r>
+              <a:rPr lang="en-IN" sz="800" dirty="0">
+                <a:solidFill>
+                  <a:srgbClr val="000000"/>
+                </a:solidFill>
+                <a:latin typeface="Cascadia Mono" panose="020B0609020000020004" pitchFamily="49" charset="0"/>
+              </a:rPr>
+              <a:t>    </a:t>
+            </a:r>
+            <a:r>
+              <a:rPr lang="en-IN" sz="800" dirty="0">
+                <a:solidFill>
+                  <a:srgbClr val="0000FF"/>
+                </a:solidFill>
+                <a:latin typeface="Cascadia Mono" panose="020B0609020000020004" pitchFamily="49" charset="0"/>
+              </a:rPr>
+              <a:t>u32</a:t>
+            </a:r>
+            <a:r>
+              <a:rPr lang="en-IN" sz="800" dirty="0">
+                <a:solidFill>
+                  <a:srgbClr val="000000"/>
+                </a:solidFill>
+                <a:latin typeface="Cascadia Mono" panose="020B0609020000020004" pitchFamily="49" charset="0"/>
+              </a:rPr>
+              <a:t> </a:t>
+            </a:r>
+            <a:r>
+              <a:rPr lang="en-IN" sz="800" dirty="0">
+                <a:solidFill>
+                  <a:srgbClr val="000080"/>
+                </a:solidFill>
+                <a:latin typeface="Cascadia Mono" panose="020B0609020000020004" pitchFamily="49" charset="0"/>
+              </a:rPr>
+              <a:t>_padding</a:t>
+            </a:r>
+            <a:r>
+              <a:rPr lang="en-IN" sz="800" dirty="0">
+                <a:solidFill>
+                  <a:srgbClr val="000000"/>
+                </a:solidFill>
+                <a:latin typeface="Cascadia Mono" panose="020B0609020000020004" pitchFamily="49" charset="0"/>
+              </a:rPr>
+              <a:t>      = 0;</a:t>
+            </a:r>
+          </a:p>
+          <a:p>
+            <a:r>
+              <a:rPr lang="en-IN" sz="800" dirty="0">
+                <a:solidFill>
+                  <a:srgbClr val="000000"/>
+                </a:solidFill>
+                <a:latin typeface="Cascadia Mono" panose="020B0609020000020004" pitchFamily="49" charset="0"/>
+              </a:rPr>
+              <a:t>};</a:t>
+            </a:r>
+            <a:endParaRPr lang="en-IN" sz="800" dirty="0"/>
+          </a:p>
+        </p:txBody>
+      </p:sp>
+      <p:sp>
+        <p:nvSpPr>
+          <p:cNvPr id="87" name="TextBox 86">
+            <a:extLst>
+              <a:ext uri="{FF2B5EF4-FFF2-40B4-BE49-F238E27FC236}">
+                <a16:creationId xmlns:a16="http://schemas.microsoft.com/office/drawing/2014/main" id="{93A90906-36D1-8EE8-0F7D-2A020F3F3594}"/>
+              </a:ext>
+            </a:extLst>
+          </p:cNvPr>
+          <p:cNvSpPr txBox="1"/>
+          <p:nvPr/>
+        </p:nvSpPr>
+        <p:spPr>
+          <a:xfrm>
+            <a:off x="302741" y="4379688"/>
+            <a:ext cx="3898556" cy="400110"/>
+          </a:xfrm>
+          <a:prstGeom prst="rect">
+            <a:avLst/>
+          </a:prstGeom>
+        </p:spPr>
+        <p:style>
+          <a:lnRef idx="0">
+            <a:schemeClr val="accent5"/>
+          </a:lnRef>
+          <a:fillRef idx="3">
+            <a:schemeClr val="accent5"/>
+          </a:fillRef>
+          <a:effectRef idx="3">
+            <a:schemeClr val="accent5"/>
+          </a:effectRef>
+          <a:fontRef idx="minor">
+            <a:schemeClr val="lt1"/>
+          </a:fontRef>
+        </p:style>
+        <p:txBody>
+          <a:bodyPr wrap="square" rtlCol="0">
+            <a:spAutoFit/>
+          </a:bodyPr>
+          <a:lstStyle/>
+          <a:p>
+            <a:r>
+              <a:rPr lang="en-US" sz="1000" b="1" dirty="0">
+                <a:solidFill>
+                  <a:schemeClr val="tx1"/>
+                </a:solidFill>
+                <a:highlight>
+                  <a:srgbClr val="FFFF00"/>
+                </a:highlight>
+              </a:rPr>
+              <a:t>Pompeius</a:t>
+            </a:r>
+            <a:r>
+              <a:rPr lang="en-US" sz="1000" dirty="0">
+                <a:solidFill>
+                  <a:schemeClr val="bg1"/>
+                </a:solidFill>
+              </a:rPr>
+              <a:t>: </a:t>
+            </a:r>
+            <a:r>
+              <a:rPr lang="en-US" sz="1000" dirty="0">
+                <a:solidFill>
+                  <a:schemeClr val="tx1"/>
+                </a:solidFill>
+              </a:rPr>
+              <a:t>High Level Renderer for Scene to RHI data conversion for Razix Engine.</a:t>
+            </a:r>
+            <a:endParaRPr lang="en-IN" sz="1000" dirty="0">
+              <a:solidFill>
+                <a:schemeClr val="tx1"/>
+              </a:solidFill>
+            </a:endParaRPr>
+          </a:p>
+        </p:txBody>
+      </p:sp>
+      <p:sp>
+        <p:nvSpPr>
+          <p:cNvPr id="92" name="TextBox 91">
+            <a:extLst>
+              <a:ext uri="{FF2B5EF4-FFF2-40B4-BE49-F238E27FC236}">
+                <a16:creationId xmlns:a16="http://schemas.microsoft.com/office/drawing/2014/main" id="{7B692067-E3CF-35D9-27E1-99FE889654F5}"/>
+              </a:ext>
+            </a:extLst>
+          </p:cNvPr>
+          <p:cNvSpPr txBox="1"/>
+          <p:nvPr/>
+        </p:nvSpPr>
+        <p:spPr>
+          <a:xfrm>
+            <a:off x="7445510" y="576822"/>
+            <a:ext cx="4468821" cy="307777"/>
+          </a:xfrm>
+          <a:prstGeom prst="rect">
+            <a:avLst/>
+          </a:prstGeom>
+          <a:noFill/>
+        </p:spPr>
+        <p:txBody>
+          <a:bodyPr wrap="square">
+            <a:spAutoFit/>
+          </a:bodyPr>
+          <a:lstStyle/>
+          <a:p>
+            <a:r>
+              <a:rPr lang="en-IN" sz="1400" dirty="0">
+                <a:solidFill>
+                  <a:schemeClr val="bg1"/>
+                </a:solidFill>
+              </a:rPr>
+              <a:t>[Source]: https://github.com/skaarj1989/SupernovaEngine</a:t>
+            </a:r>
+          </a:p>
+        </p:txBody>
+      </p:sp>
+    </p:spTree>
+    <p:extLst>
+      <p:ext uri="{BB962C8B-B14F-4D97-AF65-F5344CB8AC3E}">
+        <p14:creationId xmlns:p14="http://schemas.microsoft.com/office/powerpoint/2010/main" val="2715718544"/>
+      </p:ext>
+    </p:extLst>
+  </p:cSld>
+  <p:clrMapOvr>
+    <a:masterClrMapping/>
+  </p:clrMapOvr>
+</p:sld>
+</file>
+
+<file path=ppt/slides/slide7.xml><?xml version="1.0" encoding="utf-8"?>
+<p:sld xmlns:a="http://schemas.openxmlformats.org/drawingml/2006/main" xmlns:r="http://schemas.openxmlformats.org/officeDocument/2006/relationships" xmlns:p="http://schemas.openxmlformats.org/presentationml/2006/main">
+  <p:cSld>
+    <p:spTree>
+      <p:nvGrpSpPr>
+        <p:cNvPr id="1" name=""/>
+        <p:cNvGrpSpPr/>
+        <p:nvPr/>
+      </p:nvGrpSpPr>
+      <p:grpSpPr>
+        <a:xfrm>
+          <a:off x="0" y="0"/>
+          <a:ext cx="0" cy="0"/>
+          <a:chOff x="0" y="0"/>
+          <a:chExt cx="0" cy="0"/>
+        </a:xfrm>
+      </p:grpSpPr>
+      <p:sp>
+        <p:nvSpPr>
+          <p:cNvPr id="2" name="Title 1">
+            <a:extLst>
+              <a:ext uri="{FF2B5EF4-FFF2-40B4-BE49-F238E27FC236}">
+                <a16:creationId xmlns:a16="http://schemas.microsoft.com/office/drawing/2014/main" id="{F2ACE53F-3B4B-E726-CAB1-7DC54CF21A66}"/>
+              </a:ext>
+            </a:extLst>
+          </p:cNvPr>
+          <p:cNvSpPr>
+            <a:spLocks noGrp="1"/>
+          </p:cNvSpPr>
+          <p:nvPr>
+            <p:ph type="title"/>
+          </p:nvPr>
+        </p:nvSpPr>
+        <p:spPr/>
+        <p:txBody>
+          <a:bodyPr/>
+          <a:lstStyle/>
+          <a:p>
+            <a:r>
+              <a:rPr lang="en-US" dirty="0">
+                <a:gradFill>
+                  <a:gsLst>
+                    <a:gs pos="0">
+                      <a:schemeClr val="accent6">
+                        <a:lumMod val="40000"/>
+                        <a:lumOff val="60000"/>
+                      </a:schemeClr>
+                    </a:gs>
+                    <a:gs pos="46000">
+                      <a:schemeClr val="accent6">
+                        <a:lumMod val="95000"/>
+                        <a:lumOff val="5000"/>
+                      </a:schemeClr>
+                    </a:gs>
+                    <a:gs pos="100000">
+                      <a:schemeClr val="accent6">
+                        <a:lumMod val="60000"/>
+                      </a:schemeClr>
+                    </a:gs>
+                  </a:gsLst>
+                  <a:path path="circle">
+                    <a:fillToRect l="50000" t="130000" r="50000" b="-30000"/>
+                  </a:path>
+                </a:gradFill>
+              </a:rPr>
+              <a:t>Color Space, HDR, Tone mapping and LUT color grading…</a:t>
+            </a:r>
+            <a:endParaRPr lang="en-IN" dirty="0">
+              <a:gradFill>
+                <a:gsLst>
+                  <a:gs pos="0">
+                    <a:schemeClr val="accent6">
+                      <a:lumMod val="40000"/>
+                      <a:lumOff val="60000"/>
+                    </a:schemeClr>
+                  </a:gs>
+                  <a:gs pos="46000">
+                    <a:schemeClr val="accent6">
+                      <a:lumMod val="95000"/>
+                      <a:lumOff val="5000"/>
+                    </a:schemeClr>
+                  </a:gs>
+                  <a:gs pos="100000">
+                    <a:schemeClr val="accent6">
+                      <a:lumMod val="60000"/>
+                    </a:schemeClr>
+                  </a:gs>
+                </a:gsLst>
+                <a:path path="circle">
+                  <a:fillToRect l="50000" t="130000" r="50000" b="-30000"/>
+                </a:path>
+              </a:gradFill>
+            </a:endParaRPr>
+          </a:p>
+        </p:txBody>
+      </p:sp>
+      <p:sp>
+        <p:nvSpPr>
+          <p:cNvPr id="3" name="Content Placeholder 2">
+            <a:extLst>
+              <a:ext uri="{FF2B5EF4-FFF2-40B4-BE49-F238E27FC236}">
+                <a16:creationId xmlns:a16="http://schemas.microsoft.com/office/drawing/2014/main" id="{D45F6B64-193B-1FD7-132E-7B4602393A00}"/>
+              </a:ext>
+            </a:extLst>
+          </p:cNvPr>
+          <p:cNvSpPr>
+            <a:spLocks noGrp="1"/>
+          </p:cNvSpPr>
+          <p:nvPr>
+            <p:ph idx="1"/>
+          </p:nvPr>
+        </p:nvSpPr>
+        <p:spPr/>
+        <p:txBody>
+          <a:bodyPr/>
+          <a:lstStyle/>
+          <a:p>
+            <a:endParaRPr lang="en-IN"/>
+          </a:p>
+        </p:txBody>
+      </p:sp>
+    </p:spTree>
+    <p:extLst>
+      <p:ext uri="{BB962C8B-B14F-4D97-AF65-F5344CB8AC3E}">
+        <p14:creationId xmlns:p14="http://schemas.microsoft.com/office/powerpoint/2010/main" val="3797168114"/>
+      </p:ext>
+    </p:extLst>
+  </p:cSld>
+  <p:clrMapOvr>
+    <a:masterClrMapping/>
+  </p:clrMapOvr>
+</p:sld>
+</file>
+
+<file path=ppt/slides/slide8.xml><?xml version="1.0" encoding="utf-8"?>
+<p:sld xmlns:a="http://schemas.openxmlformats.org/drawingml/2006/main" xmlns:r="http://schemas.openxmlformats.org/officeDocument/2006/relationships" xmlns:p="http://schemas.openxmlformats.org/presentationml/2006/main">
+  <p:cSld>
+    <p:spTree>
+      <p:nvGrpSpPr>
+        <p:cNvPr id="1" name=""/>
+        <p:cNvGrpSpPr/>
+        <p:nvPr/>
+      </p:nvGrpSpPr>
+      <p:grpSpPr>
+        <a:xfrm>
+          <a:off x="0" y="0"/>
+          <a:ext cx="0" cy="0"/>
+          <a:chOff x="0" y="0"/>
+          <a:chExt cx="0" cy="0"/>
+        </a:xfrm>
+      </p:grpSpPr>
       <p:pic>
         <p:nvPicPr>
           <p:cNvPr id="18" name="Picture 17">
@@ -4778,7 +8814,7 @@
             <a:avLst/>
           </a:prstGeom>
           <a:noFill/>
-          <a:ln/>
+          <a:ln w="12700"/>
         </p:spPr>
         <p:style>
           <a:lnRef idx="1">
@@ -4820,13 +8856,13 @@
         </p:nvCxnSpPr>
         <p:spPr>
           <a:xfrm flipV="1">
-            <a:off x="2042737" y="2100835"/>
-            <a:ext cx="2602624" cy="645874"/>
+            <a:off x="2042737" y="1741767"/>
+            <a:ext cx="2881548" cy="1004942"/>
           </a:xfrm>
           <a:prstGeom prst="line">
             <a:avLst/>
           </a:prstGeom>
-          <a:ln/>
+          <a:ln w="12700"/>
         </p:spPr>
         <p:style>
           <a:lnRef idx="1">
@@ -4861,12 +8897,12 @@
         <p:spPr>
           <a:xfrm>
             <a:off x="2042737" y="3146860"/>
-            <a:ext cx="2692198" cy="770606"/>
+            <a:ext cx="2881548" cy="770606"/>
           </a:xfrm>
           <a:prstGeom prst="line">
             <a:avLst/>
           </a:prstGeom>
-          <a:ln/>
+          <a:ln w="12700"/>
         </p:spPr>
         <p:style>
           <a:lnRef idx="1">
@@ -4897,7 +8933,7 @@
         </p:nvSpPr>
         <p:spPr>
           <a:xfrm>
-            <a:off x="5103130" y="4028383"/>
+            <a:off x="5290146" y="4028383"/>
             <a:ext cx="883920" cy="369332"/>
           </a:xfrm>
           <a:prstGeom prst="rect">
@@ -4994,7 +9030,7 @@
         </p:blipFill>
         <p:spPr>
           <a:xfrm>
-            <a:off x="4734935" y="1741767"/>
+            <a:off x="4917242" y="1741767"/>
             <a:ext cx="1531753" cy="2175699"/>
           </a:xfrm>
           <a:prstGeom prst="rect">
@@ -5044,7 +9080,7 @@
 </p:sld>
 </file>
 
-<file path=ppt/slides/slide7.xml><?xml version="1.0" encoding="utf-8"?>
+<file path=ppt/slides/slide9.xml><?xml version="1.0" encoding="utf-8"?>
 <p:sld xmlns:a="http://schemas.openxmlformats.org/drawingml/2006/main" xmlns:r="http://schemas.openxmlformats.org/officeDocument/2006/relationships" xmlns:p="http://schemas.openxmlformats.org/presentationml/2006/main">
   <p:cSld>
     <p:spTree>
@@ -5628,27 +9664,27 @@
 <file path=ppt/theme/theme1.xml><?xml version="1.0" encoding="utf-8"?>
 <a:theme xmlns:a="http://schemas.openxmlformats.org/drawingml/2006/main" name="Office Theme">
   <a:themeElements>
-    <a:clrScheme name="Razix">
+    <a:clrScheme name="Office">
       <a:dk1>
-        <a:srgbClr val="292929"/>
+        <a:sysClr val="windowText" lastClr="000000"/>
       </a:dk1>
       <a:lt1>
-        <a:srgbClr val="FFFFFF"/>
+        <a:sysClr val="window" lastClr="FFFFFF"/>
       </a:lt1>
       <a:dk2>
-        <a:srgbClr val="1D1D1D"/>
+        <a:srgbClr val="44546A"/>
       </a:dk2>
       <a:lt2>
-        <a:srgbClr val="FFFFFF"/>
+        <a:srgbClr val="E7E6E6"/>
       </a:lt2>
       <a:accent1>
-        <a:srgbClr val="FFB556"/>
+        <a:srgbClr val="4472C4"/>
       </a:accent1>
       <a:accent2>
-        <a:srgbClr val="FFFFFF"/>
+        <a:srgbClr val="ED7D31"/>
       </a:accent2>
       <a:accent3>
-        <a:srgbClr val="FF143B"/>
+        <a:srgbClr val="A5A5A5"/>
       </a:accent3>
       <a:accent4>
         <a:srgbClr val="FFC000"/>
@@ -5666,16 +9702,371 @@
         <a:srgbClr val="954F72"/>
       </a:folHlink>
     </a:clrScheme>
-    <a:fontScheme name="Razix">
+    <a:fontScheme name="Office 2007 - 2010">
       <a:majorFont>
-        <a:latin typeface="Fira Code"/>
+        <a:latin typeface="Calibri"/>
         <a:ea typeface=""/>
         <a:cs typeface=""/>
+        <a:font script="Jpan" typeface="ＭＳ Ｐゴシック"/>
+        <a:font script="Hang" typeface="맑은 고딕"/>
+        <a:font script="Hans" typeface="宋体"/>
+        <a:font script="Hant" typeface="新細明體"/>
+        <a:font script="Arab" typeface="Times New Roman"/>
+        <a:font script="Hebr" typeface="Times New Roman"/>
+        <a:font script="Thai" typeface="Angsana New"/>
+        <a:font script="Ethi" typeface="Nyala"/>
+        <a:font script="Beng" typeface="Vrinda"/>
+        <a:font script="Gujr" typeface="Shruti"/>
+        <a:font script="Khmr" typeface="MoolBoran"/>
+        <a:font script="Knda" typeface="Tunga"/>
+        <a:font script="Guru" typeface="Raavi"/>
+        <a:font script="Cans" typeface="Euphemia"/>
+        <a:font script="Cher" typeface="Plantagenet Cherokee"/>
+        <a:font script="Yiii" typeface="Microsoft Yi Baiti"/>
+        <a:font script="Tibt" typeface="Microsoft Himalaya"/>
+        <a:font script="Thaa" typeface="MV Boli"/>
+        <a:font script="Deva" typeface="Mangal"/>
+        <a:font script="Telu" typeface="Gautami"/>
+        <a:font script="Taml" typeface="Latha"/>
+        <a:font script="Syrc" typeface="Estrangelo Edessa"/>
+        <a:font script="Orya" typeface="Kalinga"/>
+        <a:font script="Mlym" typeface="Kartika"/>
+        <a:font script="Laoo" typeface="DokChampa"/>
+        <a:font script="Sinh" typeface="Iskoola Pota"/>
+        <a:font script="Mong" typeface="Mongolian Baiti"/>
+        <a:font script="Viet" typeface="Times New Roman"/>
+        <a:font script="Uigh" typeface="Microsoft Uighur"/>
+        <a:font script="Geor" typeface="Sylfaen"/>
       </a:majorFont>
       <a:minorFont>
-        <a:latin typeface="Fira Code"/>
+        <a:latin typeface="Calibri"/>
         <a:ea typeface=""/>
         <a:cs typeface=""/>
+        <a:font script="Jpan" typeface="ＭＳ Ｐゴシック"/>
+        <a:font script="Hang" typeface="맑은 고딕"/>
+        <a:font script="Hans" typeface="宋体"/>
+        <a:font script="Hant" typeface="新細明體"/>
+        <a:font script="Arab" typeface="Arial"/>
+        <a:font script="Hebr" typeface="Arial"/>
+        <a:font script="Thai" typeface="Cordia New"/>
+        <a:font script="Ethi" typeface="Nyala"/>
+        <a:font script="Beng" typeface="Vrinda"/>
+        <a:font script="Gujr" typeface="Shruti"/>
+        <a:font script="Khmr" typeface="DaunPenh"/>
+        <a:font script="Knda" typeface="Tunga"/>
+        <a:font script="Guru" typeface="Raavi"/>
+        <a:font script="Cans" typeface="Euphemia"/>
+        <a:font script="Cher" typeface="Plantagenet Cherokee"/>
+        <a:font script="Yiii" typeface="Microsoft Yi Baiti"/>
+        <a:font script="Tibt" typeface="Microsoft Himalaya"/>
+        <a:font script="Thaa" typeface="MV Boli"/>
+        <a:font script="Deva" typeface="Mangal"/>
+        <a:font script="Telu" typeface="Gautami"/>
+        <a:font script="Taml" typeface="Latha"/>
+        <a:font script="Syrc" typeface="Estrangelo Edessa"/>
+        <a:font script="Orya" typeface="Kalinga"/>
+        <a:font script="Mlym" typeface="Kartika"/>
+        <a:font script="Laoo" typeface="DokChampa"/>
+        <a:font script="Sinh" typeface="Iskoola Pota"/>
+        <a:font script="Mong" typeface="Mongolian Baiti"/>
+        <a:font script="Viet" typeface="Arial"/>
+        <a:font script="Uigh" typeface="Microsoft Uighur"/>
+        <a:font script="Geor" typeface="Sylfaen"/>
+      </a:minorFont>
+    </a:fontScheme>
+    <a:fmtScheme name="Office">
+      <a:fillStyleLst>
+        <a:solidFill>
+          <a:schemeClr val="phClr"/>
+        </a:solidFill>
+        <a:gradFill rotWithShape="1">
+          <a:gsLst>
+            <a:gs pos="0">
+              <a:schemeClr val="phClr">
+                <a:lumMod val="110000"/>
+                <a:satMod val="105000"/>
+                <a:tint val="67000"/>
+              </a:schemeClr>
+            </a:gs>
+            <a:gs pos="50000">
+              <a:schemeClr val="phClr">
+                <a:lumMod val="105000"/>
+                <a:satMod val="103000"/>
+                <a:tint val="73000"/>
+              </a:schemeClr>
+            </a:gs>
+            <a:gs pos="100000">
+              <a:schemeClr val="phClr">
+                <a:lumMod val="105000"/>
+                <a:satMod val="109000"/>
+                <a:tint val="81000"/>
+              </a:schemeClr>
+            </a:gs>
+          </a:gsLst>
+          <a:lin ang="5400000" scaled="0"/>
+        </a:gradFill>
+        <a:gradFill rotWithShape="1">
+          <a:gsLst>
+            <a:gs pos="0">
+              <a:schemeClr val="phClr">
+                <a:satMod val="103000"/>
+                <a:lumMod val="102000"/>
+                <a:tint val="94000"/>
+              </a:schemeClr>
+            </a:gs>
+            <a:gs pos="50000">
+              <a:schemeClr val="phClr">
+                <a:satMod val="110000"/>
+                <a:lumMod val="100000"/>
+                <a:shade val="100000"/>
+              </a:schemeClr>
+            </a:gs>
+            <a:gs pos="100000">
+              <a:schemeClr val="phClr">
+                <a:lumMod val="99000"/>
+                <a:satMod val="120000"/>
+                <a:shade val="78000"/>
+              </a:schemeClr>
+            </a:gs>
+          </a:gsLst>
+          <a:lin ang="5400000" scaled="0"/>
+        </a:gradFill>
+      </a:fillStyleLst>
+      <a:lnStyleLst>
+        <a:ln w="6350" cap="flat" cmpd="sng" algn="ctr">
+          <a:solidFill>
+            <a:schemeClr val="phClr"/>
+          </a:solidFill>
+          <a:prstDash val="solid"/>
+          <a:miter lim="800000"/>
+        </a:ln>
+        <a:ln w="12700" cap="flat" cmpd="sng" algn="ctr">
+          <a:solidFill>
+            <a:schemeClr val="phClr"/>
+          </a:solidFill>
+          <a:prstDash val="solid"/>
+          <a:miter lim="800000"/>
+        </a:ln>
+        <a:ln w="19050" cap="flat" cmpd="sng" algn="ctr">
+          <a:solidFill>
+            <a:schemeClr val="phClr"/>
+          </a:solidFill>
+          <a:prstDash val="solid"/>
+          <a:miter lim="800000"/>
+        </a:ln>
+      </a:lnStyleLst>
+      <a:effectStyleLst>
+        <a:effectStyle>
+          <a:effectLst/>
+        </a:effectStyle>
+        <a:effectStyle>
+          <a:effectLst/>
+        </a:effectStyle>
+        <a:effectStyle>
+          <a:effectLst>
+            <a:outerShdw blurRad="57150" dist="19050" dir="5400000" algn="ctr" rotWithShape="0">
+              <a:srgbClr val="000000">
+                <a:alpha val="63000"/>
+              </a:srgbClr>
+            </a:outerShdw>
+          </a:effectLst>
+        </a:effectStyle>
+      </a:effectStyleLst>
+      <a:bgFillStyleLst>
+        <a:solidFill>
+          <a:schemeClr val="phClr"/>
+        </a:solidFill>
+        <a:solidFill>
+          <a:schemeClr val="phClr">
+            <a:tint val="95000"/>
+            <a:satMod val="170000"/>
+          </a:schemeClr>
+        </a:solidFill>
+        <a:gradFill rotWithShape="1">
+          <a:gsLst>
+            <a:gs pos="0">
+              <a:schemeClr val="phClr">
+                <a:tint val="93000"/>
+                <a:satMod val="150000"/>
+                <a:shade val="98000"/>
+                <a:lumMod val="102000"/>
+              </a:schemeClr>
+            </a:gs>
+            <a:gs pos="50000">
+              <a:schemeClr val="phClr">
+                <a:tint val="98000"/>
+                <a:satMod val="130000"/>
+                <a:shade val="90000"/>
+                <a:lumMod val="103000"/>
+              </a:schemeClr>
+            </a:gs>
+            <a:gs pos="100000">
+              <a:schemeClr val="phClr">
+                <a:shade val="63000"/>
+                <a:satMod val="120000"/>
+              </a:schemeClr>
+            </a:gs>
+          </a:gsLst>
+          <a:lin ang="5400000" scaled="0"/>
+        </a:gradFill>
+      </a:bgFillStyleLst>
+    </a:fmtScheme>
+  </a:themeElements>
+  <a:objectDefaults/>
+  <a:extraClrSchemeLst/>
+  <a:extLst>
+    <a:ext uri="{05A4C25C-085E-4340-85A3-A5531E510DB2}">
+      <thm15:themeFamily xmlns:thm15="http://schemas.microsoft.com/office/thememl/2012/main" name="Office Theme" id="{62F939B6-93AF-4DB8-9C6B-D6C7DFDC589F}" vid="{4A3C46E8-61CC-4603-A589-7422A47A8E4A}"/>
+    </a:ext>
+  </a:extLst>
+</a:theme>
+</file>
+
+<file path=ppt/theme/theme2.xml><?xml version="1.0" encoding="utf-8"?>
+<a:theme xmlns:a="http://schemas.openxmlformats.org/drawingml/2006/main" name="Office Theme">
+  <a:themeElements>
+    <a:clrScheme name="Office">
+      <a:dk1>
+        <a:sysClr val="windowText" lastClr="000000"/>
+      </a:dk1>
+      <a:lt1>
+        <a:sysClr val="window" lastClr="FFFFFF"/>
+      </a:lt1>
+      <a:dk2>
+        <a:srgbClr val="44546A"/>
+      </a:dk2>
+      <a:lt2>
+        <a:srgbClr val="E7E6E6"/>
+      </a:lt2>
+      <a:accent1>
+        <a:srgbClr val="4472C4"/>
+      </a:accent1>
+      <a:accent2>
+        <a:srgbClr val="ED7D31"/>
+      </a:accent2>
+      <a:accent3>
+        <a:srgbClr val="A5A5A5"/>
+      </a:accent3>
+      <a:accent4>
+        <a:srgbClr val="FFC000"/>
+      </a:accent4>
+      <a:accent5>
+        <a:srgbClr val="5B9BD5"/>
+      </a:accent5>
+      <a:accent6>
+        <a:srgbClr val="70AD47"/>
+      </a:accent6>
+      <a:hlink>
+        <a:srgbClr val="0563C1"/>
+      </a:hlink>
+      <a:folHlink>
+        <a:srgbClr val="954F72"/>
+      </a:folHlink>
+    </a:clrScheme>
+    <a:fontScheme name="Office">
+      <a:majorFont>
+        <a:latin typeface="Calibri Light" panose="020F0302020204030204"/>
+        <a:ea typeface=""/>
+        <a:cs typeface=""/>
+        <a:font script="Jpan" typeface="游ゴシック Light"/>
+        <a:font script="Hang" typeface="맑은 고딕"/>
+        <a:font script="Hans" typeface="等线 Light"/>
+        <a:font script="Hant" typeface="新細明體"/>
+        <a:font script="Arab" typeface="Times New Roman"/>
+        <a:font script="Hebr" typeface="Times New Roman"/>
+        <a:font script="Thai" typeface="Angsana New"/>
+        <a:font script="Ethi" typeface="Nyala"/>
+        <a:font script="Beng" typeface="Vrinda"/>
+        <a:font script="Gujr" typeface="Shruti"/>
+        <a:font script="Khmr" typeface="MoolBoran"/>
+        <a:font script="Knda" typeface="Tunga"/>
+        <a:font script="Guru" typeface="Raavi"/>
+        <a:font script="Cans" typeface="Euphemia"/>
+        <a:font script="Cher" typeface="Plantagenet Cherokee"/>
+        <a:font script="Yiii" typeface="Microsoft Yi Baiti"/>
+        <a:font script="Tibt" typeface="Microsoft Himalaya"/>
+        <a:font script="Thaa" typeface="MV Boli"/>
+        <a:font script="Deva" typeface="Mangal"/>
+        <a:font script="Telu" typeface="Gautami"/>
+        <a:font script="Taml" typeface="Latha"/>
+        <a:font script="Syrc" typeface="Estrangelo Edessa"/>
+        <a:font script="Orya" typeface="Kalinga"/>
+        <a:font script="Mlym" typeface="Kartika"/>
+        <a:font script="Laoo" typeface="DokChampa"/>
+        <a:font script="Sinh" typeface="Iskoola Pota"/>
+        <a:font script="Mong" typeface="Mongolian Baiti"/>
+        <a:font script="Viet" typeface="Times New Roman"/>
+        <a:font script="Uigh" typeface="Microsoft Uighur"/>
+        <a:font script="Geor" typeface="Sylfaen"/>
+        <a:font script="Armn" typeface="Arial"/>
+        <a:font script="Bugi" typeface="Leelawadee UI"/>
+        <a:font script="Bopo" typeface="Microsoft JhengHei"/>
+        <a:font script="Java" typeface="Javanese Text"/>
+        <a:font script="Lisu" typeface="Segoe UI"/>
+        <a:font script="Mymr" typeface="Myanmar Text"/>
+        <a:font script="Nkoo" typeface="Ebrima"/>
+        <a:font script="Olck" typeface="Nirmala UI"/>
+        <a:font script="Osma" typeface="Ebrima"/>
+        <a:font script="Phag" typeface="Phagspa"/>
+        <a:font script="Syrn" typeface="Estrangelo Edessa"/>
+        <a:font script="Syrj" typeface="Estrangelo Edessa"/>
+        <a:font script="Syre" typeface="Estrangelo Edessa"/>
+        <a:font script="Sora" typeface="Nirmala UI"/>
+        <a:font script="Tale" typeface="Microsoft Tai Le"/>
+        <a:font script="Talu" typeface="Microsoft New Tai Lue"/>
+        <a:font script="Tfng" typeface="Ebrima"/>
+      </a:majorFont>
+      <a:minorFont>
+        <a:latin typeface="Calibri" panose="020F0502020204030204"/>
+        <a:ea typeface=""/>
+        <a:cs typeface=""/>
+        <a:font script="Jpan" typeface="游ゴシック"/>
+        <a:font script="Hang" typeface="맑은 고딕"/>
+        <a:font script="Hans" typeface="等线"/>
+        <a:font script="Hant" typeface="新細明體"/>
+        <a:font script="Arab" typeface="Arial"/>
+        <a:font script="Hebr" typeface="Arial"/>
+        <a:font script="Thai" typeface="Cordia New"/>
+        <a:font script="Ethi" typeface="Nyala"/>
+        <a:font script="Beng" typeface="Vrinda"/>
+        <a:font script="Gujr" typeface="Shruti"/>
+        <a:font script="Khmr" typeface="DaunPenh"/>
+        <a:font script="Knda" typeface="Tunga"/>
+        <a:font script="Guru" typeface="Raavi"/>
+        <a:font script="Cans" typeface="Euphemia"/>
+        <a:font script="Cher" typeface="Plantagenet Cherokee"/>
+        <a:font script="Yiii" typeface="Microsoft Yi Baiti"/>
+        <a:font script="Tibt" typeface="Microsoft Himalaya"/>
+        <a:font script="Thaa" typeface="MV Boli"/>
+        <a:font script="Deva" typeface="Mangal"/>
+        <a:font script="Telu" typeface="Gautami"/>
+        <a:font script="Taml" typeface="Latha"/>
+        <a:font script="Syrc" typeface="Estrangelo Edessa"/>
+        <a:font script="Orya" typeface="Kalinga"/>
+        <a:font script="Mlym" typeface="Kartika"/>
+        <a:font script="Laoo" typeface="DokChampa"/>
+        <a:font script="Sinh" typeface="Iskoola Pota"/>
+        <a:font script="Mong" typeface="Mongolian Baiti"/>
+        <a:font script="Viet" typeface="Arial"/>
+        <a:font script="Uigh" typeface="Microsoft Uighur"/>
+        <a:font script="Geor" typeface="Sylfaen"/>
+        <a:font script="Armn" typeface="Arial"/>
+        <a:font script="Bugi" typeface="Leelawadee UI"/>
+        <a:font script="Bopo" typeface="Microsoft JhengHei"/>
+        <a:font script="Java" typeface="Javanese Text"/>
+        <a:font script="Lisu" typeface="Segoe UI"/>
+        <a:font script="Mymr" typeface="Myanmar Text"/>
+        <a:font script="Nkoo" typeface="Ebrima"/>
+        <a:font script="Olck" typeface="Nirmala UI"/>
+        <a:font script="Osma" typeface="Ebrima"/>
+        <a:font script="Phag" typeface="Phagspa"/>
+        <a:font script="Syrn" typeface="Estrangelo Edessa"/>
+        <a:font script="Syrj" typeface="Estrangelo Edessa"/>
+        <a:font script="Syre" typeface="Estrangelo Edessa"/>
+        <a:font script="Sora" typeface="Nirmala UI"/>
+        <a:font script="Tale" typeface="Microsoft Tai Le"/>
+        <a:font script="Talu" typeface="Microsoft New Tai Lue"/>
+        <a:font script="Tfng" typeface="Ebrima"/>
       </a:minorFont>
     </a:fontScheme>
     <a:fmtScheme name="Office">

--- a/Docs/Features overview.pptx
+++ b/Docs/Features overview.pptx
@@ -5,7 +5,7 @@
     <p:sldMasterId id="2147483648" r:id="rId1"/>
   </p:sldMasterIdLst>
   <p:notesMasterIdLst>
-    <p:notesMasterId r:id="rId11"/>
+    <p:notesMasterId r:id="rId12"/>
   </p:notesMasterIdLst>
   <p:sldIdLst>
     <p:sldId id="257" r:id="rId2"/>
@@ -15,8 +15,9 @@
     <p:sldId id="261" r:id="rId6"/>
     <p:sldId id="265" r:id="rId7"/>
     <p:sldId id="266" r:id="rId8"/>
-    <p:sldId id="264" r:id="rId9"/>
-    <p:sldId id="263" r:id="rId10"/>
+    <p:sldId id="267" r:id="rId9"/>
+    <p:sldId id="264" r:id="rId10"/>
+    <p:sldId id="263" r:id="rId11"/>
   </p:sldIdLst>
   <p:sldSz cx="12192000" cy="6858000"/>
   <p:notesSz cx="6858000" cy="9144000"/>
@@ -135,6 +136,7 @@
           <p14:sldIdLst>
             <p14:sldId id="265"/>
             <p14:sldId id="266"/>
+            <p14:sldId id="267"/>
           </p14:sldIdLst>
         </p14:section>
         <p14:section name="Graphics Features" id="{840BAED3-5ED1-4238-B89B-07D3713A0757}">
@@ -151,6 +153,9 @@
     </p:ext>
     <p:ext uri="{EFAFB233-063F-42B5-8137-9DF3F51BA10A}">
       <p15:sldGuideLst xmlns:p15="http://schemas.microsoft.com/office/powerpoint/2012/main"/>
+    </p:ext>
+    <p:ext uri="{2D200454-40CA-4A62-9FC3-DE9A4176ACB9}">
+      <p15:notesGuideLst xmlns:p15="http://schemas.microsoft.com/office/powerpoint/2012/main"/>
     </p:ext>
   </p:extLst>
 </p:presentation>
@@ -238,7 +243,7 @@
           <a:p>
             <a:fld id="{3F16BF55-C0A5-4A93-9892-A2EE55AC4C70}" type="datetimeFigureOut">
               <a:rPr lang="en-IN" smtClean="0"/>
-              <a:t>26-04-2024</a:t>
+              <a:t>27-04-2024</a:t>
             </a:fld>
             <a:endParaRPr lang="en-IN"/>
           </a:p>
@@ -673,7 +678,7 @@
           <a:p>
             <a:fld id="{84B6F61C-9FA5-4C35-A1D3-00EE2C15A6C0}" type="datetimeFigureOut">
               <a:rPr lang="en-IN" smtClean="0"/>
-              <a:t>26-04-2024</a:t>
+              <a:t>27-04-2024</a:t>
             </a:fld>
             <a:endParaRPr lang="en-IN"/>
           </a:p>
@@ -902,7 +907,7 @@
           <a:p>
             <a:fld id="{84B6F61C-9FA5-4C35-A1D3-00EE2C15A6C0}" type="datetimeFigureOut">
               <a:rPr lang="en-IN" smtClean="0"/>
-              <a:t>26-04-2024</a:t>
+              <a:t>27-04-2024</a:t>
             </a:fld>
             <a:endParaRPr lang="en-IN"/>
           </a:p>
@@ -1126,7 +1131,7 @@
           <a:p>
             <a:fld id="{84B6F61C-9FA5-4C35-A1D3-00EE2C15A6C0}" type="datetimeFigureOut">
               <a:rPr lang="en-IN" smtClean="0"/>
-              <a:t>26-04-2024</a:t>
+              <a:t>27-04-2024</a:t>
             </a:fld>
             <a:endParaRPr lang="en-IN"/>
           </a:p>
@@ -1396,7 +1401,7 @@
           <a:p>
             <a:fld id="{84B6F61C-9FA5-4C35-A1D3-00EE2C15A6C0}" type="datetimeFigureOut">
               <a:rPr lang="en-IN" smtClean="0"/>
-              <a:t>26-04-2024</a:t>
+              <a:t>27-04-2024</a:t>
             </a:fld>
             <a:endParaRPr lang="en-IN" dirty="0"/>
           </a:p>
@@ -1783,7 +1788,7 @@
           <a:p>
             <a:fld id="{84B6F61C-9FA5-4C35-A1D3-00EE2C15A6C0}" type="datetimeFigureOut">
               <a:rPr lang="en-IN" smtClean="0"/>
-              <a:t>26-04-2024</a:t>
+              <a:t>27-04-2024</a:t>
             </a:fld>
             <a:endParaRPr lang="en-IN"/>
           </a:p>
@@ -2150,7 +2155,7 @@
           <a:p>
             <a:fld id="{84B6F61C-9FA5-4C35-A1D3-00EE2C15A6C0}" type="datetimeFigureOut">
               <a:rPr lang="en-IN" smtClean="0"/>
-              <a:t>26-04-2024</a:t>
+              <a:t>27-04-2024</a:t>
             </a:fld>
             <a:endParaRPr lang="en-IN"/>
           </a:p>
@@ -2579,7 +2584,7 @@
           <a:p>
             <a:fld id="{84B6F61C-9FA5-4C35-A1D3-00EE2C15A6C0}" type="datetimeFigureOut">
               <a:rPr lang="en-IN" smtClean="0"/>
-              <a:t>26-04-2024</a:t>
+              <a:t>27-04-2024</a:t>
             </a:fld>
             <a:endParaRPr lang="en-IN" dirty="0"/>
           </a:p>
@@ -2743,7 +2748,7 @@
           <a:p>
             <a:fld id="{84B6F61C-9FA5-4C35-A1D3-00EE2C15A6C0}" type="datetimeFigureOut">
               <a:rPr lang="en-IN" smtClean="0"/>
-              <a:t>26-04-2024</a:t>
+              <a:t>27-04-2024</a:t>
             </a:fld>
             <a:endParaRPr lang="en-IN"/>
           </a:p>
@@ -2875,7 +2880,7 @@
           <a:p>
             <a:fld id="{84B6F61C-9FA5-4C35-A1D3-00EE2C15A6C0}" type="datetimeFigureOut">
               <a:rPr lang="en-IN" smtClean="0"/>
-              <a:t>26-04-2024</a:t>
+              <a:t>27-04-2024</a:t>
             </a:fld>
             <a:endParaRPr lang="en-IN"/>
           </a:p>
@@ -3207,7 +3212,7 @@
           <a:p>
             <a:fld id="{84B6F61C-9FA5-4C35-A1D3-00EE2C15A6C0}" type="datetimeFigureOut">
               <a:rPr lang="en-IN" smtClean="0"/>
-              <a:t>26-04-2024</a:t>
+              <a:t>27-04-2024</a:t>
             </a:fld>
             <a:endParaRPr lang="en-IN"/>
           </a:p>
@@ -3510,7 +3515,7 @@
           <a:p>
             <a:fld id="{84B6F61C-9FA5-4C35-A1D3-00EE2C15A6C0}" type="datetimeFigureOut">
               <a:rPr lang="en-IN" smtClean="0"/>
-              <a:t>26-04-2024</a:t>
+              <a:t>27-04-2024</a:t>
             </a:fld>
             <a:endParaRPr lang="en-IN"/>
           </a:p>
@@ -3762,7 +3767,7 @@
           <a:p>
             <a:fld id="{84B6F61C-9FA5-4C35-A1D3-00EE2C15A6C0}" type="datetimeFigureOut">
               <a:rPr lang="en-IN" smtClean="0"/>
-              <a:t>26-04-2024</a:t>
+              <a:t>27-04-2024</a:t>
             </a:fld>
             <a:endParaRPr lang="en-IN"/>
           </a:p>
@@ -4363,6 +4368,587 @@
 </p:sld>
 </file>
 
+<file path=ppt/slides/slide10.xml><?xml version="1.0" encoding="utf-8"?>
+<p:sld xmlns:a="http://schemas.openxmlformats.org/drawingml/2006/main" xmlns:r="http://schemas.openxmlformats.org/officeDocument/2006/relationships" xmlns:p="http://schemas.openxmlformats.org/presentationml/2006/main">
+  <p:cSld>
+    <p:spTree>
+      <p:nvGrpSpPr>
+        <p:cNvPr id="1" name=""/>
+        <p:cNvGrpSpPr/>
+        <p:nvPr/>
+      </p:nvGrpSpPr>
+      <p:grpSpPr>
+        <a:xfrm>
+          <a:off x="0" y="0"/>
+          <a:ext cx="0" cy="0"/>
+          <a:chOff x="0" y="0"/>
+          <a:chExt cx="0" cy="0"/>
+        </a:xfrm>
+      </p:grpSpPr>
+      <p:sp>
+        <p:nvSpPr>
+          <p:cNvPr id="2" name="Title 1">
+            <a:extLst>
+              <a:ext uri="{FF2B5EF4-FFF2-40B4-BE49-F238E27FC236}">
+                <a16:creationId xmlns:a16="http://schemas.microsoft.com/office/drawing/2014/main" id="{0F68DE61-F4A0-01F3-833B-5EF6841E2FDC}"/>
+              </a:ext>
+            </a:extLst>
+          </p:cNvPr>
+          <p:cNvSpPr>
+            <a:spLocks noGrp="1"/>
+          </p:cNvSpPr>
+          <p:nvPr>
+            <p:ph type="title"/>
+          </p:nvPr>
+        </p:nvSpPr>
+        <p:spPr/>
+        <p:txBody>
+          <a:bodyPr>
+            <a:normAutofit/>
+          </a:bodyPr>
+          <a:lstStyle/>
+          <a:p>
+            <a:r>
+              <a:rPr lang="en-US" dirty="0"/>
+              <a:t>Performance Bottleneck – </a:t>
+            </a:r>
+            <a:r>
+              <a:rPr lang="en-US" sz="2000" dirty="0">
+                <a:solidFill>
+                  <a:srgbClr val="FFB556"/>
+                </a:solidFill>
+              </a:rPr>
+              <a:t>vkQueuePresentKHR/vkQueueSubmitKHR</a:t>
+            </a:r>
+            <a:endParaRPr lang="en-IN" sz="2000" dirty="0">
+              <a:solidFill>
+                <a:srgbClr val="FFB556"/>
+              </a:solidFill>
+            </a:endParaRPr>
+          </a:p>
+        </p:txBody>
+      </p:sp>
+      <p:sp>
+        <p:nvSpPr>
+          <p:cNvPr id="3" name="Content Placeholder 2">
+            <a:extLst>
+              <a:ext uri="{FF2B5EF4-FFF2-40B4-BE49-F238E27FC236}">
+                <a16:creationId xmlns:a16="http://schemas.microsoft.com/office/drawing/2014/main" id="{142BF2F0-15EF-C441-4887-EC3FEA12F04A}"/>
+              </a:ext>
+            </a:extLst>
+          </p:cNvPr>
+          <p:cNvSpPr>
+            <a:spLocks noGrp="1"/>
+          </p:cNvSpPr>
+          <p:nvPr>
+            <p:ph idx="1"/>
+          </p:nvPr>
+        </p:nvSpPr>
+        <p:spPr>
+          <a:xfrm>
+            <a:off x="541176" y="1219454"/>
+            <a:ext cx="10812624" cy="4114546"/>
+          </a:xfrm>
+        </p:spPr>
+        <p:txBody>
+          <a:bodyPr>
+            <a:normAutofit/>
+          </a:bodyPr>
+          <a:lstStyle/>
+          <a:p>
+            <a:pPr marL="0" indent="0">
+              <a:buNone/>
+            </a:pPr>
+            <a:r>
+              <a:rPr lang="en-US" sz="1700" dirty="0">
+                <a:solidFill>
+                  <a:schemeClr val="accent3">
+                    <a:lumMod val="40000"/>
+                    <a:lumOff val="60000"/>
+                  </a:schemeClr>
+                </a:solidFill>
+              </a:rPr>
+              <a:t>Problem</a:t>
+            </a:r>
+          </a:p>
+          <a:p>
+            <a:r>
+              <a:rPr lang="en-US" sz="1400" dirty="0">
+                <a:solidFill>
+                  <a:schemeClr val="accent3">
+                    <a:lumMod val="75000"/>
+                  </a:schemeClr>
+                </a:solidFill>
+              </a:rPr>
+              <a:t>Presentation of frame is taking around </a:t>
+            </a:r>
+            <a:r>
+              <a:rPr lang="en-US" sz="1400" u="sng" dirty="0">
+                <a:solidFill>
+                  <a:schemeClr val="accent3">
+                    <a:lumMod val="75000"/>
+                  </a:schemeClr>
+                </a:solidFill>
+              </a:rPr>
+              <a:t>1.2-2.0</a:t>
+            </a:r>
+            <a:r>
+              <a:rPr lang="en-US" sz="1400" i="1" u="sng" dirty="0">
+                <a:solidFill>
+                  <a:schemeClr val="accent3">
+                    <a:lumMod val="75000"/>
+                  </a:schemeClr>
+                </a:solidFill>
+              </a:rPr>
+              <a:t>ms</a:t>
+            </a:r>
+            <a:r>
+              <a:rPr lang="en-US" sz="1400" dirty="0">
+                <a:solidFill>
+                  <a:schemeClr val="accent3">
+                    <a:lumMod val="75000"/>
+                  </a:schemeClr>
+                </a:solidFill>
+              </a:rPr>
+              <a:t> in Razix</a:t>
+            </a:r>
+            <a:r>
+              <a:rPr lang="en-US" sz="1400" dirty="0"/>
+              <a:t>, typical native Vulkan app takes around 0.06-0.08</a:t>
+            </a:r>
+            <a:r>
+              <a:rPr lang="en-US" sz="1400" i="1" dirty="0"/>
+              <a:t>ms</a:t>
+            </a:r>
+            <a:r>
+              <a:rPr lang="en-US" sz="1400" dirty="0"/>
+              <a:t> (avg. &lt; 1.0</a:t>
+            </a:r>
+            <a:r>
+              <a:rPr lang="en-US" sz="1400" i="1" dirty="0"/>
+              <a:t>ms</a:t>
+            </a:r>
+            <a:r>
+              <a:rPr lang="en-US" sz="1400" dirty="0"/>
+              <a:t>)</a:t>
+            </a:r>
+          </a:p>
+          <a:p>
+            <a:pPr lvl="1"/>
+            <a:r>
+              <a:rPr lang="en-US" dirty="0">
+                <a:solidFill>
+                  <a:schemeClr val="bg1"/>
+                </a:solidFill>
+              </a:rPr>
+              <a:t>This includes time for both </a:t>
+            </a:r>
+            <a:r>
+              <a:rPr lang="en-US" dirty="0">
+                <a:solidFill>
+                  <a:schemeClr val="accent1"/>
+                </a:solidFill>
+              </a:rPr>
+              <a:t>vkQueuePresentKHR</a:t>
+            </a:r>
+            <a:r>
+              <a:rPr lang="en-US" dirty="0">
+                <a:solidFill>
+                  <a:srgbClr val="C00000"/>
+                </a:solidFill>
+              </a:rPr>
+              <a:t>(0.04-0.06ms)</a:t>
+            </a:r>
+            <a:r>
+              <a:rPr lang="en-US" dirty="0">
+                <a:solidFill>
+                  <a:schemeClr val="bg1"/>
+                </a:solidFill>
+              </a:rPr>
+              <a:t> and </a:t>
+            </a:r>
+            <a:r>
+              <a:rPr lang="en-US" dirty="0">
+                <a:solidFill>
+                  <a:schemeClr val="accent1"/>
+                </a:solidFill>
+              </a:rPr>
+              <a:t>vkWaitForFences</a:t>
+            </a:r>
+            <a:r>
+              <a:rPr lang="en-US" dirty="0">
+                <a:solidFill>
+                  <a:srgbClr val="C00000"/>
+                </a:solidFill>
+              </a:rPr>
+              <a:t>(taking around 0.8-1.2ms)</a:t>
+            </a:r>
+          </a:p>
+          <a:p>
+            <a:pPr lvl="1"/>
+            <a:r>
+              <a:rPr lang="en-US" dirty="0">
+                <a:solidFill>
+                  <a:schemeClr val="bg1"/>
+                </a:solidFill>
+              </a:rPr>
+              <a:t>Could be due to absence of memory and pipeline barriers for </a:t>
+            </a:r>
+            <a:r>
+              <a:rPr lang="en-US" dirty="0">
+                <a:solidFill>
+                  <a:schemeClr val="accent6">
+                    <a:lumMod val="60000"/>
+                    <a:lumOff val="40000"/>
+                  </a:schemeClr>
+                </a:solidFill>
+              </a:rPr>
+              <a:t>Render Targets</a:t>
+            </a:r>
+            <a:r>
+              <a:rPr lang="en-US" dirty="0">
+                <a:solidFill>
+                  <a:schemeClr val="bg1"/>
+                </a:solidFill>
+              </a:rPr>
+              <a:t> b/w the FrameGraph passes, presentation engine is resolving the dependencies and it taking a lot of time</a:t>
+            </a:r>
+          </a:p>
+          <a:p>
+            <a:pPr lvl="1"/>
+            <a:r>
+              <a:rPr lang="en-US" dirty="0">
+                <a:solidFill>
+                  <a:schemeClr val="bg1"/>
+                </a:solidFill>
+              </a:rPr>
+              <a:t>Or since it’s separated into many virtual functions this could be causing issues, since we have fixed no. of semaphores per frame, try implementing them in a single function inside the </a:t>
+            </a:r>
+            <a:r>
+              <a:rPr lang="en-US" dirty="0">
+                <a:solidFill>
+                  <a:schemeClr val="accent3">
+                    <a:lumMod val="60000"/>
+                    <a:lumOff val="40000"/>
+                  </a:schemeClr>
+                </a:solidFill>
+              </a:rPr>
+              <a:t>VKSwapchain</a:t>
+            </a:r>
+            <a:r>
+              <a:rPr lang="en-US" dirty="0">
+                <a:solidFill>
+                  <a:schemeClr val="bg1"/>
+                </a:solidFill>
+              </a:rPr>
+              <a:t> itself to make things simple and fast and have less cache misses</a:t>
+            </a:r>
+          </a:p>
+          <a:p>
+            <a:pPr lvl="1"/>
+            <a:endParaRPr lang="en-US" sz="1000" dirty="0">
+              <a:solidFill>
+                <a:schemeClr val="bg1"/>
+              </a:solidFill>
+            </a:endParaRPr>
+          </a:p>
+          <a:p>
+            <a:pPr marL="0" indent="0">
+              <a:buNone/>
+            </a:pPr>
+            <a:r>
+              <a:rPr lang="en-US" sz="1700" dirty="0">
+                <a:solidFill>
+                  <a:schemeClr val="accent6">
+                    <a:lumMod val="60000"/>
+                    <a:lumOff val="40000"/>
+                  </a:schemeClr>
+                </a:solidFill>
+              </a:rPr>
+              <a:t>Solution</a:t>
+            </a:r>
+          </a:p>
+          <a:p>
+            <a:r>
+              <a:rPr lang="en-US" sz="1400" dirty="0"/>
+              <a:t>Merge submission and presentation into a single function to avoid redirection that too through virtual functions</a:t>
+            </a:r>
+          </a:p>
+          <a:p>
+            <a:r>
+              <a:rPr lang="en-US" sz="1400" dirty="0" err="1"/>
+              <a:t>VKSwapchain</a:t>
+            </a:r>
+            <a:r>
+              <a:rPr lang="en-US" sz="1400" dirty="0"/>
+              <a:t> will manage the frameSyncData ({imageReadySemaphore, renderingDoneSemaphore, </a:t>
+            </a:r>
+            <a:r>
+              <a:rPr lang="en-US" sz="1400" dirty="0" err="1"/>
+              <a:t>inFlightFence</a:t>
+            </a:r>
+            <a:r>
+              <a:rPr lang="en-US" sz="1400" dirty="0"/>
+              <a:t>} x </a:t>
+            </a:r>
+            <a:r>
+              <a:rPr lang="en-US" sz="1400" dirty="0">
+                <a:solidFill>
+                  <a:srgbClr val="7030A0"/>
+                </a:solidFill>
+              </a:rPr>
+              <a:t>MAX_SWAP_IMAGES(3)</a:t>
+            </a:r>
+            <a:r>
+              <a:rPr lang="en-US" sz="1400" dirty="0"/>
+              <a:t>)</a:t>
+            </a:r>
+          </a:p>
+          <a:p>
+            <a:r>
+              <a:rPr lang="en-US" sz="1400" dirty="0"/>
+              <a:t>Pipeline/Memory barriers will help in synchronization of pass resources and presentation only waits on </a:t>
+            </a:r>
+            <a:r>
+              <a:rPr lang="en-US" sz="1400" dirty="0">
+                <a:solidFill>
+                  <a:srgbClr val="7030A0"/>
+                </a:solidFill>
+                <a:latin typeface="Cascadia Mono" panose="020B0609020000020004" pitchFamily="49" charset="0"/>
+              </a:rPr>
+              <a:t>VK_PIPELINE_STAGE_COLOR_ATTACHMENT_OUTPUT_BIT</a:t>
+            </a:r>
+            <a:endParaRPr lang="en-US" sz="1400" dirty="0">
+              <a:solidFill>
+                <a:srgbClr val="7030A0"/>
+              </a:solidFill>
+            </a:endParaRPr>
+          </a:p>
+          <a:p>
+            <a:endParaRPr lang="en-US" sz="1500" dirty="0"/>
+          </a:p>
+          <a:p>
+            <a:pPr marL="457177" lvl="1" indent="0">
+              <a:buNone/>
+            </a:pPr>
+            <a:endParaRPr lang="en-US" sz="1000" dirty="0">
+              <a:solidFill>
+                <a:schemeClr val="bg1"/>
+              </a:solidFill>
+            </a:endParaRPr>
+          </a:p>
+        </p:txBody>
+      </p:sp>
+      <p:pic>
+        <p:nvPicPr>
+          <p:cNvPr id="5" name="Picture 4">
+            <a:extLst>
+              <a:ext uri="{FF2B5EF4-FFF2-40B4-BE49-F238E27FC236}">
+                <a16:creationId xmlns:a16="http://schemas.microsoft.com/office/drawing/2014/main" id="{9D2E9F68-9244-BC23-BB44-6846B47AE10D}"/>
+              </a:ext>
+            </a:extLst>
+          </p:cNvPr>
+          <p:cNvPicPr>
+            <a:picLocks noChangeAspect="1"/>
+          </p:cNvPicPr>
+          <p:nvPr/>
+        </p:nvPicPr>
+        <p:blipFill>
+          <a:blip r:embed="rId2"/>
+          <a:stretch>
+            <a:fillRect/>
+          </a:stretch>
+        </p:blipFill>
+        <p:spPr>
+          <a:xfrm>
+            <a:off x="2146559" y="5298381"/>
+            <a:ext cx="7171093" cy="1407471"/>
+          </a:xfrm>
+          <a:prstGeom prst="rect">
+            <a:avLst/>
+          </a:prstGeom>
+          <a:effectLst/>
+        </p:spPr>
+      </p:pic>
+      <p:sp>
+        <p:nvSpPr>
+          <p:cNvPr id="6" name="TextBox 5">
+            <a:extLst>
+              <a:ext uri="{FF2B5EF4-FFF2-40B4-BE49-F238E27FC236}">
+                <a16:creationId xmlns:a16="http://schemas.microsoft.com/office/drawing/2014/main" id="{DE840441-9B46-45BA-ED78-107447FA4C36}"/>
+              </a:ext>
+            </a:extLst>
+          </p:cNvPr>
+          <p:cNvSpPr txBox="1"/>
+          <p:nvPr/>
+        </p:nvSpPr>
+        <p:spPr>
+          <a:xfrm>
+            <a:off x="4113410" y="6396286"/>
+            <a:ext cx="3117850" cy="369332"/>
+          </a:xfrm>
+          <a:prstGeom prst="rect">
+            <a:avLst/>
+          </a:prstGeom>
+          <a:noFill/>
+        </p:spPr>
+        <p:txBody>
+          <a:bodyPr wrap="square" rtlCol="0">
+            <a:spAutoFit/>
+          </a:bodyPr>
+          <a:lstStyle/>
+          <a:p>
+            <a:pPr algn="ctr"/>
+            <a:r>
+              <a:rPr lang="en-US" dirty="0">
+                <a:solidFill>
+                  <a:schemeClr val="accent1">
+                    <a:lumMod val="40000"/>
+                    <a:lumOff val="60000"/>
+                  </a:schemeClr>
+                </a:solidFill>
+              </a:rPr>
+              <a:t>Razix Frame</a:t>
+            </a:r>
+            <a:endParaRPr lang="en-IN" dirty="0">
+              <a:solidFill>
+                <a:schemeClr val="accent1">
+                  <a:lumMod val="40000"/>
+                  <a:lumOff val="60000"/>
+                </a:schemeClr>
+              </a:solidFill>
+            </a:endParaRPr>
+          </a:p>
+        </p:txBody>
+      </p:sp>
+      <p:sp>
+        <p:nvSpPr>
+          <p:cNvPr id="7" name="TextBox 6">
+            <a:extLst>
+              <a:ext uri="{FF2B5EF4-FFF2-40B4-BE49-F238E27FC236}">
+                <a16:creationId xmlns:a16="http://schemas.microsoft.com/office/drawing/2014/main" id="{62E77515-B11F-E0F0-FFB7-E7355FA7F5C3}"/>
+              </a:ext>
+            </a:extLst>
+          </p:cNvPr>
+          <p:cNvSpPr txBox="1"/>
+          <p:nvPr/>
+        </p:nvSpPr>
+        <p:spPr>
+          <a:xfrm>
+            <a:off x="8033951" y="6242398"/>
+            <a:ext cx="1117600" cy="338554"/>
+          </a:xfrm>
+          <a:prstGeom prst="rect">
+            <a:avLst/>
+          </a:prstGeom>
+          <a:noFill/>
+        </p:spPr>
+        <p:txBody>
+          <a:bodyPr wrap="square" rtlCol="0">
+            <a:spAutoFit/>
+          </a:bodyPr>
+          <a:lstStyle/>
+          <a:p>
+            <a:r>
+              <a:rPr lang="en-US" sz="800" dirty="0">
+                <a:solidFill>
+                  <a:schemeClr val="accent3">
+                    <a:lumMod val="60000"/>
+                    <a:lumOff val="40000"/>
+                  </a:schemeClr>
+                </a:solidFill>
+              </a:rPr>
+              <a:t>Presentation is under </a:t>
+            </a:r>
+            <a:r>
+              <a:rPr lang="en-US" sz="800" i="1" dirty="0">
+                <a:solidFill>
+                  <a:schemeClr val="accent3">
+                    <a:lumMod val="60000"/>
+                    <a:lumOff val="40000"/>
+                  </a:schemeClr>
+                </a:solidFill>
+              </a:rPr>
+              <a:t>1.0ms</a:t>
+            </a:r>
+            <a:endParaRPr lang="en-IN" sz="800" i="1" dirty="0">
+              <a:solidFill>
+                <a:schemeClr val="accent3">
+                  <a:lumMod val="60000"/>
+                  <a:lumOff val="40000"/>
+                </a:schemeClr>
+              </a:solidFill>
+            </a:endParaRPr>
+          </a:p>
+        </p:txBody>
+      </p:sp>
+      <p:sp>
+        <p:nvSpPr>
+          <p:cNvPr id="8" name="Left Brace 7">
+            <a:extLst>
+              <a:ext uri="{FF2B5EF4-FFF2-40B4-BE49-F238E27FC236}">
+                <a16:creationId xmlns:a16="http://schemas.microsoft.com/office/drawing/2014/main" id="{15442EDF-7BEC-75AE-DD3E-17D3D576A752}"/>
+              </a:ext>
+            </a:extLst>
+          </p:cNvPr>
+          <p:cNvSpPr/>
+          <p:nvPr/>
+        </p:nvSpPr>
+        <p:spPr>
+          <a:xfrm rot="16200000">
+            <a:off x="8466191" y="5939004"/>
+            <a:ext cx="107075" cy="514349"/>
+          </a:xfrm>
+          <a:prstGeom prst="leftBrace">
+            <a:avLst>
+              <a:gd name="adj1" fmla="val 23901"/>
+              <a:gd name="adj2" fmla="val 50463"/>
+            </a:avLst>
+          </a:prstGeom>
+        </p:spPr>
+        <p:style>
+          <a:lnRef idx="1">
+            <a:schemeClr val="accent3"/>
+          </a:lnRef>
+          <a:fillRef idx="0">
+            <a:schemeClr val="accent3"/>
+          </a:fillRef>
+          <a:effectRef idx="0">
+            <a:schemeClr val="accent3"/>
+          </a:effectRef>
+          <a:fontRef idx="minor">
+            <a:schemeClr val="tx1"/>
+          </a:fontRef>
+        </p:style>
+        <p:txBody>
+          <a:bodyPr rtlCol="0" anchor="ctr"/>
+          <a:lstStyle/>
+          <a:p>
+            <a:pPr algn="ctr"/>
+            <a:endParaRPr lang="en-IN">
+              <a:solidFill>
+                <a:schemeClr val="accent3">
+                  <a:lumMod val="60000"/>
+                  <a:lumOff val="40000"/>
+                </a:schemeClr>
+              </a:solidFill>
+            </a:endParaRPr>
+          </a:p>
+        </p:txBody>
+      </p:sp>
+    </p:spTree>
+    <p:extLst>
+      <p:ext uri="{BB962C8B-B14F-4D97-AF65-F5344CB8AC3E}">
+        <p14:creationId xmlns:p14="http://schemas.microsoft.com/office/powerpoint/2010/main" val="2919453556"/>
+      </p:ext>
+    </p:extLst>
+  </p:cSld>
+  <p:clrMapOvr>
+    <a:masterClrMapping/>
+  </p:clrMapOvr>
+</p:sld>
+</file>
+
 <file path=ppt/slides/slide2.xml><?xml version="1.0" encoding="utf-8"?>
 <p:sld xmlns:a="http://schemas.openxmlformats.org/drawingml/2006/main" xmlns:r="http://schemas.openxmlformats.org/officeDocument/2006/relationships" xmlns:p="http://schemas.openxmlformats.org/presentationml/2006/main">
   <p:cSld>
@@ -5246,7 +5832,7 @@
         </p:nvSpPr>
         <p:spPr>
           <a:xfrm>
-            <a:off x="7033274" y="5802044"/>
+            <a:off x="7072292" y="5375937"/>
             <a:ext cx="2494601" cy="830997"/>
           </a:xfrm>
           <a:prstGeom prst="rect">
@@ -6180,8 +6766,8 @@
         </p:nvSpPr>
         <p:spPr>
           <a:xfrm>
-            <a:off x="975360" y="2345905"/>
-            <a:ext cx="2514599" cy="246221"/>
+            <a:off x="968487" y="2352715"/>
+            <a:ext cx="2514600" cy="246221"/>
           </a:xfrm>
           <a:prstGeom prst="rect">
             <a:avLst/>
@@ -6787,7 +7373,7 @@
                 <a:ea typeface="Calibri Light" panose="020F0302020204030204" pitchFamily="34" charset="0"/>
                 <a:cs typeface="Courier New" panose="02070309020205020404" pitchFamily="49" charset="0"/>
               </a:rPr>
-              <a:t>Pompeius::buildDrawables(RZWorld::meshes/decals)</a:t>
+              <a:t>Pompeius::BuildDrawables(RZWorld::meshes/decals)</a:t>
             </a:r>
             <a:endParaRPr lang="en-IN" sz="800" dirty="0">
               <a:solidFill>
@@ -6899,7 +7485,7 @@
                 <a:ea typeface="Calibri Light" panose="020F0302020204030204" pitchFamily="34" charset="0"/>
                 <a:cs typeface="Courier New" panose="02070309020205020404" pitchFamily="49" charset="0"/>
               </a:rPr>
-              <a:t>Pompeius::buildBatches(Drawables*) </a:t>
+              <a:t>Pompeius::BuildBatches(Drawables*) </a:t>
             </a:r>
             <a:endParaRPr lang="en-IN" sz="800" dirty="0">
               <a:solidFill>
@@ -7692,7 +8278,7 @@
         </p:nvSpPr>
         <p:spPr>
           <a:xfrm>
-            <a:off x="7033275" y="5496417"/>
+            <a:off x="7072293" y="5070310"/>
             <a:ext cx="824470" cy="286512"/>
           </a:xfrm>
           <a:prstGeom prst="rect">
@@ -8565,8 +9151,22 @@
                   <a:schemeClr val="bg1"/>
                 </a:solidFill>
               </a:rPr>
-              <a:t>[Source]: https://github.com/skaarj1989/SupernovaEngine</a:t>
-            </a:r>
+              <a:t>[Source]: </a:t>
+            </a:r>
+            <a:r>
+              <a:rPr lang="en-IN" sz="1400" dirty="0">
+                <a:solidFill>
+                  <a:schemeClr val="bg1"/>
+                </a:solidFill>
+                <a:hlinkClick r:id="rId2"/>
+              </a:rPr>
+              <a:t>https://github.com/skaarj1989/SupernovaEngine</a:t>
+            </a:r>
+            <a:endParaRPr lang="en-IN" sz="1400" dirty="0">
+              <a:solidFill>
+                <a:schemeClr val="bg1"/>
+              </a:solidFill>
+            </a:endParaRPr>
           </a:p>
         </p:txBody>
       </p:sp>
@@ -8616,20 +9216,19 @@
             <p:ph type="title"/>
           </p:nvPr>
         </p:nvSpPr>
-        <p:spPr/>
+        <p:spPr>
+          <a:noFill/>
+        </p:spPr>
         <p:txBody>
           <a:bodyPr/>
           <a:lstStyle/>
           <a:p>
             <a:r>
               <a:rPr lang="en-US" dirty="0">
-                <a:gradFill>
+                <a:gradFill flip="none" rotWithShape="1">
                   <a:gsLst>
                     <a:gs pos="0">
-                      <a:schemeClr val="accent6">
-                        <a:lumMod val="40000"/>
-                        <a:lumOff val="60000"/>
-                      </a:schemeClr>
+                      <a:srgbClr val="C00000"/>
                     </a:gs>
                     <a:gs pos="46000">
                       <a:schemeClr val="accent6">
@@ -8638,26 +9237,22 @@
                       </a:schemeClr>
                     </a:gs>
                     <a:gs pos="100000">
-                      <a:schemeClr val="accent6">
-                        <a:lumMod val="60000"/>
-                      </a:schemeClr>
+                      <a:srgbClr val="00B0F0"/>
                     </a:gs>
                   </a:gsLst>
                   <a:path path="circle">
-                    <a:fillToRect l="50000" t="130000" r="50000" b="-30000"/>
+                    <a:fillToRect l="100000" t="100000"/>
                   </a:path>
+                  <a:tileRect r="-100000" b="-100000"/>
                 </a:gradFill>
               </a:rPr>
               <a:t>Color Space, HDR, Tone mapping and LUT color grading…</a:t>
             </a:r>
             <a:endParaRPr lang="en-IN" dirty="0">
-              <a:gradFill>
+              <a:gradFill flip="none" rotWithShape="1">
                 <a:gsLst>
                   <a:gs pos="0">
-                    <a:schemeClr val="accent6">
-                      <a:lumMod val="40000"/>
-                      <a:lumOff val="60000"/>
-                    </a:schemeClr>
+                    <a:srgbClr val="C00000"/>
                   </a:gs>
                   <a:gs pos="46000">
                     <a:schemeClr val="accent6">
@@ -8666,14 +9261,13 @@
                     </a:schemeClr>
                   </a:gs>
                   <a:gs pos="100000">
-                    <a:schemeClr val="accent6">
-                      <a:lumMod val="60000"/>
-                    </a:schemeClr>
+                    <a:srgbClr val="00B0F0"/>
                   </a:gs>
                 </a:gsLst>
                 <a:path path="circle">
-                  <a:fillToRect l="50000" t="130000" r="50000" b="-30000"/>
+                  <a:fillToRect l="100000" t="100000"/>
                 </a:path>
+                <a:tileRect r="-100000" b="-100000"/>
               </a:gradFill>
             </a:endParaRPr>
           </a:p>
@@ -8681,29 +9275,777 @@
       </p:sp>
       <p:sp>
         <p:nvSpPr>
-          <p:cNvPr id="3" name="Content Placeholder 2">
-            <a:extLst>
-              <a:ext uri="{FF2B5EF4-FFF2-40B4-BE49-F238E27FC236}">
-                <a16:creationId xmlns:a16="http://schemas.microsoft.com/office/drawing/2014/main" id="{D45F6B64-193B-1FD7-132E-7B4602393A00}"/>
-              </a:ext>
-            </a:extLst>
-          </p:cNvPr>
-          <p:cNvSpPr>
-            <a:spLocks noGrp="1"/>
-          </p:cNvSpPr>
+          <p:cNvPr id="5" name="TextBox 4">
+            <a:extLst>
+              <a:ext uri="{FF2B5EF4-FFF2-40B4-BE49-F238E27FC236}">
+                <a16:creationId xmlns:a16="http://schemas.microsoft.com/office/drawing/2014/main" id="{9280F8EB-9181-322E-BF42-FD77974273B0}"/>
+              </a:ext>
+            </a:extLst>
+          </p:cNvPr>
+          <p:cNvSpPr txBox="1"/>
+          <p:nvPr/>
+        </p:nvSpPr>
+        <p:spPr>
+          <a:xfrm>
+            <a:off x="6285653" y="663449"/>
+            <a:ext cx="5662507" cy="276999"/>
+          </a:xfrm>
+          <a:prstGeom prst="rect">
+            <a:avLst/>
+          </a:prstGeom>
+          <a:noFill/>
+        </p:spPr>
+        <p:txBody>
+          <a:bodyPr wrap="square">
+            <a:spAutoFit/>
+          </a:bodyPr>
+          <a:lstStyle/>
+          <a:p>
+            <a:r>
+              <a:rPr lang="en-IN" sz="1200" dirty="0">
+                <a:solidFill>
+                  <a:schemeClr val="bg1"/>
+                </a:solidFill>
+                <a:hlinkClick r:id="rId2"/>
+              </a:rPr>
+              <a:t>https://blog.johnnovak.net/2016/09/21/what-every-coder-should-know-about-gamma/</a:t>
+            </a:r>
+            <a:endParaRPr lang="en-IN" sz="1200" dirty="0">
+              <a:solidFill>
+                <a:schemeClr val="bg1"/>
+              </a:solidFill>
+            </a:endParaRPr>
+          </a:p>
+        </p:txBody>
+      </p:sp>
+      <p:sp>
+        <p:nvSpPr>
+          <p:cNvPr id="7" name="TextBox 6">
+            <a:extLst>
+              <a:ext uri="{FF2B5EF4-FFF2-40B4-BE49-F238E27FC236}">
+                <a16:creationId xmlns:a16="http://schemas.microsoft.com/office/drawing/2014/main" id="{47E515C5-0282-7141-48EC-FEA250A2A5DF}"/>
+              </a:ext>
+            </a:extLst>
+          </p:cNvPr>
+          <p:cNvSpPr txBox="1"/>
+          <p:nvPr/>
+        </p:nvSpPr>
+        <p:spPr>
+          <a:xfrm>
+            <a:off x="474305" y="1116214"/>
+            <a:ext cx="11351933" cy="1107996"/>
+          </a:xfrm>
+          <a:prstGeom prst="rect">
+            <a:avLst/>
+          </a:prstGeom>
+          <a:noFill/>
+        </p:spPr>
+        <p:txBody>
+          <a:bodyPr wrap="square" rtlCol="0">
+            <a:spAutoFit/>
+          </a:bodyPr>
+          <a:lstStyle/>
+          <a:p>
+            <a:r>
+              <a:rPr lang="en-US" b="1" u="sng" dirty="0">
+                <a:solidFill>
+                  <a:schemeClr val="bg1"/>
+                </a:solidFill>
+              </a:rPr>
+              <a:t>Gamma Correction:</a:t>
+            </a:r>
+          </a:p>
+          <a:p>
+            <a:r>
+              <a:rPr lang="en-US" sz="1600" dirty="0">
+                <a:solidFill>
+                  <a:schemeClr val="bg1"/>
+                </a:solidFill>
+                <a:latin typeface="Calibri Light" panose="020F0302020204030204" pitchFamily="34" charset="0"/>
+                <a:ea typeface="Calibri Light" panose="020F0302020204030204" pitchFamily="34" charset="0"/>
+                <a:cs typeface="Calibri Light" panose="020F0302020204030204" pitchFamily="34" charset="0"/>
+              </a:rPr>
+              <a:t>The process of converting values from linear space to gamma space is called gamma encoding (or gamma compression), and the reverse gamma decoding (or gamma expansion). sRGB gamma is very close to a standard gamma of 2.2, but it has a short linear segment in the very dark range to avoid a slope of infinity at zero. </a:t>
+            </a:r>
+            <a:r>
+              <a:rPr lang="en-US" sz="1600" dirty="0">
+                <a:highlight>
+                  <a:srgbClr val="FFFF00"/>
+                </a:highlight>
+                <a:latin typeface="Calibri Light" panose="020F0302020204030204" pitchFamily="34" charset="0"/>
+                <a:ea typeface="Calibri Light" panose="020F0302020204030204" pitchFamily="34" charset="0"/>
+                <a:cs typeface="Calibri Light" panose="020F0302020204030204" pitchFamily="34" charset="0"/>
+              </a:rPr>
+              <a:t>So use the utility functions provided, don’t just do x^2.2.</a:t>
+            </a:r>
+            <a:endParaRPr lang="en-IN" sz="1600" dirty="0">
+              <a:highlight>
+                <a:srgbClr val="FFFF00"/>
+              </a:highlight>
+              <a:latin typeface="Calibri Light" panose="020F0302020204030204" pitchFamily="34" charset="0"/>
+              <a:ea typeface="Calibri Light" panose="020F0302020204030204" pitchFamily="34" charset="0"/>
+              <a:cs typeface="Calibri Light" panose="020F0302020204030204" pitchFamily="34" charset="0"/>
+            </a:endParaRPr>
+          </a:p>
+        </p:txBody>
+      </p:sp>
+      <p:sp>
+        <p:nvSpPr>
+          <p:cNvPr id="8" name="Rectangle 7">
+            <a:extLst>
+              <a:ext uri="{FF2B5EF4-FFF2-40B4-BE49-F238E27FC236}">
+                <a16:creationId xmlns:a16="http://schemas.microsoft.com/office/drawing/2014/main" id="{250FA4EA-5EAF-6979-81D2-B5697C15261F}"/>
+              </a:ext>
+            </a:extLst>
+          </p:cNvPr>
+          <p:cNvSpPr/>
+          <p:nvPr/>
+        </p:nvSpPr>
+        <p:spPr>
+          <a:xfrm>
+            <a:off x="657013" y="2377440"/>
+            <a:ext cx="4572000" cy="880533"/>
+          </a:xfrm>
+          <a:prstGeom prst="rect">
+            <a:avLst/>
+          </a:prstGeom>
+          <a:solidFill>
+            <a:schemeClr val="accent4">
+              <a:lumMod val="60000"/>
+              <a:lumOff val="40000"/>
+            </a:schemeClr>
+          </a:solidFill>
+          <a:effectLst>
+            <a:outerShdw blurRad="63500" sx="102000" sy="102000" algn="ctr" rotWithShape="0">
+              <a:prstClr val="black">
+                <a:alpha val="40000"/>
+              </a:prstClr>
+            </a:outerShdw>
+          </a:effectLst>
+        </p:spPr>
+        <p:style>
+          <a:lnRef idx="0">
+            <a:schemeClr val="accent4"/>
+          </a:lnRef>
+          <a:fillRef idx="3">
+            <a:schemeClr val="accent4"/>
+          </a:fillRef>
+          <a:effectRef idx="3">
+            <a:schemeClr val="accent4"/>
+          </a:effectRef>
+          <a:fontRef idx="minor">
+            <a:schemeClr val="lt1"/>
+          </a:fontRef>
+        </p:style>
+        <p:txBody>
+          <a:bodyPr rtlCol="0" anchor="ctr"/>
+          <a:lstStyle/>
+          <a:p>
+            <a:r>
+              <a:rPr lang="en-US" sz="1400" dirty="0">
+                <a:solidFill>
+                  <a:schemeClr val="tx1"/>
+                </a:solidFill>
+                <a:latin typeface="Calibri Light" panose="020F0302020204030204" pitchFamily="34" charset="0"/>
+                <a:ea typeface="Calibri Light" panose="020F0302020204030204" pitchFamily="34" charset="0"/>
+                <a:cs typeface="Calibri Light" panose="020F0302020204030204" pitchFamily="34" charset="0"/>
+              </a:rPr>
+              <a:t>In Razix we render everything in </a:t>
+            </a:r>
+            <a:r>
+              <a:rPr lang="en-US" sz="1400" b="1" dirty="0">
+                <a:solidFill>
+                  <a:schemeClr val="tx1"/>
+                </a:solidFill>
+                <a:highlight>
+                  <a:srgbClr val="FFFF00"/>
+                </a:highlight>
+                <a:latin typeface="Calibri Light" panose="020F0302020204030204" pitchFamily="34" charset="0"/>
+                <a:ea typeface="Calibri Light" panose="020F0302020204030204" pitchFamily="34" charset="0"/>
+                <a:cs typeface="Calibri Light" panose="020F0302020204030204" pitchFamily="34" charset="0"/>
+              </a:rPr>
+              <a:t>Linear</a:t>
+            </a:r>
+            <a:r>
+              <a:rPr lang="en-US" sz="1400" dirty="0">
+                <a:solidFill>
+                  <a:schemeClr val="tx1"/>
+                </a:solidFill>
+                <a:latin typeface="Calibri Light" panose="020F0302020204030204" pitchFamily="34" charset="0"/>
+                <a:ea typeface="Calibri Light" panose="020F0302020204030204" pitchFamily="34" charset="0"/>
+                <a:cs typeface="Calibri Light" panose="020F0302020204030204" pitchFamily="34" charset="0"/>
+              </a:rPr>
+              <a:t>, convert the textures to Linear (load the diffuse in linear space or convert in shaders) and use the final composition pass to match the color space and gamma correct out final render target.</a:t>
+            </a:r>
+            <a:endParaRPr lang="en-IN" sz="1400" dirty="0">
+              <a:solidFill>
+                <a:schemeClr val="tx1"/>
+              </a:solidFill>
+              <a:latin typeface="Calibri Light" panose="020F0302020204030204" pitchFamily="34" charset="0"/>
+              <a:ea typeface="Calibri Light" panose="020F0302020204030204" pitchFamily="34" charset="0"/>
+              <a:cs typeface="Calibri Light" panose="020F0302020204030204" pitchFamily="34" charset="0"/>
+            </a:endParaRPr>
+          </a:p>
+        </p:txBody>
+      </p:sp>
+      <p:sp>
+        <p:nvSpPr>
+          <p:cNvPr id="9" name="Rectangle 8">
+            <a:extLst>
+              <a:ext uri="{FF2B5EF4-FFF2-40B4-BE49-F238E27FC236}">
+                <a16:creationId xmlns:a16="http://schemas.microsoft.com/office/drawing/2014/main" id="{9D7A3027-D300-4BBB-C337-9C2579ADAB63}"/>
+              </a:ext>
+            </a:extLst>
+          </p:cNvPr>
+          <p:cNvSpPr/>
+          <p:nvPr/>
+        </p:nvSpPr>
+        <p:spPr>
+          <a:xfrm>
+            <a:off x="8460263" y="2353177"/>
+            <a:ext cx="3365975" cy="277707"/>
+          </a:xfrm>
+          <a:prstGeom prst="rect">
+            <a:avLst/>
+          </a:prstGeom>
+          <a:solidFill>
+            <a:srgbClr val="7030A0"/>
+          </a:solidFill>
+          <a:ln>
+            <a:noFill/>
+          </a:ln>
+        </p:spPr>
+        <p:style>
+          <a:lnRef idx="2">
+            <a:schemeClr val="accent1">
+              <a:shade val="15000"/>
+            </a:schemeClr>
+          </a:lnRef>
+          <a:fillRef idx="1">
+            <a:schemeClr val="accent1"/>
+          </a:fillRef>
+          <a:effectRef idx="0">
+            <a:schemeClr val="accent1"/>
+          </a:effectRef>
+          <a:fontRef idx="minor">
+            <a:schemeClr val="lt1"/>
+          </a:fontRef>
+        </p:style>
+        <p:txBody>
+          <a:bodyPr rtlCol="0" anchor="ctr"/>
+          <a:lstStyle/>
+          <a:p>
+            <a:pPr algn="ctr"/>
+            <a:r>
+              <a:rPr lang="en-US" sz="1200" i="1" dirty="0">
+                <a:solidFill>
+                  <a:schemeClr val="tx1"/>
+                </a:solidFill>
+                <a:latin typeface="Calibri Light" panose="020F0302020204030204" pitchFamily="34" charset="0"/>
+                <a:ea typeface="Calibri Light" panose="020F0302020204030204" pitchFamily="34" charset="0"/>
+                <a:cs typeface="Calibri Light" panose="020F0302020204030204" pitchFamily="34" charset="0"/>
+              </a:rPr>
+              <a:t>Razix Uses sRGB for SDR and Rec. 709 for HDR</a:t>
+            </a:r>
+            <a:endParaRPr lang="en-IN" sz="1200" i="1" dirty="0">
+              <a:solidFill>
+                <a:schemeClr val="tx1"/>
+              </a:solidFill>
+              <a:latin typeface="Calibri Light" panose="020F0302020204030204" pitchFamily="34" charset="0"/>
+              <a:ea typeface="Calibri Light" panose="020F0302020204030204" pitchFamily="34" charset="0"/>
+              <a:cs typeface="Calibri Light" panose="020F0302020204030204" pitchFamily="34" charset="0"/>
+            </a:endParaRPr>
+          </a:p>
+        </p:txBody>
+      </p:sp>
+      <p:graphicFrame>
+        <p:nvGraphicFramePr>
+          <p:cNvPr id="10" name="Table 9">
+            <a:extLst>
+              <a:ext uri="{FF2B5EF4-FFF2-40B4-BE49-F238E27FC236}">
+                <a16:creationId xmlns:a16="http://schemas.microsoft.com/office/drawing/2014/main" id="{20BE0DFD-C156-B240-994B-BBD4EE188DE1}"/>
+              </a:ext>
+            </a:extLst>
+          </p:cNvPr>
+          <p:cNvGraphicFramePr>
+            <a:graphicFrameLocks noGrp="1"/>
+          </p:cNvGraphicFramePr>
           <p:nvPr>
-            <p:ph idx="1"/>
+            <p:extLst>
+              <p:ext uri="{D42A27DB-BD31-4B8C-83A1-F6EECF244321}">
+                <p14:modId xmlns:p14="http://schemas.microsoft.com/office/powerpoint/2010/main" val="2904340006"/>
+              </p:ext>
+            </p:extLst>
           </p:nvPr>
-        </p:nvSpPr>
-        <p:spPr/>
-        <p:txBody>
-          <a:bodyPr/>
+        </p:nvGraphicFramePr>
+        <p:xfrm>
+          <a:off x="8460263" y="2759851"/>
+          <a:ext cx="3487897" cy="1854200"/>
+        </p:xfrm>
+        <a:graphic>
+          <a:graphicData uri="http://schemas.openxmlformats.org/drawingml/2006/table">
+            <a:tbl>
+              <a:tblPr firstRow="1" bandRow="1">
+                <a:tableStyleId>{5C22544A-7EE6-4342-B048-85BDC9FD1C3A}</a:tableStyleId>
+              </a:tblPr>
+              <a:tblGrid>
+                <a:gridCol w="1402144">
+                  <a:extLst>
+                    <a:ext uri="{9D8B030D-6E8A-4147-A177-3AD203B41FA5}">
+                      <a16:colId xmlns:a16="http://schemas.microsoft.com/office/drawing/2014/main" val="3935738723"/>
+                    </a:ext>
+                  </a:extLst>
+                </a:gridCol>
+                <a:gridCol w="2085753">
+                  <a:extLst>
+                    <a:ext uri="{9D8B030D-6E8A-4147-A177-3AD203B41FA5}">
+                      <a16:colId xmlns:a16="http://schemas.microsoft.com/office/drawing/2014/main" val="1211875798"/>
+                    </a:ext>
+                  </a:extLst>
+                </a:gridCol>
+              </a:tblGrid>
+              <a:tr h="370840">
+                <a:tc>
+                  <a:txBody>
+                    <a:bodyPr/>
+                    <a:lstStyle/>
+                    <a:p>
+                      <a:r>
+                        <a:rPr lang="en-US" sz="1400" dirty="0"/>
+                        <a:t>Color Spaces</a:t>
+                      </a:r>
+                      <a:endParaRPr lang="en-IN" sz="1400" dirty="0"/>
+                    </a:p>
+                  </a:txBody>
+                  <a:tcPr/>
+                </a:tc>
+                <a:tc>
+                  <a:txBody>
+                    <a:bodyPr/>
+                    <a:lstStyle/>
+                    <a:p>
+                      <a:r>
+                        <a:rPr lang="en-US" sz="1400" dirty="0"/>
+                        <a:t>Description</a:t>
+                      </a:r>
+                      <a:endParaRPr lang="en-IN" sz="1400" dirty="0"/>
+                    </a:p>
+                  </a:txBody>
+                  <a:tcPr/>
+                </a:tc>
+                <a:extLst>
+                  <a:ext uri="{0D108BD9-81ED-4DB2-BD59-A6C34878D82A}">
+                    <a16:rowId xmlns:a16="http://schemas.microsoft.com/office/drawing/2014/main" val="1401722561"/>
+                  </a:ext>
+                </a:extLst>
+              </a:tr>
+              <a:tr h="370840">
+                <a:tc>
+                  <a:txBody>
+                    <a:bodyPr/>
+                    <a:lstStyle/>
+                    <a:p>
+                      <a:r>
+                        <a:rPr lang="en-US" sz="1400" dirty="0"/>
+                        <a:t>Linear</a:t>
+                      </a:r>
+                      <a:endParaRPr lang="en-IN" sz="1400" dirty="0"/>
+                    </a:p>
+                  </a:txBody>
+                  <a:tcPr/>
+                </a:tc>
+                <a:tc>
+                  <a:txBody>
+                    <a:bodyPr/>
+                    <a:lstStyle/>
+                    <a:p>
+                      <a:r>
+                        <a:rPr lang="en-US" sz="1400" dirty="0"/>
+                        <a:t>Only for no-color data</a:t>
+                      </a:r>
+                      <a:endParaRPr lang="en-IN" sz="1400" dirty="0"/>
+                    </a:p>
+                  </a:txBody>
+                  <a:tcPr/>
+                </a:tc>
+                <a:extLst>
+                  <a:ext uri="{0D108BD9-81ED-4DB2-BD59-A6C34878D82A}">
+                    <a16:rowId xmlns:a16="http://schemas.microsoft.com/office/drawing/2014/main" val="492714523"/>
+                  </a:ext>
+                </a:extLst>
+              </a:tr>
+              <a:tr h="370840">
+                <a:tc>
+                  <a:txBody>
+                    <a:bodyPr/>
+                    <a:lstStyle/>
+                    <a:p>
+                      <a:r>
+                        <a:rPr lang="en-US" sz="1400" dirty="0"/>
+                        <a:t>sRGB</a:t>
+                      </a:r>
+                      <a:endParaRPr lang="en-IN" sz="1400" dirty="0"/>
+                    </a:p>
+                  </a:txBody>
+                  <a:tcPr/>
+                </a:tc>
+                <a:tc>
+                  <a:txBody>
+                    <a:bodyPr/>
+                    <a:lstStyle/>
+                    <a:p>
+                      <a:r>
+                        <a:rPr lang="en-US" sz="1400" dirty="0"/>
+                        <a:t>De-facto for SDR</a:t>
+                      </a:r>
+                      <a:endParaRPr lang="en-IN" sz="1400" dirty="0"/>
+                    </a:p>
+                  </a:txBody>
+                  <a:tcPr/>
+                </a:tc>
+                <a:extLst>
+                  <a:ext uri="{0D108BD9-81ED-4DB2-BD59-A6C34878D82A}">
+                    <a16:rowId xmlns:a16="http://schemas.microsoft.com/office/drawing/2014/main" val="820020871"/>
+                  </a:ext>
+                </a:extLst>
+              </a:tr>
+              <a:tr h="370840">
+                <a:tc>
+                  <a:txBody>
+                    <a:bodyPr/>
+                    <a:lstStyle/>
+                    <a:p>
+                      <a:r>
+                        <a:rPr lang="en-US" sz="1400" dirty="0"/>
+                        <a:t>Rec. 709 </a:t>
+                      </a:r>
+                      <a:r>
+                        <a:rPr lang="en-US" sz="1400" b="1" dirty="0"/>
+                        <a:t>(HDR)</a:t>
+                      </a:r>
+                      <a:endParaRPr lang="en-IN" sz="1400" b="1" dirty="0"/>
+                    </a:p>
+                  </a:txBody>
+                  <a:tcPr/>
+                </a:tc>
+                <a:tc>
+                  <a:txBody>
+                    <a:bodyPr/>
+                    <a:lstStyle/>
+                    <a:p>
+                      <a:r>
+                        <a:rPr lang="en-US" sz="1400" dirty="0"/>
+                        <a:t>More color than sRGB</a:t>
+                      </a:r>
+                      <a:endParaRPr lang="en-IN" sz="1400" dirty="0"/>
+                    </a:p>
+                  </a:txBody>
+                  <a:tcPr/>
+                </a:tc>
+                <a:extLst>
+                  <a:ext uri="{0D108BD9-81ED-4DB2-BD59-A6C34878D82A}">
+                    <a16:rowId xmlns:a16="http://schemas.microsoft.com/office/drawing/2014/main" val="1585958656"/>
+                  </a:ext>
+                </a:extLst>
+              </a:tr>
+              <a:tr h="370840">
+                <a:tc>
+                  <a:txBody>
+                    <a:bodyPr/>
+                    <a:lstStyle/>
+                    <a:p>
+                      <a:r>
+                        <a:rPr lang="en-US" sz="1400" dirty="0"/>
+                        <a:t>Rec. 2020 </a:t>
+                      </a:r>
+                      <a:r>
+                        <a:rPr lang="en-US" sz="1400" b="1" dirty="0"/>
+                        <a:t>(HDR)</a:t>
+                      </a:r>
+                      <a:endParaRPr lang="en-IN" sz="1400" b="1" dirty="0"/>
+                    </a:p>
+                  </a:txBody>
+                  <a:tcPr/>
+                </a:tc>
+                <a:tc>
+                  <a:txBody>
+                    <a:bodyPr/>
+                    <a:lstStyle/>
+                    <a:p>
+                      <a:r>
+                        <a:rPr lang="en-US" sz="1400" dirty="0"/>
+                        <a:t>More color than rec.709</a:t>
+                      </a:r>
+                      <a:endParaRPr lang="en-IN" sz="1400" dirty="0"/>
+                    </a:p>
+                  </a:txBody>
+                  <a:tcPr/>
+                </a:tc>
+                <a:extLst>
+                  <a:ext uri="{0D108BD9-81ED-4DB2-BD59-A6C34878D82A}">
+                    <a16:rowId xmlns:a16="http://schemas.microsoft.com/office/drawing/2014/main" val="353940055"/>
+                  </a:ext>
+                </a:extLst>
+              </a:tr>
+            </a:tbl>
+          </a:graphicData>
+        </a:graphic>
+      </p:graphicFrame>
+      <p:sp>
+        <p:nvSpPr>
+          <p:cNvPr id="11" name="TextBox 10">
+            <a:extLst>
+              <a:ext uri="{FF2B5EF4-FFF2-40B4-BE49-F238E27FC236}">
+                <a16:creationId xmlns:a16="http://schemas.microsoft.com/office/drawing/2014/main" id="{2BD89EA1-4F0C-1FAE-5D71-BEF49AE78DDA}"/>
+              </a:ext>
+            </a:extLst>
+          </p:cNvPr>
+          <p:cNvSpPr txBox="1"/>
+          <p:nvPr/>
+        </p:nvSpPr>
+        <p:spPr>
+          <a:xfrm>
+            <a:off x="596228" y="3342291"/>
+            <a:ext cx="6468360" cy="1107996"/>
+          </a:xfrm>
+          <a:prstGeom prst="rect">
+            <a:avLst/>
+          </a:prstGeom>
+          <a:noFill/>
+        </p:spPr>
+        <p:txBody>
+          <a:bodyPr wrap="square" rtlCol="0">
+            <a:spAutoFit/>
+          </a:bodyPr>
           <a:lstStyle/>
           <a:p>
-            <a:endParaRPr lang="en-IN"/>
-          </a:p>
-        </p:txBody>
-      </p:sp>
+            <a:r>
+              <a:rPr lang="en-US" b="1" u="sng" dirty="0">
+                <a:solidFill>
+                  <a:schemeClr val="bg1"/>
+                </a:solidFill>
+              </a:rPr>
+              <a:t>Tonemapping (SDR &amp; HDR o/p):</a:t>
+            </a:r>
+            <a:endParaRPr lang="en-US" dirty="0">
+              <a:solidFill>
+                <a:schemeClr val="bg1"/>
+              </a:solidFill>
+              <a:latin typeface="Calibri Light" panose="020F0302020204030204" pitchFamily="34" charset="0"/>
+              <a:ea typeface="Calibri Light" panose="020F0302020204030204" pitchFamily="34" charset="0"/>
+              <a:cs typeface="Calibri Light" panose="020F0302020204030204" pitchFamily="34" charset="0"/>
+            </a:endParaRPr>
+          </a:p>
+          <a:p>
+            <a:pPr marL="285750" indent="-285750">
+              <a:buFont typeface="Arial" panose="020B0604020202020204" pitchFamily="34" charset="0"/>
+              <a:buChar char="•"/>
+            </a:pPr>
+            <a:r>
+              <a:rPr lang="en-IN" sz="1600" dirty="0">
+                <a:solidFill>
+                  <a:schemeClr val="bg1"/>
+                </a:solidFill>
+                <a:latin typeface="Calibri Light" panose="020F0302020204030204" pitchFamily="34" charset="0"/>
+                <a:ea typeface="Calibri Light" panose="020F0302020204030204" pitchFamily="34" charset="0"/>
+                <a:cs typeface="Calibri Light" panose="020F0302020204030204" pitchFamily="34" charset="0"/>
+              </a:rPr>
+              <a:t>Engine has many tonemapping functions to convert b/w HDR and SDR.</a:t>
+            </a:r>
+          </a:p>
+          <a:p>
+            <a:pPr marL="285750" indent="-285750">
+              <a:buFont typeface="Arial" panose="020B0604020202020204" pitchFamily="34" charset="0"/>
+              <a:buChar char="•"/>
+            </a:pPr>
+            <a:r>
+              <a:rPr lang="en-IN" sz="1600" dirty="0">
+                <a:solidFill>
+                  <a:schemeClr val="bg1"/>
+                </a:solidFill>
+                <a:latin typeface="Calibri Light" panose="020F0302020204030204" pitchFamily="34" charset="0"/>
+                <a:ea typeface="Calibri Light" panose="020F0302020204030204" pitchFamily="34" charset="0"/>
+                <a:cs typeface="Calibri Light" panose="020F0302020204030204" pitchFamily="34" charset="0"/>
+              </a:rPr>
+              <a:t>For </a:t>
+            </a:r>
+            <a:r>
+              <a:rPr lang="en-IN" sz="1600" b="1" dirty="0">
+                <a:solidFill>
+                  <a:schemeClr val="bg1"/>
+                </a:solidFill>
+                <a:latin typeface="Calibri Light" panose="020F0302020204030204" pitchFamily="34" charset="0"/>
+                <a:ea typeface="Calibri Light" panose="020F0302020204030204" pitchFamily="34" charset="0"/>
+                <a:cs typeface="Calibri Light" panose="020F0302020204030204" pitchFamily="34" charset="0"/>
+              </a:rPr>
+              <a:t>HDR tonemapping we need to do it based on the display max brightness and the HDR color space being used.</a:t>
+            </a:r>
+          </a:p>
+        </p:txBody>
+      </p:sp>
+      <p:graphicFrame>
+        <p:nvGraphicFramePr>
+          <p:cNvPr id="13" name="Table 12">
+            <a:extLst>
+              <a:ext uri="{FF2B5EF4-FFF2-40B4-BE49-F238E27FC236}">
+                <a16:creationId xmlns:a16="http://schemas.microsoft.com/office/drawing/2014/main" id="{8DCD2816-B080-8536-78DB-0008C5D200DB}"/>
+              </a:ext>
+            </a:extLst>
+          </p:cNvPr>
+          <p:cNvGraphicFramePr>
+            <a:graphicFrameLocks noGrp="1"/>
+          </p:cNvGraphicFramePr>
+          <p:nvPr>
+            <p:extLst>
+              <p:ext uri="{D42A27DB-BD31-4B8C-83A1-F6EECF244321}">
+                <p14:modId xmlns:p14="http://schemas.microsoft.com/office/powerpoint/2010/main" val="904077517"/>
+              </p:ext>
+            </p:extLst>
+          </p:nvPr>
+        </p:nvGraphicFramePr>
+        <p:xfrm>
+          <a:off x="730228" y="4688839"/>
+          <a:ext cx="5420043" cy="1620520"/>
+        </p:xfrm>
+        <a:graphic>
+          <a:graphicData uri="http://schemas.openxmlformats.org/drawingml/2006/table">
+            <a:tbl>
+              <a:tblPr firstRow="1" bandRow="1">
+                <a:tableStyleId>{93296810-A885-4BE3-A3E7-6D5BEEA58F35}</a:tableStyleId>
+              </a:tblPr>
+              <a:tblGrid>
+                <a:gridCol w="1356043">
+                  <a:extLst>
+                    <a:ext uri="{9D8B030D-6E8A-4147-A177-3AD203B41FA5}">
+                      <a16:colId xmlns:a16="http://schemas.microsoft.com/office/drawing/2014/main" val="2522508268"/>
+                    </a:ext>
+                  </a:extLst>
+                </a:gridCol>
+                <a:gridCol w="4064000">
+                  <a:extLst>
+                    <a:ext uri="{9D8B030D-6E8A-4147-A177-3AD203B41FA5}">
+                      <a16:colId xmlns:a16="http://schemas.microsoft.com/office/drawing/2014/main" val="3128334195"/>
+                    </a:ext>
+                  </a:extLst>
+                </a:gridCol>
+              </a:tblGrid>
+              <a:tr h="370840">
+                <a:tc>
+                  <a:txBody>
+                    <a:bodyPr/>
+                    <a:lstStyle/>
+                    <a:p>
+                      <a:r>
+                        <a:rPr lang="en-US" sz="1400" dirty="0"/>
+                        <a:t>HDR formats</a:t>
+                      </a:r>
+                      <a:endParaRPr lang="en-IN" sz="1400" dirty="0"/>
+                    </a:p>
+                  </a:txBody>
+                  <a:tcPr/>
+                </a:tc>
+                <a:tc>
+                  <a:txBody>
+                    <a:bodyPr/>
+                    <a:lstStyle/>
+                    <a:p>
+                      <a:r>
+                        <a:rPr lang="en-US" sz="1400" dirty="0"/>
+                        <a:t>Description</a:t>
+                      </a:r>
+                      <a:endParaRPr lang="en-IN" sz="1400" dirty="0"/>
+                    </a:p>
+                  </a:txBody>
+                  <a:tcPr/>
+                </a:tc>
+                <a:extLst>
+                  <a:ext uri="{0D108BD9-81ED-4DB2-BD59-A6C34878D82A}">
+                    <a16:rowId xmlns:a16="http://schemas.microsoft.com/office/drawing/2014/main" val="2135771859"/>
+                  </a:ext>
+                </a:extLst>
+              </a:tr>
+              <a:tr h="370840">
+                <a:tc>
+                  <a:txBody>
+                    <a:bodyPr/>
+                    <a:lstStyle/>
+                    <a:p>
+                      <a:r>
+                        <a:rPr lang="en-US" sz="1400" dirty="0">
+                          <a:highlight>
+                            <a:srgbClr val="FFFF00"/>
+                          </a:highlight>
+                        </a:rPr>
+                        <a:t>A2R10G10B10</a:t>
+                      </a:r>
+                      <a:endParaRPr lang="en-IN" sz="1400" dirty="0">
+                        <a:highlight>
+                          <a:srgbClr val="FFFF00"/>
+                        </a:highlight>
+                      </a:endParaRPr>
+                    </a:p>
+                  </a:txBody>
+                  <a:tcPr/>
+                </a:tc>
+                <a:tc>
+                  <a:txBody>
+                    <a:bodyPr/>
+                    <a:lstStyle/>
+                    <a:p>
+                      <a:r>
+                        <a:rPr lang="en-US" sz="1400" dirty="0"/>
+                        <a:t>De-factor HDR color format for Rec.709 and Rec.2020 color space. This is the final composite display swapchain format for HDR Rendering.</a:t>
+                      </a:r>
+                      <a:endParaRPr lang="en-IN" sz="1400" dirty="0"/>
+                    </a:p>
+                  </a:txBody>
+                  <a:tcPr/>
+                </a:tc>
+                <a:extLst>
+                  <a:ext uri="{0D108BD9-81ED-4DB2-BD59-A6C34878D82A}">
+                    <a16:rowId xmlns:a16="http://schemas.microsoft.com/office/drawing/2014/main" val="2526556358"/>
+                  </a:ext>
+                </a:extLst>
+              </a:tr>
+              <a:tr h="370840">
+                <a:tc>
+                  <a:txBody>
+                    <a:bodyPr/>
+                    <a:lstStyle/>
+                    <a:p>
+                      <a:r>
+                        <a:rPr lang="en-US" sz="1400" dirty="0"/>
+                        <a:t>R16G16B16A16</a:t>
+                      </a:r>
+                      <a:endParaRPr lang="en-IN" sz="1400" dirty="0"/>
+                    </a:p>
+                  </a:txBody>
+                  <a:tcPr/>
+                </a:tc>
+                <a:tc>
+                  <a:txBody>
+                    <a:bodyPr/>
+                    <a:lstStyle/>
+                    <a:p>
+                      <a:r>
+                        <a:rPr lang="en-US" sz="1400" dirty="0"/>
+                        <a:t>Intermediate render passes format. Used for pre-tonemapping as well.</a:t>
+                      </a:r>
+                      <a:endParaRPr lang="en-IN" sz="1400" dirty="0"/>
+                    </a:p>
+                  </a:txBody>
+                  <a:tcPr/>
+                </a:tc>
+                <a:extLst>
+                  <a:ext uri="{0D108BD9-81ED-4DB2-BD59-A6C34878D82A}">
+                    <a16:rowId xmlns:a16="http://schemas.microsoft.com/office/drawing/2014/main" val="2550653033"/>
+                  </a:ext>
+                </a:extLst>
+              </a:tr>
+            </a:tbl>
+          </a:graphicData>
+        </a:graphic>
+      </p:graphicFrame>
     </p:spTree>
     <p:extLst>
       <p:ext uri="{BB962C8B-B14F-4D97-AF65-F5344CB8AC3E}">
@@ -8718,6 +10060,594 @@
 </file>
 
 <file path=ppt/slides/slide8.xml><?xml version="1.0" encoding="utf-8"?>
+<p:sld xmlns:a="http://schemas.openxmlformats.org/drawingml/2006/main" xmlns:r="http://schemas.openxmlformats.org/officeDocument/2006/relationships" xmlns:p="http://schemas.openxmlformats.org/presentationml/2006/main">
+  <p:cSld>
+    <p:spTree>
+      <p:nvGrpSpPr>
+        <p:cNvPr id="1" name=""/>
+        <p:cNvGrpSpPr/>
+        <p:nvPr/>
+      </p:nvGrpSpPr>
+      <p:grpSpPr>
+        <a:xfrm>
+          <a:off x="0" y="0"/>
+          <a:ext cx="0" cy="0"/>
+          <a:chOff x="0" y="0"/>
+          <a:chExt cx="0" cy="0"/>
+        </a:xfrm>
+      </p:grpSpPr>
+      <p:sp>
+        <p:nvSpPr>
+          <p:cNvPr id="12" name="TextBox 11">
+            <a:extLst>
+              <a:ext uri="{FF2B5EF4-FFF2-40B4-BE49-F238E27FC236}">
+                <a16:creationId xmlns:a16="http://schemas.microsoft.com/office/drawing/2014/main" id="{44BF80BA-927D-163B-708A-1886227160E1}"/>
+              </a:ext>
+            </a:extLst>
+          </p:cNvPr>
+          <p:cNvSpPr txBox="1"/>
+          <p:nvPr/>
+        </p:nvSpPr>
+        <p:spPr>
+          <a:xfrm>
+            <a:off x="271108" y="1057471"/>
+            <a:ext cx="10274972" cy="861774"/>
+          </a:xfrm>
+          <a:prstGeom prst="rect">
+            <a:avLst/>
+          </a:prstGeom>
+          <a:noFill/>
+        </p:spPr>
+        <p:txBody>
+          <a:bodyPr wrap="square" rtlCol="0">
+            <a:spAutoFit/>
+          </a:bodyPr>
+          <a:lstStyle/>
+          <a:p>
+            <a:r>
+              <a:rPr lang="en-US" b="1" u="sng" dirty="0">
+                <a:solidFill>
+                  <a:schemeClr val="bg1"/>
+                </a:solidFill>
+              </a:rPr>
+              <a:t>Color Grading LUTs:</a:t>
+            </a:r>
+            <a:endParaRPr lang="en-US" dirty="0">
+              <a:solidFill>
+                <a:schemeClr val="bg1"/>
+              </a:solidFill>
+              <a:latin typeface="Calibri Light" panose="020F0302020204030204" pitchFamily="34" charset="0"/>
+              <a:ea typeface="Calibri Light" panose="020F0302020204030204" pitchFamily="34" charset="0"/>
+              <a:cs typeface="Calibri Light" panose="020F0302020204030204" pitchFamily="34" charset="0"/>
+            </a:endParaRPr>
+          </a:p>
+          <a:p>
+            <a:pPr marL="285750" indent="-285750">
+              <a:buFont typeface="Arial" panose="020B0604020202020204" pitchFamily="34" charset="0"/>
+              <a:buChar char="•"/>
+            </a:pPr>
+            <a:r>
+              <a:rPr lang="en-IN" sz="1600" dirty="0">
+                <a:solidFill>
+                  <a:schemeClr val="bg1"/>
+                </a:solidFill>
+                <a:latin typeface="Calibri Light" panose="020F0302020204030204" pitchFamily="34" charset="0"/>
+                <a:ea typeface="Calibri Light" panose="020F0302020204030204" pitchFamily="34" charset="0"/>
+                <a:cs typeface="Calibri Light" panose="020F0302020204030204" pitchFamily="34" charset="0"/>
+              </a:rPr>
+              <a:t>Engine has many tonemapping functions to convert b/w HDR and SDR.</a:t>
+            </a:r>
+          </a:p>
+          <a:p>
+            <a:pPr marL="285750" indent="-285750">
+              <a:buFont typeface="Arial" panose="020B0604020202020204" pitchFamily="34" charset="0"/>
+              <a:buChar char="•"/>
+            </a:pPr>
+            <a:r>
+              <a:rPr lang="en-IN" sz="1600" dirty="0">
+                <a:solidFill>
+                  <a:schemeClr val="bg1"/>
+                </a:solidFill>
+                <a:latin typeface="Calibri Light" panose="020F0302020204030204" pitchFamily="34" charset="0"/>
+                <a:ea typeface="Calibri Light" panose="020F0302020204030204" pitchFamily="34" charset="0"/>
+                <a:cs typeface="Calibri Light" panose="020F0302020204030204" pitchFamily="34" charset="0"/>
+              </a:rPr>
+              <a:t>For </a:t>
+            </a:r>
+            <a:r>
+              <a:rPr lang="en-IN" sz="1600" b="1" dirty="0">
+                <a:solidFill>
+                  <a:schemeClr val="bg1"/>
+                </a:solidFill>
+                <a:latin typeface="Calibri Light" panose="020F0302020204030204" pitchFamily="34" charset="0"/>
+                <a:ea typeface="Calibri Light" panose="020F0302020204030204" pitchFamily="34" charset="0"/>
+                <a:cs typeface="Calibri Light" panose="020F0302020204030204" pitchFamily="34" charset="0"/>
+              </a:rPr>
+              <a:t>HDR tonemapping we need to do it based on the display max brightness and the HDR color space being used.</a:t>
+            </a:r>
+          </a:p>
+        </p:txBody>
+      </p:sp>
+      <p:sp>
+        <p:nvSpPr>
+          <p:cNvPr id="4" name="Title 1">
+            <a:extLst>
+              <a:ext uri="{FF2B5EF4-FFF2-40B4-BE49-F238E27FC236}">
+                <a16:creationId xmlns:a16="http://schemas.microsoft.com/office/drawing/2014/main" id="{07A027EA-F35A-823E-C1E2-1D869D8517D4}"/>
+              </a:ext>
+            </a:extLst>
+          </p:cNvPr>
+          <p:cNvSpPr>
+            <a:spLocks noGrp="1"/>
+          </p:cNvSpPr>
+          <p:nvPr>
+            <p:ph type="title"/>
+          </p:nvPr>
+        </p:nvSpPr>
+        <p:spPr>
+          <a:xfrm>
+            <a:off x="474306" y="198393"/>
+            <a:ext cx="11351934" cy="520418"/>
+          </a:xfrm>
+          <a:noFill/>
+        </p:spPr>
+        <p:txBody>
+          <a:bodyPr/>
+          <a:lstStyle/>
+          <a:p>
+            <a:r>
+              <a:rPr lang="en-US" dirty="0">
+                <a:gradFill flip="none" rotWithShape="1">
+                  <a:gsLst>
+                    <a:gs pos="0">
+                      <a:srgbClr val="C00000"/>
+                    </a:gs>
+                    <a:gs pos="46000">
+                      <a:schemeClr val="accent6">
+                        <a:lumMod val="95000"/>
+                        <a:lumOff val="5000"/>
+                      </a:schemeClr>
+                    </a:gs>
+                    <a:gs pos="100000">
+                      <a:srgbClr val="00B0F0"/>
+                    </a:gs>
+                  </a:gsLst>
+                  <a:path path="circle">
+                    <a:fillToRect l="100000" t="100000"/>
+                  </a:path>
+                  <a:tileRect r="-100000" b="-100000"/>
+                </a:gradFill>
+              </a:rPr>
+              <a:t>Color Space, HDR, Tone mapping and LUT color grading…</a:t>
+            </a:r>
+            <a:endParaRPr lang="en-IN" dirty="0">
+              <a:gradFill flip="none" rotWithShape="1">
+                <a:gsLst>
+                  <a:gs pos="0">
+                    <a:srgbClr val="C00000"/>
+                  </a:gs>
+                  <a:gs pos="46000">
+                    <a:schemeClr val="accent6">
+                      <a:lumMod val="95000"/>
+                      <a:lumOff val="5000"/>
+                    </a:schemeClr>
+                  </a:gs>
+                  <a:gs pos="100000">
+                    <a:srgbClr val="00B0F0"/>
+                  </a:gs>
+                </a:gsLst>
+                <a:path path="circle">
+                  <a:fillToRect l="100000" t="100000"/>
+                </a:path>
+                <a:tileRect r="-100000" b="-100000"/>
+              </a:gradFill>
+            </a:endParaRPr>
+          </a:p>
+        </p:txBody>
+      </p:sp>
+      <p:pic>
+        <p:nvPicPr>
+          <p:cNvPr id="6" name="Picture 5">
+            <a:extLst>
+              <a:ext uri="{FF2B5EF4-FFF2-40B4-BE49-F238E27FC236}">
+                <a16:creationId xmlns:a16="http://schemas.microsoft.com/office/drawing/2014/main" id="{5C2B7755-7C4A-6B4D-2294-8F322D8E3F2A}"/>
+              </a:ext>
+            </a:extLst>
+          </p:cNvPr>
+          <p:cNvPicPr>
+            <a:picLocks noChangeAspect="1"/>
+          </p:cNvPicPr>
+          <p:nvPr/>
+        </p:nvPicPr>
+        <p:blipFill>
+          <a:blip r:embed="rId2">
+            <a:extLst>
+              <a:ext uri="{28A0092B-C50C-407E-A947-70E740481C1C}">
+                <a14:useLocalDpi xmlns:a14="http://schemas.microsoft.com/office/drawing/2010/main" val="0"/>
+              </a:ext>
+            </a:extLst>
+          </a:blip>
+          <a:stretch>
+            <a:fillRect/>
+          </a:stretch>
+        </p:blipFill>
+        <p:spPr>
+          <a:xfrm>
+            <a:off x="623350" y="2156317"/>
+            <a:ext cx="3250794" cy="203175"/>
+          </a:xfrm>
+          <a:prstGeom prst="rect">
+            <a:avLst/>
+          </a:prstGeom>
+        </p:spPr>
+      </p:pic>
+      <p:sp>
+        <p:nvSpPr>
+          <p:cNvPr id="7" name="TextBox 6">
+            <a:extLst>
+              <a:ext uri="{FF2B5EF4-FFF2-40B4-BE49-F238E27FC236}">
+                <a16:creationId xmlns:a16="http://schemas.microsoft.com/office/drawing/2014/main" id="{B2673922-557B-050E-C8D6-764A650E8745}"/>
+              </a:ext>
+            </a:extLst>
+          </p:cNvPr>
+          <p:cNvSpPr txBox="1"/>
+          <p:nvPr/>
+        </p:nvSpPr>
+        <p:spPr>
+          <a:xfrm>
+            <a:off x="562389" y="2526453"/>
+            <a:ext cx="4795317" cy="461665"/>
+          </a:xfrm>
+          <a:prstGeom prst="rect">
+            <a:avLst/>
+          </a:prstGeom>
+          <a:noFill/>
+        </p:spPr>
+        <p:txBody>
+          <a:bodyPr wrap="square" rtlCol="0">
+            <a:spAutoFit/>
+          </a:bodyPr>
+          <a:lstStyle/>
+          <a:p>
+            <a:r>
+              <a:rPr lang="en-IN" sz="1200" dirty="0">
+                <a:solidFill>
+                  <a:schemeClr val="bg1"/>
+                </a:solidFill>
+                <a:latin typeface="Calibri Light" panose="020F0302020204030204" pitchFamily="34" charset="0"/>
+                <a:ea typeface="Calibri Light" panose="020F0302020204030204" pitchFamily="34" charset="0"/>
+                <a:cs typeface="Calibri Light" panose="020F0302020204030204" pitchFamily="34" charset="0"/>
+              </a:rPr>
+              <a:t>Texture.Builtin.ColorGradingNeutralLUT16</a:t>
+            </a:r>
+          </a:p>
+          <a:p>
+            <a:pPr marL="171450" indent="-171450">
+              <a:buFont typeface="Arial" panose="020B0604020202020204" pitchFamily="34" charset="0"/>
+              <a:buChar char="•"/>
+            </a:pPr>
+            <a:r>
+              <a:rPr lang="en-IN" sz="1200" dirty="0">
+                <a:solidFill>
+                  <a:schemeClr val="bg1"/>
+                </a:solidFill>
+                <a:latin typeface="Calibri Light" panose="020F0302020204030204" pitchFamily="34" charset="0"/>
+                <a:ea typeface="Calibri Light" panose="020F0302020204030204" pitchFamily="34" charset="0"/>
+                <a:cs typeface="Calibri Light" panose="020F0302020204030204" pitchFamily="34" charset="0"/>
+              </a:rPr>
+              <a:t>Neutral looking color palette, use this to create your look.</a:t>
+            </a:r>
+          </a:p>
+        </p:txBody>
+      </p:sp>
+      <p:sp>
+        <p:nvSpPr>
+          <p:cNvPr id="8" name="Rectangle 7">
+            <a:extLst>
+              <a:ext uri="{FF2B5EF4-FFF2-40B4-BE49-F238E27FC236}">
+                <a16:creationId xmlns:a16="http://schemas.microsoft.com/office/drawing/2014/main" id="{B4015D95-1FB7-54F6-6882-0B288F69C9F7}"/>
+              </a:ext>
+            </a:extLst>
+          </p:cNvPr>
+          <p:cNvSpPr/>
+          <p:nvPr/>
+        </p:nvSpPr>
+        <p:spPr>
+          <a:xfrm>
+            <a:off x="474306" y="3364493"/>
+            <a:ext cx="4294121" cy="461665"/>
+          </a:xfrm>
+          <a:prstGeom prst="rect">
+            <a:avLst/>
+          </a:prstGeom>
+          <a:solidFill>
+            <a:srgbClr val="FF5D78"/>
+          </a:solidFill>
+          <a:ln>
+            <a:solidFill>
+              <a:srgbClr val="C00000"/>
+            </a:solidFill>
+          </a:ln>
+        </p:spPr>
+        <p:style>
+          <a:lnRef idx="2">
+            <a:schemeClr val="accent1">
+              <a:shade val="15000"/>
+            </a:schemeClr>
+          </a:lnRef>
+          <a:fillRef idx="1">
+            <a:schemeClr val="accent1"/>
+          </a:fillRef>
+          <a:effectRef idx="0">
+            <a:schemeClr val="accent1"/>
+          </a:effectRef>
+          <a:fontRef idx="minor">
+            <a:schemeClr val="lt1"/>
+          </a:fontRef>
+        </p:style>
+        <p:txBody>
+          <a:bodyPr rtlCol="0" anchor="ctr"/>
+          <a:lstStyle/>
+          <a:p>
+            <a:pPr algn="ctr"/>
+            <a:r>
+              <a:rPr lang="en-US" sz="1200" dirty="0">
+                <a:solidFill>
+                  <a:schemeClr val="tx1"/>
+                </a:solidFill>
+                <a:latin typeface="+mj-lt"/>
+                <a:ea typeface="Calibri Light" panose="020F0302020204030204" pitchFamily="34" charset="0"/>
+                <a:cs typeface="Calibri Light" panose="020F0302020204030204" pitchFamily="34" charset="0"/>
+              </a:rPr>
+              <a:t>Razix has many more presets and supports loading your own LUT, use neutral LUTs  to configure as per your needs.</a:t>
+            </a:r>
+            <a:endParaRPr lang="en-IN" sz="1200" dirty="0">
+              <a:solidFill>
+                <a:schemeClr val="tx1"/>
+              </a:solidFill>
+              <a:latin typeface="+mj-lt"/>
+              <a:ea typeface="Calibri Light" panose="020F0302020204030204" pitchFamily="34" charset="0"/>
+              <a:cs typeface="Calibri Light" panose="020F0302020204030204" pitchFamily="34" charset="0"/>
+            </a:endParaRPr>
+          </a:p>
+        </p:txBody>
+      </p:sp>
+      <p:pic>
+        <p:nvPicPr>
+          <p:cNvPr id="10" name="Picture 9">
+            <a:extLst>
+              <a:ext uri="{FF2B5EF4-FFF2-40B4-BE49-F238E27FC236}">
+                <a16:creationId xmlns:a16="http://schemas.microsoft.com/office/drawing/2014/main" id="{B61B3C0E-3127-77DB-D480-CAAE458FD02C}"/>
+              </a:ext>
+            </a:extLst>
+          </p:cNvPr>
+          <p:cNvPicPr>
+            <a:picLocks noChangeAspect="1"/>
+          </p:cNvPicPr>
+          <p:nvPr/>
+        </p:nvPicPr>
+        <p:blipFill>
+          <a:blip r:embed="rId3">
+            <a:extLst>
+              <a:ext uri="{28A0092B-C50C-407E-A947-70E740481C1C}">
+                <a14:useLocalDpi xmlns:a14="http://schemas.microsoft.com/office/drawing/2010/main" val="0"/>
+              </a:ext>
+            </a:extLst>
+          </a:blip>
+          <a:stretch>
+            <a:fillRect/>
+          </a:stretch>
+        </p:blipFill>
+        <p:spPr>
+          <a:xfrm>
+            <a:off x="6096000" y="2156317"/>
+            <a:ext cx="3291428" cy="205714"/>
+          </a:xfrm>
+          <a:prstGeom prst="rect">
+            <a:avLst/>
+          </a:prstGeom>
+        </p:spPr>
+      </p:pic>
+      <p:sp>
+        <p:nvSpPr>
+          <p:cNvPr id="11" name="TextBox 10">
+            <a:extLst>
+              <a:ext uri="{FF2B5EF4-FFF2-40B4-BE49-F238E27FC236}">
+                <a16:creationId xmlns:a16="http://schemas.microsoft.com/office/drawing/2014/main" id="{89B42B05-EE57-40BB-4A43-7EF31F3CB18E}"/>
+              </a:ext>
+            </a:extLst>
+          </p:cNvPr>
+          <p:cNvSpPr txBox="1"/>
+          <p:nvPr/>
+        </p:nvSpPr>
+        <p:spPr>
+          <a:xfrm>
+            <a:off x="5977669" y="2526452"/>
+            <a:ext cx="5848571" cy="830997"/>
+          </a:xfrm>
+          <a:prstGeom prst="rect">
+            <a:avLst/>
+          </a:prstGeom>
+          <a:noFill/>
+        </p:spPr>
+        <p:txBody>
+          <a:bodyPr wrap="square" rtlCol="0">
+            <a:spAutoFit/>
+          </a:bodyPr>
+          <a:lstStyle/>
+          <a:p>
+            <a:r>
+              <a:rPr lang="en-IN" sz="1200" dirty="0">
+                <a:solidFill>
+                  <a:schemeClr val="bg1"/>
+                </a:solidFill>
+                <a:latin typeface="Calibri Light" panose="020F0302020204030204" pitchFamily="34" charset="0"/>
+                <a:ea typeface="Calibri Light" panose="020F0302020204030204" pitchFamily="34" charset="0"/>
+                <a:cs typeface="Calibri Light" panose="020F0302020204030204" pitchFamily="34" charset="0"/>
+              </a:rPr>
+              <a:t>Texture.Builtin.ColorGradingNeutralLUT16</a:t>
+            </a:r>
+          </a:p>
+          <a:p>
+            <a:pPr marL="171450" indent="-171450">
+              <a:buFont typeface="Arial" panose="020B0604020202020204" pitchFamily="34" charset="0"/>
+              <a:buChar char="•"/>
+            </a:pPr>
+            <a:r>
+              <a:rPr lang="en-IN" sz="1200" dirty="0">
+                <a:solidFill>
+                  <a:schemeClr val="bg1"/>
+                </a:solidFill>
+                <a:latin typeface="Calibri Light" panose="020F0302020204030204" pitchFamily="34" charset="0"/>
+                <a:ea typeface="Calibri Light" panose="020F0302020204030204" pitchFamily="34" charset="0"/>
+                <a:cs typeface="Calibri Light" panose="020F0302020204030204" pitchFamily="34" charset="0"/>
+              </a:rPr>
+              <a:t>Neutral looking color palette, use this to create your look.</a:t>
+            </a:r>
+          </a:p>
+          <a:p>
+            <a:pPr marL="171450" indent="-171450">
+              <a:buFont typeface="Arial" panose="020B0604020202020204" pitchFamily="34" charset="0"/>
+              <a:buChar char="•"/>
+            </a:pPr>
+            <a:r>
+              <a:rPr lang="en-IN" sz="1200" dirty="0">
+                <a:solidFill>
+                  <a:schemeClr val="bg1"/>
+                </a:solidFill>
+                <a:latin typeface="Calibri Light" panose="020F0302020204030204" pitchFamily="34" charset="0"/>
+                <a:ea typeface="Calibri Light" panose="020F0302020204030204" pitchFamily="34" charset="0"/>
+                <a:cs typeface="Calibri Light" panose="020F0302020204030204" pitchFamily="34" charset="0"/>
+              </a:rPr>
+              <a:t>Based on unreal Engine - </a:t>
+            </a:r>
+            <a:r>
+              <a:rPr lang="en-IN" sz="1200" dirty="0">
+                <a:solidFill>
+                  <a:schemeClr val="bg1"/>
+                </a:solidFill>
+                <a:latin typeface="Calibri Light" panose="020F0302020204030204" pitchFamily="34" charset="0"/>
+                <a:ea typeface="Calibri Light" panose="020F0302020204030204" pitchFamily="34" charset="0"/>
+                <a:cs typeface="Calibri Light" panose="020F0302020204030204" pitchFamily="34" charset="0"/>
+                <a:hlinkClick r:id="rId4"/>
+              </a:rPr>
+              <a:t>https://docs.unrealengine.com/4.27/en</a:t>
+            </a:r>
+            <a:r>
+              <a:rPr lang="en-IN" sz="1200" dirty="0">
+                <a:solidFill>
+                  <a:schemeClr val="bg1"/>
+                </a:solidFill>
+                <a:latin typeface="Calibri Light" panose="020F0302020204030204" pitchFamily="34" charset="0"/>
+                <a:ea typeface="Calibri Light" panose="020F0302020204030204" pitchFamily="34" charset="0"/>
+                <a:cs typeface="Calibri Light" panose="020F0302020204030204" pitchFamily="34" charset="0"/>
+                <a:hlinkClick r:id="rId4"/>
+              </a:rPr>
+              <a:t>-</a:t>
+            </a:r>
+            <a:r>
+              <a:rPr lang="en-IN" sz="1200" dirty="0">
+                <a:solidFill>
+                  <a:schemeClr val="bg1"/>
+                </a:solidFill>
+                <a:latin typeface="Calibri Light" panose="020F0302020204030204" pitchFamily="34" charset="0"/>
+                <a:ea typeface="Calibri Light" panose="020F0302020204030204" pitchFamily="34" charset="0"/>
+                <a:cs typeface="Calibri Light" panose="020F0302020204030204" pitchFamily="34" charset="0"/>
+                <a:hlinkClick r:id="rId4"/>
+              </a:rPr>
+              <a:t>US/RenderingAndGraphics/PostProcessEffects/ColorGrading/</a:t>
+            </a:r>
+            <a:endParaRPr lang="en-IN" sz="1200" dirty="0">
+              <a:solidFill>
+                <a:schemeClr val="bg1"/>
+              </a:solidFill>
+              <a:latin typeface="Calibri Light" panose="020F0302020204030204" pitchFamily="34" charset="0"/>
+              <a:ea typeface="Calibri Light" panose="020F0302020204030204" pitchFamily="34" charset="0"/>
+              <a:cs typeface="Calibri Light" panose="020F0302020204030204" pitchFamily="34" charset="0"/>
+            </a:endParaRPr>
+          </a:p>
+        </p:txBody>
+      </p:sp>
+      <p:sp>
+        <p:nvSpPr>
+          <p:cNvPr id="14" name="TextBox 13">
+            <a:extLst>
+              <a:ext uri="{FF2B5EF4-FFF2-40B4-BE49-F238E27FC236}">
+                <a16:creationId xmlns:a16="http://schemas.microsoft.com/office/drawing/2014/main" id="{73B6B01A-A9C4-5135-B9A4-B9B6DDF8AAFC}"/>
+              </a:ext>
+            </a:extLst>
+          </p:cNvPr>
+          <p:cNvSpPr txBox="1"/>
+          <p:nvPr/>
+        </p:nvSpPr>
+        <p:spPr>
+          <a:xfrm>
+            <a:off x="7321974" y="534145"/>
+            <a:ext cx="6096000" cy="369332"/>
+          </a:xfrm>
+          <a:prstGeom prst="rect">
+            <a:avLst/>
+          </a:prstGeom>
+          <a:noFill/>
+        </p:spPr>
+        <p:txBody>
+          <a:bodyPr wrap="square">
+            <a:spAutoFit/>
+          </a:bodyPr>
+          <a:lstStyle/>
+          <a:p>
+            <a:r>
+              <a:rPr lang="en-IN" dirty="0">
+                <a:solidFill>
+                  <a:schemeClr val="bg1"/>
+                </a:solidFill>
+                <a:hlinkClick r:id="rId5">
+                  <a:extLst>
+                    <a:ext uri="{A12FA001-AC4F-418D-AE19-62706E023703}">
+                      <ahyp:hlinkClr xmlns:ahyp="http://schemas.microsoft.com/office/drawing/2018/hyperlinkcolor" val="tx"/>
+                    </a:ext>
+                  </a:extLst>
+                </a:hlinkClick>
+              </a:rPr>
+              <a:t>[Source]:</a:t>
+            </a:r>
+            <a:r>
+              <a:rPr lang="en-IN" dirty="0">
+                <a:solidFill>
+                  <a:srgbClr val="0563C1"/>
+                </a:solidFill>
+                <a:hlinkClick r:id="rId5">
+                  <a:extLst>
+                    <a:ext uri="{A12FA001-AC4F-418D-AE19-62706E023703}">
+                      <ahyp:hlinkClr xmlns:ahyp="http://schemas.microsoft.com/office/drawing/2018/hyperlinkcolor" val="tx"/>
+                    </a:ext>
+                  </a:extLst>
+                </a:hlinkClick>
+              </a:rPr>
+              <a:t> https://defold.com/tutorials/grading/</a:t>
+            </a:r>
+            <a:endParaRPr lang="en-IN" dirty="0">
+              <a:solidFill>
+                <a:schemeClr val="bg1"/>
+              </a:solidFill>
+            </a:endParaRPr>
+          </a:p>
+        </p:txBody>
+      </p:sp>
+    </p:spTree>
+    <p:extLst>
+      <p:ext uri="{BB962C8B-B14F-4D97-AF65-F5344CB8AC3E}">
+        <p14:creationId xmlns:p14="http://schemas.microsoft.com/office/powerpoint/2010/main" val="2919963422"/>
+      </p:ext>
+    </p:extLst>
+  </p:cSld>
+  <p:clrMapOvr>
+    <a:masterClrMapping/>
+  </p:clrMapOvr>
+</p:sld>
+</file>
+
+<file path=ppt/slides/slide9.xml><?xml version="1.0" encoding="utf-8"?>
 <p:sld xmlns:a="http://schemas.openxmlformats.org/drawingml/2006/main" xmlns:r="http://schemas.openxmlformats.org/officeDocument/2006/relationships" xmlns:p="http://schemas.openxmlformats.org/presentationml/2006/main">
   <p:cSld>
     <p:spTree>
@@ -9071,587 +11001,6 @@
     <p:extLst>
       <p:ext uri="{BB962C8B-B14F-4D97-AF65-F5344CB8AC3E}">
         <p14:creationId xmlns:p14="http://schemas.microsoft.com/office/powerpoint/2010/main" val="3966651940"/>
-      </p:ext>
-    </p:extLst>
-  </p:cSld>
-  <p:clrMapOvr>
-    <a:masterClrMapping/>
-  </p:clrMapOvr>
-</p:sld>
-</file>
-
-<file path=ppt/slides/slide9.xml><?xml version="1.0" encoding="utf-8"?>
-<p:sld xmlns:a="http://schemas.openxmlformats.org/drawingml/2006/main" xmlns:r="http://schemas.openxmlformats.org/officeDocument/2006/relationships" xmlns:p="http://schemas.openxmlformats.org/presentationml/2006/main">
-  <p:cSld>
-    <p:spTree>
-      <p:nvGrpSpPr>
-        <p:cNvPr id="1" name=""/>
-        <p:cNvGrpSpPr/>
-        <p:nvPr/>
-      </p:nvGrpSpPr>
-      <p:grpSpPr>
-        <a:xfrm>
-          <a:off x="0" y="0"/>
-          <a:ext cx="0" cy="0"/>
-          <a:chOff x="0" y="0"/>
-          <a:chExt cx="0" cy="0"/>
-        </a:xfrm>
-      </p:grpSpPr>
-      <p:sp>
-        <p:nvSpPr>
-          <p:cNvPr id="2" name="Title 1">
-            <a:extLst>
-              <a:ext uri="{FF2B5EF4-FFF2-40B4-BE49-F238E27FC236}">
-                <a16:creationId xmlns:a16="http://schemas.microsoft.com/office/drawing/2014/main" id="{0F68DE61-F4A0-01F3-833B-5EF6841E2FDC}"/>
-              </a:ext>
-            </a:extLst>
-          </p:cNvPr>
-          <p:cNvSpPr>
-            <a:spLocks noGrp="1"/>
-          </p:cNvSpPr>
-          <p:nvPr>
-            <p:ph type="title"/>
-          </p:nvPr>
-        </p:nvSpPr>
-        <p:spPr/>
-        <p:txBody>
-          <a:bodyPr>
-            <a:normAutofit/>
-          </a:bodyPr>
-          <a:lstStyle/>
-          <a:p>
-            <a:r>
-              <a:rPr lang="en-US" dirty="0"/>
-              <a:t>Performance Bottleneck – </a:t>
-            </a:r>
-            <a:r>
-              <a:rPr lang="en-US" sz="2000" dirty="0">
-                <a:solidFill>
-                  <a:srgbClr val="FFB556"/>
-                </a:solidFill>
-              </a:rPr>
-              <a:t>vkQueuePresentKHR/vkQueueSubmitKHR</a:t>
-            </a:r>
-            <a:endParaRPr lang="en-IN" sz="2000" dirty="0">
-              <a:solidFill>
-                <a:srgbClr val="FFB556"/>
-              </a:solidFill>
-            </a:endParaRPr>
-          </a:p>
-        </p:txBody>
-      </p:sp>
-      <p:sp>
-        <p:nvSpPr>
-          <p:cNvPr id="3" name="Content Placeholder 2">
-            <a:extLst>
-              <a:ext uri="{FF2B5EF4-FFF2-40B4-BE49-F238E27FC236}">
-                <a16:creationId xmlns:a16="http://schemas.microsoft.com/office/drawing/2014/main" id="{142BF2F0-15EF-C441-4887-EC3FEA12F04A}"/>
-              </a:ext>
-            </a:extLst>
-          </p:cNvPr>
-          <p:cNvSpPr>
-            <a:spLocks noGrp="1"/>
-          </p:cNvSpPr>
-          <p:nvPr>
-            <p:ph idx="1"/>
-          </p:nvPr>
-        </p:nvSpPr>
-        <p:spPr>
-          <a:xfrm>
-            <a:off x="541176" y="1219454"/>
-            <a:ext cx="10812624" cy="4114546"/>
-          </a:xfrm>
-        </p:spPr>
-        <p:txBody>
-          <a:bodyPr>
-            <a:normAutofit/>
-          </a:bodyPr>
-          <a:lstStyle/>
-          <a:p>
-            <a:pPr marL="0" indent="0">
-              <a:buNone/>
-            </a:pPr>
-            <a:r>
-              <a:rPr lang="en-US" sz="1700" dirty="0">
-                <a:solidFill>
-                  <a:schemeClr val="accent3">
-                    <a:lumMod val="40000"/>
-                    <a:lumOff val="60000"/>
-                  </a:schemeClr>
-                </a:solidFill>
-              </a:rPr>
-              <a:t>Problem</a:t>
-            </a:r>
-          </a:p>
-          <a:p>
-            <a:r>
-              <a:rPr lang="en-US" sz="1400" dirty="0">
-                <a:solidFill>
-                  <a:schemeClr val="accent3">
-                    <a:lumMod val="75000"/>
-                  </a:schemeClr>
-                </a:solidFill>
-              </a:rPr>
-              <a:t>Presentation of frame is taking around </a:t>
-            </a:r>
-            <a:r>
-              <a:rPr lang="en-US" sz="1400" u="sng" dirty="0">
-                <a:solidFill>
-                  <a:schemeClr val="accent3">
-                    <a:lumMod val="75000"/>
-                  </a:schemeClr>
-                </a:solidFill>
-              </a:rPr>
-              <a:t>1.2-2.0</a:t>
-            </a:r>
-            <a:r>
-              <a:rPr lang="en-US" sz="1400" i="1" u="sng" dirty="0">
-                <a:solidFill>
-                  <a:schemeClr val="accent3">
-                    <a:lumMod val="75000"/>
-                  </a:schemeClr>
-                </a:solidFill>
-              </a:rPr>
-              <a:t>ms</a:t>
-            </a:r>
-            <a:r>
-              <a:rPr lang="en-US" sz="1400" dirty="0">
-                <a:solidFill>
-                  <a:schemeClr val="accent3">
-                    <a:lumMod val="75000"/>
-                  </a:schemeClr>
-                </a:solidFill>
-              </a:rPr>
-              <a:t> in Razix</a:t>
-            </a:r>
-            <a:r>
-              <a:rPr lang="en-US" sz="1400" dirty="0"/>
-              <a:t>, typical native Vulkan app takes around 0.06-0.08</a:t>
-            </a:r>
-            <a:r>
-              <a:rPr lang="en-US" sz="1400" i="1" dirty="0"/>
-              <a:t>ms</a:t>
-            </a:r>
-            <a:r>
-              <a:rPr lang="en-US" sz="1400" dirty="0"/>
-              <a:t> (avg. &lt; 1.0</a:t>
-            </a:r>
-            <a:r>
-              <a:rPr lang="en-US" sz="1400" i="1" dirty="0"/>
-              <a:t>ms</a:t>
-            </a:r>
-            <a:r>
-              <a:rPr lang="en-US" sz="1400" dirty="0"/>
-              <a:t>)</a:t>
-            </a:r>
-          </a:p>
-          <a:p>
-            <a:pPr lvl="1"/>
-            <a:r>
-              <a:rPr lang="en-US" dirty="0">
-                <a:solidFill>
-                  <a:schemeClr val="bg1"/>
-                </a:solidFill>
-              </a:rPr>
-              <a:t>This includes time for both </a:t>
-            </a:r>
-            <a:r>
-              <a:rPr lang="en-US" dirty="0">
-                <a:solidFill>
-                  <a:schemeClr val="accent1"/>
-                </a:solidFill>
-              </a:rPr>
-              <a:t>vkQueuePresentKHR</a:t>
-            </a:r>
-            <a:r>
-              <a:rPr lang="en-US" dirty="0">
-                <a:solidFill>
-                  <a:srgbClr val="C00000"/>
-                </a:solidFill>
-              </a:rPr>
-              <a:t>(0.04-0.06ms)</a:t>
-            </a:r>
-            <a:r>
-              <a:rPr lang="en-US" dirty="0">
-                <a:solidFill>
-                  <a:schemeClr val="bg1"/>
-                </a:solidFill>
-              </a:rPr>
-              <a:t> and </a:t>
-            </a:r>
-            <a:r>
-              <a:rPr lang="en-US" dirty="0">
-                <a:solidFill>
-                  <a:schemeClr val="accent1"/>
-                </a:solidFill>
-              </a:rPr>
-              <a:t>vkWaitForFences</a:t>
-            </a:r>
-            <a:r>
-              <a:rPr lang="en-US" dirty="0">
-                <a:solidFill>
-                  <a:srgbClr val="C00000"/>
-                </a:solidFill>
-              </a:rPr>
-              <a:t>(taking around 0.8-1.2ms)</a:t>
-            </a:r>
-          </a:p>
-          <a:p>
-            <a:pPr lvl="1"/>
-            <a:r>
-              <a:rPr lang="en-US" dirty="0">
-                <a:solidFill>
-                  <a:schemeClr val="bg1"/>
-                </a:solidFill>
-              </a:rPr>
-              <a:t>Could be due to absence of memory and pipeline barriers for </a:t>
-            </a:r>
-            <a:r>
-              <a:rPr lang="en-US" dirty="0">
-                <a:solidFill>
-                  <a:schemeClr val="accent6">
-                    <a:lumMod val="60000"/>
-                    <a:lumOff val="40000"/>
-                  </a:schemeClr>
-                </a:solidFill>
-              </a:rPr>
-              <a:t>Render Targets</a:t>
-            </a:r>
-            <a:r>
-              <a:rPr lang="en-US" dirty="0">
-                <a:solidFill>
-                  <a:schemeClr val="bg1"/>
-                </a:solidFill>
-              </a:rPr>
-              <a:t> b/w the FrameGraph passes, presentation engine is resolving the dependencies and it taking a lot of time</a:t>
-            </a:r>
-          </a:p>
-          <a:p>
-            <a:pPr lvl="1"/>
-            <a:r>
-              <a:rPr lang="en-US" dirty="0">
-                <a:solidFill>
-                  <a:schemeClr val="bg1"/>
-                </a:solidFill>
-              </a:rPr>
-              <a:t>Or since it’s separated into many virtual functions this could be causing issues, since we have fixed no. of semaphores per frame, try implementing them in a single function inside the </a:t>
-            </a:r>
-            <a:r>
-              <a:rPr lang="en-US" dirty="0">
-                <a:solidFill>
-                  <a:schemeClr val="accent3">
-                    <a:lumMod val="60000"/>
-                    <a:lumOff val="40000"/>
-                  </a:schemeClr>
-                </a:solidFill>
-              </a:rPr>
-              <a:t>VKSwapchain</a:t>
-            </a:r>
-            <a:r>
-              <a:rPr lang="en-US" dirty="0">
-                <a:solidFill>
-                  <a:schemeClr val="bg1"/>
-                </a:solidFill>
-              </a:rPr>
-              <a:t> itself to make things simple and fast and have less cache misses</a:t>
-            </a:r>
-          </a:p>
-          <a:p>
-            <a:pPr lvl="1"/>
-            <a:endParaRPr lang="en-US" sz="1000" dirty="0">
-              <a:solidFill>
-                <a:schemeClr val="bg1"/>
-              </a:solidFill>
-            </a:endParaRPr>
-          </a:p>
-          <a:p>
-            <a:pPr marL="0" indent="0">
-              <a:buNone/>
-            </a:pPr>
-            <a:r>
-              <a:rPr lang="en-US" sz="1700" dirty="0">
-                <a:solidFill>
-                  <a:schemeClr val="accent6">
-                    <a:lumMod val="60000"/>
-                    <a:lumOff val="40000"/>
-                  </a:schemeClr>
-                </a:solidFill>
-              </a:rPr>
-              <a:t>Solution</a:t>
-            </a:r>
-          </a:p>
-          <a:p>
-            <a:r>
-              <a:rPr lang="en-US" sz="1400" dirty="0"/>
-              <a:t>Merge submission and presentation into a single function to avoid redirection that too through virtual functions</a:t>
-            </a:r>
-          </a:p>
-          <a:p>
-            <a:r>
-              <a:rPr lang="en-US" sz="1400" dirty="0" err="1"/>
-              <a:t>VKSwapchain</a:t>
-            </a:r>
-            <a:r>
-              <a:rPr lang="en-US" sz="1400" dirty="0"/>
-              <a:t> will manage the frameSyncData ({imageReadySemaphore, renderingDoneSemaphore, </a:t>
-            </a:r>
-            <a:r>
-              <a:rPr lang="en-US" sz="1400" dirty="0" err="1"/>
-              <a:t>inFlightFence</a:t>
-            </a:r>
-            <a:r>
-              <a:rPr lang="en-US" sz="1400" dirty="0"/>
-              <a:t>} x </a:t>
-            </a:r>
-            <a:r>
-              <a:rPr lang="en-US" sz="1400" dirty="0">
-                <a:solidFill>
-                  <a:srgbClr val="7030A0"/>
-                </a:solidFill>
-              </a:rPr>
-              <a:t>MAX_SWAP_IMAGES(3)</a:t>
-            </a:r>
-            <a:r>
-              <a:rPr lang="en-US" sz="1400" dirty="0"/>
-              <a:t>)</a:t>
-            </a:r>
-          </a:p>
-          <a:p>
-            <a:r>
-              <a:rPr lang="en-US" sz="1400" dirty="0"/>
-              <a:t>Pipeline/Memory barriers will help in synchronization of pass resources and presentation only waits on </a:t>
-            </a:r>
-            <a:r>
-              <a:rPr lang="en-US" sz="1400" dirty="0">
-                <a:solidFill>
-                  <a:srgbClr val="7030A0"/>
-                </a:solidFill>
-                <a:latin typeface="Cascadia Mono" panose="020B0609020000020004" pitchFamily="49" charset="0"/>
-              </a:rPr>
-              <a:t>VK_PIPELINE_STAGE_COLOR_ATTACHMENT_OUTPUT_BIT</a:t>
-            </a:r>
-            <a:endParaRPr lang="en-US" sz="1400" dirty="0">
-              <a:solidFill>
-                <a:srgbClr val="7030A0"/>
-              </a:solidFill>
-            </a:endParaRPr>
-          </a:p>
-          <a:p>
-            <a:endParaRPr lang="en-US" sz="1500" dirty="0"/>
-          </a:p>
-          <a:p>
-            <a:pPr marL="457177" lvl="1" indent="0">
-              <a:buNone/>
-            </a:pPr>
-            <a:endParaRPr lang="en-US" sz="1000" dirty="0">
-              <a:solidFill>
-                <a:schemeClr val="bg1"/>
-              </a:solidFill>
-            </a:endParaRPr>
-          </a:p>
-        </p:txBody>
-      </p:sp>
-      <p:pic>
-        <p:nvPicPr>
-          <p:cNvPr id="5" name="Picture 4">
-            <a:extLst>
-              <a:ext uri="{FF2B5EF4-FFF2-40B4-BE49-F238E27FC236}">
-                <a16:creationId xmlns:a16="http://schemas.microsoft.com/office/drawing/2014/main" id="{9D2E9F68-9244-BC23-BB44-6846B47AE10D}"/>
-              </a:ext>
-            </a:extLst>
-          </p:cNvPr>
-          <p:cNvPicPr>
-            <a:picLocks noChangeAspect="1"/>
-          </p:cNvPicPr>
-          <p:nvPr/>
-        </p:nvPicPr>
-        <p:blipFill>
-          <a:blip r:embed="rId2"/>
-          <a:stretch>
-            <a:fillRect/>
-          </a:stretch>
-        </p:blipFill>
-        <p:spPr>
-          <a:xfrm>
-            <a:off x="2146559" y="5298381"/>
-            <a:ext cx="7171093" cy="1407471"/>
-          </a:xfrm>
-          <a:prstGeom prst="rect">
-            <a:avLst/>
-          </a:prstGeom>
-          <a:effectLst/>
-        </p:spPr>
-      </p:pic>
-      <p:sp>
-        <p:nvSpPr>
-          <p:cNvPr id="6" name="TextBox 5">
-            <a:extLst>
-              <a:ext uri="{FF2B5EF4-FFF2-40B4-BE49-F238E27FC236}">
-                <a16:creationId xmlns:a16="http://schemas.microsoft.com/office/drawing/2014/main" id="{DE840441-9B46-45BA-ED78-107447FA4C36}"/>
-              </a:ext>
-            </a:extLst>
-          </p:cNvPr>
-          <p:cNvSpPr txBox="1"/>
-          <p:nvPr/>
-        </p:nvSpPr>
-        <p:spPr>
-          <a:xfrm>
-            <a:off x="4113410" y="6396286"/>
-            <a:ext cx="3117850" cy="369332"/>
-          </a:xfrm>
-          <a:prstGeom prst="rect">
-            <a:avLst/>
-          </a:prstGeom>
-          <a:noFill/>
-        </p:spPr>
-        <p:txBody>
-          <a:bodyPr wrap="square" rtlCol="0">
-            <a:spAutoFit/>
-          </a:bodyPr>
-          <a:lstStyle/>
-          <a:p>
-            <a:pPr algn="ctr"/>
-            <a:r>
-              <a:rPr lang="en-US" dirty="0">
-                <a:solidFill>
-                  <a:schemeClr val="accent1">
-                    <a:lumMod val="40000"/>
-                    <a:lumOff val="60000"/>
-                  </a:schemeClr>
-                </a:solidFill>
-              </a:rPr>
-              <a:t>Razix Frame</a:t>
-            </a:r>
-            <a:endParaRPr lang="en-IN" dirty="0">
-              <a:solidFill>
-                <a:schemeClr val="accent1">
-                  <a:lumMod val="40000"/>
-                  <a:lumOff val="60000"/>
-                </a:schemeClr>
-              </a:solidFill>
-            </a:endParaRPr>
-          </a:p>
-        </p:txBody>
-      </p:sp>
-      <p:sp>
-        <p:nvSpPr>
-          <p:cNvPr id="7" name="TextBox 6">
-            <a:extLst>
-              <a:ext uri="{FF2B5EF4-FFF2-40B4-BE49-F238E27FC236}">
-                <a16:creationId xmlns:a16="http://schemas.microsoft.com/office/drawing/2014/main" id="{62E77515-B11F-E0F0-FFB7-E7355FA7F5C3}"/>
-              </a:ext>
-            </a:extLst>
-          </p:cNvPr>
-          <p:cNvSpPr txBox="1"/>
-          <p:nvPr/>
-        </p:nvSpPr>
-        <p:spPr>
-          <a:xfrm>
-            <a:off x="8033951" y="6242398"/>
-            <a:ext cx="1117600" cy="338554"/>
-          </a:xfrm>
-          <a:prstGeom prst="rect">
-            <a:avLst/>
-          </a:prstGeom>
-          <a:noFill/>
-        </p:spPr>
-        <p:txBody>
-          <a:bodyPr wrap="square" rtlCol="0">
-            <a:spAutoFit/>
-          </a:bodyPr>
-          <a:lstStyle/>
-          <a:p>
-            <a:r>
-              <a:rPr lang="en-US" sz="800" dirty="0">
-                <a:solidFill>
-                  <a:schemeClr val="accent3">
-                    <a:lumMod val="60000"/>
-                    <a:lumOff val="40000"/>
-                  </a:schemeClr>
-                </a:solidFill>
-              </a:rPr>
-              <a:t>Presentation is under </a:t>
-            </a:r>
-            <a:r>
-              <a:rPr lang="en-US" sz="800" i="1" dirty="0">
-                <a:solidFill>
-                  <a:schemeClr val="accent3">
-                    <a:lumMod val="60000"/>
-                    <a:lumOff val="40000"/>
-                  </a:schemeClr>
-                </a:solidFill>
-              </a:rPr>
-              <a:t>1.0ms</a:t>
-            </a:r>
-            <a:endParaRPr lang="en-IN" sz="800" i="1" dirty="0">
-              <a:solidFill>
-                <a:schemeClr val="accent3">
-                  <a:lumMod val="60000"/>
-                  <a:lumOff val="40000"/>
-                </a:schemeClr>
-              </a:solidFill>
-            </a:endParaRPr>
-          </a:p>
-        </p:txBody>
-      </p:sp>
-      <p:sp>
-        <p:nvSpPr>
-          <p:cNvPr id="8" name="Left Brace 7">
-            <a:extLst>
-              <a:ext uri="{FF2B5EF4-FFF2-40B4-BE49-F238E27FC236}">
-                <a16:creationId xmlns:a16="http://schemas.microsoft.com/office/drawing/2014/main" id="{15442EDF-7BEC-75AE-DD3E-17D3D576A752}"/>
-              </a:ext>
-            </a:extLst>
-          </p:cNvPr>
-          <p:cNvSpPr/>
-          <p:nvPr/>
-        </p:nvSpPr>
-        <p:spPr>
-          <a:xfrm rot="16200000">
-            <a:off x="8466191" y="5939004"/>
-            <a:ext cx="107075" cy="514349"/>
-          </a:xfrm>
-          <a:prstGeom prst="leftBrace">
-            <a:avLst>
-              <a:gd name="adj1" fmla="val 23901"/>
-              <a:gd name="adj2" fmla="val 50463"/>
-            </a:avLst>
-          </a:prstGeom>
-        </p:spPr>
-        <p:style>
-          <a:lnRef idx="1">
-            <a:schemeClr val="accent3"/>
-          </a:lnRef>
-          <a:fillRef idx="0">
-            <a:schemeClr val="accent3"/>
-          </a:fillRef>
-          <a:effectRef idx="0">
-            <a:schemeClr val="accent3"/>
-          </a:effectRef>
-          <a:fontRef idx="minor">
-            <a:schemeClr val="tx1"/>
-          </a:fontRef>
-        </p:style>
-        <p:txBody>
-          <a:bodyPr rtlCol="0" anchor="ctr"/>
-          <a:lstStyle/>
-          <a:p>
-            <a:pPr algn="ctr"/>
-            <a:endParaRPr lang="en-IN">
-              <a:solidFill>
-                <a:schemeClr val="accent3">
-                  <a:lumMod val="60000"/>
-                  <a:lumOff val="40000"/>
-                </a:schemeClr>
-              </a:solidFill>
-            </a:endParaRPr>
-          </a:p>
-        </p:txBody>
-      </p:sp>
-    </p:spTree>
-    <p:extLst>
-      <p:ext uri="{BB962C8B-B14F-4D97-AF65-F5344CB8AC3E}">
-        <p14:creationId xmlns:p14="http://schemas.microsoft.com/office/powerpoint/2010/main" val="2919453556"/>
       </p:ext>
     </p:extLst>
   </p:cSld>

--- a/Docs/Features overview.pptx
+++ b/Docs/Features overview.pptx
@@ -243,7 +243,7 @@
           <a:p>
             <a:fld id="{3F16BF55-C0A5-4A93-9892-A2EE55AC4C70}" type="datetimeFigureOut">
               <a:rPr lang="en-IN" smtClean="0"/>
-              <a:t>27-04-2024</a:t>
+              <a:t>28-04-2024</a:t>
             </a:fld>
             <a:endParaRPr lang="en-IN"/>
           </a:p>
@@ -678,7 +678,7 @@
           <a:p>
             <a:fld id="{84B6F61C-9FA5-4C35-A1D3-00EE2C15A6C0}" type="datetimeFigureOut">
               <a:rPr lang="en-IN" smtClean="0"/>
-              <a:t>27-04-2024</a:t>
+              <a:t>28-04-2024</a:t>
             </a:fld>
             <a:endParaRPr lang="en-IN"/>
           </a:p>
@@ -907,7 +907,7 @@
           <a:p>
             <a:fld id="{84B6F61C-9FA5-4C35-A1D3-00EE2C15A6C0}" type="datetimeFigureOut">
               <a:rPr lang="en-IN" smtClean="0"/>
-              <a:t>27-04-2024</a:t>
+              <a:t>28-04-2024</a:t>
             </a:fld>
             <a:endParaRPr lang="en-IN"/>
           </a:p>
@@ -1131,7 +1131,7 @@
           <a:p>
             <a:fld id="{84B6F61C-9FA5-4C35-A1D3-00EE2C15A6C0}" type="datetimeFigureOut">
               <a:rPr lang="en-IN" smtClean="0"/>
-              <a:t>27-04-2024</a:t>
+              <a:t>28-04-2024</a:t>
             </a:fld>
             <a:endParaRPr lang="en-IN"/>
           </a:p>
@@ -1401,7 +1401,7 @@
           <a:p>
             <a:fld id="{84B6F61C-9FA5-4C35-A1D3-00EE2C15A6C0}" type="datetimeFigureOut">
               <a:rPr lang="en-IN" smtClean="0"/>
-              <a:t>27-04-2024</a:t>
+              <a:t>28-04-2024</a:t>
             </a:fld>
             <a:endParaRPr lang="en-IN" dirty="0"/>
           </a:p>
@@ -1788,7 +1788,7 @@
           <a:p>
             <a:fld id="{84B6F61C-9FA5-4C35-A1D3-00EE2C15A6C0}" type="datetimeFigureOut">
               <a:rPr lang="en-IN" smtClean="0"/>
-              <a:t>27-04-2024</a:t>
+              <a:t>28-04-2024</a:t>
             </a:fld>
             <a:endParaRPr lang="en-IN"/>
           </a:p>
@@ -2155,7 +2155,7 @@
           <a:p>
             <a:fld id="{84B6F61C-9FA5-4C35-A1D3-00EE2C15A6C0}" type="datetimeFigureOut">
               <a:rPr lang="en-IN" smtClean="0"/>
-              <a:t>27-04-2024</a:t>
+              <a:t>28-04-2024</a:t>
             </a:fld>
             <a:endParaRPr lang="en-IN"/>
           </a:p>
@@ -2584,7 +2584,7 @@
           <a:p>
             <a:fld id="{84B6F61C-9FA5-4C35-A1D3-00EE2C15A6C0}" type="datetimeFigureOut">
               <a:rPr lang="en-IN" smtClean="0"/>
-              <a:t>27-04-2024</a:t>
+              <a:t>28-04-2024</a:t>
             </a:fld>
             <a:endParaRPr lang="en-IN" dirty="0"/>
           </a:p>
@@ -2748,7 +2748,7 @@
           <a:p>
             <a:fld id="{84B6F61C-9FA5-4C35-A1D3-00EE2C15A6C0}" type="datetimeFigureOut">
               <a:rPr lang="en-IN" smtClean="0"/>
-              <a:t>27-04-2024</a:t>
+              <a:t>28-04-2024</a:t>
             </a:fld>
             <a:endParaRPr lang="en-IN"/>
           </a:p>
@@ -2880,7 +2880,7 @@
           <a:p>
             <a:fld id="{84B6F61C-9FA5-4C35-A1D3-00EE2C15A6C0}" type="datetimeFigureOut">
               <a:rPr lang="en-IN" smtClean="0"/>
-              <a:t>27-04-2024</a:t>
+              <a:t>28-04-2024</a:t>
             </a:fld>
             <a:endParaRPr lang="en-IN"/>
           </a:p>
@@ -3212,7 +3212,7 @@
           <a:p>
             <a:fld id="{84B6F61C-9FA5-4C35-A1D3-00EE2C15A6C0}" type="datetimeFigureOut">
               <a:rPr lang="en-IN" smtClean="0"/>
-              <a:t>27-04-2024</a:t>
+              <a:t>28-04-2024</a:t>
             </a:fld>
             <a:endParaRPr lang="en-IN"/>
           </a:p>
@@ -3515,7 +3515,7 @@
           <a:p>
             <a:fld id="{84B6F61C-9FA5-4C35-A1D3-00EE2C15A6C0}" type="datetimeFigureOut">
               <a:rPr lang="en-IN" smtClean="0"/>
-              <a:t>27-04-2024</a:t>
+              <a:t>28-04-2024</a:t>
             </a:fld>
             <a:endParaRPr lang="en-IN"/>
           </a:p>
@@ -3767,7 +3767,7 @@
           <a:p>
             <a:fld id="{84B6F61C-9FA5-4C35-A1D3-00EE2C15A6C0}" type="datetimeFigureOut">
               <a:rPr lang="en-IN" smtClean="0"/>
-              <a:t>27-04-2024</a:t>
+              <a:t>28-04-2024</a:t>
             </a:fld>
             <a:endParaRPr lang="en-IN"/>
           </a:p>
@@ -4270,7 +4270,7 @@
             <a:r>
               <a:rPr lang="en-US" sz="1400" dirty="0">
                 <a:solidFill>
-                  <a:schemeClr val="accent1"/>
+                  <a:srgbClr val="FFB556"/>
                 </a:solidFill>
                 <a:latin typeface="Fira Code" panose="020B0809050000020004" pitchFamily="49" charset="0"/>
                 <a:ea typeface="Fira Code" panose="020B0809050000020004" pitchFamily="49" charset="0"/>
@@ -5306,7 +5306,7 @@
             <a:r>
               <a:rPr lang="en-IN" dirty="0">
                 <a:solidFill>
-                  <a:schemeClr val="accent1"/>
+                  <a:srgbClr val="FFB556"/>
                 </a:solidFill>
               </a:rPr>
               <a:t>WorldRenderer</a:t>
@@ -5349,7 +5349,9 @@
             <a:r>
               <a:rPr lang="en-IN" dirty="0">
                 <a:solidFill>
-                  <a:schemeClr val="accent1"/>
+                  <a:schemeClr val="accent6">
+                    <a:lumMod val="75000"/>
+                  </a:schemeClr>
                 </a:solidFill>
               </a:rPr>
               <a:t>C++ lambdas </a:t>
@@ -6803,47 +6805,7 @@
                 <a:latin typeface="Courier New" panose="02070309020205020404" pitchFamily="49" charset="0"/>
                 <a:cs typeface="Courier New" panose="02070309020205020404" pitchFamily="49" charset="0"/>
               </a:rPr>
-              <a:t>Update (</a:t>
-            </a:r>
-            <a:r>
-              <a:rPr lang="en-IN" sz="1000" dirty="0" err="1">
-                <a:solidFill>
-                  <a:schemeClr val="bg1"/>
-                </a:solidFill>
-                <a:latin typeface="Courier New" panose="02070309020205020404" pitchFamily="49" charset="0"/>
-                <a:cs typeface="Courier New" panose="02070309020205020404" pitchFamily="49" charset="0"/>
-              </a:rPr>
-              <a:t>RZScene</a:t>
-            </a:r>
-            <a:r>
-              <a:rPr lang="en-IN" sz="1000" dirty="0">
-                <a:solidFill>
-                  <a:schemeClr val="bg1"/>
-                </a:solidFill>
-                <a:latin typeface="Courier New" panose="02070309020205020404" pitchFamily="49" charset="0"/>
-                <a:cs typeface="Courier New" panose="02070309020205020404" pitchFamily="49" charset="0"/>
-              </a:rPr>
-              <a:t>*, </a:t>
-            </a:r>
-            <a:r>
-              <a:rPr lang="en-IN" sz="1000" dirty="0" err="1">
-                <a:solidFill>
-                  <a:schemeClr val="bg1"/>
-                </a:solidFill>
-                <a:latin typeface="Courier New" panose="02070309020205020404" pitchFamily="49" charset="0"/>
-                <a:cs typeface="Courier New" panose="02070309020205020404" pitchFamily="49" charset="0"/>
-              </a:rPr>
-              <a:t>CmdBuff</a:t>
-            </a:r>
-            <a:r>
-              <a:rPr lang="en-IN" sz="1000" dirty="0">
-                <a:solidFill>
-                  <a:schemeClr val="bg1"/>
-                </a:solidFill>
-                <a:latin typeface="Courier New" panose="02070309020205020404" pitchFamily="49" charset="0"/>
-                <a:cs typeface="Courier New" panose="02070309020205020404" pitchFamily="49" charset="0"/>
-              </a:rPr>
-              <a:t>)</a:t>
+              <a:t>Update (RZScene*, CmdBuff)</a:t>
             </a:r>
           </a:p>
         </p:txBody>
@@ -10354,7 +10316,7 @@
         </p:nvSpPr>
         <p:spPr>
           <a:xfrm>
-            <a:off x="474306" y="3364493"/>
+            <a:off x="3948939" y="3595326"/>
             <a:ext cx="4294121" cy="461665"/>
           </a:xfrm>
           <a:prstGeom prst="rect">
@@ -10531,31 +10493,7 @@
                 <a:cs typeface="Calibri Light" panose="020F0302020204030204" pitchFamily="34" charset="0"/>
                 <a:hlinkClick r:id="rId4"/>
               </a:rPr>
-              <a:t>https://docs.unrealengine.com/4.27/en</a:t>
-            </a:r>
-            <a:r>
-              <a:rPr lang="en-IN" sz="1200" dirty="0">
-                <a:solidFill>
-                  <a:schemeClr val="bg1"/>
-                </a:solidFill>
-                <a:latin typeface="Calibri Light" panose="020F0302020204030204" pitchFamily="34" charset="0"/>
-                <a:ea typeface="Calibri Light" panose="020F0302020204030204" pitchFamily="34" charset="0"/>
-                <a:cs typeface="Calibri Light" panose="020F0302020204030204" pitchFamily="34" charset="0"/>
-                <a:hlinkClick r:id="rId4"/>
-              </a:rPr>
-              <a:t>-</a:t>
-            </a:r>
-            <a:r>
-              <a:rPr lang="en-IN" sz="1200" dirty="0">
-                <a:solidFill>
-                  <a:schemeClr val="bg1"/>
-                </a:solidFill>
-                <a:latin typeface="Calibri Light" panose="020F0302020204030204" pitchFamily="34" charset="0"/>
-                <a:ea typeface="Calibri Light" panose="020F0302020204030204" pitchFamily="34" charset="0"/>
-                <a:cs typeface="Calibri Light" panose="020F0302020204030204" pitchFamily="34" charset="0"/>
-                <a:hlinkClick r:id="rId4"/>
-              </a:rPr>
-              <a:t>US/RenderingAndGraphics/PostProcessEffects/ColorGrading/</a:t>
+              <a:t>https://docs.unrealengine.com/4.27/en-US/RenderingAndGraphics/PostProcessEffects/ColorGrading/</a:t>
             </a:r>
             <a:endParaRPr lang="en-IN" sz="1200" dirty="0">
               <a:solidFill>

--- a/Docs/Features overview.pptx
+++ b/Docs/Features overview.pptx
@@ -243,7 +243,7 @@
           <a:p>
             <a:fld id="{3F16BF55-C0A5-4A93-9892-A2EE55AC4C70}" type="datetimeFigureOut">
               <a:rPr lang="en-IN" smtClean="0"/>
-              <a:t>28-04-2024</a:t>
+              <a:t>29-04-2024</a:t>
             </a:fld>
             <a:endParaRPr lang="en-IN"/>
           </a:p>
@@ -678,7 +678,7 @@
           <a:p>
             <a:fld id="{84B6F61C-9FA5-4C35-A1D3-00EE2C15A6C0}" type="datetimeFigureOut">
               <a:rPr lang="en-IN" smtClean="0"/>
-              <a:t>28-04-2024</a:t>
+              <a:t>29-04-2024</a:t>
             </a:fld>
             <a:endParaRPr lang="en-IN"/>
           </a:p>
@@ -907,7 +907,7 @@
           <a:p>
             <a:fld id="{84B6F61C-9FA5-4C35-A1D3-00EE2C15A6C0}" type="datetimeFigureOut">
               <a:rPr lang="en-IN" smtClean="0"/>
-              <a:t>28-04-2024</a:t>
+              <a:t>29-04-2024</a:t>
             </a:fld>
             <a:endParaRPr lang="en-IN"/>
           </a:p>
@@ -1131,7 +1131,7 @@
           <a:p>
             <a:fld id="{84B6F61C-9FA5-4C35-A1D3-00EE2C15A6C0}" type="datetimeFigureOut">
               <a:rPr lang="en-IN" smtClean="0"/>
-              <a:t>28-04-2024</a:t>
+              <a:t>29-04-2024</a:t>
             </a:fld>
             <a:endParaRPr lang="en-IN"/>
           </a:p>
@@ -1401,7 +1401,7 @@
           <a:p>
             <a:fld id="{84B6F61C-9FA5-4C35-A1D3-00EE2C15A6C0}" type="datetimeFigureOut">
               <a:rPr lang="en-IN" smtClean="0"/>
-              <a:t>28-04-2024</a:t>
+              <a:t>29-04-2024</a:t>
             </a:fld>
             <a:endParaRPr lang="en-IN" dirty="0"/>
           </a:p>
@@ -1788,7 +1788,7 @@
           <a:p>
             <a:fld id="{84B6F61C-9FA5-4C35-A1D3-00EE2C15A6C0}" type="datetimeFigureOut">
               <a:rPr lang="en-IN" smtClean="0"/>
-              <a:t>28-04-2024</a:t>
+              <a:t>29-04-2024</a:t>
             </a:fld>
             <a:endParaRPr lang="en-IN"/>
           </a:p>
@@ -2155,7 +2155,7 @@
           <a:p>
             <a:fld id="{84B6F61C-9FA5-4C35-A1D3-00EE2C15A6C0}" type="datetimeFigureOut">
               <a:rPr lang="en-IN" smtClean="0"/>
-              <a:t>28-04-2024</a:t>
+              <a:t>29-04-2024</a:t>
             </a:fld>
             <a:endParaRPr lang="en-IN"/>
           </a:p>
@@ -2584,7 +2584,7 @@
           <a:p>
             <a:fld id="{84B6F61C-9FA5-4C35-A1D3-00EE2C15A6C0}" type="datetimeFigureOut">
               <a:rPr lang="en-IN" smtClean="0"/>
-              <a:t>28-04-2024</a:t>
+              <a:t>29-04-2024</a:t>
             </a:fld>
             <a:endParaRPr lang="en-IN" dirty="0"/>
           </a:p>
@@ -2748,7 +2748,7 @@
           <a:p>
             <a:fld id="{84B6F61C-9FA5-4C35-A1D3-00EE2C15A6C0}" type="datetimeFigureOut">
               <a:rPr lang="en-IN" smtClean="0"/>
-              <a:t>28-04-2024</a:t>
+              <a:t>29-04-2024</a:t>
             </a:fld>
             <a:endParaRPr lang="en-IN"/>
           </a:p>
@@ -2880,7 +2880,7 @@
           <a:p>
             <a:fld id="{84B6F61C-9FA5-4C35-A1D3-00EE2C15A6C0}" type="datetimeFigureOut">
               <a:rPr lang="en-IN" smtClean="0"/>
-              <a:t>28-04-2024</a:t>
+              <a:t>29-04-2024</a:t>
             </a:fld>
             <a:endParaRPr lang="en-IN"/>
           </a:p>
@@ -3212,7 +3212,7 @@
           <a:p>
             <a:fld id="{84B6F61C-9FA5-4C35-A1D3-00EE2C15A6C0}" type="datetimeFigureOut">
               <a:rPr lang="en-IN" smtClean="0"/>
-              <a:t>28-04-2024</a:t>
+              <a:t>29-04-2024</a:t>
             </a:fld>
             <a:endParaRPr lang="en-IN"/>
           </a:p>
@@ -3515,7 +3515,7 @@
           <a:p>
             <a:fld id="{84B6F61C-9FA5-4C35-A1D3-00EE2C15A6C0}" type="datetimeFigureOut">
               <a:rPr lang="en-IN" smtClean="0"/>
-              <a:t>28-04-2024</a:t>
+              <a:t>29-04-2024</a:t>
             </a:fld>
             <a:endParaRPr lang="en-IN"/>
           </a:p>
@@ -3767,7 +3767,7 @@
           <a:p>
             <a:fld id="{84B6F61C-9FA5-4C35-A1D3-00EE2C15A6C0}" type="datetimeFigureOut">
               <a:rPr lang="en-IN" smtClean="0"/>
-              <a:t>28-04-2024</a:t>
+              <a:t>29-04-2024</a:t>
             </a:fld>
             <a:endParaRPr lang="en-IN"/>
           </a:p>
@@ -7335,7 +7335,7 @@
                 <a:ea typeface="Calibri Light" panose="020F0302020204030204" pitchFamily="34" charset="0"/>
                 <a:cs typeface="Courier New" panose="02070309020205020404" pitchFamily="49" charset="0"/>
               </a:rPr>
-              <a:t>Pompeius::BuildDrawables(RZWorld::meshes/decals)</a:t>
+              <a:t>Diana::BuildDrawables(RZWorld::meshes/decals)</a:t>
             </a:r>
             <a:endParaRPr lang="en-IN" sz="800" dirty="0">
               <a:solidFill>
@@ -7447,7 +7447,7 @@
                 <a:ea typeface="Calibri Light" panose="020F0302020204030204" pitchFamily="34" charset="0"/>
                 <a:cs typeface="Courier New" panose="02070309020205020404" pitchFamily="49" charset="0"/>
               </a:rPr>
-              <a:t>Pompeius::BuildBatches(Drawables*) </a:t>
+              <a:t>Diana::BuildBatches(Drawables*) </a:t>
             </a:r>
             <a:endParaRPr lang="en-IN" sz="800" dirty="0">
               <a:solidFill>
@@ -9053,7 +9053,7 @@
                   <a:srgbClr val="FFFF00"/>
                 </a:highlight>
               </a:rPr>
-              <a:t>Pompeius</a:t>
+              <a:t>Diana</a:t>
             </a:r>
             <a:r>
               <a:rPr lang="en-US" sz="1000" dirty="0">
@@ -9069,12 +9069,26 @@
                   <a:schemeClr val="tx1"/>
                 </a:solidFill>
               </a:rPr>
-              <a:t>High Level Renderer for Scene to RHI data conversion for Razix Engine.</a:t>
-            </a:r>
-            <a:endParaRPr lang="en-IN" sz="1000" dirty="0">
+              <a:t>High Level Renderer for Scene to RHI data conversion for Razix Engine. </a:t>
+            </a:r>
+            <a:r>
+              <a:rPr lang="en-US" sz="1000" i="1" dirty="0">
+                <a:solidFill>
+                  <a:schemeClr val="tx1"/>
+                </a:solidFill>
+                <a:latin typeface="Calibri Light" panose="020F0302020204030204" pitchFamily="34" charset="0"/>
+                <a:ea typeface="Calibri Light" panose="020F0302020204030204" pitchFamily="34" charset="0"/>
+                <a:cs typeface="Calibri Light" panose="020F0302020204030204" pitchFamily="34" charset="0"/>
+              </a:rPr>
+              <a:t>Named after princess Diana.</a:t>
+            </a:r>
+            <a:endParaRPr lang="en-IN" sz="1000" i="1" dirty="0">
               <a:solidFill>
                 <a:schemeClr val="tx1"/>
               </a:solidFill>
+              <a:latin typeface="Calibri Light" panose="020F0302020204030204" pitchFamily="34" charset="0"/>
+              <a:ea typeface="Calibri Light" panose="020F0302020204030204" pitchFamily="34" charset="0"/>
+              <a:cs typeface="Calibri Light" panose="020F0302020204030204" pitchFamily="34" charset="0"/>
             </a:endParaRPr>
           </a:p>
         </p:txBody>

--- a/Docs/Features overview.pptx
+++ b/Docs/Features overview.pptx
@@ -149,6 +149,9 @@
             <p14:sldId id="263"/>
           </p14:sldIdLst>
         </p14:section>
+        <p14:section name="Appendix" id="{23B43516-7304-48D8-B7D5-D2E67884751B}">
+          <p14:sldIdLst/>
+        </p14:section>
       </p14:sectionLst>
     </p:ext>
     <p:ext uri="{EFAFB233-063F-42B5-8137-9DF3F51BA10A}">
@@ -243,7 +246,7 @@
           <a:p>
             <a:fld id="{3F16BF55-C0A5-4A93-9892-A2EE55AC4C70}" type="datetimeFigureOut">
               <a:rPr lang="en-IN" smtClean="0"/>
-              <a:t>29-04-2024</a:t>
+              <a:t>05-06-2024</a:t>
             </a:fld>
             <a:endParaRPr lang="en-IN"/>
           </a:p>
@@ -678,7 +681,7 @@
           <a:p>
             <a:fld id="{84B6F61C-9FA5-4C35-A1D3-00EE2C15A6C0}" type="datetimeFigureOut">
               <a:rPr lang="en-IN" smtClean="0"/>
-              <a:t>29-04-2024</a:t>
+              <a:t>05-06-2024</a:t>
             </a:fld>
             <a:endParaRPr lang="en-IN"/>
           </a:p>
@@ -907,7 +910,7 @@
           <a:p>
             <a:fld id="{84B6F61C-9FA5-4C35-A1D3-00EE2C15A6C0}" type="datetimeFigureOut">
               <a:rPr lang="en-IN" smtClean="0"/>
-              <a:t>29-04-2024</a:t>
+              <a:t>05-06-2024</a:t>
             </a:fld>
             <a:endParaRPr lang="en-IN"/>
           </a:p>
@@ -1131,7 +1134,7 @@
           <a:p>
             <a:fld id="{84B6F61C-9FA5-4C35-A1D3-00EE2C15A6C0}" type="datetimeFigureOut">
               <a:rPr lang="en-IN" smtClean="0"/>
-              <a:t>29-04-2024</a:t>
+              <a:t>05-06-2024</a:t>
             </a:fld>
             <a:endParaRPr lang="en-IN"/>
           </a:p>
@@ -1401,7 +1404,7 @@
           <a:p>
             <a:fld id="{84B6F61C-9FA5-4C35-A1D3-00EE2C15A6C0}" type="datetimeFigureOut">
               <a:rPr lang="en-IN" smtClean="0"/>
-              <a:t>29-04-2024</a:t>
+              <a:t>05-06-2024</a:t>
             </a:fld>
             <a:endParaRPr lang="en-IN" dirty="0"/>
           </a:p>
@@ -1788,7 +1791,7 @@
           <a:p>
             <a:fld id="{84B6F61C-9FA5-4C35-A1D3-00EE2C15A6C0}" type="datetimeFigureOut">
               <a:rPr lang="en-IN" smtClean="0"/>
-              <a:t>29-04-2024</a:t>
+              <a:t>05-06-2024</a:t>
             </a:fld>
             <a:endParaRPr lang="en-IN"/>
           </a:p>
@@ -2155,7 +2158,7 @@
           <a:p>
             <a:fld id="{84B6F61C-9FA5-4C35-A1D3-00EE2C15A6C0}" type="datetimeFigureOut">
               <a:rPr lang="en-IN" smtClean="0"/>
-              <a:t>29-04-2024</a:t>
+              <a:t>05-06-2024</a:t>
             </a:fld>
             <a:endParaRPr lang="en-IN"/>
           </a:p>
@@ -2584,7 +2587,7 @@
           <a:p>
             <a:fld id="{84B6F61C-9FA5-4C35-A1D3-00EE2C15A6C0}" type="datetimeFigureOut">
               <a:rPr lang="en-IN" smtClean="0"/>
-              <a:t>29-04-2024</a:t>
+              <a:t>05-06-2024</a:t>
             </a:fld>
             <a:endParaRPr lang="en-IN" dirty="0"/>
           </a:p>
@@ -2748,7 +2751,7 @@
           <a:p>
             <a:fld id="{84B6F61C-9FA5-4C35-A1D3-00EE2C15A6C0}" type="datetimeFigureOut">
               <a:rPr lang="en-IN" smtClean="0"/>
-              <a:t>29-04-2024</a:t>
+              <a:t>05-06-2024</a:t>
             </a:fld>
             <a:endParaRPr lang="en-IN"/>
           </a:p>
@@ -2880,7 +2883,7 @@
           <a:p>
             <a:fld id="{84B6F61C-9FA5-4C35-A1D3-00EE2C15A6C0}" type="datetimeFigureOut">
               <a:rPr lang="en-IN" smtClean="0"/>
-              <a:t>29-04-2024</a:t>
+              <a:t>05-06-2024</a:t>
             </a:fld>
             <a:endParaRPr lang="en-IN"/>
           </a:p>
@@ -3212,7 +3215,7 @@
           <a:p>
             <a:fld id="{84B6F61C-9FA5-4C35-A1D3-00EE2C15A6C0}" type="datetimeFigureOut">
               <a:rPr lang="en-IN" smtClean="0"/>
-              <a:t>29-04-2024</a:t>
+              <a:t>05-06-2024</a:t>
             </a:fld>
             <a:endParaRPr lang="en-IN"/>
           </a:p>
@@ -3515,7 +3518,7 @@
           <a:p>
             <a:fld id="{84B6F61C-9FA5-4C35-A1D3-00EE2C15A6C0}" type="datetimeFigureOut">
               <a:rPr lang="en-IN" smtClean="0"/>
-              <a:t>29-04-2024</a:t>
+              <a:t>05-06-2024</a:t>
             </a:fld>
             <a:endParaRPr lang="en-IN"/>
           </a:p>
@@ -3767,7 +3770,7 @@
           <a:p>
             <a:fld id="{84B6F61C-9FA5-4C35-A1D3-00EE2C15A6C0}" type="datetimeFigureOut">
               <a:rPr lang="en-IN" smtClean="0"/>
-              <a:t>29-04-2024</a:t>
+              <a:t>05-06-2024</a:t>
             </a:fld>
             <a:endParaRPr lang="en-IN"/>
           </a:p>
@@ -4802,21 +4805,21 @@
             <a:r>
               <a:rPr lang="en-US" dirty="0">
                 <a:solidFill>
-                  <a:schemeClr val="accent1">
-                    <a:lumMod val="40000"/>
-                    <a:lumOff val="60000"/>
-                  </a:schemeClr>
-                </a:solidFill>
+                  <a:srgbClr val="FF0000"/>
+                </a:solidFill>
+                <a:highlight>
+                  <a:srgbClr val="FFFF00"/>
+                </a:highlight>
               </a:rPr>
               <a:t>Razix Frame</a:t>
             </a:r>
             <a:endParaRPr lang="en-IN" dirty="0">
               <a:solidFill>
-                <a:schemeClr val="accent1">
-                  <a:lumMod val="40000"/>
-                  <a:lumOff val="60000"/>
-                </a:schemeClr>
+                <a:srgbClr val="FF0000"/>
               </a:solidFill>
+              <a:highlight>
+                <a:srgbClr val="FFFF00"/>
+              </a:highlight>
             </a:endParaRPr>
           </a:p>
         </p:txBody>
@@ -4836,7 +4839,7 @@
         <p:spPr>
           <a:xfrm>
             <a:off x="8033951" y="6242398"/>
-            <a:ext cx="1117600" cy="338554"/>
+            <a:ext cx="1117600" cy="400110"/>
           </a:xfrm>
           <a:prstGeom prst="rect">
             <a:avLst/>
@@ -4850,34 +4853,34 @@
           <a:lstStyle/>
           <a:p>
             <a:r>
-              <a:rPr lang="en-US" sz="800" dirty="0">
-                <a:solidFill>
-                  <a:schemeClr val="accent3">
-                    <a:lumMod val="60000"/>
-                    <a:lumOff val="40000"/>
-                  </a:schemeClr>
-                </a:solidFill>
+              <a:rPr lang="en-US" sz="1000" dirty="0">
+                <a:solidFill>
+                  <a:srgbClr val="FF0000"/>
+                </a:solidFill>
+                <a:highlight>
+                  <a:srgbClr val="FFFF00"/>
+                </a:highlight>
               </a:rPr>
               <a:t>Presentation is under </a:t>
             </a:r>
             <a:r>
-              <a:rPr lang="en-US" sz="800" i="1" dirty="0">
-                <a:solidFill>
-                  <a:schemeClr val="accent3">
-                    <a:lumMod val="60000"/>
-                    <a:lumOff val="40000"/>
-                  </a:schemeClr>
-                </a:solidFill>
+              <a:rPr lang="en-US" sz="1000" i="1" dirty="0">
+                <a:solidFill>
+                  <a:srgbClr val="FF0000"/>
+                </a:solidFill>
+                <a:highlight>
+                  <a:srgbClr val="FFFF00"/>
+                </a:highlight>
               </a:rPr>
               <a:t>1.0ms</a:t>
             </a:r>
-            <a:endParaRPr lang="en-IN" sz="800" i="1" dirty="0">
+            <a:endParaRPr lang="en-IN" sz="1000" i="1" dirty="0">
               <a:solidFill>
-                <a:schemeClr val="accent3">
-                  <a:lumMod val="60000"/>
-                  <a:lumOff val="40000"/>
-                </a:schemeClr>
+                <a:srgbClr val="FF0000"/>
               </a:solidFill>
+              <a:highlight>
+                <a:srgbClr val="FFFF00"/>
+              </a:highlight>
             </a:endParaRPr>
           </a:p>
         </p:txBody>
@@ -10696,7 +10699,11 @@
             <a:avLst/>
           </a:prstGeom>
           <a:noFill/>
-          <a:ln w="12700"/>
+          <a:ln w="12700">
+            <a:solidFill>
+              <a:srgbClr val="FF0000"/>
+            </a:solidFill>
+          </a:ln>
         </p:spPr>
         <p:style>
           <a:lnRef idx="1">
@@ -10744,7 +10751,11 @@
           <a:prstGeom prst="line">
             <a:avLst/>
           </a:prstGeom>
-          <a:ln w="12700"/>
+          <a:ln w="12700">
+            <a:solidFill>
+              <a:srgbClr val="FF0000"/>
+            </a:solidFill>
+          </a:ln>
         </p:spPr>
         <p:style>
           <a:lnRef idx="1">
@@ -10784,7 +10795,11 @@
           <a:prstGeom prst="line">
             <a:avLst/>
           </a:prstGeom>
-          <a:ln w="12700"/>
+          <a:ln w="12700">
+            <a:solidFill>
+              <a:srgbClr val="FF0000"/>
+            </a:solidFill>
+          </a:ln>
         </p:spPr>
         <p:style>
           <a:lnRef idx="1">
@@ -10949,6 +10964,151 @@
           </a:prstGeom>
         </p:spPr>
       </p:pic>
+      <p:sp>
+        <p:nvSpPr>
+          <p:cNvPr id="3" name="Oval 2">
+            <a:extLst>
+              <a:ext uri="{FF2B5EF4-FFF2-40B4-BE49-F238E27FC236}">
+                <a16:creationId xmlns:a16="http://schemas.microsoft.com/office/drawing/2014/main" id="{BEBCA419-DED0-CC17-FDEE-A1ABE84BC5CC}"/>
+              </a:ext>
+            </a:extLst>
+          </p:cNvPr>
+          <p:cNvSpPr/>
+          <p:nvPr/>
+        </p:nvSpPr>
+        <p:spPr>
+          <a:xfrm>
+            <a:off x="4917243" y="1884334"/>
+            <a:ext cx="282646" cy="1767170"/>
+          </a:xfrm>
+          <a:prstGeom prst="ellipse">
+            <a:avLst/>
+          </a:prstGeom>
+          <a:noFill/>
+          <a:ln w="12700">
+            <a:solidFill>
+              <a:srgbClr val="FF0000"/>
+            </a:solidFill>
+          </a:ln>
+        </p:spPr>
+        <p:style>
+          <a:lnRef idx="1">
+            <a:schemeClr val="accent3"/>
+          </a:lnRef>
+          <a:fillRef idx="2">
+            <a:schemeClr val="accent3"/>
+          </a:fillRef>
+          <a:effectRef idx="1">
+            <a:schemeClr val="accent3"/>
+          </a:effectRef>
+          <a:fontRef idx="minor">
+            <a:schemeClr val="dk1"/>
+          </a:fontRef>
+        </p:style>
+        <p:txBody>
+          <a:bodyPr rtlCol="0" anchor="ctr"/>
+          <a:lstStyle/>
+          <a:p>
+            <a:pPr algn="ctr"/>
+            <a:endParaRPr lang="en-IN"/>
+          </a:p>
+        </p:txBody>
+      </p:sp>
+      <p:sp>
+        <p:nvSpPr>
+          <p:cNvPr id="5" name="Oval 4">
+            <a:extLst>
+              <a:ext uri="{FF2B5EF4-FFF2-40B4-BE49-F238E27FC236}">
+                <a16:creationId xmlns:a16="http://schemas.microsoft.com/office/drawing/2014/main" id="{A4535D7B-E753-F9F7-EDBD-916ECDC985DC}"/>
+              </a:ext>
+            </a:extLst>
+          </p:cNvPr>
+          <p:cNvSpPr/>
+          <p:nvPr/>
+        </p:nvSpPr>
+        <p:spPr>
+          <a:xfrm>
+            <a:off x="6906278" y="1884334"/>
+            <a:ext cx="282646" cy="1767170"/>
+          </a:xfrm>
+          <a:prstGeom prst="ellipse">
+            <a:avLst/>
+          </a:prstGeom>
+          <a:noFill/>
+          <a:ln w="12700">
+            <a:solidFill>
+              <a:srgbClr val="FF0000"/>
+            </a:solidFill>
+          </a:ln>
+        </p:spPr>
+        <p:style>
+          <a:lnRef idx="1">
+            <a:schemeClr val="accent3"/>
+          </a:lnRef>
+          <a:fillRef idx="2">
+            <a:schemeClr val="accent3"/>
+          </a:fillRef>
+          <a:effectRef idx="1">
+            <a:schemeClr val="accent3"/>
+          </a:effectRef>
+          <a:fontRef idx="minor">
+            <a:schemeClr val="dk1"/>
+          </a:fontRef>
+        </p:style>
+        <p:txBody>
+          <a:bodyPr rtlCol="0" anchor="ctr"/>
+          <a:lstStyle/>
+          <a:p>
+            <a:pPr algn="ctr"/>
+            <a:endParaRPr lang="en-IN"/>
+          </a:p>
+        </p:txBody>
+      </p:sp>
+      <p:sp>
+        <p:nvSpPr>
+          <p:cNvPr id="6" name="TextBox 5">
+            <a:extLst>
+              <a:ext uri="{FF2B5EF4-FFF2-40B4-BE49-F238E27FC236}">
+                <a16:creationId xmlns:a16="http://schemas.microsoft.com/office/drawing/2014/main" id="{AE1E207A-2317-3E6B-1CF6-7ABD416800C1}"/>
+              </a:ext>
+            </a:extLst>
+          </p:cNvPr>
+          <p:cNvSpPr txBox="1"/>
+          <p:nvPr/>
+        </p:nvSpPr>
+        <p:spPr>
+          <a:xfrm>
+            <a:off x="9530858" y="4028383"/>
+            <a:ext cx="1350502" cy="369332"/>
+          </a:xfrm>
+          <a:prstGeom prst="rect">
+            <a:avLst/>
+          </a:prstGeom>
+          <a:noFill/>
+        </p:spPr>
+        <p:txBody>
+          <a:bodyPr wrap="square" rtlCol="0">
+            <a:spAutoFit/>
+          </a:bodyPr>
+          <a:lstStyle/>
+          <a:p>
+            <a:pPr algn="ctr"/>
+            <a:r>
+              <a:rPr lang="en-US" dirty="0">
+                <a:solidFill>
+                  <a:schemeClr val="bg1"/>
+                </a:solidFill>
+              </a:rPr>
+              <a:t>FXAA + TAA</a:t>
+            </a:r>
+            <a:endParaRPr lang="en-IN" dirty="0">
+              <a:solidFill>
+                <a:schemeClr val="bg1"/>
+              </a:solidFill>
+            </a:endParaRPr>
+          </a:p>
+        </p:txBody>
+      </p:sp>
     </p:spTree>
     <p:extLst>
       <p:ext uri="{BB962C8B-B14F-4D97-AF65-F5344CB8AC3E}">

--- a/Docs/Features overview.pptx
+++ b/Docs/Features overview.pptx
@@ -5,7 +5,7 @@
     <p:sldMasterId id="2147483648" r:id="rId1"/>
   </p:sldMasterIdLst>
   <p:notesMasterIdLst>
-    <p:notesMasterId r:id="rId12"/>
+    <p:notesMasterId r:id="rId13"/>
   </p:notesMasterIdLst>
   <p:sldIdLst>
     <p:sldId id="257" r:id="rId2"/>
@@ -18,6 +18,7 @@
     <p:sldId id="267" r:id="rId9"/>
     <p:sldId id="264" r:id="rId10"/>
     <p:sldId id="263" r:id="rId11"/>
+    <p:sldId id="268" r:id="rId12"/>
   </p:sldIdLst>
   <p:sldSz cx="12192000" cy="6858000"/>
   <p:notesSz cx="6858000" cy="9144000"/>
@@ -147,6 +148,7 @@
         <p14:section name="Performance Improvements" id="{245578FE-32D1-46ED-9D76-A9FD4E05A08C}">
           <p14:sldIdLst>
             <p14:sldId id="263"/>
+            <p14:sldId id="268"/>
           </p14:sldIdLst>
         </p14:section>
         <p14:section name="Appendix" id="{23B43516-7304-48D8-B7D5-D2E67884751B}">
@@ -246,7 +248,7 @@
           <a:p>
             <a:fld id="{3F16BF55-C0A5-4A93-9892-A2EE55AC4C70}" type="datetimeFigureOut">
               <a:rPr lang="en-IN" smtClean="0"/>
-              <a:t>05-06-2024</a:t>
+              <a:t>19-06-2024</a:t>
             </a:fld>
             <a:endParaRPr lang="en-IN"/>
           </a:p>
@@ -681,7 +683,7 @@
           <a:p>
             <a:fld id="{84B6F61C-9FA5-4C35-A1D3-00EE2C15A6C0}" type="datetimeFigureOut">
               <a:rPr lang="en-IN" smtClean="0"/>
-              <a:t>05-06-2024</a:t>
+              <a:t>19-06-2024</a:t>
             </a:fld>
             <a:endParaRPr lang="en-IN"/>
           </a:p>
@@ -910,7 +912,7 @@
           <a:p>
             <a:fld id="{84B6F61C-9FA5-4C35-A1D3-00EE2C15A6C0}" type="datetimeFigureOut">
               <a:rPr lang="en-IN" smtClean="0"/>
-              <a:t>05-06-2024</a:t>
+              <a:t>19-06-2024</a:t>
             </a:fld>
             <a:endParaRPr lang="en-IN"/>
           </a:p>
@@ -1134,7 +1136,7 @@
           <a:p>
             <a:fld id="{84B6F61C-9FA5-4C35-A1D3-00EE2C15A6C0}" type="datetimeFigureOut">
               <a:rPr lang="en-IN" smtClean="0"/>
-              <a:t>05-06-2024</a:t>
+              <a:t>19-06-2024</a:t>
             </a:fld>
             <a:endParaRPr lang="en-IN"/>
           </a:p>
@@ -1404,7 +1406,7 @@
           <a:p>
             <a:fld id="{84B6F61C-9FA5-4C35-A1D3-00EE2C15A6C0}" type="datetimeFigureOut">
               <a:rPr lang="en-IN" smtClean="0"/>
-              <a:t>05-06-2024</a:t>
+              <a:t>19-06-2024</a:t>
             </a:fld>
             <a:endParaRPr lang="en-IN" dirty="0"/>
           </a:p>
@@ -1791,7 +1793,7 @@
           <a:p>
             <a:fld id="{84B6F61C-9FA5-4C35-A1D3-00EE2C15A6C0}" type="datetimeFigureOut">
               <a:rPr lang="en-IN" smtClean="0"/>
-              <a:t>05-06-2024</a:t>
+              <a:t>19-06-2024</a:t>
             </a:fld>
             <a:endParaRPr lang="en-IN"/>
           </a:p>
@@ -2158,7 +2160,7 @@
           <a:p>
             <a:fld id="{84B6F61C-9FA5-4C35-A1D3-00EE2C15A6C0}" type="datetimeFigureOut">
               <a:rPr lang="en-IN" smtClean="0"/>
-              <a:t>05-06-2024</a:t>
+              <a:t>19-06-2024</a:t>
             </a:fld>
             <a:endParaRPr lang="en-IN"/>
           </a:p>
@@ -2587,7 +2589,7 @@
           <a:p>
             <a:fld id="{84B6F61C-9FA5-4C35-A1D3-00EE2C15A6C0}" type="datetimeFigureOut">
               <a:rPr lang="en-IN" smtClean="0"/>
-              <a:t>05-06-2024</a:t>
+              <a:t>19-06-2024</a:t>
             </a:fld>
             <a:endParaRPr lang="en-IN" dirty="0"/>
           </a:p>
@@ -2751,7 +2753,7 @@
           <a:p>
             <a:fld id="{84B6F61C-9FA5-4C35-A1D3-00EE2C15A6C0}" type="datetimeFigureOut">
               <a:rPr lang="en-IN" smtClean="0"/>
-              <a:t>05-06-2024</a:t>
+              <a:t>19-06-2024</a:t>
             </a:fld>
             <a:endParaRPr lang="en-IN"/>
           </a:p>
@@ -2883,7 +2885,7 @@
           <a:p>
             <a:fld id="{84B6F61C-9FA5-4C35-A1D3-00EE2C15A6C0}" type="datetimeFigureOut">
               <a:rPr lang="en-IN" smtClean="0"/>
-              <a:t>05-06-2024</a:t>
+              <a:t>19-06-2024</a:t>
             </a:fld>
             <a:endParaRPr lang="en-IN"/>
           </a:p>
@@ -3215,7 +3217,7 @@
           <a:p>
             <a:fld id="{84B6F61C-9FA5-4C35-A1D3-00EE2C15A6C0}" type="datetimeFigureOut">
               <a:rPr lang="en-IN" smtClean="0"/>
-              <a:t>05-06-2024</a:t>
+              <a:t>19-06-2024</a:t>
             </a:fld>
             <a:endParaRPr lang="en-IN"/>
           </a:p>
@@ -3518,7 +3520,7 @@
           <a:p>
             <a:fld id="{84B6F61C-9FA5-4C35-A1D3-00EE2C15A6C0}" type="datetimeFigureOut">
               <a:rPr lang="en-IN" smtClean="0"/>
-              <a:t>05-06-2024</a:t>
+              <a:t>19-06-2024</a:t>
             </a:fld>
             <a:endParaRPr lang="en-IN"/>
           </a:p>
@@ -3770,7 +3772,7 @@
           <a:p>
             <a:fld id="{84B6F61C-9FA5-4C35-A1D3-00EE2C15A6C0}" type="datetimeFigureOut">
               <a:rPr lang="en-IN" smtClean="0"/>
-              <a:t>05-06-2024</a:t>
+              <a:t>19-06-2024</a:t>
             </a:fld>
             <a:endParaRPr lang="en-IN"/>
           </a:p>
@@ -4943,6 +4945,215 @@
     <p:extLst>
       <p:ext uri="{BB962C8B-B14F-4D97-AF65-F5344CB8AC3E}">
         <p14:creationId xmlns:p14="http://schemas.microsoft.com/office/powerpoint/2010/main" val="2919453556"/>
+      </p:ext>
+    </p:extLst>
+  </p:cSld>
+  <p:clrMapOvr>
+    <a:masterClrMapping/>
+  </p:clrMapOvr>
+</p:sld>
+</file>
+
+<file path=ppt/slides/slide11.xml><?xml version="1.0" encoding="utf-8"?>
+<p:sld xmlns:a="http://schemas.openxmlformats.org/drawingml/2006/main" xmlns:r="http://schemas.openxmlformats.org/officeDocument/2006/relationships" xmlns:p="http://schemas.openxmlformats.org/presentationml/2006/main">
+  <p:cSld>
+    <p:spTree>
+      <p:nvGrpSpPr>
+        <p:cNvPr id="1" name=""/>
+        <p:cNvGrpSpPr/>
+        <p:nvPr/>
+      </p:nvGrpSpPr>
+      <p:grpSpPr>
+        <a:xfrm>
+          <a:off x="0" y="0"/>
+          <a:ext cx="0" cy="0"/>
+          <a:chOff x="0" y="0"/>
+          <a:chExt cx="0" cy="0"/>
+        </a:xfrm>
+      </p:grpSpPr>
+      <p:sp>
+        <p:nvSpPr>
+          <p:cNvPr id="2" name="Title 1">
+            <a:extLst>
+              <a:ext uri="{FF2B5EF4-FFF2-40B4-BE49-F238E27FC236}">
+                <a16:creationId xmlns:a16="http://schemas.microsoft.com/office/drawing/2014/main" id="{9A2600AA-922C-E4B4-702E-5A97F2DAA1BD}"/>
+              </a:ext>
+            </a:extLst>
+          </p:cNvPr>
+          <p:cNvSpPr>
+            <a:spLocks noGrp="1"/>
+          </p:cNvSpPr>
+          <p:nvPr>
+            <p:ph type="title"/>
+          </p:nvPr>
+        </p:nvSpPr>
+        <p:spPr/>
+        <p:txBody>
+          <a:bodyPr/>
+          <a:lstStyle/>
+          <a:p>
+            <a:r>
+              <a:rPr lang="en-US" dirty="0"/>
+              <a:t>Vulkan </a:t>
+            </a:r>
+            <a:r>
+              <a:rPr lang="en-US" dirty="0">
+                <a:solidFill>
+                  <a:srgbClr val="FF0000"/>
+                </a:solidFill>
+              </a:rPr>
+              <a:t>perf-drop</a:t>
+            </a:r>
+            <a:endParaRPr lang="en-IN" dirty="0">
+              <a:solidFill>
+                <a:srgbClr val="FF0000"/>
+              </a:solidFill>
+            </a:endParaRPr>
+          </a:p>
+        </p:txBody>
+      </p:sp>
+      <p:pic>
+        <p:nvPicPr>
+          <p:cNvPr id="5" name="Picture 4">
+            <a:extLst>
+              <a:ext uri="{FF2B5EF4-FFF2-40B4-BE49-F238E27FC236}">
+                <a16:creationId xmlns:a16="http://schemas.microsoft.com/office/drawing/2014/main" id="{F62C2456-71AF-009D-B0EC-46AC104643F6}"/>
+              </a:ext>
+            </a:extLst>
+          </p:cNvPr>
+          <p:cNvPicPr>
+            <a:picLocks noChangeAspect="1"/>
+          </p:cNvPicPr>
+          <p:nvPr/>
+        </p:nvPicPr>
+        <p:blipFill>
+          <a:blip r:embed="rId2"/>
+          <a:stretch>
+            <a:fillRect/>
+          </a:stretch>
+        </p:blipFill>
+        <p:spPr>
+          <a:xfrm>
+            <a:off x="104728" y="1375878"/>
+            <a:ext cx="12036813" cy="2379043"/>
+          </a:xfrm>
+          <a:prstGeom prst="rect">
+            <a:avLst/>
+          </a:prstGeom>
+        </p:spPr>
+      </p:pic>
+      <p:sp>
+        <p:nvSpPr>
+          <p:cNvPr id="7" name="TextBox 6">
+            <a:extLst>
+              <a:ext uri="{FF2B5EF4-FFF2-40B4-BE49-F238E27FC236}">
+                <a16:creationId xmlns:a16="http://schemas.microsoft.com/office/drawing/2014/main" id="{DE68C69D-D210-035B-C458-E644EA72FEEC}"/>
+              </a:ext>
+            </a:extLst>
+          </p:cNvPr>
+          <p:cNvSpPr txBox="1"/>
+          <p:nvPr/>
+        </p:nvSpPr>
+        <p:spPr>
+          <a:xfrm>
+            <a:off x="254858" y="1006546"/>
+            <a:ext cx="6094970" cy="369332"/>
+          </a:xfrm>
+          <a:prstGeom prst="rect">
+            <a:avLst/>
+          </a:prstGeom>
+          <a:noFill/>
+        </p:spPr>
+        <p:txBody>
+          <a:bodyPr wrap="square">
+            <a:spAutoFit/>
+          </a:bodyPr>
+          <a:lstStyle/>
+          <a:p>
+            <a:r>
+              <a:rPr lang="en-IN" b="1" dirty="0">
+                <a:solidFill>
+                  <a:schemeClr val="bg1"/>
+                </a:solidFill>
+              </a:rPr>
+              <a:t>60pfs@1920x1080 RT Sponza Sandbox</a:t>
+            </a:r>
+          </a:p>
+        </p:txBody>
+      </p:sp>
+      <p:pic>
+        <p:nvPicPr>
+          <p:cNvPr id="9" name="Picture 8">
+            <a:extLst>
+              <a:ext uri="{FF2B5EF4-FFF2-40B4-BE49-F238E27FC236}">
+                <a16:creationId xmlns:a16="http://schemas.microsoft.com/office/drawing/2014/main" id="{EBB497E5-E82D-A46D-3AC2-C3CE437177C5}"/>
+              </a:ext>
+            </a:extLst>
+          </p:cNvPr>
+          <p:cNvPicPr>
+            <a:picLocks noChangeAspect="1"/>
+          </p:cNvPicPr>
+          <p:nvPr/>
+        </p:nvPicPr>
+        <p:blipFill>
+          <a:blip r:embed="rId3"/>
+          <a:stretch>
+            <a:fillRect/>
+          </a:stretch>
+        </p:blipFill>
+        <p:spPr>
+          <a:xfrm>
+            <a:off x="104729" y="4321646"/>
+            <a:ext cx="12036813" cy="2230653"/>
+          </a:xfrm>
+          <a:prstGeom prst="rect">
+            <a:avLst/>
+          </a:prstGeom>
+        </p:spPr>
+      </p:pic>
+      <p:sp>
+        <p:nvSpPr>
+          <p:cNvPr id="10" name="TextBox 9">
+            <a:extLst>
+              <a:ext uri="{FF2B5EF4-FFF2-40B4-BE49-F238E27FC236}">
+                <a16:creationId xmlns:a16="http://schemas.microsoft.com/office/drawing/2014/main" id="{A9119C11-E34A-C879-1D41-1F0C4829F8AA}"/>
+              </a:ext>
+            </a:extLst>
+          </p:cNvPr>
+          <p:cNvSpPr txBox="1"/>
+          <p:nvPr/>
+        </p:nvSpPr>
+        <p:spPr>
+          <a:xfrm>
+            <a:off x="28164" y="3952314"/>
+            <a:ext cx="6094970" cy="369332"/>
+          </a:xfrm>
+          <a:prstGeom prst="rect">
+            <a:avLst/>
+          </a:prstGeom>
+          <a:noFill/>
+        </p:spPr>
+        <p:txBody>
+          <a:bodyPr wrap="square">
+            <a:spAutoFit/>
+          </a:bodyPr>
+          <a:lstStyle/>
+          <a:p>
+            <a:r>
+              <a:rPr lang="en-IN" b="1" dirty="0">
+                <a:solidFill>
+                  <a:schemeClr val="bg1"/>
+                </a:solidFill>
+              </a:rPr>
+              <a:t>24pfs@2560x1440 RT Sponza Sandbox</a:t>
+            </a:r>
+          </a:p>
+        </p:txBody>
+      </p:sp>
+    </p:spTree>
+    <p:extLst>
+      <p:ext uri="{BB962C8B-B14F-4D97-AF65-F5344CB8AC3E}">
+        <p14:creationId xmlns:p14="http://schemas.microsoft.com/office/powerpoint/2010/main" val="4118400366"/>
       </p:ext>
     </p:extLst>
   </p:cSld>

--- a/Docs/Features overview.pptx
+++ b/Docs/Features overview.pptx
@@ -5,7 +5,7 @@
     <p:sldMasterId id="2147483648" r:id="rId1"/>
   </p:sldMasterIdLst>
   <p:notesMasterIdLst>
-    <p:notesMasterId r:id="rId13"/>
+    <p:notesMasterId r:id="rId15"/>
   </p:notesMasterIdLst>
   <p:sldIdLst>
     <p:sldId id="257" r:id="rId2"/>
@@ -16,9 +16,11 @@
     <p:sldId id="265" r:id="rId7"/>
     <p:sldId id="266" r:id="rId8"/>
     <p:sldId id="267" r:id="rId9"/>
-    <p:sldId id="264" r:id="rId10"/>
-    <p:sldId id="263" r:id="rId11"/>
-    <p:sldId id="268" r:id="rId12"/>
+    <p:sldId id="269" r:id="rId10"/>
+    <p:sldId id="270" r:id="rId11"/>
+    <p:sldId id="264" r:id="rId12"/>
+    <p:sldId id="263" r:id="rId13"/>
+    <p:sldId id="268" r:id="rId14"/>
   </p:sldIdLst>
   <p:sldSz cx="12192000" cy="6858000"/>
   <p:notesSz cx="6858000" cy="9144000"/>
@@ -138,6 +140,8 @@
             <p14:sldId id="265"/>
             <p14:sldId id="266"/>
             <p14:sldId id="267"/>
+            <p14:sldId id="269"/>
+            <p14:sldId id="270"/>
           </p14:sldIdLst>
         </p14:section>
         <p14:section name="Graphics Features" id="{840BAED3-5ED1-4238-B89B-07D3713A0757}">
@@ -248,7 +252,7 @@
           <a:p>
             <a:fld id="{3F16BF55-C0A5-4A93-9892-A2EE55AC4C70}" type="datetimeFigureOut">
               <a:rPr lang="en-IN" smtClean="0"/>
-              <a:t>19-06-2024</a:t>
+              <a:t>17-09-2024</a:t>
             </a:fld>
             <a:endParaRPr lang="en-IN"/>
           </a:p>
@@ -683,7 +687,7 @@
           <a:p>
             <a:fld id="{84B6F61C-9FA5-4C35-A1D3-00EE2C15A6C0}" type="datetimeFigureOut">
               <a:rPr lang="en-IN" smtClean="0"/>
-              <a:t>19-06-2024</a:t>
+              <a:t>17-09-2024</a:t>
             </a:fld>
             <a:endParaRPr lang="en-IN"/>
           </a:p>
@@ -912,7 +916,7 @@
           <a:p>
             <a:fld id="{84B6F61C-9FA5-4C35-A1D3-00EE2C15A6C0}" type="datetimeFigureOut">
               <a:rPr lang="en-IN" smtClean="0"/>
-              <a:t>19-06-2024</a:t>
+              <a:t>17-09-2024</a:t>
             </a:fld>
             <a:endParaRPr lang="en-IN"/>
           </a:p>
@@ -1136,7 +1140,7 @@
           <a:p>
             <a:fld id="{84B6F61C-9FA5-4C35-A1D3-00EE2C15A6C0}" type="datetimeFigureOut">
               <a:rPr lang="en-IN" smtClean="0"/>
-              <a:t>19-06-2024</a:t>
+              <a:t>17-09-2024</a:t>
             </a:fld>
             <a:endParaRPr lang="en-IN"/>
           </a:p>
@@ -1406,7 +1410,7 @@
           <a:p>
             <a:fld id="{84B6F61C-9FA5-4C35-A1D3-00EE2C15A6C0}" type="datetimeFigureOut">
               <a:rPr lang="en-IN" smtClean="0"/>
-              <a:t>19-06-2024</a:t>
+              <a:t>17-09-2024</a:t>
             </a:fld>
             <a:endParaRPr lang="en-IN" dirty="0"/>
           </a:p>
@@ -1793,7 +1797,7 @@
           <a:p>
             <a:fld id="{84B6F61C-9FA5-4C35-A1D3-00EE2C15A6C0}" type="datetimeFigureOut">
               <a:rPr lang="en-IN" smtClean="0"/>
-              <a:t>19-06-2024</a:t>
+              <a:t>17-09-2024</a:t>
             </a:fld>
             <a:endParaRPr lang="en-IN"/>
           </a:p>
@@ -2160,7 +2164,7 @@
           <a:p>
             <a:fld id="{84B6F61C-9FA5-4C35-A1D3-00EE2C15A6C0}" type="datetimeFigureOut">
               <a:rPr lang="en-IN" smtClean="0"/>
-              <a:t>19-06-2024</a:t>
+              <a:t>17-09-2024</a:t>
             </a:fld>
             <a:endParaRPr lang="en-IN"/>
           </a:p>
@@ -2589,7 +2593,7 @@
           <a:p>
             <a:fld id="{84B6F61C-9FA5-4C35-A1D3-00EE2C15A6C0}" type="datetimeFigureOut">
               <a:rPr lang="en-IN" smtClean="0"/>
-              <a:t>19-06-2024</a:t>
+              <a:t>17-09-2024</a:t>
             </a:fld>
             <a:endParaRPr lang="en-IN" dirty="0"/>
           </a:p>
@@ -2753,7 +2757,7 @@
           <a:p>
             <a:fld id="{84B6F61C-9FA5-4C35-A1D3-00EE2C15A6C0}" type="datetimeFigureOut">
               <a:rPr lang="en-IN" smtClean="0"/>
-              <a:t>19-06-2024</a:t>
+              <a:t>17-09-2024</a:t>
             </a:fld>
             <a:endParaRPr lang="en-IN"/>
           </a:p>
@@ -2885,7 +2889,7 @@
           <a:p>
             <a:fld id="{84B6F61C-9FA5-4C35-A1D3-00EE2C15A6C0}" type="datetimeFigureOut">
               <a:rPr lang="en-IN" smtClean="0"/>
-              <a:t>19-06-2024</a:t>
+              <a:t>17-09-2024</a:t>
             </a:fld>
             <a:endParaRPr lang="en-IN"/>
           </a:p>
@@ -3217,7 +3221,7 @@
           <a:p>
             <a:fld id="{84B6F61C-9FA5-4C35-A1D3-00EE2C15A6C0}" type="datetimeFigureOut">
               <a:rPr lang="en-IN" smtClean="0"/>
-              <a:t>19-06-2024</a:t>
+              <a:t>17-09-2024</a:t>
             </a:fld>
             <a:endParaRPr lang="en-IN"/>
           </a:p>
@@ -3520,7 +3524,7 @@
           <a:p>
             <a:fld id="{84B6F61C-9FA5-4C35-A1D3-00EE2C15A6C0}" type="datetimeFigureOut">
               <a:rPr lang="en-IN" smtClean="0"/>
-              <a:t>19-06-2024</a:t>
+              <a:t>17-09-2024</a:t>
             </a:fld>
             <a:endParaRPr lang="en-IN"/>
           </a:p>
@@ -3772,7 +3776,7 @@
           <a:p>
             <a:fld id="{84B6F61C-9FA5-4C35-A1D3-00EE2C15A6C0}" type="datetimeFigureOut">
               <a:rPr lang="en-IN" smtClean="0"/>
-              <a:t>19-06-2024</a:t>
+              <a:t>17-09-2024</a:t>
             </a:fld>
             <a:endParaRPr lang="en-IN"/>
           </a:p>
@@ -4395,6 +4399,585 @@
           <p:cNvPr id="2" name="Title 1">
             <a:extLst>
               <a:ext uri="{FF2B5EF4-FFF2-40B4-BE49-F238E27FC236}">
+                <a16:creationId xmlns:a16="http://schemas.microsoft.com/office/drawing/2014/main" id="{29B77EB9-5BBE-EC6D-AC6E-0F405F8E38B2}"/>
+              </a:ext>
+            </a:extLst>
+          </p:cNvPr>
+          <p:cNvSpPr>
+            <a:spLocks noGrp="1"/>
+          </p:cNvSpPr>
+          <p:nvPr>
+            <p:ph type="title"/>
+          </p:nvPr>
+        </p:nvSpPr>
+        <p:spPr/>
+        <p:txBody>
+          <a:bodyPr/>
+          <a:lstStyle/>
+          <a:p>
+            <a:r>
+              <a:rPr lang="en-US" dirty="0"/>
+              <a:t>Visibility Buffer</a:t>
+            </a:r>
+            <a:endParaRPr lang="en-IN" dirty="0"/>
+          </a:p>
+        </p:txBody>
+      </p:sp>
+    </p:spTree>
+    <p:extLst>
+      <p:ext uri="{BB962C8B-B14F-4D97-AF65-F5344CB8AC3E}">
+        <p14:creationId xmlns:p14="http://schemas.microsoft.com/office/powerpoint/2010/main" val="3794138533"/>
+      </p:ext>
+    </p:extLst>
+  </p:cSld>
+  <p:clrMapOvr>
+    <a:masterClrMapping/>
+  </p:clrMapOvr>
+</p:sld>
+</file>
+
+<file path=ppt/slides/slide11.xml><?xml version="1.0" encoding="utf-8"?>
+<p:sld xmlns:a="http://schemas.openxmlformats.org/drawingml/2006/main" xmlns:r="http://schemas.openxmlformats.org/officeDocument/2006/relationships" xmlns:p="http://schemas.openxmlformats.org/presentationml/2006/main">
+  <p:cSld>
+    <p:spTree>
+      <p:nvGrpSpPr>
+        <p:cNvPr id="1" name=""/>
+        <p:cNvGrpSpPr/>
+        <p:nvPr/>
+      </p:nvGrpSpPr>
+      <p:grpSpPr>
+        <a:xfrm>
+          <a:off x="0" y="0"/>
+          <a:ext cx="0" cy="0"/>
+          <a:chOff x="0" y="0"/>
+          <a:chExt cx="0" cy="0"/>
+        </a:xfrm>
+      </p:grpSpPr>
+      <p:pic>
+        <p:nvPicPr>
+          <p:cNvPr id="18" name="Picture 17">
+            <a:extLst>
+              <a:ext uri="{FF2B5EF4-FFF2-40B4-BE49-F238E27FC236}">
+                <a16:creationId xmlns:a16="http://schemas.microsoft.com/office/drawing/2014/main" id="{3071FAE2-2529-6868-D262-AA34FE6D8332}"/>
+              </a:ext>
+            </a:extLst>
+          </p:cNvPr>
+          <p:cNvPicPr>
+            <a:picLocks noChangeAspect="1"/>
+          </p:cNvPicPr>
+          <p:nvPr/>
+        </p:nvPicPr>
+        <p:blipFill>
+          <a:blip r:embed="rId2"/>
+          <a:stretch>
+            <a:fillRect/>
+          </a:stretch>
+        </p:blipFill>
+        <p:spPr>
+          <a:xfrm>
+            <a:off x="328677" y="1533422"/>
+            <a:ext cx="4131282" cy="2587510"/>
+          </a:xfrm>
+          <a:prstGeom prst="rect">
+            <a:avLst/>
+          </a:prstGeom>
+        </p:spPr>
+      </p:pic>
+      <p:sp>
+        <p:nvSpPr>
+          <p:cNvPr id="2" name="Title 1">
+            <a:extLst>
+              <a:ext uri="{FF2B5EF4-FFF2-40B4-BE49-F238E27FC236}">
+                <a16:creationId xmlns:a16="http://schemas.microsoft.com/office/drawing/2014/main" id="{DC614B7A-FECA-1987-4399-C7BB9962085B}"/>
+              </a:ext>
+            </a:extLst>
+          </p:cNvPr>
+          <p:cNvSpPr>
+            <a:spLocks noGrp="1"/>
+          </p:cNvSpPr>
+          <p:nvPr>
+            <p:ph type="title"/>
+          </p:nvPr>
+        </p:nvSpPr>
+        <p:spPr/>
+        <p:txBody>
+          <a:bodyPr/>
+          <a:lstStyle/>
+          <a:p>
+            <a:r>
+              <a:rPr lang="en-US" dirty="0"/>
+              <a:t>FXAA + TAA</a:t>
+            </a:r>
+            <a:endParaRPr lang="en-IN" dirty="0"/>
+          </a:p>
+        </p:txBody>
+      </p:sp>
+      <p:sp>
+        <p:nvSpPr>
+          <p:cNvPr id="8" name="Oval 7">
+            <a:extLst>
+              <a:ext uri="{FF2B5EF4-FFF2-40B4-BE49-F238E27FC236}">
+                <a16:creationId xmlns:a16="http://schemas.microsoft.com/office/drawing/2014/main" id="{951A9695-DCD1-523D-CE83-B560F361D302}"/>
+              </a:ext>
+            </a:extLst>
+          </p:cNvPr>
+          <p:cNvSpPr/>
+          <p:nvPr/>
+        </p:nvSpPr>
+        <p:spPr>
+          <a:xfrm>
+            <a:off x="1817761" y="2746709"/>
+            <a:ext cx="449951" cy="400151"/>
+          </a:xfrm>
+          <a:prstGeom prst="ellipse">
+            <a:avLst/>
+          </a:prstGeom>
+          <a:noFill/>
+          <a:ln w="12700">
+            <a:solidFill>
+              <a:srgbClr val="FF0000"/>
+            </a:solidFill>
+          </a:ln>
+        </p:spPr>
+        <p:style>
+          <a:lnRef idx="1">
+            <a:schemeClr val="accent3"/>
+          </a:lnRef>
+          <a:fillRef idx="2">
+            <a:schemeClr val="accent3"/>
+          </a:fillRef>
+          <a:effectRef idx="1">
+            <a:schemeClr val="accent3"/>
+          </a:effectRef>
+          <a:fontRef idx="minor">
+            <a:schemeClr val="dk1"/>
+          </a:fontRef>
+        </p:style>
+        <p:txBody>
+          <a:bodyPr rtlCol="0" anchor="ctr"/>
+          <a:lstStyle/>
+          <a:p>
+            <a:pPr algn="ctr"/>
+            <a:endParaRPr lang="en-IN"/>
+          </a:p>
+        </p:txBody>
+      </p:sp>
+      <p:cxnSp>
+        <p:nvCxnSpPr>
+          <p:cNvPr id="10" name="Straight Connector 9">
+            <a:extLst>
+              <a:ext uri="{FF2B5EF4-FFF2-40B4-BE49-F238E27FC236}">
+                <a16:creationId xmlns:a16="http://schemas.microsoft.com/office/drawing/2014/main" id="{7DE133C4-29B7-8317-3873-F39C96E25BE8}"/>
+              </a:ext>
+            </a:extLst>
+          </p:cNvPr>
+          <p:cNvCxnSpPr>
+            <a:cxnSpLocks/>
+            <a:stCxn id="8" idx="0"/>
+          </p:cNvCxnSpPr>
+          <p:nvPr/>
+        </p:nvCxnSpPr>
+        <p:spPr>
+          <a:xfrm flipV="1">
+            <a:off x="2042737" y="1741767"/>
+            <a:ext cx="2881548" cy="1004942"/>
+          </a:xfrm>
+          <a:prstGeom prst="line">
+            <a:avLst/>
+          </a:prstGeom>
+          <a:ln w="12700">
+            <a:solidFill>
+              <a:srgbClr val="FF0000"/>
+            </a:solidFill>
+          </a:ln>
+        </p:spPr>
+        <p:style>
+          <a:lnRef idx="1">
+            <a:schemeClr val="accent3"/>
+          </a:lnRef>
+          <a:fillRef idx="2">
+            <a:schemeClr val="accent3"/>
+          </a:fillRef>
+          <a:effectRef idx="1">
+            <a:schemeClr val="accent3"/>
+          </a:effectRef>
+          <a:fontRef idx="minor">
+            <a:schemeClr val="dk1"/>
+          </a:fontRef>
+        </p:style>
+      </p:cxnSp>
+      <p:cxnSp>
+        <p:nvCxnSpPr>
+          <p:cNvPr id="11" name="Straight Connector 10">
+            <a:extLst>
+              <a:ext uri="{FF2B5EF4-FFF2-40B4-BE49-F238E27FC236}">
+                <a16:creationId xmlns:a16="http://schemas.microsoft.com/office/drawing/2014/main" id="{3D98AE87-5708-2537-FDAE-8328E2EB8156}"/>
+              </a:ext>
+            </a:extLst>
+          </p:cNvPr>
+          <p:cNvCxnSpPr>
+            <a:cxnSpLocks/>
+            <a:stCxn id="8" idx="4"/>
+          </p:cNvCxnSpPr>
+          <p:nvPr/>
+        </p:nvCxnSpPr>
+        <p:spPr>
+          <a:xfrm>
+            <a:off x="2042737" y="3146860"/>
+            <a:ext cx="2881548" cy="770606"/>
+          </a:xfrm>
+          <a:prstGeom prst="line">
+            <a:avLst/>
+          </a:prstGeom>
+          <a:ln w="12700">
+            <a:solidFill>
+              <a:srgbClr val="FF0000"/>
+            </a:solidFill>
+          </a:ln>
+        </p:spPr>
+        <p:style>
+          <a:lnRef idx="1">
+            <a:schemeClr val="accent3"/>
+          </a:lnRef>
+          <a:fillRef idx="0">
+            <a:schemeClr val="accent3"/>
+          </a:fillRef>
+          <a:effectRef idx="0">
+            <a:schemeClr val="accent3"/>
+          </a:effectRef>
+          <a:fontRef idx="minor">
+            <a:schemeClr val="tx1"/>
+          </a:fontRef>
+        </p:style>
+      </p:cxnSp>
+      <p:sp>
+        <p:nvSpPr>
+          <p:cNvPr id="14" name="TextBox 13">
+            <a:extLst>
+              <a:ext uri="{FF2B5EF4-FFF2-40B4-BE49-F238E27FC236}">
+                <a16:creationId xmlns:a16="http://schemas.microsoft.com/office/drawing/2014/main" id="{E2FD9D4A-C5E4-95F1-635F-29099D2A1E13}"/>
+              </a:ext>
+            </a:extLst>
+          </p:cNvPr>
+          <p:cNvSpPr txBox="1"/>
+          <p:nvPr/>
+        </p:nvSpPr>
+        <p:spPr>
+          <a:xfrm>
+            <a:off x="5290146" y="4028383"/>
+            <a:ext cx="883920" cy="369332"/>
+          </a:xfrm>
+          <a:prstGeom prst="rect">
+            <a:avLst/>
+          </a:prstGeom>
+          <a:noFill/>
+        </p:spPr>
+        <p:txBody>
+          <a:bodyPr wrap="square" rtlCol="0">
+            <a:spAutoFit/>
+          </a:bodyPr>
+          <a:lstStyle/>
+          <a:p>
+            <a:r>
+              <a:rPr lang="en-US" dirty="0">
+                <a:solidFill>
+                  <a:schemeClr val="bg1"/>
+                </a:solidFill>
+              </a:rPr>
+              <a:t>No AA</a:t>
+            </a:r>
+            <a:endParaRPr lang="en-IN" dirty="0">
+              <a:solidFill>
+                <a:schemeClr val="bg1"/>
+              </a:solidFill>
+            </a:endParaRPr>
+          </a:p>
+        </p:txBody>
+      </p:sp>
+      <p:sp>
+        <p:nvSpPr>
+          <p:cNvPr id="17" name="TextBox 16">
+            <a:extLst>
+              <a:ext uri="{FF2B5EF4-FFF2-40B4-BE49-F238E27FC236}">
+                <a16:creationId xmlns:a16="http://schemas.microsoft.com/office/drawing/2014/main" id="{ED4EDAB3-0185-DB18-744D-2AC7399553D2}"/>
+              </a:ext>
+            </a:extLst>
+          </p:cNvPr>
+          <p:cNvSpPr txBox="1"/>
+          <p:nvPr/>
+        </p:nvSpPr>
+        <p:spPr>
+          <a:xfrm>
+            <a:off x="7237238" y="4028383"/>
+            <a:ext cx="883920" cy="369332"/>
+          </a:xfrm>
+          <a:prstGeom prst="rect">
+            <a:avLst/>
+          </a:prstGeom>
+          <a:noFill/>
+        </p:spPr>
+        <p:txBody>
+          <a:bodyPr wrap="square" rtlCol="0">
+            <a:spAutoFit/>
+          </a:bodyPr>
+          <a:lstStyle/>
+          <a:p>
+            <a:pPr algn="ctr"/>
+            <a:r>
+              <a:rPr lang="en-US" dirty="0">
+                <a:solidFill>
+                  <a:schemeClr val="bg1"/>
+                </a:solidFill>
+              </a:rPr>
+              <a:t>FXAA</a:t>
+            </a:r>
+            <a:endParaRPr lang="en-IN" dirty="0">
+              <a:solidFill>
+                <a:schemeClr val="bg1"/>
+              </a:solidFill>
+            </a:endParaRPr>
+          </a:p>
+        </p:txBody>
+      </p:sp>
+      <p:pic>
+        <p:nvPicPr>
+          <p:cNvPr id="4" name="Picture 3">
+            <a:extLst>
+              <a:ext uri="{FF2B5EF4-FFF2-40B4-BE49-F238E27FC236}">
+                <a16:creationId xmlns:a16="http://schemas.microsoft.com/office/drawing/2014/main" id="{A94D6D2A-B283-C537-B474-F282633B6B24}"/>
+              </a:ext>
+            </a:extLst>
+          </p:cNvPr>
+          <p:cNvPicPr>
+            <a:picLocks noChangeAspect="1"/>
+          </p:cNvPicPr>
+          <p:nvPr/>
+        </p:nvPicPr>
+        <p:blipFill>
+          <a:blip r:embed="rId3"/>
+          <a:stretch>
+            <a:fillRect/>
+          </a:stretch>
+        </p:blipFill>
+        <p:spPr>
+          <a:xfrm>
+            <a:off x="4917242" y="1741767"/>
+            <a:ext cx="1531753" cy="2175699"/>
+          </a:xfrm>
+          <a:prstGeom prst="rect">
+            <a:avLst/>
+          </a:prstGeom>
+        </p:spPr>
+      </p:pic>
+      <p:pic>
+        <p:nvPicPr>
+          <p:cNvPr id="9" name="Picture 8">
+            <a:extLst>
+              <a:ext uri="{FF2B5EF4-FFF2-40B4-BE49-F238E27FC236}">
+                <a16:creationId xmlns:a16="http://schemas.microsoft.com/office/drawing/2014/main" id="{37EBE483-D51E-90A7-932A-6BABF301564D}"/>
+              </a:ext>
+            </a:extLst>
+          </p:cNvPr>
+          <p:cNvPicPr>
+            <a:picLocks noChangeAspect="1"/>
+          </p:cNvPicPr>
+          <p:nvPr/>
+        </p:nvPicPr>
+        <p:blipFill rotWithShape="1">
+          <a:blip r:embed="rId4"/>
+          <a:srcRect l="4293" r="3173"/>
+          <a:stretch/>
+        </p:blipFill>
+        <p:spPr>
+          <a:xfrm>
+            <a:off x="6913321" y="1741767"/>
+            <a:ext cx="1531754" cy="2175699"/>
+          </a:xfrm>
+          <a:prstGeom prst="rect">
+            <a:avLst/>
+          </a:prstGeom>
+        </p:spPr>
+      </p:pic>
+      <p:sp>
+        <p:nvSpPr>
+          <p:cNvPr id="3" name="Oval 2">
+            <a:extLst>
+              <a:ext uri="{FF2B5EF4-FFF2-40B4-BE49-F238E27FC236}">
+                <a16:creationId xmlns:a16="http://schemas.microsoft.com/office/drawing/2014/main" id="{BEBCA419-DED0-CC17-FDEE-A1ABE84BC5CC}"/>
+              </a:ext>
+            </a:extLst>
+          </p:cNvPr>
+          <p:cNvSpPr/>
+          <p:nvPr/>
+        </p:nvSpPr>
+        <p:spPr>
+          <a:xfrm>
+            <a:off x="4917243" y="1884334"/>
+            <a:ext cx="282646" cy="1767170"/>
+          </a:xfrm>
+          <a:prstGeom prst="ellipse">
+            <a:avLst/>
+          </a:prstGeom>
+          <a:noFill/>
+          <a:ln w="12700">
+            <a:solidFill>
+              <a:srgbClr val="FF0000"/>
+            </a:solidFill>
+          </a:ln>
+        </p:spPr>
+        <p:style>
+          <a:lnRef idx="1">
+            <a:schemeClr val="accent3"/>
+          </a:lnRef>
+          <a:fillRef idx="2">
+            <a:schemeClr val="accent3"/>
+          </a:fillRef>
+          <a:effectRef idx="1">
+            <a:schemeClr val="accent3"/>
+          </a:effectRef>
+          <a:fontRef idx="minor">
+            <a:schemeClr val="dk1"/>
+          </a:fontRef>
+        </p:style>
+        <p:txBody>
+          <a:bodyPr rtlCol="0" anchor="ctr"/>
+          <a:lstStyle/>
+          <a:p>
+            <a:pPr algn="ctr"/>
+            <a:endParaRPr lang="en-IN"/>
+          </a:p>
+        </p:txBody>
+      </p:sp>
+      <p:sp>
+        <p:nvSpPr>
+          <p:cNvPr id="5" name="Oval 4">
+            <a:extLst>
+              <a:ext uri="{FF2B5EF4-FFF2-40B4-BE49-F238E27FC236}">
+                <a16:creationId xmlns:a16="http://schemas.microsoft.com/office/drawing/2014/main" id="{A4535D7B-E753-F9F7-EDBD-916ECDC985DC}"/>
+              </a:ext>
+            </a:extLst>
+          </p:cNvPr>
+          <p:cNvSpPr/>
+          <p:nvPr/>
+        </p:nvSpPr>
+        <p:spPr>
+          <a:xfrm>
+            <a:off x="6906278" y="1884334"/>
+            <a:ext cx="282646" cy="1767170"/>
+          </a:xfrm>
+          <a:prstGeom prst="ellipse">
+            <a:avLst/>
+          </a:prstGeom>
+          <a:noFill/>
+          <a:ln w="12700">
+            <a:solidFill>
+              <a:srgbClr val="FF0000"/>
+            </a:solidFill>
+          </a:ln>
+        </p:spPr>
+        <p:style>
+          <a:lnRef idx="1">
+            <a:schemeClr val="accent3"/>
+          </a:lnRef>
+          <a:fillRef idx="2">
+            <a:schemeClr val="accent3"/>
+          </a:fillRef>
+          <a:effectRef idx="1">
+            <a:schemeClr val="accent3"/>
+          </a:effectRef>
+          <a:fontRef idx="minor">
+            <a:schemeClr val="dk1"/>
+          </a:fontRef>
+        </p:style>
+        <p:txBody>
+          <a:bodyPr rtlCol="0" anchor="ctr"/>
+          <a:lstStyle/>
+          <a:p>
+            <a:pPr algn="ctr"/>
+            <a:endParaRPr lang="en-IN"/>
+          </a:p>
+        </p:txBody>
+      </p:sp>
+      <p:sp>
+        <p:nvSpPr>
+          <p:cNvPr id="6" name="TextBox 5">
+            <a:extLst>
+              <a:ext uri="{FF2B5EF4-FFF2-40B4-BE49-F238E27FC236}">
+                <a16:creationId xmlns:a16="http://schemas.microsoft.com/office/drawing/2014/main" id="{AE1E207A-2317-3E6B-1CF6-7ABD416800C1}"/>
+              </a:ext>
+            </a:extLst>
+          </p:cNvPr>
+          <p:cNvSpPr txBox="1"/>
+          <p:nvPr/>
+        </p:nvSpPr>
+        <p:spPr>
+          <a:xfrm>
+            <a:off x="9530858" y="4028383"/>
+            <a:ext cx="1350502" cy="369332"/>
+          </a:xfrm>
+          <a:prstGeom prst="rect">
+            <a:avLst/>
+          </a:prstGeom>
+          <a:noFill/>
+        </p:spPr>
+        <p:txBody>
+          <a:bodyPr wrap="square" rtlCol="0">
+            <a:spAutoFit/>
+          </a:bodyPr>
+          <a:lstStyle/>
+          <a:p>
+            <a:pPr algn="ctr"/>
+            <a:r>
+              <a:rPr lang="en-US" dirty="0">
+                <a:solidFill>
+                  <a:schemeClr val="bg1"/>
+                </a:solidFill>
+              </a:rPr>
+              <a:t>FXAA + TAA</a:t>
+            </a:r>
+            <a:endParaRPr lang="en-IN" dirty="0">
+              <a:solidFill>
+                <a:schemeClr val="bg1"/>
+              </a:solidFill>
+            </a:endParaRPr>
+          </a:p>
+        </p:txBody>
+      </p:sp>
+    </p:spTree>
+    <p:extLst>
+      <p:ext uri="{BB962C8B-B14F-4D97-AF65-F5344CB8AC3E}">
+        <p14:creationId xmlns:p14="http://schemas.microsoft.com/office/powerpoint/2010/main" val="3966651940"/>
+      </p:ext>
+    </p:extLst>
+  </p:cSld>
+  <p:clrMapOvr>
+    <a:masterClrMapping/>
+  </p:clrMapOvr>
+</p:sld>
+</file>
+
+<file path=ppt/slides/slide12.xml><?xml version="1.0" encoding="utf-8"?>
+<p:sld xmlns:a="http://schemas.openxmlformats.org/drawingml/2006/main" xmlns:r="http://schemas.openxmlformats.org/officeDocument/2006/relationships" xmlns:p="http://schemas.openxmlformats.org/presentationml/2006/main">
+  <p:cSld>
+    <p:spTree>
+      <p:nvGrpSpPr>
+        <p:cNvPr id="1" name=""/>
+        <p:cNvGrpSpPr/>
+        <p:nvPr/>
+      </p:nvGrpSpPr>
+      <p:grpSpPr>
+        <a:xfrm>
+          <a:off x="0" y="0"/>
+          <a:ext cx="0" cy="0"/>
+          <a:chOff x="0" y="0"/>
+          <a:chExt cx="0" cy="0"/>
+        </a:xfrm>
+      </p:grpSpPr>
+      <p:sp>
+        <p:nvSpPr>
+          <p:cNvPr id="2" name="Title 1">
+            <a:extLst>
+              <a:ext uri="{FF2B5EF4-FFF2-40B4-BE49-F238E27FC236}">
                 <a16:creationId xmlns:a16="http://schemas.microsoft.com/office/drawing/2014/main" id="{0F68DE61-F4A0-01F3-833B-5EF6841E2FDC}"/>
               </a:ext>
             </a:extLst>
@@ -4954,7 +5537,7 @@
 </p:sld>
 </file>
 
-<file path=ppt/slides/slide11.xml><?xml version="1.0" encoding="utf-8"?>
+<file path=ppt/slides/slide13.xml><?xml version="1.0" encoding="utf-8"?>
 <p:sld xmlns:a="http://schemas.openxmlformats.org/drawingml/2006/main" xmlns:r="http://schemas.openxmlformats.org/officeDocument/2006/relationships" xmlns:p="http://schemas.openxmlformats.org/presentationml/2006/main">
   <p:cSld>
     <p:spTree>
@@ -10830,12 +11413,41 @@
           <a:chExt cx="0" cy="0"/>
         </a:xfrm>
       </p:grpSpPr>
+      <p:sp>
+        <p:nvSpPr>
+          <p:cNvPr id="2" name="Title 1">
+            <a:extLst>
+              <a:ext uri="{FF2B5EF4-FFF2-40B4-BE49-F238E27FC236}">
+                <a16:creationId xmlns:a16="http://schemas.microsoft.com/office/drawing/2014/main" id="{EA8547A1-DC4B-FAD6-56C5-C766B24032CC}"/>
+              </a:ext>
+            </a:extLst>
+          </p:cNvPr>
+          <p:cNvSpPr>
+            <a:spLocks noGrp="1"/>
+          </p:cNvSpPr>
+          <p:nvPr>
+            <p:ph type="title"/>
+          </p:nvPr>
+        </p:nvSpPr>
+        <p:spPr/>
+        <p:txBody>
+          <a:bodyPr/>
+          <a:lstStyle/>
+          <a:p>
+            <a:r>
+              <a:rPr lang="en-US" dirty="0"/>
+              <a:t>Visibility Buffer</a:t>
+            </a:r>
+            <a:endParaRPr lang="en-IN" dirty="0"/>
+          </a:p>
+        </p:txBody>
+      </p:sp>
       <p:pic>
         <p:nvPicPr>
-          <p:cNvPr id="18" name="Picture 17">
-            <a:extLst>
-              <a:ext uri="{FF2B5EF4-FFF2-40B4-BE49-F238E27FC236}">
-                <a16:creationId xmlns:a16="http://schemas.microsoft.com/office/drawing/2014/main" id="{3071FAE2-2529-6868-D262-AA34FE6D8332}"/>
+          <p:cNvPr id="7" name="Picture 6">
+            <a:extLst>
+              <a:ext uri="{FF2B5EF4-FFF2-40B4-BE49-F238E27FC236}">
+                <a16:creationId xmlns:a16="http://schemas.microsoft.com/office/drawing/2014/main" id="{A68B85AC-AEC4-7D84-4CD9-0484613CB7BD}"/>
               </a:ext>
             </a:extLst>
           </p:cNvPr>
@@ -10845,485 +11457,61 @@
           <p:nvPr/>
         </p:nvPicPr>
         <p:blipFill>
-          <a:blip r:embed="rId2"/>
+          <a:blip r:embed="rId2">
+            <a:extLst>
+              <a:ext uri="{28A0092B-C50C-407E-A947-70E740481C1C}">
+                <a14:useLocalDpi xmlns:a14="http://schemas.microsoft.com/office/drawing/2010/main" val="0"/>
+              </a:ext>
+            </a:extLst>
+          </a:blip>
           <a:stretch>
             <a:fillRect/>
           </a:stretch>
         </p:blipFill>
         <p:spPr>
           <a:xfrm>
-            <a:off x="328677" y="1533422"/>
-            <a:ext cx="4131282" cy="2587510"/>
+            <a:off x="474306" y="1438432"/>
+            <a:ext cx="9931280" cy="4711159"/>
           </a:xfrm>
-          <a:prstGeom prst="rect">
+          <a:prstGeom prst="snip2DiagRect">
             <a:avLst/>
           </a:prstGeom>
+          <a:solidFill>
+            <a:srgbClr val="FFFFFF">
+              <a:shade val="85000"/>
+            </a:srgbClr>
+          </a:solidFill>
+          <a:ln w="88900" cap="sq">
+            <a:solidFill>
+              <a:srgbClr val="FFFFFF"/>
+            </a:solidFill>
+            <a:miter lim="800000"/>
+          </a:ln>
+          <a:effectLst>
+            <a:outerShdw blurRad="88900" algn="tl" rotWithShape="0">
+              <a:srgbClr val="000000">
+                <a:alpha val="45000"/>
+              </a:srgbClr>
+            </a:outerShdw>
+          </a:effectLst>
+          <a:scene3d>
+            <a:camera prst="orthographicFront"/>
+            <a:lightRig rig="twoPt" dir="t">
+              <a:rot lat="0" lon="0" rev="7200000"/>
+            </a:lightRig>
+          </a:scene3d>
+          <a:sp3d>
+            <a:bevelT w="25400" h="19050"/>
+            <a:contourClr>
+              <a:srgbClr val="FFFFFF"/>
+            </a:contourClr>
+          </a:sp3d>
         </p:spPr>
       </p:pic>
-      <p:sp>
-        <p:nvSpPr>
-          <p:cNvPr id="2" name="Title 1">
-            <a:extLst>
-              <a:ext uri="{FF2B5EF4-FFF2-40B4-BE49-F238E27FC236}">
-                <a16:creationId xmlns:a16="http://schemas.microsoft.com/office/drawing/2014/main" id="{DC614B7A-FECA-1987-4399-C7BB9962085B}"/>
-              </a:ext>
-            </a:extLst>
-          </p:cNvPr>
-          <p:cNvSpPr>
-            <a:spLocks noGrp="1"/>
-          </p:cNvSpPr>
-          <p:nvPr>
-            <p:ph type="title"/>
-          </p:nvPr>
-        </p:nvSpPr>
-        <p:spPr/>
-        <p:txBody>
-          <a:bodyPr/>
-          <a:lstStyle/>
-          <a:p>
-            <a:r>
-              <a:rPr lang="en-US" dirty="0"/>
-              <a:t>FXAA + TAA</a:t>
-            </a:r>
-            <a:endParaRPr lang="en-IN" dirty="0"/>
-          </a:p>
-        </p:txBody>
-      </p:sp>
-      <p:sp>
-        <p:nvSpPr>
-          <p:cNvPr id="8" name="Oval 7">
-            <a:extLst>
-              <a:ext uri="{FF2B5EF4-FFF2-40B4-BE49-F238E27FC236}">
-                <a16:creationId xmlns:a16="http://schemas.microsoft.com/office/drawing/2014/main" id="{951A9695-DCD1-523D-CE83-B560F361D302}"/>
-              </a:ext>
-            </a:extLst>
-          </p:cNvPr>
-          <p:cNvSpPr/>
-          <p:nvPr/>
-        </p:nvSpPr>
-        <p:spPr>
-          <a:xfrm>
-            <a:off x="1817761" y="2746709"/>
-            <a:ext cx="449951" cy="400151"/>
-          </a:xfrm>
-          <a:prstGeom prst="ellipse">
-            <a:avLst/>
-          </a:prstGeom>
-          <a:noFill/>
-          <a:ln w="12700">
-            <a:solidFill>
-              <a:srgbClr val="FF0000"/>
-            </a:solidFill>
-          </a:ln>
-        </p:spPr>
-        <p:style>
-          <a:lnRef idx="1">
-            <a:schemeClr val="accent3"/>
-          </a:lnRef>
-          <a:fillRef idx="2">
-            <a:schemeClr val="accent3"/>
-          </a:fillRef>
-          <a:effectRef idx="1">
-            <a:schemeClr val="accent3"/>
-          </a:effectRef>
-          <a:fontRef idx="minor">
-            <a:schemeClr val="dk1"/>
-          </a:fontRef>
-        </p:style>
-        <p:txBody>
-          <a:bodyPr rtlCol="0" anchor="ctr"/>
-          <a:lstStyle/>
-          <a:p>
-            <a:pPr algn="ctr"/>
-            <a:endParaRPr lang="en-IN"/>
-          </a:p>
-        </p:txBody>
-      </p:sp>
-      <p:cxnSp>
-        <p:nvCxnSpPr>
-          <p:cNvPr id="10" name="Straight Connector 9">
-            <a:extLst>
-              <a:ext uri="{FF2B5EF4-FFF2-40B4-BE49-F238E27FC236}">
-                <a16:creationId xmlns:a16="http://schemas.microsoft.com/office/drawing/2014/main" id="{7DE133C4-29B7-8317-3873-F39C96E25BE8}"/>
-              </a:ext>
-            </a:extLst>
-          </p:cNvPr>
-          <p:cNvCxnSpPr>
-            <a:cxnSpLocks/>
-            <a:stCxn id="8" idx="0"/>
-          </p:cNvCxnSpPr>
-          <p:nvPr/>
-        </p:nvCxnSpPr>
-        <p:spPr>
-          <a:xfrm flipV="1">
-            <a:off x="2042737" y="1741767"/>
-            <a:ext cx="2881548" cy="1004942"/>
-          </a:xfrm>
-          <a:prstGeom prst="line">
-            <a:avLst/>
-          </a:prstGeom>
-          <a:ln w="12700">
-            <a:solidFill>
-              <a:srgbClr val="FF0000"/>
-            </a:solidFill>
-          </a:ln>
-        </p:spPr>
-        <p:style>
-          <a:lnRef idx="1">
-            <a:schemeClr val="accent3"/>
-          </a:lnRef>
-          <a:fillRef idx="2">
-            <a:schemeClr val="accent3"/>
-          </a:fillRef>
-          <a:effectRef idx="1">
-            <a:schemeClr val="accent3"/>
-          </a:effectRef>
-          <a:fontRef idx="minor">
-            <a:schemeClr val="dk1"/>
-          </a:fontRef>
-        </p:style>
-      </p:cxnSp>
-      <p:cxnSp>
-        <p:nvCxnSpPr>
-          <p:cNvPr id="11" name="Straight Connector 10">
-            <a:extLst>
-              <a:ext uri="{FF2B5EF4-FFF2-40B4-BE49-F238E27FC236}">
-                <a16:creationId xmlns:a16="http://schemas.microsoft.com/office/drawing/2014/main" id="{3D98AE87-5708-2537-FDAE-8328E2EB8156}"/>
-              </a:ext>
-            </a:extLst>
-          </p:cNvPr>
-          <p:cNvCxnSpPr>
-            <a:cxnSpLocks/>
-            <a:stCxn id="8" idx="4"/>
-          </p:cNvCxnSpPr>
-          <p:nvPr/>
-        </p:nvCxnSpPr>
-        <p:spPr>
-          <a:xfrm>
-            <a:off x="2042737" y="3146860"/>
-            <a:ext cx="2881548" cy="770606"/>
-          </a:xfrm>
-          <a:prstGeom prst="line">
-            <a:avLst/>
-          </a:prstGeom>
-          <a:ln w="12700">
-            <a:solidFill>
-              <a:srgbClr val="FF0000"/>
-            </a:solidFill>
-          </a:ln>
-        </p:spPr>
-        <p:style>
-          <a:lnRef idx="1">
-            <a:schemeClr val="accent3"/>
-          </a:lnRef>
-          <a:fillRef idx="0">
-            <a:schemeClr val="accent3"/>
-          </a:fillRef>
-          <a:effectRef idx="0">
-            <a:schemeClr val="accent3"/>
-          </a:effectRef>
-          <a:fontRef idx="minor">
-            <a:schemeClr val="tx1"/>
-          </a:fontRef>
-        </p:style>
-      </p:cxnSp>
-      <p:sp>
-        <p:nvSpPr>
-          <p:cNvPr id="14" name="TextBox 13">
-            <a:extLst>
-              <a:ext uri="{FF2B5EF4-FFF2-40B4-BE49-F238E27FC236}">
-                <a16:creationId xmlns:a16="http://schemas.microsoft.com/office/drawing/2014/main" id="{E2FD9D4A-C5E4-95F1-635F-29099D2A1E13}"/>
-              </a:ext>
-            </a:extLst>
-          </p:cNvPr>
-          <p:cNvSpPr txBox="1"/>
-          <p:nvPr/>
-        </p:nvSpPr>
-        <p:spPr>
-          <a:xfrm>
-            <a:off x="5290146" y="4028383"/>
-            <a:ext cx="883920" cy="369332"/>
-          </a:xfrm>
-          <a:prstGeom prst="rect">
-            <a:avLst/>
-          </a:prstGeom>
-          <a:noFill/>
-        </p:spPr>
-        <p:txBody>
-          <a:bodyPr wrap="square" rtlCol="0">
-            <a:spAutoFit/>
-          </a:bodyPr>
-          <a:lstStyle/>
-          <a:p>
-            <a:r>
-              <a:rPr lang="en-US" dirty="0">
-                <a:solidFill>
-                  <a:schemeClr val="bg1"/>
-                </a:solidFill>
-              </a:rPr>
-              <a:t>No AA</a:t>
-            </a:r>
-            <a:endParaRPr lang="en-IN" dirty="0">
-              <a:solidFill>
-                <a:schemeClr val="bg1"/>
-              </a:solidFill>
-            </a:endParaRPr>
-          </a:p>
-        </p:txBody>
-      </p:sp>
-      <p:sp>
-        <p:nvSpPr>
-          <p:cNvPr id="17" name="TextBox 16">
-            <a:extLst>
-              <a:ext uri="{FF2B5EF4-FFF2-40B4-BE49-F238E27FC236}">
-                <a16:creationId xmlns:a16="http://schemas.microsoft.com/office/drawing/2014/main" id="{ED4EDAB3-0185-DB18-744D-2AC7399553D2}"/>
-              </a:ext>
-            </a:extLst>
-          </p:cNvPr>
-          <p:cNvSpPr txBox="1"/>
-          <p:nvPr/>
-        </p:nvSpPr>
-        <p:spPr>
-          <a:xfrm>
-            <a:off x="7237238" y="4028383"/>
-            <a:ext cx="883920" cy="369332"/>
-          </a:xfrm>
-          <a:prstGeom prst="rect">
-            <a:avLst/>
-          </a:prstGeom>
-          <a:noFill/>
-        </p:spPr>
-        <p:txBody>
-          <a:bodyPr wrap="square" rtlCol="0">
-            <a:spAutoFit/>
-          </a:bodyPr>
-          <a:lstStyle/>
-          <a:p>
-            <a:pPr algn="ctr"/>
-            <a:r>
-              <a:rPr lang="en-US" dirty="0">
-                <a:solidFill>
-                  <a:schemeClr val="bg1"/>
-                </a:solidFill>
-              </a:rPr>
-              <a:t>FXAA</a:t>
-            </a:r>
-            <a:endParaRPr lang="en-IN" dirty="0">
-              <a:solidFill>
-                <a:schemeClr val="bg1"/>
-              </a:solidFill>
-            </a:endParaRPr>
-          </a:p>
-        </p:txBody>
-      </p:sp>
-      <p:pic>
-        <p:nvPicPr>
-          <p:cNvPr id="4" name="Picture 3">
-            <a:extLst>
-              <a:ext uri="{FF2B5EF4-FFF2-40B4-BE49-F238E27FC236}">
-                <a16:creationId xmlns:a16="http://schemas.microsoft.com/office/drawing/2014/main" id="{A94D6D2A-B283-C537-B474-F282633B6B24}"/>
-              </a:ext>
-            </a:extLst>
-          </p:cNvPr>
-          <p:cNvPicPr>
-            <a:picLocks noChangeAspect="1"/>
-          </p:cNvPicPr>
-          <p:nvPr/>
-        </p:nvPicPr>
-        <p:blipFill>
-          <a:blip r:embed="rId3"/>
-          <a:stretch>
-            <a:fillRect/>
-          </a:stretch>
-        </p:blipFill>
-        <p:spPr>
-          <a:xfrm>
-            <a:off x="4917242" y="1741767"/>
-            <a:ext cx="1531753" cy="2175699"/>
-          </a:xfrm>
-          <a:prstGeom prst="rect">
-            <a:avLst/>
-          </a:prstGeom>
-        </p:spPr>
-      </p:pic>
-      <p:pic>
-        <p:nvPicPr>
-          <p:cNvPr id="9" name="Picture 8">
-            <a:extLst>
-              <a:ext uri="{FF2B5EF4-FFF2-40B4-BE49-F238E27FC236}">
-                <a16:creationId xmlns:a16="http://schemas.microsoft.com/office/drawing/2014/main" id="{37EBE483-D51E-90A7-932A-6BABF301564D}"/>
-              </a:ext>
-            </a:extLst>
-          </p:cNvPr>
-          <p:cNvPicPr>
-            <a:picLocks noChangeAspect="1"/>
-          </p:cNvPicPr>
-          <p:nvPr/>
-        </p:nvPicPr>
-        <p:blipFill rotWithShape="1">
-          <a:blip r:embed="rId4"/>
-          <a:srcRect l="4293" r="3173"/>
-          <a:stretch/>
-        </p:blipFill>
-        <p:spPr>
-          <a:xfrm>
-            <a:off x="6913321" y="1741767"/>
-            <a:ext cx="1531754" cy="2175699"/>
-          </a:xfrm>
-          <a:prstGeom prst="rect">
-            <a:avLst/>
-          </a:prstGeom>
-        </p:spPr>
-      </p:pic>
-      <p:sp>
-        <p:nvSpPr>
-          <p:cNvPr id="3" name="Oval 2">
-            <a:extLst>
-              <a:ext uri="{FF2B5EF4-FFF2-40B4-BE49-F238E27FC236}">
-                <a16:creationId xmlns:a16="http://schemas.microsoft.com/office/drawing/2014/main" id="{BEBCA419-DED0-CC17-FDEE-A1ABE84BC5CC}"/>
-              </a:ext>
-            </a:extLst>
-          </p:cNvPr>
-          <p:cNvSpPr/>
-          <p:nvPr/>
-        </p:nvSpPr>
-        <p:spPr>
-          <a:xfrm>
-            <a:off x="4917243" y="1884334"/>
-            <a:ext cx="282646" cy="1767170"/>
-          </a:xfrm>
-          <a:prstGeom prst="ellipse">
-            <a:avLst/>
-          </a:prstGeom>
-          <a:noFill/>
-          <a:ln w="12700">
-            <a:solidFill>
-              <a:srgbClr val="FF0000"/>
-            </a:solidFill>
-          </a:ln>
-        </p:spPr>
-        <p:style>
-          <a:lnRef idx="1">
-            <a:schemeClr val="accent3"/>
-          </a:lnRef>
-          <a:fillRef idx="2">
-            <a:schemeClr val="accent3"/>
-          </a:fillRef>
-          <a:effectRef idx="1">
-            <a:schemeClr val="accent3"/>
-          </a:effectRef>
-          <a:fontRef idx="minor">
-            <a:schemeClr val="dk1"/>
-          </a:fontRef>
-        </p:style>
-        <p:txBody>
-          <a:bodyPr rtlCol="0" anchor="ctr"/>
-          <a:lstStyle/>
-          <a:p>
-            <a:pPr algn="ctr"/>
-            <a:endParaRPr lang="en-IN"/>
-          </a:p>
-        </p:txBody>
-      </p:sp>
-      <p:sp>
-        <p:nvSpPr>
-          <p:cNvPr id="5" name="Oval 4">
-            <a:extLst>
-              <a:ext uri="{FF2B5EF4-FFF2-40B4-BE49-F238E27FC236}">
-                <a16:creationId xmlns:a16="http://schemas.microsoft.com/office/drawing/2014/main" id="{A4535D7B-E753-F9F7-EDBD-916ECDC985DC}"/>
-              </a:ext>
-            </a:extLst>
-          </p:cNvPr>
-          <p:cNvSpPr/>
-          <p:nvPr/>
-        </p:nvSpPr>
-        <p:spPr>
-          <a:xfrm>
-            <a:off x="6906278" y="1884334"/>
-            <a:ext cx="282646" cy="1767170"/>
-          </a:xfrm>
-          <a:prstGeom prst="ellipse">
-            <a:avLst/>
-          </a:prstGeom>
-          <a:noFill/>
-          <a:ln w="12700">
-            <a:solidFill>
-              <a:srgbClr val="FF0000"/>
-            </a:solidFill>
-          </a:ln>
-        </p:spPr>
-        <p:style>
-          <a:lnRef idx="1">
-            <a:schemeClr val="accent3"/>
-          </a:lnRef>
-          <a:fillRef idx="2">
-            <a:schemeClr val="accent3"/>
-          </a:fillRef>
-          <a:effectRef idx="1">
-            <a:schemeClr val="accent3"/>
-          </a:effectRef>
-          <a:fontRef idx="minor">
-            <a:schemeClr val="dk1"/>
-          </a:fontRef>
-        </p:style>
-        <p:txBody>
-          <a:bodyPr rtlCol="0" anchor="ctr"/>
-          <a:lstStyle/>
-          <a:p>
-            <a:pPr algn="ctr"/>
-            <a:endParaRPr lang="en-IN"/>
-          </a:p>
-        </p:txBody>
-      </p:sp>
-      <p:sp>
-        <p:nvSpPr>
-          <p:cNvPr id="6" name="TextBox 5">
-            <a:extLst>
-              <a:ext uri="{FF2B5EF4-FFF2-40B4-BE49-F238E27FC236}">
-                <a16:creationId xmlns:a16="http://schemas.microsoft.com/office/drawing/2014/main" id="{AE1E207A-2317-3E6B-1CF6-7ABD416800C1}"/>
-              </a:ext>
-            </a:extLst>
-          </p:cNvPr>
-          <p:cNvSpPr txBox="1"/>
-          <p:nvPr/>
-        </p:nvSpPr>
-        <p:spPr>
-          <a:xfrm>
-            <a:off x="9530858" y="4028383"/>
-            <a:ext cx="1350502" cy="369332"/>
-          </a:xfrm>
-          <a:prstGeom prst="rect">
-            <a:avLst/>
-          </a:prstGeom>
-          <a:noFill/>
-        </p:spPr>
-        <p:txBody>
-          <a:bodyPr wrap="square" rtlCol="0">
-            <a:spAutoFit/>
-          </a:bodyPr>
-          <a:lstStyle/>
-          <a:p>
-            <a:pPr algn="ctr"/>
-            <a:r>
-              <a:rPr lang="en-US" dirty="0">
-                <a:solidFill>
-                  <a:schemeClr val="bg1"/>
-                </a:solidFill>
-              </a:rPr>
-              <a:t>FXAA + TAA</a:t>
-            </a:r>
-            <a:endParaRPr lang="en-IN" dirty="0">
-              <a:solidFill>
-                <a:schemeClr val="bg1"/>
-              </a:solidFill>
-            </a:endParaRPr>
-          </a:p>
-        </p:txBody>
-      </p:sp>
     </p:spTree>
     <p:extLst>
       <p:ext uri="{BB962C8B-B14F-4D97-AF65-F5344CB8AC3E}">
-        <p14:creationId xmlns:p14="http://schemas.microsoft.com/office/powerpoint/2010/main" val="3966651940"/>
+        <p14:creationId xmlns:p14="http://schemas.microsoft.com/office/powerpoint/2010/main" val="1500864763"/>
       </p:ext>
     </p:extLst>
   </p:cSld>

--- a/Docs/Features overview.pptx
+++ b/Docs/Features overview.pptx
@@ -5,7 +5,7 @@
     <p:sldMasterId id="2147483648" r:id="rId1"/>
   </p:sldMasterIdLst>
   <p:notesMasterIdLst>
-    <p:notesMasterId r:id="rId15"/>
+    <p:notesMasterId r:id="rId16"/>
   </p:notesMasterIdLst>
   <p:sldIdLst>
     <p:sldId id="257" r:id="rId2"/>
@@ -14,13 +14,14 @@
     <p:sldId id="260" r:id="rId5"/>
     <p:sldId id="261" r:id="rId6"/>
     <p:sldId id="265" r:id="rId7"/>
-    <p:sldId id="266" r:id="rId8"/>
-    <p:sldId id="267" r:id="rId9"/>
-    <p:sldId id="269" r:id="rId10"/>
-    <p:sldId id="270" r:id="rId11"/>
-    <p:sldId id="264" r:id="rId12"/>
-    <p:sldId id="263" r:id="rId13"/>
-    <p:sldId id="268" r:id="rId14"/>
+    <p:sldId id="271" r:id="rId8"/>
+    <p:sldId id="266" r:id="rId9"/>
+    <p:sldId id="267" r:id="rId10"/>
+    <p:sldId id="269" r:id="rId11"/>
+    <p:sldId id="270" r:id="rId12"/>
+    <p:sldId id="264" r:id="rId13"/>
+    <p:sldId id="263" r:id="rId14"/>
+    <p:sldId id="268" r:id="rId15"/>
   </p:sldIdLst>
   <p:sldSz cx="12192000" cy="6858000"/>
   <p:notesSz cx="6858000" cy="9144000"/>
@@ -138,6 +139,7 @@
         <p14:section name="Architecture" id="{1E3DDF86-35A2-4C35-AE2F-3253D6142A16}">
           <p14:sldIdLst>
             <p14:sldId id="265"/>
+            <p14:sldId id="271"/>
             <p14:sldId id="266"/>
             <p14:sldId id="267"/>
             <p14:sldId id="269"/>
@@ -252,7 +254,7 @@
           <a:p>
             <a:fld id="{3F16BF55-C0A5-4A93-9892-A2EE55AC4C70}" type="datetimeFigureOut">
               <a:rPr lang="en-IN" smtClean="0"/>
-              <a:t>17-09-2024</a:t>
+              <a:t>22-11-2024</a:t>
             </a:fld>
             <a:endParaRPr lang="en-IN"/>
           </a:p>
@@ -687,7 +689,7 @@
           <a:p>
             <a:fld id="{84B6F61C-9FA5-4C35-A1D3-00EE2C15A6C0}" type="datetimeFigureOut">
               <a:rPr lang="en-IN" smtClean="0"/>
-              <a:t>17-09-2024</a:t>
+              <a:t>22-11-2024</a:t>
             </a:fld>
             <a:endParaRPr lang="en-IN"/>
           </a:p>
@@ -916,7 +918,7 @@
           <a:p>
             <a:fld id="{84B6F61C-9FA5-4C35-A1D3-00EE2C15A6C0}" type="datetimeFigureOut">
               <a:rPr lang="en-IN" smtClean="0"/>
-              <a:t>17-09-2024</a:t>
+              <a:t>22-11-2024</a:t>
             </a:fld>
             <a:endParaRPr lang="en-IN"/>
           </a:p>
@@ -1140,7 +1142,7 @@
           <a:p>
             <a:fld id="{84B6F61C-9FA5-4C35-A1D3-00EE2C15A6C0}" type="datetimeFigureOut">
               <a:rPr lang="en-IN" smtClean="0"/>
-              <a:t>17-09-2024</a:t>
+              <a:t>22-11-2024</a:t>
             </a:fld>
             <a:endParaRPr lang="en-IN"/>
           </a:p>
@@ -1410,7 +1412,7 @@
           <a:p>
             <a:fld id="{84B6F61C-9FA5-4C35-A1D3-00EE2C15A6C0}" type="datetimeFigureOut">
               <a:rPr lang="en-IN" smtClean="0"/>
-              <a:t>17-09-2024</a:t>
+              <a:t>22-11-2024</a:t>
             </a:fld>
             <a:endParaRPr lang="en-IN" dirty="0"/>
           </a:p>
@@ -1797,7 +1799,7 @@
           <a:p>
             <a:fld id="{84B6F61C-9FA5-4C35-A1D3-00EE2C15A6C0}" type="datetimeFigureOut">
               <a:rPr lang="en-IN" smtClean="0"/>
-              <a:t>17-09-2024</a:t>
+              <a:t>22-11-2024</a:t>
             </a:fld>
             <a:endParaRPr lang="en-IN"/>
           </a:p>
@@ -2164,7 +2166,7 @@
           <a:p>
             <a:fld id="{84B6F61C-9FA5-4C35-A1D3-00EE2C15A6C0}" type="datetimeFigureOut">
               <a:rPr lang="en-IN" smtClean="0"/>
-              <a:t>17-09-2024</a:t>
+              <a:t>22-11-2024</a:t>
             </a:fld>
             <a:endParaRPr lang="en-IN"/>
           </a:p>
@@ -2593,7 +2595,7 @@
           <a:p>
             <a:fld id="{84B6F61C-9FA5-4C35-A1D3-00EE2C15A6C0}" type="datetimeFigureOut">
               <a:rPr lang="en-IN" smtClean="0"/>
-              <a:t>17-09-2024</a:t>
+              <a:t>22-11-2024</a:t>
             </a:fld>
             <a:endParaRPr lang="en-IN" dirty="0"/>
           </a:p>
@@ -2757,7 +2759,7 @@
           <a:p>
             <a:fld id="{84B6F61C-9FA5-4C35-A1D3-00EE2C15A6C0}" type="datetimeFigureOut">
               <a:rPr lang="en-IN" smtClean="0"/>
-              <a:t>17-09-2024</a:t>
+              <a:t>22-11-2024</a:t>
             </a:fld>
             <a:endParaRPr lang="en-IN"/>
           </a:p>
@@ -2889,7 +2891,7 @@
           <a:p>
             <a:fld id="{84B6F61C-9FA5-4C35-A1D3-00EE2C15A6C0}" type="datetimeFigureOut">
               <a:rPr lang="en-IN" smtClean="0"/>
-              <a:t>17-09-2024</a:t>
+              <a:t>22-11-2024</a:t>
             </a:fld>
             <a:endParaRPr lang="en-IN"/>
           </a:p>
@@ -3221,7 +3223,7 @@
           <a:p>
             <a:fld id="{84B6F61C-9FA5-4C35-A1D3-00EE2C15A6C0}" type="datetimeFigureOut">
               <a:rPr lang="en-IN" smtClean="0"/>
-              <a:t>17-09-2024</a:t>
+              <a:t>22-11-2024</a:t>
             </a:fld>
             <a:endParaRPr lang="en-IN"/>
           </a:p>
@@ -3524,7 +3526,7 @@
           <a:p>
             <a:fld id="{84B6F61C-9FA5-4C35-A1D3-00EE2C15A6C0}" type="datetimeFigureOut">
               <a:rPr lang="en-IN" smtClean="0"/>
-              <a:t>17-09-2024</a:t>
+              <a:t>22-11-2024</a:t>
             </a:fld>
             <a:endParaRPr lang="en-IN"/>
           </a:p>
@@ -3776,7 +3778,7 @@
           <a:p>
             <a:fld id="{84B6F61C-9FA5-4C35-A1D3-00EE2C15A6C0}" type="datetimeFigureOut">
               <a:rPr lang="en-IN" smtClean="0"/>
-              <a:t>17-09-2024</a:t>
+              <a:t>22-11-2024</a:t>
             </a:fld>
             <a:endParaRPr lang="en-IN"/>
           </a:p>
@@ -4399,6 +4401,131 @@
           <p:cNvPr id="2" name="Title 1">
             <a:extLst>
               <a:ext uri="{FF2B5EF4-FFF2-40B4-BE49-F238E27FC236}">
+                <a16:creationId xmlns:a16="http://schemas.microsoft.com/office/drawing/2014/main" id="{EA8547A1-DC4B-FAD6-56C5-C766B24032CC}"/>
+              </a:ext>
+            </a:extLst>
+          </p:cNvPr>
+          <p:cNvSpPr>
+            <a:spLocks noGrp="1"/>
+          </p:cNvSpPr>
+          <p:nvPr>
+            <p:ph type="title"/>
+          </p:nvPr>
+        </p:nvSpPr>
+        <p:spPr/>
+        <p:txBody>
+          <a:bodyPr/>
+          <a:lstStyle/>
+          <a:p>
+            <a:r>
+              <a:rPr lang="en-US" dirty="0"/>
+              <a:t>Visibility Buffer</a:t>
+            </a:r>
+            <a:endParaRPr lang="en-IN" dirty="0"/>
+          </a:p>
+        </p:txBody>
+      </p:sp>
+      <p:pic>
+        <p:nvPicPr>
+          <p:cNvPr id="7" name="Picture 6">
+            <a:extLst>
+              <a:ext uri="{FF2B5EF4-FFF2-40B4-BE49-F238E27FC236}">
+                <a16:creationId xmlns:a16="http://schemas.microsoft.com/office/drawing/2014/main" id="{A68B85AC-AEC4-7D84-4CD9-0484613CB7BD}"/>
+              </a:ext>
+            </a:extLst>
+          </p:cNvPr>
+          <p:cNvPicPr>
+            <a:picLocks noChangeAspect="1"/>
+          </p:cNvPicPr>
+          <p:nvPr/>
+        </p:nvPicPr>
+        <p:blipFill>
+          <a:blip r:embed="rId2">
+            <a:extLst>
+              <a:ext uri="{28A0092B-C50C-407E-A947-70E740481C1C}">
+                <a14:useLocalDpi xmlns:a14="http://schemas.microsoft.com/office/drawing/2010/main" val="0"/>
+              </a:ext>
+            </a:extLst>
+          </a:blip>
+          <a:stretch>
+            <a:fillRect/>
+          </a:stretch>
+        </p:blipFill>
+        <p:spPr>
+          <a:xfrm>
+            <a:off x="474306" y="1438432"/>
+            <a:ext cx="9931280" cy="4711159"/>
+          </a:xfrm>
+          <a:prstGeom prst="snip2DiagRect">
+            <a:avLst/>
+          </a:prstGeom>
+          <a:solidFill>
+            <a:srgbClr val="FFFFFF">
+              <a:shade val="85000"/>
+            </a:srgbClr>
+          </a:solidFill>
+          <a:ln w="88900" cap="sq">
+            <a:solidFill>
+              <a:srgbClr val="FFFFFF"/>
+            </a:solidFill>
+            <a:miter lim="800000"/>
+          </a:ln>
+          <a:effectLst>
+            <a:outerShdw blurRad="88900" algn="tl" rotWithShape="0">
+              <a:srgbClr val="000000">
+                <a:alpha val="45000"/>
+              </a:srgbClr>
+            </a:outerShdw>
+          </a:effectLst>
+          <a:scene3d>
+            <a:camera prst="orthographicFront"/>
+            <a:lightRig rig="twoPt" dir="t">
+              <a:rot lat="0" lon="0" rev="7200000"/>
+            </a:lightRig>
+          </a:scene3d>
+          <a:sp3d>
+            <a:bevelT w="25400" h="19050"/>
+            <a:contourClr>
+              <a:srgbClr val="FFFFFF"/>
+            </a:contourClr>
+          </a:sp3d>
+        </p:spPr>
+      </p:pic>
+    </p:spTree>
+    <p:extLst>
+      <p:ext uri="{BB962C8B-B14F-4D97-AF65-F5344CB8AC3E}">
+        <p14:creationId xmlns:p14="http://schemas.microsoft.com/office/powerpoint/2010/main" val="1500864763"/>
+      </p:ext>
+    </p:extLst>
+  </p:cSld>
+  <p:clrMapOvr>
+    <a:masterClrMapping/>
+  </p:clrMapOvr>
+</p:sld>
+</file>
+
+<file path=ppt/slides/slide11.xml><?xml version="1.0" encoding="utf-8"?>
+<p:sld xmlns:a="http://schemas.openxmlformats.org/drawingml/2006/main" xmlns:r="http://schemas.openxmlformats.org/officeDocument/2006/relationships" xmlns:p="http://schemas.openxmlformats.org/presentationml/2006/main">
+  <p:cSld>
+    <p:spTree>
+      <p:nvGrpSpPr>
+        <p:cNvPr id="1" name=""/>
+        <p:cNvGrpSpPr/>
+        <p:nvPr/>
+      </p:nvGrpSpPr>
+      <p:grpSpPr>
+        <a:xfrm>
+          <a:off x="0" y="0"/>
+          <a:ext cx="0" cy="0"/>
+          <a:chOff x="0" y="0"/>
+          <a:chExt cx="0" cy="0"/>
+        </a:xfrm>
+      </p:grpSpPr>
+      <p:sp>
+        <p:nvSpPr>
+          <p:cNvPr id="2" name="Title 1">
+            <a:extLst>
+              <a:ext uri="{FF2B5EF4-FFF2-40B4-BE49-F238E27FC236}">
                 <a16:creationId xmlns:a16="http://schemas.microsoft.com/office/drawing/2014/main" id="{29B77EB9-5BBE-EC6D-AC6E-0F405F8E38B2}"/>
               </a:ext>
             </a:extLst>
@@ -4436,7 +4563,7 @@
 </p:sld>
 </file>
 
-<file path=ppt/slides/slide11.xml><?xml version="1.0" encoding="utf-8"?>
+<file path=ppt/slides/slide12.xml><?xml version="1.0" encoding="utf-8"?>
 <p:sld xmlns:a="http://schemas.openxmlformats.org/drawingml/2006/main" xmlns:r="http://schemas.openxmlformats.org/officeDocument/2006/relationships" xmlns:p="http://schemas.openxmlformats.org/presentationml/2006/main">
   <p:cSld>
     <p:spTree>
@@ -4956,7 +5083,7 @@
 </p:sld>
 </file>
 
-<file path=ppt/slides/slide12.xml><?xml version="1.0" encoding="utf-8"?>
+<file path=ppt/slides/slide13.xml><?xml version="1.0" encoding="utf-8"?>
 <p:sld xmlns:a="http://schemas.openxmlformats.org/drawingml/2006/main" xmlns:r="http://schemas.openxmlformats.org/officeDocument/2006/relationships" xmlns:p="http://schemas.openxmlformats.org/presentationml/2006/main">
   <p:cSld>
     <p:spTree>
@@ -5537,7 +5664,7 @@
 </p:sld>
 </file>
 
-<file path=ppt/slides/slide13.xml><?xml version="1.0" encoding="utf-8"?>
+<file path=ppt/slides/slide14.xml><?xml version="1.0" encoding="utf-8"?>
 <p:sld xmlns:a="http://schemas.openxmlformats.org/drawingml/2006/main" xmlns:r="http://schemas.openxmlformats.org/officeDocument/2006/relationships" xmlns:p="http://schemas.openxmlformats.org/presentationml/2006/main">
   <p:cSld>
     <p:spTree>
@@ -9103,7 +9230,7 @@
         <p:spPr>
           <a:xfrm>
             <a:off x="9756773" y="5018649"/>
-            <a:ext cx="2129014" cy="286512"/>
+            <a:ext cx="2069305" cy="286512"/>
           </a:xfrm>
           <a:prstGeom prst="rect">
             <a:avLst/>
@@ -9146,10 +9273,14 @@
           <a:p>
             <a:pPr algn="ctr"/>
             <a:r>
-              <a:rPr lang="en-US" b="1" dirty="0"/>
-              <a:t>DrawCommandLists</a:t>
-            </a:r>
-            <a:endParaRPr lang="en-IN" b="1" dirty="0"/>
+              <a:rPr lang="en-US" sz="1200" b="1" dirty="0"/>
+              <a:t>Draw/Async </a:t>
+            </a:r>
+            <a:r>
+              <a:rPr lang="en-US" sz="1200" b="1" dirty="0" err="1"/>
+              <a:t>CommandLists</a:t>
+            </a:r>
+            <a:endParaRPr lang="en-IN" sz="1200" b="1" dirty="0"/>
           </a:p>
         </p:txBody>
       </p:sp>
@@ -9211,9 +9342,19 @@
                   </a:schemeClr>
                 </a:solidFill>
               </a:rPr>
-              <a:t>//TODO: Used to cache render commands for drawing batches b/w frames. </a:t>
-            </a:r>
-            <a:endParaRPr lang="en-IN" sz="1000" dirty="0">
+              <a:t>//TODO: Used to cache render commands for drawing batches b/w frames</a:t>
+            </a:r>
+            <a:r>
+              <a:rPr lang="en-US" sz="1000" b="1" dirty="0">
+                <a:solidFill>
+                  <a:schemeClr val="accent6">
+                    <a:lumMod val="50000"/>
+                  </a:schemeClr>
+                </a:solidFill>
+              </a:rPr>
+              <a:t>.  Commandlets????? </a:t>
+            </a:r>
+            <a:endParaRPr lang="en-IN" sz="1000" b="1" dirty="0">
               <a:solidFill>
                 <a:schemeClr val="accent6">
                   <a:lumMod val="50000"/>
@@ -9957,6 +10098,1858 @@
 </file>
 
 <file path=ppt/slides/slide7.xml><?xml version="1.0" encoding="utf-8"?>
+<p:sld xmlns:a="http://schemas.openxmlformats.org/drawingml/2006/main" xmlns:r="http://schemas.openxmlformats.org/officeDocument/2006/relationships" xmlns:p="http://schemas.openxmlformats.org/presentationml/2006/main">
+  <p:cSld>
+    <p:spTree>
+      <p:nvGrpSpPr>
+        <p:cNvPr id="1" name=""/>
+        <p:cNvGrpSpPr/>
+        <p:nvPr/>
+      </p:nvGrpSpPr>
+      <p:grpSpPr>
+        <a:xfrm>
+          <a:off x="0" y="0"/>
+          <a:ext cx="0" cy="0"/>
+          <a:chOff x="0" y="0"/>
+          <a:chExt cx="0" cy="0"/>
+        </a:xfrm>
+      </p:grpSpPr>
+      <p:sp>
+        <p:nvSpPr>
+          <p:cNvPr id="58" name="Rectangle 57">
+            <a:extLst>
+              <a:ext uri="{FF2B5EF4-FFF2-40B4-BE49-F238E27FC236}">
+                <a16:creationId xmlns:a16="http://schemas.microsoft.com/office/drawing/2014/main" id="{12809BDD-0631-4146-6B6E-CF0FEA436E48}"/>
+              </a:ext>
+            </a:extLst>
+          </p:cNvPr>
+          <p:cNvSpPr/>
+          <p:nvPr/>
+        </p:nvSpPr>
+        <p:spPr>
+          <a:xfrm>
+            <a:off x="738497" y="2699057"/>
+            <a:ext cx="10820776" cy="214815"/>
+          </a:xfrm>
+          <a:prstGeom prst="rect">
+            <a:avLst/>
+          </a:prstGeom>
+        </p:spPr>
+        <p:style>
+          <a:lnRef idx="2">
+            <a:schemeClr val="accent3">
+              <a:shade val="15000"/>
+            </a:schemeClr>
+          </a:lnRef>
+          <a:fillRef idx="1">
+            <a:schemeClr val="accent3"/>
+          </a:fillRef>
+          <a:effectRef idx="0">
+            <a:schemeClr val="accent3"/>
+          </a:effectRef>
+          <a:fontRef idx="minor">
+            <a:schemeClr val="lt1"/>
+          </a:fontRef>
+        </p:style>
+        <p:txBody>
+          <a:bodyPr rtlCol="0" anchor="ctr"/>
+          <a:lstStyle/>
+          <a:p>
+            <a:pPr algn="ctr"/>
+            <a:r>
+              <a:rPr lang="en-US" sz="1200" dirty="0">
+                <a:solidFill>
+                  <a:schemeClr val="tx1"/>
+                </a:solidFill>
+                <a:highlight>
+                  <a:srgbClr val="FFFF00"/>
+                </a:highlight>
+              </a:rPr>
+              <a:t>This whole process if </a:t>
+            </a:r>
+            <a:r>
+              <a:rPr lang="en-US" sz="1200" b="1" dirty="0">
+                <a:solidFill>
+                  <a:schemeClr val="tx1"/>
+                </a:solidFill>
+                <a:highlight>
+                  <a:srgbClr val="FFFF00"/>
+                </a:highlight>
+              </a:rPr>
+              <a:t>to and fro </a:t>
+            </a:r>
+            <a:r>
+              <a:rPr lang="en-US" sz="1200" dirty="0">
+                <a:solidFill>
+                  <a:schemeClr val="tx1"/>
+                </a:solidFill>
+                <a:highlight>
+                  <a:srgbClr val="FFFF00"/>
+                </a:highlight>
+              </a:rPr>
+              <a:t>compatible: Easy serialization of GPU run-time resources</a:t>
+            </a:r>
+            <a:endParaRPr lang="en-IN" sz="1200" dirty="0">
+              <a:solidFill>
+                <a:schemeClr val="tx1"/>
+              </a:solidFill>
+              <a:highlight>
+                <a:srgbClr val="FFFF00"/>
+              </a:highlight>
+            </a:endParaRPr>
+          </a:p>
+        </p:txBody>
+      </p:sp>
+      <p:sp>
+        <p:nvSpPr>
+          <p:cNvPr id="8" name="Rectangle 7">
+            <a:extLst>
+              <a:ext uri="{FF2B5EF4-FFF2-40B4-BE49-F238E27FC236}">
+                <a16:creationId xmlns:a16="http://schemas.microsoft.com/office/drawing/2014/main" id="{694BDC3F-46B9-C8E7-C20E-E01124DAA895}"/>
+              </a:ext>
+            </a:extLst>
+          </p:cNvPr>
+          <p:cNvSpPr/>
+          <p:nvPr/>
+        </p:nvSpPr>
+        <p:spPr>
+          <a:xfrm>
+            <a:off x="249765" y="4313445"/>
+            <a:ext cx="2313037" cy="836362"/>
+          </a:xfrm>
+          <a:prstGeom prst="rect">
+            <a:avLst/>
+          </a:prstGeom>
+        </p:spPr>
+        <p:style>
+          <a:lnRef idx="1">
+            <a:schemeClr val="accent6"/>
+          </a:lnRef>
+          <a:fillRef idx="3">
+            <a:schemeClr val="accent6"/>
+          </a:fillRef>
+          <a:effectRef idx="2">
+            <a:schemeClr val="accent6"/>
+          </a:effectRef>
+          <a:fontRef idx="minor">
+            <a:schemeClr val="lt1"/>
+          </a:fontRef>
+        </p:style>
+        <p:txBody>
+          <a:bodyPr rtlCol="0" anchor="ctr"/>
+          <a:lstStyle/>
+          <a:p>
+            <a:pPr algn="ctr"/>
+            <a:r>
+              <a:rPr lang="en-US" b="1" dirty="0">
+                <a:solidFill>
+                  <a:schemeClr val="tx1"/>
+                </a:solidFill>
+              </a:rPr>
+              <a:t>RZAssetDataBase</a:t>
+            </a:r>
+          </a:p>
+          <a:p>
+            <a:pPr algn="ctr"/>
+            <a:r>
+              <a:rPr lang="en-US" sz="1200" dirty="0">
+                <a:solidFill>
+                  <a:schemeClr val="tx1"/>
+                </a:solidFill>
+              </a:rPr>
+              <a:t>Creates, Add, Removes, provides references to </a:t>
+            </a:r>
+            <a:r>
+              <a:rPr lang="en-US" sz="1200" dirty="0">
+                <a:solidFill>
+                  <a:schemeClr val="tx1"/>
+                </a:solidFill>
+                <a:latin typeface="Courier New" panose="02070309020205020404" pitchFamily="49" charset="0"/>
+                <a:cs typeface="Courier New" panose="02070309020205020404" pitchFamily="49" charset="0"/>
+              </a:rPr>
+              <a:t>RZAssetBase</a:t>
+            </a:r>
+            <a:r>
+              <a:rPr lang="en-US" sz="1200" dirty="0">
+                <a:solidFill>
+                  <a:schemeClr val="tx1"/>
+                </a:solidFill>
+              </a:rPr>
+              <a:t> etc. </a:t>
+            </a:r>
+            <a:br>
+              <a:rPr lang="en-US" sz="1200" dirty="0">
+                <a:solidFill>
+                  <a:schemeClr val="tx1"/>
+                </a:solidFill>
+              </a:rPr>
+            </a:br>
+            <a:r>
+              <a:rPr lang="en-US" sz="1200" i="1" dirty="0">
+                <a:solidFill>
+                  <a:schemeClr val="tx1"/>
+                </a:solidFill>
+              </a:rPr>
+              <a:t>Backend</a:t>
+            </a:r>
+            <a:r>
+              <a:rPr lang="en-US" sz="1200" dirty="0">
+                <a:solidFill>
+                  <a:schemeClr val="tx1"/>
+                </a:solidFill>
+              </a:rPr>
+              <a:t>: </a:t>
+            </a:r>
+            <a:r>
+              <a:rPr lang="en-US" sz="1200" b="1" i="1" u="sng" dirty="0">
+                <a:solidFill>
+                  <a:schemeClr val="tx1"/>
+                </a:solidFill>
+              </a:rPr>
+              <a:t>Redis</a:t>
+            </a:r>
+            <a:endParaRPr lang="en-IN" sz="1200" b="1" i="1" u="sng" dirty="0">
+              <a:solidFill>
+                <a:schemeClr val="tx1"/>
+              </a:solidFill>
+            </a:endParaRPr>
+          </a:p>
+        </p:txBody>
+      </p:sp>
+      <p:sp>
+        <p:nvSpPr>
+          <p:cNvPr id="2" name="Title 1">
+            <a:extLst>
+              <a:ext uri="{FF2B5EF4-FFF2-40B4-BE49-F238E27FC236}">
+                <a16:creationId xmlns:a16="http://schemas.microsoft.com/office/drawing/2014/main" id="{E5C609C4-18F8-5DFA-06D4-AD900C8F5F01}"/>
+              </a:ext>
+            </a:extLst>
+          </p:cNvPr>
+          <p:cNvSpPr>
+            <a:spLocks noGrp="1"/>
+          </p:cNvSpPr>
+          <p:nvPr>
+            <p:ph type="title"/>
+          </p:nvPr>
+        </p:nvSpPr>
+        <p:spPr/>
+        <p:txBody>
+          <a:bodyPr/>
+          <a:lstStyle/>
+          <a:p>
+            <a:r>
+              <a:rPr lang="en-US" dirty="0"/>
+              <a:t>Asset Registry System</a:t>
+            </a:r>
+            <a:endParaRPr lang="en-IN" dirty="0"/>
+          </a:p>
+        </p:txBody>
+      </p:sp>
+      <p:grpSp>
+        <p:nvGrpSpPr>
+          <p:cNvPr id="7" name="Group 6">
+            <a:extLst>
+              <a:ext uri="{FF2B5EF4-FFF2-40B4-BE49-F238E27FC236}">
+                <a16:creationId xmlns:a16="http://schemas.microsoft.com/office/drawing/2014/main" id="{2C823D52-7CF3-1716-55AC-B3678290099E}"/>
+              </a:ext>
+            </a:extLst>
+          </p:cNvPr>
+          <p:cNvGrpSpPr/>
+          <p:nvPr/>
+        </p:nvGrpSpPr>
+        <p:grpSpPr>
+          <a:xfrm>
+            <a:off x="964849" y="5259377"/>
+            <a:ext cx="794582" cy="1147729"/>
+            <a:chOff x="586478" y="3033286"/>
+            <a:chExt cx="794582" cy="1147729"/>
+          </a:xfrm>
+        </p:grpSpPr>
+        <p:sp>
+          <p:nvSpPr>
+            <p:cNvPr id="6" name="Flowchart: Magnetic Disk 5">
+              <a:extLst>
+                <a:ext uri="{FF2B5EF4-FFF2-40B4-BE49-F238E27FC236}">
+                  <a16:creationId xmlns:a16="http://schemas.microsoft.com/office/drawing/2014/main" id="{49382EEF-4E53-B254-12EB-8B0D635F2CA4}"/>
+                </a:ext>
+              </a:extLst>
+            </p:cNvPr>
+            <p:cNvSpPr/>
+            <p:nvPr/>
+          </p:nvSpPr>
+          <p:spPr>
+            <a:xfrm>
+              <a:off x="586478" y="3033286"/>
+              <a:ext cx="794582" cy="1147729"/>
+            </a:xfrm>
+            <a:prstGeom prst="flowChartMagneticDisk">
+              <a:avLst/>
+            </a:prstGeom>
+          </p:spPr>
+          <p:style>
+            <a:lnRef idx="2">
+              <a:schemeClr val="accent4">
+                <a:shade val="15000"/>
+              </a:schemeClr>
+            </a:lnRef>
+            <a:fillRef idx="1">
+              <a:schemeClr val="accent4"/>
+            </a:fillRef>
+            <a:effectRef idx="0">
+              <a:schemeClr val="accent4"/>
+            </a:effectRef>
+            <a:fontRef idx="minor">
+              <a:schemeClr val="lt1"/>
+            </a:fontRef>
+          </p:style>
+          <p:txBody>
+            <a:bodyPr rtlCol="0" anchor="ctr"/>
+            <a:lstStyle/>
+            <a:p>
+              <a:pPr algn="ctr"/>
+              <a:endParaRPr lang="en-IN"/>
+            </a:p>
+          </p:txBody>
+        </p:sp>
+        <p:pic>
+          <p:nvPicPr>
+            <p:cNvPr id="1030" name="Picture 6" descr="Redis - Update logo [#3303487] | Drupal.org">
+              <a:extLst>
+                <a:ext uri="{FF2B5EF4-FFF2-40B4-BE49-F238E27FC236}">
+                  <a16:creationId xmlns:a16="http://schemas.microsoft.com/office/drawing/2014/main" id="{EAAEAC2D-F209-A667-E8A3-C2F374FEAB33}"/>
+                </a:ext>
+              </a:extLst>
+            </p:cNvPr>
+            <p:cNvPicPr>
+              <a:picLocks noChangeAspect="1" noChangeArrowheads="1"/>
+            </p:cNvPicPr>
+            <p:nvPr/>
+          </p:nvPicPr>
+          <p:blipFill>
+            <a:blip r:embed="rId2">
+              <a:extLst>
+                <a:ext uri="{28A0092B-C50C-407E-A947-70E740481C1C}">
+                  <a14:useLocalDpi xmlns:a14="http://schemas.microsoft.com/office/drawing/2010/main" val="0"/>
+                </a:ext>
+              </a:extLst>
+            </a:blip>
+            <a:srcRect/>
+            <a:stretch>
+              <a:fillRect/>
+            </a:stretch>
+          </p:blipFill>
+          <p:spPr bwMode="auto">
+            <a:xfrm>
+              <a:off x="586478" y="3428999"/>
+              <a:ext cx="794582" cy="752015"/>
+            </a:xfrm>
+            <a:prstGeom prst="rect">
+              <a:avLst/>
+            </a:prstGeom>
+            <a:noFill/>
+            <a:extLst>
+              <a:ext uri="{909E8E84-426E-40DD-AFC4-6F175D3DCCD1}">
+                <a14:hiddenFill xmlns:a14="http://schemas.microsoft.com/office/drawing/2010/main">
+                  <a:solidFill>
+                    <a:srgbClr val="FFFFFF"/>
+                  </a:solidFill>
+                </a14:hiddenFill>
+              </a:ext>
+            </a:extLst>
+          </p:spPr>
+        </p:pic>
+      </p:grpSp>
+      <p:sp>
+        <p:nvSpPr>
+          <p:cNvPr id="9" name="Rectangle 8">
+            <a:extLst>
+              <a:ext uri="{FF2B5EF4-FFF2-40B4-BE49-F238E27FC236}">
+                <a16:creationId xmlns:a16="http://schemas.microsoft.com/office/drawing/2014/main" id="{ACBB4DA5-BBDF-00AA-01B4-C5CD2077D5CF}"/>
+              </a:ext>
+            </a:extLst>
+          </p:cNvPr>
+          <p:cNvSpPr/>
+          <p:nvPr/>
+        </p:nvSpPr>
+        <p:spPr>
+          <a:xfrm>
+            <a:off x="738497" y="1058938"/>
+            <a:ext cx="1431509" cy="726792"/>
+          </a:xfrm>
+          <a:prstGeom prst="rect">
+            <a:avLst/>
+          </a:prstGeom>
+        </p:spPr>
+        <p:style>
+          <a:lnRef idx="2">
+            <a:schemeClr val="accent5">
+              <a:shade val="15000"/>
+            </a:schemeClr>
+          </a:lnRef>
+          <a:fillRef idx="1">
+            <a:schemeClr val="accent5"/>
+          </a:fillRef>
+          <a:effectRef idx="0">
+            <a:schemeClr val="accent5"/>
+          </a:effectRef>
+          <a:fontRef idx="minor">
+            <a:schemeClr val="lt1"/>
+          </a:fontRef>
+        </p:style>
+        <p:txBody>
+          <a:bodyPr rtlCol="0" anchor="ctr"/>
+          <a:lstStyle/>
+          <a:p>
+            <a:pPr algn="ctr"/>
+            <a:r>
+              <a:rPr lang="en-US" sz="1600" dirty="0">
+                <a:solidFill>
+                  <a:schemeClr val="tx1"/>
+                </a:solidFill>
+                <a:latin typeface="+mj-lt"/>
+                <a:cs typeface="Courier New" panose="02070309020205020404" pitchFamily="49" charset="0"/>
+              </a:rPr>
+              <a:t>RZAssetBase</a:t>
+            </a:r>
+          </a:p>
+          <a:p>
+            <a:pPr algn="ctr"/>
+            <a:r>
+              <a:rPr lang="en-US" sz="1000" dirty="0">
+                <a:solidFill>
+                  <a:schemeClr val="tx1"/>
+                </a:solidFill>
+                <a:latin typeface="+mj-lt"/>
+                <a:cs typeface="Courier New" panose="02070309020205020404" pitchFamily="49" charset="0"/>
+              </a:rPr>
+              <a:t>Common interface to create and register different types of assets</a:t>
+            </a:r>
+            <a:endParaRPr lang="en-IN" sz="1000" dirty="0">
+              <a:latin typeface="+mj-lt"/>
+            </a:endParaRPr>
+          </a:p>
+        </p:txBody>
+      </p:sp>
+      <p:sp>
+        <p:nvSpPr>
+          <p:cNvPr id="10" name="Rectangle 9">
+            <a:extLst>
+              <a:ext uri="{FF2B5EF4-FFF2-40B4-BE49-F238E27FC236}">
+                <a16:creationId xmlns:a16="http://schemas.microsoft.com/office/drawing/2014/main" id="{B09D01EE-89C3-99B7-3823-74BFF88E032A}"/>
+              </a:ext>
+            </a:extLst>
+          </p:cNvPr>
+          <p:cNvSpPr/>
+          <p:nvPr/>
+        </p:nvSpPr>
+        <p:spPr>
+          <a:xfrm>
+            <a:off x="738497" y="1886338"/>
+            <a:ext cx="1431509" cy="726792"/>
+          </a:xfrm>
+          <a:prstGeom prst="rect">
+            <a:avLst/>
+          </a:prstGeom>
+        </p:spPr>
+        <p:style>
+          <a:lnRef idx="2">
+            <a:schemeClr val="accent2">
+              <a:shade val="15000"/>
+            </a:schemeClr>
+          </a:lnRef>
+          <a:fillRef idx="1">
+            <a:schemeClr val="accent2"/>
+          </a:fillRef>
+          <a:effectRef idx="0">
+            <a:schemeClr val="accent2"/>
+          </a:effectRef>
+          <a:fontRef idx="minor">
+            <a:schemeClr val="lt1"/>
+          </a:fontRef>
+        </p:style>
+        <p:txBody>
+          <a:bodyPr rtlCol="0" anchor="ctr"/>
+          <a:lstStyle/>
+          <a:p>
+            <a:pPr algn="ctr"/>
+            <a:r>
+              <a:rPr lang="en-US" sz="1600" dirty="0">
+                <a:solidFill>
+                  <a:schemeClr val="tx1"/>
+                </a:solidFill>
+                <a:latin typeface="+mj-lt"/>
+                <a:cs typeface="Courier New" panose="02070309020205020404" pitchFamily="49" charset="0"/>
+              </a:rPr>
+              <a:t>RZSerializable</a:t>
+            </a:r>
+          </a:p>
+          <a:p>
+            <a:pPr algn="ctr"/>
+            <a:r>
+              <a:rPr lang="en-US" sz="1000" i="1" dirty="0">
+                <a:solidFill>
+                  <a:schemeClr val="tx1"/>
+                </a:solidFill>
+              </a:rPr>
+              <a:t>global serialization abstraction for the entire engine</a:t>
+            </a:r>
+            <a:endParaRPr lang="en-IN" sz="1000" dirty="0">
+              <a:latin typeface="+mj-lt"/>
+            </a:endParaRPr>
+          </a:p>
+        </p:txBody>
+      </p:sp>
+      <p:sp>
+        <p:nvSpPr>
+          <p:cNvPr id="11" name="Rectangle 10">
+            <a:extLst>
+              <a:ext uri="{FF2B5EF4-FFF2-40B4-BE49-F238E27FC236}">
+                <a16:creationId xmlns:a16="http://schemas.microsoft.com/office/drawing/2014/main" id="{AA34AFB5-60FB-2A02-1433-A9E1EE05D376}"/>
+              </a:ext>
+            </a:extLst>
+          </p:cNvPr>
+          <p:cNvSpPr/>
+          <p:nvPr/>
+        </p:nvSpPr>
+        <p:spPr>
+          <a:xfrm>
+            <a:off x="940965" y="3183430"/>
+            <a:ext cx="1026571" cy="836362"/>
+          </a:xfrm>
+          <a:prstGeom prst="rect">
+            <a:avLst/>
+          </a:prstGeom>
+          <a:solidFill>
+            <a:schemeClr val="accent3">
+              <a:alpha val="50000"/>
+            </a:schemeClr>
+          </a:solidFill>
+          <a:ln>
+            <a:noFill/>
+          </a:ln>
+        </p:spPr>
+        <p:style>
+          <a:lnRef idx="0">
+            <a:scrgbClr r="0" g="0" b="0"/>
+          </a:lnRef>
+          <a:fillRef idx="0">
+            <a:scrgbClr r="0" g="0" b="0"/>
+          </a:fillRef>
+          <a:effectRef idx="0">
+            <a:scrgbClr r="0" g="0" b="0"/>
+          </a:effectRef>
+          <a:fontRef idx="minor">
+            <a:schemeClr val="lt1"/>
+          </a:fontRef>
+        </p:style>
+        <p:txBody>
+          <a:bodyPr rtlCol="0" anchor="ctr"/>
+          <a:lstStyle/>
+          <a:p>
+            <a:pPr algn="ctr"/>
+            <a:r>
+              <a:rPr lang="en-US" sz="1000" dirty="0" err="1"/>
+              <a:t>RZModelAsset</a:t>
+            </a:r>
+            <a:br>
+              <a:rPr lang="en-US" sz="1000" dirty="0"/>
+            </a:br>
+            <a:r>
+              <a:rPr lang="en-US" sz="1000" dirty="0" err="1"/>
+              <a:t>RZTextureAsset</a:t>
+            </a:r>
+            <a:br>
+              <a:rPr lang="en-US" sz="1000" dirty="0"/>
+            </a:br>
+            <a:r>
+              <a:rPr lang="en-US" sz="1000" dirty="0" err="1"/>
+              <a:t>RZPlayerAsset</a:t>
+            </a:r>
+            <a:br>
+              <a:rPr lang="en-US" sz="1000" dirty="0"/>
+            </a:br>
+            <a:r>
+              <a:rPr lang="en-US" sz="1000" dirty="0" err="1"/>
+              <a:t>RZVehicleAsset</a:t>
+            </a:r>
+            <a:br>
+              <a:rPr lang="en-US" sz="1000" dirty="0"/>
+            </a:br>
+            <a:r>
+              <a:rPr lang="en-US" sz="1000" dirty="0" err="1"/>
+              <a:t>etc</a:t>
+            </a:r>
+            <a:r>
+              <a:rPr lang="en-US" sz="1000" dirty="0"/>
+              <a:t>…</a:t>
+            </a:r>
+            <a:endParaRPr lang="en-IN" sz="1000" dirty="0"/>
+          </a:p>
+        </p:txBody>
+      </p:sp>
+      <p:sp>
+        <p:nvSpPr>
+          <p:cNvPr id="16" name="TextBox 15">
+            <a:extLst>
+              <a:ext uri="{FF2B5EF4-FFF2-40B4-BE49-F238E27FC236}">
+                <a16:creationId xmlns:a16="http://schemas.microsoft.com/office/drawing/2014/main" id="{9250BDB5-7CD6-0DA3-4E1A-FA877812ADCB}"/>
+              </a:ext>
+            </a:extLst>
+          </p:cNvPr>
+          <p:cNvSpPr txBox="1"/>
+          <p:nvPr/>
+        </p:nvSpPr>
+        <p:spPr>
+          <a:xfrm>
+            <a:off x="1917088" y="3093779"/>
+            <a:ext cx="3604785" cy="1015663"/>
+          </a:xfrm>
+          <a:prstGeom prst="rect">
+            <a:avLst/>
+          </a:prstGeom>
+        </p:spPr>
+        <p:style>
+          <a:lnRef idx="0">
+            <a:schemeClr val="accent3"/>
+          </a:lnRef>
+          <a:fillRef idx="3">
+            <a:schemeClr val="accent3"/>
+          </a:fillRef>
+          <a:effectRef idx="3">
+            <a:schemeClr val="accent3"/>
+          </a:effectRef>
+          <a:fontRef idx="minor">
+            <a:schemeClr val="lt1"/>
+          </a:fontRef>
+        </p:style>
+        <p:txBody>
+          <a:bodyPr wrap="square" rtlCol="0">
+            <a:spAutoFit/>
+          </a:bodyPr>
+          <a:lstStyle/>
+          <a:p>
+            <a:r>
+              <a:rPr lang="en-US" sz="1200" dirty="0">
+                <a:solidFill>
+                  <a:schemeClr val="tx1"/>
+                </a:solidFill>
+              </a:rPr>
+              <a:t>All assets that are stored in the database are derived from </a:t>
+            </a:r>
+            <a:r>
+              <a:rPr lang="en-US" sz="1200" b="1" dirty="0">
+                <a:solidFill>
+                  <a:schemeClr val="tx1"/>
+                </a:solidFill>
+              </a:rPr>
+              <a:t>RZSerializable</a:t>
+            </a:r>
+            <a:r>
+              <a:rPr lang="en-US" sz="1200" dirty="0">
+                <a:solidFill>
+                  <a:schemeClr val="tx1"/>
+                </a:solidFill>
+              </a:rPr>
+              <a:t> + </a:t>
+            </a:r>
+            <a:r>
+              <a:rPr lang="en-US" sz="1200" b="1" dirty="0">
+                <a:solidFill>
+                  <a:schemeClr val="tx1"/>
+                </a:solidFill>
+              </a:rPr>
+              <a:t>RZAssetBase</a:t>
+            </a:r>
+            <a:r>
+              <a:rPr lang="en-US" sz="1200" dirty="0">
+                <a:solidFill>
+                  <a:schemeClr val="tx1"/>
+                </a:solidFill>
+              </a:rPr>
+              <a:t>….stored into </a:t>
+            </a:r>
+          </a:p>
+          <a:p>
+            <a:r>
+              <a:rPr lang="en-US" sz="1200" dirty="0">
+                <a:solidFill>
+                  <a:schemeClr val="tx1"/>
+                </a:solidFill>
+              </a:rPr>
+              <a:t>database-&gt;</a:t>
+            </a:r>
+            <a:r>
+              <a:rPr lang="en-US" sz="1200" b="1" dirty="0" err="1">
+                <a:solidFill>
+                  <a:schemeClr val="tx1"/>
+                </a:solidFill>
+              </a:rPr>
+              <a:t>rz_game_assets.redisdb</a:t>
+            </a:r>
+            <a:r>
+              <a:rPr lang="en-US" sz="1200" b="1" dirty="0">
+                <a:solidFill>
+                  <a:schemeClr val="tx1"/>
+                </a:solidFill>
+              </a:rPr>
+              <a:t> </a:t>
+            </a:r>
+            <a:r>
+              <a:rPr lang="en-US" sz="1200" dirty="0">
+                <a:solidFill>
+                  <a:schemeClr val="tx1"/>
+                </a:solidFill>
+              </a:rPr>
+              <a:t>and are called </a:t>
+            </a:r>
+            <a:r>
+              <a:rPr lang="en-US" sz="1200" b="1" dirty="0">
+                <a:solidFill>
+                  <a:schemeClr val="tx1"/>
+                </a:solidFill>
+              </a:rPr>
+              <a:t>*.asset</a:t>
+            </a:r>
+            <a:r>
+              <a:rPr lang="en-US" sz="1200" dirty="0">
+                <a:solidFill>
+                  <a:schemeClr val="tx1"/>
+                </a:solidFill>
+              </a:rPr>
+              <a:t>…we also provide APIs to </a:t>
+            </a:r>
+            <a:r>
+              <a:rPr lang="en-US" sz="1200" u="sng" dirty="0">
+                <a:solidFill>
+                  <a:schemeClr val="tx1"/>
+                </a:solidFill>
+              </a:rPr>
+              <a:t>extend to new types and make serialization easy</a:t>
+            </a:r>
+            <a:r>
+              <a:rPr lang="en-US" sz="1200" dirty="0">
+                <a:solidFill>
+                  <a:schemeClr val="tx1"/>
+                </a:solidFill>
+              </a:rPr>
+              <a:t>.</a:t>
+            </a:r>
+            <a:endParaRPr lang="en-IN" sz="1200" dirty="0">
+              <a:solidFill>
+                <a:schemeClr val="tx1"/>
+              </a:solidFill>
+            </a:endParaRPr>
+          </a:p>
+        </p:txBody>
+      </p:sp>
+      <p:sp>
+        <p:nvSpPr>
+          <p:cNvPr id="17" name="Rectangle 16">
+            <a:extLst>
+              <a:ext uri="{FF2B5EF4-FFF2-40B4-BE49-F238E27FC236}">
+                <a16:creationId xmlns:a16="http://schemas.microsoft.com/office/drawing/2014/main" id="{0071345C-C008-7D63-CB74-2F069D787241}"/>
+              </a:ext>
+            </a:extLst>
+          </p:cNvPr>
+          <p:cNvSpPr/>
+          <p:nvPr/>
+        </p:nvSpPr>
+        <p:spPr>
+          <a:xfrm>
+            <a:off x="1917088" y="5301879"/>
+            <a:ext cx="3604785" cy="1458435"/>
+          </a:xfrm>
+          <a:prstGeom prst="rect">
+            <a:avLst/>
+          </a:prstGeom>
+        </p:spPr>
+        <p:style>
+          <a:lnRef idx="0">
+            <a:schemeClr val="accent4"/>
+          </a:lnRef>
+          <a:fillRef idx="3">
+            <a:schemeClr val="accent4"/>
+          </a:fillRef>
+          <a:effectRef idx="3">
+            <a:schemeClr val="accent4"/>
+          </a:effectRef>
+          <a:fontRef idx="minor">
+            <a:schemeClr val="lt1"/>
+          </a:fontRef>
+        </p:style>
+        <p:txBody>
+          <a:bodyPr rtlCol="0" anchor="ctr"/>
+          <a:lstStyle/>
+          <a:p>
+            <a:pPr marL="171450" indent="-171450">
+              <a:buFont typeface="Arial" panose="020B0604020202020204" pitchFamily="34" charset="0"/>
+              <a:buChar char="•"/>
+            </a:pPr>
+            <a:r>
+              <a:rPr lang="en-US" sz="1200" i="1" u="sng" dirty="0">
+                <a:solidFill>
+                  <a:schemeClr val="tx1"/>
+                </a:solidFill>
+              </a:rPr>
+              <a:t>Created and Maintained by the Engine Instance.</a:t>
+            </a:r>
+          </a:p>
+          <a:p>
+            <a:pPr marL="171450" indent="-171450">
+              <a:buFont typeface="Arial" panose="020B0604020202020204" pitchFamily="34" charset="0"/>
+              <a:buChar char="•"/>
+            </a:pPr>
+            <a:r>
+              <a:rPr lang="en-US" sz="1200" i="1" u="sng" dirty="0">
+                <a:solidFill>
+                  <a:schemeClr val="tx1"/>
+                </a:solidFill>
+              </a:rPr>
+              <a:t>Primarily Used to load assets into run-time and manage Serialization and lifetime.</a:t>
+            </a:r>
+          </a:p>
+          <a:p>
+            <a:pPr marL="171450" indent="-171450">
+              <a:buFont typeface="Arial" panose="020B0604020202020204" pitchFamily="34" charset="0"/>
+              <a:buChar char="•"/>
+            </a:pPr>
+            <a:r>
+              <a:rPr lang="en-US" sz="1200" dirty="0">
+                <a:solidFill>
+                  <a:schemeClr val="tx1"/>
+                </a:solidFill>
+              </a:rPr>
+              <a:t>Editor can connect via Network if needed and issue command for RZAssetDBNetworkTranslatorLayer to instantiate resources in the engine.</a:t>
+            </a:r>
+          </a:p>
+          <a:p>
+            <a:pPr marL="171450" indent="-171450">
+              <a:buFont typeface="Arial" panose="020B0604020202020204" pitchFamily="34" charset="0"/>
+              <a:buChar char="•"/>
+            </a:pPr>
+            <a:r>
+              <a:rPr lang="en-US" sz="1200" dirty="0">
+                <a:solidFill>
+                  <a:schemeClr val="tx1"/>
+                </a:solidFill>
+              </a:rPr>
+              <a:t>[Optional] Might use a </a:t>
+            </a:r>
+            <a:r>
+              <a:rPr lang="en-US" sz="1200" i="1" dirty="0">
+                <a:solidFill>
+                  <a:schemeClr val="tx1"/>
+                </a:solidFill>
+              </a:rPr>
+              <a:t>secondary</a:t>
+            </a:r>
+            <a:r>
+              <a:rPr lang="en-US" sz="1200" dirty="0">
+                <a:solidFill>
+                  <a:schemeClr val="tx1"/>
+                </a:solidFill>
+              </a:rPr>
+              <a:t> Redis server to manage vault resources for Game Team.</a:t>
+            </a:r>
+            <a:endParaRPr lang="en-IN" sz="1200" dirty="0">
+              <a:solidFill>
+                <a:schemeClr val="tx1"/>
+              </a:solidFill>
+            </a:endParaRPr>
+          </a:p>
+        </p:txBody>
+      </p:sp>
+      <p:sp>
+        <p:nvSpPr>
+          <p:cNvPr id="24" name="Rectangle 23">
+            <a:extLst>
+              <a:ext uri="{FF2B5EF4-FFF2-40B4-BE49-F238E27FC236}">
+                <a16:creationId xmlns:a16="http://schemas.microsoft.com/office/drawing/2014/main" id="{85142CAE-F660-B59B-9729-F579C50DCDEE}"/>
+              </a:ext>
+            </a:extLst>
+          </p:cNvPr>
+          <p:cNvSpPr/>
+          <p:nvPr/>
+        </p:nvSpPr>
+        <p:spPr>
+          <a:xfrm>
+            <a:off x="2781037" y="1372634"/>
+            <a:ext cx="2121329" cy="1082858"/>
+          </a:xfrm>
+          <a:prstGeom prst="rect">
+            <a:avLst/>
+          </a:prstGeom>
+          <a:gradFill flip="none" rotWithShape="1">
+            <a:gsLst>
+              <a:gs pos="0">
+                <a:schemeClr val="accent5">
+                  <a:lumMod val="67000"/>
+                </a:schemeClr>
+              </a:gs>
+              <a:gs pos="48000">
+                <a:schemeClr val="accent5">
+                  <a:lumMod val="97000"/>
+                  <a:lumOff val="3000"/>
+                </a:schemeClr>
+              </a:gs>
+              <a:gs pos="100000">
+                <a:schemeClr val="accent5">
+                  <a:lumMod val="60000"/>
+                  <a:lumOff val="40000"/>
+                </a:schemeClr>
+              </a:gs>
+            </a:gsLst>
+            <a:lin ang="16200000" scaled="1"/>
+            <a:tileRect/>
+          </a:gradFill>
+          <a:ln>
+            <a:noFill/>
+          </a:ln>
+        </p:spPr>
+        <p:style>
+          <a:lnRef idx="0">
+            <a:scrgbClr r="0" g="0" b="0"/>
+          </a:lnRef>
+          <a:fillRef idx="0">
+            <a:scrgbClr r="0" g="0" b="0"/>
+          </a:fillRef>
+          <a:effectRef idx="0">
+            <a:scrgbClr r="0" g="0" b="0"/>
+          </a:effectRef>
+          <a:fontRef idx="minor">
+            <a:schemeClr val="lt1"/>
+          </a:fontRef>
+        </p:style>
+        <p:txBody>
+          <a:bodyPr rtlCol="0" anchor="ctr"/>
+          <a:lstStyle/>
+          <a:p>
+            <a:pPr algn="ctr"/>
+            <a:r>
+              <a:rPr lang="en-US" sz="1600" dirty="0" err="1">
+                <a:solidFill>
+                  <a:schemeClr val="tx1"/>
+                </a:solidFill>
+                <a:latin typeface="+mj-lt"/>
+                <a:cs typeface="Courier New" panose="02070309020205020404" pitchFamily="49" charset="0"/>
+              </a:rPr>
+              <a:t>RZAssetBuilder</a:t>
+            </a:r>
+            <a:endParaRPr lang="en-US" sz="1600" dirty="0">
+              <a:solidFill>
+                <a:schemeClr val="tx1"/>
+              </a:solidFill>
+              <a:latin typeface="+mj-lt"/>
+              <a:cs typeface="Courier New" panose="02070309020205020404" pitchFamily="49" charset="0"/>
+            </a:endParaRPr>
+          </a:p>
+          <a:p>
+            <a:pPr algn="ctr"/>
+            <a:r>
+              <a:rPr lang="en-US" sz="1000" dirty="0">
+                <a:solidFill>
+                  <a:schemeClr val="tx1"/>
+                </a:solidFill>
+                <a:latin typeface="+mj-lt"/>
+                <a:cs typeface="Courier New" panose="02070309020205020404" pitchFamily="49" charset="0"/>
+              </a:rPr>
+              <a:t>Class to create new assets types and assign data to it. Also, this class manages Proxies to convert to and from the RZAssetBase using </a:t>
+            </a:r>
+            <a:r>
+              <a:rPr lang="en-US" sz="1000" dirty="0" err="1">
+                <a:solidFill>
+                  <a:schemeClr val="tx1"/>
+                </a:solidFill>
+                <a:latin typeface="+mj-lt"/>
+                <a:cs typeface="Courier New" panose="02070309020205020404" pitchFamily="49" charset="0"/>
+              </a:rPr>
+              <a:t>RZAssetProxy</a:t>
+            </a:r>
+            <a:endParaRPr lang="en-IN" sz="1000" b="1" dirty="0">
+              <a:latin typeface="+mj-lt"/>
+            </a:endParaRPr>
+          </a:p>
+        </p:txBody>
+      </p:sp>
+      <p:cxnSp>
+        <p:nvCxnSpPr>
+          <p:cNvPr id="25" name="Connector: Elbow 24">
+            <a:extLst>
+              <a:ext uri="{FF2B5EF4-FFF2-40B4-BE49-F238E27FC236}">
+                <a16:creationId xmlns:a16="http://schemas.microsoft.com/office/drawing/2014/main" id="{BBEDE229-AC36-A2FA-7F7E-1A32F91929C0}"/>
+              </a:ext>
+            </a:extLst>
+          </p:cNvPr>
+          <p:cNvCxnSpPr>
+            <a:cxnSpLocks/>
+            <a:stCxn id="9" idx="3"/>
+            <a:endCxn id="24" idx="1"/>
+          </p:cNvCxnSpPr>
+          <p:nvPr/>
+        </p:nvCxnSpPr>
+        <p:spPr>
+          <a:xfrm>
+            <a:off x="2170006" y="1422334"/>
+            <a:ext cx="611031" cy="491729"/>
+          </a:xfrm>
+          <a:prstGeom prst="bentConnector3">
+            <a:avLst/>
+          </a:prstGeom>
+          <a:ln>
+            <a:tailEnd type="triangle"/>
+          </a:ln>
+        </p:spPr>
+        <p:style>
+          <a:lnRef idx="2">
+            <a:schemeClr val="accent3"/>
+          </a:lnRef>
+          <a:fillRef idx="0">
+            <a:schemeClr val="accent3"/>
+          </a:fillRef>
+          <a:effectRef idx="1">
+            <a:schemeClr val="accent3"/>
+          </a:effectRef>
+          <a:fontRef idx="minor">
+            <a:schemeClr val="tx1"/>
+          </a:fontRef>
+        </p:style>
+      </p:cxnSp>
+      <p:sp>
+        <p:nvSpPr>
+          <p:cNvPr id="34" name="Rectangle 33">
+            <a:extLst>
+              <a:ext uri="{FF2B5EF4-FFF2-40B4-BE49-F238E27FC236}">
+                <a16:creationId xmlns:a16="http://schemas.microsoft.com/office/drawing/2014/main" id="{1A82CE7B-97B2-000C-ADB3-40AD83931A4E}"/>
+              </a:ext>
+            </a:extLst>
+          </p:cNvPr>
+          <p:cNvSpPr/>
+          <p:nvPr/>
+        </p:nvSpPr>
+        <p:spPr>
+          <a:xfrm>
+            <a:off x="5188576" y="1557574"/>
+            <a:ext cx="1431509" cy="726792"/>
+          </a:xfrm>
+          <a:prstGeom prst="rect">
+            <a:avLst/>
+          </a:prstGeom>
+        </p:spPr>
+        <p:style>
+          <a:lnRef idx="2">
+            <a:schemeClr val="accent5">
+              <a:shade val="15000"/>
+            </a:schemeClr>
+          </a:lnRef>
+          <a:fillRef idx="1">
+            <a:schemeClr val="accent5"/>
+          </a:fillRef>
+          <a:effectRef idx="0">
+            <a:schemeClr val="accent5"/>
+          </a:effectRef>
+          <a:fontRef idx="minor">
+            <a:schemeClr val="lt1"/>
+          </a:fontRef>
+        </p:style>
+        <p:txBody>
+          <a:bodyPr rtlCol="0" anchor="ctr"/>
+          <a:lstStyle/>
+          <a:p>
+            <a:pPr algn="ctr"/>
+            <a:r>
+              <a:rPr lang="en-US" sz="1600" dirty="0" err="1">
+                <a:solidFill>
+                  <a:schemeClr val="tx1"/>
+                </a:solidFill>
+                <a:latin typeface="+mj-lt"/>
+                <a:cs typeface="Courier New" panose="02070309020205020404" pitchFamily="49" charset="0"/>
+              </a:rPr>
+              <a:t>RZAssetProxy</a:t>
+            </a:r>
+            <a:endParaRPr lang="en-US" sz="1600" dirty="0">
+              <a:solidFill>
+                <a:schemeClr val="tx1"/>
+              </a:solidFill>
+              <a:latin typeface="+mj-lt"/>
+              <a:cs typeface="Courier New" panose="02070309020205020404" pitchFamily="49" charset="0"/>
+            </a:endParaRPr>
+          </a:p>
+          <a:p>
+            <a:pPr algn="ctr"/>
+            <a:r>
+              <a:rPr lang="en-US" sz="1000" dirty="0">
+                <a:solidFill>
+                  <a:schemeClr val="tx1"/>
+                </a:solidFill>
+                <a:latin typeface="+mj-lt"/>
+                <a:cs typeface="Courier New" panose="02070309020205020404" pitchFamily="49" charset="0"/>
+              </a:rPr>
+              <a:t>Minimal view of the asset to help create the Resource</a:t>
+            </a:r>
+            <a:endParaRPr lang="en-IN" sz="1000" dirty="0">
+              <a:latin typeface="+mj-lt"/>
+            </a:endParaRPr>
+          </a:p>
+        </p:txBody>
+      </p:sp>
+      <p:cxnSp>
+        <p:nvCxnSpPr>
+          <p:cNvPr id="35" name="Connector: Elbow 24">
+            <a:extLst>
+              <a:ext uri="{FF2B5EF4-FFF2-40B4-BE49-F238E27FC236}">
+                <a16:creationId xmlns:a16="http://schemas.microsoft.com/office/drawing/2014/main" id="{D22655E6-171D-F3E7-9843-70E2E9FB8EBC}"/>
+              </a:ext>
+            </a:extLst>
+          </p:cNvPr>
+          <p:cNvCxnSpPr>
+            <a:cxnSpLocks/>
+            <a:stCxn id="24" idx="3"/>
+            <a:endCxn id="34" idx="1"/>
+          </p:cNvCxnSpPr>
+          <p:nvPr/>
+        </p:nvCxnSpPr>
+        <p:spPr>
+          <a:xfrm>
+            <a:off x="4902366" y="1914063"/>
+            <a:ext cx="286210" cy="6907"/>
+          </a:xfrm>
+          <a:prstGeom prst="straightConnector1">
+            <a:avLst/>
+          </a:prstGeom>
+          <a:ln>
+            <a:tailEnd type="triangle"/>
+          </a:ln>
+        </p:spPr>
+        <p:style>
+          <a:lnRef idx="2">
+            <a:schemeClr val="accent3"/>
+          </a:lnRef>
+          <a:fillRef idx="0">
+            <a:schemeClr val="accent3"/>
+          </a:fillRef>
+          <a:effectRef idx="1">
+            <a:schemeClr val="accent3"/>
+          </a:effectRef>
+          <a:fontRef idx="minor">
+            <a:schemeClr val="tx1"/>
+          </a:fontRef>
+        </p:style>
+      </p:cxnSp>
+      <p:sp>
+        <p:nvSpPr>
+          <p:cNvPr id="39" name="Rectangle 38">
+            <a:extLst>
+              <a:ext uri="{FF2B5EF4-FFF2-40B4-BE49-F238E27FC236}">
+                <a16:creationId xmlns:a16="http://schemas.microsoft.com/office/drawing/2014/main" id="{AF21E671-9348-534D-84D2-C998A92665D8}"/>
+              </a:ext>
+            </a:extLst>
+          </p:cNvPr>
+          <p:cNvSpPr/>
+          <p:nvPr/>
+        </p:nvSpPr>
+        <p:spPr>
+          <a:xfrm>
+            <a:off x="6906295" y="1516085"/>
+            <a:ext cx="1873283" cy="805689"/>
+          </a:xfrm>
+          <a:prstGeom prst="rect">
+            <a:avLst/>
+          </a:prstGeom>
+          <a:gradFill>
+            <a:gsLst>
+              <a:gs pos="63000">
+                <a:srgbClr val="EA00EA">
+                  <a:alpha val="52000"/>
+                </a:srgbClr>
+              </a:gs>
+              <a:gs pos="0">
+                <a:srgbClr val="FF8FFF"/>
+              </a:gs>
+              <a:gs pos="100000">
+                <a:srgbClr val="660066"/>
+              </a:gs>
+            </a:gsLst>
+            <a:lin ang="5400000" scaled="1"/>
+          </a:gradFill>
+        </p:spPr>
+        <p:style>
+          <a:lnRef idx="2">
+            <a:schemeClr val="accent5">
+              <a:shade val="15000"/>
+            </a:schemeClr>
+          </a:lnRef>
+          <a:fillRef idx="1">
+            <a:schemeClr val="accent5"/>
+          </a:fillRef>
+          <a:effectRef idx="0">
+            <a:schemeClr val="accent5"/>
+          </a:effectRef>
+          <a:fontRef idx="minor">
+            <a:schemeClr val="lt1"/>
+          </a:fontRef>
+        </p:style>
+        <p:txBody>
+          <a:bodyPr rtlCol="0" anchor="ctr"/>
+          <a:lstStyle/>
+          <a:p>
+            <a:pPr algn="ctr"/>
+            <a:r>
+              <a:rPr lang="en-US" sz="1600" dirty="0" err="1">
+                <a:solidFill>
+                  <a:schemeClr val="tx1"/>
+                </a:solidFill>
+                <a:latin typeface="+mj-lt"/>
+                <a:cs typeface="Courier New" panose="02070309020205020404" pitchFamily="49" charset="0"/>
+              </a:rPr>
+              <a:t>RZProxyInterchangeManager</a:t>
+            </a:r>
+            <a:endParaRPr lang="en-US" sz="1600" dirty="0">
+              <a:solidFill>
+                <a:schemeClr val="tx1"/>
+              </a:solidFill>
+              <a:latin typeface="+mj-lt"/>
+              <a:cs typeface="Courier New" panose="02070309020205020404" pitchFamily="49" charset="0"/>
+            </a:endParaRPr>
+          </a:p>
+          <a:p>
+            <a:pPr algn="ctr"/>
+            <a:r>
+              <a:rPr lang="en-US" sz="1000" dirty="0">
+                <a:solidFill>
+                  <a:schemeClr val="tx1"/>
+                </a:solidFill>
+                <a:latin typeface="+mj-lt"/>
+                <a:cs typeface="Courier New" panose="02070309020205020404" pitchFamily="49" charset="0"/>
+              </a:rPr>
+              <a:t>Class to interchange between different proxy states</a:t>
+            </a:r>
+            <a:endParaRPr lang="en-IN" sz="1000" dirty="0">
+              <a:latin typeface="+mj-lt"/>
+            </a:endParaRPr>
+          </a:p>
+        </p:txBody>
+      </p:sp>
+      <p:cxnSp>
+        <p:nvCxnSpPr>
+          <p:cNvPr id="40" name="Connector: Elbow 24">
+            <a:extLst>
+              <a:ext uri="{FF2B5EF4-FFF2-40B4-BE49-F238E27FC236}">
+                <a16:creationId xmlns:a16="http://schemas.microsoft.com/office/drawing/2014/main" id="{62C7B320-6F56-1CC1-0B48-31FA0B3E0C83}"/>
+              </a:ext>
+            </a:extLst>
+          </p:cNvPr>
+          <p:cNvCxnSpPr>
+            <a:cxnSpLocks/>
+            <a:stCxn id="34" idx="3"/>
+            <a:endCxn id="39" idx="1"/>
+          </p:cNvCxnSpPr>
+          <p:nvPr/>
+        </p:nvCxnSpPr>
+        <p:spPr>
+          <a:xfrm flipV="1">
+            <a:off x="6620085" y="1918930"/>
+            <a:ext cx="286210" cy="2040"/>
+          </a:xfrm>
+          <a:prstGeom prst="straightConnector1">
+            <a:avLst/>
+          </a:prstGeom>
+          <a:ln>
+            <a:tailEnd type="triangle"/>
+          </a:ln>
+        </p:spPr>
+        <p:style>
+          <a:lnRef idx="2">
+            <a:schemeClr val="accent3"/>
+          </a:lnRef>
+          <a:fillRef idx="0">
+            <a:schemeClr val="accent3"/>
+          </a:fillRef>
+          <a:effectRef idx="1">
+            <a:schemeClr val="accent3"/>
+          </a:effectRef>
+          <a:fontRef idx="minor">
+            <a:schemeClr val="tx1"/>
+          </a:fontRef>
+        </p:style>
+      </p:cxnSp>
+      <p:sp>
+        <p:nvSpPr>
+          <p:cNvPr id="48" name="Rectangle 47">
+            <a:extLst>
+              <a:ext uri="{FF2B5EF4-FFF2-40B4-BE49-F238E27FC236}">
+                <a16:creationId xmlns:a16="http://schemas.microsoft.com/office/drawing/2014/main" id="{A4F39929-A520-884E-1961-7670F59FB91C}"/>
+              </a:ext>
+            </a:extLst>
+          </p:cNvPr>
+          <p:cNvSpPr/>
+          <p:nvPr/>
+        </p:nvSpPr>
+        <p:spPr>
+          <a:xfrm>
+            <a:off x="9226965" y="1289585"/>
+            <a:ext cx="2332312" cy="1082858"/>
+          </a:xfrm>
+          <a:prstGeom prst="rect">
+            <a:avLst/>
+          </a:prstGeom>
+        </p:spPr>
+        <p:style>
+          <a:lnRef idx="2">
+            <a:schemeClr val="accent6">
+              <a:shade val="15000"/>
+            </a:schemeClr>
+          </a:lnRef>
+          <a:fillRef idx="1">
+            <a:schemeClr val="accent6"/>
+          </a:fillRef>
+          <a:effectRef idx="0">
+            <a:schemeClr val="accent6"/>
+          </a:effectRef>
+          <a:fontRef idx="minor">
+            <a:schemeClr val="lt1"/>
+          </a:fontRef>
+        </p:style>
+        <p:txBody>
+          <a:bodyPr rtlCol="0" anchor="ctr"/>
+          <a:lstStyle/>
+          <a:p>
+            <a:r>
+              <a:rPr lang="en-US" sz="1600" dirty="0">
+                <a:solidFill>
+                  <a:schemeClr val="tx1"/>
+                </a:solidFill>
+                <a:latin typeface="+mj-lt"/>
+                <a:cs typeface="Courier New" panose="02070309020205020404" pitchFamily="49" charset="0"/>
+              </a:rPr>
+              <a:t>RZRenderResourceProxy</a:t>
+            </a:r>
+          </a:p>
+          <a:p>
+            <a:r>
+              <a:rPr lang="en-US" sz="1000" dirty="0">
+                <a:solidFill>
+                  <a:schemeClr val="tx1"/>
+                </a:solidFill>
+                <a:latin typeface="+mj-lt"/>
+                <a:cs typeface="Courier New" panose="02070309020205020404" pitchFamily="49" charset="0"/>
+              </a:rPr>
+              <a:t>Minimal view to represent the </a:t>
+            </a:r>
+            <a:r>
+              <a:rPr lang="en-US" sz="1000" b="1" dirty="0" err="1">
+                <a:solidFill>
+                  <a:schemeClr val="tx1"/>
+                </a:solidFill>
+                <a:latin typeface="+mj-lt"/>
+                <a:cs typeface="Courier New" panose="02070309020205020404" pitchFamily="49" charset="0"/>
+              </a:rPr>
+              <a:t>IRZResource</a:t>
+            </a:r>
+            <a:br>
+              <a:rPr lang="en-US" sz="1000" b="1" dirty="0">
+                <a:solidFill>
+                  <a:schemeClr val="tx1"/>
+                </a:solidFill>
+                <a:latin typeface="+mj-lt"/>
+                <a:cs typeface="Courier New" panose="02070309020205020404" pitchFamily="49" charset="0"/>
+              </a:rPr>
+            </a:br>
+            <a:br>
+              <a:rPr lang="en-US" sz="1000" b="1" dirty="0">
+                <a:solidFill>
+                  <a:schemeClr val="tx1"/>
+                </a:solidFill>
+                <a:latin typeface="+mj-lt"/>
+                <a:cs typeface="Courier New" panose="02070309020205020404" pitchFamily="49" charset="0"/>
+              </a:rPr>
+            </a:br>
+            <a:r>
+              <a:rPr lang="en-US" sz="1000" b="1" dirty="0">
+                <a:solidFill>
+                  <a:schemeClr val="tx1"/>
+                </a:solidFill>
+                <a:highlight>
+                  <a:srgbClr val="FFFF00"/>
+                </a:highlight>
+                <a:latin typeface="+mj-lt"/>
+                <a:cs typeface="Courier New" panose="02070309020205020404" pitchFamily="49" charset="0"/>
+              </a:rPr>
+              <a:t>Will be used by the </a:t>
+            </a:r>
+            <a:r>
+              <a:rPr lang="en-US" sz="1000" b="1" dirty="0" err="1">
+                <a:solidFill>
+                  <a:schemeClr val="tx1"/>
+                </a:solidFill>
+                <a:highlight>
+                  <a:srgbClr val="FFFF00"/>
+                </a:highlight>
+                <a:latin typeface="+mj-lt"/>
+                <a:cs typeface="Courier New" panose="02070309020205020404" pitchFamily="49" charset="0"/>
+              </a:rPr>
+              <a:t>RZResourceManager</a:t>
+            </a:r>
+            <a:r>
+              <a:rPr lang="en-US" sz="1000" b="1" dirty="0">
+                <a:solidFill>
+                  <a:schemeClr val="tx1"/>
+                </a:solidFill>
+                <a:highlight>
+                  <a:srgbClr val="FFFF00"/>
+                </a:highlight>
+                <a:latin typeface="+mj-lt"/>
+                <a:cs typeface="Courier New" panose="02070309020205020404" pitchFamily="49" charset="0"/>
+              </a:rPr>
+              <a:t> to create a </a:t>
+            </a:r>
+            <a:r>
+              <a:rPr lang="en-US" sz="1000" b="1" dirty="0" err="1">
+                <a:solidFill>
+                  <a:schemeClr val="tx1"/>
+                </a:solidFill>
+                <a:highlight>
+                  <a:srgbClr val="FFFF00"/>
+                </a:highlight>
+                <a:latin typeface="+mj-lt"/>
+                <a:cs typeface="Courier New" panose="02070309020205020404" pitchFamily="49" charset="0"/>
+              </a:rPr>
+              <a:t>IRZResource</a:t>
+            </a:r>
+            <a:r>
+              <a:rPr lang="en-US" sz="1000" b="1" dirty="0">
+                <a:solidFill>
+                  <a:schemeClr val="tx1"/>
+                </a:solidFill>
+                <a:highlight>
+                  <a:srgbClr val="FFFF00"/>
+                </a:highlight>
+                <a:latin typeface="+mj-lt"/>
+                <a:cs typeface="Courier New" panose="02070309020205020404" pitchFamily="49" charset="0"/>
+              </a:rPr>
+              <a:t> ref for this</a:t>
+            </a:r>
+            <a:endParaRPr lang="en-IN" sz="1000" b="1" dirty="0">
+              <a:highlight>
+                <a:srgbClr val="FFFF00"/>
+              </a:highlight>
+              <a:latin typeface="+mj-lt"/>
+            </a:endParaRPr>
+          </a:p>
+        </p:txBody>
+      </p:sp>
+      <p:cxnSp>
+        <p:nvCxnSpPr>
+          <p:cNvPr id="49" name="Connector: Elbow 24">
+            <a:extLst>
+              <a:ext uri="{FF2B5EF4-FFF2-40B4-BE49-F238E27FC236}">
+                <a16:creationId xmlns:a16="http://schemas.microsoft.com/office/drawing/2014/main" id="{128D5172-087C-BB44-369F-33F4C2F652CC}"/>
+              </a:ext>
+            </a:extLst>
+          </p:cNvPr>
+          <p:cNvCxnSpPr>
+            <a:cxnSpLocks/>
+            <a:stCxn id="39" idx="3"/>
+            <a:endCxn id="48" idx="1"/>
+          </p:cNvCxnSpPr>
+          <p:nvPr/>
+        </p:nvCxnSpPr>
+        <p:spPr>
+          <a:xfrm flipV="1">
+            <a:off x="8779578" y="1831014"/>
+            <a:ext cx="447387" cy="87916"/>
+          </a:xfrm>
+          <a:prstGeom prst="bentConnector3">
+            <a:avLst>
+              <a:gd name="adj1" fmla="val 50000"/>
+            </a:avLst>
+          </a:prstGeom>
+          <a:ln>
+            <a:tailEnd type="triangle"/>
+          </a:ln>
+        </p:spPr>
+        <p:style>
+          <a:lnRef idx="2">
+            <a:schemeClr val="accent3"/>
+          </a:lnRef>
+          <a:fillRef idx="0">
+            <a:schemeClr val="accent3"/>
+          </a:fillRef>
+          <a:effectRef idx="1">
+            <a:schemeClr val="accent3"/>
+          </a:effectRef>
+          <a:fontRef idx="minor">
+            <a:schemeClr val="tx1"/>
+          </a:fontRef>
+        </p:style>
+      </p:cxnSp>
+      <p:cxnSp>
+        <p:nvCxnSpPr>
+          <p:cNvPr id="12" name="Connector: Elbow 11">
+            <a:extLst>
+              <a:ext uri="{FF2B5EF4-FFF2-40B4-BE49-F238E27FC236}">
+                <a16:creationId xmlns:a16="http://schemas.microsoft.com/office/drawing/2014/main" id="{6DF3BE5D-372F-2AB0-9259-16FCAD850574}"/>
+              </a:ext>
+            </a:extLst>
+          </p:cNvPr>
+          <p:cNvCxnSpPr>
+            <a:cxnSpLocks/>
+            <a:stCxn id="10" idx="2"/>
+            <a:endCxn id="11" idx="0"/>
+          </p:cNvCxnSpPr>
+          <p:nvPr/>
+        </p:nvCxnSpPr>
+        <p:spPr>
+          <a:xfrm rot="5400000">
+            <a:off x="1169102" y="2898280"/>
+            <a:ext cx="570300" cy="1"/>
+          </a:xfrm>
+          <a:prstGeom prst="bentConnector3">
+            <a:avLst>
+              <a:gd name="adj1" fmla="val 50000"/>
+            </a:avLst>
+          </a:prstGeom>
+          <a:ln>
+            <a:tailEnd type="triangle"/>
+          </a:ln>
+        </p:spPr>
+        <p:style>
+          <a:lnRef idx="2">
+            <a:schemeClr val="accent3"/>
+          </a:lnRef>
+          <a:fillRef idx="0">
+            <a:schemeClr val="accent3"/>
+          </a:fillRef>
+          <a:effectRef idx="1">
+            <a:schemeClr val="accent3"/>
+          </a:effectRef>
+          <a:fontRef idx="minor">
+            <a:schemeClr val="tx1"/>
+          </a:fontRef>
+        </p:style>
+      </p:cxnSp>
+      <p:sp>
+        <p:nvSpPr>
+          <p:cNvPr id="62" name="Thought Bubble: Cloud 61">
+            <a:extLst>
+              <a:ext uri="{FF2B5EF4-FFF2-40B4-BE49-F238E27FC236}">
+                <a16:creationId xmlns:a16="http://schemas.microsoft.com/office/drawing/2014/main" id="{B088971C-52CD-9DF5-EA07-105719A509BA}"/>
+              </a:ext>
+            </a:extLst>
+          </p:cNvPr>
+          <p:cNvSpPr/>
+          <p:nvPr/>
+        </p:nvSpPr>
+        <p:spPr>
+          <a:xfrm>
+            <a:off x="5431477" y="3860755"/>
+            <a:ext cx="1959397" cy="1509123"/>
+          </a:xfrm>
+          <a:prstGeom prst="cloudCallout">
+            <a:avLst>
+              <a:gd name="adj1" fmla="val -33707"/>
+              <a:gd name="adj2" fmla="val 65425"/>
+            </a:avLst>
+          </a:prstGeom>
+        </p:spPr>
+        <p:style>
+          <a:lnRef idx="1">
+            <a:schemeClr val="dk1"/>
+          </a:lnRef>
+          <a:fillRef idx="2">
+            <a:schemeClr val="dk1"/>
+          </a:fillRef>
+          <a:effectRef idx="1">
+            <a:schemeClr val="dk1"/>
+          </a:effectRef>
+          <a:fontRef idx="minor">
+            <a:schemeClr val="dk1"/>
+          </a:fontRef>
+        </p:style>
+        <p:txBody>
+          <a:bodyPr rtlCol="0" anchor="ctr"/>
+          <a:lstStyle/>
+          <a:p>
+            <a:pPr algn="ctr"/>
+            <a:r>
+              <a:rPr lang="en-US" sz="1400" dirty="0">
+                <a:highlight>
+                  <a:srgbClr val="FFFF00"/>
+                </a:highlight>
+              </a:rPr>
+              <a:t>ECS and RZAssetBase? </a:t>
+            </a:r>
+          </a:p>
+          <a:p>
+            <a:pPr algn="ctr"/>
+            <a:r>
+              <a:rPr lang="en-US" sz="1400" dirty="0">
+                <a:highlight>
+                  <a:srgbClr val="FFFF00"/>
+                </a:highlight>
+              </a:rPr>
+              <a:t>Unify or not?</a:t>
+            </a:r>
+            <a:br>
+              <a:rPr lang="en-US" sz="1400" dirty="0">
+                <a:highlight>
+                  <a:srgbClr val="FFFF00"/>
+                </a:highlight>
+              </a:rPr>
+            </a:br>
+            <a:r>
+              <a:rPr lang="en-US" sz="1400" dirty="0">
+                <a:highlight>
+                  <a:srgbClr val="FFFF00"/>
+                </a:highlight>
+              </a:rPr>
+              <a:t>If so, how to represent?</a:t>
+            </a:r>
+            <a:endParaRPr lang="en-IN" sz="1400" dirty="0">
+              <a:highlight>
+                <a:srgbClr val="FFFF00"/>
+              </a:highlight>
+            </a:endParaRPr>
+          </a:p>
+        </p:txBody>
+      </p:sp>
+      <p:sp>
+        <p:nvSpPr>
+          <p:cNvPr id="63" name="TextBox 62">
+            <a:extLst>
+              <a:ext uri="{FF2B5EF4-FFF2-40B4-BE49-F238E27FC236}">
+                <a16:creationId xmlns:a16="http://schemas.microsoft.com/office/drawing/2014/main" id="{558CFDBF-8930-D0EE-5247-C8440E90A6EF}"/>
+              </a:ext>
+            </a:extLst>
+          </p:cNvPr>
+          <p:cNvSpPr txBox="1"/>
+          <p:nvPr/>
+        </p:nvSpPr>
+        <p:spPr>
+          <a:xfrm>
+            <a:off x="6815139" y="5003267"/>
+            <a:ext cx="2221123" cy="707886"/>
+          </a:xfrm>
+          <a:prstGeom prst="rect">
+            <a:avLst/>
+          </a:prstGeom>
+        </p:spPr>
+        <p:style>
+          <a:lnRef idx="1">
+            <a:schemeClr val="accent3"/>
+          </a:lnRef>
+          <a:fillRef idx="2">
+            <a:schemeClr val="accent3"/>
+          </a:fillRef>
+          <a:effectRef idx="1">
+            <a:schemeClr val="accent3"/>
+          </a:effectRef>
+          <a:fontRef idx="minor">
+            <a:schemeClr val="dk1"/>
+          </a:fontRef>
+        </p:style>
+        <p:txBody>
+          <a:bodyPr wrap="square" rtlCol="0">
+            <a:spAutoFit/>
+          </a:bodyPr>
+          <a:lstStyle/>
+          <a:p>
+            <a:r>
+              <a:rPr lang="en-US" sz="1000" dirty="0"/>
+              <a:t>At early prototype stage until we figure out how to unify them, we can just use the DB as memory backend for the ECS and still keep them decoupled.</a:t>
+            </a:r>
+            <a:endParaRPr lang="en-IN" sz="1000" dirty="0"/>
+          </a:p>
+        </p:txBody>
+      </p:sp>
+      <p:sp>
+        <p:nvSpPr>
+          <p:cNvPr id="1034" name="TextBox 1033">
+            <a:extLst>
+              <a:ext uri="{FF2B5EF4-FFF2-40B4-BE49-F238E27FC236}">
+                <a16:creationId xmlns:a16="http://schemas.microsoft.com/office/drawing/2014/main" id="{83B94623-06B9-6BD5-E895-24636D9C5655}"/>
+              </a:ext>
+            </a:extLst>
+          </p:cNvPr>
+          <p:cNvSpPr txBox="1"/>
+          <p:nvPr/>
+        </p:nvSpPr>
+        <p:spPr>
+          <a:xfrm>
+            <a:off x="9226965" y="3140141"/>
+            <a:ext cx="2332308" cy="461665"/>
+          </a:xfrm>
+          <a:prstGeom prst="rect">
+            <a:avLst/>
+          </a:prstGeom>
+        </p:spPr>
+        <p:style>
+          <a:lnRef idx="0">
+            <a:schemeClr val="accent6"/>
+          </a:lnRef>
+          <a:fillRef idx="3">
+            <a:schemeClr val="accent6"/>
+          </a:fillRef>
+          <a:effectRef idx="3">
+            <a:schemeClr val="accent6"/>
+          </a:effectRef>
+          <a:fontRef idx="minor">
+            <a:schemeClr val="lt1"/>
+          </a:fontRef>
+        </p:style>
+        <p:txBody>
+          <a:bodyPr wrap="square">
+            <a:spAutoFit/>
+          </a:bodyPr>
+          <a:lstStyle/>
+          <a:p>
+            <a:r>
+              <a:rPr lang="en-US" sz="1200" b="1" dirty="0">
+                <a:solidFill>
+                  <a:schemeClr val="tx1"/>
+                </a:solidFill>
+                <a:latin typeface="+mj-lt"/>
+                <a:cs typeface="Courier New" panose="02070309020205020404" pitchFamily="49" charset="0"/>
+              </a:rPr>
+              <a:t>A resource is a Gfx run-time view of an asset.</a:t>
+            </a:r>
+            <a:endParaRPr lang="en-IN" sz="1200" dirty="0"/>
+          </a:p>
+        </p:txBody>
+      </p:sp>
+      <p:sp>
+        <p:nvSpPr>
+          <p:cNvPr id="1035" name="TextBox 1034">
+            <a:extLst>
+              <a:ext uri="{FF2B5EF4-FFF2-40B4-BE49-F238E27FC236}">
+                <a16:creationId xmlns:a16="http://schemas.microsoft.com/office/drawing/2014/main" id="{31925BF6-1B87-ADBB-6986-CC6B5DBE1D4E}"/>
+              </a:ext>
+            </a:extLst>
+          </p:cNvPr>
+          <p:cNvSpPr txBox="1"/>
+          <p:nvPr/>
+        </p:nvSpPr>
+        <p:spPr>
+          <a:xfrm>
+            <a:off x="9226965" y="3724090"/>
+            <a:ext cx="2509870" cy="1261884"/>
+          </a:xfrm>
+          <a:prstGeom prst="rect">
+            <a:avLst/>
+          </a:prstGeom>
+        </p:spPr>
+        <p:style>
+          <a:lnRef idx="0">
+            <a:schemeClr val="accent2"/>
+          </a:lnRef>
+          <a:fillRef idx="3">
+            <a:schemeClr val="accent2"/>
+          </a:fillRef>
+          <a:effectRef idx="3">
+            <a:schemeClr val="accent2"/>
+          </a:effectRef>
+          <a:fontRef idx="minor">
+            <a:schemeClr val="lt1"/>
+          </a:fontRef>
+        </p:style>
+        <p:txBody>
+          <a:bodyPr wrap="square" rtlCol="0">
+            <a:spAutoFit/>
+          </a:bodyPr>
+          <a:lstStyle/>
+          <a:p>
+            <a:r>
+              <a:rPr lang="en-US" sz="1600" b="1" dirty="0">
+                <a:solidFill>
+                  <a:schemeClr val="tx1"/>
+                </a:solidFill>
+              </a:rPr>
+              <a:t>Future Expansion:</a:t>
+            </a:r>
+            <a:br>
+              <a:rPr lang="en-US" sz="1600" dirty="0">
+                <a:solidFill>
+                  <a:schemeClr val="tx1"/>
+                </a:solidFill>
+              </a:rPr>
+            </a:br>
+            <a:r>
+              <a:rPr lang="en-US" sz="1200" dirty="0">
+                <a:solidFill>
+                  <a:schemeClr val="tx1"/>
+                </a:solidFill>
+              </a:rPr>
+              <a:t>For streaming we can have the </a:t>
+            </a:r>
+            <a:r>
+              <a:rPr lang="en-US" sz="1200" dirty="0" err="1">
+                <a:solidFill>
+                  <a:schemeClr val="tx1"/>
+                </a:solidFill>
+              </a:rPr>
+              <a:t>AssetDB</a:t>
+            </a:r>
+            <a:r>
+              <a:rPr lang="en-US" sz="1200" dirty="0">
+                <a:solidFill>
+                  <a:schemeClr val="tx1"/>
+                </a:solidFill>
+              </a:rPr>
+              <a:t> class manage it and for the GPU to use it, we can have Multiple </a:t>
+            </a:r>
+            <a:r>
+              <a:rPr lang="en-US" sz="1200" dirty="0" err="1">
+                <a:solidFill>
+                  <a:schemeClr val="tx1"/>
+                </a:solidFill>
+              </a:rPr>
+              <a:t>ProxyViews</a:t>
+            </a:r>
+            <a:r>
+              <a:rPr lang="en-US" sz="1200" dirty="0">
+                <a:solidFill>
+                  <a:schemeClr val="tx1"/>
+                </a:solidFill>
+              </a:rPr>
+              <a:t> to view only part of the resources/asset such as for </a:t>
+            </a:r>
+            <a:r>
+              <a:rPr lang="en-US" sz="1200" dirty="0" err="1">
+                <a:solidFill>
+                  <a:schemeClr val="tx1"/>
+                </a:solidFill>
+              </a:rPr>
+              <a:t>mips</a:t>
+            </a:r>
+            <a:r>
+              <a:rPr lang="en-US" sz="1200" dirty="0">
+                <a:solidFill>
+                  <a:schemeClr val="tx1"/>
+                </a:solidFill>
+              </a:rPr>
+              <a:t> etc.</a:t>
+            </a:r>
+            <a:endParaRPr lang="en-IN" sz="1200" dirty="0">
+              <a:solidFill>
+                <a:schemeClr val="tx1"/>
+              </a:solidFill>
+            </a:endParaRPr>
+          </a:p>
+        </p:txBody>
+      </p:sp>
+    </p:spTree>
+    <p:extLst>
+      <p:ext uri="{BB962C8B-B14F-4D97-AF65-F5344CB8AC3E}">
+        <p14:creationId xmlns:p14="http://schemas.microsoft.com/office/powerpoint/2010/main" val="643420428"/>
+      </p:ext>
+    </p:extLst>
+  </p:cSld>
+  <p:clrMapOvr>
+    <a:masterClrMapping/>
+  </p:clrMapOvr>
+</p:sld>
+</file>
+
+<file path=ppt/slides/slide8.xml><?xml version="1.0" encoding="utf-8"?>
 <p:sld xmlns:a="http://schemas.openxmlformats.org/drawingml/2006/main" xmlns:r="http://schemas.openxmlformats.org/officeDocument/2006/relationships" xmlns:p="http://schemas.openxmlformats.org/presentationml/2006/main">
   <p:cSld>
     <p:spTree>
@@ -10832,7 +12825,7 @@
 </p:sld>
 </file>
 
-<file path=ppt/slides/slide8.xml><?xml version="1.0" encoding="utf-8"?>
+<file path=ppt/slides/slide9.xml><?xml version="1.0" encoding="utf-8"?>
 <p:sld xmlns:a="http://schemas.openxmlformats.org/drawingml/2006/main" xmlns:r="http://schemas.openxmlformats.org/officeDocument/2006/relationships" xmlns:p="http://schemas.openxmlformats.org/presentationml/2006/main">
   <p:cSld>
     <p:spTree>
@@ -11387,131 +13380,6 @@
     <p:extLst>
       <p:ext uri="{BB962C8B-B14F-4D97-AF65-F5344CB8AC3E}">
         <p14:creationId xmlns:p14="http://schemas.microsoft.com/office/powerpoint/2010/main" val="2919963422"/>
-      </p:ext>
-    </p:extLst>
-  </p:cSld>
-  <p:clrMapOvr>
-    <a:masterClrMapping/>
-  </p:clrMapOvr>
-</p:sld>
-</file>
-
-<file path=ppt/slides/slide9.xml><?xml version="1.0" encoding="utf-8"?>
-<p:sld xmlns:a="http://schemas.openxmlformats.org/drawingml/2006/main" xmlns:r="http://schemas.openxmlformats.org/officeDocument/2006/relationships" xmlns:p="http://schemas.openxmlformats.org/presentationml/2006/main">
-  <p:cSld>
-    <p:spTree>
-      <p:nvGrpSpPr>
-        <p:cNvPr id="1" name=""/>
-        <p:cNvGrpSpPr/>
-        <p:nvPr/>
-      </p:nvGrpSpPr>
-      <p:grpSpPr>
-        <a:xfrm>
-          <a:off x="0" y="0"/>
-          <a:ext cx="0" cy="0"/>
-          <a:chOff x="0" y="0"/>
-          <a:chExt cx="0" cy="0"/>
-        </a:xfrm>
-      </p:grpSpPr>
-      <p:sp>
-        <p:nvSpPr>
-          <p:cNvPr id="2" name="Title 1">
-            <a:extLst>
-              <a:ext uri="{FF2B5EF4-FFF2-40B4-BE49-F238E27FC236}">
-                <a16:creationId xmlns:a16="http://schemas.microsoft.com/office/drawing/2014/main" id="{EA8547A1-DC4B-FAD6-56C5-C766B24032CC}"/>
-              </a:ext>
-            </a:extLst>
-          </p:cNvPr>
-          <p:cNvSpPr>
-            <a:spLocks noGrp="1"/>
-          </p:cNvSpPr>
-          <p:nvPr>
-            <p:ph type="title"/>
-          </p:nvPr>
-        </p:nvSpPr>
-        <p:spPr/>
-        <p:txBody>
-          <a:bodyPr/>
-          <a:lstStyle/>
-          <a:p>
-            <a:r>
-              <a:rPr lang="en-US" dirty="0"/>
-              <a:t>Visibility Buffer</a:t>
-            </a:r>
-            <a:endParaRPr lang="en-IN" dirty="0"/>
-          </a:p>
-        </p:txBody>
-      </p:sp>
-      <p:pic>
-        <p:nvPicPr>
-          <p:cNvPr id="7" name="Picture 6">
-            <a:extLst>
-              <a:ext uri="{FF2B5EF4-FFF2-40B4-BE49-F238E27FC236}">
-                <a16:creationId xmlns:a16="http://schemas.microsoft.com/office/drawing/2014/main" id="{A68B85AC-AEC4-7D84-4CD9-0484613CB7BD}"/>
-              </a:ext>
-            </a:extLst>
-          </p:cNvPr>
-          <p:cNvPicPr>
-            <a:picLocks noChangeAspect="1"/>
-          </p:cNvPicPr>
-          <p:nvPr/>
-        </p:nvPicPr>
-        <p:blipFill>
-          <a:blip r:embed="rId2">
-            <a:extLst>
-              <a:ext uri="{28A0092B-C50C-407E-A947-70E740481C1C}">
-                <a14:useLocalDpi xmlns:a14="http://schemas.microsoft.com/office/drawing/2010/main" val="0"/>
-              </a:ext>
-            </a:extLst>
-          </a:blip>
-          <a:stretch>
-            <a:fillRect/>
-          </a:stretch>
-        </p:blipFill>
-        <p:spPr>
-          <a:xfrm>
-            <a:off x="474306" y="1438432"/>
-            <a:ext cx="9931280" cy="4711159"/>
-          </a:xfrm>
-          <a:prstGeom prst="snip2DiagRect">
-            <a:avLst/>
-          </a:prstGeom>
-          <a:solidFill>
-            <a:srgbClr val="FFFFFF">
-              <a:shade val="85000"/>
-            </a:srgbClr>
-          </a:solidFill>
-          <a:ln w="88900" cap="sq">
-            <a:solidFill>
-              <a:srgbClr val="FFFFFF"/>
-            </a:solidFill>
-            <a:miter lim="800000"/>
-          </a:ln>
-          <a:effectLst>
-            <a:outerShdw blurRad="88900" algn="tl" rotWithShape="0">
-              <a:srgbClr val="000000">
-                <a:alpha val="45000"/>
-              </a:srgbClr>
-            </a:outerShdw>
-          </a:effectLst>
-          <a:scene3d>
-            <a:camera prst="orthographicFront"/>
-            <a:lightRig rig="twoPt" dir="t">
-              <a:rot lat="0" lon="0" rev="7200000"/>
-            </a:lightRig>
-          </a:scene3d>
-          <a:sp3d>
-            <a:bevelT w="25400" h="19050"/>
-            <a:contourClr>
-              <a:srgbClr val="FFFFFF"/>
-            </a:contourClr>
-          </a:sp3d>
-        </p:spPr>
-      </p:pic>
-    </p:spTree>
-    <p:extLst>
-      <p:ext uri="{BB962C8B-B14F-4D97-AF65-F5344CB8AC3E}">
-        <p14:creationId xmlns:p14="http://schemas.microsoft.com/office/powerpoint/2010/main" val="1500864763"/>
       </p:ext>
     </p:extLst>
   </p:cSld>

--- a/Docs/Features overview.pptx
+++ b/Docs/Features overview.pptx
@@ -5,7 +5,7 @@
     <p:sldMasterId id="2147483648" r:id="rId1"/>
   </p:sldMasterIdLst>
   <p:notesMasterIdLst>
-    <p:notesMasterId r:id="rId16"/>
+    <p:notesMasterId r:id="rId17"/>
   </p:notesMasterIdLst>
   <p:sldIdLst>
     <p:sldId id="257" r:id="rId2"/>
@@ -14,14 +14,15 @@
     <p:sldId id="260" r:id="rId5"/>
     <p:sldId id="261" r:id="rId6"/>
     <p:sldId id="265" r:id="rId7"/>
-    <p:sldId id="271" r:id="rId8"/>
-    <p:sldId id="266" r:id="rId9"/>
-    <p:sldId id="267" r:id="rId10"/>
-    <p:sldId id="269" r:id="rId11"/>
-    <p:sldId id="270" r:id="rId12"/>
-    <p:sldId id="264" r:id="rId13"/>
-    <p:sldId id="263" r:id="rId14"/>
-    <p:sldId id="268" r:id="rId15"/>
+    <p:sldId id="272" r:id="rId8"/>
+    <p:sldId id="271" r:id="rId9"/>
+    <p:sldId id="266" r:id="rId10"/>
+    <p:sldId id="267" r:id="rId11"/>
+    <p:sldId id="269" r:id="rId12"/>
+    <p:sldId id="270" r:id="rId13"/>
+    <p:sldId id="264" r:id="rId14"/>
+    <p:sldId id="263" r:id="rId15"/>
+    <p:sldId id="268" r:id="rId16"/>
   </p:sldIdLst>
   <p:sldSz cx="12192000" cy="6858000"/>
   <p:notesSz cx="6858000" cy="9144000"/>
@@ -139,6 +140,7 @@
         <p14:section name="Architecture" id="{1E3DDF86-35A2-4C35-AE2F-3253D6142A16}">
           <p14:sldIdLst>
             <p14:sldId id="265"/>
+            <p14:sldId id="272"/>
             <p14:sldId id="271"/>
             <p14:sldId id="266"/>
             <p14:sldId id="267"/>
@@ -254,7 +256,7 @@
           <a:p>
             <a:fld id="{3F16BF55-C0A5-4A93-9892-A2EE55AC4C70}" type="datetimeFigureOut">
               <a:rPr lang="en-IN" smtClean="0"/>
-              <a:t>22-11-2024</a:t>
+              <a:t>30/11/24</a:t>
             </a:fld>
             <a:endParaRPr lang="en-IN"/>
           </a:p>
@@ -689,7 +691,7 @@
           <a:p>
             <a:fld id="{84B6F61C-9FA5-4C35-A1D3-00EE2C15A6C0}" type="datetimeFigureOut">
               <a:rPr lang="en-IN" smtClean="0"/>
-              <a:t>22-11-2024</a:t>
+              <a:t>30/11/24</a:t>
             </a:fld>
             <a:endParaRPr lang="en-IN"/>
           </a:p>
@@ -918,7 +920,7 @@
           <a:p>
             <a:fld id="{84B6F61C-9FA5-4C35-A1D3-00EE2C15A6C0}" type="datetimeFigureOut">
               <a:rPr lang="en-IN" smtClean="0"/>
-              <a:t>22-11-2024</a:t>
+              <a:t>30/11/24</a:t>
             </a:fld>
             <a:endParaRPr lang="en-IN"/>
           </a:p>
@@ -1142,7 +1144,7 @@
           <a:p>
             <a:fld id="{84B6F61C-9FA5-4C35-A1D3-00EE2C15A6C0}" type="datetimeFigureOut">
               <a:rPr lang="en-IN" smtClean="0"/>
-              <a:t>22-11-2024</a:t>
+              <a:t>30/11/24</a:t>
             </a:fld>
             <a:endParaRPr lang="en-IN"/>
           </a:p>
@@ -1412,7 +1414,7 @@
           <a:p>
             <a:fld id="{84B6F61C-9FA5-4C35-A1D3-00EE2C15A6C0}" type="datetimeFigureOut">
               <a:rPr lang="en-IN" smtClean="0"/>
-              <a:t>22-11-2024</a:t>
+              <a:t>30/11/24</a:t>
             </a:fld>
             <a:endParaRPr lang="en-IN" dirty="0"/>
           </a:p>
@@ -1799,7 +1801,7 @@
           <a:p>
             <a:fld id="{84B6F61C-9FA5-4C35-A1D3-00EE2C15A6C0}" type="datetimeFigureOut">
               <a:rPr lang="en-IN" smtClean="0"/>
-              <a:t>22-11-2024</a:t>
+              <a:t>30/11/24</a:t>
             </a:fld>
             <a:endParaRPr lang="en-IN"/>
           </a:p>
@@ -2166,7 +2168,7 @@
           <a:p>
             <a:fld id="{84B6F61C-9FA5-4C35-A1D3-00EE2C15A6C0}" type="datetimeFigureOut">
               <a:rPr lang="en-IN" smtClean="0"/>
-              <a:t>22-11-2024</a:t>
+              <a:t>30/11/24</a:t>
             </a:fld>
             <a:endParaRPr lang="en-IN"/>
           </a:p>
@@ -2595,7 +2597,7 @@
           <a:p>
             <a:fld id="{84B6F61C-9FA5-4C35-A1D3-00EE2C15A6C0}" type="datetimeFigureOut">
               <a:rPr lang="en-IN" smtClean="0"/>
-              <a:t>22-11-2024</a:t>
+              <a:t>30/11/24</a:t>
             </a:fld>
             <a:endParaRPr lang="en-IN" dirty="0"/>
           </a:p>
@@ -2759,7 +2761,7 @@
           <a:p>
             <a:fld id="{84B6F61C-9FA5-4C35-A1D3-00EE2C15A6C0}" type="datetimeFigureOut">
               <a:rPr lang="en-IN" smtClean="0"/>
-              <a:t>22-11-2024</a:t>
+              <a:t>30/11/24</a:t>
             </a:fld>
             <a:endParaRPr lang="en-IN"/>
           </a:p>
@@ -2891,7 +2893,7 @@
           <a:p>
             <a:fld id="{84B6F61C-9FA5-4C35-A1D3-00EE2C15A6C0}" type="datetimeFigureOut">
               <a:rPr lang="en-IN" smtClean="0"/>
-              <a:t>22-11-2024</a:t>
+              <a:t>30/11/24</a:t>
             </a:fld>
             <a:endParaRPr lang="en-IN"/>
           </a:p>
@@ -3223,7 +3225,7 @@
           <a:p>
             <a:fld id="{84B6F61C-9FA5-4C35-A1D3-00EE2C15A6C0}" type="datetimeFigureOut">
               <a:rPr lang="en-IN" smtClean="0"/>
-              <a:t>22-11-2024</a:t>
+              <a:t>30/11/24</a:t>
             </a:fld>
             <a:endParaRPr lang="en-IN"/>
           </a:p>
@@ -3526,7 +3528,7 @@
           <a:p>
             <a:fld id="{84B6F61C-9FA5-4C35-A1D3-00EE2C15A6C0}" type="datetimeFigureOut">
               <a:rPr lang="en-IN" smtClean="0"/>
-              <a:t>22-11-2024</a:t>
+              <a:t>30/11/24</a:t>
             </a:fld>
             <a:endParaRPr lang="en-IN"/>
           </a:p>
@@ -3778,7 +3780,7 @@
           <a:p>
             <a:fld id="{84B6F61C-9FA5-4C35-A1D3-00EE2C15A6C0}" type="datetimeFigureOut">
               <a:rPr lang="en-IN" smtClean="0"/>
-              <a:t>22-11-2024</a:t>
+              <a:t>30/11/24</a:t>
             </a:fld>
             <a:endParaRPr lang="en-IN"/>
           </a:p>
@@ -4398,6 +4400,570 @@
       </p:grpSpPr>
       <p:sp>
         <p:nvSpPr>
+          <p:cNvPr id="12" name="TextBox 11">
+            <a:extLst>
+              <a:ext uri="{FF2B5EF4-FFF2-40B4-BE49-F238E27FC236}">
+                <a16:creationId xmlns:a16="http://schemas.microsoft.com/office/drawing/2014/main" id="{44BF80BA-927D-163B-708A-1886227160E1}"/>
+              </a:ext>
+            </a:extLst>
+          </p:cNvPr>
+          <p:cNvSpPr txBox="1"/>
+          <p:nvPr/>
+        </p:nvSpPr>
+        <p:spPr>
+          <a:xfrm>
+            <a:off x="271108" y="1057471"/>
+            <a:ext cx="10274972" cy="861774"/>
+          </a:xfrm>
+          <a:prstGeom prst="rect">
+            <a:avLst/>
+          </a:prstGeom>
+          <a:noFill/>
+        </p:spPr>
+        <p:txBody>
+          <a:bodyPr wrap="square" rtlCol="0">
+            <a:spAutoFit/>
+          </a:bodyPr>
+          <a:lstStyle/>
+          <a:p>
+            <a:r>
+              <a:rPr lang="en-US" b="1" u="sng" dirty="0">
+                <a:solidFill>
+                  <a:schemeClr val="bg1"/>
+                </a:solidFill>
+              </a:rPr>
+              <a:t>Color Grading LUTs:</a:t>
+            </a:r>
+            <a:endParaRPr lang="en-US" dirty="0">
+              <a:solidFill>
+                <a:schemeClr val="bg1"/>
+              </a:solidFill>
+              <a:latin typeface="Calibri Light" panose="020F0302020204030204" pitchFamily="34" charset="0"/>
+              <a:ea typeface="Calibri Light" panose="020F0302020204030204" pitchFamily="34" charset="0"/>
+              <a:cs typeface="Calibri Light" panose="020F0302020204030204" pitchFamily="34" charset="0"/>
+            </a:endParaRPr>
+          </a:p>
+          <a:p>
+            <a:pPr marL="285750" indent="-285750">
+              <a:buFont typeface="Arial" panose="020B0604020202020204" pitchFamily="34" charset="0"/>
+              <a:buChar char="•"/>
+            </a:pPr>
+            <a:r>
+              <a:rPr lang="en-IN" sz="1600" dirty="0">
+                <a:solidFill>
+                  <a:schemeClr val="bg1"/>
+                </a:solidFill>
+                <a:latin typeface="Calibri Light" panose="020F0302020204030204" pitchFamily="34" charset="0"/>
+                <a:ea typeface="Calibri Light" panose="020F0302020204030204" pitchFamily="34" charset="0"/>
+                <a:cs typeface="Calibri Light" panose="020F0302020204030204" pitchFamily="34" charset="0"/>
+              </a:rPr>
+              <a:t>Engine has many tonemapping functions to convert b/w HDR and SDR.</a:t>
+            </a:r>
+          </a:p>
+          <a:p>
+            <a:pPr marL="285750" indent="-285750">
+              <a:buFont typeface="Arial" panose="020B0604020202020204" pitchFamily="34" charset="0"/>
+              <a:buChar char="•"/>
+            </a:pPr>
+            <a:r>
+              <a:rPr lang="en-IN" sz="1600" dirty="0">
+                <a:solidFill>
+                  <a:schemeClr val="bg1"/>
+                </a:solidFill>
+                <a:latin typeface="Calibri Light" panose="020F0302020204030204" pitchFamily="34" charset="0"/>
+                <a:ea typeface="Calibri Light" panose="020F0302020204030204" pitchFamily="34" charset="0"/>
+                <a:cs typeface="Calibri Light" panose="020F0302020204030204" pitchFamily="34" charset="0"/>
+              </a:rPr>
+              <a:t>For </a:t>
+            </a:r>
+            <a:r>
+              <a:rPr lang="en-IN" sz="1600" b="1" dirty="0">
+                <a:solidFill>
+                  <a:schemeClr val="bg1"/>
+                </a:solidFill>
+                <a:latin typeface="Calibri Light" panose="020F0302020204030204" pitchFamily="34" charset="0"/>
+                <a:ea typeface="Calibri Light" panose="020F0302020204030204" pitchFamily="34" charset="0"/>
+                <a:cs typeface="Calibri Light" panose="020F0302020204030204" pitchFamily="34" charset="0"/>
+              </a:rPr>
+              <a:t>HDR tonemapping we need to do it based on the display max brightness and the HDR color space being used.</a:t>
+            </a:r>
+          </a:p>
+        </p:txBody>
+      </p:sp>
+      <p:sp>
+        <p:nvSpPr>
+          <p:cNvPr id="4" name="Title 1">
+            <a:extLst>
+              <a:ext uri="{FF2B5EF4-FFF2-40B4-BE49-F238E27FC236}">
+                <a16:creationId xmlns:a16="http://schemas.microsoft.com/office/drawing/2014/main" id="{07A027EA-F35A-823E-C1E2-1D869D8517D4}"/>
+              </a:ext>
+            </a:extLst>
+          </p:cNvPr>
+          <p:cNvSpPr>
+            <a:spLocks noGrp="1"/>
+          </p:cNvSpPr>
+          <p:nvPr>
+            <p:ph type="title"/>
+          </p:nvPr>
+        </p:nvSpPr>
+        <p:spPr>
+          <a:xfrm>
+            <a:off x="474306" y="198393"/>
+            <a:ext cx="11351934" cy="520418"/>
+          </a:xfrm>
+          <a:noFill/>
+        </p:spPr>
+        <p:txBody>
+          <a:bodyPr/>
+          <a:lstStyle/>
+          <a:p>
+            <a:r>
+              <a:rPr lang="en-US" dirty="0">
+                <a:gradFill flip="none" rotWithShape="1">
+                  <a:gsLst>
+                    <a:gs pos="0">
+                      <a:srgbClr val="C00000"/>
+                    </a:gs>
+                    <a:gs pos="46000">
+                      <a:schemeClr val="accent6">
+                        <a:lumMod val="95000"/>
+                        <a:lumOff val="5000"/>
+                      </a:schemeClr>
+                    </a:gs>
+                    <a:gs pos="100000">
+                      <a:srgbClr val="00B0F0"/>
+                    </a:gs>
+                  </a:gsLst>
+                  <a:path path="circle">
+                    <a:fillToRect l="100000" t="100000"/>
+                  </a:path>
+                  <a:tileRect r="-100000" b="-100000"/>
+                </a:gradFill>
+              </a:rPr>
+              <a:t>Color Space, HDR, Tone mapping and LUT color grading…</a:t>
+            </a:r>
+            <a:endParaRPr lang="en-IN" dirty="0">
+              <a:gradFill flip="none" rotWithShape="1">
+                <a:gsLst>
+                  <a:gs pos="0">
+                    <a:srgbClr val="C00000"/>
+                  </a:gs>
+                  <a:gs pos="46000">
+                    <a:schemeClr val="accent6">
+                      <a:lumMod val="95000"/>
+                      <a:lumOff val="5000"/>
+                    </a:schemeClr>
+                  </a:gs>
+                  <a:gs pos="100000">
+                    <a:srgbClr val="00B0F0"/>
+                  </a:gs>
+                </a:gsLst>
+                <a:path path="circle">
+                  <a:fillToRect l="100000" t="100000"/>
+                </a:path>
+                <a:tileRect r="-100000" b="-100000"/>
+              </a:gradFill>
+            </a:endParaRPr>
+          </a:p>
+        </p:txBody>
+      </p:sp>
+      <p:pic>
+        <p:nvPicPr>
+          <p:cNvPr id="6" name="Picture 5">
+            <a:extLst>
+              <a:ext uri="{FF2B5EF4-FFF2-40B4-BE49-F238E27FC236}">
+                <a16:creationId xmlns:a16="http://schemas.microsoft.com/office/drawing/2014/main" id="{5C2B7755-7C4A-6B4D-2294-8F322D8E3F2A}"/>
+              </a:ext>
+            </a:extLst>
+          </p:cNvPr>
+          <p:cNvPicPr>
+            <a:picLocks noChangeAspect="1"/>
+          </p:cNvPicPr>
+          <p:nvPr/>
+        </p:nvPicPr>
+        <p:blipFill>
+          <a:blip r:embed="rId2">
+            <a:extLst>
+              <a:ext uri="{28A0092B-C50C-407E-A947-70E740481C1C}">
+                <a14:useLocalDpi xmlns:a14="http://schemas.microsoft.com/office/drawing/2010/main" val="0"/>
+              </a:ext>
+            </a:extLst>
+          </a:blip>
+          <a:stretch>
+            <a:fillRect/>
+          </a:stretch>
+        </p:blipFill>
+        <p:spPr>
+          <a:xfrm>
+            <a:off x="623350" y="2156317"/>
+            <a:ext cx="3250794" cy="203175"/>
+          </a:xfrm>
+          <a:prstGeom prst="rect">
+            <a:avLst/>
+          </a:prstGeom>
+        </p:spPr>
+      </p:pic>
+      <p:sp>
+        <p:nvSpPr>
+          <p:cNvPr id="7" name="TextBox 6">
+            <a:extLst>
+              <a:ext uri="{FF2B5EF4-FFF2-40B4-BE49-F238E27FC236}">
+                <a16:creationId xmlns:a16="http://schemas.microsoft.com/office/drawing/2014/main" id="{B2673922-557B-050E-C8D6-764A650E8745}"/>
+              </a:ext>
+            </a:extLst>
+          </p:cNvPr>
+          <p:cNvSpPr txBox="1"/>
+          <p:nvPr/>
+        </p:nvSpPr>
+        <p:spPr>
+          <a:xfrm>
+            <a:off x="562389" y="2526453"/>
+            <a:ext cx="4795317" cy="461665"/>
+          </a:xfrm>
+          <a:prstGeom prst="rect">
+            <a:avLst/>
+          </a:prstGeom>
+          <a:noFill/>
+        </p:spPr>
+        <p:txBody>
+          <a:bodyPr wrap="square" rtlCol="0">
+            <a:spAutoFit/>
+          </a:bodyPr>
+          <a:lstStyle/>
+          <a:p>
+            <a:r>
+              <a:rPr lang="en-IN" sz="1200" dirty="0">
+                <a:solidFill>
+                  <a:schemeClr val="bg1"/>
+                </a:solidFill>
+                <a:latin typeface="Calibri Light" panose="020F0302020204030204" pitchFamily="34" charset="0"/>
+                <a:ea typeface="Calibri Light" panose="020F0302020204030204" pitchFamily="34" charset="0"/>
+                <a:cs typeface="Calibri Light" panose="020F0302020204030204" pitchFamily="34" charset="0"/>
+              </a:rPr>
+              <a:t>Texture.Builtin.ColorGradingNeutralLUT16</a:t>
+            </a:r>
+          </a:p>
+          <a:p>
+            <a:pPr marL="171450" indent="-171450">
+              <a:buFont typeface="Arial" panose="020B0604020202020204" pitchFamily="34" charset="0"/>
+              <a:buChar char="•"/>
+            </a:pPr>
+            <a:r>
+              <a:rPr lang="en-IN" sz="1200" dirty="0">
+                <a:solidFill>
+                  <a:schemeClr val="bg1"/>
+                </a:solidFill>
+                <a:latin typeface="Calibri Light" panose="020F0302020204030204" pitchFamily="34" charset="0"/>
+                <a:ea typeface="Calibri Light" panose="020F0302020204030204" pitchFamily="34" charset="0"/>
+                <a:cs typeface="Calibri Light" panose="020F0302020204030204" pitchFamily="34" charset="0"/>
+              </a:rPr>
+              <a:t>Neutral looking color palette, use this to create your look.</a:t>
+            </a:r>
+          </a:p>
+        </p:txBody>
+      </p:sp>
+      <p:sp>
+        <p:nvSpPr>
+          <p:cNvPr id="8" name="Rectangle 7">
+            <a:extLst>
+              <a:ext uri="{FF2B5EF4-FFF2-40B4-BE49-F238E27FC236}">
+                <a16:creationId xmlns:a16="http://schemas.microsoft.com/office/drawing/2014/main" id="{B4015D95-1FB7-54F6-6882-0B288F69C9F7}"/>
+              </a:ext>
+            </a:extLst>
+          </p:cNvPr>
+          <p:cNvSpPr/>
+          <p:nvPr/>
+        </p:nvSpPr>
+        <p:spPr>
+          <a:xfrm>
+            <a:off x="3948939" y="3595326"/>
+            <a:ext cx="4294121" cy="461665"/>
+          </a:xfrm>
+          <a:prstGeom prst="rect">
+            <a:avLst/>
+          </a:prstGeom>
+          <a:solidFill>
+            <a:srgbClr val="FF5D78"/>
+          </a:solidFill>
+          <a:ln>
+            <a:solidFill>
+              <a:srgbClr val="C00000"/>
+            </a:solidFill>
+          </a:ln>
+        </p:spPr>
+        <p:style>
+          <a:lnRef idx="2">
+            <a:schemeClr val="accent1">
+              <a:shade val="15000"/>
+            </a:schemeClr>
+          </a:lnRef>
+          <a:fillRef idx="1">
+            <a:schemeClr val="accent1"/>
+          </a:fillRef>
+          <a:effectRef idx="0">
+            <a:schemeClr val="accent1"/>
+          </a:effectRef>
+          <a:fontRef idx="minor">
+            <a:schemeClr val="lt1"/>
+          </a:fontRef>
+        </p:style>
+        <p:txBody>
+          <a:bodyPr rtlCol="0" anchor="ctr"/>
+          <a:lstStyle/>
+          <a:p>
+            <a:pPr algn="ctr"/>
+            <a:r>
+              <a:rPr lang="en-US" sz="1200" dirty="0">
+                <a:solidFill>
+                  <a:schemeClr val="tx1"/>
+                </a:solidFill>
+                <a:latin typeface="+mj-lt"/>
+                <a:ea typeface="Calibri Light" panose="020F0302020204030204" pitchFamily="34" charset="0"/>
+                <a:cs typeface="Calibri Light" panose="020F0302020204030204" pitchFamily="34" charset="0"/>
+              </a:rPr>
+              <a:t>Razix has many more presets and supports loading your own LUT, use neutral LUTs  to configure as per your needs.</a:t>
+            </a:r>
+            <a:endParaRPr lang="en-IN" sz="1200" dirty="0">
+              <a:solidFill>
+                <a:schemeClr val="tx1"/>
+              </a:solidFill>
+              <a:latin typeface="+mj-lt"/>
+              <a:ea typeface="Calibri Light" panose="020F0302020204030204" pitchFamily="34" charset="0"/>
+              <a:cs typeface="Calibri Light" panose="020F0302020204030204" pitchFamily="34" charset="0"/>
+            </a:endParaRPr>
+          </a:p>
+        </p:txBody>
+      </p:sp>
+      <p:pic>
+        <p:nvPicPr>
+          <p:cNvPr id="10" name="Picture 9">
+            <a:extLst>
+              <a:ext uri="{FF2B5EF4-FFF2-40B4-BE49-F238E27FC236}">
+                <a16:creationId xmlns:a16="http://schemas.microsoft.com/office/drawing/2014/main" id="{B61B3C0E-3127-77DB-D480-CAAE458FD02C}"/>
+              </a:ext>
+            </a:extLst>
+          </p:cNvPr>
+          <p:cNvPicPr>
+            <a:picLocks noChangeAspect="1"/>
+          </p:cNvPicPr>
+          <p:nvPr/>
+        </p:nvPicPr>
+        <p:blipFill>
+          <a:blip r:embed="rId3">
+            <a:extLst>
+              <a:ext uri="{28A0092B-C50C-407E-A947-70E740481C1C}">
+                <a14:useLocalDpi xmlns:a14="http://schemas.microsoft.com/office/drawing/2010/main" val="0"/>
+              </a:ext>
+            </a:extLst>
+          </a:blip>
+          <a:stretch>
+            <a:fillRect/>
+          </a:stretch>
+        </p:blipFill>
+        <p:spPr>
+          <a:xfrm>
+            <a:off x="6096000" y="2156317"/>
+            <a:ext cx="3291428" cy="205714"/>
+          </a:xfrm>
+          <a:prstGeom prst="rect">
+            <a:avLst/>
+          </a:prstGeom>
+        </p:spPr>
+      </p:pic>
+      <p:sp>
+        <p:nvSpPr>
+          <p:cNvPr id="11" name="TextBox 10">
+            <a:extLst>
+              <a:ext uri="{FF2B5EF4-FFF2-40B4-BE49-F238E27FC236}">
+                <a16:creationId xmlns:a16="http://schemas.microsoft.com/office/drawing/2014/main" id="{89B42B05-EE57-40BB-4A43-7EF31F3CB18E}"/>
+              </a:ext>
+            </a:extLst>
+          </p:cNvPr>
+          <p:cNvSpPr txBox="1"/>
+          <p:nvPr/>
+        </p:nvSpPr>
+        <p:spPr>
+          <a:xfrm>
+            <a:off x="5977669" y="2526452"/>
+            <a:ext cx="5848571" cy="830997"/>
+          </a:xfrm>
+          <a:prstGeom prst="rect">
+            <a:avLst/>
+          </a:prstGeom>
+          <a:noFill/>
+        </p:spPr>
+        <p:txBody>
+          <a:bodyPr wrap="square" rtlCol="0">
+            <a:spAutoFit/>
+          </a:bodyPr>
+          <a:lstStyle/>
+          <a:p>
+            <a:r>
+              <a:rPr lang="en-IN" sz="1200" dirty="0">
+                <a:solidFill>
+                  <a:schemeClr val="bg1"/>
+                </a:solidFill>
+                <a:latin typeface="Calibri Light" panose="020F0302020204030204" pitchFamily="34" charset="0"/>
+                <a:ea typeface="Calibri Light" panose="020F0302020204030204" pitchFamily="34" charset="0"/>
+                <a:cs typeface="Calibri Light" panose="020F0302020204030204" pitchFamily="34" charset="0"/>
+              </a:rPr>
+              <a:t>Texture.Builtin.ColorGradingNeutralLUT16</a:t>
+            </a:r>
+          </a:p>
+          <a:p>
+            <a:pPr marL="171450" indent="-171450">
+              <a:buFont typeface="Arial" panose="020B0604020202020204" pitchFamily="34" charset="0"/>
+              <a:buChar char="•"/>
+            </a:pPr>
+            <a:r>
+              <a:rPr lang="en-IN" sz="1200" dirty="0">
+                <a:solidFill>
+                  <a:schemeClr val="bg1"/>
+                </a:solidFill>
+                <a:latin typeface="Calibri Light" panose="020F0302020204030204" pitchFamily="34" charset="0"/>
+                <a:ea typeface="Calibri Light" panose="020F0302020204030204" pitchFamily="34" charset="0"/>
+                <a:cs typeface="Calibri Light" panose="020F0302020204030204" pitchFamily="34" charset="0"/>
+              </a:rPr>
+              <a:t>Neutral looking color palette, use this to create your look.</a:t>
+            </a:r>
+          </a:p>
+          <a:p>
+            <a:pPr marL="171450" indent="-171450">
+              <a:buFont typeface="Arial" panose="020B0604020202020204" pitchFamily="34" charset="0"/>
+              <a:buChar char="•"/>
+            </a:pPr>
+            <a:r>
+              <a:rPr lang="en-IN" sz="1200" dirty="0">
+                <a:solidFill>
+                  <a:schemeClr val="bg1"/>
+                </a:solidFill>
+                <a:latin typeface="Calibri Light" panose="020F0302020204030204" pitchFamily="34" charset="0"/>
+                <a:ea typeface="Calibri Light" panose="020F0302020204030204" pitchFamily="34" charset="0"/>
+                <a:cs typeface="Calibri Light" panose="020F0302020204030204" pitchFamily="34" charset="0"/>
+              </a:rPr>
+              <a:t>Based on unreal Engine - </a:t>
+            </a:r>
+            <a:r>
+              <a:rPr lang="en-IN" sz="1200" dirty="0">
+                <a:solidFill>
+                  <a:schemeClr val="bg1"/>
+                </a:solidFill>
+                <a:latin typeface="Calibri Light" panose="020F0302020204030204" pitchFamily="34" charset="0"/>
+                <a:ea typeface="Calibri Light" panose="020F0302020204030204" pitchFamily="34" charset="0"/>
+                <a:cs typeface="Calibri Light" panose="020F0302020204030204" pitchFamily="34" charset="0"/>
+                <a:hlinkClick r:id="rId4"/>
+              </a:rPr>
+              <a:t>https://docs.unrealengine.com/4.27/en-US/RenderingAndGraphics/PostProcessEffects/ColorGrading/</a:t>
+            </a:r>
+            <a:endParaRPr lang="en-IN" sz="1200" dirty="0">
+              <a:solidFill>
+                <a:schemeClr val="bg1"/>
+              </a:solidFill>
+              <a:latin typeface="Calibri Light" panose="020F0302020204030204" pitchFamily="34" charset="0"/>
+              <a:ea typeface="Calibri Light" panose="020F0302020204030204" pitchFamily="34" charset="0"/>
+              <a:cs typeface="Calibri Light" panose="020F0302020204030204" pitchFamily="34" charset="0"/>
+            </a:endParaRPr>
+          </a:p>
+        </p:txBody>
+      </p:sp>
+      <p:sp>
+        <p:nvSpPr>
+          <p:cNvPr id="14" name="TextBox 13">
+            <a:extLst>
+              <a:ext uri="{FF2B5EF4-FFF2-40B4-BE49-F238E27FC236}">
+                <a16:creationId xmlns:a16="http://schemas.microsoft.com/office/drawing/2014/main" id="{73B6B01A-A9C4-5135-B9A4-B9B6DDF8AAFC}"/>
+              </a:ext>
+            </a:extLst>
+          </p:cNvPr>
+          <p:cNvSpPr txBox="1"/>
+          <p:nvPr/>
+        </p:nvSpPr>
+        <p:spPr>
+          <a:xfrm>
+            <a:off x="7321974" y="534145"/>
+            <a:ext cx="6096000" cy="369332"/>
+          </a:xfrm>
+          <a:prstGeom prst="rect">
+            <a:avLst/>
+          </a:prstGeom>
+          <a:noFill/>
+        </p:spPr>
+        <p:txBody>
+          <a:bodyPr wrap="square">
+            <a:spAutoFit/>
+          </a:bodyPr>
+          <a:lstStyle/>
+          <a:p>
+            <a:r>
+              <a:rPr lang="en-IN" dirty="0">
+                <a:solidFill>
+                  <a:schemeClr val="bg1"/>
+                </a:solidFill>
+                <a:hlinkClick r:id="rId5">
+                  <a:extLst>
+                    <a:ext uri="{A12FA001-AC4F-418D-AE19-62706E023703}">
+                      <ahyp:hlinkClr xmlns:ahyp="http://schemas.microsoft.com/office/drawing/2018/hyperlinkcolor" val="tx"/>
+                    </a:ext>
+                  </a:extLst>
+                </a:hlinkClick>
+              </a:rPr>
+              <a:t>[Source]:</a:t>
+            </a:r>
+            <a:r>
+              <a:rPr lang="en-IN" dirty="0">
+                <a:solidFill>
+                  <a:srgbClr val="0563C1"/>
+                </a:solidFill>
+                <a:hlinkClick r:id="rId5">
+                  <a:extLst>
+                    <a:ext uri="{A12FA001-AC4F-418D-AE19-62706E023703}">
+                      <ahyp:hlinkClr xmlns:ahyp="http://schemas.microsoft.com/office/drawing/2018/hyperlinkcolor" val="tx"/>
+                    </a:ext>
+                  </a:extLst>
+                </a:hlinkClick>
+              </a:rPr>
+              <a:t> https://defold.com/tutorials/grading/</a:t>
+            </a:r>
+            <a:endParaRPr lang="en-IN" dirty="0">
+              <a:solidFill>
+                <a:schemeClr val="bg1"/>
+              </a:solidFill>
+            </a:endParaRPr>
+          </a:p>
+        </p:txBody>
+      </p:sp>
+    </p:spTree>
+    <p:extLst>
+      <p:ext uri="{BB962C8B-B14F-4D97-AF65-F5344CB8AC3E}">
+        <p14:creationId xmlns:p14="http://schemas.microsoft.com/office/powerpoint/2010/main" val="2919963422"/>
+      </p:ext>
+    </p:extLst>
+  </p:cSld>
+  <p:clrMapOvr>
+    <a:masterClrMapping/>
+  </p:clrMapOvr>
+</p:sld>
+</file>
+
+<file path=ppt/slides/slide11.xml><?xml version="1.0" encoding="utf-8"?>
+<p:sld xmlns:a="http://schemas.openxmlformats.org/drawingml/2006/main" xmlns:r="http://schemas.openxmlformats.org/officeDocument/2006/relationships" xmlns:p="http://schemas.openxmlformats.org/presentationml/2006/main">
+  <p:cSld>
+    <p:spTree>
+      <p:nvGrpSpPr>
+        <p:cNvPr id="1" name=""/>
+        <p:cNvGrpSpPr/>
+        <p:nvPr/>
+      </p:nvGrpSpPr>
+      <p:grpSpPr>
+        <a:xfrm>
+          <a:off x="0" y="0"/>
+          <a:ext cx="0" cy="0"/>
+          <a:chOff x="0" y="0"/>
+          <a:chExt cx="0" cy="0"/>
+        </a:xfrm>
+      </p:grpSpPr>
+      <p:sp>
+        <p:nvSpPr>
           <p:cNvPr id="2" name="Title 1">
             <a:extLst>
               <a:ext uri="{FF2B5EF4-FFF2-40B4-BE49-F238E27FC236}">
@@ -4457,7 +5023,10 @@
             <a:ext cx="9931280" cy="4711159"/>
           </a:xfrm>
           <a:prstGeom prst="snip2DiagRect">
-            <a:avLst/>
+            <a:avLst>
+              <a:gd name="adj1" fmla="val 0"/>
+              <a:gd name="adj2" fmla="val 0"/>
+            </a:avLst>
           </a:prstGeom>
           <a:solidFill>
             <a:srgbClr val="FFFFFF">
@@ -4504,7 +5073,7 @@
 </p:sld>
 </file>
 
-<file path=ppt/slides/slide11.xml><?xml version="1.0" encoding="utf-8"?>
+<file path=ppt/slides/slide12.xml><?xml version="1.0" encoding="utf-8"?>
 <p:sld xmlns:a="http://schemas.openxmlformats.org/drawingml/2006/main" xmlns:r="http://schemas.openxmlformats.org/officeDocument/2006/relationships" xmlns:p="http://schemas.openxmlformats.org/presentationml/2006/main">
   <p:cSld>
     <p:spTree>
@@ -4563,7 +5132,7 @@
 </p:sld>
 </file>
 
-<file path=ppt/slides/slide12.xml><?xml version="1.0" encoding="utf-8"?>
+<file path=ppt/slides/slide13.xml><?xml version="1.0" encoding="utf-8"?>
 <p:sld xmlns:a="http://schemas.openxmlformats.org/drawingml/2006/main" xmlns:r="http://schemas.openxmlformats.org/officeDocument/2006/relationships" xmlns:p="http://schemas.openxmlformats.org/presentationml/2006/main">
   <p:cSld>
     <p:spTree>
@@ -5083,7 +5652,7 @@
 </p:sld>
 </file>
 
-<file path=ppt/slides/slide13.xml><?xml version="1.0" encoding="utf-8"?>
+<file path=ppt/slides/slide14.xml><?xml version="1.0" encoding="utf-8"?>
 <p:sld xmlns:a="http://schemas.openxmlformats.org/drawingml/2006/main" xmlns:r="http://schemas.openxmlformats.org/officeDocument/2006/relationships" xmlns:p="http://schemas.openxmlformats.org/presentationml/2006/main">
   <p:cSld>
     <p:spTree>
@@ -5664,7 +6233,7 @@
 </p:sld>
 </file>
 
-<file path=ppt/slides/slide14.xml><?xml version="1.0" encoding="utf-8"?>
+<file path=ppt/slides/slide15.xml><?xml version="1.0" encoding="utf-8"?>
 <p:sld xmlns:a="http://schemas.openxmlformats.org/drawingml/2006/main" xmlns:r="http://schemas.openxmlformats.org/officeDocument/2006/relationships" xmlns:p="http://schemas.openxmlformats.org/presentationml/2006/main">
   <p:cSld>
     <p:spTree>
@@ -10116,6 +10685,156 @@
       </p:grpSpPr>
       <p:sp>
         <p:nvSpPr>
+          <p:cNvPr id="2" name="Title 1">
+            <a:extLst>
+              <a:ext uri="{FF2B5EF4-FFF2-40B4-BE49-F238E27FC236}">
+                <a16:creationId xmlns:a16="http://schemas.microsoft.com/office/drawing/2014/main" id="{EFD8FFB3-B27C-2CE8-C940-637CEC1D75C0}"/>
+              </a:ext>
+            </a:extLst>
+          </p:cNvPr>
+          <p:cNvSpPr>
+            <a:spLocks noGrp="1"/>
+          </p:cNvSpPr>
+          <p:nvPr>
+            <p:ph type="title"/>
+          </p:nvPr>
+        </p:nvSpPr>
+        <p:spPr/>
+        <p:txBody>
+          <a:bodyPr/>
+          <a:lstStyle/>
+          <a:p>
+            <a:r>
+              <a:rPr lang="en-US" i="1" dirty="0"/>
+              <a:t>“Everything is an Asset” </a:t>
+            </a:r>
+            <a:r>
+              <a:rPr lang="en-US" dirty="0"/>
+              <a:t>: A new paradigm for data in a game engine</a:t>
+            </a:r>
+          </a:p>
+        </p:txBody>
+      </p:sp>
+      <p:sp>
+        <p:nvSpPr>
+          <p:cNvPr id="3" name="Content Placeholder 2">
+            <a:extLst>
+              <a:ext uri="{FF2B5EF4-FFF2-40B4-BE49-F238E27FC236}">
+                <a16:creationId xmlns:a16="http://schemas.microsoft.com/office/drawing/2014/main" id="{0E4B4E23-115F-96D1-3234-FF398A836032}"/>
+              </a:ext>
+            </a:extLst>
+          </p:cNvPr>
+          <p:cNvSpPr>
+            <a:spLocks noGrp="1"/>
+          </p:cNvSpPr>
+          <p:nvPr>
+            <p:ph idx="1"/>
+          </p:nvPr>
+        </p:nvSpPr>
+        <p:spPr/>
+        <p:txBody>
+          <a:bodyPr/>
+          <a:lstStyle/>
+          <a:p>
+            <a:r>
+              <a:rPr lang="en-US" dirty="0"/>
+              <a:t>“Everything is an asset”: Meshes, Transform, Tag, UUID, Material, anything and everything in the Game world is an asset</a:t>
+            </a:r>
+          </a:p>
+          <a:p>
+            <a:r>
+              <a:rPr lang="en-US" dirty="0"/>
+              <a:t>Everything in Serializable: Since everything is as Asset, storable to disk</a:t>
+            </a:r>
+          </a:p>
+          <a:p>
+            <a:r>
+              <a:rPr lang="en-US" dirty="0"/>
+              <a:t>Data-Driven is the central pillar</a:t>
+            </a:r>
+          </a:p>
+          <a:p>
+            <a:r>
+              <a:rPr lang="en-US" dirty="0"/>
+              <a:t>No ECS/</a:t>
+            </a:r>
+            <a:r>
+              <a:rPr lang="en-US" dirty="0" err="1"/>
+              <a:t>GameObjects</a:t>
+            </a:r>
+            <a:endParaRPr lang="en-US" dirty="0"/>
+          </a:p>
+          <a:p>
+            <a:r>
+              <a:rPr lang="en-US" dirty="0"/>
+              <a:t>Scene Graph stores Asset refs for parent-child relationship</a:t>
+            </a:r>
+          </a:p>
+          <a:p>
+            <a:r>
+              <a:rPr lang="en-US" dirty="0"/>
+              <a:t>Asset database stores and handles assets in </a:t>
+            </a:r>
+            <a:r>
+              <a:rPr lang="en-US" b="1" dirty="0"/>
+              <a:t>different pools</a:t>
+            </a:r>
+          </a:p>
+          <a:p>
+            <a:r>
+              <a:rPr lang="en-US" dirty="0"/>
+              <a:t>Lazy allocation and Proxy mechanism for resource translation</a:t>
+            </a:r>
+          </a:p>
+          <a:p>
+            <a:endParaRPr lang="en-US" dirty="0"/>
+          </a:p>
+          <a:p>
+            <a:endParaRPr lang="en-US" dirty="0"/>
+          </a:p>
+          <a:p>
+            <a:endParaRPr lang="en-US" dirty="0"/>
+          </a:p>
+          <a:p>
+            <a:pPr marL="0" indent="0">
+              <a:buNone/>
+            </a:pPr>
+            <a:endParaRPr lang="en-US" dirty="0"/>
+          </a:p>
+        </p:txBody>
+      </p:sp>
+    </p:spTree>
+    <p:extLst>
+      <p:ext uri="{BB962C8B-B14F-4D97-AF65-F5344CB8AC3E}">
+        <p14:creationId xmlns:p14="http://schemas.microsoft.com/office/powerpoint/2010/main" val="1301025073"/>
+      </p:ext>
+    </p:extLst>
+  </p:cSld>
+  <p:clrMapOvr>
+    <a:masterClrMapping/>
+  </p:clrMapOvr>
+</p:sld>
+</file>
+
+<file path=ppt/slides/slide8.xml><?xml version="1.0" encoding="utf-8"?>
+<p:sld xmlns:a="http://schemas.openxmlformats.org/drawingml/2006/main" xmlns:r="http://schemas.openxmlformats.org/officeDocument/2006/relationships" xmlns:p="http://schemas.openxmlformats.org/presentationml/2006/main">
+  <p:cSld>
+    <p:spTree>
+      <p:nvGrpSpPr>
+        <p:cNvPr id="1" name=""/>
+        <p:cNvGrpSpPr/>
+        <p:nvPr/>
+      </p:nvGrpSpPr>
+      <p:grpSpPr>
+        <a:xfrm>
+          <a:off x="0" y="0"/>
+          <a:ext cx="0" cy="0"/>
+          <a:chOff x="0" y="0"/>
+          <a:chExt cx="0" cy="0"/>
+        </a:xfrm>
+      </p:grpSpPr>
+      <p:sp>
+        <p:nvSpPr>
           <p:cNvPr id="58" name="Rectangle 57">
             <a:extLst>
               <a:ext uri="{FF2B5EF4-FFF2-40B4-BE49-F238E27FC236}">
@@ -10345,120 +11064,55 @@
           </a:p>
         </p:txBody>
       </p:sp>
-      <p:grpSp>
-        <p:nvGrpSpPr>
-          <p:cNvPr id="7" name="Group 6">
-            <a:extLst>
-              <a:ext uri="{FF2B5EF4-FFF2-40B4-BE49-F238E27FC236}">
-                <a16:creationId xmlns:a16="http://schemas.microsoft.com/office/drawing/2014/main" id="{2C823D52-7CF3-1716-55AC-B3678290099E}"/>
-              </a:ext>
-            </a:extLst>
-          </p:cNvPr>
-          <p:cNvGrpSpPr/>
+      <p:sp>
+        <p:nvSpPr>
+          <p:cNvPr id="6" name="Flowchart: Magnetic Disk 5">
+            <a:extLst>
+              <a:ext uri="{FF2B5EF4-FFF2-40B4-BE49-F238E27FC236}">
+                <a16:creationId xmlns:a16="http://schemas.microsoft.com/office/drawing/2014/main" id="{49382EEF-4E53-B254-12EB-8B0D635F2CA4}"/>
+              </a:ext>
+            </a:extLst>
+          </p:cNvPr>
+          <p:cNvSpPr/>
           <p:nvPr/>
-        </p:nvGrpSpPr>
-        <p:grpSpPr>
+        </p:nvSpPr>
+        <p:spPr>
           <a:xfrm>
             <a:off x="964849" y="5259377"/>
             <a:ext cx="794582" cy="1147729"/>
-            <a:chOff x="586478" y="3033286"/>
-            <a:chExt cx="794582" cy="1147729"/>
           </a:xfrm>
-        </p:grpSpPr>
-        <p:sp>
-          <p:nvSpPr>
-            <p:cNvPr id="6" name="Flowchart: Magnetic Disk 5">
-              <a:extLst>
-                <a:ext uri="{FF2B5EF4-FFF2-40B4-BE49-F238E27FC236}">
-                  <a16:creationId xmlns:a16="http://schemas.microsoft.com/office/drawing/2014/main" id="{49382EEF-4E53-B254-12EB-8B0D635F2CA4}"/>
-                </a:ext>
-              </a:extLst>
-            </p:cNvPr>
-            <p:cNvSpPr/>
-            <p:nvPr/>
-          </p:nvSpPr>
-          <p:spPr>
-            <a:xfrm>
-              <a:off x="586478" y="3033286"/>
-              <a:ext cx="794582" cy="1147729"/>
-            </a:xfrm>
-            <a:prstGeom prst="flowChartMagneticDisk">
-              <a:avLst/>
-            </a:prstGeom>
-          </p:spPr>
-          <p:style>
-            <a:lnRef idx="2">
-              <a:schemeClr val="accent4">
-                <a:shade val="15000"/>
-              </a:schemeClr>
-            </a:lnRef>
-            <a:fillRef idx="1">
-              <a:schemeClr val="accent4"/>
-            </a:fillRef>
-            <a:effectRef idx="0">
-              <a:schemeClr val="accent4"/>
-            </a:effectRef>
-            <a:fontRef idx="minor">
-              <a:schemeClr val="lt1"/>
-            </a:fontRef>
-          </p:style>
-          <p:txBody>
-            <a:bodyPr rtlCol="0" anchor="ctr"/>
-            <a:lstStyle/>
-            <a:p>
-              <a:pPr algn="ctr"/>
-              <a:endParaRPr lang="en-IN"/>
-            </a:p>
-          </p:txBody>
-        </p:sp>
-        <p:pic>
-          <p:nvPicPr>
-            <p:cNvPr id="1030" name="Picture 6" descr="Redis - Update logo [#3303487] | Drupal.org">
-              <a:extLst>
-                <a:ext uri="{FF2B5EF4-FFF2-40B4-BE49-F238E27FC236}">
-                  <a16:creationId xmlns:a16="http://schemas.microsoft.com/office/drawing/2014/main" id="{EAAEAC2D-F209-A667-E8A3-C2F374FEAB33}"/>
-                </a:ext>
-              </a:extLst>
-            </p:cNvPr>
-            <p:cNvPicPr>
-              <a:picLocks noChangeAspect="1" noChangeArrowheads="1"/>
-            </p:cNvPicPr>
-            <p:nvPr/>
-          </p:nvPicPr>
-          <p:blipFill>
-            <a:blip r:embed="rId2">
-              <a:extLst>
-                <a:ext uri="{28A0092B-C50C-407E-A947-70E740481C1C}">
-                  <a14:useLocalDpi xmlns:a14="http://schemas.microsoft.com/office/drawing/2010/main" val="0"/>
-                </a:ext>
-              </a:extLst>
-            </a:blip>
-            <a:srcRect/>
-            <a:stretch>
-              <a:fillRect/>
-            </a:stretch>
-          </p:blipFill>
-          <p:spPr bwMode="auto">
-            <a:xfrm>
-              <a:off x="586478" y="3428999"/>
-              <a:ext cx="794582" cy="752015"/>
-            </a:xfrm>
-            <a:prstGeom prst="rect">
-              <a:avLst/>
-            </a:prstGeom>
-            <a:noFill/>
-            <a:extLst>
-              <a:ext uri="{909E8E84-426E-40DD-AFC4-6F175D3DCCD1}">
-                <a14:hiddenFill xmlns:a14="http://schemas.microsoft.com/office/drawing/2010/main">
-                  <a:solidFill>
-                    <a:srgbClr val="FFFFFF"/>
-                  </a:solidFill>
-                </a14:hiddenFill>
-              </a:ext>
-            </a:extLst>
-          </p:spPr>
-        </p:pic>
-      </p:grpSp>
+          <a:prstGeom prst="flowChartMagneticDisk">
+            <a:avLst/>
+          </a:prstGeom>
+        </p:spPr>
+        <p:style>
+          <a:lnRef idx="2">
+            <a:schemeClr val="accent4">
+              <a:shade val="15000"/>
+            </a:schemeClr>
+          </a:lnRef>
+          <a:fillRef idx="1">
+            <a:schemeClr val="accent4"/>
+          </a:fillRef>
+          <a:effectRef idx="0">
+            <a:schemeClr val="accent4"/>
+          </a:effectRef>
+          <a:fontRef idx="minor">
+            <a:schemeClr val="lt1"/>
+          </a:fontRef>
+        </p:style>
+        <p:txBody>
+          <a:bodyPr rtlCol="0" anchor="ctr"/>
+          <a:lstStyle/>
+          <a:p>
+            <a:pPr algn="ctr"/>
+            <a:r>
+              <a:rPr lang="en-IN" dirty="0"/>
+              <a:t>Custom DB</a:t>
+            </a:r>
+          </a:p>
+        </p:txBody>
+      </p:sp>
       <p:sp>
         <p:nvSpPr>
           <p:cNvPr id="9" name="Rectangle 8">
@@ -11949,7 +12603,7 @@
 </p:sld>
 </file>
 
-<file path=ppt/slides/slide8.xml><?xml version="1.0" encoding="utf-8"?>
+<file path=ppt/slides/slide9.xml><?xml version="1.0" encoding="utf-8"?>
 <p:sld xmlns:a="http://schemas.openxmlformats.org/drawingml/2006/main" xmlns:r="http://schemas.openxmlformats.org/officeDocument/2006/relationships" xmlns:p="http://schemas.openxmlformats.org/presentationml/2006/main">
   <p:cSld>
     <p:spTree>
@@ -12816,570 +13470,6 @@
     <p:extLst>
       <p:ext uri="{BB962C8B-B14F-4D97-AF65-F5344CB8AC3E}">
         <p14:creationId xmlns:p14="http://schemas.microsoft.com/office/powerpoint/2010/main" val="3797168114"/>
-      </p:ext>
-    </p:extLst>
-  </p:cSld>
-  <p:clrMapOvr>
-    <a:masterClrMapping/>
-  </p:clrMapOvr>
-</p:sld>
-</file>
-
-<file path=ppt/slides/slide9.xml><?xml version="1.0" encoding="utf-8"?>
-<p:sld xmlns:a="http://schemas.openxmlformats.org/drawingml/2006/main" xmlns:r="http://schemas.openxmlformats.org/officeDocument/2006/relationships" xmlns:p="http://schemas.openxmlformats.org/presentationml/2006/main">
-  <p:cSld>
-    <p:spTree>
-      <p:nvGrpSpPr>
-        <p:cNvPr id="1" name=""/>
-        <p:cNvGrpSpPr/>
-        <p:nvPr/>
-      </p:nvGrpSpPr>
-      <p:grpSpPr>
-        <a:xfrm>
-          <a:off x="0" y="0"/>
-          <a:ext cx="0" cy="0"/>
-          <a:chOff x="0" y="0"/>
-          <a:chExt cx="0" cy="0"/>
-        </a:xfrm>
-      </p:grpSpPr>
-      <p:sp>
-        <p:nvSpPr>
-          <p:cNvPr id="12" name="TextBox 11">
-            <a:extLst>
-              <a:ext uri="{FF2B5EF4-FFF2-40B4-BE49-F238E27FC236}">
-                <a16:creationId xmlns:a16="http://schemas.microsoft.com/office/drawing/2014/main" id="{44BF80BA-927D-163B-708A-1886227160E1}"/>
-              </a:ext>
-            </a:extLst>
-          </p:cNvPr>
-          <p:cNvSpPr txBox="1"/>
-          <p:nvPr/>
-        </p:nvSpPr>
-        <p:spPr>
-          <a:xfrm>
-            <a:off x="271108" y="1057471"/>
-            <a:ext cx="10274972" cy="861774"/>
-          </a:xfrm>
-          <a:prstGeom prst="rect">
-            <a:avLst/>
-          </a:prstGeom>
-          <a:noFill/>
-        </p:spPr>
-        <p:txBody>
-          <a:bodyPr wrap="square" rtlCol="0">
-            <a:spAutoFit/>
-          </a:bodyPr>
-          <a:lstStyle/>
-          <a:p>
-            <a:r>
-              <a:rPr lang="en-US" b="1" u="sng" dirty="0">
-                <a:solidFill>
-                  <a:schemeClr val="bg1"/>
-                </a:solidFill>
-              </a:rPr>
-              <a:t>Color Grading LUTs:</a:t>
-            </a:r>
-            <a:endParaRPr lang="en-US" dirty="0">
-              <a:solidFill>
-                <a:schemeClr val="bg1"/>
-              </a:solidFill>
-              <a:latin typeface="Calibri Light" panose="020F0302020204030204" pitchFamily="34" charset="0"/>
-              <a:ea typeface="Calibri Light" panose="020F0302020204030204" pitchFamily="34" charset="0"/>
-              <a:cs typeface="Calibri Light" panose="020F0302020204030204" pitchFamily="34" charset="0"/>
-            </a:endParaRPr>
-          </a:p>
-          <a:p>
-            <a:pPr marL="285750" indent="-285750">
-              <a:buFont typeface="Arial" panose="020B0604020202020204" pitchFamily="34" charset="0"/>
-              <a:buChar char="•"/>
-            </a:pPr>
-            <a:r>
-              <a:rPr lang="en-IN" sz="1600" dirty="0">
-                <a:solidFill>
-                  <a:schemeClr val="bg1"/>
-                </a:solidFill>
-                <a:latin typeface="Calibri Light" panose="020F0302020204030204" pitchFamily="34" charset="0"/>
-                <a:ea typeface="Calibri Light" panose="020F0302020204030204" pitchFamily="34" charset="0"/>
-                <a:cs typeface="Calibri Light" panose="020F0302020204030204" pitchFamily="34" charset="0"/>
-              </a:rPr>
-              <a:t>Engine has many tonemapping functions to convert b/w HDR and SDR.</a:t>
-            </a:r>
-          </a:p>
-          <a:p>
-            <a:pPr marL="285750" indent="-285750">
-              <a:buFont typeface="Arial" panose="020B0604020202020204" pitchFamily="34" charset="0"/>
-              <a:buChar char="•"/>
-            </a:pPr>
-            <a:r>
-              <a:rPr lang="en-IN" sz="1600" dirty="0">
-                <a:solidFill>
-                  <a:schemeClr val="bg1"/>
-                </a:solidFill>
-                <a:latin typeface="Calibri Light" panose="020F0302020204030204" pitchFamily="34" charset="0"/>
-                <a:ea typeface="Calibri Light" panose="020F0302020204030204" pitchFamily="34" charset="0"/>
-                <a:cs typeface="Calibri Light" panose="020F0302020204030204" pitchFamily="34" charset="0"/>
-              </a:rPr>
-              <a:t>For </a:t>
-            </a:r>
-            <a:r>
-              <a:rPr lang="en-IN" sz="1600" b="1" dirty="0">
-                <a:solidFill>
-                  <a:schemeClr val="bg1"/>
-                </a:solidFill>
-                <a:latin typeface="Calibri Light" panose="020F0302020204030204" pitchFamily="34" charset="0"/>
-                <a:ea typeface="Calibri Light" panose="020F0302020204030204" pitchFamily="34" charset="0"/>
-                <a:cs typeface="Calibri Light" panose="020F0302020204030204" pitchFamily="34" charset="0"/>
-              </a:rPr>
-              <a:t>HDR tonemapping we need to do it based on the display max brightness and the HDR color space being used.</a:t>
-            </a:r>
-          </a:p>
-        </p:txBody>
-      </p:sp>
-      <p:sp>
-        <p:nvSpPr>
-          <p:cNvPr id="4" name="Title 1">
-            <a:extLst>
-              <a:ext uri="{FF2B5EF4-FFF2-40B4-BE49-F238E27FC236}">
-                <a16:creationId xmlns:a16="http://schemas.microsoft.com/office/drawing/2014/main" id="{07A027EA-F35A-823E-C1E2-1D869D8517D4}"/>
-              </a:ext>
-            </a:extLst>
-          </p:cNvPr>
-          <p:cNvSpPr>
-            <a:spLocks noGrp="1"/>
-          </p:cNvSpPr>
-          <p:nvPr>
-            <p:ph type="title"/>
-          </p:nvPr>
-        </p:nvSpPr>
-        <p:spPr>
-          <a:xfrm>
-            <a:off x="474306" y="198393"/>
-            <a:ext cx="11351934" cy="520418"/>
-          </a:xfrm>
-          <a:noFill/>
-        </p:spPr>
-        <p:txBody>
-          <a:bodyPr/>
-          <a:lstStyle/>
-          <a:p>
-            <a:r>
-              <a:rPr lang="en-US" dirty="0">
-                <a:gradFill flip="none" rotWithShape="1">
-                  <a:gsLst>
-                    <a:gs pos="0">
-                      <a:srgbClr val="C00000"/>
-                    </a:gs>
-                    <a:gs pos="46000">
-                      <a:schemeClr val="accent6">
-                        <a:lumMod val="95000"/>
-                        <a:lumOff val="5000"/>
-                      </a:schemeClr>
-                    </a:gs>
-                    <a:gs pos="100000">
-                      <a:srgbClr val="00B0F0"/>
-                    </a:gs>
-                  </a:gsLst>
-                  <a:path path="circle">
-                    <a:fillToRect l="100000" t="100000"/>
-                  </a:path>
-                  <a:tileRect r="-100000" b="-100000"/>
-                </a:gradFill>
-              </a:rPr>
-              <a:t>Color Space, HDR, Tone mapping and LUT color grading…</a:t>
-            </a:r>
-            <a:endParaRPr lang="en-IN" dirty="0">
-              <a:gradFill flip="none" rotWithShape="1">
-                <a:gsLst>
-                  <a:gs pos="0">
-                    <a:srgbClr val="C00000"/>
-                  </a:gs>
-                  <a:gs pos="46000">
-                    <a:schemeClr val="accent6">
-                      <a:lumMod val="95000"/>
-                      <a:lumOff val="5000"/>
-                    </a:schemeClr>
-                  </a:gs>
-                  <a:gs pos="100000">
-                    <a:srgbClr val="00B0F0"/>
-                  </a:gs>
-                </a:gsLst>
-                <a:path path="circle">
-                  <a:fillToRect l="100000" t="100000"/>
-                </a:path>
-                <a:tileRect r="-100000" b="-100000"/>
-              </a:gradFill>
-            </a:endParaRPr>
-          </a:p>
-        </p:txBody>
-      </p:sp>
-      <p:pic>
-        <p:nvPicPr>
-          <p:cNvPr id="6" name="Picture 5">
-            <a:extLst>
-              <a:ext uri="{FF2B5EF4-FFF2-40B4-BE49-F238E27FC236}">
-                <a16:creationId xmlns:a16="http://schemas.microsoft.com/office/drawing/2014/main" id="{5C2B7755-7C4A-6B4D-2294-8F322D8E3F2A}"/>
-              </a:ext>
-            </a:extLst>
-          </p:cNvPr>
-          <p:cNvPicPr>
-            <a:picLocks noChangeAspect="1"/>
-          </p:cNvPicPr>
-          <p:nvPr/>
-        </p:nvPicPr>
-        <p:blipFill>
-          <a:blip r:embed="rId2">
-            <a:extLst>
-              <a:ext uri="{28A0092B-C50C-407E-A947-70E740481C1C}">
-                <a14:useLocalDpi xmlns:a14="http://schemas.microsoft.com/office/drawing/2010/main" val="0"/>
-              </a:ext>
-            </a:extLst>
-          </a:blip>
-          <a:stretch>
-            <a:fillRect/>
-          </a:stretch>
-        </p:blipFill>
-        <p:spPr>
-          <a:xfrm>
-            <a:off x="623350" y="2156317"/>
-            <a:ext cx="3250794" cy="203175"/>
-          </a:xfrm>
-          <a:prstGeom prst="rect">
-            <a:avLst/>
-          </a:prstGeom>
-        </p:spPr>
-      </p:pic>
-      <p:sp>
-        <p:nvSpPr>
-          <p:cNvPr id="7" name="TextBox 6">
-            <a:extLst>
-              <a:ext uri="{FF2B5EF4-FFF2-40B4-BE49-F238E27FC236}">
-                <a16:creationId xmlns:a16="http://schemas.microsoft.com/office/drawing/2014/main" id="{B2673922-557B-050E-C8D6-764A650E8745}"/>
-              </a:ext>
-            </a:extLst>
-          </p:cNvPr>
-          <p:cNvSpPr txBox="1"/>
-          <p:nvPr/>
-        </p:nvSpPr>
-        <p:spPr>
-          <a:xfrm>
-            <a:off x="562389" y="2526453"/>
-            <a:ext cx="4795317" cy="461665"/>
-          </a:xfrm>
-          <a:prstGeom prst="rect">
-            <a:avLst/>
-          </a:prstGeom>
-          <a:noFill/>
-        </p:spPr>
-        <p:txBody>
-          <a:bodyPr wrap="square" rtlCol="0">
-            <a:spAutoFit/>
-          </a:bodyPr>
-          <a:lstStyle/>
-          <a:p>
-            <a:r>
-              <a:rPr lang="en-IN" sz="1200" dirty="0">
-                <a:solidFill>
-                  <a:schemeClr val="bg1"/>
-                </a:solidFill>
-                <a:latin typeface="Calibri Light" panose="020F0302020204030204" pitchFamily="34" charset="0"/>
-                <a:ea typeface="Calibri Light" panose="020F0302020204030204" pitchFamily="34" charset="0"/>
-                <a:cs typeface="Calibri Light" panose="020F0302020204030204" pitchFamily="34" charset="0"/>
-              </a:rPr>
-              <a:t>Texture.Builtin.ColorGradingNeutralLUT16</a:t>
-            </a:r>
-          </a:p>
-          <a:p>
-            <a:pPr marL="171450" indent="-171450">
-              <a:buFont typeface="Arial" panose="020B0604020202020204" pitchFamily="34" charset="0"/>
-              <a:buChar char="•"/>
-            </a:pPr>
-            <a:r>
-              <a:rPr lang="en-IN" sz="1200" dirty="0">
-                <a:solidFill>
-                  <a:schemeClr val="bg1"/>
-                </a:solidFill>
-                <a:latin typeface="Calibri Light" panose="020F0302020204030204" pitchFamily="34" charset="0"/>
-                <a:ea typeface="Calibri Light" panose="020F0302020204030204" pitchFamily="34" charset="0"/>
-                <a:cs typeface="Calibri Light" panose="020F0302020204030204" pitchFamily="34" charset="0"/>
-              </a:rPr>
-              <a:t>Neutral looking color palette, use this to create your look.</a:t>
-            </a:r>
-          </a:p>
-        </p:txBody>
-      </p:sp>
-      <p:sp>
-        <p:nvSpPr>
-          <p:cNvPr id="8" name="Rectangle 7">
-            <a:extLst>
-              <a:ext uri="{FF2B5EF4-FFF2-40B4-BE49-F238E27FC236}">
-                <a16:creationId xmlns:a16="http://schemas.microsoft.com/office/drawing/2014/main" id="{B4015D95-1FB7-54F6-6882-0B288F69C9F7}"/>
-              </a:ext>
-            </a:extLst>
-          </p:cNvPr>
-          <p:cNvSpPr/>
-          <p:nvPr/>
-        </p:nvSpPr>
-        <p:spPr>
-          <a:xfrm>
-            <a:off x="3948939" y="3595326"/>
-            <a:ext cx="4294121" cy="461665"/>
-          </a:xfrm>
-          <a:prstGeom prst="rect">
-            <a:avLst/>
-          </a:prstGeom>
-          <a:solidFill>
-            <a:srgbClr val="FF5D78"/>
-          </a:solidFill>
-          <a:ln>
-            <a:solidFill>
-              <a:srgbClr val="C00000"/>
-            </a:solidFill>
-          </a:ln>
-        </p:spPr>
-        <p:style>
-          <a:lnRef idx="2">
-            <a:schemeClr val="accent1">
-              <a:shade val="15000"/>
-            </a:schemeClr>
-          </a:lnRef>
-          <a:fillRef idx="1">
-            <a:schemeClr val="accent1"/>
-          </a:fillRef>
-          <a:effectRef idx="0">
-            <a:schemeClr val="accent1"/>
-          </a:effectRef>
-          <a:fontRef idx="minor">
-            <a:schemeClr val="lt1"/>
-          </a:fontRef>
-        </p:style>
-        <p:txBody>
-          <a:bodyPr rtlCol="0" anchor="ctr"/>
-          <a:lstStyle/>
-          <a:p>
-            <a:pPr algn="ctr"/>
-            <a:r>
-              <a:rPr lang="en-US" sz="1200" dirty="0">
-                <a:solidFill>
-                  <a:schemeClr val="tx1"/>
-                </a:solidFill>
-                <a:latin typeface="+mj-lt"/>
-                <a:ea typeface="Calibri Light" panose="020F0302020204030204" pitchFamily="34" charset="0"/>
-                <a:cs typeface="Calibri Light" panose="020F0302020204030204" pitchFamily="34" charset="0"/>
-              </a:rPr>
-              <a:t>Razix has many more presets and supports loading your own LUT, use neutral LUTs  to configure as per your needs.</a:t>
-            </a:r>
-            <a:endParaRPr lang="en-IN" sz="1200" dirty="0">
-              <a:solidFill>
-                <a:schemeClr val="tx1"/>
-              </a:solidFill>
-              <a:latin typeface="+mj-lt"/>
-              <a:ea typeface="Calibri Light" panose="020F0302020204030204" pitchFamily="34" charset="0"/>
-              <a:cs typeface="Calibri Light" panose="020F0302020204030204" pitchFamily="34" charset="0"/>
-            </a:endParaRPr>
-          </a:p>
-        </p:txBody>
-      </p:sp>
-      <p:pic>
-        <p:nvPicPr>
-          <p:cNvPr id="10" name="Picture 9">
-            <a:extLst>
-              <a:ext uri="{FF2B5EF4-FFF2-40B4-BE49-F238E27FC236}">
-                <a16:creationId xmlns:a16="http://schemas.microsoft.com/office/drawing/2014/main" id="{B61B3C0E-3127-77DB-D480-CAAE458FD02C}"/>
-              </a:ext>
-            </a:extLst>
-          </p:cNvPr>
-          <p:cNvPicPr>
-            <a:picLocks noChangeAspect="1"/>
-          </p:cNvPicPr>
-          <p:nvPr/>
-        </p:nvPicPr>
-        <p:blipFill>
-          <a:blip r:embed="rId3">
-            <a:extLst>
-              <a:ext uri="{28A0092B-C50C-407E-A947-70E740481C1C}">
-                <a14:useLocalDpi xmlns:a14="http://schemas.microsoft.com/office/drawing/2010/main" val="0"/>
-              </a:ext>
-            </a:extLst>
-          </a:blip>
-          <a:stretch>
-            <a:fillRect/>
-          </a:stretch>
-        </p:blipFill>
-        <p:spPr>
-          <a:xfrm>
-            <a:off x="6096000" y="2156317"/>
-            <a:ext cx="3291428" cy="205714"/>
-          </a:xfrm>
-          <a:prstGeom prst="rect">
-            <a:avLst/>
-          </a:prstGeom>
-        </p:spPr>
-      </p:pic>
-      <p:sp>
-        <p:nvSpPr>
-          <p:cNvPr id="11" name="TextBox 10">
-            <a:extLst>
-              <a:ext uri="{FF2B5EF4-FFF2-40B4-BE49-F238E27FC236}">
-                <a16:creationId xmlns:a16="http://schemas.microsoft.com/office/drawing/2014/main" id="{89B42B05-EE57-40BB-4A43-7EF31F3CB18E}"/>
-              </a:ext>
-            </a:extLst>
-          </p:cNvPr>
-          <p:cNvSpPr txBox="1"/>
-          <p:nvPr/>
-        </p:nvSpPr>
-        <p:spPr>
-          <a:xfrm>
-            <a:off x="5977669" y="2526452"/>
-            <a:ext cx="5848571" cy="830997"/>
-          </a:xfrm>
-          <a:prstGeom prst="rect">
-            <a:avLst/>
-          </a:prstGeom>
-          <a:noFill/>
-        </p:spPr>
-        <p:txBody>
-          <a:bodyPr wrap="square" rtlCol="0">
-            <a:spAutoFit/>
-          </a:bodyPr>
-          <a:lstStyle/>
-          <a:p>
-            <a:r>
-              <a:rPr lang="en-IN" sz="1200" dirty="0">
-                <a:solidFill>
-                  <a:schemeClr val="bg1"/>
-                </a:solidFill>
-                <a:latin typeface="Calibri Light" panose="020F0302020204030204" pitchFamily="34" charset="0"/>
-                <a:ea typeface="Calibri Light" panose="020F0302020204030204" pitchFamily="34" charset="0"/>
-                <a:cs typeface="Calibri Light" panose="020F0302020204030204" pitchFamily="34" charset="0"/>
-              </a:rPr>
-              <a:t>Texture.Builtin.ColorGradingNeutralLUT16</a:t>
-            </a:r>
-          </a:p>
-          <a:p>
-            <a:pPr marL="171450" indent="-171450">
-              <a:buFont typeface="Arial" panose="020B0604020202020204" pitchFamily="34" charset="0"/>
-              <a:buChar char="•"/>
-            </a:pPr>
-            <a:r>
-              <a:rPr lang="en-IN" sz="1200" dirty="0">
-                <a:solidFill>
-                  <a:schemeClr val="bg1"/>
-                </a:solidFill>
-                <a:latin typeface="Calibri Light" panose="020F0302020204030204" pitchFamily="34" charset="0"/>
-                <a:ea typeface="Calibri Light" panose="020F0302020204030204" pitchFamily="34" charset="0"/>
-                <a:cs typeface="Calibri Light" panose="020F0302020204030204" pitchFamily="34" charset="0"/>
-              </a:rPr>
-              <a:t>Neutral looking color palette, use this to create your look.</a:t>
-            </a:r>
-          </a:p>
-          <a:p>
-            <a:pPr marL="171450" indent="-171450">
-              <a:buFont typeface="Arial" panose="020B0604020202020204" pitchFamily="34" charset="0"/>
-              <a:buChar char="•"/>
-            </a:pPr>
-            <a:r>
-              <a:rPr lang="en-IN" sz="1200" dirty="0">
-                <a:solidFill>
-                  <a:schemeClr val="bg1"/>
-                </a:solidFill>
-                <a:latin typeface="Calibri Light" panose="020F0302020204030204" pitchFamily="34" charset="0"/>
-                <a:ea typeface="Calibri Light" panose="020F0302020204030204" pitchFamily="34" charset="0"/>
-                <a:cs typeface="Calibri Light" panose="020F0302020204030204" pitchFamily="34" charset="0"/>
-              </a:rPr>
-              <a:t>Based on unreal Engine - </a:t>
-            </a:r>
-            <a:r>
-              <a:rPr lang="en-IN" sz="1200" dirty="0">
-                <a:solidFill>
-                  <a:schemeClr val="bg1"/>
-                </a:solidFill>
-                <a:latin typeface="Calibri Light" panose="020F0302020204030204" pitchFamily="34" charset="0"/>
-                <a:ea typeface="Calibri Light" panose="020F0302020204030204" pitchFamily="34" charset="0"/>
-                <a:cs typeface="Calibri Light" panose="020F0302020204030204" pitchFamily="34" charset="0"/>
-                <a:hlinkClick r:id="rId4"/>
-              </a:rPr>
-              <a:t>https://docs.unrealengine.com/4.27/en-US/RenderingAndGraphics/PostProcessEffects/ColorGrading/</a:t>
-            </a:r>
-            <a:endParaRPr lang="en-IN" sz="1200" dirty="0">
-              <a:solidFill>
-                <a:schemeClr val="bg1"/>
-              </a:solidFill>
-              <a:latin typeface="Calibri Light" panose="020F0302020204030204" pitchFamily="34" charset="0"/>
-              <a:ea typeface="Calibri Light" panose="020F0302020204030204" pitchFamily="34" charset="0"/>
-              <a:cs typeface="Calibri Light" panose="020F0302020204030204" pitchFamily="34" charset="0"/>
-            </a:endParaRPr>
-          </a:p>
-        </p:txBody>
-      </p:sp>
-      <p:sp>
-        <p:nvSpPr>
-          <p:cNvPr id="14" name="TextBox 13">
-            <a:extLst>
-              <a:ext uri="{FF2B5EF4-FFF2-40B4-BE49-F238E27FC236}">
-                <a16:creationId xmlns:a16="http://schemas.microsoft.com/office/drawing/2014/main" id="{73B6B01A-A9C4-5135-B9A4-B9B6DDF8AAFC}"/>
-              </a:ext>
-            </a:extLst>
-          </p:cNvPr>
-          <p:cNvSpPr txBox="1"/>
-          <p:nvPr/>
-        </p:nvSpPr>
-        <p:spPr>
-          <a:xfrm>
-            <a:off x="7321974" y="534145"/>
-            <a:ext cx="6096000" cy="369332"/>
-          </a:xfrm>
-          <a:prstGeom prst="rect">
-            <a:avLst/>
-          </a:prstGeom>
-          <a:noFill/>
-        </p:spPr>
-        <p:txBody>
-          <a:bodyPr wrap="square">
-            <a:spAutoFit/>
-          </a:bodyPr>
-          <a:lstStyle/>
-          <a:p>
-            <a:r>
-              <a:rPr lang="en-IN" dirty="0">
-                <a:solidFill>
-                  <a:schemeClr val="bg1"/>
-                </a:solidFill>
-                <a:hlinkClick r:id="rId5">
-                  <a:extLst>
-                    <a:ext uri="{A12FA001-AC4F-418D-AE19-62706E023703}">
-                      <ahyp:hlinkClr xmlns:ahyp="http://schemas.microsoft.com/office/drawing/2018/hyperlinkcolor" val="tx"/>
-                    </a:ext>
-                  </a:extLst>
-                </a:hlinkClick>
-              </a:rPr>
-              <a:t>[Source]:</a:t>
-            </a:r>
-            <a:r>
-              <a:rPr lang="en-IN" dirty="0">
-                <a:solidFill>
-                  <a:srgbClr val="0563C1"/>
-                </a:solidFill>
-                <a:hlinkClick r:id="rId5">
-                  <a:extLst>
-                    <a:ext uri="{A12FA001-AC4F-418D-AE19-62706E023703}">
-                      <ahyp:hlinkClr xmlns:ahyp="http://schemas.microsoft.com/office/drawing/2018/hyperlinkcolor" val="tx"/>
-                    </a:ext>
-                  </a:extLst>
-                </a:hlinkClick>
-              </a:rPr>
-              <a:t> https://defold.com/tutorials/grading/</a:t>
-            </a:r>
-            <a:endParaRPr lang="en-IN" dirty="0">
-              <a:solidFill>
-                <a:schemeClr val="bg1"/>
-              </a:solidFill>
-            </a:endParaRPr>
-          </a:p>
-        </p:txBody>
-      </p:sp>
-    </p:spTree>
-    <p:extLst>
-      <p:ext uri="{BB962C8B-B14F-4D97-AF65-F5344CB8AC3E}">
-        <p14:creationId xmlns:p14="http://schemas.microsoft.com/office/powerpoint/2010/main" val="2919963422"/>
       </p:ext>
     </p:extLst>
   </p:cSld>

--- a/Docs/Features overview.pptx
+++ b/Docs/Features overview.pptx
@@ -256,7 +256,7 @@
           <a:p>
             <a:fld id="{3F16BF55-C0A5-4A93-9892-A2EE55AC4C70}" type="datetimeFigureOut">
               <a:rPr lang="en-IN" smtClean="0"/>
-              <a:t>30/11/24</a:t>
+              <a:t>30-11-2024</a:t>
             </a:fld>
             <a:endParaRPr lang="en-IN"/>
           </a:p>
@@ -691,7 +691,7 @@
           <a:p>
             <a:fld id="{84B6F61C-9FA5-4C35-A1D3-00EE2C15A6C0}" type="datetimeFigureOut">
               <a:rPr lang="en-IN" smtClean="0"/>
-              <a:t>30/11/24</a:t>
+              <a:t>30-11-2024</a:t>
             </a:fld>
             <a:endParaRPr lang="en-IN"/>
           </a:p>
@@ -920,7 +920,7 @@
           <a:p>
             <a:fld id="{84B6F61C-9FA5-4C35-A1D3-00EE2C15A6C0}" type="datetimeFigureOut">
               <a:rPr lang="en-IN" smtClean="0"/>
-              <a:t>30/11/24</a:t>
+              <a:t>30-11-2024</a:t>
             </a:fld>
             <a:endParaRPr lang="en-IN"/>
           </a:p>
@@ -1144,7 +1144,7 @@
           <a:p>
             <a:fld id="{84B6F61C-9FA5-4C35-A1D3-00EE2C15A6C0}" type="datetimeFigureOut">
               <a:rPr lang="en-IN" smtClean="0"/>
-              <a:t>30/11/24</a:t>
+              <a:t>30-11-2024</a:t>
             </a:fld>
             <a:endParaRPr lang="en-IN"/>
           </a:p>
@@ -1414,7 +1414,7 @@
           <a:p>
             <a:fld id="{84B6F61C-9FA5-4C35-A1D3-00EE2C15A6C0}" type="datetimeFigureOut">
               <a:rPr lang="en-IN" smtClean="0"/>
-              <a:t>30/11/24</a:t>
+              <a:t>30-11-2024</a:t>
             </a:fld>
             <a:endParaRPr lang="en-IN" dirty="0"/>
           </a:p>
@@ -1801,7 +1801,7 @@
           <a:p>
             <a:fld id="{84B6F61C-9FA5-4C35-A1D3-00EE2C15A6C0}" type="datetimeFigureOut">
               <a:rPr lang="en-IN" smtClean="0"/>
-              <a:t>30/11/24</a:t>
+              <a:t>30-11-2024</a:t>
             </a:fld>
             <a:endParaRPr lang="en-IN"/>
           </a:p>
@@ -2168,7 +2168,7 @@
           <a:p>
             <a:fld id="{84B6F61C-9FA5-4C35-A1D3-00EE2C15A6C0}" type="datetimeFigureOut">
               <a:rPr lang="en-IN" smtClean="0"/>
-              <a:t>30/11/24</a:t>
+              <a:t>30-11-2024</a:t>
             </a:fld>
             <a:endParaRPr lang="en-IN"/>
           </a:p>
@@ -2597,7 +2597,7 @@
           <a:p>
             <a:fld id="{84B6F61C-9FA5-4C35-A1D3-00EE2C15A6C0}" type="datetimeFigureOut">
               <a:rPr lang="en-IN" smtClean="0"/>
-              <a:t>30/11/24</a:t>
+              <a:t>30-11-2024</a:t>
             </a:fld>
             <a:endParaRPr lang="en-IN" dirty="0"/>
           </a:p>
@@ -2761,7 +2761,7 @@
           <a:p>
             <a:fld id="{84B6F61C-9FA5-4C35-A1D3-00EE2C15A6C0}" type="datetimeFigureOut">
               <a:rPr lang="en-IN" smtClean="0"/>
-              <a:t>30/11/24</a:t>
+              <a:t>30-11-2024</a:t>
             </a:fld>
             <a:endParaRPr lang="en-IN"/>
           </a:p>
@@ -2893,7 +2893,7 @@
           <a:p>
             <a:fld id="{84B6F61C-9FA5-4C35-A1D3-00EE2C15A6C0}" type="datetimeFigureOut">
               <a:rPr lang="en-IN" smtClean="0"/>
-              <a:t>30/11/24</a:t>
+              <a:t>30-11-2024</a:t>
             </a:fld>
             <a:endParaRPr lang="en-IN"/>
           </a:p>
@@ -3225,7 +3225,7 @@
           <a:p>
             <a:fld id="{84B6F61C-9FA5-4C35-A1D3-00EE2C15A6C0}" type="datetimeFigureOut">
               <a:rPr lang="en-IN" smtClean="0"/>
-              <a:t>30/11/24</a:t>
+              <a:t>30-11-2024</a:t>
             </a:fld>
             <a:endParaRPr lang="en-IN"/>
           </a:p>
@@ -3528,7 +3528,7 @@
           <a:p>
             <a:fld id="{84B6F61C-9FA5-4C35-A1D3-00EE2C15A6C0}" type="datetimeFigureOut">
               <a:rPr lang="en-IN" smtClean="0"/>
-              <a:t>30/11/24</a:t>
+              <a:t>30-11-2024</a:t>
             </a:fld>
             <a:endParaRPr lang="en-IN"/>
           </a:p>
@@ -3780,7 +3780,7 @@
           <a:p>
             <a:fld id="{84B6F61C-9FA5-4C35-A1D3-00EE2C15A6C0}" type="datetimeFigureOut">
               <a:rPr lang="en-IN" smtClean="0"/>
-              <a:t>30/11/24</a:t>
+              <a:t>30-11-2024</a:t>
             </a:fld>
             <a:endParaRPr lang="en-IN"/>
           </a:p>
@@ -10731,20 +10731,46 @@
             <p:ph idx="1"/>
           </p:nvPr>
         </p:nvSpPr>
-        <p:spPr/>
-        <p:txBody>
-          <a:bodyPr/>
+        <p:spPr>
+          <a:xfrm>
+            <a:off x="335903" y="1040149"/>
+            <a:ext cx="11490338" cy="2388851"/>
+          </a:xfrm>
+        </p:spPr>
+        <p:txBody>
+          <a:bodyPr>
+            <a:normAutofit lnSpcReduction="10000"/>
+          </a:bodyPr>
           <a:lstStyle/>
           <a:p>
             <a:r>
+              <a:rPr lang="en-US" b="1" i="1" dirty="0">
+                <a:solidFill>
+                  <a:schemeClr val="tx1"/>
+                </a:solidFill>
+                <a:highlight>
+                  <a:srgbClr val="FFFF00"/>
+                </a:highlight>
+              </a:rPr>
+              <a:t>“Everything is an asset”</a:t>
+            </a:r>
+            <a:r>
               <a:rPr lang="en-US" dirty="0"/>
-              <a:t>“Everything is an asset”: Meshes, Transform, Tag, UUID, Material, anything and everything in the Game world is an asset</a:t>
+              <a:t>: Meshes, Transform, UUID, Material, anything and everything in the Game world is an asset</a:t>
             </a:r>
           </a:p>
           <a:p>
             <a:r>
               <a:rPr lang="en-US" dirty="0"/>
-              <a:t>Everything in Serializable: Since everything is as Asset, storable to disk</a:t>
+              <a:t>Everything in Serializable: Since everything is as Asset, storable to disk or stream able over </a:t>
+            </a:r>
+            <a:r>
+              <a:rPr lang="en-US" dirty="0" err="1"/>
+              <a:t>BluRay</a:t>
+            </a:r>
+            <a:r>
+              <a:rPr lang="en-US" dirty="0"/>
+              <a:t>/SSD/Network </a:t>
             </a:r>
           </a:p>
           <a:p>
@@ -10767,7 +10793,15 @@
           <a:p>
             <a:r>
               <a:rPr lang="en-US" dirty="0"/>
-              <a:t>Scene Graph stores Asset refs for parent-child relationship</a:t>
+              <a:t>Scene Graph stores Asset refs for parent-child and </a:t>
+            </a:r>
+            <a:r>
+              <a:rPr lang="en-US" b="1" dirty="0"/>
+              <a:t>Spatial</a:t>
+            </a:r>
+            <a:r>
+              <a:rPr lang="en-US" dirty="0"/>
+              <a:t> relationship</a:t>
             </a:r>
           </a:p>
           <a:p>
@@ -10776,7 +10810,14 @@
               <a:t>Asset database stores and handles assets in </a:t>
             </a:r>
             <a:r>
-              <a:rPr lang="en-US" b="1" dirty="0"/>
+              <a:rPr lang="en-US" b="1" dirty="0">
+                <a:solidFill>
+                  <a:schemeClr val="tx1"/>
+                </a:solidFill>
+                <a:highlight>
+                  <a:srgbClr val="FFFF00"/>
+                </a:highlight>
+              </a:rPr>
               <a:t>different pools</a:t>
             </a:r>
           </a:p>
@@ -10785,9 +10826,6 @@
               <a:rPr lang="en-US" dirty="0"/>
               <a:t>Lazy allocation and Proxy mechanism for resource translation</a:t>
             </a:r>
-          </a:p>
-          <a:p>
-            <a:endParaRPr lang="en-US" dirty="0"/>
           </a:p>
           <a:p>
             <a:endParaRPr lang="en-US" dirty="0"/>
@@ -10800,6 +10838,185 @@
               <a:buNone/>
             </a:pPr>
             <a:endParaRPr lang="en-US" dirty="0"/>
+          </a:p>
+        </p:txBody>
+      </p:sp>
+      <p:pic>
+        <p:nvPicPr>
+          <p:cNvPr id="7" name="Picture 6">
+            <a:extLst>
+              <a:ext uri="{FF2B5EF4-FFF2-40B4-BE49-F238E27FC236}">
+                <a16:creationId xmlns:a16="http://schemas.microsoft.com/office/drawing/2014/main" id="{EB733EB5-AE57-54BF-310E-6F7BBD3E3E5B}"/>
+              </a:ext>
+            </a:extLst>
+          </p:cNvPr>
+          <p:cNvPicPr>
+            <a:picLocks noChangeAspect="1"/>
+          </p:cNvPicPr>
+          <p:nvPr/>
+        </p:nvPicPr>
+        <p:blipFill>
+          <a:blip r:embed="rId2"/>
+          <a:stretch>
+            <a:fillRect/>
+          </a:stretch>
+        </p:blipFill>
+        <p:spPr>
+          <a:xfrm>
+            <a:off x="474306" y="3468666"/>
+            <a:ext cx="3487632" cy="3190941"/>
+          </a:xfrm>
+          <a:prstGeom prst="rect">
+            <a:avLst/>
+          </a:prstGeom>
+        </p:spPr>
+      </p:pic>
+      <p:sp>
+        <p:nvSpPr>
+          <p:cNvPr id="8" name="TextBox 7">
+            <a:extLst>
+              <a:ext uri="{FF2B5EF4-FFF2-40B4-BE49-F238E27FC236}">
+                <a16:creationId xmlns:a16="http://schemas.microsoft.com/office/drawing/2014/main" id="{2BC8D2F8-A4F0-EE84-FDEE-8F21FA0A7EB8}"/>
+              </a:ext>
+            </a:extLst>
+          </p:cNvPr>
+          <p:cNvSpPr txBox="1"/>
+          <p:nvPr/>
+        </p:nvSpPr>
+        <p:spPr>
+          <a:xfrm>
+            <a:off x="1376242" y="3617350"/>
+            <a:ext cx="1683759" cy="307777"/>
+          </a:xfrm>
+          <a:prstGeom prst="rect">
+            <a:avLst/>
+          </a:prstGeom>
+          <a:noFill/>
+        </p:spPr>
+        <p:txBody>
+          <a:bodyPr wrap="square" rtlCol="0">
+            <a:spAutoFit/>
+          </a:bodyPr>
+          <a:lstStyle/>
+          <a:p>
+            <a:pPr algn="ctr"/>
+            <a:r>
+              <a:rPr lang="en-US" sz="1400" i="1" dirty="0">
+                <a:highlight>
+                  <a:srgbClr val="FFFF00"/>
+                </a:highlight>
+              </a:rPr>
+              <a:t>Transform.asset file</a:t>
+            </a:r>
+            <a:endParaRPr lang="en-IN" sz="1400" i="1" dirty="0">
+              <a:highlight>
+                <a:srgbClr val="FFFF00"/>
+              </a:highlight>
+            </a:endParaRPr>
+          </a:p>
+        </p:txBody>
+      </p:sp>
+      <p:sp>
+        <p:nvSpPr>
+          <p:cNvPr id="16" name="TextBox 15">
+            <a:extLst>
+              <a:ext uri="{FF2B5EF4-FFF2-40B4-BE49-F238E27FC236}">
+                <a16:creationId xmlns:a16="http://schemas.microsoft.com/office/drawing/2014/main" id="{FBF60DB3-AB6E-39C8-F2C2-3A523CFAE985}"/>
+              </a:ext>
+            </a:extLst>
+          </p:cNvPr>
+          <p:cNvSpPr txBox="1"/>
+          <p:nvPr/>
+        </p:nvSpPr>
+        <p:spPr>
+          <a:xfrm>
+            <a:off x="3961937" y="3468666"/>
+            <a:ext cx="6075680" cy="2862322"/>
+          </a:xfrm>
+          <a:prstGeom prst="rect">
+            <a:avLst/>
+          </a:prstGeom>
+          <a:noFill/>
+        </p:spPr>
+        <p:txBody>
+          <a:bodyPr wrap="square" rtlCol="0">
+            <a:spAutoFit/>
+          </a:bodyPr>
+          <a:lstStyle/>
+          <a:p>
+            <a:pPr marL="285750" indent="-285750">
+              <a:buFont typeface="Arial" panose="020B0604020202020204" pitchFamily="34" charset="0"/>
+              <a:buChar char="•"/>
+            </a:pPr>
+            <a:r>
+              <a:rPr lang="en-US" dirty="0">
+                <a:solidFill>
+                  <a:schemeClr val="bg1"/>
+                </a:solidFill>
+              </a:rPr>
+              <a:t>Scene Graph enforces spatial parent-child hierarchical rules</a:t>
+            </a:r>
+          </a:p>
+          <a:p>
+            <a:pPr marL="285750" indent="-285750">
+              <a:buFont typeface="Arial" panose="020B0604020202020204" pitchFamily="34" charset="0"/>
+              <a:buChar char="•"/>
+            </a:pPr>
+            <a:r>
+              <a:rPr lang="en-US" dirty="0">
+                <a:solidFill>
+                  <a:schemeClr val="bg1"/>
+                </a:solidFill>
+              </a:rPr>
+              <a:t>These rules are used by Scene graph for run-time validation </a:t>
+            </a:r>
+          </a:p>
+          <a:p>
+            <a:pPr marL="285750" indent="-285750">
+              <a:buFont typeface="Arial" panose="020B0604020202020204" pitchFamily="34" charset="0"/>
+              <a:buChar char="•"/>
+            </a:pPr>
+            <a:r>
+              <a:rPr lang="en-US" dirty="0">
+                <a:solidFill>
+                  <a:schemeClr val="bg1"/>
+                </a:solidFill>
+              </a:rPr>
+              <a:t>Also used by AssetSystem for offline validation for checking broken asset files</a:t>
+            </a:r>
+          </a:p>
+          <a:p>
+            <a:pPr marL="285750" indent="-285750">
+              <a:buFont typeface="Arial" panose="020B0604020202020204" pitchFamily="34" charset="0"/>
+              <a:buChar char="•"/>
+            </a:pPr>
+            <a:r>
+              <a:rPr lang="en-US" i="1" dirty="0">
+                <a:solidFill>
+                  <a:schemeClr val="bg1"/>
+                </a:solidFill>
+              </a:rPr>
+              <a:t>Ex rules. IAssetRule, MeshTransformSpatialAssetRule (this rules makes sure we can’t have dangling mesh assets in the root of the scene graph, it must be a child of some TransformAsset and the mesh asset must reference this file)</a:t>
+            </a:r>
+          </a:p>
+          <a:p>
+            <a:pPr marL="285750" indent="-285750">
+              <a:buFont typeface="Arial" panose="020B0604020202020204" pitchFamily="34" charset="0"/>
+              <a:buChar char="•"/>
+            </a:pPr>
+            <a:r>
+              <a:rPr lang="en-US" i="1" dirty="0">
+                <a:solidFill>
+                  <a:schemeClr val="bg1"/>
+                </a:solidFill>
+              </a:rPr>
+              <a:t>Not all new asset types need C++ classes, we can have data-only assets for storing data, easier for non-programmers</a:t>
+            </a:r>
+            <a:endParaRPr lang="en-IN" i="1" dirty="0">
+              <a:solidFill>
+                <a:schemeClr val="bg1"/>
+              </a:solidFill>
+            </a:endParaRPr>
           </a:p>
         </p:txBody>
       </p:sp>

--- a/Docs/Features overview.pptx
+++ b/Docs/Features overview.pptx
@@ -12059,6 +12059,53 @@
           <a:chExt cx="0" cy="0"/>
         </a:xfrm>
       </p:grpSpPr>
+      <p:cxnSp>
+        <p:nvCxnSpPr>
+          <p:cNvPr id="4" name="Straight Connector 3">
+            <a:extLst>
+              <a:ext uri="{FF2B5EF4-FFF2-40B4-BE49-F238E27FC236}">
+                <a16:creationId xmlns:a16="http://schemas.microsoft.com/office/drawing/2014/main" id="{D6A3021A-91F9-0B7B-3B01-E5656434A588}"/>
+              </a:ext>
+            </a:extLst>
+          </p:cNvPr>
+          <p:cNvCxnSpPr>
+            <a:cxnSpLocks/>
+          </p:cNvCxnSpPr>
+          <p:nvPr/>
+        </p:nvCxnSpPr>
+        <p:spPr>
+          <a:xfrm>
+            <a:off x="7819786" y="1058938"/>
+            <a:ext cx="0" cy="5398678"/>
+          </a:xfrm>
+          <a:prstGeom prst="line">
+            <a:avLst/>
+          </a:prstGeom>
+          <a:ln w="38100">
+            <a:solidFill>
+              <a:schemeClr val="accent4">
+                <a:lumMod val="60000"/>
+                <a:lumOff val="40000"/>
+              </a:schemeClr>
+            </a:solidFill>
+            <a:prstDash val="dash"/>
+          </a:ln>
+        </p:spPr>
+        <p:style>
+          <a:lnRef idx="1">
+            <a:schemeClr val="accent1"/>
+          </a:lnRef>
+          <a:fillRef idx="0">
+            <a:schemeClr val="accent1"/>
+          </a:fillRef>
+          <a:effectRef idx="0">
+            <a:schemeClr val="accent1"/>
+          </a:effectRef>
+          <a:fontRef idx="minor">
+            <a:schemeClr val="tx1"/>
+          </a:fontRef>
+        </p:style>
+      </p:cxnSp>
       <p:sp>
         <p:nvSpPr>
           <p:cNvPr id="58" name="Rectangle 57">
@@ -13643,53 +13690,6 @@
           </a:p>
         </p:txBody>
       </p:sp>
-      <p:cxnSp>
-        <p:nvCxnSpPr>
-          <p:cNvPr id="4" name="Straight Connector 3">
-            <a:extLst>
-              <a:ext uri="{FF2B5EF4-FFF2-40B4-BE49-F238E27FC236}">
-                <a16:creationId xmlns:a16="http://schemas.microsoft.com/office/drawing/2014/main" id="{D6A3021A-91F9-0B7B-3B01-E5656434A588}"/>
-              </a:ext>
-            </a:extLst>
-          </p:cNvPr>
-          <p:cNvCxnSpPr>
-            <a:cxnSpLocks/>
-          </p:cNvCxnSpPr>
-          <p:nvPr/>
-        </p:nvCxnSpPr>
-        <p:spPr>
-          <a:xfrm>
-            <a:off x="7819786" y="1058938"/>
-            <a:ext cx="0" cy="5398678"/>
-          </a:xfrm>
-          <a:prstGeom prst="line">
-            <a:avLst/>
-          </a:prstGeom>
-          <a:ln w="38100">
-            <a:solidFill>
-              <a:schemeClr val="accent4">
-                <a:lumMod val="60000"/>
-                <a:lumOff val="40000"/>
-              </a:schemeClr>
-            </a:solidFill>
-            <a:prstDash val="dash"/>
-          </a:ln>
-        </p:spPr>
-        <p:style>
-          <a:lnRef idx="1">
-            <a:schemeClr val="accent1"/>
-          </a:lnRef>
-          <a:fillRef idx="0">
-            <a:schemeClr val="accent1"/>
-          </a:fillRef>
-          <a:effectRef idx="0">
-            <a:schemeClr val="accent1"/>
-          </a:effectRef>
-          <a:fontRef idx="minor">
-            <a:schemeClr val="tx1"/>
-          </a:fontRef>
-        </p:style>
-      </p:cxnSp>
       <p:sp>
         <p:nvSpPr>
           <p:cNvPr id="5" name="TextBox 4">

--- a/Docs/Features overview.pptx
+++ b/Docs/Features overview.pptx
@@ -258,7 +258,7 @@
           <a:p>
             <a:fld id="{3F16BF55-C0A5-4A93-9892-A2EE55AC4C70}" type="datetimeFigureOut">
               <a:rPr lang="en-IN" smtClean="0"/>
-              <a:t>30/11/24</a:t>
+              <a:t>22-06-2025</a:t>
             </a:fld>
             <a:endParaRPr lang="en-IN"/>
           </a:p>
@@ -693,7 +693,7 @@
           <a:p>
             <a:fld id="{84B6F61C-9FA5-4C35-A1D3-00EE2C15A6C0}" type="datetimeFigureOut">
               <a:rPr lang="en-IN" smtClean="0"/>
-              <a:t>30/11/24</a:t>
+              <a:t>22-06-2025</a:t>
             </a:fld>
             <a:endParaRPr lang="en-IN"/>
           </a:p>
@@ -922,7 +922,7 @@
           <a:p>
             <a:fld id="{84B6F61C-9FA5-4C35-A1D3-00EE2C15A6C0}" type="datetimeFigureOut">
               <a:rPr lang="en-IN" smtClean="0"/>
-              <a:t>30/11/24</a:t>
+              <a:t>22-06-2025</a:t>
             </a:fld>
             <a:endParaRPr lang="en-IN"/>
           </a:p>
@@ -1146,7 +1146,7 @@
           <a:p>
             <a:fld id="{84B6F61C-9FA5-4C35-A1D3-00EE2C15A6C0}" type="datetimeFigureOut">
               <a:rPr lang="en-IN" smtClean="0"/>
-              <a:t>30/11/24</a:t>
+              <a:t>22-06-2025</a:t>
             </a:fld>
             <a:endParaRPr lang="en-IN"/>
           </a:p>
@@ -1416,7 +1416,7 @@
           <a:p>
             <a:fld id="{84B6F61C-9FA5-4C35-A1D3-00EE2C15A6C0}" type="datetimeFigureOut">
               <a:rPr lang="en-IN" smtClean="0"/>
-              <a:t>30/11/24</a:t>
+              <a:t>22-06-2025</a:t>
             </a:fld>
             <a:endParaRPr lang="en-IN" dirty="0"/>
           </a:p>
@@ -1803,7 +1803,7 @@
           <a:p>
             <a:fld id="{84B6F61C-9FA5-4C35-A1D3-00EE2C15A6C0}" type="datetimeFigureOut">
               <a:rPr lang="en-IN" smtClean="0"/>
-              <a:t>30/11/24</a:t>
+              <a:t>22-06-2025</a:t>
             </a:fld>
             <a:endParaRPr lang="en-IN"/>
           </a:p>
@@ -2170,7 +2170,7 @@
           <a:p>
             <a:fld id="{84B6F61C-9FA5-4C35-A1D3-00EE2C15A6C0}" type="datetimeFigureOut">
               <a:rPr lang="en-IN" smtClean="0"/>
-              <a:t>30/11/24</a:t>
+              <a:t>22-06-2025</a:t>
             </a:fld>
             <a:endParaRPr lang="en-IN"/>
           </a:p>
@@ -2599,7 +2599,7 @@
           <a:p>
             <a:fld id="{84B6F61C-9FA5-4C35-A1D3-00EE2C15A6C0}" type="datetimeFigureOut">
               <a:rPr lang="en-IN" smtClean="0"/>
-              <a:t>30/11/24</a:t>
+              <a:t>22-06-2025</a:t>
             </a:fld>
             <a:endParaRPr lang="en-IN" dirty="0"/>
           </a:p>
@@ -2763,7 +2763,7 @@
           <a:p>
             <a:fld id="{84B6F61C-9FA5-4C35-A1D3-00EE2C15A6C0}" type="datetimeFigureOut">
               <a:rPr lang="en-IN" smtClean="0"/>
-              <a:t>30/11/24</a:t>
+              <a:t>22-06-2025</a:t>
             </a:fld>
             <a:endParaRPr lang="en-IN"/>
           </a:p>
@@ -2895,7 +2895,7 @@
           <a:p>
             <a:fld id="{84B6F61C-9FA5-4C35-A1D3-00EE2C15A6C0}" type="datetimeFigureOut">
               <a:rPr lang="en-IN" smtClean="0"/>
-              <a:t>30/11/24</a:t>
+              <a:t>22-06-2025</a:t>
             </a:fld>
             <a:endParaRPr lang="en-IN"/>
           </a:p>
@@ -3227,7 +3227,7 @@
           <a:p>
             <a:fld id="{84B6F61C-9FA5-4C35-A1D3-00EE2C15A6C0}" type="datetimeFigureOut">
               <a:rPr lang="en-IN" smtClean="0"/>
-              <a:t>30/11/24</a:t>
+              <a:t>22-06-2025</a:t>
             </a:fld>
             <a:endParaRPr lang="en-IN"/>
           </a:p>
@@ -3530,7 +3530,7 @@
           <a:p>
             <a:fld id="{84B6F61C-9FA5-4C35-A1D3-00EE2C15A6C0}" type="datetimeFigureOut">
               <a:rPr lang="en-IN" smtClean="0"/>
-              <a:t>30/11/24</a:t>
+              <a:t>22-06-2025</a:t>
             </a:fld>
             <a:endParaRPr lang="en-IN"/>
           </a:p>
@@ -3782,7 +3782,7 @@
           <a:p>
             <a:fld id="{84B6F61C-9FA5-4C35-A1D3-00EE2C15A6C0}" type="datetimeFigureOut">
               <a:rPr lang="en-IN" smtClean="0"/>
-              <a:t>30/11/24</a:t>
+              <a:t>22-06-2025</a:t>
             </a:fld>
             <a:endParaRPr lang="en-IN"/>
           </a:p>
@@ -9706,7 +9706,7 @@
                 <a:ea typeface="Calibri Light" panose="020F0302020204030204" pitchFamily="34" charset="0"/>
                 <a:cs typeface="Courier New" panose="02070309020205020404" pitchFamily="49" charset="0"/>
               </a:rPr>
-              <a:t>Diana::BuildDrawables(RZWorld::meshes/decals)</a:t>
+              <a:t>House::BuildDrawables(RZWorld::meshes/decals)</a:t>
             </a:r>
             <a:endParaRPr lang="en-IN" sz="800" dirty="0">
               <a:solidFill>
@@ -9818,7 +9818,7 @@
                 <a:ea typeface="Calibri Light" panose="020F0302020204030204" pitchFamily="34" charset="0"/>
                 <a:cs typeface="Courier New" panose="02070309020205020404" pitchFamily="49" charset="0"/>
               </a:rPr>
-              <a:t>Diana::BuildBatches(Drawables*) </a:t>
+              <a:t>House ::BuildBatches(Drawables*) </a:t>
             </a:r>
             <a:endParaRPr lang="en-IN" sz="800" dirty="0">
               <a:solidFill>
@@ -11438,7 +11438,7 @@
                   <a:srgbClr val="FFFF00"/>
                 </a:highlight>
               </a:rPr>
-              <a:t>Diana</a:t>
+              <a:t>House</a:t>
             </a:r>
             <a:r>
               <a:rPr lang="en-US" sz="1000" dirty="0">
@@ -11465,7 +11465,7 @@
                 <a:ea typeface="Calibri Light" panose="020F0302020204030204" pitchFamily="34" charset="0"/>
                 <a:cs typeface="Calibri Light" panose="020F0302020204030204" pitchFamily="34" charset="0"/>
               </a:rPr>
-              <a:t>Named after princess Diana.</a:t>
+              <a:t>Named after Dr. Gregory House MD.</a:t>
             </a:r>
             <a:endParaRPr lang="en-IN" sz="1000" i="1" dirty="0">
               <a:solidFill>
